--- a/Report/Pipeline_Process.pptx
+++ b/Report/Pipeline_Process.pptx
@@ -4,8 +4,12 @@
   <p:sldMasterIdLst>
     <p:sldMasterId id="2147483648" r:id="rId1"/>
   </p:sldMasterIdLst>
+  <p:notesMasterIdLst>
+    <p:notesMasterId r:id="rId4"/>
+  </p:notesMasterIdLst>
   <p:sldIdLst>
     <p:sldId id="256" r:id="rId2"/>
+    <p:sldId id="351" r:id="rId3"/>
   </p:sldIdLst>
   <p:sldSz cx="12192000" cy="6858000"/>
   <p:notesSz cx="6858000" cy="9144000"/>
@@ -121,6 +125,450 @@
     </p:ext>
   </p:extLst>
 </p:presentation>
+</file>
+
+<file path=ppt/notesMasters/notesMaster1.xml><?xml version="1.0" encoding="utf-8"?>
+<p:notesMaster xmlns:a="http://schemas.openxmlformats.org/drawingml/2006/main" xmlns:r="http://schemas.openxmlformats.org/officeDocument/2006/relationships" xmlns:p="http://schemas.openxmlformats.org/presentationml/2006/main">
+  <p:cSld>
+    <p:bg>
+      <p:bgRef idx="1001">
+        <a:schemeClr val="bg1"/>
+      </p:bgRef>
+    </p:bg>
+    <p:spTree>
+      <p:nvGrpSpPr>
+        <p:cNvPr id="1" name=""/>
+        <p:cNvGrpSpPr/>
+        <p:nvPr/>
+      </p:nvGrpSpPr>
+      <p:grpSpPr>
+        <a:xfrm>
+          <a:off x="0" y="0"/>
+          <a:ext cx="0" cy="0"/>
+          <a:chOff x="0" y="0"/>
+          <a:chExt cx="0" cy="0"/>
+        </a:xfrm>
+      </p:grpSpPr>
+      <p:sp>
+        <p:nvSpPr>
+          <p:cNvPr id="2" name="Header Placeholder 1"/>
+          <p:cNvSpPr>
+            <a:spLocks noGrp="1"/>
+          </p:cNvSpPr>
+          <p:nvPr>
+            <p:ph type="hdr" sz="quarter"/>
+          </p:nvPr>
+        </p:nvSpPr>
+        <p:spPr>
+          <a:xfrm>
+            <a:off x="0" y="0"/>
+            <a:ext cx="2971800" cy="458788"/>
+          </a:xfrm>
+          <a:prstGeom prst="rect">
+            <a:avLst/>
+          </a:prstGeom>
+        </p:spPr>
+        <p:txBody>
+          <a:bodyPr vert="horz" lIns="91440" tIns="45720" rIns="91440" bIns="45720" rtlCol="0"/>
+          <a:lstStyle>
+            <a:lvl1pPr algn="l">
+              <a:defRPr sz="1200"/>
+            </a:lvl1pPr>
+          </a:lstStyle>
+          <a:p>
+            <a:endParaRPr lang="en-US"/>
+          </a:p>
+        </p:txBody>
+      </p:sp>
+      <p:sp>
+        <p:nvSpPr>
+          <p:cNvPr id="3" name="Date Placeholder 2"/>
+          <p:cNvSpPr>
+            <a:spLocks noGrp="1"/>
+          </p:cNvSpPr>
+          <p:nvPr>
+            <p:ph type="dt" idx="1"/>
+          </p:nvPr>
+        </p:nvSpPr>
+        <p:spPr>
+          <a:xfrm>
+            <a:off x="3884613" y="0"/>
+            <a:ext cx="2971800" cy="458788"/>
+          </a:xfrm>
+          <a:prstGeom prst="rect">
+            <a:avLst/>
+          </a:prstGeom>
+        </p:spPr>
+        <p:txBody>
+          <a:bodyPr vert="horz" lIns="91440" tIns="45720" rIns="91440" bIns="45720" rtlCol="0"/>
+          <a:lstStyle>
+            <a:lvl1pPr algn="r">
+              <a:defRPr sz="1200"/>
+            </a:lvl1pPr>
+          </a:lstStyle>
+          <a:p>
+            <a:fld id="{D2F9E994-851E-CA40-9256-D22CD526733A}" type="datetimeFigureOut">
+              <a:rPr lang="en-US" smtClean="0"/>
+              <a:t>12/6/23</a:t>
+            </a:fld>
+            <a:endParaRPr lang="en-US"/>
+          </a:p>
+        </p:txBody>
+      </p:sp>
+      <p:sp>
+        <p:nvSpPr>
+          <p:cNvPr id="4" name="Slide Image Placeholder 3"/>
+          <p:cNvSpPr>
+            <a:spLocks noGrp="1" noRot="1" noChangeAspect="1"/>
+          </p:cNvSpPr>
+          <p:nvPr>
+            <p:ph type="sldImg" idx="2"/>
+          </p:nvPr>
+        </p:nvSpPr>
+        <p:spPr>
+          <a:xfrm>
+            <a:off x="685800" y="1143000"/>
+            <a:ext cx="5486400" cy="3086100"/>
+          </a:xfrm>
+          <a:prstGeom prst="rect">
+            <a:avLst/>
+          </a:prstGeom>
+          <a:noFill/>
+          <a:ln w="12700">
+            <a:solidFill>
+              <a:prstClr val="black"/>
+            </a:solidFill>
+          </a:ln>
+        </p:spPr>
+        <p:txBody>
+          <a:bodyPr vert="horz" lIns="91440" tIns="45720" rIns="91440" bIns="45720" rtlCol="0" anchor="ctr"/>
+          <a:lstStyle/>
+          <a:p>
+            <a:endParaRPr lang="en-US"/>
+          </a:p>
+        </p:txBody>
+      </p:sp>
+      <p:sp>
+        <p:nvSpPr>
+          <p:cNvPr id="5" name="Notes Placeholder 4"/>
+          <p:cNvSpPr>
+            <a:spLocks noGrp="1"/>
+          </p:cNvSpPr>
+          <p:nvPr>
+            <p:ph type="body" sz="quarter" idx="3"/>
+          </p:nvPr>
+        </p:nvSpPr>
+        <p:spPr>
+          <a:xfrm>
+            <a:off x="685800" y="4400550"/>
+            <a:ext cx="5486400" cy="3600450"/>
+          </a:xfrm>
+          <a:prstGeom prst="rect">
+            <a:avLst/>
+          </a:prstGeom>
+        </p:spPr>
+        <p:txBody>
+          <a:bodyPr vert="horz" lIns="91440" tIns="45720" rIns="91440" bIns="45720" rtlCol="0"/>
+          <a:lstStyle/>
+          <a:p>
+            <a:pPr lvl="0"/>
+            <a:r>
+              <a:rPr lang="en-US"/>
+              <a:t>Click to edit Master text styles</a:t>
+            </a:r>
+          </a:p>
+          <a:p>
+            <a:pPr lvl="1"/>
+            <a:r>
+              <a:rPr lang="en-US"/>
+              <a:t>Second level</a:t>
+            </a:r>
+          </a:p>
+          <a:p>
+            <a:pPr lvl="2"/>
+            <a:r>
+              <a:rPr lang="en-US"/>
+              <a:t>Third level</a:t>
+            </a:r>
+          </a:p>
+          <a:p>
+            <a:pPr lvl="3"/>
+            <a:r>
+              <a:rPr lang="en-US"/>
+              <a:t>Fourth level</a:t>
+            </a:r>
+          </a:p>
+          <a:p>
+            <a:pPr lvl="4"/>
+            <a:r>
+              <a:rPr lang="en-US"/>
+              <a:t>Fifth level</a:t>
+            </a:r>
+          </a:p>
+        </p:txBody>
+      </p:sp>
+      <p:sp>
+        <p:nvSpPr>
+          <p:cNvPr id="6" name="Footer Placeholder 5"/>
+          <p:cNvSpPr>
+            <a:spLocks noGrp="1"/>
+          </p:cNvSpPr>
+          <p:nvPr>
+            <p:ph type="ftr" sz="quarter" idx="4"/>
+          </p:nvPr>
+        </p:nvSpPr>
+        <p:spPr>
+          <a:xfrm>
+            <a:off x="0" y="8685213"/>
+            <a:ext cx="2971800" cy="458787"/>
+          </a:xfrm>
+          <a:prstGeom prst="rect">
+            <a:avLst/>
+          </a:prstGeom>
+        </p:spPr>
+        <p:txBody>
+          <a:bodyPr vert="horz" lIns="91440" tIns="45720" rIns="91440" bIns="45720" rtlCol="0" anchor="b"/>
+          <a:lstStyle>
+            <a:lvl1pPr algn="l">
+              <a:defRPr sz="1200"/>
+            </a:lvl1pPr>
+          </a:lstStyle>
+          <a:p>
+            <a:endParaRPr lang="en-US"/>
+          </a:p>
+        </p:txBody>
+      </p:sp>
+      <p:sp>
+        <p:nvSpPr>
+          <p:cNvPr id="7" name="Slide Number Placeholder 6"/>
+          <p:cNvSpPr>
+            <a:spLocks noGrp="1"/>
+          </p:cNvSpPr>
+          <p:nvPr>
+            <p:ph type="sldNum" sz="quarter" idx="5"/>
+          </p:nvPr>
+        </p:nvSpPr>
+        <p:spPr>
+          <a:xfrm>
+            <a:off x="3884613" y="8685213"/>
+            <a:ext cx="2971800" cy="458787"/>
+          </a:xfrm>
+          <a:prstGeom prst="rect">
+            <a:avLst/>
+          </a:prstGeom>
+        </p:spPr>
+        <p:txBody>
+          <a:bodyPr vert="horz" lIns="91440" tIns="45720" rIns="91440" bIns="45720" rtlCol="0" anchor="b"/>
+          <a:lstStyle>
+            <a:lvl1pPr algn="r">
+              <a:defRPr sz="1200"/>
+            </a:lvl1pPr>
+          </a:lstStyle>
+          <a:p>
+            <a:fld id="{9BFF15FB-80B3-6541-8E9E-6CCEA34B0796}" type="slidenum">
+              <a:rPr lang="en-US" smtClean="0"/>
+              <a:t>‹#›</a:t>
+            </a:fld>
+            <a:endParaRPr lang="en-US"/>
+          </a:p>
+        </p:txBody>
+      </p:sp>
+    </p:spTree>
+    <p:extLst>
+      <p:ext uri="{BB962C8B-B14F-4D97-AF65-F5344CB8AC3E}">
+        <p14:creationId xmlns:p14="http://schemas.microsoft.com/office/powerpoint/2010/main" val="1819266525"/>
+      </p:ext>
+    </p:extLst>
+  </p:cSld>
+  <p:clrMap bg1="lt1" tx1="dk1" bg2="lt2" tx2="dk2" accent1="accent1" accent2="accent2" accent3="accent3" accent4="accent4" accent5="accent5" accent6="accent6" hlink="hlink" folHlink="folHlink"/>
+  <p:notesStyle>
+    <a:lvl1pPr marL="0" algn="l" defTabSz="914400" rtl="0" eaLnBrk="1" latinLnBrk="0" hangingPunct="1">
+      <a:defRPr sz="1200" kern="1200">
+        <a:solidFill>
+          <a:schemeClr val="tx1"/>
+        </a:solidFill>
+        <a:latin typeface="+mn-lt"/>
+        <a:ea typeface="+mn-ea"/>
+        <a:cs typeface="+mn-cs"/>
+      </a:defRPr>
+    </a:lvl1pPr>
+    <a:lvl2pPr marL="457200" algn="l" defTabSz="914400" rtl="0" eaLnBrk="1" latinLnBrk="0" hangingPunct="1">
+      <a:defRPr sz="1200" kern="1200">
+        <a:solidFill>
+          <a:schemeClr val="tx1"/>
+        </a:solidFill>
+        <a:latin typeface="+mn-lt"/>
+        <a:ea typeface="+mn-ea"/>
+        <a:cs typeface="+mn-cs"/>
+      </a:defRPr>
+    </a:lvl2pPr>
+    <a:lvl3pPr marL="914400" algn="l" defTabSz="914400" rtl="0" eaLnBrk="1" latinLnBrk="0" hangingPunct="1">
+      <a:defRPr sz="1200" kern="1200">
+        <a:solidFill>
+          <a:schemeClr val="tx1"/>
+        </a:solidFill>
+        <a:latin typeface="+mn-lt"/>
+        <a:ea typeface="+mn-ea"/>
+        <a:cs typeface="+mn-cs"/>
+      </a:defRPr>
+    </a:lvl3pPr>
+    <a:lvl4pPr marL="1371600" algn="l" defTabSz="914400" rtl="0" eaLnBrk="1" latinLnBrk="0" hangingPunct="1">
+      <a:defRPr sz="1200" kern="1200">
+        <a:solidFill>
+          <a:schemeClr val="tx1"/>
+        </a:solidFill>
+        <a:latin typeface="+mn-lt"/>
+        <a:ea typeface="+mn-ea"/>
+        <a:cs typeface="+mn-cs"/>
+      </a:defRPr>
+    </a:lvl4pPr>
+    <a:lvl5pPr marL="1828800" algn="l" defTabSz="914400" rtl="0" eaLnBrk="1" latinLnBrk="0" hangingPunct="1">
+      <a:defRPr sz="1200" kern="1200">
+        <a:solidFill>
+          <a:schemeClr val="tx1"/>
+        </a:solidFill>
+        <a:latin typeface="+mn-lt"/>
+        <a:ea typeface="+mn-ea"/>
+        <a:cs typeface="+mn-cs"/>
+      </a:defRPr>
+    </a:lvl5pPr>
+    <a:lvl6pPr marL="2286000" algn="l" defTabSz="914400" rtl="0" eaLnBrk="1" latinLnBrk="0" hangingPunct="1">
+      <a:defRPr sz="1200" kern="1200">
+        <a:solidFill>
+          <a:schemeClr val="tx1"/>
+        </a:solidFill>
+        <a:latin typeface="+mn-lt"/>
+        <a:ea typeface="+mn-ea"/>
+        <a:cs typeface="+mn-cs"/>
+      </a:defRPr>
+    </a:lvl6pPr>
+    <a:lvl7pPr marL="2743200" algn="l" defTabSz="914400" rtl="0" eaLnBrk="1" latinLnBrk="0" hangingPunct="1">
+      <a:defRPr sz="1200" kern="1200">
+        <a:solidFill>
+          <a:schemeClr val="tx1"/>
+        </a:solidFill>
+        <a:latin typeface="+mn-lt"/>
+        <a:ea typeface="+mn-ea"/>
+        <a:cs typeface="+mn-cs"/>
+      </a:defRPr>
+    </a:lvl7pPr>
+    <a:lvl8pPr marL="3200400" algn="l" defTabSz="914400" rtl="0" eaLnBrk="1" latinLnBrk="0" hangingPunct="1">
+      <a:defRPr sz="1200" kern="1200">
+        <a:solidFill>
+          <a:schemeClr val="tx1"/>
+        </a:solidFill>
+        <a:latin typeface="+mn-lt"/>
+        <a:ea typeface="+mn-ea"/>
+        <a:cs typeface="+mn-cs"/>
+      </a:defRPr>
+    </a:lvl8pPr>
+    <a:lvl9pPr marL="3657600" algn="l" defTabSz="914400" rtl="0" eaLnBrk="1" latinLnBrk="0" hangingPunct="1">
+      <a:defRPr sz="1200" kern="1200">
+        <a:solidFill>
+          <a:schemeClr val="tx1"/>
+        </a:solidFill>
+        <a:latin typeface="+mn-lt"/>
+        <a:ea typeface="+mn-ea"/>
+        <a:cs typeface="+mn-cs"/>
+      </a:defRPr>
+    </a:lvl9pPr>
+  </p:notesStyle>
+</p:notesMaster>
+</file>
+
+<file path=ppt/notesSlides/notesSlide1.xml><?xml version="1.0" encoding="utf-8"?>
+<p:notes xmlns:a="http://schemas.openxmlformats.org/drawingml/2006/main" xmlns:r="http://schemas.openxmlformats.org/officeDocument/2006/relationships" xmlns:p="http://schemas.openxmlformats.org/presentationml/2006/main">
+  <p:cSld>
+    <p:spTree>
+      <p:nvGrpSpPr>
+        <p:cNvPr id="1" name=""/>
+        <p:cNvGrpSpPr/>
+        <p:nvPr/>
+      </p:nvGrpSpPr>
+      <p:grpSpPr>
+        <a:xfrm>
+          <a:off x="0" y="0"/>
+          <a:ext cx="0" cy="0"/>
+          <a:chOff x="0" y="0"/>
+          <a:chExt cx="0" cy="0"/>
+        </a:xfrm>
+      </p:grpSpPr>
+      <p:sp>
+        <p:nvSpPr>
+          <p:cNvPr id="2" name="Slide Image Placeholder 1"/>
+          <p:cNvSpPr>
+            <a:spLocks noGrp="1" noRot="1" noChangeAspect="1"/>
+          </p:cNvSpPr>
+          <p:nvPr>
+            <p:ph type="sldImg"/>
+          </p:nvPr>
+        </p:nvSpPr>
+        <p:spPr/>
+      </p:sp>
+      <p:sp>
+        <p:nvSpPr>
+          <p:cNvPr id="3" name="Notes Placeholder 2"/>
+          <p:cNvSpPr>
+            <a:spLocks noGrp="1"/>
+          </p:cNvSpPr>
+          <p:nvPr>
+            <p:ph type="body" idx="1"/>
+          </p:nvPr>
+        </p:nvSpPr>
+        <p:spPr/>
+        <p:txBody>
+          <a:bodyPr/>
+          <a:lstStyle/>
+          <a:p>
+            <a:r>
+              <a:rPr lang="en-US" dirty="0"/>
+              <a:t>© Copyright </a:t>
+            </a:r>
+            <a:r>
+              <a:rPr lang="en-US" b="1" dirty="0"/>
+              <a:t>PresentationGO.com</a:t>
+            </a:r>
+            <a:r>
+              <a:rPr lang="en-US" dirty="0"/>
+              <a:t> – The free PowerPoint and Google Slides template library</a:t>
+            </a:r>
+          </a:p>
+        </p:txBody>
+      </p:sp>
+      <p:sp>
+        <p:nvSpPr>
+          <p:cNvPr id="4" name="Slide Number Placeholder 3"/>
+          <p:cNvSpPr>
+            <a:spLocks noGrp="1"/>
+          </p:cNvSpPr>
+          <p:nvPr>
+            <p:ph type="sldNum" sz="quarter" idx="10"/>
+          </p:nvPr>
+        </p:nvSpPr>
+        <p:spPr/>
+        <p:txBody>
+          <a:bodyPr/>
+          <a:lstStyle/>
+          <a:p>
+            <a:fld id="{B68D2766-C49B-4C1A-9FEE-6F146754B02B}" type="slidenum">
+              <a:rPr lang="en-US" smtClean="0"/>
+              <a:t>2</a:t>
+            </a:fld>
+            <a:endParaRPr lang="en-US"/>
+          </a:p>
+        </p:txBody>
+      </p:sp>
+    </p:spTree>
+    <p:extLst>
+      <p:ext uri="{BB962C8B-B14F-4D97-AF65-F5344CB8AC3E}">
+        <p14:creationId xmlns:p14="http://schemas.microsoft.com/office/powerpoint/2010/main" val="1424680188"/>
+      </p:ext>
+    </p:extLst>
+  </p:cSld>
+  <p:clrMapOvr>
+    <a:masterClrMapping/>
+  </p:clrMapOvr>
+</p:notes>
 </file>
 
 <file path=ppt/slideLayouts/slideLayout1.xml><?xml version="1.0" encoding="utf-8"?>
@@ -3347,9 +3795,7 @@
     <p:bg>
       <p:bgPr>
         <a:solidFill>
-          <a:schemeClr val="bg1">
-            <a:lumMod val="95000"/>
-          </a:schemeClr>
+          <a:schemeClr val="bg1"/>
         </a:solidFill>
         <a:effectLst/>
       </p:bgPr>
@@ -9300,7 +9746,7 @@
                 <a:latin typeface="Agency FB" panose="020B0503020202020204" pitchFamily="34" charset="0"/>
                 <a:ea typeface="Cambria" panose="02040503050406030204" pitchFamily="18" charset="0"/>
               </a:rPr>
-              <a:t>Production</a:t>
+              <a:t>Load</a:t>
             </a:r>
           </a:p>
           <a:p>
@@ -9317,7 +9763,7 @@
                 <a:ea typeface="Cambria" panose="02040503050406030204" pitchFamily="18" charset="0"/>
                 <a:cs typeface="Cardo" panose="02020600000000000000" pitchFamily="18" charset="-79"/>
               </a:rPr>
-              <a:t>3:1 Duplicates-to-Unique Records Eliminated Stored in </a:t>
+              <a:t>3:1 Duplicates-to-Unique Records Eliminated and Stored in </a:t>
             </a:r>
             <a:r>
               <a:rPr lang="en-CA" b="1" dirty="0">
@@ -9589,6 +10035,1939 @@
     <p:extLst>
       <p:ext uri="{BB962C8B-B14F-4D97-AF65-F5344CB8AC3E}">
         <p14:creationId xmlns:p14="http://schemas.microsoft.com/office/powerpoint/2010/main" val="4210945170"/>
+      </p:ext>
+    </p:extLst>
+  </p:cSld>
+  <p:clrMapOvr>
+    <a:masterClrMapping/>
+  </p:clrMapOvr>
+</p:sld>
+</file>
+
+<file path=ppt/slides/slide2.xml><?xml version="1.0" encoding="utf-8"?>
+<p:sld xmlns:a="http://schemas.openxmlformats.org/drawingml/2006/main" xmlns:r="http://schemas.openxmlformats.org/officeDocument/2006/relationships" xmlns:p="http://schemas.openxmlformats.org/presentationml/2006/main">
+  <p:cSld>
+    <p:spTree>
+      <p:nvGrpSpPr>
+        <p:cNvPr id="1" name=""/>
+        <p:cNvGrpSpPr/>
+        <p:nvPr/>
+      </p:nvGrpSpPr>
+      <p:grpSpPr>
+        <a:xfrm>
+          <a:off x="0" y="0"/>
+          <a:ext cx="0" cy="0"/>
+          <a:chOff x="0" y="0"/>
+          <a:chExt cx="0" cy="0"/>
+        </a:xfrm>
+      </p:grpSpPr>
+      <p:sp>
+        <p:nvSpPr>
+          <p:cNvPr id="6" name="Rectangle 5">
+            <a:extLst>
+              <a:ext uri="{FF2B5EF4-FFF2-40B4-BE49-F238E27FC236}">
+                <a16:creationId xmlns:a16="http://schemas.microsoft.com/office/drawing/2014/main" id="{B713DDAB-DD84-466B-8C58-14383A7FC319}"/>
+              </a:ext>
+            </a:extLst>
+          </p:cNvPr>
+          <p:cNvSpPr/>
+          <p:nvPr/>
+        </p:nvSpPr>
+        <p:spPr>
+          <a:xfrm>
+            <a:off x="2568118" y="2609299"/>
+            <a:ext cx="6166817" cy="1125020"/>
+          </a:xfrm>
+          <a:prstGeom prst="rect">
+            <a:avLst/>
+          </a:prstGeom>
+          <a:solidFill>
+            <a:schemeClr val="bg2"/>
+          </a:solidFill>
+          <a:ln>
+            <a:noFill/>
+          </a:ln>
+        </p:spPr>
+        <p:style>
+          <a:lnRef idx="2">
+            <a:schemeClr val="accent1">
+              <a:shade val="50000"/>
+            </a:schemeClr>
+          </a:lnRef>
+          <a:fillRef idx="1">
+            <a:schemeClr val="accent1"/>
+          </a:fillRef>
+          <a:effectRef idx="0">
+            <a:schemeClr val="accent1"/>
+          </a:effectRef>
+          <a:fontRef idx="minor">
+            <a:schemeClr val="lt1"/>
+          </a:fontRef>
+        </p:style>
+        <p:txBody>
+          <a:bodyPr rot="0" spcFirstLastPara="0" vertOverflow="overflow" horzOverflow="overflow" vert="horz" wrap="square" lIns="68580" tIns="34290" rIns="68580" bIns="34290" numCol="1" spcCol="0" rtlCol="0" fromWordArt="0" anchor="ctr" anchorCtr="0" forceAA="0" compatLnSpc="1">
+            <a:prstTxWarp prst="textNoShape">
+              <a:avLst/>
+            </a:prstTxWarp>
+            <a:noAutofit/>
+          </a:bodyPr>
+          <a:lstStyle/>
+          <a:p>
+            <a:pPr algn="ctr"/>
+            <a:endParaRPr lang="en-US" sz="1350"/>
+          </a:p>
+        </p:txBody>
+      </p:sp>
+      <p:sp>
+        <p:nvSpPr>
+          <p:cNvPr id="88" name="Rectangle 87">
+            <a:extLst>
+              <a:ext uri="{FF2B5EF4-FFF2-40B4-BE49-F238E27FC236}">
+                <a16:creationId xmlns:a16="http://schemas.microsoft.com/office/drawing/2014/main" id="{ACD2CF18-0CDF-4FEE-BBF1-CF5CAC54B703}"/>
+              </a:ext>
+            </a:extLst>
+          </p:cNvPr>
+          <p:cNvSpPr/>
+          <p:nvPr/>
+        </p:nvSpPr>
+        <p:spPr>
+          <a:xfrm>
+            <a:off x="2568118" y="3122589"/>
+            <a:ext cx="6166817" cy="610655"/>
+          </a:xfrm>
+          <a:prstGeom prst="rect">
+            <a:avLst/>
+          </a:prstGeom>
+          <a:solidFill>
+            <a:schemeClr val="bg2">
+              <a:lumMod val="90000"/>
+            </a:schemeClr>
+          </a:solidFill>
+          <a:ln>
+            <a:noFill/>
+          </a:ln>
+        </p:spPr>
+        <p:style>
+          <a:lnRef idx="2">
+            <a:schemeClr val="accent1">
+              <a:shade val="50000"/>
+            </a:schemeClr>
+          </a:lnRef>
+          <a:fillRef idx="1">
+            <a:schemeClr val="accent1"/>
+          </a:fillRef>
+          <a:effectRef idx="0">
+            <a:schemeClr val="accent1"/>
+          </a:effectRef>
+          <a:fontRef idx="minor">
+            <a:schemeClr val="lt1"/>
+          </a:fontRef>
+        </p:style>
+        <p:txBody>
+          <a:bodyPr rot="0" spcFirstLastPara="0" vertOverflow="overflow" horzOverflow="overflow" vert="horz" wrap="square" lIns="68580" tIns="34290" rIns="68580" bIns="34290" numCol="1" spcCol="0" rtlCol="0" fromWordArt="0" anchor="ctr" anchorCtr="0" forceAA="0" compatLnSpc="1">
+            <a:prstTxWarp prst="textNoShape">
+              <a:avLst/>
+            </a:prstTxWarp>
+            <a:noAutofit/>
+          </a:bodyPr>
+          <a:lstStyle/>
+          <a:p>
+            <a:pPr algn="ctr"/>
+            <a:endParaRPr lang="en-US" sz="1350"/>
+          </a:p>
+        </p:txBody>
+      </p:sp>
+      <p:sp>
+        <p:nvSpPr>
+          <p:cNvPr id="2" name="Title 1">
+            <a:extLst>
+              <a:ext uri="{FF2B5EF4-FFF2-40B4-BE49-F238E27FC236}">
+                <a16:creationId xmlns:a16="http://schemas.microsoft.com/office/drawing/2014/main" id="{2C2BFAE1-45D3-4B3B-81D2-0BF25FA84FB8}"/>
+              </a:ext>
+            </a:extLst>
+          </p:cNvPr>
+          <p:cNvSpPr>
+            <a:spLocks noGrp="1"/>
+          </p:cNvSpPr>
+          <p:nvPr>
+            <p:ph type="title"/>
+          </p:nvPr>
+        </p:nvSpPr>
+        <p:spPr/>
+        <p:txBody>
+          <a:bodyPr>
+            <a:noAutofit/>
+          </a:bodyPr>
+          <a:lstStyle/>
+          <a:p>
+            <a:r>
+              <a:rPr lang="en-US" dirty="0"/>
+              <a:t>Pipe Process Execution Time</a:t>
+            </a:r>
+          </a:p>
+        </p:txBody>
+      </p:sp>
+      <p:sp>
+        <p:nvSpPr>
+          <p:cNvPr id="34" name="Flowchart: Stored Data 33">
+            <a:extLst>
+              <a:ext uri="{FF2B5EF4-FFF2-40B4-BE49-F238E27FC236}">
+                <a16:creationId xmlns:a16="http://schemas.microsoft.com/office/drawing/2014/main" id="{808CFAD2-93A9-4DFB-A25E-384C45BAF5EC}"/>
+              </a:ext>
+            </a:extLst>
+          </p:cNvPr>
+          <p:cNvSpPr/>
+          <p:nvPr/>
+        </p:nvSpPr>
+        <p:spPr>
+          <a:xfrm rot="10800000">
+            <a:off x="8227249" y="2609315"/>
+            <a:ext cx="1676029" cy="1125020"/>
+          </a:xfrm>
+          <a:prstGeom prst="flowChartOnlineStorage">
+            <a:avLst/>
+          </a:prstGeom>
+          <a:solidFill>
+            <a:schemeClr val="accent5"/>
+          </a:solidFill>
+          <a:ln>
+            <a:noFill/>
+          </a:ln>
+        </p:spPr>
+        <p:style>
+          <a:lnRef idx="2">
+            <a:schemeClr val="accent1">
+              <a:shade val="50000"/>
+            </a:schemeClr>
+          </a:lnRef>
+          <a:fillRef idx="1">
+            <a:schemeClr val="accent1"/>
+          </a:fillRef>
+          <a:effectRef idx="0">
+            <a:schemeClr val="accent1"/>
+          </a:effectRef>
+          <a:fontRef idx="minor">
+            <a:schemeClr val="lt1"/>
+          </a:fontRef>
+        </p:style>
+        <p:txBody>
+          <a:bodyPr rtlCol="0" anchor="ctr"/>
+          <a:lstStyle/>
+          <a:p>
+            <a:pPr algn="ctr"/>
+            <a:endParaRPr lang="en-US" sz="1350"/>
+          </a:p>
+        </p:txBody>
+      </p:sp>
+      <p:sp>
+        <p:nvSpPr>
+          <p:cNvPr id="35" name="Flowchart: Stored Data 34">
+            <a:extLst>
+              <a:ext uri="{FF2B5EF4-FFF2-40B4-BE49-F238E27FC236}">
+                <a16:creationId xmlns:a16="http://schemas.microsoft.com/office/drawing/2014/main" id="{5CFD55C9-6FD9-4599-85A2-101FC59DD362}"/>
+              </a:ext>
+            </a:extLst>
+          </p:cNvPr>
+          <p:cNvSpPr/>
+          <p:nvPr/>
+        </p:nvSpPr>
+        <p:spPr>
+          <a:xfrm rot="10800000">
+            <a:off x="6463309" y="2609315"/>
+            <a:ext cx="1676029" cy="1125020"/>
+          </a:xfrm>
+          <a:prstGeom prst="flowChartOnlineStorage">
+            <a:avLst/>
+          </a:prstGeom>
+          <a:solidFill>
+            <a:schemeClr val="accent3"/>
+          </a:solidFill>
+          <a:ln>
+            <a:noFill/>
+          </a:ln>
+        </p:spPr>
+        <p:style>
+          <a:lnRef idx="2">
+            <a:schemeClr val="accent1">
+              <a:shade val="50000"/>
+            </a:schemeClr>
+          </a:lnRef>
+          <a:fillRef idx="1">
+            <a:schemeClr val="accent1"/>
+          </a:fillRef>
+          <a:effectRef idx="0">
+            <a:schemeClr val="accent1"/>
+          </a:effectRef>
+          <a:fontRef idx="minor">
+            <a:schemeClr val="lt1"/>
+          </a:fontRef>
+        </p:style>
+        <p:txBody>
+          <a:bodyPr rtlCol="0" anchor="ctr"/>
+          <a:lstStyle/>
+          <a:p>
+            <a:pPr algn="ctr"/>
+            <a:endParaRPr lang="en-US" sz="1350"/>
+          </a:p>
+        </p:txBody>
+      </p:sp>
+      <p:sp>
+        <p:nvSpPr>
+          <p:cNvPr id="36" name="Flowchart: Stored Data 35">
+            <a:extLst>
+              <a:ext uri="{FF2B5EF4-FFF2-40B4-BE49-F238E27FC236}">
+                <a16:creationId xmlns:a16="http://schemas.microsoft.com/office/drawing/2014/main" id="{6581FCA4-B720-4EC1-A90E-76CA07F27B3C}"/>
+              </a:ext>
+            </a:extLst>
+          </p:cNvPr>
+          <p:cNvSpPr/>
+          <p:nvPr/>
+        </p:nvSpPr>
+        <p:spPr>
+          <a:xfrm rot="10800000">
+            <a:off x="4699368" y="2609315"/>
+            <a:ext cx="1676029" cy="1125020"/>
+          </a:xfrm>
+          <a:prstGeom prst="flowChartOnlineStorage">
+            <a:avLst/>
+          </a:prstGeom>
+          <a:solidFill>
+            <a:schemeClr val="accent2"/>
+          </a:solidFill>
+          <a:ln>
+            <a:noFill/>
+          </a:ln>
+        </p:spPr>
+        <p:style>
+          <a:lnRef idx="2">
+            <a:schemeClr val="accent1">
+              <a:shade val="50000"/>
+            </a:schemeClr>
+          </a:lnRef>
+          <a:fillRef idx="1">
+            <a:schemeClr val="accent1"/>
+          </a:fillRef>
+          <a:effectRef idx="0">
+            <a:schemeClr val="accent1"/>
+          </a:effectRef>
+          <a:fontRef idx="minor">
+            <a:schemeClr val="lt1"/>
+          </a:fontRef>
+        </p:style>
+        <p:txBody>
+          <a:bodyPr rtlCol="0" anchor="ctr"/>
+          <a:lstStyle/>
+          <a:p>
+            <a:pPr algn="ctr"/>
+            <a:endParaRPr lang="en-US" sz="1350"/>
+          </a:p>
+        </p:txBody>
+      </p:sp>
+      <p:sp>
+        <p:nvSpPr>
+          <p:cNvPr id="37" name="Flowchart: Stored Data 36">
+            <a:extLst>
+              <a:ext uri="{FF2B5EF4-FFF2-40B4-BE49-F238E27FC236}">
+                <a16:creationId xmlns:a16="http://schemas.microsoft.com/office/drawing/2014/main" id="{7110CA39-0D39-454E-A9D9-4AFB997A4005}"/>
+              </a:ext>
+            </a:extLst>
+          </p:cNvPr>
+          <p:cNvSpPr/>
+          <p:nvPr/>
+        </p:nvSpPr>
+        <p:spPr>
+          <a:xfrm rot="10800000">
+            <a:off x="2935426" y="2609315"/>
+            <a:ext cx="1676029" cy="1125020"/>
+          </a:xfrm>
+          <a:prstGeom prst="flowChartOnlineStorage">
+            <a:avLst/>
+          </a:prstGeom>
+          <a:solidFill>
+            <a:schemeClr val="accent1"/>
+          </a:solidFill>
+          <a:ln>
+            <a:noFill/>
+          </a:ln>
+        </p:spPr>
+        <p:style>
+          <a:lnRef idx="2">
+            <a:schemeClr val="accent1">
+              <a:shade val="50000"/>
+            </a:schemeClr>
+          </a:lnRef>
+          <a:fillRef idx="1">
+            <a:schemeClr val="accent1"/>
+          </a:fillRef>
+          <a:effectRef idx="0">
+            <a:schemeClr val="accent1"/>
+          </a:effectRef>
+          <a:fontRef idx="minor">
+            <a:schemeClr val="lt1"/>
+          </a:fontRef>
+        </p:style>
+        <p:txBody>
+          <a:bodyPr rtlCol="0" anchor="ctr"/>
+          <a:lstStyle/>
+          <a:p>
+            <a:pPr algn="ctr"/>
+            <a:endParaRPr lang="en-US" sz="1350" dirty="0"/>
+          </a:p>
+        </p:txBody>
+      </p:sp>
+      <p:sp>
+        <p:nvSpPr>
+          <p:cNvPr id="38" name="Freeform: Shape 37">
+            <a:extLst>
+              <a:ext uri="{FF2B5EF4-FFF2-40B4-BE49-F238E27FC236}">
+                <a16:creationId xmlns:a16="http://schemas.microsoft.com/office/drawing/2014/main" id="{B4E74386-AF58-4A6C-A797-A81958A349A3}"/>
+              </a:ext>
+            </a:extLst>
+          </p:cNvPr>
+          <p:cNvSpPr/>
+          <p:nvPr/>
+        </p:nvSpPr>
+        <p:spPr>
+          <a:xfrm rot="10800000" flipH="1">
+            <a:off x="2288725" y="2609299"/>
+            <a:ext cx="558788" cy="1125036"/>
+          </a:xfrm>
+          <a:custGeom>
+            <a:avLst/>
+            <a:gdLst>
+              <a:gd name="connsiteX0" fmla="*/ 372524 w 745051"/>
+              <a:gd name="connsiteY0" fmla="*/ 1500027 h 1500048"/>
+              <a:gd name="connsiteX1" fmla="*/ 372525 w 745051"/>
+              <a:gd name="connsiteY1" fmla="*/ 1500027 h 1500048"/>
+              <a:gd name="connsiteX2" fmla="*/ 745051 w 745051"/>
+              <a:gd name="connsiteY2" fmla="*/ 750013 h 1500048"/>
+              <a:gd name="connsiteX3" fmla="*/ 372525 w 745051"/>
+              <a:gd name="connsiteY3" fmla="*/ 0 h 1500048"/>
+              <a:gd name="connsiteX4" fmla="*/ 372524 w 745051"/>
+              <a:gd name="connsiteY4" fmla="*/ 0 h 1500048"/>
+              <a:gd name="connsiteX5" fmla="*/ 372522 w 745051"/>
+              <a:gd name="connsiteY5" fmla="*/ 1500048 h 1500048"/>
+              <a:gd name="connsiteX6" fmla="*/ 372523 w 745051"/>
+              <a:gd name="connsiteY6" fmla="*/ 1500048 h 1500048"/>
+              <a:gd name="connsiteX7" fmla="*/ 372523 w 745051"/>
+              <a:gd name="connsiteY7" fmla="*/ 21 h 1500048"/>
+              <a:gd name="connsiteX8" fmla="*/ 372522 w 745051"/>
+              <a:gd name="connsiteY8" fmla="*/ 21 h 1500048"/>
+              <a:gd name="connsiteX9" fmla="*/ 0 w 745051"/>
+              <a:gd name="connsiteY9" fmla="*/ 750034 h 1500048"/>
+              <a:gd name="connsiteX10" fmla="*/ 372522 w 745051"/>
+              <a:gd name="connsiteY10" fmla="*/ 1500048 h 1500048"/>
+            </a:gdLst>
+            <a:ahLst/>
+            <a:cxnLst>
+              <a:cxn ang="0">
+                <a:pos x="connsiteX0" y="connsiteY0"/>
+              </a:cxn>
+              <a:cxn ang="0">
+                <a:pos x="connsiteX1" y="connsiteY1"/>
+              </a:cxn>
+              <a:cxn ang="0">
+                <a:pos x="connsiteX2" y="connsiteY2"/>
+              </a:cxn>
+              <a:cxn ang="0">
+                <a:pos x="connsiteX3" y="connsiteY3"/>
+              </a:cxn>
+              <a:cxn ang="0">
+                <a:pos x="connsiteX4" y="connsiteY4"/>
+              </a:cxn>
+              <a:cxn ang="0">
+                <a:pos x="connsiteX5" y="connsiteY5"/>
+              </a:cxn>
+              <a:cxn ang="0">
+                <a:pos x="connsiteX6" y="connsiteY6"/>
+              </a:cxn>
+              <a:cxn ang="0">
+                <a:pos x="connsiteX7" y="connsiteY7"/>
+              </a:cxn>
+              <a:cxn ang="0">
+                <a:pos x="connsiteX8" y="connsiteY8"/>
+              </a:cxn>
+              <a:cxn ang="0">
+                <a:pos x="connsiteX9" y="connsiteY9"/>
+              </a:cxn>
+              <a:cxn ang="0">
+                <a:pos x="connsiteX10" y="connsiteY10"/>
+              </a:cxn>
+            </a:cxnLst>
+            <a:rect l="l" t="t" r="r" b="b"/>
+            <a:pathLst>
+              <a:path w="745051" h="1500048">
+                <a:moveTo>
+                  <a:pt x="372524" y="1500027"/>
+                </a:moveTo>
+                <a:lnTo>
+                  <a:pt x="372525" y="1500027"/>
+                </a:lnTo>
+                <a:cubicBezTo>
+                  <a:pt x="578342" y="1500027"/>
+                  <a:pt x="745051" y="1164171"/>
+                  <a:pt x="745051" y="750013"/>
+                </a:cubicBezTo>
+                <a:cubicBezTo>
+                  <a:pt x="745051" y="335856"/>
+                  <a:pt x="578342" y="0"/>
+                  <a:pt x="372525" y="0"/>
+                </a:cubicBezTo>
+                <a:lnTo>
+                  <a:pt x="372524" y="0"/>
+                </a:lnTo>
+                <a:close/>
+                <a:moveTo>
+                  <a:pt x="372522" y="1500048"/>
+                </a:moveTo>
+                <a:lnTo>
+                  <a:pt x="372523" y="1500048"/>
+                </a:lnTo>
+                <a:lnTo>
+                  <a:pt x="372523" y="21"/>
+                </a:lnTo>
+                <a:lnTo>
+                  <a:pt x="372522" y="21"/>
+                </a:lnTo>
+                <a:cubicBezTo>
+                  <a:pt x="166707" y="21"/>
+                  <a:pt x="0" y="335877"/>
+                  <a:pt x="0" y="750034"/>
+                </a:cubicBezTo>
+                <a:cubicBezTo>
+                  <a:pt x="0" y="1164192"/>
+                  <a:pt x="166707" y="1500048"/>
+                  <a:pt x="372522" y="1500048"/>
+                </a:cubicBezTo>
+                <a:close/>
+              </a:path>
+            </a:pathLst>
+          </a:custGeom>
+          <a:solidFill>
+            <a:schemeClr val="tx2"/>
+          </a:solidFill>
+          <a:ln>
+            <a:noFill/>
+          </a:ln>
+        </p:spPr>
+        <p:style>
+          <a:lnRef idx="2">
+            <a:schemeClr val="accent1">
+              <a:shade val="50000"/>
+            </a:schemeClr>
+          </a:lnRef>
+          <a:fillRef idx="1">
+            <a:schemeClr val="accent1"/>
+          </a:fillRef>
+          <a:effectRef idx="0">
+            <a:schemeClr val="accent1"/>
+          </a:effectRef>
+          <a:fontRef idx="minor">
+            <a:schemeClr val="lt1"/>
+          </a:fontRef>
+        </p:style>
+        <p:txBody>
+          <a:bodyPr rtlCol="0" anchor="ctr"/>
+          <a:lstStyle/>
+          <a:p>
+            <a:pPr algn="ctr"/>
+            <a:endParaRPr lang="en-US" sz="1350"/>
+          </a:p>
+        </p:txBody>
+      </p:sp>
+      <p:sp>
+        <p:nvSpPr>
+          <p:cNvPr id="89" name="Freeform: Shape 88">
+            <a:extLst>
+              <a:ext uri="{FF2B5EF4-FFF2-40B4-BE49-F238E27FC236}">
+                <a16:creationId xmlns:a16="http://schemas.microsoft.com/office/drawing/2014/main" id="{CBFCB4F5-5F6E-43F1-9DF1-55070E7F9E0B}"/>
+              </a:ext>
+            </a:extLst>
+          </p:cNvPr>
+          <p:cNvSpPr/>
+          <p:nvPr/>
+        </p:nvSpPr>
+        <p:spPr>
+          <a:xfrm>
+            <a:off x="2288725" y="3123665"/>
+            <a:ext cx="558788" cy="610670"/>
+          </a:xfrm>
+          <a:custGeom>
+            <a:avLst/>
+            <a:gdLst>
+              <a:gd name="connsiteX0" fmla="*/ 3213 w 745051"/>
+              <a:gd name="connsiteY0" fmla="*/ 1 h 814226"/>
+              <a:gd name="connsiteX1" fmla="*/ 372523 w 745051"/>
+              <a:gd name="connsiteY1" fmla="*/ 1 h 814226"/>
+              <a:gd name="connsiteX2" fmla="*/ 372523 w 745051"/>
+              <a:gd name="connsiteY2" fmla="*/ 814206 h 814226"/>
+              <a:gd name="connsiteX3" fmla="*/ 372522 w 745051"/>
+              <a:gd name="connsiteY3" fmla="*/ 814206 h 814226"/>
+              <a:gd name="connsiteX4" fmla="*/ 0 w 745051"/>
+              <a:gd name="connsiteY4" fmla="*/ 64193 h 814226"/>
+              <a:gd name="connsiteX5" fmla="*/ 372524 w 745051"/>
+              <a:gd name="connsiteY5" fmla="*/ 0 h 814226"/>
+              <a:gd name="connsiteX6" fmla="*/ 741837 w 745051"/>
+              <a:gd name="connsiteY6" fmla="*/ 0 h 814226"/>
+              <a:gd name="connsiteX7" fmla="*/ 745051 w 745051"/>
+              <a:gd name="connsiteY7" fmla="*/ 64213 h 814226"/>
+              <a:gd name="connsiteX8" fmla="*/ 372525 w 745051"/>
+              <a:gd name="connsiteY8" fmla="*/ 814226 h 814226"/>
+              <a:gd name="connsiteX9" fmla="*/ 372524 w 745051"/>
+              <a:gd name="connsiteY9" fmla="*/ 814226 h 814226"/>
+            </a:gdLst>
+            <a:ahLst/>
+            <a:cxnLst>
+              <a:cxn ang="0">
+                <a:pos x="connsiteX0" y="connsiteY0"/>
+              </a:cxn>
+              <a:cxn ang="0">
+                <a:pos x="connsiteX1" y="connsiteY1"/>
+              </a:cxn>
+              <a:cxn ang="0">
+                <a:pos x="connsiteX2" y="connsiteY2"/>
+              </a:cxn>
+              <a:cxn ang="0">
+                <a:pos x="connsiteX3" y="connsiteY3"/>
+              </a:cxn>
+              <a:cxn ang="0">
+                <a:pos x="connsiteX4" y="connsiteY4"/>
+              </a:cxn>
+              <a:cxn ang="0">
+                <a:pos x="connsiteX5" y="connsiteY5"/>
+              </a:cxn>
+              <a:cxn ang="0">
+                <a:pos x="connsiteX6" y="connsiteY6"/>
+              </a:cxn>
+              <a:cxn ang="0">
+                <a:pos x="connsiteX7" y="connsiteY7"/>
+              </a:cxn>
+              <a:cxn ang="0">
+                <a:pos x="connsiteX8" y="connsiteY8"/>
+              </a:cxn>
+              <a:cxn ang="0">
+                <a:pos x="connsiteX9" y="connsiteY9"/>
+              </a:cxn>
+            </a:cxnLst>
+            <a:rect l="l" t="t" r="r" b="b"/>
+            <a:pathLst>
+              <a:path w="745051" h="814226">
+                <a:moveTo>
+                  <a:pt x="3213" y="1"/>
+                </a:moveTo>
+                <a:lnTo>
+                  <a:pt x="372523" y="1"/>
+                </a:lnTo>
+                <a:lnTo>
+                  <a:pt x="372523" y="814206"/>
+                </a:lnTo>
+                <a:lnTo>
+                  <a:pt x="372522" y="814206"/>
+                </a:lnTo>
+                <a:cubicBezTo>
+                  <a:pt x="166707" y="814206"/>
+                  <a:pt x="0" y="478350"/>
+                  <a:pt x="0" y="64193"/>
+                </a:cubicBezTo>
+                <a:close/>
+                <a:moveTo>
+                  <a:pt x="372524" y="0"/>
+                </a:moveTo>
+                <a:lnTo>
+                  <a:pt x="741837" y="0"/>
+                </a:lnTo>
+                <a:lnTo>
+                  <a:pt x="745051" y="64213"/>
+                </a:lnTo>
+                <a:cubicBezTo>
+                  <a:pt x="745051" y="478370"/>
+                  <a:pt x="578342" y="814226"/>
+                  <a:pt x="372525" y="814226"/>
+                </a:cubicBezTo>
+                <a:lnTo>
+                  <a:pt x="372524" y="814226"/>
+                </a:lnTo>
+                <a:close/>
+              </a:path>
+            </a:pathLst>
+          </a:custGeom>
+          <a:solidFill>
+            <a:schemeClr val="tx1">
+              <a:alpha val="25000"/>
+            </a:schemeClr>
+          </a:solidFill>
+          <a:ln>
+            <a:noFill/>
+          </a:ln>
+        </p:spPr>
+        <p:style>
+          <a:lnRef idx="2">
+            <a:schemeClr val="accent1">
+              <a:shade val="50000"/>
+            </a:schemeClr>
+          </a:lnRef>
+          <a:fillRef idx="1">
+            <a:schemeClr val="accent1"/>
+          </a:fillRef>
+          <a:effectRef idx="0">
+            <a:schemeClr val="accent1"/>
+          </a:effectRef>
+          <a:fontRef idx="minor">
+            <a:schemeClr val="lt1"/>
+          </a:fontRef>
+        </p:style>
+        <p:txBody>
+          <a:bodyPr wrap="square" rtlCol="0" anchor="ctr">
+            <a:noAutofit/>
+          </a:bodyPr>
+          <a:lstStyle/>
+          <a:p>
+            <a:pPr algn="ctr"/>
+            <a:endParaRPr lang="en-US" sz="1350"/>
+          </a:p>
+        </p:txBody>
+      </p:sp>
+      <p:sp>
+        <p:nvSpPr>
+          <p:cNvPr id="42" name="Freeform: Shape 41">
+            <a:extLst>
+              <a:ext uri="{FF2B5EF4-FFF2-40B4-BE49-F238E27FC236}">
+                <a16:creationId xmlns:a16="http://schemas.microsoft.com/office/drawing/2014/main" id="{316FCF1B-8E7F-4070-A42A-89C7A6E01114}"/>
+              </a:ext>
+            </a:extLst>
+          </p:cNvPr>
+          <p:cNvSpPr/>
+          <p:nvPr/>
+        </p:nvSpPr>
+        <p:spPr>
+          <a:xfrm>
+            <a:off x="4699368" y="3123665"/>
+            <a:ext cx="1676029" cy="610670"/>
+          </a:xfrm>
+          <a:custGeom>
+            <a:avLst/>
+            <a:gdLst>
+              <a:gd name="connsiteX0" fmla="*/ 369312 w 2234705"/>
+              <a:gd name="connsiteY0" fmla="*/ 0 h 814226"/>
+              <a:gd name="connsiteX1" fmla="*/ 2231491 w 2234705"/>
+              <a:gd name="connsiteY1" fmla="*/ 0 h 814226"/>
+              <a:gd name="connsiteX2" fmla="*/ 2234705 w 2234705"/>
+              <a:gd name="connsiteY2" fmla="*/ 64213 h 814226"/>
+              <a:gd name="connsiteX3" fmla="*/ 1862180 w 2234705"/>
+              <a:gd name="connsiteY3" fmla="*/ 814226 h 814226"/>
+              <a:gd name="connsiteX4" fmla="*/ 0 w 2234705"/>
+              <a:gd name="connsiteY4" fmla="*/ 814226 h 814226"/>
+              <a:gd name="connsiteX5" fmla="*/ 372526 w 2234705"/>
+              <a:gd name="connsiteY5" fmla="*/ 64213 h 814226"/>
+              <a:gd name="connsiteX6" fmla="*/ 369312 w 2234705"/>
+              <a:gd name="connsiteY6" fmla="*/ 0 h 814226"/>
+            </a:gdLst>
+            <a:ahLst/>
+            <a:cxnLst>
+              <a:cxn ang="0">
+                <a:pos x="connsiteX0" y="connsiteY0"/>
+              </a:cxn>
+              <a:cxn ang="0">
+                <a:pos x="connsiteX1" y="connsiteY1"/>
+              </a:cxn>
+              <a:cxn ang="0">
+                <a:pos x="connsiteX2" y="connsiteY2"/>
+              </a:cxn>
+              <a:cxn ang="0">
+                <a:pos x="connsiteX3" y="connsiteY3"/>
+              </a:cxn>
+              <a:cxn ang="0">
+                <a:pos x="connsiteX4" y="connsiteY4"/>
+              </a:cxn>
+              <a:cxn ang="0">
+                <a:pos x="connsiteX5" y="connsiteY5"/>
+              </a:cxn>
+              <a:cxn ang="0">
+                <a:pos x="connsiteX6" y="connsiteY6"/>
+              </a:cxn>
+            </a:cxnLst>
+            <a:rect l="l" t="t" r="r" b="b"/>
+            <a:pathLst>
+              <a:path w="2234705" h="814226">
+                <a:moveTo>
+                  <a:pt x="369312" y="0"/>
+                </a:moveTo>
+                <a:lnTo>
+                  <a:pt x="2231491" y="0"/>
+                </a:lnTo>
+                <a:lnTo>
+                  <a:pt x="2234705" y="64213"/>
+                </a:lnTo>
+                <a:cubicBezTo>
+                  <a:pt x="2234705" y="478370"/>
+                  <a:pt x="2067996" y="814226"/>
+                  <a:pt x="1862180" y="814226"/>
+                </a:cubicBezTo>
+                <a:lnTo>
+                  <a:pt x="0" y="814226"/>
+                </a:lnTo>
+                <a:cubicBezTo>
+                  <a:pt x="205817" y="814226"/>
+                  <a:pt x="372526" y="478370"/>
+                  <a:pt x="372526" y="64213"/>
+                </a:cubicBezTo>
+                <a:lnTo>
+                  <a:pt x="369312" y="0"/>
+                </a:lnTo>
+                <a:close/>
+              </a:path>
+            </a:pathLst>
+          </a:custGeom>
+          <a:solidFill>
+            <a:schemeClr val="tx1">
+              <a:alpha val="25000"/>
+            </a:schemeClr>
+          </a:solidFill>
+          <a:ln>
+            <a:noFill/>
+          </a:ln>
+        </p:spPr>
+        <p:style>
+          <a:lnRef idx="2">
+            <a:schemeClr val="accent1">
+              <a:shade val="50000"/>
+            </a:schemeClr>
+          </a:lnRef>
+          <a:fillRef idx="1">
+            <a:schemeClr val="accent1"/>
+          </a:fillRef>
+          <a:effectRef idx="0">
+            <a:schemeClr val="accent1"/>
+          </a:effectRef>
+          <a:fontRef idx="minor">
+            <a:schemeClr val="lt1"/>
+          </a:fontRef>
+        </p:style>
+        <p:txBody>
+          <a:bodyPr rtlCol="0" anchor="ctr"/>
+          <a:lstStyle/>
+          <a:p>
+            <a:pPr algn="ctr"/>
+            <a:endParaRPr lang="en-US" sz="1350"/>
+          </a:p>
+        </p:txBody>
+      </p:sp>
+      <p:sp>
+        <p:nvSpPr>
+          <p:cNvPr id="73" name="Freeform: Shape 72">
+            <a:extLst>
+              <a:ext uri="{FF2B5EF4-FFF2-40B4-BE49-F238E27FC236}">
+                <a16:creationId xmlns:a16="http://schemas.microsoft.com/office/drawing/2014/main" id="{106BDA61-0024-4CD8-8F95-0C1882332896}"/>
+              </a:ext>
+            </a:extLst>
+          </p:cNvPr>
+          <p:cNvSpPr/>
+          <p:nvPr/>
+        </p:nvSpPr>
+        <p:spPr>
+          <a:xfrm>
+            <a:off x="6463309" y="3123665"/>
+            <a:ext cx="1676029" cy="610670"/>
+          </a:xfrm>
+          <a:custGeom>
+            <a:avLst/>
+            <a:gdLst>
+              <a:gd name="connsiteX0" fmla="*/ 369312 w 2234705"/>
+              <a:gd name="connsiteY0" fmla="*/ 0 h 814226"/>
+              <a:gd name="connsiteX1" fmla="*/ 2231491 w 2234705"/>
+              <a:gd name="connsiteY1" fmla="*/ 0 h 814226"/>
+              <a:gd name="connsiteX2" fmla="*/ 2234705 w 2234705"/>
+              <a:gd name="connsiteY2" fmla="*/ 64213 h 814226"/>
+              <a:gd name="connsiteX3" fmla="*/ 1862180 w 2234705"/>
+              <a:gd name="connsiteY3" fmla="*/ 814226 h 814226"/>
+              <a:gd name="connsiteX4" fmla="*/ 0 w 2234705"/>
+              <a:gd name="connsiteY4" fmla="*/ 814226 h 814226"/>
+              <a:gd name="connsiteX5" fmla="*/ 372526 w 2234705"/>
+              <a:gd name="connsiteY5" fmla="*/ 64213 h 814226"/>
+              <a:gd name="connsiteX6" fmla="*/ 369312 w 2234705"/>
+              <a:gd name="connsiteY6" fmla="*/ 0 h 814226"/>
+            </a:gdLst>
+            <a:ahLst/>
+            <a:cxnLst>
+              <a:cxn ang="0">
+                <a:pos x="connsiteX0" y="connsiteY0"/>
+              </a:cxn>
+              <a:cxn ang="0">
+                <a:pos x="connsiteX1" y="connsiteY1"/>
+              </a:cxn>
+              <a:cxn ang="0">
+                <a:pos x="connsiteX2" y="connsiteY2"/>
+              </a:cxn>
+              <a:cxn ang="0">
+                <a:pos x="connsiteX3" y="connsiteY3"/>
+              </a:cxn>
+              <a:cxn ang="0">
+                <a:pos x="connsiteX4" y="connsiteY4"/>
+              </a:cxn>
+              <a:cxn ang="0">
+                <a:pos x="connsiteX5" y="connsiteY5"/>
+              </a:cxn>
+              <a:cxn ang="0">
+                <a:pos x="connsiteX6" y="connsiteY6"/>
+              </a:cxn>
+            </a:cxnLst>
+            <a:rect l="l" t="t" r="r" b="b"/>
+            <a:pathLst>
+              <a:path w="2234705" h="814226">
+                <a:moveTo>
+                  <a:pt x="369312" y="0"/>
+                </a:moveTo>
+                <a:lnTo>
+                  <a:pt x="2231491" y="0"/>
+                </a:lnTo>
+                <a:lnTo>
+                  <a:pt x="2234705" y="64213"/>
+                </a:lnTo>
+                <a:cubicBezTo>
+                  <a:pt x="2234705" y="478370"/>
+                  <a:pt x="2067996" y="814226"/>
+                  <a:pt x="1862180" y="814226"/>
+                </a:cubicBezTo>
+                <a:lnTo>
+                  <a:pt x="0" y="814226"/>
+                </a:lnTo>
+                <a:cubicBezTo>
+                  <a:pt x="205817" y="814226"/>
+                  <a:pt x="372526" y="478370"/>
+                  <a:pt x="372526" y="64213"/>
+                </a:cubicBezTo>
+                <a:lnTo>
+                  <a:pt x="369312" y="0"/>
+                </a:lnTo>
+                <a:close/>
+              </a:path>
+            </a:pathLst>
+          </a:custGeom>
+          <a:solidFill>
+            <a:schemeClr val="tx1">
+              <a:alpha val="25000"/>
+            </a:schemeClr>
+          </a:solidFill>
+          <a:ln>
+            <a:noFill/>
+          </a:ln>
+        </p:spPr>
+        <p:style>
+          <a:lnRef idx="2">
+            <a:schemeClr val="accent1">
+              <a:shade val="50000"/>
+            </a:schemeClr>
+          </a:lnRef>
+          <a:fillRef idx="1">
+            <a:schemeClr val="accent1"/>
+          </a:fillRef>
+          <a:effectRef idx="0">
+            <a:schemeClr val="accent1"/>
+          </a:effectRef>
+          <a:fontRef idx="minor">
+            <a:schemeClr val="lt1"/>
+          </a:fontRef>
+        </p:style>
+        <p:txBody>
+          <a:bodyPr rtlCol="0" anchor="ctr"/>
+          <a:lstStyle/>
+          <a:p>
+            <a:pPr algn="ctr"/>
+            <a:endParaRPr lang="en-US" sz="1350"/>
+          </a:p>
+        </p:txBody>
+      </p:sp>
+      <p:sp>
+        <p:nvSpPr>
+          <p:cNvPr id="74" name="Freeform: Shape 73">
+            <a:extLst>
+              <a:ext uri="{FF2B5EF4-FFF2-40B4-BE49-F238E27FC236}">
+                <a16:creationId xmlns:a16="http://schemas.microsoft.com/office/drawing/2014/main" id="{7886B4C2-1232-477C-940C-A33DBD0B9A59}"/>
+              </a:ext>
+            </a:extLst>
+          </p:cNvPr>
+          <p:cNvSpPr/>
+          <p:nvPr/>
+        </p:nvSpPr>
+        <p:spPr>
+          <a:xfrm>
+            <a:off x="8227249" y="3123665"/>
+            <a:ext cx="1676029" cy="610670"/>
+          </a:xfrm>
+          <a:custGeom>
+            <a:avLst/>
+            <a:gdLst>
+              <a:gd name="connsiteX0" fmla="*/ 369311 w 2234705"/>
+              <a:gd name="connsiteY0" fmla="*/ 0 h 814226"/>
+              <a:gd name="connsiteX1" fmla="*/ 2231491 w 2234705"/>
+              <a:gd name="connsiteY1" fmla="*/ 0 h 814226"/>
+              <a:gd name="connsiteX2" fmla="*/ 2234705 w 2234705"/>
+              <a:gd name="connsiteY2" fmla="*/ 64213 h 814226"/>
+              <a:gd name="connsiteX3" fmla="*/ 1862180 w 2234705"/>
+              <a:gd name="connsiteY3" fmla="*/ 814226 h 814226"/>
+              <a:gd name="connsiteX4" fmla="*/ 0 w 2234705"/>
+              <a:gd name="connsiteY4" fmla="*/ 814226 h 814226"/>
+              <a:gd name="connsiteX5" fmla="*/ 372525 w 2234705"/>
+              <a:gd name="connsiteY5" fmla="*/ 64213 h 814226"/>
+              <a:gd name="connsiteX6" fmla="*/ 369311 w 2234705"/>
+              <a:gd name="connsiteY6" fmla="*/ 0 h 814226"/>
+            </a:gdLst>
+            <a:ahLst/>
+            <a:cxnLst>
+              <a:cxn ang="0">
+                <a:pos x="connsiteX0" y="connsiteY0"/>
+              </a:cxn>
+              <a:cxn ang="0">
+                <a:pos x="connsiteX1" y="connsiteY1"/>
+              </a:cxn>
+              <a:cxn ang="0">
+                <a:pos x="connsiteX2" y="connsiteY2"/>
+              </a:cxn>
+              <a:cxn ang="0">
+                <a:pos x="connsiteX3" y="connsiteY3"/>
+              </a:cxn>
+              <a:cxn ang="0">
+                <a:pos x="connsiteX4" y="connsiteY4"/>
+              </a:cxn>
+              <a:cxn ang="0">
+                <a:pos x="connsiteX5" y="connsiteY5"/>
+              </a:cxn>
+              <a:cxn ang="0">
+                <a:pos x="connsiteX6" y="connsiteY6"/>
+              </a:cxn>
+            </a:cxnLst>
+            <a:rect l="l" t="t" r="r" b="b"/>
+            <a:pathLst>
+              <a:path w="2234705" h="814226">
+                <a:moveTo>
+                  <a:pt x="369311" y="0"/>
+                </a:moveTo>
+                <a:lnTo>
+                  <a:pt x="2231491" y="0"/>
+                </a:lnTo>
+                <a:lnTo>
+                  <a:pt x="2234705" y="64213"/>
+                </a:lnTo>
+                <a:cubicBezTo>
+                  <a:pt x="2234705" y="478370"/>
+                  <a:pt x="2067996" y="814226"/>
+                  <a:pt x="1862180" y="814226"/>
+                </a:cubicBezTo>
+                <a:lnTo>
+                  <a:pt x="0" y="814226"/>
+                </a:lnTo>
+                <a:cubicBezTo>
+                  <a:pt x="205816" y="814226"/>
+                  <a:pt x="372525" y="478370"/>
+                  <a:pt x="372525" y="64213"/>
+                </a:cubicBezTo>
+                <a:lnTo>
+                  <a:pt x="369311" y="0"/>
+                </a:lnTo>
+                <a:close/>
+              </a:path>
+            </a:pathLst>
+          </a:custGeom>
+          <a:solidFill>
+            <a:schemeClr val="tx1">
+              <a:alpha val="25000"/>
+            </a:schemeClr>
+          </a:solidFill>
+          <a:ln>
+            <a:noFill/>
+          </a:ln>
+        </p:spPr>
+        <p:style>
+          <a:lnRef idx="2">
+            <a:schemeClr val="accent1">
+              <a:shade val="50000"/>
+            </a:schemeClr>
+          </a:lnRef>
+          <a:fillRef idx="1">
+            <a:schemeClr val="accent1"/>
+          </a:fillRef>
+          <a:effectRef idx="0">
+            <a:schemeClr val="accent1"/>
+          </a:effectRef>
+          <a:fontRef idx="minor">
+            <a:schemeClr val="lt1"/>
+          </a:fontRef>
+        </p:style>
+        <p:txBody>
+          <a:bodyPr rtlCol="0" anchor="ctr"/>
+          <a:lstStyle/>
+          <a:p>
+            <a:pPr algn="ctr"/>
+            <a:endParaRPr lang="en-US" sz="1350"/>
+          </a:p>
+        </p:txBody>
+      </p:sp>
+      <p:pic>
+        <p:nvPicPr>
+          <p:cNvPr id="75" name="Graphic 74" descr="Users">
+            <a:extLst>
+              <a:ext uri="{FF2B5EF4-FFF2-40B4-BE49-F238E27FC236}">
+                <a16:creationId xmlns:a16="http://schemas.microsoft.com/office/drawing/2014/main" id="{E8BB70D9-E3EB-4B8C-AA31-DF467449F212}"/>
+              </a:ext>
+            </a:extLst>
+          </p:cNvPr>
+          <p:cNvPicPr>
+            <a:picLocks noChangeAspect="1"/>
+          </p:cNvPicPr>
+          <p:nvPr/>
+        </p:nvPicPr>
+        <p:blipFill>
+          <a:blip r:embed="rId3">
+            <a:extLst>
+              <a:ext uri="{28A0092B-C50C-407E-A947-70E740481C1C}">
+                <a14:useLocalDpi xmlns:a14="http://schemas.microsoft.com/office/drawing/2010/main" val="0"/>
+              </a:ext>
+              <a:ext uri="{96DAC541-7B7A-43D3-8B79-37D633B846F1}">
+                <asvg:svgBlip xmlns:asvg="http://schemas.microsoft.com/office/drawing/2016/SVG/main" r:embed="rId4"/>
+              </a:ext>
+            </a:extLst>
+          </a:blip>
+          <a:stretch>
+            <a:fillRect/>
+          </a:stretch>
+        </p:blipFill>
+        <p:spPr>
+          <a:xfrm>
+            <a:off x="8826305" y="3190646"/>
+            <a:ext cx="477914" cy="477914"/>
+          </a:xfrm>
+          <a:prstGeom prst="rect">
+            <a:avLst/>
+          </a:prstGeom>
+        </p:spPr>
+      </p:pic>
+      <p:pic>
+        <p:nvPicPr>
+          <p:cNvPr id="76" name="Graphic 75" descr="Puzzle">
+            <a:extLst>
+              <a:ext uri="{FF2B5EF4-FFF2-40B4-BE49-F238E27FC236}">
+                <a16:creationId xmlns:a16="http://schemas.microsoft.com/office/drawing/2014/main" id="{0C654B2F-CC56-482D-95CC-56BFB3835B85}"/>
+              </a:ext>
+            </a:extLst>
+          </p:cNvPr>
+          <p:cNvPicPr>
+            <a:picLocks noChangeAspect="1"/>
+          </p:cNvPicPr>
+          <p:nvPr/>
+        </p:nvPicPr>
+        <p:blipFill>
+          <a:blip r:embed="rId5">
+            <a:extLst>
+              <a:ext uri="{28A0092B-C50C-407E-A947-70E740481C1C}">
+                <a14:useLocalDpi xmlns:a14="http://schemas.microsoft.com/office/drawing/2010/main" val="0"/>
+              </a:ext>
+              <a:ext uri="{96DAC541-7B7A-43D3-8B79-37D633B846F1}">
+                <asvg:svgBlip xmlns:asvg="http://schemas.microsoft.com/office/drawing/2016/SVG/main" r:embed="rId6"/>
+              </a:ext>
+            </a:extLst>
+          </a:blip>
+          <a:stretch>
+            <a:fillRect/>
+          </a:stretch>
+        </p:blipFill>
+        <p:spPr>
+          <a:xfrm>
+            <a:off x="7062365" y="3190036"/>
+            <a:ext cx="477914" cy="477914"/>
+          </a:xfrm>
+          <a:prstGeom prst="rect">
+            <a:avLst/>
+          </a:prstGeom>
+        </p:spPr>
+      </p:pic>
+      <p:sp>
+        <p:nvSpPr>
+          <p:cNvPr id="3" name="Rectangle 2">
+            <a:extLst>
+              <a:ext uri="{FF2B5EF4-FFF2-40B4-BE49-F238E27FC236}">
+                <a16:creationId xmlns:a16="http://schemas.microsoft.com/office/drawing/2014/main" id="{573119E1-E683-4300-94E8-40B224723B59}"/>
+              </a:ext>
+            </a:extLst>
+          </p:cNvPr>
+          <p:cNvSpPr/>
+          <p:nvPr/>
+        </p:nvSpPr>
+        <p:spPr>
+          <a:xfrm>
+            <a:off x="3258292" y="2730198"/>
+            <a:ext cx="1160574" cy="300082"/>
+          </a:xfrm>
+          <a:prstGeom prst="rect">
+            <a:avLst/>
+          </a:prstGeom>
+        </p:spPr>
+        <p:txBody>
+          <a:bodyPr wrap="none" anchor="ctr">
+            <a:spAutoFit/>
+          </a:bodyPr>
+          <a:lstStyle/>
+          <a:p>
+            <a:pPr algn="ctr"/>
+            <a:r>
+              <a:rPr lang="en-US" sz="1350" b="1" noProof="1">
+                <a:solidFill>
+                  <a:schemeClr val="bg1"/>
+                </a:solidFill>
+              </a:rPr>
+              <a:t>Web Scraping</a:t>
+            </a:r>
+          </a:p>
+        </p:txBody>
+      </p:sp>
+      <p:sp>
+        <p:nvSpPr>
+          <p:cNvPr id="79" name="Rectangle 78">
+            <a:extLst>
+              <a:ext uri="{FF2B5EF4-FFF2-40B4-BE49-F238E27FC236}">
+                <a16:creationId xmlns:a16="http://schemas.microsoft.com/office/drawing/2014/main" id="{AAA16C34-F198-4B00-80F7-19AFD169D0DE}"/>
+              </a:ext>
+            </a:extLst>
+          </p:cNvPr>
+          <p:cNvSpPr/>
+          <p:nvPr/>
+        </p:nvSpPr>
+        <p:spPr>
+          <a:xfrm>
+            <a:off x="5040886" y="2715910"/>
+            <a:ext cx="1195840" cy="300082"/>
+          </a:xfrm>
+          <a:prstGeom prst="rect">
+            <a:avLst/>
+          </a:prstGeom>
+        </p:spPr>
+        <p:txBody>
+          <a:bodyPr wrap="none" anchor="ctr">
+            <a:spAutoFit/>
+          </a:bodyPr>
+          <a:lstStyle/>
+          <a:p>
+            <a:pPr algn="ctr"/>
+            <a:r>
+              <a:rPr lang="en-US" sz="1350" b="1" noProof="1"/>
+              <a:t>Staging Tables</a:t>
+            </a:r>
+          </a:p>
+        </p:txBody>
+      </p:sp>
+      <p:sp>
+        <p:nvSpPr>
+          <p:cNvPr id="80" name="Rectangle 79">
+            <a:extLst>
+              <a:ext uri="{FF2B5EF4-FFF2-40B4-BE49-F238E27FC236}">
+                <a16:creationId xmlns:a16="http://schemas.microsoft.com/office/drawing/2014/main" id="{864C9AAC-025C-49B4-AA72-E4F9F36DA145}"/>
+              </a:ext>
+            </a:extLst>
+          </p:cNvPr>
+          <p:cNvSpPr/>
+          <p:nvPr/>
+        </p:nvSpPr>
+        <p:spPr>
+          <a:xfrm>
+            <a:off x="6964884" y="2715910"/>
+            <a:ext cx="910186" cy="300082"/>
+          </a:xfrm>
+          <a:prstGeom prst="rect">
+            <a:avLst/>
+          </a:prstGeom>
+        </p:spPr>
+        <p:txBody>
+          <a:bodyPr wrap="none" anchor="ctr">
+            <a:spAutoFit/>
+          </a:bodyPr>
+          <a:lstStyle/>
+          <a:p>
+            <a:pPr algn="ctr"/>
+            <a:r>
+              <a:rPr lang="en-US" sz="1350" b="1" noProof="1"/>
+              <a:t>Transform</a:t>
+            </a:r>
+          </a:p>
+        </p:txBody>
+      </p:sp>
+      <p:sp>
+        <p:nvSpPr>
+          <p:cNvPr id="81" name="Rectangle 80">
+            <a:extLst>
+              <a:ext uri="{FF2B5EF4-FFF2-40B4-BE49-F238E27FC236}">
+                <a16:creationId xmlns:a16="http://schemas.microsoft.com/office/drawing/2014/main" id="{4730A568-DE8E-477C-A1D9-E4408746D321}"/>
+              </a:ext>
+            </a:extLst>
+          </p:cNvPr>
+          <p:cNvSpPr/>
+          <p:nvPr/>
+        </p:nvSpPr>
+        <p:spPr>
+          <a:xfrm>
+            <a:off x="8879345" y="2715910"/>
+            <a:ext cx="529312" cy="300082"/>
+          </a:xfrm>
+          <a:prstGeom prst="rect">
+            <a:avLst/>
+          </a:prstGeom>
+        </p:spPr>
+        <p:txBody>
+          <a:bodyPr wrap="none" anchor="ctr">
+            <a:spAutoFit/>
+          </a:bodyPr>
+          <a:lstStyle/>
+          <a:p>
+            <a:pPr algn="ctr"/>
+            <a:r>
+              <a:rPr lang="en-US" sz="1350" b="1" noProof="1">
+                <a:solidFill>
+                  <a:schemeClr val="bg1"/>
+                </a:solidFill>
+              </a:rPr>
+              <a:t>Load</a:t>
+            </a:r>
+          </a:p>
+        </p:txBody>
+      </p:sp>
+      <p:sp>
+        <p:nvSpPr>
+          <p:cNvPr id="4" name="Rectangle 3">
+            <a:extLst>
+              <a:ext uri="{FF2B5EF4-FFF2-40B4-BE49-F238E27FC236}">
+                <a16:creationId xmlns:a16="http://schemas.microsoft.com/office/drawing/2014/main" id="{CA9B8B4C-3B51-4049-A2C4-69D93FC81667}"/>
+              </a:ext>
+            </a:extLst>
+          </p:cNvPr>
+          <p:cNvSpPr/>
+          <p:nvPr/>
+        </p:nvSpPr>
+        <p:spPr>
+          <a:xfrm>
+            <a:off x="2737301" y="4010904"/>
+            <a:ext cx="1676029" cy="707886"/>
+          </a:xfrm>
+          <a:prstGeom prst="rect">
+            <a:avLst/>
+          </a:prstGeom>
+        </p:spPr>
+        <p:txBody>
+          <a:bodyPr wrap="square">
+            <a:spAutoFit/>
+          </a:bodyPr>
+          <a:lstStyle/>
+          <a:p>
+            <a:pPr algn="ctr"/>
+            <a:r>
+              <a:rPr lang="en-US" sz="2000" noProof="1">
+                <a:solidFill>
+                  <a:schemeClr val="tx1">
+                    <a:lumMod val="65000"/>
+                    <a:lumOff val="35000"/>
+                  </a:schemeClr>
+                </a:solidFill>
+              </a:rPr>
+              <a:t>279.1 Seconds</a:t>
+            </a:r>
+          </a:p>
+          <a:p>
+            <a:pPr algn="ctr"/>
+            <a:r>
+              <a:rPr lang="en-US" sz="2000" noProof="1">
+                <a:solidFill>
+                  <a:schemeClr val="tx1">
+                    <a:lumMod val="65000"/>
+                    <a:lumOff val="35000"/>
+                  </a:schemeClr>
+                </a:solidFill>
+              </a:rPr>
+              <a:t>69.7% </a:t>
+            </a:r>
+          </a:p>
+        </p:txBody>
+      </p:sp>
+      <p:sp>
+        <p:nvSpPr>
+          <p:cNvPr id="82" name="Rectangle 81">
+            <a:extLst>
+              <a:ext uri="{FF2B5EF4-FFF2-40B4-BE49-F238E27FC236}">
+                <a16:creationId xmlns:a16="http://schemas.microsoft.com/office/drawing/2014/main" id="{5DA32DE4-0E98-4728-A0AA-51A4E4A2D9EF}"/>
+              </a:ext>
+            </a:extLst>
+          </p:cNvPr>
+          <p:cNvSpPr/>
+          <p:nvPr/>
+        </p:nvSpPr>
+        <p:spPr>
+          <a:xfrm>
+            <a:off x="4699367" y="4010904"/>
+            <a:ext cx="1477905" cy="1015663"/>
+          </a:xfrm>
+          <a:prstGeom prst="rect">
+            <a:avLst/>
+          </a:prstGeom>
+        </p:spPr>
+        <p:txBody>
+          <a:bodyPr wrap="square">
+            <a:spAutoFit/>
+          </a:bodyPr>
+          <a:lstStyle/>
+          <a:p>
+            <a:pPr algn="ctr"/>
+            <a:r>
+              <a:rPr lang="en-US" sz="2000" noProof="1">
+                <a:solidFill>
+                  <a:schemeClr val="tx1">
+                    <a:lumMod val="65000"/>
+                    <a:lumOff val="35000"/>
+                  </a:schemeClr>
+                </a:solidFill>
+              </a:rPr>
+              <a:t>64 Seconds</a:t>
+            </a:r>
+          </a:p>
+          <a:p>
+            <a:pPr algn="ctr"/>
+            <a:r>
+              <a:rPr lang="en-US" sz="2000" noProof="1">
+                <a:solidFill>
+                  <a:schemeClr val="tx1">
+                    <a:lumMod val="65000"/>
+                    <a:lumOff val="35000"/>
+                  </a:schemeClr>
+                </a:solidFill>
+              </a:rPr>
+              <a:t>16%</a:t>
+            </a:r>
+          </a:p>
+          <a:p>
+            <a:pPr algn="ctr"/>
+            <a:endParaRPr lang="en-US" sz="2000" noProof="1">
+              <a:solidFill>
+                <a:schemeClr val="tx1">
+                  <a:lumMod val="65000"/>
+                  <a:lumOff val="35000"/>
+                </a:schemeClr>
+              </a:solidFill>
+            </a:endParaRPr>
+          </a:p>
+        </p:txBody>
+      </p:sp>
+      <p:sp>
+        <p:nvSpPr>
+          <p:cNvPr id="83" name="Rectangle 82">
+            <a:extLst>
+              <a:ext uri="{FF2B5EF4-FFF2-40B4-BE49-F238E27FC236}">
+                <a16:creationId xmlns:a16="http://schemas.microsoft.com/office/drawing/2014/main" id="{CED8022D-0ED8-487A-991F-F469271475FE}"/>
+              </a:ext>
+            </a:extLst>
+          </p:cNvPr>
+          <p:cNvSpPr/>
+          <p:nvPr/>
+        </p:nvSpPr>
+        <p:spPr>
+          <a:xfrm>
+            <a:off x="6463309" y="4010904"/>
+            <a:ext cx="1477905" cy="415498"/>
+          </a:xfrm>
+          <a:prstGeom prst="rect">
+            <a:avLst/>
+          </a:prstGeom>
+        </p:spPr>
+        <p:txBody>
+          <a:bodyPr wrap="square">
+            <a:spAutoFit/>
+          </a:bodyPr>
+          <a:lstStyle/>
+          <a:p>
+            <a:pPr algn="ctr"/>
+            <a:r>
+              <a:rPr lang="en-US" sz="2000" noProof="1">
+                <a:solidFill>
+                  <a:schemeClr val="tx1">
+                    <a:lumMod val="65000"/>
+                    <a:lumOff val="35000"/>
+                  </a:schemeClr>
+                </a:solidFill>
+              </a:rPr>
+              <a:t>1.9 Seconds</a:t>
+            </a:r>
+          </a:p>
+          <a:p>
+            <a:pPr algn="ctr"/>
+            <a:r>
+              <a:rPr lang="en-US" sz="2000" noProof="1">
+                <a:solidFill>
+                  <a:schemeClr val="tx1">
+                    <a:lumMod val="65000"/>
+                    <a:lumOff val="35000"/>
+                  </a:schemeClr>
+                </a:solidFill>
+              </a:rPr>
+              <a:t>0.48%</a:t>
+            </a:r>
+          </a:p>
+        </p:txBody>
+      </p:sp>
+      <p:sp>
+        <p:nvSpPr>
+          <p:cNvPr id="84" name="Rectangle 83">
+            <a:extLst>
+              <a:ext uri="{FF2B5EF4-FFF2-40B4-BE49-F238E27FC236}">
+                <a16:creationId xmlns:a16="http://schemas.microsoft.com/office/drawing/2014/main" id="{AB6E719E-CDA3-44A2-B961-8DBD808EF949}"/>
+              </a:ext>
+            </a:extLst>
+          </p:cNvPr>
+          <p:cNvSpPr/>
+          <p:nvPr/>
+        </p:nvSpPr>
+        <p:spPr>
+          <a:xfrm>
+            <a:off x="8227250" y="4010904"/>
+            <a:ext cx="1581768" cy="1015663"/>
+          </a:xfrm>
+          <a:prstGeom prst="rect">
+            <a:avLst/>
+          </a:prstGeom>
+        </p:spPr>
+        <p:txBody>
+          <a:bodyPr wrap="square">
+            <a:spAutoFit/>
+          </a:bodyPr>
+          <a:lstStyle/>
+          <a:p>
+            <a:pPr algn="ctr"/>
+            <a:r>
+              <a:rPr lang="en-US" sz="2000" noProof="1">
+                <a:solidFill>
+                  <a:schemeClr val="tx1">
+                    <a:lumMod val="65000"/>
+                    <a:lumOff val="35000"/>
+                  </a:schemeClr>
+                </a:solidFill>
+              </a:rPr>
+              <a:t>55 Seconds</a:t>
+            </a:r>
+          </a:p>
+          <a:p>
+            <a:pPr algn="ctr"/>
+            <a:r>
+              <a:rPr lang="en-US" sz="2000" noProof="1">
+                <a:solidFill>
+                  <a:schemeClr val="tx1">
+                    <a:lumMod val="65000"/>
+                    <a:lumOff val="35000"/>
+                  </a:schemeClr>
+                </a:solidFill>
+              </a:rPr>
+              <a:t>13.8%</a:t>
+            </a:r>
+          </a:p>
+          <a:p>
+            <a:pPr algn="ctr"/>
+            <a:endParaRPr lang="en-US" sz="2000" noProof="1">
+              <a:solidFill>
+                <a:schemeClr val="tx1">
+                  <a:lumMod val="65000"/>
+                  <a:lumOff val="35000"/>
+                </a:schemeClr>
+              </a:solidFill>
+            </a:endParaRPr>
+          </a:p>
+        </p:txBody>
+      </p:sp>
+      <p:sp>
+        <p:nvSpPr>
+          <p:cNvPr id="5" name="Oval 4">
+            <a:extLst>
+              <a:ext uri="{FF2B5EF4-FFF2-40B4-BE49-F238E27FC236}">
+                <a16:creationId xmlns:a16="http://schemas.microsoft.com/office/drawing/2014/main" id="{8D27A606-C1D5-42A8-9908-40B955ADEC0F}"/>
+              </a:ext>
+            </a:extLst>
+          </p:cNvPr>
+          <p:cNvSpPr/>
+          <p:nvPr/>
+        </p:nvSpPr>
+        <p:spPr>
+          <a:xfrm>
+            <a:off x="3495828" y="1872590"/>
+            <a:ext cx="561538" cy="561538"/>
+          </a:xfrm>
+          <a:prstGeom prst="ellipse">
+            <a:avLst/>
+          </a:prstGeom>
+          <a:solidFill>
+            <a:schemeClr val="bg1"/>
+          </a:solidFill>
+          <a:ln>
+            <a:noFill/>
+          </a:ln>
+          <a:effectLst>
+            <a:outerShdw blurRad="50800" dist="38100" dir="2700000" algn="tl" rotWithShape="0">
+              <a:prstClr val="black">
+                <a:alpha val="40000"/>
+              </a:prstClr>
+            </a:outerShdw>
+          </a:effectLst>
+        </p:spPr>
+        <p:style>
+          <a:lnRef idx="2">
+            <a:schemeClr val="accent1">
+              <a:shade val="50000"/>
+            </a:schemeClr>
+          </a:lnRef>
+          <a:fillRef idx="1">
+            <a:schemeClr val="accent1"/>
+          </a:fillRef>
+          <a:effectRef idx="0">
+            <a:schemeClr val="accent1"/>
+          </a:effectRef>
+          <a:fontRef idx="minor">
+            <a:schemeClr val="lt1"/>
+          </a:fontRef>
+        </p:style>
+        <p:txBody>
+          <a:bodyPr rot="0" spcFirstLastPara="0" vertOverflow="overflow" horzOverflow="overflow" vert="horz" wrap="square" lIns="68580" tIns="34290" rIns="68580" bIns="34290" numCol="1" spcCol="0" rtlCol="0" fromWordArt="0" anchor="ctr" anchorCtr="0" forceAA="0" compatLnSpc="1">
+            <a:prstTxWarp prst="textNoShape">
+              <a:avLst/>
+            </a:prstTxWarp>
+            <a:noAutofit/>
+          </a:bodyPr>
+          <a:lstStyle/>
+          <a:p>
+            <a:pPr algn="ctr"/>
+            <a:r>
+              <a:rPr lang="en-US" sz="2400" b="1" dirty="0">
+                <a:solidFill>
+                  <a:schemeClr val="tx1">
+                    <a:lumMod val="85000"/>
+                    <a:lumOff val="15000"/>
+                  </a:schemeClr>
+                </a:solidFill>
+              </a:rPr>
+              <a:t>1</a:t>
+            </a:r>
+          </a:p>
+        </p:txBody>
+      </p:sp>
+      <p:sp>
+        <p:nvSpPr>
+          <p:cNvPr id="90" name="Oval 89">
+            <a:extLst>
+              <a:ext uri="{FF2B5EF4-FFF2-40B4-BE49-F238E27FC236}">
+                <a16:creationId xmlns:a16="http://schemas.microsoft.com/office/drawing/2014/main" id="{315ACA7B-41E6-437B-A950-6FBDDA323A62}"/>
+              </a:ext>
+            </a:extLst>
+          </p:cNvPr>
+          <p:cNvSpPr/>
+          <p:nvPr/>
+        </p:nvSpPr>
+        <p:spPr>
+          <a:xfrm>
+            <a:off x="5258716" y="1872590"/>
+            <a:ext cx="561538" cy="561538"/>
+          </a:xfrm>
+          <a:prstGeom prst="ellipse">
+            <a:avLst/>
+          </a:prstGeom>
+          <a:solidFill>
+            <a:schemeClr val="bg1"/>
+          </a:solidFill>
+          <a:ln>
+            <a:noFill/>
+          </a:ln>
+          <a:effectLst>
+            <a:outerShdw blurRad="50800" dist="38100" dir="2700000" algn="tl" rotWithShape="0">
+              <a:prstClr val="black">
+                <a:alpha val="40000"/>
+              </a:prstClr>
+            </a:outerShdw>
+          </a:effectLst>
+        </p:spPr>
+        <p:style>
+          <a:lnRef idx="2">
+            <a:schemeClr val="accent1">
+              <a:shade val="50000"/>
+            </a:schemeClr>
+          </a:lnRef>
+          <a:fillRef idx="1">
+            <a:schemeClr val="accent1"/>
+          </a:fillRef>
+          <a:effectRef idx="0">
+            <a:schemeClr val="accent1"/>
+          </a:effectRef>
+          <a:fontRef idx="minor">
+            <a:schemeClr val="lt1"/>
+          </a:fontRef>
+        </p:style>
+        <p:txBody>
+          <a:bodyPr rot="0" spcFirstLastPara="0" vertOverflow="overflow" horzOverflow="overflow" vert="horz" wrap="square" lIns="68580" tIns="34290" rIns="68580" bIns="34290" numCol="1" spcCol="0" rtlCol="0" fromWordArt="0" anchor="ctr" anchorCtr="0" forceAA="0" compatLnSpc="1">
+            <a:prstTxWarp prst="textNoShape">
+              <a:avLst/>
+            </a:prstTxWarp>
+            <a:noAutofit/>
+          </a:bodyPr>
+          <a:lstStyle/>
+          <a:p>
+            <a:pPr algn="ctr"/>
+            <a:r>
+              <a:rPr lang="en-US" sz="2400" b="1" dirty="0">
+                <a:solidFill>
+                  <a:schemeClr val="tx1">
+                    <a:lumMod val="85000"/>
+                    <a:lumOff val="15000"/>
+                  </a:schemeClr>
+                </a:solidFill>
+              </a:rPr>
+              <a:t>2</a:t>
+            </a:r>
+          </a:p>
+        </p:txBody>
+      </p:sp>
+      <p:sp>
+        <p:nvSpPr>
+          <p:cNvPr id="91" name="Oval 90">
+            <a:extLst>
+              <a:ext uri="{FF2B5EF4-FFF2-40B4-BE49-F238E27FC236}">
+                <a16:creationId xmlns:a16="http://schemas.microsoft.com/office/drawing/2014/main" id="{C81407A6-2A16-4654-B90C-AB8230DB8DC7}"/>
+              </a:ext>
+            </a:extLst>
+          </p:cNvPr>
+          <p:cNvSpPr/>
+          <p:nvPr/>
+        </p:nvSpPr>
+        <p:spPr>
+          <a:xfrm>
+            <a:off x="7021605" y="1872590"/>
+            <a:ext cx="561538" cy="561538"/>
+          </a:xfrm>
+          <a:prstGeom prst="ellipse">
+            <a:avLst/>
+          </a:prstGeom>
+          <a:solidFill>
+            <a:schemeClr val="bg1"/>
+          </a:solidFill>
+          <a:ln>
+            <a:noFill/>
+          </a:ln>
+          <a:effectLst>
+            <a:outerShdw blurRad="50800" dist="38100" dir="2700000" algn="tl" rotWithShape="0">
+              <a:prstClr val="black">
+                <a:alpha val="40000"/>
+              </a:prstClr>
+            </a:outerShdw>
+          </a:effectLst>
+        </p:spPr>
+        <p:style>
+          <a:lnRef idx="2">
+            <a:schemeClr val="accent1">
+              <a:shade val="50000"/>
+            </a:schemeClr>
+          </a:lnRef>
+          <a:fillRef idx="1">
+            <a:schemeClr val="accent1"/>
+          </a:fillRef>
+          <a:effectRef idx="0">
+            <a:schemeClr val="accent1"/>
+          </a:effectRef>
+          <a:fontRef idx="minor">
+            <a:schemeClr val="lt1"/>
+          </a:fontRef>
+        </p:style>
+        <p:txBody>
+          <a:bodyPr rot="0" spcFirstLastPara="0" vertOverflow="overflow" horzOverflow="overflow" vert="horz" wrap="square" lIns="68580" tIns="34290" rIns="68580" bIns="34290" numCol="1" spcCol="0" rtlCol="0" fromWordArt="0" anchor="ctr" anchorCtr="0" forceAA="0" compatLnSpc="1">
+            <a:prstTxWarp prst="textNoShape">
+              <a:avLst/>
+            </a:prstTxWarp>
+            <a:noAutofit/>
+          </a:bodyPr>
+          <a:lstStyle/>
+          <a:p>
+            <a:pPr algn="ctr"/>
+            <a:r>
+              <a:rPr lang="en-US" sz="2400" b="1" dirty="0">
+                <a:solidFill>
+                  <a:schemeClr val="tx1">
+                    <a:lumMod val="85000"/>
+                    <a:lumOff val="15000"/>
+                  </a:schemeClr>
+                </a:solidFill>
+              </a:rPr>
+              <a:t>3</a:t>
+            </a:r>
+          </a:p>
+        </p:txBody>
+      </p:sp>
+      <p:sp>
+        <p:nvSpPr>
+          <p:cNvPr id="92" name="Oval 91">
+            <a:extLst>
+              <a:ext uri="{FF2B5EF4-FFF2-40B4-BE49-F238E27FC236}">
+                <a16:creationId xmlns:a16="http://schemas.microsoft.com/office/drawing/2014/main" id="{105ABC92-3331-490F-868D-BE155D391C38}"/>
+              </a:ext>
+            </a:extLst>
+          </p:cNvPr>
+          <p:cNvSpPr/>
+          <p:nvPr/>
+        </p:nvSpPr>
+        <p:spPr>
+          <a:xfrm>
+            <a:off x="8784493" y="1872590"/>
+            <a:ext cx="561538" cy="561538"/>
+          </a:xfrm>
+          <a:prstGeom prst="ellipse">
+            <a:avLst/>
+          </a:prstGeom>
+          <a:solidFill>
+            <a:schemeClr val="bg1"/>
+          </a:solidFill>
+          <a:ln>
+            <a:noFill/>
+          </a:ln>
+          <a:effectLst>
+            <a:outerShdw blurRad="50800" dist="38100" dir="2700000" algn="tl" rotWithShape="0">
+              <a:prstClr val="black">
+                <a:alpha val="40000"/>
+              </a:prstClr>
+            </a:outerShdw>
+          </a:effectLst>
+        </p:spPr>
+        <p:style>
+          <a:lnRef idx="2">
+            <a:schemeClr val="accent1">
+              <a:shade val="50000"/>
+            </a:schemeClr>
+          </a:lnRef>
+          <a:fillRef idx="1">
+            <a:schemeClr val="accent1"/>
+          </a:fillRef>
+          <a:effectRef idx="0">
+            <a:schemeClr val="accent1"/>
+          </a:effectRef>
+          <a:fontRef idx="minor">
+            <a:schemeClr val="lt1"/>
+          </a:fontRef>
+        </p:style>
+        <p:txBody>
+          <a:bodyPr rot="0" spcFirstLastPara="0" vertOverflow="overflow" horzOverflow="overflow" vert="horz" wrap="square" lIns="68580" tIns="34290" rIns="68580" bIns="34290" numCol="1" spcCol="0" rtlCol="0" fromWordArt="0" anchor="ctr" anchorCtr="0" forceAA="0" compatLnSpc="1">
+            <a:prstTxWarp prst="textNoShape">
+              <a:avLst/>
+            </a:prstTxWarp>
+            <a:noAutofit/>
+          </a:bodyPr>
+          <a:lstStyle/>
+          <a:p>
+            <a:pPr algn="ctr"/>
+            <a:r>
+              <a:rPr lang="en-US" sz="2400" b="1" dirty="0">
+                <a:solidFill>
+                  <a:schemeClr val="tx1">
+                    <a:lumMod val="85000"/>
+                    <a:lumOff val="15000"/>
+                  </a:schemeClr>
+                </a:solidFill>
+              </a:rPr>
+              <a:t>4</a:t>
+            </a:r>
+          </a:p>
+        </p:txBody>
+      </p:sp>
+      <p:pic>
+        <p:nvPicPr>
+          <p:cNvPr id="1026" name="Picture 2" descr="Web Scraping Demo From NextStep 2019 - Overview | OutSystems">
+            <a:extLst>
+              <a:ext uri="{FF2B5EF4-FFF2-40B4-BE49-F238E27FC236}">
+                <a16:creationId xmlns:a16="http://schemas.microsoft.com/office/drawing/2014/main" id="{DB76237C-0650-C860-E301-1C9312FBD8C9}"/>
+              </a:ext>
+            </a:extLst>
+          </p:cNvPr>
+          <p:cNvPicPr>
+            <a:picLocks noChangeAspect="1" noChangeArrowheads="1"/>
+          </p:cNvPicPr>
+          <p:nvPr/>
+        </p:nvPicPr>
+        <p:blipFill>
+          <a:blip r:embed="rId7">
+            <a:extLst>
+              <a:ext uri="{28A0092B-C50C-407E-A947-70E740481C1C}">
+                <a14:useLocalDpi xmlns:a14="http://schemas.microsoft.com/office/drawing/2010/main" val="0"/>
+              </a:ext>
+            </a:extLst>
+          </a:blip>
+          <a:srcRect/>
+          <a:stretch>
+            <a:fillRect/>
+          </a:stretch>
+        </p:blipFill>
+        <p:spPr bwMode="auto">
+          <a:xfrm>
+            <a:off x="3409281" y="3042155"/>
+            <a:ext cx="702964" cy="702964"/>
+          </a:xfrm>
+          <a:prstGeom prst="rect">
+            <a:avLst/>
+          </a:prstGeom>
+          <a:noFill/>
+          <a:extLst>
+            <a:ext uri="{909E8E84-426E-40DD-AFC4-6F175D3DCCD1}">
+              <a14:hiddenFill xmlns:a14="http://schemas.microsoft.com/office/drawing/2010/main">
+                <a:solidFill>
+                  <a:srgbClr val="FFFFFF"/>
+                </a:solidFill>
+              </a14:hiddenFill>
+            </a:ext>
+          </a:extLst>
+        </p:spPr>
+      </p:pic>
+      <p:pic>
+        <p:nvPicPr>
+          <p:cNvPr id="1028" name="Picture 4" descr="office database&quot; Icon - Download for free – Iconduck">
+            <a:extLst>
+              <a:ext uri="{FF2B5EF4-FFF2-40B4-BE49-F238E27FC236}">
+                <a16:creationId xmlns:a16="http://schemas.microsoft.com/office/drawing/2014/main" id="{9C2A9784-4822-495F-A01D-EAFE614CEA02}"/>
+              </a:ext>
+            </a:extLst>
+          </p:cNvPr>
+          <p:cNvPicPr>
+            <a:picLocks noChangeAspect="1" noChangeArrowheads="1"/>
+          </p:cNvPicPr>
+          <p:nvPr/>
+        </p:nvPicPr>
+        <p:blipFill>
+          <a:blip r:embed="rId8">
+            <a:extLst>
+              <a:ext uri="{28A0092B-C50C-407E-A947-70E740481C1C}">
+                <a14:useLocalDpi xmlns:a14="http://schemas.microsoft.com/office/drawing/2010/main" val="0"/>
+              </a:ext>
+            </a:extLst>
+          </a:blip>
+          <a:srcRect/>
+          <a:stretch>
+            <a:fillRect/>
+          </a:stretch>
+        </p:blipFill>
+        <p:spPr bwMode="auto">
+          <a:xfrm>
+            <a:off x="5301397" y="3120278"/>
+            <a:ext cx="622618" cy="648592"/>
+          </a:xfrm>
+          <a:prstGeom prst="rect">
+            <a:avLst/>
+          </a:prstGeom>
+          <a:noFill/>
+          <a:extLst>
+            <a:ext uri="{909E8E84-426E-40DD-AFC4-6F175D3DCCD1}">
+              <a14:hiddenFill xmlns:a14="http://schemas.microsoft.com/office/drawing/2010/main">
+                <a:solidFill>
+                  <a:srgbClr val="FFFFFF"/>
+                </a:solidFill>
+              </a14:hiddenFill>
+            </a:ext>
+          </a:extLst>
+        </p:spPr>
+      </p:pic>
+    </p:spTree>
+    <p:extLst>
+      <p:ext uri="{BB962C8B-B14F-4D97-AF65-F5344CB8AC3E}">
+        <p14:creationId xmlns:p14="http://schemas.microsoft.com/office/powerpoint/2010/main" val="2383628859"/>
       </p:ext>
     </p:extLst>
   </p:cSld>
@@ -9891,4 +12270,299 @@
     </a:ext>
   </a:extLst>
 </a:theme>
+</file>
+
+<file path=ppt/theme/theme2.xml><?xml version="1.0" encoding="utf-8"?>
+<a:theme xmlns:a="http://schemas.openxmlformats.org/drawingml/2006/main" name="Office Theme">
+  <a:themeElements>
+    <a:clrScheme name="Office">
+      <a:dk1>
+        <a:sysClr val="windowText" lastClr="000000"/>
+      </a:dk1>
+      <a:lt1>
+        <a:sysClr val="window" lastClr="FFFFFF"/>
+      </a:lt1>
+      <a:dk2>
+        <a:srgbClr val="44546A"/>
+      </a:dk2>
+      <a:lt2>
+        <a:srgbClr val="E7E6E6"/>
+      </a:lt2>
+      <a:accent1>
+        <a:srgbClr val="4472C4"/>
+      </a:accent1>
+      <a:accent2>
+        <a:srgbClr val="ED7D31"/>
+      </a:accent2>
+      <a:accent3>
+        <a:srgbClr val="A5A5A5"/>
+      </a:accent3>
+      <a:accent4>
+        <a:srgbClr val="FFC000"/>
+      </a:accent4>
+      <a:accent5>
+        <a:srgbClr val="5B9BD5"/>
+      </a:accent5>
+      <a:accent6>
+        <a:srgbClr val="70AD47"/>
+      </a:accent6>
+      <a:hlink>
+        <a:srgbClr val="0563C1"/>
+      </a:hlink>
+      <a:folHlink>
+        <a:srgbClr val="954F72"/>
+      </a:folHlink>
+    </a:clrScheme>
+    <a:fontScheme name="Office">
+      <a:majorFont>
+        <a:latin typeface="Calibri Light" panose="020F0302020204030204"/>
+        <a:ea typeface=""/>
+        <a:cs typeface=""/>
+        <a:font script="Jpan" typeface="游ゴシック Light"/>
+        <a:font script="Hang" typeface="맑은 고딕"/>
+        <a:font script="Hans" typeface="等线 Light"/>
+        <a:font script="Hant" typeface="新細明體"/>
+        <a:font script="Arab" typeface="Times New Roman"/>
+        <a:font script="Hebr" typeface="Times New Roman"/>
+        <a:font script="Thai" typeface="Angsana New"/>
+        <a:font script="Ethi" typeface="Nyala"/>
+        <a:font script="Beng" typeface="Vrinda"/>
+        <a:font script="Gujr" typeface="Shruti"/>
+        <a:font script="Khmr" typeface="MoolBoran"/>
+        <a:font script="Knda" typeface="Tunga"/>
+        <a:font script="Guru" typeface="Raavi"/>
+        <a:font script="Cans" typeface="Euphemia"/>
+        <a:font script="Cher" typeface="Plantagenet Cherokee"/>
+        <a:font script="Yiii" typeface="Microsoft Yi Baiti"/>
+        <a:font script="Tibt" typeface="Microsoft Himalaya"/>
+        <a:font script="Thaa" typeface="MV Boli"/>
+        <a:font script="Deva" typeface="Mangal"/>
+        <a:font script="Telu" typeface="Gautami"/>
+        <a:font script="Taml" typeface="Latha"/>
+        <a:font script="Syrc" typeface="Estrangelo Edessa"/>
+        <a:font script="Orya" typeface="Kalinga"/>
+        <a:font script="Mlym" typeface="Kartika"/>
+        <a:font script="Laoo" typeface="DokChampa"/>
+        <a:font script="Sinh" typeface="Iskoola Pota"/>
+        <a:font script="Mong" typeface="Mongolian Baiti"/>
+        <a:font script="Viet" typeface="Times New Roman"/>
+        <a:font script="Uigh" typeface="Microsoft Uighur"/>
+        <a:font script="Geor" typeface="Sylfaen"/>
+        <a:font script="Armn" typeface="Arial"/>
+        <a:font script="Bugi" typeface="Leelawadee UI"/>
+        <a:font script="Bopo" typeface="Microsoft JhengHei"/>
+        <a:font script="Java" typeface="Javanese Text"/>
+        <a:font script="Lisu" typeface="Segoe UI"/>
+        <a:font script="Mymr" typeface="Myanmar Text"/>
+        <a:font script="Nkoo" typeface="Ebrima"/>
+        <a:font script="Olck" typeface="Nirmala UI"/>
+        <a:font script="Osma" typeface="Ebrima"/>
+        <a:font script="Phag" typeface="Phagspa"/>
+        <a:font script="Syrn" typeface="Estrangelo Edessa"/>
+        <a:font script="Syrj" typeface="Estrangelo Edessa"/>
+        <a:font script="Syre" typeface="Estrangelo Edessa"/>
+        <a:font script="Sora" typeface="Nirmala UI"/>
+        <a:font script="Tale" typeface="Microsoft Tai Le"/>
+        <a:font script="Talu" typeface="Microsoft New Tai Lue"/>
+        <a:font script="Tfng" typeface="Ebrima"/>
+      </a:majorFont>
+      <a:minorFont>
+        <a:latin typeface="Calibri" panose="020F0502020204030204"/>
+        <a:ea typeface=""/>
+        <a:cs typeface=""/>
+        <a:font script="Jpan" typeface="游ゴシック"/>
+        <a:font script="Hang" typeface="맑은 고딕"/>
+        <a:font script="Hans" typeface="等线"/>
+        <a:font script="Hant" typeface="新細明體"/>
+        <a:font script="Arab" typeface="Arial"/>
+        <a:font script="Hebr" typeface="Arial"/>
+        <a:font script="Thai" typeface="Cordia New"/>
+        <a:font script="Ethi" typeface="Nyala"/>
+        <a:font script="Beng" typeface="Vrinda"/>
+        <a:font script="Gujr" typeface="Shruti"/>
+        <a:font script="Khmr" typeface="DaunPenh"/>
+        <a:font script="Knda" typeface="Tunga"/>
+        <a:font script="Guru" typeface="Raavi"/>
+        <a:font script="Cans" typeface="Euphemia"/>
+        <a:font script="Cher" typeface="Plantagenet Cherokee"/>
+        <a:font script="Yiii" typeface="Microsoft Yi Baiti"/>
+        <a:font script="Tibt" typeface="Microsoft Himalaya"/>
+        <a:font script="Thaa" typeface="MV Boli"/>
+        <a:font script="Deva" typeface="Mangal"/>
+        <a:font script="Telu" typeface="Gautami"/>
+        <a:font script="Taml" typeface="Latha"/>
+        <a:font script="Syrc" typeface="Estrangelo Edessa"/>
+        <a:font script="Orya" typeface="Kalinga"/>
+        <a:font script="Mlym" typeface="Kartika"/>
+        <a:font script="Laoo" typeface="DokChampa"/>
+        <a:font script="Sinh" typeface="Iskoola Pota"/>
+        <a:font script="Mong" typeface="Mongolian Baiti"/>
+        <a:font script="Viet" typeface="Arial"/>
+        <a:font script="Uigh" typeface="Microsoft Uighur"/>
+        <a:font script="Geor" typeface="Sylfaen"/>
+        <a:font script="Armn" typeface="Arial"/>
+        <a:font script="Bugi" typeface="Leelawadee UI"/>
+        <a:font script="Bopo" typeface="Microsoft JhengHei"/>
+        <a:font script="Java" typeface="Javanese Text"/>
+        <a:font script="Lisu" typeface="Segoe UI"/>
+        <a:font script="Mymr" typeface="Myanmar Text"/>
+        <a:font script="Nkoo" typeface="Ebrima"/>
+        <a:font script="Olck" typeface="Nirmala UI"/>
+        <a:font script="Osma" typeface="Ebrima"/>
+        <a:font script="Phag" typeface="Phagspa"/>
+        <a:font script="Syrn" typeface="Estrangelo Edessa"/>
+        <a:font script="Syrj" typeface="Estrangelo Edessa"/>
+        <a:font script="Syre" typeface="Estrangelo Edessa"/>
+        <a:font script="Sora" typeface="Nirmala UI"/>
+        <a:font script="Tale" typeface="Microsoft Tai Le"/>
+        <a:font script="Talu" typeface="Microsoft New Tai Lue"/>
+        <a:font script="Tfng" typeface="Ebrima"/>
+      </a:minorFont>
+    </a:fontScheme>
+    <a:fmtScheme name="Office">
+      <a:fillStyleLst>
+        <a:solidFill>
+          <a:schemeClr val="phClr"/>
+        </a:solidFill>
+        <a:gradFill rotWithShape="1">
+          <a:gsLst>
+            <a:gs pos="0">
+              <a:schemeClr val="phClr">
+                <a:lumMod val="110000"/>
+                <a:satMod val="105000"/>
+                <a:tint val="67000"/>
+              </a:schemeClr>
+            </a:gs>
+            <a:gs pos="50000">
+              <a:schemeClr val="phClr">
+                <a:lumMod val="105000"/>
+                <a:satMod val="103000"/>
+                <a:tint val="73000"/>
+              </a:schemeClr>
+            </a:gs>
+            <a:gs pos="100000">
+              <a:schemeClr val="phClr">
+                <a:lumMod val="105000"/>
+                <a:satMod val="109000"/>
+                <a:tint val="81000"/>
+              </a:schemeClr>
+            </a:gs>
+          </a:gsLst>
+          <a:lin ang="5400000" scaled="0"/>
+        </a:gradFill>
+        <a:gradFill rotWithShape="1">
+          <a:gsLst>
+            <a:gs pos="0">
+              <a:schemeClr val="phClr">
+                <a:satMod val="103000"/>
+                <a:lumMod val="102000"/>
+                <a:tint val="94000"/>
+              </a:schemeClr>
+            </a:gs>
+            <a:gs pos="50000">
+              <a:schemeClr val="phClr">
+                <a:satMod val="110000"/>
+                <a:lumMod val="100000"/>
+                <a:shade val="100000"/>
+              </a:schemeClr>
+            </a:gs>
+            <a:gs pos="100000">
+              <a:schemeClr val="phClr">
+                <a:lumMod val="99000"/>
+                <a:satMod val="120000"/>
+                <a:shade val="78000"/>
+              </a:schemeClr>
+            </a:gs>
+          </a:gsLst>
+          <a:lin ang="5400000" scaled="0"/>
+        </a:gradFill>
+      </a:fillStyleLst>
+      <a:lnStyleLst>
+        <a:ln w="6350" cap="flat" cmpd="sng" algn="ctr">
+          <a:solidFill>
+            <a:schemeClr val="phClr"/>
+          </a:solidFill>
+          <a:prstDash val="solid"/>
+          <a:miter lim="800000"/>
+        </a:ln>
+        <a:ln w="12700" cap="flat" cmpd="sng" algn="ctr">
+          <a:solidFill>
+            <a:schemeClr val="phClr"/>
+          </a:solidFill>
+          <a:prstDash val="solid"/>
+          <a:miter lim="800000"/>
+        </a:ln>
+        <a:ln w="19050" cap="flat" cmpd="sng" algn="ctr">
+          <a:solidFill>
+            <a:schemeClr val="phClr"/>
+          </a:solidFill>
+          <a:prstDash val="solid"/>
+          <a:miter lim="800000"/>
+        </a:ln>
+      </a:lnStyleLst>
+      <a:effectStyleLst>
+        <a:effectStyle>
+          <a:effectLst/>
+        </a:effectStyle>
+        <a:effectStyle>
+          <a:effectLst/>
+        </a:effectStyle>
+        <a:effectStyle>
+          <a:effectLst>
+            <a:outerShdw blurRad="57150" dist="19050" dir="5400000" algn="ctr" rotWithShape="0">
+              <a:srgbClr val="000000">
+                <a:alpha val="63000"/>
+              </a:srgbClr>
+            </a:outerShdw>
+          </a:effectLst>
+        </a:effectStyle>
+      </a:effectStyleLst>
+      <a:bgFillStyleLst>
+        <a:solidFill>
+          <a:schemeClr val="phClr"/>
+        </a:solidFill>
+        <a:solidFill>
+          <a:schemeClr val="phClr">
+            <a:tint val="95000"/>
+            <a:satMod val="170000"/>
+          </a:schemeClr>
+        </a:solidFill>
+        <a:gradFill rotWithShape="1">
+          <a:gsLst>
+            <a:gs pos="0">
+              <a:schemeClr val="phClr">
+                <a:tint val="93000"/>
+                <a:satMod val="150000"/>
+                <a:shade val="98000"/>
+                <a:lumMod val="102000"/>
+              </a:schemeClr>
+            </a:gs>
+            <a:gs pos="50000">
+              <a:schemeClr val="phClr">
+                <a:tint val="98000"/>
+                <a:satMod val="130000"/>
+                <a:shade val="90000"/>
+                <a:lumMod val="103000"/>
+              </a:schemeClr>
+            </a:gs>
+            <a:gs pos="100000">
+              <a:schemeClr val="phClr">
+                <a:shade val="63000"/>
+                <a:satMod val="120000"/>
+              </a:schemeClr>
+            </a:gs>
+          </a:gsLst>
+          <a:lin ang="5400000" scaled="0"/>
+        </a:gradFill>
+      </a:bgFillStyleLst>
+    </a:fmtScheme>
+  </a:themeElements>
+  <a:objectDefaults/>
+  <a:extraClrSchemeLst/>
+  <a:extLst>
+    <a:ext uri="{05A4C25C-085E-4340-85A3-A5531E510DB2}">
+      <thm15:themeFamily xmlns:thm15="http://schemas.microsoft.com/office/thememl/2012/main" name="Office Theme" id="{62F939B6-93AF-4DB8-9C6B-D6C7DFDC589F}" vid="{4A3C46E8-61CC-4603-A589-7422A47A8E4A}"/>
+    </a:ext>
+  </a:extLst>
+</a:theme>
 </file>
--- a/Report/Pipeline_Process.pptx
+++ b/Report/Pipeline_Process.pptx
@@ -10202,7 +10202,7 @@
           <a:p>
             <a:r>
               <a:rPr lang="en-US" dirty="0"/>
-              <a:t>Pipe Process Execution Time</a:t>
+              <a:t>Pipeline Process Execution Time</a:t>
             </a:r>
           </a:p>
         </p:txBody>

--- a/Report/Pipeline_Process.pptx
+++ b/Report/Pipeline_Process.pptx
@@ -11357,28 +11357,14 @@
           <a:p>
             <a:pPr algn="ctr"/>
             <a:r>
-              <a:rPr lang="en-US" sz="2000" noProof="1">
-                <a:solidFill>
-                  <a:schemeClr val="tx1">
-                    <a:lumMod val="65000"/>
-                    <a:lumOff val="35000"/>
-                  </a:schemeClr>
-                </a:solidFill>
-              </a:rPr>
+              <a:rPr lang="en-US" sz="2000" noProof="1"/>
               <a:t>279.1 Seconds</a:t>
             </a:r>
           </a:p>
           <a:p>
             <a:pPr algn="ctr"/>
             <a:r>
-              <a:rPr lang="en-US" sz="2000" noProof="1">
-                <a:solidFill>
-                  <a:schemeClr val="tx1">
-                    <a:lumMod val="65000"/>
-                    <a:lumOff val="35000"/>
-                  </a:schemeClr>
-                </a:solidFill>
-              </a:rPr>
+              <a:rPr lang="en-US" sz="2000" noProof="1"/>
               <a:t>69.7% </a:t>
             </a:r>
           </a:p>
@@ -11399,7 +11385,7 @@
         <p:spPr>
           <a:xfrm>
             <a:off x="4699367" y="4010904"/>
-            <a:ext cx="1477905" cy="1015663"/>
+            <a:ext cx="1477905" cy="707886"/>
           </a:xfrm>
           <a:prstGeom prst="rect">
             <a:avLst/>
@@ -11413,41 +11399,16 @@
           <a:p>
             <a:pPr algn="ctr"/>
             <a:r>
-              <a:rPr lang="en-US" sz="2000" noProof="1">
-                <a:solidFill>
-                  <a:schemeClr val="tx1">
-                    <a:lumMod val="65000"/>
-                    <a:lumOff val="35000"/>
-                  </a:schemeClr>
-                </a:solidFill>
-              </a:rPr>
+              <a:rPr lang="en-US" sz="2000" noProof="1"/>
               <a:t>64 Seconds</a:t>
             </a:r>
           </a:p>
           <a:p>
             <a:pPr algn="ctr"/>
             <a:r>
-              <a:rPr lang="en-US" sz="2000" noProof="1">
-                <a:solidFill>
-                  <a:schemeClr val="tx1">
-                    <a:lumMod val="65000"/>
-                    <a:lumOff val="35000"/>
-                  </a:schemeClr>
-                </a:solidFill>
-              </a:rPr>
+              <a:rPr lang="en-US" sz="2000" noProof="1"/>
               <a:t>16%</a:t>
             </a:r>
-          </a:p>
-          <a:p>
-            <a:pPr algn="ctr"/>
-            <a:endParaRPr lang="en-US" sz="2000" noProof="1">
-              <a:solidFill>
-                <a:schemeClr val="tx1">
-                  <a:lumMod val="65000"/>
-                  <a:lumOff val="35000"/>
-                </a:schemeClr>
-              </a:solidFill>
-            </a:endParaRPr>
           </a:p>
         </p:txBody>
       </p:sp>
@@ -11466,7 +11427,7 @@
         <p:spPr>
           <a:xfrm>
             <a:off x="6463309" y="4010904"/>
-            <a:ext cx="1477905" cy="415498"/>
+            <a:ext cx="1477905" cy="707886"/>
           </a:xfrm>
           <a:prstGeom prst="rect">
             <a:avLst/>
@@ -11480,28 +11441,14 @@
           <a:p>
             <a:pPr algn="ctr"/>
             <a:r>
-              <a:rPr lang="en-US" sz="2000" noProof="1">
-                <a:solidFill>
-                  <a:schemeClr val="tx1">
-                    <a:lumMod val="65000"/>
-                    <a:lumOff val="35000"/>
-                  </a:schemeClr>
-                </a:solidFill>
-              </a:rPr>
+              <a:rPr lang="en-US" sz="2000" noProof="1"/>
               <a:t>1.9 Seconds</a:t>
             </a:r>
           </a:p>
           <a:p>
             <a:pPr algn="ctr"/>
             <a:r>
-              <a:rPr lang="en-US" sz="2000" noProof="1">
-                <a:solidFill>
-                  <a:schemeClr val="tx1">
-                    <a:lumMod val="65000"/>
-                    <a:lumOff val="35000"/>
-                  </a:schemeClr>
-                </a:solidFill>
-              </a:rPr>
+              <a:rPr lang="en-US" sz="2000" noProof="1"/>
               <a:t>0.48%</a:t>
             </a:r>
           </a:p>
@@ -11522,7 +11469,7 @@
         <p:spPr>
           <a:xfrm>
             <a:off x="8227250" y="4010904"/>
-            <a:ext cx="1581768" cy="1015663"/>
+            <a:ext cx="1581768" cy="707886"/>
           </a:xfrm>
           <a:prstGeom prst="rect">
             <a:avLst/>
@@ -11536,41 +11483,16 @@
           <a:p>
             <a:pPr algn="ctr"/>
             <a:r>
-              <a:rPr lang="en-US" sz="2000" noProof="1">
-                <a:solidFill>
-                  <a:schemeClr val="tx1">
-                    <a:lumMod val="65000"/>
-                    <a:lumOff val="35000"/>
-                  </a:schemeClr>
-                </a:solidFill>
-              </a:rPr>
+              <a:rPr lang="en-US" sz="2000" noProof="1"/>
               <a:t>55 Seconds</a:t>
             </a:r>
           </a:p>
           <a:p>
             <a:pPr algn="ctr"/>
             <a:r>
-              <a:rPr lang="en-US" sz="2000" noProof="1">
-                <a:solidFill>
-                  <a:schemeClr val="tx1">
-                    <a:lumMod val="65000"/>
-                    <a:lumOff val="35000"/>
-                  </a:schemeClr>
-                </a:solidFill>
-              </a:rPr>
+              <a:rPr lang="en-US" sz="2000" noProof="1"/>
               <a:t>13.8%</a:t>
             </a:r>
-          </a:p>
-          <a:p>
-            <a:pPr algn="ctr"/>
-            <a:endParaRPr lang="en-US" sz="2000" noProof="1">
-              <a:solidFill>
-                <a:schemeClr val="tx1">
-                  <a:lumMod val="65000"/>
-                  <a:lumOff val="35000"/>
-                </a:schemeClr>
-              </a:solidFill>
-            </a:endParaRPr>
           </a:p>
         </p:txBody>
       </p:sp>
@@ -11964,6 +11886,154 @@
           </a:extLst>
         </p:spPr>
       </p:pic>
+      <mc:AlternateContent xmlns:mc="http://schemas.openxmlformats.org/markup-compatibility/2006">
+        <mc:Choice xmlns:a14="http://schemas.microsoft.com/office/drawing/2010/main" Requires="a14">
+          <p:sp>
+            <p:nvSpPr>
+              <p:cNvPr id="8" name="Rectangle 7">
+                <a:extLst>
+                  <a:ext uri="{FF2B5EF4-FFF2-40B4-BE49-F238E27FC236}">
+                    <a16:creationId xmlns:a16="http://schemas.microsoft.com/office/drawing/2014/main" id="{54136A60-595F-6A37-B092-25130F468B5B}"/>
+                  </a:ext>
+                </a:extLst>
+              </p:cNvPr>
+              <p:cNvSpPr/>
+              <p:nvPr/>
+            </p:nvSpPr>
+            <p:spPr>
+              <a:xfrm>
+                <a:off x="10095054" y="3868890"/>
+                <a:ext cx="1955718" cy="1015663"/>
+              </a:xfrm>
+              <a:prstGeom prst="rect">
+                <a:avLst/>
+              </a:prstGeom>
+            </p:spPr>
+            <p:txBody>
+              <a:bodyPr wrap="square">
+                <a:spAutoFit/>
+              </a:bodyPr>
+              <a:lstStyle/>
+              <a:p>
+                <a:pPr algn="ctr"/>
+                <a14:m>
+                  <m:oMathPara xmlns:m="http://schemas.openxmlformats.org/officeDocument/2006/math">
+                    <m:oMathParaPr>
+                      <m:jc m:val="centerGroup"/>
+                    </m:oMathParaPr>
+                    <m:oMath xmlns:m="http://schemas.openxmlformats.org/officeDocument/2006/math">
+                      <m:r>
+                        <a:rPr lang="en-CA" sz="2000" b="0" i="1" noProof="1" smtClean="0">
+                          <a:solidFill>
+                            <a:schemeClr val="tx1"/>
+                          </a:solidFill>
+                          <a:latin typeface="Cambria Math" panose="02040503050406030204" pitchFamily="18" charset="0"/>
+                          <a:ea typeface="Cambria Math" panose="02040503050406030204" pitchFamily="18" charset="0"/>
+                        </a:rPr>
+                        <m:t>𝑇𝑜𝑡𝑎𝑙</m:t>
+                      </m:r>
+                      <m:r>
+                        <a:rPr lang="en-CA" sz="2000" b="0" i="1" noProof="1" smtClean="0">
+                          <a:solidFill>
+                            <a:schemeClr val="tx1"/>
+                          </a:solidFill>
+                          <a:latin typeface="Cambria Math" panose="02040503050406030204" pitchFamily="18" charset="0"/>
+                          <a:ea typeface="Cambria Math" panose="02040503050406030204" pitchFamily="18" charset="0"/>
+                        </a:rPr>
+                        <m:t> </m:t>
+                      </m:r>
+                      <m:r>
+                        <a:rPr lang="en-CA" sz="2000" b="0" i="1" noProof="1" smtClean="0">
+                          <a:solidFill>
+                            <a:schemeClr val="tx1"/>
+                          </a:solidFill>
+                          <a:latin typeface="Cambria Math" panose="02040503050406030204" pitchFamily="18" charset="0"/>
+                          <a:ea typeface="Cambria Math" panose="02040503050406030204" pitchFamily="18" charset="0"/>
+                        </a:rPr>
+                        <m:t>𝑅𝑢𝑛𝑡𝑖𝑚𝑒</m:t>
+                      </m:r>
+                    </m:oMath>
+                  </m:oMathPara>
+                </a14:m>
+                <a:br>
+                  <a:rPr lang="en-US" sz="2000" noProof="1">
+                    <a:solidFill>
+                      <a:schemeClr val="tx1"/>
+                    </a:solidFill>
+                  </a:rPr>
+                </a:br>
+                <a:r>
+                  <a:rPr lang="en-US" sz="2000" noProof="1">
+                    <a:solidFill>
+                      <a:schemeClr val="tx1"/>
+                    </a:solidFill>
+                  </a:rPr>
+                  <a:t>= </a:t>
+                </a:r>
+                <a:br>
+                  <a:rPr lang="en-US" sz="2000" noProof="1">
+                    <a:solidFill>
+                      <a:schemeClr val="tx1"/>
+                    </a:solidFill>
+                  </a:rPr>
+                </a:br>
+                <a:r>
+                  <a:rPr lang="en-US" sz="2000" noProof="1">
+                    <a:solidFill>
+                      <a:schemeClr val="tx1"/>
+                    </a:solidFill>
+                  </a:rPr>
+                  <a:t>400 Seconds</a:t>
+                </a:r>
+              </a:p>
+            </p:txBody>
+          </p:sp>
+        </mc:Choice>
+        <mc:Fallback>
+          <p:sp>
+            <p:nvSpPr>
+              <p:cNvPr id="8" name="Rectangle 7">
+                <a:extLst>
+                  <a:ext uri="{FF2B5EF4-FFF2-40B4-BE49-F238E27FC236}">
+                    <a16:creationId xmlns:a16="http://schemas.microsoft.com/office/drawing/2014/main" id="{54136A60-595F-6A37-B092-25130F468B5B}"/>
+                  </a:ext>
+                </a:extLst>
+              </p:cNvPr>
+              <p:cNvSpPr>
+                <a:spLocks noRot="1" noChangeAspect="1" noMove="1" noResize="1" noEditPoints="1" noAdjustHandles="1" noChangeArrowheads="1" noChangeShapeType="1" noTextEdit="1"/>
+              </p:cNvSpPr>
+              <p:nvPr/>
+            </p:nvSpPr>
+            <p:spPr>
+              <a:xfrm>
+                <a:off x="10095054" y="3868890"/>
+                <a:ext cx="1955718" cy="1015663"/>
+              </a:xfrm>
+              <a:prstGeom prst="rect">
+                <a:avLst/>
+              </a:prstGeom>
+              <a:blipFill>
+                <a:blip r:embed="rId9"/>
+                <a:stretch>
+                  <a:fillRect b="-9877"/>
+                </a:stretch>
+              </a:blipFill>
+            </p:spPr>
+            <p:txBody>
+              <a:bodyPr/>
+              <a:lstStyle/>
+              <a:p>
+                <a:r>
+                  <a:rPr lang="en-US">
+                    <a:noFill/>
+                  </a:rPr>
+                  <a:t> </a:t>
+                </a:r>
+              </a:p>
+            </p:txBody>
+          </p:sp>
+        </mc:Fallback>
+      </mc:AlternateContent>
     </p:spTree>
     <p:extLst>
       <p:ext uri="{BB962C8B-B14F-4D97-AF65-F5344CB8AC3E}">

--- a/Report/Pipeline_Process.pptx
+++ b/Report/Pipeline_Process.pptx
@@ -5,11 +5,13 @@
     <p:sldMasterId id="2147483648" r:id="rId1"/>
   </p:sldMasterIdLst>
   <p:notesMasterIdLst>
-    <p:notesMasterId r:id="rId4"/>
+    <p:notesMasterId r:id="rId6"/>
   </p:notesMasterIdLst>
   <p:sldIdLst>
     <p:sldId id="256" r:id="rId2"/>
-    <p:sldId id="351" r:id="rId3"/>
+    <p:sldId id="353" r:id="rId3"/>
+    <p:sldId id="354" r:id="rId4"/>
+    <p:sldId id="352" r:id="rId5"/>
   </p:sldIdLst>
   <p:sldSz cx="12192000" cy="6858000"/>
   <p:notesSz cx="6858000" cy="9144000"/>
@@ -127,6 +129,5234 @@
 </p:presentation>
 </file>
 
+<file path=ppt/diagrams/colors1.xml><?xml version="1.0" encoding="utf-8"?>
+<dgm:colorsDef xmlns:dgm="http://schemas.openxmlformats.org/drawingml/2006/diagram" xmlns:a="http://schemas.openxmlformats.org/drawingml/2006/main" uniqueId="urn:microsoft.com/office/officeart/2005/8/colors/colorful5">
+  <dgm:title val=""/>
+  <dgm:desc val=""/>
+  <dgm:catLst>
+    <dgm:cat type="colorful" pri="10500"/>
+  </dgm:catLst>
+  <dgm:styleLbl name="node0">
+    <dgm:fillClrLst meth="repeat">
+      <a:schemeClr val="accent4"/>
+    </dgm:fillClrLst>
+    <dgm:linClrLst meth="repeat">
+      <a:schemeClr val="lt1"/>
+    </dgm:linClrLst>
+    <dgm:effectClrLst/>
+    <dgm:txLinClrLst/>
+    <dgm:txFillClrLst/>
+    <dgm:txEffectClrLst/>
+  </dgm:styleLbl>
+  <dgm:styleLbl name="node1">
+    <dgm:fillClrLst>
+      <a:schemeClr val="accent5"/>
+      <a:schemeClr val="accent6"/>
+    </dgm:fillClrLst>
+    <dgm:linClrLst meth="repeat">
+      <a:schemeClr val="lt1"/>
+    </dgm:linClrLst>
+    <dgm:effectClrLst/>
+    <dgm:txLinClrLst/>
+    <dgm:txFillClrLst/>
+    <dgm:txEffectClrLst/>
+  </dgm:styleLbl>
+  <dgm:styleLbl name="alignNode1">
+    <dgm:fillClrLst>
+      <a:schemeClr val="accent5"/>
+      <a:schemeClr val="accent6"/>
+    </dgm:fillClrLst>
+    <dgm:linClrLst>
+      <a:schemeClr val="accent5"/>
+      <a:schemeClr val="accent6"/>
+    </dgm:linClrLst>
+    <dgm:effectClrLst/>
+    <dgm:txLinClrLst/>
+    <dgm:txFillClrLst/>
+    <dgm:txEffectClrLst/>
+  </dgm:styleLbl>
+  <dgm:styleLbl name="lnNode1">
+    <dgm:fillClrLst>
+      <a:schemeClr val="accent5"/>
+      <a:schemeClr val="accent6"/>
+    </dgm:fillClrLst>
+    <dgm:linClrLst meth="repeat">
+      <a:schemeClr val="lt1"/>
+    </dgm:linClrLst>
+    <dgm:effectClrLst/>
+    <dgm:txLinClrLst/>
+    <dgm:txFillClrLst/>
+    <dgm:txEffectClrLst/>
+  </dgm:styleLbl>
+  <dgm:styleLbl name="vennNode1">
+    <dgm:fillClrLst>
+      <a:schemeClr val="accent5">
+        <a:alpha val="50000"/>
+      </a:schemeClr>
+      <a:schemeClr val="accent6">
+        <a:alpha val="50000"/>
+      </a:schemeClr>
+    </dgm:fillClrLst>
+    <dgm:linClrLst meth="repeat">
+      <a:schemeClr val="lt1"/>
+    </dgm:linClrLst>
+    <dgm:effectClrLst/>
+    <dgm:txLinClrLst/>
+    <dgm:txFillClrLst/>
+    <dgm:txEffectClrLst/>
+  </dgm:styleLbl>
+  <dgm:styleLbl name="node2">
+    <dgm:fillClrLst>
+      <a:schemeClr val="accent6"/>
+    </dgm:fillClrLst>
+    <dgm:linClrLst meth="repeat">
+      <a:schemeClr val="lt1"/>
+    </dgm:linClrLst>
+    <dgm:effectClrLst/>
+    <dgm:txLinClrLst/>
+    <dgm:txFillClrLst/>
+    <dgm:txEffectClrLst/>
+  </dgm:styleLbl>
+  <dgm:styleLbl name="node3">
+    <dgm:fillClrLst>
+      <a:schemeClr val="accent1"/>
+    </dgm:fillClrLst>
+    <dgm:linClrLst meth="repeat">
+      <a:schemeClr val="lt1"/>
+    </dgm:linClrLst>
+    <dgm:effectClrLst/>
+    <dgm:txLinClrLst/>
+    <dgm:txFillClrLst/>
+    <dgm:txEffectClrLst/>
+  </dgm:styleLbl>
+  <dgm:styleLbl name="node4">
+    <dgm:fillClrLst>
+      <a:schemeClr val="accent2"/>
+    </dgm:fillClrLst>
+    <dgm:linClrLst meth="repeat">
+      <a:schemeClr val="lt1"/>
+    </dgm:linClrLst>
+    <dgm:effectClrLst/>
+    <dgm:txLinClrLst/>
+    <dgm:txFillClrLst/>
+    <dgm:txEffectClrLst/>
+  </dgm:styleLbl>
+  <dgm:styleLbl name="fgImgPlace1">
+    <dgm:fillClrLst>
+      <a:schemeClr val="accent5">
+        <a:tint val="50000"/>
+      </a:schemeClr>
+      <a:schemeClr val="accent6">
+        <a:tint val="50000"/>
+      </a:schemeClr>
+    </dgm:fillClrLst>
+    <dgm:linClrLst meth="repeat">
+      <a:schemeClr val="lt1"/>
+    </dgm:linClrLst>
+    <dgm:effectClrLst/>
+    <dgm:txLinClrLst/>
+    <dgm:txFillClrLst meth="repeat">
+      <a:schemeClr val="lt1"/>
+    </dgm:txFillClrLst>
+    <dgm:txEffectClrLst/>
+  </dgm:styleLbl>
+  <dgm:styleLbl name="alignImgPlace1">
+    <dgm:fillClrLst>
+      <a:schemeClr val="accent5">
+        <a:tint val="50000"/>
+      </a:schemeClr>
+      <a:schemeClr val="accent6">
+        <a:tint val="20000"/>
+      </a:schemeClr>
+    </dgm:fillClrLst>
+    <dgm:linClrLst meth="repeat">
+      <a:schemeClr val="lt1"/>
+    </dgm:linClrLst>
+    <dgm:effectClrLst/>
+    <dgm:txLinClrLst/>
+    <dgm:txFillClrLst meth="repeat">
+      <a:schemeClr val="lt1"/>
+    </dgm:txFillClrLst>
+    <dgm:txEffectClrLst/>
+  </dgm:styleLbl>
+  <dgm:styleLbl name="bgImgPlace1">
+    <dgm:fillClrLst>
+      <a:schemeClr val="accent5">
+        <a:tint val="50000"/>
+      </a:schemeClr>
+      <a:schemeClr val="accent6">
+        <a:tint val="20000"/>
+      </a:schemeClr>
+    </dgm:fillClrLst>
+    <dgm:linClrLst meth="repeat">
+      <a:schemeClr val="lt1"/>
+    </dgm:linClrLst>
+    <dgm:effectClrLst/>
+    <dgm:txLinClrLst/>
+    <dgm:txFillClrLst meth="repeat">
+      <a:schemeClr val="lt1"/>
+    </dgm:txFillClrLst>
+    <dgm:txEffectClrLst/>
+  </dgm:styleLbl>
+  <dgm:styleLbl name="sibTrans2D1">
+    <dgm:fillClrLst>
+      <a:schemeClr val="accent5"/>
+      <a:schemeClr val="accent6"/>
+    </dgm:fillClrLst>
+    <dgm:linClrLst meth="repeat">
+      <a:schemeClr val="lt1"/>
+    </dgm:linClrLst>
+    <dgm:effectClrLst/>
+    <dgm:txLinClrLst/>
+    <dgm:txFillClrLst/>
+    <dgm:txEffectClrLst/>
+  </dgm:styleLbl>
+  <dgm:styleLbl name="fgSibTrans2D1">
+    <dgm:fillClrLst>
+      <a:schemeClr val="accent5"/>
+      <a:schemeClr val="accent6"/>
+    </dgm:fillClrLst>
+    <dgm:linClrLst meth="repeat">
+      <a:schemeClr val="lt1"/>
+    </dgm:linClrLst>
+    <dgm:effectClrLst/>
+    <dgm:txLinClrLst/>
+    <dgm:txFillClrLst meth="repeat">
+      <a:schemeClr val="lt1"/>
+    </dgm:txFillClrLst>
+    <dgm:txEffectClrLst/>
+  </dgm:styleLbl>
+  <dgm:styleLbl name="bgSibTrans2D1">
+    <dgm:fillClrLst>
+      <a:schemeClr val="accent5"/>
+      <a:schemeClr val="accent6"/>
+    </dgm:fillClrLst>
+    <dgm:linClrLst meth="repeat">
+      <a:schemeClr val="lt1"/>
+    </dgm:linClrLst>
+    <dgm:effectClrLst/>
+    <dgm:txLinClrLst/>
+    <dgm:txFillClrLst meth="repeat">
+      <a:schemeClr val="lt1"/>
+    </dgm:txFillClrLst>
+    <dgm:txEffectClrLst/>
+  </dgm:styleLbl>
+  <dgm:styleLbl name="sibTrans1D1">
+    <dgm:fillClrLst/>
+    <dgm:linClrLst>
+      <a:schemeClr val="accent5"/>
+      <a:schemeClr val="accent6"/>
+    </dgm:linClrLst>
+    <dgm:effectClrLst/>
+    <dgm:txLinClrLst/>
+    <dgm:txFillClrLst meth="repeat">
+      <a:schemeClr val="tx1"/>
+    </dgm:txFillClrLst>
+    <dgm:txEffectClrLst/>
+  </dgm:styleLbl>
+  <dgm:styleLbl name="callout">
+    <dgm:fillClrLst meth="repeat">
+      <a:schemeClr val="accent5"/>
+    </dgm:fillClrLst>
+    <dgm:linClrLst meth="repeat">
+      <a:schemeClr val="accent5">
+        <a:tint val="50000"/>
+      </a:schemeClr>
+    </dgm:linClrLst>
+    <dgm:effectClrLst/>
+    <dgm:txLinClrLst/>
+    <dgm:txFillClrLst meth="repeat">
+      <a:schemeClr val="tx1"/>
+    </dgm:txFillClrLst>
+    <dgm:txEffectClrLst/>
+  </dgm:styleLbl>
+  <dgm:styleLbl name="asst0">
+    <dgm:fillClrLst meth="repeat">
+      <a:schemeClr val="accent5"/>
+    </dgm:fillClrLst>
+    <dgm:linClrLst meth="repeat">
+      <a:schemeClr val="lt1">
+        <a:shade val="80000"/>
+      </a:schemeClr>
+    </dgm:linClrLst>
+    <dgm:effectClrLst/>
+    <dgm:txLinClrLst/>
+    <dgm:txFillClrLst/>
+    <dgm:txEffectClrLst/>
+  </dgm:styleLbl>
+  <dgm:styleLbl name="asst1">
+    <dgm:fillClrLst meth="repeat">
+      <a:schemeClr val="accent6"/>
+    </dgm:fillClrLst>
+    <dgm:linClrLst meth="repeat">
+      <a:schemeClr val="lt1">
+        <a:shade val="80000"/>
+      </a:schemeClr>
+    </dgm:linClrLst>
+    <dgm:effectClrLst/>
+    <dgm:txLinClrLst/>
+    <dgm:txFillClrLst/>
+    <dgm:txEffectClrLst/>
+  </dgm:styleLbl>
+  <dgm:styleLbl name="asst2">
+    <dgm:fillClrLst>
+      <a:schemeClr val="accent1"/>
+    </dgm:fillClrLst>
+    <dgm:linClrLst meth="repeat">
+      <a:schemeClr val="lt1"/>
+    </dgm:linClrLst>
+    <dgm:effectClrLst/>
+    <dgm:txLinClrLst/>
+    <dgm:txFillClrLst/>
+    <dgm:txEffectClrLst/>
+  </dgm:styleLbl>
+  <dgm:styleLbl name="asst3">
+    <dgm:fillClrLst>
+      <a:schemeClr val="accent2"/>
+    </dgm:fillClrLst>
+    <dgm:linClrLst meth="repeat">
+      <a:schemeClr val="lt1"/>
+    </dgm:linClrLst>
+    <dgm:effectClrLst/>
+    <dgm:txLinClrLst/>
+    <dgm:txFillClrLst/>
+    <dgm:txEffectClrLst/>
+  </dgm:styleLbl>
+  <dgm:styleLbl name="asst4">
+    <dgm:fillClrLst>
+      <a:schemeClr val="accent3"/>
+    </dgm:fillClrLst>
+    <dgm:linClrLst meth="repeat">
+      <a:schemeClr val="lt1"/>
+    </dgm:linClrLst>
+    <dgm:effectClrLst/>
+    <dgm:txLinClrLst/>
+    <dgm:txFillClrLst/>
+    <dgm:txEffectClrLst/>
+  </dgm:styleLbl>
+  <dgm:styleLbl name="parChTrans2D1">
+    <dgm:fillClrLst meth="repeat">
+      <a:schemeClr val="accent5"/>
+    </dgm:fillClrLst>
+    <dgm:linClrLst meth="repeat">
+      <a:schemeClr val="lt1"/>
+    </dgm:linClrLst>
+    <dgm:effectClrLst/>
+    <dgm:txLinClrLst/>
+    <dgm:txFillClrLst meth="repeat">
+      <a:schemeClr val="lt1"/>
+    </dgm:txFillClrLst>
+    <dgm:txEffectClrLst/>
+  </dgm:styleLbl>
+  <dgm:styleLbl name="parChTrans2D2">
+    <dgm:fillClrLst meth="repeat">
+      <a:schemeClr val="accent6"/>
+    </dgm:fillClrLst>
+    <dgm:linClrLst meth="repeat">
+      <a:schemeClr val="lt1"/>
+    </dgm:linClrLst>
+    <dgm:effectClrLst/>
+    <dgm:txLinClrLst/>
+    <dgm:txFillClrLst/>
+    <dgm:txEffectClrLst/>
+  </dgm:styleLbl>
+  <dgm:styleLbl name="parChTrans2D3">
+    <dgm:fillClrLst meth="repeat">
+      <a:schemeClr val="accent6"/>
+    </dgm:fillClrLst>
+    <dgm:linClrLst meth="repeat">
+      <a:schemeClr val="lt1"/>
+    </dgm:linClrLst>
+    <dgm:effectClrLst/>
+    <dgm:txLinClrLst/>
+    <dgm:txFillClrLst/>
+    <dgm:txEffectClrLst/>
+  </dgm:styleLbl>
+  <dgm:styleLbl name="parChTrans2D4">
+    <dgm:fillClrLst meth="repeat">
+      <a:schemeClr val="accent1"/>
+    </dgm:fillClrLst>
+    <dgm:linClrLst meth="repeat">
+      <a:schemeClr val="lt1"/>
+    </dgm:linClrLst>
+    <dgm:effectClrLst/>
+    <dgm:txLinClrLst/>
+    <dgm:txFillClrLst meth="repeat">
+      <a:schemeClr val="lt1"/>
+    </dgm:txFillClrLst>
+    <dgm:txEffectClrLst/>
+  </dgm:styleLbl>
+  <dgm:styleLbl name="parChTrans1D1">
+    <dgm:fillClrLst meth="repeat">
+      <a:schemeClr val="accent5"/>
+    </dgm:fillClrLst>
+    <dgm:linClrLst meth="repeat">
+      <a:schemeClr val="accent5"/>
+    </dgm:linClrLst>
+    <dgm:effectClrLst/>
+    <dgm:txLinClrLst/>
+    <dgm:txFillClrLst meth="repeat">
+      <a:schemeClr val="tx1"/>
+    </dgm:txFillClrLst>
+    <dgm:txEffectClrLst/>
+  </dgm:styleLbl>
+  <dgm:styleLbl name="parChTrans1D2">
+    <dgm:fillClrLst meth="repeat">
+      <a:schemeClr val="accent6">
+        <a:tint val="90000"/>
+      </a:schemeClr>
+    </dgm:fillClrLst>
+    <dgm:linClrLst meth="repeat">
+      <a:schemeClr val="accent6"/>
+    </dgm:linClrLst>
+    <dgm:effectClrLst/>
+    <dgm:txLinClrLst/>
+    <dgm:txFillClrLst meth="repeat">
+      <a:schemeClr val="tx1"/>
+    </dgm:txFillClrLst>
+    <dgm:txEffectClrLst/>
+  </dgm:styleLbl>
+  <dgm:styleLbl name="parChTrans1D3">
+    <dgm:fillClrLst meth="repeat">
+      <a:schemeClr val="accent6">
+        <a:tint val="70000"/>
+      </a:schemeClr>
+    </dgm:fillClrLst>
+    <dgm:linClrLst meth="repeat">
+      <a:schemeClr val="accent1"/>
+    </dgm:linClrLst>
+    <dgm:effectClrLst/>
+    <dgm:txLinClrLst/>
+    <dgm:txFillClrLst meth="repeat">
+      <a:schemeClr val="tx1"/>
+    </dgm:txFillClrLst>
+    <dgm:txEffectClrLst/>
+  </dgm:styleLbl>
+  <dgm:styleLbl name="parChTrans1D4">
+    <dgm:fillClrLst meth="repeat">
+      <a:schemeClr val="accent6">
+        <a:tint val="50000"/>
+      </a:schemeClr>
+    </dgm:fillClrLst>
+    <dgm:linClrLst meth="repeat">
+      <a:schemeClr val="accent2"/>
+    </dgm:linClrLst>
+    <dgm:effectClrLst/>
+    <dgm:txLinClrLst/>
+    <dgm:txFillClrLst meth="repeat">
+      <a:schemeClr val="tx1"/>
+    </dgm:txFillClrLst>
+    <dgm:txEffectClrLst/>
+  </dgm:styleLbl>
+  <dgm:styleLbl name="fgAcc1">
+    <dgm:fillClrLst meth="repeat">
+      <a:schemeClr val="lt1">
+        <a:alpha val="90000"/>
+      </a:schemeClr>
+    </dgm:fillClrLst>
+    <dgm:linClrLst>
+      <a:schemeClr val="accent5"/>
+      <a:schemeClr val="accent6"/>
+    </dgm:linClrLst>
+    <dgm:effectClrLst/>
+    <dgm:txLinClrLst/>
+    <dgm:txFillClrLst meth="repeat">
+      <a:schemeClr val="dk1"/>
+    </dgm:txFillClrLst>
+    <dgm:txEffectClrLst/>
+  </dgm:styleLbl>
+  <dgm:styleLbl name="conFgAcc1">
+    <dgm:fillClrLst meth="repeat">
+      <a:schemeClr val="lt1">
+        <a:alpha val="90000"/>
+      </a:schemeClr>
+    </dgm:fillClrLst>
+    <dgm:linClrLst>
+      <a:schemeClr val="accent5"/>
+      <a:schemeClr val="accent6"/>
+    </dgm:linClrLst>
+    <dgm:effectClrLst/>
+    <dgm:txLinClrLst/>
+    <dgm:txFillClrLst meth="repeat">
+      <a:schemeClr val="dk1"/>
+    </dgm:txFillClrLst>
+    <dgm:txEffectClrLst/>
+  </dgm:styleLbl>
+  <dgm:styleLbl name="alignAcc1">
+    <dgm:fillClrLst meth="repeat">
+      <a:schemeClr val="lt1">
+        <a:alpha val="90000"/>
+      </a:schemeClr>
+    </dgm:fillClrLst>
+    <dgm:linClrLst>
+      <a:schemeClr val="accent5"/>
+      <a:schemeClr val="accent6"/>
+    </dgm:linClrLst>
+    <dgm:effectClrLst/>
+    <dgm:txLinClrLst/>
+    <dgm:txFillClrLst meth="repeat">
+      <a:schemeClr val="dk1"/>
+    </dgm:txFillClrLst>
+    <dgm:txEffectClrLst/>
+  </dgm:styleLbl>
+  <dgm:styleLbl name="trAlignAcc1">
+    <dgm:fillClrLst meth="repeat">
+      <a:schemeClr val="lt1">
+        <a:alpha val="40000"/>
+      </a:schemeClr>
+    </dgm:fillClrLst>
+    <dgm:linClrLst meth="repeat">
+      <a:schemeClr val="accent5"/>
+    </dgm:linClrLst>
+    <dgm:effectClrLst/>
+    <dgm:txLinClrLst/>
+    <dgm:txFillClrLst meth="repeat">
+      <a:schemeClr val="dk1"/>
+    </dgm:txFillClrLst>
+    <dgm:txEffectClrLst/>
+  </dgm:styleLbl>
+  <dgm:styleLbl name="bgAcc1">
+    <dgm:fillClrLst meth="repeat">
+      <a:schemeClr val="lt1">
+        <a:alpha val="90000"/>
+      </a:schemeClr>
+    </dgm:fillClrLst>
+    <dgm:linClrLst>
+      <a:schemeClr val="accent5"/>
+      <a:schemeClr val="accent6"/>
+    </dgm:linClrLst>
+    <dgm:effectClrLst/>
+    <dgm:txLinClrLst/>
+    <dgm:txFillClrLst meth="repeat">
+      <a:schemeClr val="dk1"/>
+    </dgm:txFillClrLst>
+    <dgm:txEffectClrLst/>
+  </dgm:styleLbl>
+  <dgm:styleLbl name="solidFgAcc1">
+    <dgm:fillClrLst meth="repeat">
+      <a:schemeClr val="lt1"/>
+    </dgm:fillClrLst>
+    <dgm:linClrLst>
+      <a:schemeClr val="accent5"/>
+      <a:schemeClr val="accent6"/>
+    </dgm:linClrLst>
+    <dgm:effectClrLst/>
+    <dgm:txLinClrLst/>
+    <dgm:txFillClrLst meth="repeat">
+      <a:schemeClr val="dk1"/>
+    </dgm:txFillClrLst>
+    <dgm:txEffectClrLst/>
+  </dgm:styleLbl>
+  <dgm:styleLbl name="solidAlignAcc1">
+    <dgm:fillClrLst meth="repeat">
+      <a:schemeClr val="lt1"/>
+    </dgm:fillClrLst>
+    <dgm:linClrLst>
+      <a:schemeClr val="accent5"/>
+      <a:schemeClr val="accent6"/>
+    </dgm:linClrLst>
+    <dgm:effectClrLst/>
+    <dgm:txLinClrLst/>
+    <dgm:txFillClrLst meth="repeat">
+      <a:schemeClr val="dk1"/>
+    </dgm:txFillClrLst>
+    <dgm:txEffectClrLst/>
+  </dgm:styleLbl>
+  <dgm:styleLbl name="solidBgAcc1">
+    <dgm:fillClrLst meth="repeat">
+      <a:schemeClr val="lt1"/>
+    </dgm:fillClrLst>
+    <dgm:linClrLst>
+      <a:schemeClr val="accent5"/>
+      <a:schemeClr val="accent6"/>
+    </dgm:linClrLst>
+    <dgm:effectClrLst/>
+    <dgm:txLinClrLst/>
+    <dgm:txFillClrLst meth="repeat">
+      <a:schemeClr val="dk1"/>
+    </dgm:txFillClrLst>
+    <dgm:txEffectClrLst/>
+  </dgm:styleLbl>
+  <dgm:styleLbl name="fgAccFollowNode1">
+    <dgm:fillClrLst>
+      <a:schemeClr val="accent5">
+        <a:tint val="40000"/>
+        <a:alpha val="90000"/>
+      </a:schemeClr>
+      <a:schemeClr val="accent6">
+        <a:tint val="40000"/>
+        <a:alpha val="90000"/>
+      </a:schemeClr>
+    </dgm:fillClrLst>
+    <dgm:linClrLst>
+      <a:schemeClr val="accent5">
+        <a:tint val="40000"/>
+        <a:alpha val="90000"/>
+      </a:schemeClr>
+      <a:schemeClr val="accent5">
+        <a:tint val="40000"/>
+        <a:alpha val="90000"/>
+      </a:schemeClr>
+    </dgm:linClrLst>
+    <dgm:effectClrLst/>
+    <dgm:txLinClrLst/>
+    <dgm:txFillClrLst meth="repeat">
+      <a:schemeClr val="dk1"/>
+    </dgm:txFillClrLst>
+    <dgm:txEffectClrLst/>
+  </dgm:styleLbl>
+  <dgm:styleLbl name="alignAccFollowNode1">
+    <dgm:fillClrLst>
+      <a:schemeClr val="accent5">
+        <a:tint val="40000"/>
+        <a:alpha val="90000"/>
+      </a:schemeClr>
+      <a:schemeClr val="accent6">
+        <a:tint val="40000"/>
+        <a:alpha val="90000"/>
+      </a:schemeClr>
+    </dgm:fillClrLst>
+    <dgm:linClrLst>
+      <a:schemeClr val="accent5">
+        <a:tint val="40000"/>
+        <a:alpha val="90000"/>
+      </a:schemeClr>
+      <a:schemeClr val="accent6">
+        <a:tint val="40000"/>
+        <a:alpha val="90000"/>
+      </a:schemeClr>
+    </dgm:linClrLst>
+    <dgm:effectClrLst/>
+    <dgm:txLinClrLst/>
+    <dgm:txFillClrLst meth="repeat">
+      <a:schemeClr val="dk1"/>
+    </dgm:txFillClrLst>
+    <dgm:txEffectClrLst/>
+  </dgm:styleLbl>
+  <dgm:styleLbl name="bgAccFollowNode1">
+    <dgm:fillClrLst>
+      <a:schemeClr val="accent5">
+        <a:tint val="40000"/>
+        <a:alpha val="90000"/>
+      </a:schemeClr>
+      <a:schemeClr val="accent6">
+        <a:tint val="40000"/>
+        <a:alpha val="90000"/>
+      </a:schemeClr>
+    </dgm:fillClrLst>
+    <dgm:linClrLst>
+      <a:schemeClr val="accent5">
+        <a:tint val="40000"/>
+        <a:alpha val="90000"/>
+      </a:schemeClr>
+      <a:schemeClr val="accent6">
+        <a:tint val="40000"/>
+        <a:alpha val="90000"/>
+      </a:schemeClr>
+    </dgm:linClrLst>
+    <dgm:effectClrLst/>
+    <dgm:txLinClrLst/>
+    <dgm:txFillClrLst meth="repeat">
+      <a:schemeClr val="dk1"/>
+    </dgm:txFillClrLst>
+    <dgm:txEffectClrLst/>
+  </dgm:styleLbl>
+  <dgm:styleLbl name="fgAcc0">
+    <dgm:fillClrLst meth="repeat">
+      <a:schemeClr val="lt1">
+        <a:alpha val="90000"/>
+      </a:schemeClr>
+    </dgm:fillClrLst>
+    <dgm:linClrLst>
+      <a:schemeClr val="accent4"/>
+    </dgm:linClrLst>
+    <dgm:effectClrLst/>
+    <dgm:txLinClrLst/>
+    <dgm:txFillClrLst meth="repeat">
+      <a:schemeClr val="dk1"/>
+    </dgm:txFillClrLst>
+    <dgm:txEffectClrLst/>
+  </dgm:styleLbl>
+  <dgm:styleLbl name="fgAcc2">
+    <dgm:fillClrLst meth="repeat">
+      <a:schemeClr val="lt1">
+        <a:alpha val="90000"/>
+      </a:schemeClr>
+    </dgm:fillClrLst>
+    <dgm:linClrLst>
+      <a:schemeClr val="accent6"/>
+    </dgm:linClrLst>
+    <dgm:effectClrLst/>
+    <dgm:txLinClrLst/>
+    <dgm:txFillClrLst meth="repeat">
+      <a:schemeClr val="dk1"/>
+    </dgm:txFillClrLst>
+    <dgm:txEffectClrLst/>
+  </dgm:styleLbl>
+  <dgm:styleLbl name="fgAcc3">
+    <dgm:fillClrLst meth="repeat">
+      <a:schemeClr val="lt1">
+        <a:alpha val="90000"/>
+      </a:schemeClr>
+    </dgm:fillClrLst>
+    <dgm:linClrLst>
+      <a:schemeClr val="accent1"/>
+    </dgm:linClrLst>
+    <dgm:effectClrLst/>
+    <dgm:txLinClrLst/>
+    <dgm:txFillClrLst meth="repeat">
+      <a:schemeClr val="dk1"/>
+    </dgm:txFillClrLst>
+    <dgm:txEffectClrLst/>
+  </dgm:styleLbl>
+  <dgm:styleLbl name="fgAcc4">
+    <dgm:fillClrLst meth="repeat">
+      <a:schemeClr val="lt1">
+        <a:alpha val="90000"/>
+      </a:schemeClr>
+    </dgm:fillClrLst>
+    <dgm:linClrLst>
+      <a:schemeClr val="accent2"/>
+    </dgm:linClrLst>
+    <dgm:effectClrLst/>
+    <dgm:txLinClrLst/>
+    <dgm:txFillClrLst meth="repeat">
+      <a:schemeClr val="dk1"/>
+    </dgm:txFillClrLst>
+    <dgm:txEffectClrLst/>
+  </dgm:styleLbl>
+  <dgm:styleLbl name="bgShp">
+    <dgm:fillClrLst meth="repeat">
+      <a:schemeClr val="accent5">
+        <a:tint val="40000"/>
+      </a:schemeClr>
+    </dgm:fillClrLst>
+    <dgm:linClrLst meth="repeat">
+      <a:schemeClr val="dk1"/>
+    </dgm:linClrLst>
+    <dgm:effectClrLst/>
+    <dgm:txLinClrLst/>
+    <dgm:txFillClrLst meth="repeat">
+      <a:schemeClr val="dk1"/>
+    </dgm:txFillClrLst>
+    <dgm:txEffectClrLst/>
+  </dgm:styleLbl>
+  <dgm:styleLbl name="dkBgShp">
+    <dgm:fillClrLst meth="repeat">
+      <a:schemeClr val="accent5">
+        <a:shade val="90000"/>
+      </a:schemeClr>
+    </dgm:fillClrLst>
+    <dgm:linClrLst meth="repeat">
+      <a:schemeClr val="dk1"/>
+    </dgm:linClrLst>
+    <dgm:effectClrLst/>
+    <dgm:txLinClrLst/>
+    <dgm:txFillClrLst meth="repeat">
+      <a:schemeClr val="lt1"/>
+    </dgm:txFillClrLst>
+    <dgm:txEffectClrLst/>
+  </dgm:styleLbl>
+  <dgm:styleLbl name="trBgShp">
+    <dgm:fillClrLst meth="repeat">
+      <a:schemeClr val="accent5">
+        <a:tint val="50000"/>
+        <a:alpha val="40000"/>
+      </a:schemeClr>
+    </dgm:fillClrLst>
+    <dgm:linClrLst meth="repeat">
+      <a:schemeClr val="accent5"/>
+    </dgm:linClrLst>
+    <dgm:effectClrLst/>
+    <dgm:txLinClrLst/>
+    <dgm:txFillClrLst meth="repeat">
+      <a:schemeClr val="lt1"/>
+    </dgm:txFillClrLst>
+    <dgm:txEffectClrLst/>
+  </dgm:styleLbl>
+  <dgm:styleLbl name="fgShp">
+    <dgm:fillClrLst meth="repeat">
+      <a:schemeClr val="accent5">
+        <a:tint val="40000"/>
+      </a:schemeClr>
+    </dgm:fillClrLst>
+    <dgm:linClrLst meth="repeat">
+      <a:schemeClr val="lt1"/>
+    </dgm:linClrLst>
+    <dgm:effectClrLst/>
+    <dgm:txLinClrLst/>
+    <dgm:txFillClrLst meth="repeat">
+      <a:schemeClr val="dk1"/>
+    </dgm:txFillClrLst>
+    <dgm:txEffectClrLst/>
+  </dgm:styleLbl>
+  <dgm:styleLbl name="revTx">
+    <dgm:fillClrLst meth="repeat">
+      <a:schemeClr val="lt1">
+        <a:alpha val="0"/>
+      </a:schemeClr>
+    </dgm:fillClrLst>
+    <dgm:linClrLst meth="repeat">
+      <a:schemeClr val="dk1">
+        <a:alpha val="0"/>
+      </a:schemeClr>
+    </dgm:linClrLst>
+    <dgm:effectClrLst/>
+    <dgm:txLinClrLst/>
+    <dgm:txFillClrLst meth="repeat">
+      <a:schemeClr val="tx1"/>
+    </dgm:txFillClrLst>
+    <dgm:txEffectClrLst/>
+  </dgm:styleLbl>
+</dgm:colorsDef>
+</file>
+
+<file path=ppt/diagrams/data1.xml><?xml version="1.0" encoding="utf-8"?>
+<dgm:dataModel xmlns:dgm="http://schemas.openxmlformats.org/drawingml/2006/diagram" xmlns:a="http://schemas.openxmlformats.org/drawingml/2006/main">
+  <dgm:ptLst>
+    <dgm:pt modelId="{3AD018E0-FEA7-114C-9199-DA0A6F26766C}" type="doc">
+      <dgm:prSet loTypeId="urn:microsoft.com/office/officeart/2005/8/layout/hierarchy2" loCatId="" qsTypeId="urn:microsoft.com/office/officeart/2005/8/quickstyle/simple1" qsCatId="simple" csTypeId="urn:microsoft.com/office/officeart/2005/8/colors/colorful5" csCatId="colorful" phldr="1"/>
+      <dgm:spPr/>
+      <dgm:t>
+        <a:bodyPr/>
+        <a:lstStyle/>
+        <a:p>
+          <a:endParaRPr lang="en-US"/>
+        </a:p>
+      </dgm:t>
+    </dgm:pt>
+    <dgm:pt modelId="{742F4737-B269-C24A-B7FF-A327675165CB}">
+      <dgm:prSet phldrT="[Text]" custT="1"/>
+      <dgm:spPr/>
+      <dgm:t>
+        <a:bodyPr/>
+        <a:lstStyle/>
+        <a:p>
+          <a:pPr rtl="0"/>
+          <a:r>
+            <a:rPr lang="en-US" sz="3200" b="0" dirty="0"/>
+            <a:t>H</a:t>
+          </a:r>
+          <a:r>
+            <a:rPr lang="en-US" sz="3200" b="0" baseline="-25000" dirty="0"/>
+            <a:t>2</a:t>
+          </a:r>
+          <a:r>
+            <a:rPr lang="en-US" sz="3200" b="0" dirty="0"/>
+            <a:t>O </a:t>
+          </a:r>
+          <a:r>
+            <a:rPr lang="en-US" sz="3200" b="0" dirty="0" err="1"/>
+            <a:t>AutoML</a:t>
+          </a:r>
+          <a:endParaRPr lang="en-US" sz="3200" b="0" dirty="0"/>
+        </a:p>
+      </dgm:t>
+    </dgm:pt>
+    <dgm:pt modelId="{E839A442-B6DE-4541-A5E0-348BFD70CCB3}" type="parTrans" cxnId="{98BD8A8A-AF28-D94F-B137-BBC661C18CC3}">
+      <dgm:prSet/>
+      <dgm:spPr/>
+      <dgm:t>
+        <a:bodyPr/>
+        <a:lstStyle/>
+        <a:p>
+          <a:endParaRPr lang="en-US"/>
+        </a:p>
+      </dgm:t>
+    </dgm:pt>
+    <dgm:pt modelId="{2BE4B362-66CF-A748-B6D7-6D3CB9346CAE}" type="sibTrans" cxnId="{98BD8A8A-AF28-D94F-B137-BBC661C18CC3}">
+      <dgm:prSet/>
+      <dgm:spPr/>
+      <dgm:t>
+        <a:bodyPr/>
+        <a:lstStyle/>
+        <a:p>
+          <a:endParaRPr lang="en-US"/>
+        </a:p>
+      </dgm:t>
+    </dgm:pt>
+    <dgm:pt modelId="{69CB4BA5-2C36-AB4E-9D4C-5B95087EF767}">
+      <dgm:prSet phldrT="[Text]" custT="1"/>
+      <dgm:spPr>
+        <a:solidFill>
+          <a:srgbClr val="4E67C8">
+            <a:hueOff val="0"/>
+            <a:satOff val="0"/>
+            <a:lumOff val="0"/>
+            <a:alphaOff val="0"/>
+          </a:srgbClr>
+        </a:solidFill>
+        <a:ln w="12700" cap="flat" cmpd="sng" algn="ctr">
+          <a:solidFill>
+            <a:prstClr val="white">
+              <a:hueOff val="0"/>
+              <a:satOff val="0"/>
+              <a:lumOff val="0"/>
+              <a:alphaOff val="0"/>
+            </a:prstClr>
+          </a:solidFill>
+          <a:prstDash val="solid"/>
+          <a:miter lim="800000"/>
+        </a:ln>
+        <a:effectLst/>
+      </dgm:spPr>
+      <dgm:t>
+        <a:bodyPr spcFirstLastPara="0" vert="horz" wrap="square" lIns="20320" tIns="20320" rIns="20320" bIns="20320" numCol="1" spcCol="1270" anchor="ctr" anchorCtr="0"/>
+        <a:lstStyle/>
+        <a:p>
+          <a:pPr marL="0" lvl="0" indent="0" algn="ctr" defTabSz="1422400" rtl="0">
+            <a:lnSpc>
+              <a:spcPct val="90000"/>
+            </a:lnSpc>
+            <a:spcBef>
+              <a:spcPct val="0"/>
+            </a:spcBef>
+            <a:spcAft>
+              <a:spcPct val="35000"/>
+            </a:spcAft>
+            <a:buNone/>
+          </a:pPr>
+          <a:r>
+            <a:rPr lang="en-US" sz="3200" b="0" kern="1200" dirty="0">
+              <a:solidFill>
+                <a:prstClr val="white"/>
+              </a:solidFill>
+              <a:latin typeface="Calibri" panose="020F0502020204030204"/>
+              <a:ea typeface="+mn-ea"/>
+              <a:cs typeface="+mn-cs"/>
+            </a:rPr>
+            <a:t>INLA</a:t>
+          </a:r>
+        </a:p>
+      </dgm:t>
+    </dgm:pt>
+    <dgm:pt modelId="{C2F78228-02AC-A648-9115-1BBDA0D8D39A}" type="parTrans" cxnId="{2DA85E3B-0855-0844-A053-341BA8FDB8BB}">
+      <dgm:prSet/>
+      <dgm:spPr/>
+      <dgm:t>
+        <a:bodyPr/>
+        <a:lstStyle/>
+        <a:p>
+          <a:pPr rtl="0"/>
+          <a:endParaRPr lang="en-US"/>
+        </a:p>
+      </dgm:t>
+    </dgm:pt>
+    <dgm:pt modelId="{E151D31A-42AC-C848-A2E0-1B8C357FFAC5}" type="sibTrans" cxnId="{2DA85E3B-0855-0844-A053-341BA8FDB8BB}">
+      <dgm:prSet/>
+      <dgm:spPr/>
+      <dgm:t>
+        <a:bodyPr/>
+        <a:lstStyle/>
+        <a:p>
+          <a:endParaRPr lang="en-US"/>
+        </a:p>
+      </dgm:t>
+    </dgm:pt>
+    <dgm:pt modelId="{6D2EF27C-5EC0-0447-97BA-DC953F9C0B80}">
+      <dgm:prSet phldrT="[Text]" custT="1"/>
+      <dgm:spPr>
+        <a:solidFill>
+          <a:srgbClr val="4E67C8">
+            <a:hueOff val="0"/>
+            <a:satOff val="0"/>
+            <a:lumOff val="0"/>
+            <a:alphaOff val="0"/>
+          </a:srgbClr>
+        </a:solidFill>
+        <a:ln w="12700" cap="flat" cmpd="sng" algn="ctr">
+          <a:solidFill>
+            <a:prstClr val="white">
+              <a:hueOff val="0"/>
+              <a:satOff val="0"/>
+              <a:lumOff val="0"/>
+              <a:alphaOff val="0"/>
+            </a:prstClr>
+          </a:solidFill>
+          <a:prstDash val="solid"/>
+          <a:miter lim="800000"/>
+        </a:ln>
+        <a:effectLst/>
+      </dgm:spPr>
+      <dgm:t>
+        <a:bodyPr spcFirstLastPara="0" vert="horz" wrap="square" lIns="20320" tIns="20320" rIns="20320" bIns="20320" numCol="1" spcCol="1270" anchor="ctr" anchorCtr="0"/>
+        <a:lstStyle/>
+        <a:p>
+          <a:pPr marL="0" lvl="0" indent="0" algn="ctr" defTabSz="1422400" rtl="0">
+            <a:lnSpc>
+              <a:spcPct val="90000"/>
+            </a:lnSpc>
+            <a:spcBef>
+              <a:spcPct val="0"/>
+            </a:spcBef>
+            <a:spcAft>
+              <a:spcPct val="35000"/>
+            </a:spcAft>
+            <a:buNone/>
+          </a:pPr>
+          <a:r>
+            <a:rPr lang="en-CA" sz="3200" b="0" kern="1200" dirty="0" err="1">
+              <a:solidFill>
+                <a:prstClr val="white"/>
+              </a:solidFill>
+              <a:latin typeface="Calibri" panose="020F0502020204030204"/>
+              <a:ea typeface="+mn-ea"/>
+              <a:cs typeface="+mn-cs"/>
+            </a:rPr>
+            <a:t>GeoPandas</a:t>
+          </a:r>
+          <a:endParaRPr lang="en-US" sz="3200" b="0" kern="1200" dirty="0">
+            <a:solidFill>
+              <a:prstClr val="white"/>
+            </a:solidFill>
+            <a:latin typeface="Calibri" panose="020F0502020204030204"/>
+            <a:ea typeface="+mn-ea"/>
+            <a:cs typeface="+mn-cs"/>
+          </a:endParaRPr>
+        </a:p>
+      </dgm:t>
+    </dgm:pt>
+    <dgm:pt modelId="{1C176229-DBB1-0045-B53F-E63382460ADF}" type="parTrans" cxnId="{65DA5496-E0FA-984C-9249-789B0722AB60}">
+      <dgm:prSet/>
+      <dgm:spPr/>
+      <dgm:t>
+        <a:bodyPr/>
+        <a:lstStyle/>
+        <a:p>
+          <a:endParaRPr lang="en-US"/>
+        </a:p>
+      </dgm:t>
+    </dgm:pt>
+    <dgm:pt modelId="{93CC36D9-34B6-314F-9292-0556225256B4}" type="sibTrans" cxnId="{65DA5496-E0FA-984C-9249-789B0722AB60}">
+      <dgm:prSet/>
+      <dgm:spPr/>
+      <dgm:t>
+        <a:bodyPr/>
+        <a:lstStyle/>
+        <a:p>
+          <a:endParaRPr lang="en-US"/>
+        </a:p>
+      </dgm:t>
+    </dgm:pt>
+    <dgm:pt modelId="{F336668C-CDA1-DD44-A090-3A8B8D2628EF}">
+      <dgm:prSet phldrT="[Text]" custT="1"/>
+      <dgm:spPr>
+        <a:solidFill>
+          <a:srgbClr val="4E67C8">
+            <a:hueOff val="0"/>
+            <a:satOff val="0"/>
+            <a:lumOff val="0"/>
+            <a:alphaOff val="0"/>
+          </a:srgbClr>
+        </a:solidFill>
+        <a:ln w="12700" cap="flat" cmpd="sng" algn="ctr">
+          <a:solidFill>
+            <a:prstClr val="white">
+              <a:hueOff val="0"/>
+              <a:satOff val="0"/>
+              <a:lumOff val="0"/>
+              <a:alphaOff val="0"/>
+            </a:prstClr>
+          </a:solidFill>
+          <a:prstDash val="solid"/>
+          <a:miter lim="800000"/>
+        </a:ln>
+        <a:effectLst/>
+      </dgm:spPr>
+      <dgm:t>
+        <a:bodyPr spcFirstLastPara="0" vert="horz" wrap="square" lIns="20320" tIns="20320" rIns="20320" bIns="20320" numCol="1" spcCol="1270" anchor="ctr" anchorCtr="0"/>
+        <a:lstStyle/>
+        <a:p>
+          <a:pPr marL="0" lvl="0" indent="0" algn="ctr" defTabSz="1422400" rtl="0">
+            <a:lnSpc>
+              <a:spcPct val="90000"/>
+            </a:lnSpc>
+            <a:spcBef>
+              <a:spcPct val="0"/>
+            </a:spcBef>
+            <a:spcAft>
+              <a:spcPct val="35000"/>
+            </a:spcAft>
+            <a:buNone/>
+          </a:pPr>
+          <a:r>
+            <a:rPr lang="en-US" sz="3200" b="0" kern="1200" dirty="0">
+              <a:solidFill>
+                <a:prstClr val="white"/>
+              </a:solidFill>
+              <a:latin typeface="Calibri" panose="020F0502020204030204"/>
+              <a:ea typeface="+mn-ea"/>
+              <a:cs typeface="+mn-cs"/>
+            </a:rPr>
+            <a:t>Shapely</a:t>
+          </a:r>
+        </a:p>
+      </dgm:t>
+    </dgm:pt>
+    <dgm:pt modelId="{1CE90D1C-D1D4-0F41-87D4-8BFA3310AFD5}" type="parTrans" cxnId="{A74E2FD3-8452-2A4F-AA7A-223F9C299AC6}">
+      <dgm:prSet/>
+      <dgm:spPr/>
+      <dgm:t>
+        <a:bodyPr/>
+        <a:lstStyle/>
+        <a:p>
+          <a:endParaRPr lang="en-US"/>
+        </a:p>
+      </dgm:t>
+    </dgm:pt>
+    <dgm:pt modelId="{32373C68-9FDC-0241-B4AD-C87F214665A7}" type="sibTrans" cxnId="{A74E2FD3-8452-2A4F-AA7A-223F9C299AC6}">
+      <dgm:prSet/>
+      <dgm:spPr/>
+      <dgm:t>
+        <a:bodyPr/>
+        <a:lstStyle/>
+        <a:p>
+          <a:endParaRPr lang="en-US"/>
+        </a:p>
+      </dgm:t>
+    </dgm:pt>
+    <dgm:pt modelId="{666CD53A-25B7-3041-A923-AB37C351D27B}">
+      <dgm:prSet phldrT="[Text]" custT="1"/>
+      <dgm:spPr>
+        <a:solidFill>
+          <a:srgbClr val="FF0000"/>
+        </a:solidFill>
+      </dgm:spPr>
+      <dgm:t>
+        <a:bodyPr/>
+        <a:lstStyle/>
+        <a:p>
+          <a:pPr rtl="0"/>
+          <a:r>
+            <a:rPr lang="en-US" sz="2400" b="1" dirty="0"/>
+            <a:t>Training and Predictive Data</a:t>
+          </a:r>
+        </a:p>
+      </dgm:t>
+    </dgm:pt>
+    <dgm:pt modelId="{066631D2-9972-9548-9728-47BF865898D0}" type="sibTrans" cxnId="{4C77E597-948A-D44D-B792-AF8BA65BFF14}">
+      <dgm:prSet/>
+      <dgm:spPr/>
+      <dgm:t>
+        <a:bodyPr/>
+        <a:lstStyle/>
+        <a:p>
+          <a:endParaRPr lang="en-US"/>
+        </a:p>
+      </dgm:t>
+    </dgm:pt>
+    <dgm:pt modelId="{FDE6D859-8560-C24D-A194-D1E10D6DAF5E}" type="parTrans" cxnId="{4C77E597-948A-D44D-B792-AF8BA65BFF14}">
+      <dgm:prSet/>
+      <dgm:spPr>
+        <a:ln>
+          <a:solidFill>
+            <a:schemeClr val="tx1"/>
+          </a:solidFill>
+        </a:ln>
+      </dgm:spPr>
+      <dgm:t>
+        <a:bodyPr/>
+        <a:lstStyle/>
+        <a:p>
+          <a:pPr rtl="0"/>
+          <a:endParaRPr lang="en-US" b="1"/>
+        </a:p>
+      </dgm:t>
+    </dgm:pt>
+    <dgm:pt modelId="{0CEE30C9-B2C0-6D4F-ABC1-C58A8C37B8F0}">
+      <dgm:prSet custT="1"/>
+      <dgm:spPr>
+        <a:solidFill>
+          <a:srgbClr val="4E67C8">
+            <a:hueOff val="0"/>
+            <a:satOff val="0"/>
+            <a:lumOff val="0"/>
+            <a:alphaOff val="0"/>
+          </a:srgbClr>
+        </a:solidFill>
+        <a:ln w="12700" cap="flat" cmpd="sng" algn="ctr">
+          <a:solidFill>
+            <a:prstClr val="white">
+              <a:hueOff val="0"/>
+              <a:satOff val="0"/>
+              <a:lumOff val="0"/>
+              <a:alphaOff val="0"/>
+            </a:prstClr>
+          </a:solidFill>
+          <a:prstDash val="solid"/>
+          <a:miter lim="800000"/>
+        </a:ln>
+        <a:effectLst/>
+      </dgm:spPr>
+      <dgm:t>
+        <a:bodyPr spcFirstLastPara="0" vert="horz" wrap="square" lIns="20320" tIns="20320" rIns="20320" bIns="20320" numCol="1" spcCol="1270" anchor="ctr" anchorCtr="0"/>
+        <a:lstStyle/>
+        <a:p>
+          <a:r>
+            <a:rPr lang="en-US" sz="2400" b="0" dirty="0"/>
+            <a:t>Pipeline</a:t>
+          </a:r>
+        </a:p>
+      </dgm:t>
+    </dgm:pt>
+    <dgm:pt modelId="{85E66A64-CAB2-D242-B4D5-2D6102523364}" type="parTrans" cxnId="{25AC4566-301E-604B-ACC9-B2E50454C9FD}">
+      <dgm:prSet/>
+      <dgm:spPr/>
+      <dgm:t>
+        <a:bodyPr/>
+        <a:lstStyle/>
+        <a:p>
+          <a:endParaRPr lang="en-US"/>
+        </a:p>
+      </dgm:t>
+    </dgm:pt>
+    <dgm:pt modelId="{D103A08D-22EC-E445-9E21-5973C0987784}" type="sibTrans" cxnId="{25AC4566-301E-604B-ACC9-B2E50454C9FD}">
+      <dgm:prSet/>
+      <dgm:spPr/>
+      <dgm:t>
+        <a:bodyPr/>
+        <a:lstStyle/>
+        <a:p>
+          <a:endParaRPr lang="en-US"/>
+        </a:p>
+      </dgm:t>
+    </dgm:pt>
+    <dgm:pt modelId="{E1A351DB-1E81-D448-B6A0-BAC0DA403FF1}">
+      <dgm:prSet custT="1"/>
+      <dgm:spPr>
+        <a:solidFill>
+          <a:srgbClr val="4E67C8">
+            <a:hueOff val="0"/>
+            <a:satOff val="0"/>
+            <a:lumOff val="0"/>
+            <a:alphaOff val="0"/>
+          </a:srgbClr>
+        </a:solidFill>
+        <a:ln w="12700" cap="flat" cmpd="sng" algn="ctr">
+          <a:solidFill>
+            <a:prstClr val="white">
+              <a:hueOff val="0"/>
+              <a:satOff val="0"/>
+              <a:lumOff val="0"/>
+              <a:alphaOff val="0"/>
+            </a:prstClr>
+          </a:solidFill>
+          <a:prstDash val="solid"/>
+          <a:miter lim="800000"/>
+        </a:ln>
+        <a:effectLst/>
+      </dgm:spPr>
+      <dgm:t>
+        <a:bodyPr spcFirstLastPara="0" vert="horz" wrap="square" lIns="20320" tIns="20320" rIns="20320" bIns="20320" numCol="1" spcCol="1270" anchor="ctr" anchorCtr="0"/>
+        <a:lstStyle/>
+        <a:p>
+          <a:pPr marL="0" lvl="0" indent="0" algn="ctr" defTabSz="1244600">
+            <a:lnSpc>
+              <a:spcPct val="90000"/>
+            </a:lnSpc>
+            <a:spcBef>
+              <a:spcPct val="0"/>
+            </a:spcBef>
+            <a:spcAft>
+              <a:spcPct val="35000"/>
+            </a:spcAft>
+            <a:buNone/>
+          </a:pPr>
+          <a:r>
+            <a:rPr lang="en-US" sz="2000" b="1" kern="1200" dirty="0">
+              <a:solidFill>
+                <a:prstClr val="white"/>
+              </a:solidFill>
+              <a:latin typeface="Calibri" panose="020F0502020204030204"/>
+              <a:ea typeface="+mn-ea"/>
+              <a:cs typeface="+mn-cs"/>
+            </a:rPr>
+            <a:t>Data</a:t>
+          </a:r>
+        </a:p>
+        <a:p>
+          <a:pPr marL="0" lvl="0" indent="0" algn="ctr" defTabSz="1244600">
+            <a:lnSpc>
+              <a:spcPct val="90000"/>
+            </a:lnSpc>
+            <a:spcBef>
+              <a:spcPct val="0"/>
+            </a:spcBef>
+            <a:spcAft>
+              <a:spcPct val="35000"/>
+            </a:spcAft>
+            <a:buNone/>
+          </a:pPr>
+          <a:r>
+            <a:rPr lang="en-US" sz="2000" b="1" kern="1200" dirty="0">
+              <a:solidFill>
+                <a:prstClr val="white"/>
+              </a:solidFill>
+              <a:latin typeface="Calibri" panose="020F0502020204030204"/>
+              <a:ea typeface="+mn-ea"/>
+              <a:cs typeface="+mn-cs"/>
+            </a:rPr>
+            <a:t>Lake</a:t>
+          </a:r>
+        </a:p>
+      </dgm:t>
+    </dgm:pt>
+    <dgm:pt modelId="{D690E272-987C-D049-9D66-56AC2A5B1E09}" type="parTrans" cxnId="{5C6F6DF6-3A65-AB4B-A7DF-98BC78E630EB}">
+      <dgm:prSet/>
+      <dgm:spPr/>
+      <dgm:t>
+        <a:bodyPr/>
+        <a:lstStyle/>
+        <a:p>
+          <a:endParaRPr lang="en-US"/>
+        </a:p>
+      </dgm:t>
+    </dgm:pt>
+    <dgm:pt modelId="{697CDC2F-5AD8-D74C-9C5F-6D17558A2C91}" type="sibTrans" cxnId="{5C6F6DF6-3A65-AB4B-A7DF-98BC78E630EB}">
+      <dgm:prSet/>
+      <dgm:spPr/>
+      <dgm:t>
+        <a:bodyPr/>
+        <a:lstStyle/>
+        <a:p>
+          <a:endParaRPr lang="en-US"/>
+        </a:p>
+      </dgm:t>
+    </dgm:pt>
+    <dgm:pt modelId="{9FD3DACA-3318-424F-AAEF-E3FE439B9E2B}">
+      <dgm:prSet custT="1"/>
+      <dgm:spPr>
+        <a:solidFill>
+          <a:srgbClr val="7030A0"/>
+        </a:solidFill>
+      </dgm:spPr>
+      <dgm:t>
+        <a:bodyPr/>
+        <a:lstStyle/>
+        <a:p>
+          <a:pPr rtl="0"/>
+          <a:r>
+            <a:rPr lang="en-US" sz="4000" b="0" dirty="0"/>
+            <a:t>Turf</a:t>
+          </a:r>
+        </a:p>
+      </dgm:t>
+    </dgm:pt>
+    <dgm:pt modelId="{13870DF8-CE26-964D-8545-BE174318E23D}" type="parTrans" cxnId="{6CCEEB09-B09A-4A4F-A881-7F3AE59F71AC}">
+      <dgm:prSet/>
+      <dgm:spPr/>
+      <dgm:t>
+        <a:bodyPr/>
+        <a:lstStyle/>
+        <a:p>
+          <a:endParaRPr lang="en-US"/>
+        </a:p>
+      </dgm:t>
+    </dgm:pt>
+    <dgm:pt modelId="{CCB2E257-2521-6B4A-A141-EEED6269CE99}" type="sibTrans" cxnId="{6CCEEB09-B09A-4A4F-A881-7F3AE59F71AC}">
+      <dgm:prSet/>
+      <dgm:spPr/>
+      <dgm:t>
+        <a:bodyPr/>
+        <a:lstStyle/>
+        <a:p>
+          <a:endParaRPr lang="en-US"/>
+        </a:p>
+      </dgm:t>
+    </dgm:pt>
+    <dgm:pt modelId="{8F93C305-DF26-3243-B934-2B3BE71BE773}">
+      <dgm:prSet custT="1"/>
+      <dgm:spPr>
+        <a:solidFill>
+          <a:srgbClr val="7030A0"/>
+        </a:solidFill>
+      </dgm:spPr>
+      <dgm:t>
+        <a:bodyPr/>
+        <a:lstStyle/>
+        <a:p>
+          <a:pPr rtl="0"/>
+          <a:r>
+            <a:rPr lang="en-US" sz="3200" b="0" dirty="0" err="1"/>
+            <a:t>Mapbox</a:t>
+          </a:r>
+          <a:r>
+            <a:rPr lang="en-US" sz="3200" b="1" dirty="0"/>
+            <a:t> </a:t>
+          </a:r>
+        </a:p>
+      </dgm:t>
+    </dgm:pt>
+    <dgm:pt modelId="{2B96339D-B73C-2642-9C4D-01C987D64CF6}" type="parTrans" cxnId="{54226A2E-AE66-1649-AB25-D34708D2E794}">
+      <dgm:prSet/>
+      <dgm:spPr/>
+      <dgm:t>
+        <a:bodyPr/>
+        <a:lstStyle/>
+        <a:p>
+          <a:endParaRPr lang="en-US"/>
+        </a:p>
+      </dgm:t>
+    </dgm:pt>
+    <dgm:pt modelId="{9AC1E77D-9F67-FD40-A49E-67E81526658D}" type="sibTrans" cxnId="{54226A2E-AE66-1649-AB25-D34708D2E794}">
+      <dgm:prSet/>
+      <dgm:spPr/>
+      <dgm:t>
+        <a:bodyPr/>
+        <a:lstStyle/>
+        <a:p>
+          <a:endParaRPr lang="en-US"/>
+        </a:p>
+      </dgm:t>
+    </dgm:pt>
+    <dgm:pt modelId="{51480B2C-AB8C-4849-973B-3D2317EC133C}">
+      <dgm:prSet custT="1"/>
+      <dgm:spPr>
+        <a:solidFill>
+          <a:srgbClr val="7030A0"/>
+        </a:solidFill>
+      </dgm:spPr>
+      <dgm:t>
+        <a:bodyPr/>
+        <a:lstStyle/>
+        <a:p>
+          <a:pPr rtl="0"/>
+          <a:r>
+            <a:rPr lang="en-US" sz="3600" b="0" dirty="0"/>
+            <a:t>Folium</a:t>
+          </a:r>
+        </a:p>
+      </dgm:t>
+    </dgm:pt>
+    <dgm:pt modelId="{7AA2BC96-0BC6-724A-8C31-DA476213E251}" type="parTrans" cxnId="{004D98A9-DE3E-4146-9828-988D8588E7FB}">
+      <dgm:prSet/>
+      <dgm:spPr/>
+      <dgm:t>
+        <a:bodyPr/>
+        <a:lstStyle/>
+        <a:p>
+          <a:endParaRPr lang="en-US"/>
+        </a:p>
+      </dgm:t>
+    </dgm:pt>
+    <dgm:pt modelId="{DD73BAE0-BA5A-714E-B429-3E39CC9018D5}" type="sibTrans" cxnId="{004D98A9-DE3E-4146-9828-988D8588E7FB}">
+      <dgm:prSet/>
+      <dgm:spPr/>
+      <dgm:t>
+        <a:bodyPr/>
+        <a:lstStyle/>
+        <a:p>
+          <a:endParaRPr lang="en-US"/>
+        </a:p>
+      </dgm:t>
+    </dgm:pt>
+    <dgm:pt modelId="{DBA8509B-8BEA-CF45-8289-CB376C81EB70}">
+      <dgm:prSet custT="1"/>
+      <dgm:spPr>
+        <a:solidFill>
+          <a:schemeClr val="bg1">
+            <a:lumMod val="85000"/>
+          </a:schemeClr>
+        </a:solidFill>
+        <a:ln w="38100"/>
+      </dgm:spPr>
+      <dgm:t>
+        <a:bodyPr/>
+        <a:lstStyle/>
+        <a:p>
+          <a:r>
+            <a:rPr lang="en-US" sz="2000" b="1" dirty="0">
+              <a:solidFill>
+                <a:schemeClr val="tx1"/>
+              </a:solidFill>
+            </a:rPr>
+            <a:t>Load Testing</a:t>
+          </a:r>
+        </a:p>
+      </dgm:t>
+    </dgm:pt>
+    <dgm:pt modelId="{6B453874-F1A2-2147-8766-71BB722C2AA5}" type="parTrans" cxnId="{696BDDF1-B932-F14F-8C1A-6EAC6C75295B}">
+      <dgm:prSet/>
+      <dgm:spPr/>
+      <dgm:t>
+        <a:bodyPr/>
+        <a:lstStyle/>
+        <a:p>
+          <a:pPr rtl="0"/>
+          <a:endParaRPr lang="en-US"/>
+        </a:p>
+      </dgm:t>
+    </dgm:pt>
+    <dgm:pt modelId="{10F5016D-6977-2848-A41F-BF791CF17359}" type="sibTrans" cxnId="{696BDDF1-B932-F14F-8C1A-6EAC6C75295B}">
+      <dgm:prSet/>
+      <dgm:spPr/>
+      <dgm:t>
+        <a:bodyPr/>
+        <a:lstStyle/>
+        <a:p>
+          <a:endParaRPr lang="en-US"/>
+        </a:p>
+      </dgm:t>
+    </dgm:pt>
+    <dgm:pt modelId="{96BB640D-54C5-A243-98FC-773B655652C0}">
+      <dgm:prSet/>
+      <dgm:spPr>
+        <a:solidFill>
+          <a:srgbClr val="FFFF00"/>
+        </a:solidFill>
+      </dgm:spPr>
+      <dgm:t>
+        <a:bodyPr/>
+        <a:lstStyle/>
+        <a:p>
+          <a:pPr rtl="0"/>
+          <a:r>
+            <a:rPr lang="en-US" b="1" dirty="0">
+              <a:solidFill>
+                <a:schemeClr val="tx1"/>
+              </a:solidFill>
+            </a:rPr>
+            <a:t>Optimal Map</a:t>
+          </a:r>
+        </a:p>
+      </dgm:t>
+    </dgm:pt>
+    <dgm:pt modelId="{806AF3A9-39ED-3A43-AF1A-1B5C8BA60C57}" type="parTrans" cxnId="{08C0E28E-6678-B047-BA00-FB36986A37BB}">
+      <dgm:prSet/>
+      <dgm:spPr/>
+      <dgm:t>
+        <a:bodyPr/>
+        <a:lstStyle/>
+        <a:p>
+          <a:endParaRPr lang="en-US"/>
+        </a:p>
+      </dgm:t>
+    </dgm:pt>
+    <dgm:pt modelId="{CDDA7CBA-A97F-C94D-AF5C-9DBF91A1D702}" type="sibTrans" cxnId="{08C0E28E-6678-B047-BA00-FB36986A37BB}">
+      <dgm:prSet/>
+      <dgm:spPr/>
+      <dgm:t>
+        <a:bodyPr/>
+        <a:lstStyle/>
+        <a:p>
+          <a:endParaRPr lang="en-US"/>
+        </a:p>
+      </dgm:t>
+    </dgm:pt>
+    <dgm:pt modelId="{9B26A6F0-77F5-C94A-BEB9-48BCF11AE3BD}" type="pres">
+      <dgm:prSet presAssocID="{3AD018E0-FEA7-114C-9199-DA0A6F26766C}" presName="diagram" presStyleCnt="0">
+        <dgm:presLayoutVars>
+          <dgm:chPref val="1"/>
+          <dgm:dir/>
+          <dgm:animOne val="branch"/>
+          <dgm:animLvl val="lvl"/>
+          <dgm:resizeHandles val="exact"/>
+        </dgm:presLayoutVars>
+      </dgm:prSet>
+      <dgm:spPr/>
+    </dgm:pt>
+    <dgm:pt modelId="{DB11DD56-B084-1244-BF6E-0DCC958CC4E4}" type="pres">
+      <dgm:prSet presAssocID="{E1A351DB-1E81-D448-B6A0-BAC0DA403FF1}" presName="root1" presStyleCnt="0"/>
+      <dgm:spPr/>
+    </dgm:pt>
+    <dgm:pt modelId="{72E9B62D-3CA6-CC42-8326-7DAA0C7657E5}" type="pres">
+      <dgm:prSet presAssocID="{E1A351DB-1E81-D448-B6A0-BAC0DA403FF1}" presName="LevelOneTextNode" presStyleLbl="node0" presStyleIdx="0" presStyleCnt="1" custScaleX="136549" custScaleY="235246">
+        <dgm:presLayoutVars>
+          <dgm:chPref val="3"/>
+        </dgm:presLayoutVars>
+      </dgm:prSet>
+      <dgm:spPr>
+        <a:xfrm>
+          <a:off x="6838" y="2818782"/>
+          <a:ext cx="1238797" cy="619398"/>
+        </a:xfrm>
+        <a:prstGeom prst="cloudCallout">
+          <a:avLst/>
+        </a:prstGeom>
+      </dgm:spPr>
+    </dgm:pt>
+    <dgm:pt modelId="{BC1518AF-86AF-0141-B779-08C62827E126}" type="pres">
+      <dgm:prSet presAssocID="{E1A351DB-1E81-D448-B6A0-BAC0DA403FF1}" presName="level2hierChild" presStyleCnt="0"/>
+      <dgm:spPr/>
+    </dgm:pt>
+    <dgm:pt modelId="{A7DFB0D3-486E-124C-972D-BB771E7A87F8}" type="pres">
+      <dgm:prSet presAssocID="{85E66A64-CAB2-D242-B4D5-2D6102523364}" presName="conn2-1" presStyleLbl="parChTrans1D2" presStyleIdx="0" presStyleCnt="1"/>
+      <dgm:spPr/>
+    </dgm:pt>
+    <dgm:pt modelId="{41FEB59D-062D-3E43-B00F-34E202BAF036}" type="pres">
+      <dgm:prSet presAssocID="{85E66A64-CAB2-D242-B4D5-2D6102523364}" presName="connTx" presStyleLbl="parChTrans1D2" presStyleIdx="0" presStyleCnt="1"/>
+      <dgm:spPr/>
+    </dgm:pt>
+    <dgm:pt modelId="{03346705-2686-834D-8067-0E844F08FC6B}" type="pres">
+      <dgm:prSet presAssocID="{0CEE30C9-B2C0-6D4F-ABC1-C58A8C37B8F0}" presName="root2" presStyleCnt="0"/>
+      <dgm:spPr/>
+    </dgm:pt>
+    <dgm:pt modelId="{A84C9F91-CD3B-CB44-A564-1A0879C3CBCD}" type="pres">
+      <dgm:prSet presAssocID="{0CEE30C9-B2C0-6D4F-ABC1-C58A8C37B8F0}" presName="LevelTwoTextNode" presStyleLbl="node2" presStyleIdx="0" presStyleCnt="1" custScaleX="135162" custScaleY="143281" custLinFactNeighborX="-24297" custLinFactNeighborY="0">
+        <dgm:presLayoutVars>
+          <dgm:chPref val="3"/>
+        </dgm:presLayoutVars>
+      </dgm:prSet>
+      <dgm:spPr>
+        <a:xfrm>
+          <a:off x="1791101" y="2819554"/>
+          <a:ext cx="1272830" cy="636415"/>
+        </a:xfrm>
+        <a:prstGeom prst="roundRect">
+          <a:avLst>
+            <a:gd name="adj" fmla="val 10000"/>
+          </a:avLst>
+        </a:prstGeom>
+      </dgm:spPr>
+    </dgm:pt>
+    <dgm:pt modelId="{E60779AB-8EA6-1E4D-91B8-AC272EC3F8CE}" type="pres">
+      <dgm:prSet presAssocID="{0CEE30C9-B2C0-6D4F-ABC1-C58A8C37B8F0}" presName="level3hierChild" presStyleCnt="0"/>
+      <dgm:spPr/>
+    </dgm:pt>
+    <dgm:pt modelId="{BB8271DB-42E2-1A40-BF69-84786EDFB521}" type="pres">
+      <dgm:prSet presAssocID="{E839A442-B6DE-4541-A5E0-348BFD70CCB3}" presName="conn2-1" presStyleLbl="parChTrans1D3" presStyleIdx="0" presStyleCnt="4"/>
+      <dgm:spPr/>
+    </dgm:pt>
+    <dgm:pt modelId="{FCEE08A0-55B3-284F-952C-10C860168F75}" type="pres">
+      <dgm:prSet presAssocID="{E839A442-B6DE-4541-A5E0-348BFD70CCB3}" presName="connTx" presStyleLbl="parChTrans1D3" presStyleIdx="0" presStyleCnt="4"/>
+      <dgm:spPr/>
+    </dgm:pt>
+    <dgm:pt modelId="{DA5FFDE4-1217-C442-A198-DE9C0905136C}" type="pres">
+      <dgm:prSet presAssocID="{742F4737-B269-C24A-B7FF-A327675165CB}" presName="root2" presStyleCnt="0"/>
+      <dgm:spPr/>
+    </dgm:pt>
+    <dgm:pt modelId="{19B1A635-D237-D24C-9203-8C51E290E2A8}" type="pres">
+      <dgm:prSet presAssocID="{742F4737-B269-C24A-B7FF-A327675165CB}" presName="LevelTwoTextNode" presStyleLbl="node3" presStyleIdx="0" presStyleCnt="4" custScaleX="258344" custScaleY="148736" custLinFactY="-48929" custLinFactNeighborX="12165" custLinFactNeighborY="-100000">
+        <dgm:presLayoutVars>
+          <dgm:chPref val="3"/>
+        </dgm:presLayoutVars>
+      </dgm:prSet>
+      <dgm:spPr/>
+    </dgm:pt>
+    <dgm:pt modelId="{63B8C4B6-47C9-9B46-B987-EA6E342C0782}" type="pres">
+      <dgm:prSet presAssocID="{742F4737-B269-C24A-B7FF-A327675165CB}" presName="level3hierChild" presStyleCnt="0"/>
+      <dgm:spPr/>
+    </dgm:pt>
+    <dgm:pt modelId="{79A1830C-28C3-C841-8BDB-CE6D706C0201}" type="pres">
+      <dgm:prSet presAssocID="{FDE6D859-8560-C24D-A194-D1E10D6DAF5E}" presName="conn2-1" presStyleLbl="parChTrans1D4" presStyleIdx="0" presStyleCnt="6"/>
+      <dgm:spPr/>
+    </dgm:pt>
+    <dgm:pt modelId="{12ED6911-1F85-924E-AE7A-C2E6B243277B}" type="pres">
+      <dgm:prSet presAssocID="{FDE6D859-8560-C24D-A194-D1E10D6DAF5E}" presName="connTx" presStyleLbl="parChTrans1D4" presStyleIdx="0" presStyleCnt="6"/>
+      <dgm:spPr/>
+    </dgm:pt>
+    <dgm:pt modelId="{E963B5A0-DCC5-6B46-B0BD-83E39E59EC42}" type="pres">
+      <dgm:prSet presAssocID="{666CD53A-25B7-3041-A923-AB37C351D27B}" presName="root2" presStyleCnt="0"/>
+      <dgm:spPr/>
+    </dgm:pt>
+    <dgm:pt modelId="{073E3E48-1472-2A4E-BD6D-44F2B2E0A7D6}" type="pres">
+      <dgm:prSet presAssocID="{666CD53A-25B7-3041-A923-AB37C351D27B}" presName="LevelTwoTextNode" presStyleLbl="node4" presStyleIdx="0" presStyleCnt="6" custScaleX="187647" custScaleY="352399" custLinFactY="26778" custLinFactNeighborX="14060" custLinFactNeighborY="100000">
+        <dgm:presLayoutVars>
+          <dgm:chPref val="3"/>
+        </dgm:presLayoutVars>
+      </dgm:prSet>
+      <dgm:spPr/>
+    </dgm:pt>
+    <dgm:pt modelId="{DF3EB02C-6495-644F-80ED-3E51DC1CB521}" type="pres">
+      <dgm:prSet presAssocID="{666CD53A-25B7-3041-A923-AB37C351D27B}" presName="level3hierChild" presStyleCnt="0"/>
+      <dgm:spPr/>
+    </dgm:pt>
+    <dgm:pt modelId="{468335F7-25BC-8543-8CC0-81BA96EDFC7A}" type="pres">
+      <dgm:prSet presAssocID="{13870DF8-CE26-964D-8545-BE174318E23D}" presName="conn2-1" presStyleLbl="parChTrans1D4" presStyleIdx="1" presStyleCnt="6"/>
+      <dgm:spPr/>
+    </dgm:pt>
+    <dgm:pt modelId="{15B64494-7885-6C40-9442-4C7904E67C03}" type="pres">
+      <dgm:prSet presAssocID="{13870DF8-CE26-964D-8545-BE174318E23D}" presName="connTx" presStyleLbl="parChTrans1D4" presStyleIdx="1" presStyleCnt="6"/>
+      <dgm:spPr/>
+    </dgm:pt>
+    <dgm:pt modelId="{34ABAF62-150C-254E-9D57-9D789041FCE2}" type="pres">
+      <dgm:prSet presAssocID="{9FD3DACA-3318-424F-AAEF-E3FE439B9E2B}" presName="root2" presStyleCnt="0"/>
+      <dgm:spPr/>
+    </dgm:pt>
+    <dgm:pt modelId="{E411769E-000D-4F4D-911B-4E096B5C99BC}" type="pres">
+      <dgm:prSet presAssocID="{9FD3DACA-3318-424F-AAEF-E3FE439B9E2B}" presName="LevelTwoTextNode" presStyleLbl="node4" presStyleIdx="1" presStyleCnt="6" custScaleX="163312" custScaleY="156016" custLinFactNeighborX="31276" custLinFactNeighborY="65225">
+        <dgm:presLayoutVars>
+          <dgm:chPref val="3"/>
+        </dgm:presLayoutVars>
+      </dgm:prSet>
+      <dgm:spPr/>
+    </dgm:pt>
+    <dgm:pt modelId="{E2871965-DAA0-114F-86D2-BE7D07E418E5}" type="pres">
+      <dgm:prSet presAssocID="{9FD3DACA-3318-424F-AAEF-E3FE439B9E2B}" presName="level3hierChild" presStyleCnt="0"/>
+      <dgm:spPr/>
+    </dgm:pt>
+    <dgm:pt modelId="{C532C6FF-ABE8-294B-A55E-01D0FF116705}" type="pres">
+      <dgm:prSet presAssocID="{2B96339D-B73C-2642-9C4D-01C987D64CF6}" presName="conn2-1" presStyleLbl="parChTrans1D4" presStyleIdx="2" presStyleCnt="6"/>
+      <dgm:spPr/>
+    </dgm:pt>
+    <dgm:pt modelId="{987BA6F2-D68E-A540-9B5E-727DBECFF6FD}" type="pres">
+      <dgm:prSet presAssocID="{2B96339D-B73C-2642-9C4D-01C987D64CF6}" presName="connTx" presStyleLbl="parChTrans1D4" presStyleIdx="2" presStyleCnt="6"/>
+      <dgm:spPr/>
+    </dgm:pt>
+    <dgm:pt modelId="{363B4C79-BD10-3A45-BC1D-E9CE920683F7}" type="pres">
+      <dgm:prSet presAssocID="{8F93C305-DF26-3243-B934-2B3BE71BE773}" presName="root2" presStyleCnt="0"/>
+      <dgm:spPr/>
+    </dgm:pt>
+    <dgm:pt modelId="{9FF4AC75-22F6-884B-9682-7B32F4B830C2}" type="pres">
+      <dgm:prSet presAssocID="{8F93C305-DF26-3243-B934-2B3BE71BE773}" presName="LevelTwoTextNode" presStyleLbl="node4" presStyleIdx="2" presStyleCnt="6" custScaleX="198619" custScaleY="101446" custLinFactY="47422" custLinFactNeighborX="21763" custLinFactNeighborY="100000">
+        <dgm:presLayoutVars>
+          <dgm:chPref val="3"/>
+        </dgm:presLayoutVars>
+      </dgm:prSet>
+      <dgm:spPr/>
+    </dgm:pt>
+    <dgm:pt modelId="{D64E5D26-66EF-C54A-81F0-DF74B0AF18C9}" type="pres">
+      <dgm:prSet presAssocID="{8F93C305-DF26-3243-B934-2B3BE71BE773}" presName="level3hierChild" presStyleCnt="0"/>
+      <dgm:spPr/>
+    </dgm:pt>
+    <dgm:pt modelId="{1F72CDFE-37E1-624B-8971-E1C417F0FC27}" type="pres">
+      <dgm:prSet presAssocID="{7AA2BC96-0BC6-724A-8C31-DA476213E251}" presName="conn2-1" presStyleLbl="parChTrans1D4" presStyleIdx="3" presStyleCnt="6"/>
+      <dgm:spPr/>
+    </dgm:pt>
+    <dgm:pt modelId="{651B9F65-D836-A842-9520-EB7ED5507C72}" type="pres">
+      <dgm:prSet presAssocID="{7AA2BC96-0BC6-724A-8C31-DA476213E251}" presName="connTx" presStyleLbl="parChTrans1D4" presStyleIdx="3" presStyleCnt="6"/>
+      <dgm:spPr/>
+    </dgm:pt>
+    <dgm:pt modelId="{86C73295-E470-654D-A920-ADD0824B0C20}" type="pres">
+      <dgm:prSet presAssocID="{51480B2C-AB8C-4849-973B-3D2317EC133C}" presName="root2" presStyleCnt="0"/>
+      <dgm:spPr/>
+    </dgm:pt>
+    <dgm:pt modelId="{69C36B2A-5EB5-BA4D-B4C9-BA188B7D6C24}" type="pres">
+      <dgm:prSet presAssocID="{51480B2C-AB8C-4849-973B-3D2317EC133C}" presName="LevelTwoTextNode" presStyleLbl="node4" presStyleIdx="3" presStyleCnt="6" custScaleX="198079" custScaleY="142074" custLinFactY="122852" custLinFactNeighborX="18333" custLinFactNeighborY="200000">
+        <dgm:presLayoutVars>
+          <dgm:chPref val="3"/>
+        </dgm:presLayoutVars>
+      </dgm:prSet>
+      <dgm:spPr/>
+    </dgm:pt>
+    <dgm:pt modelId="{4AC8641B-783D-4F47-9946-BE183A7D6408}" type="pres">
+      <dgm:prSet presAssocID="{51480B2C-AB8C-4849-973B-3D2317EC133C}" presName="level3hierChild" presStyleCnt="0"/>
+      <dgm:spPr/>
+    </dgm:pt>
+    <dgm:pt modelId="{7673BD98-8BAE-2943-8F63-42B7DE997276}" type="pres">
+      <dgm:prSet presAssocID="{6B453874-F1A2-2147-8766-71BB722C2AA5}" presName="conn2-1" presStyleLbl="parChTrans1D4" presStyleIdx="4" presStyleCnt="6"/>
+      <dgm:spPr/>
+    </dgm:pt>
+    <dgm:pt modelId="{1DA82A43-5566-914D-A6FD-9086F5F22E25}" type="pres">
+      <dgm:prSet presAssocID="{6B453874-F1A2-2147-8766-71BB722C2AA5}" presName="connTx" presStyleLbl="parChTrans1D4" presStyleIdx="4" presStyleCnt="6"/>
+      <dgm:spPr/>
+    </dgm:pt>
+    <dgm:pt modelId="{18BDAC58-1A99-FD4D-9497-55808BFF9FA0}" type="pres">
+      <dgm:prSet presAssocID="{DBA8509B-8BEA-CF45-8289-CB376C81EB70}" presName="root2" presStyleCnt="0"/>
+      <dgm:spPr/>
+    </dgm:pt>
+    <dgm:pt modelId="{4AB21A52-8C49-224D-A745-E08E02775B79}" type="pres">
+      <dgm:prSet presAssocID="{DBA8509B-8BEA-CF45-8289-CB376C81EB70}" presName="LevelTwoTextNode" presStyleLbl="node4" presStyleIdx="4" presStyleCnt="6" custScaleX="147997" custScaleY="303729" custLinFactNeighborX="12611" custLinFactNeighborY="-15576">
+        <dgm:presLayoutVars>
+          <dgm:chPref val="3"/>
+        </dgm:presLayoutVars>
+      </dgm:prSet>
+      <dgm:spPr>
+        <a:prstGeom prst="octagon">
+          <a:avLst/>
+        </a:prstGeom>
+      </dgm:spPr>
+    </dgm:pt>
+    <dgm:pt modelId="{3017D93A-4F40-C740-830C-F03FAEE9E1FE}" type="pres">
+      <dgm:prSet presAssocID="{DBA8509B-8BEA-CF45-8289-CB376C81EB70}" presName="level3hierChild" presStyleCnt="0"/>
+      <dgm:spPr/>
+    </dgm:pt>
+    <dgm:pt modelId="{36867215-562D-F64F-A6A6-A63DC7119D37}" type="pres">
+      <dgm:prSet presAssocID="{806AF3A9-39ED-3A43-AF1A-1B5C8BA60C57}" presName="conn2-1" presStyleLbl="parChTrans1D4" presStyleIdx="5" presStyleCnt="6"/>
+      <dgm:spPr/>
+    </dgm:pt>
+    <dgm:pt modelId="{DF78C8E7-53A6-6E42-AE3B-7BE1B91CC356}" type="pres">
+      <dgm:prSet presAssocID="{806AF3A9-39ED-3A43-AF1A-1B5C8BA60C57}" presName="connTx" presStyleLbl="parChTrans1D4" presStyleIdx="5" presStyleCnt="6"/>
+      <dgm:spPr/>
+    </dgm:pt>
+    <dgm:pt modelId="{2616EECD-65D3-DB45-8A64-686D70AD6357}" type="pres">
+      <dgm:prSet presAssocID="{96BB640D-54C5-A243-98FC-773B655652C0}" presName="root2" presStyleCnt="0"/>
+      <dgm:spPr/>
+    </dgm:pt>
+    <dgm:pt modelId="{0455FC06-48E3-F743-9D1B-B9B197D78300}" type="pres">
+      <dgm:prSet presAssocID="{96BB640D-54C5-A243-98FC-773B655652C0}" presName="LevelTwoTextNode" presStyleLbl="node4" presStyleIdx="5" presStyleCnt="6" custScaleX="145087" custScaleY="317980" custLinFactNeighborX="789" custLinFactNeighborY="-18227">
+        <dgm:presLayoutVars>
+          <dgm:chPref val="3"/>
+        </dgm:presLayoutVars>
+      </dgm:prSet>
+      <dgm:spPr>
+        <a:prstGeom prst="ellipse">
+          <a:avLst/>
+        </a:prstGeom>
+      </dgm:spPr>
+    </dgm:pt>
+    <dgm:pt modelId="{B6B7C32A-CAF4-C54C-8D73-DFC4A9050B24}" type="pres">
+      <dgm:prSet presAssocID="{96BB640D-54C5-A243-98FC-773B655652C0}" presName="level3hierChild" presStyleCnt="0"/>
+      <dgm:spPr/>
+    </dgm:pt>
+    <dgm:pt modelId="{B6E977DD-B088-164C-B3A0-4C6443D6BE63}" type="pres">
+      <dgm:prSet presAssocID="{C2F78228-02AC-A648-9115-1BBDA0D8D39A}" presName="conn2-1" presStyleLbl="parChTrans1D3" presStyleIdx="1" presStyleCnt="4"/>
+      <dgm:spPr/>
+    </dgm:pt>
+    <dgm:pt modelId="{C6119276-61BB-8640-BEE4-FE7D44F90D02}" type="pres">
+      <dgm:prSet presAssocID="{C2F78228-02AC-A648-9115-1BBDA0D8D39A}" presName="connTx" presStyleLbl="parChTrans1D3" presStyleIdx="1" presStyleCnt="4"/>
+      <dgm:spPr/>
+    </dgm:pt>
+    <dgm:pt modelId="{8B556465-BF8A-E14E-B3DC-BB763FBDD649}" type="pres">
+      <dgm:prSet presAssocID="{69CB4BA5-2C36-AB4E-9D4C-5B95087EF767}" presName="root2" presStyleCnt="0"/>
+      <dgm:spPr/>
+    </dgm:pt>
+    <dgm:pt modelId="{699F30E1-FCEF-9149-B8AB-23EE2AACA971}" type="pres">
+      <dgm:prSet presAssocID="{69CB4BA5-2C36-AB4E-9D4C-5B95087EF767}" presName="LevelTwoTextNode" presStyleLbl="node3" presStyleIdx="1" presStyleCnt="4" custScaleX="244809" custScaleY="159211" custLinFactNeighborX="10776" custLinFactNeighborY="-42455">
+        <dgm:presLayoutVars>
+          <dgm:chPref val="3"/>
+        </dgm:presLayoutVars>
+      </dgm:prSet>
+      <dgm:spPr>
+        <a:xfrm>
+          <a:off x="3565150" y="2514033"/>
+          <a:ext cx="1270108" cy="635054"/>
+        </a:xfrm>
+        <a:prstGeom prst="roundRect">
+          <a:avLst>
+            <a:gd name="adj" fmla="val 10000"/>
+          </a:avLst>
+        </a:prstGeom>
+      </dgm:spPr>
+    </dgm:pt>
+    <dgm:pt modelId="{77F9E80C-0691-1D41-8FFA-B3BEC641D623}" type="pres">
+      <dgm:prSet presAssocID="{69CB4BA5-2C36-AB4E-9D4C-5B95087EF767}" presName="level3hierChild" presStyleCnt="0"/>
+      <dgm:spPr/>
+    </dgm:pt>
+    <dgm:pt modelId="{41836E75-2D7D-6E44-BA8A-8497577DC49C}" type="pres">
+      <dgm:prSet presAssocID="{1C176229-DBB1-0045-B53F-E63382460ADF}" presName="conn2-1" presStyleLbl="parChTrans1D3" presStyleIdx="2" presStyleCnt="4"/>
+      <dgm:spPr/>
+    </dgm:pt>
+    <dgm:pt modelId="{4EE38057-1A4B-5149-B2BE-0354EF280C5E}" type="pres">
+      <dgm:prSet presAssocID="{1C176229-DBB1-0045-B53F-E63382460ADF}" presName="connTx" presStyleLbl="parChTrans1D3" presStyleIdx="2" presStyleCnt="4"/>
+      <dgm:spPr/>
+    </dgm:pt>
+    <dgm:pt modelId="{51055644-0546-904C-9083-E7959EBC2CFE}" type="pres">
+      <dgm:prSet presAssocID="{6D2EF27C-5EC0-0447-97BA-DC953F9C0B80}" presName="root2" presStyleCnt="0"/>
+      <dgm:spPr/>
+    </dgm:pt>
+    <dgm:pt modelId="{D389319E-2E1D-2A48-8624-FB91EB3BEB92}" type="pres">
+      <dgm:prSet presAssocID="{6D2EF27C-5EC0-0447-97BA-DC953F9C0B80}" presName="LevelTwoTextNode" presStyleLbl="node3" presStyleIdx="2" presStyleCnt="4" custScaleX="229161" custScaleY="135419" custLinFactNeighborX="18461" custLinFactNeighborY="17619">
+        <dgm:presLayoutVars>
+          <dgm:chPref val="3"/>
+        </dgm:presLayoutVars>
+      </dgm:prSet>
+      <dgm:spPr>
+        <a:xfrm>
+          <a:off x="3565150" y="3193420"/>
+          <a:ext cx="1270108" cy="635054"/>
+        </a:xfrm>
+        <a:prstGeom prst="roundRect">
+          <a:avLst>
+            <a:gd name="adj" fmla="val 10000"/>
+          </a:avLst>
+        </a:prstGeom>
+      </dgm:spPr>
+    </dgm:pt>
+    <dgm:pt modelId="{3270020E-A60E-DC4D-A83E-AED48A4581C2}" type="pres">
+      <dgm:prSet presAssocID="{6D2EF27C-5EC0-0447-97BA-DC953F9C0B80}" presName="level3hierChild" presStyleCnt="0"/>
+      <dgm:spPr/>
+    </dgm:pt>
+    <dgm:pt modelId="{EBB39D5B-A845-3E49-9249-B5E25DFB0C5C}" type="pres">
+      <dgm:prSet presAssocID="{1CE90D1C-D1D4-0F41-87D4-8BFA3310AFD5}" presName="conn2-1" presStyleLbl="parChTrans1D3" presStyleIdx="3" presStyleCnt="4"/>
+      <dgm:spPr/>
+    </dgm:pt>
+    <dgm:pt modelId="{B3AF179C-85AB-2B4C-BB61-7EC14A882921}" type="pres">
+      <dgm:prSet presAssocID="{1CE90D1C-D1D4-0F41-87D4-8BFA3310AFD5}" presName="connTx" presStyleLbl="parChTrans1D3" presStyleIdx="3" presStyleCnt="4"/>
+      <dgm:spPr/>
+    </dgm:pt>
+    <dgm:pt modelId="{2D9F7C67-3818-4944-A2CD-4DA4590250CC}" type="pres">
+      <dgm:prSet presAssocID="{F336668C-CDA1-DD44-A090-3A8B8D2628EF}" presName="root2" presStyleCnt="0"/>
+      <dgm:spPr/>
+    </dgm:pt>
+    <dgm:pt modelId="{00883208-7FB7-F047-9CAB-883A3974F789}" type="pres">
+      <dgm:prSet presAssocID="{F336668C-CDA1-DD44-A090-3A8B8D2628EF}" presName="LevelTwoTextNode" presStyleLbl="node3" presStyleIdx="3" presStyleCnt="4" custScaleX="203078" custScaleY="167875" custLinFactY="2147" custLinFactNeighborX="39815" custLinFactNeighborY="100000">
+        <dgm:presLayoutVars>
+          <dgm:chPref val="3"/>
+        </dgm:presLayoutVars>
+      </dgm:prSet>
+      <dgm:spPr>
+        <a:xfrm>
+          <a:off x="3573064" y="3900785"/>
+          <a:ext cx="1272830" cy="636415"/>
+        </a:xfrm>
+        <a:prstGeom prst="roundRect">
+          <a:avLst>
+            <a:gd name="adj" fmla="val 10000"/>
+          </a:avLst>
+        </a:prstGeom>
+      </dgm:spPr>
+    </dgm:pt>
+    <dgm:pt modelId="{0A330D88-2752-7840-B72C-3E1395BBB43C}" type="pres">
+      <dgm:prSet presAssocID="{F336668C-CDA1-DD44-A090-3A8B8D2628EF}" presName="level3hierChild" presStyleCnt="0"/>
+      <dgm:spPr/>
+    </dgm:pt>
+  </dgm:ptLst>
+  <dgm:cxnLst>
+    <dgm:cxn modelId="{40E8CA09-6E13-E340-A789-6E478CA14E8B}" type="presOf" srcId="{13870DF8-CE26-964D-8545-BE174318E23D}" destId="{468335F7-25BC-8543-8CC0-81BA96EDFC7A}" srcOrd="0" destOrd="0" presId="urn:microsoft.com/office/officeart/2005/8/layout/hierarchy2"/>
+    <dgm:cxn modelId="{6CCEEB09-B09A-4A4F-A881-7F3AE59F71AC}" srcId="{666CD53A-25B7-3041-A923-AB37C351D27B}" destId="{9FD3DACA-3318-424F-AAEF-E3FE439B9E2B}" srcOrd="0" destOrd="0" parTransId="{13870DF8-CE26-964D-8545-BE174318E23D}" sibTransId="{CCB2E257-2521-6B4A-A141-EEED6269CE99}"/>
+    <dgm:cxn modelId="{AAA12B11-DD2B-5C45-9952-3E4A903A62B8}" type="presOf" srcId="{6B453874-F1A2-2147-8766-71BB722C2AA5}" destId="{1DA82A43-5566-914D-A6FD-9086F5F22E25}" srcOrd="1" destOrd="0" presId="urn:microsoft.com/office/officeart/2005/8/layout/hierarchy2"/>
+    <dgm:cxn modelId="{2CF48111-BF7F-A548-A1E1-7ABA6999E00A}" type="presOf" srcId="{806AF3A9-39ED-3A43-AF1A-1B5C8BA60C57}" destId="{DF78C8E7-53A6-6E42-AE3B-7BE1B91CC356}" srcOrd="1" destOrd="0" presId="urn:microsoft.com/office/officeart/2005/8/layout/hierarchy2"/>
+    <dgm:cxn modelId="{BBAC1C12-18C2-3E45-9CE4-774C9315685D}" type="presOf" srcId="{FDE6D859-8560-C24D-A194-D1E10D6DAF5E}" destId="{12ED6911-1F85-924E-AE7A-C2E6B243277B}" srcOrd="1" destOrd="0" presId="urn:microsoft.com/office/officeart/2005/8/layout/hierarchy2"/>
+    <dgm:cxn modelId="{5E004225-75B6-A245-B60B-C76D3D43BFA7}" type="presOf" srcId="{1CE90D1C-D1D4-0F41-87D4-8BFA3310AFD5}" destId="{EBB39D5B-A845-3E49-9249-B5E25DFB0C5C}" srcOrd="0" destOrd="0" presId="urn:microsoft.com/office/officeart/2005/8/layout/hierarchy2"/>
+    <dgm:cxn modelId="{54226A2E-AE66-1649-AB25-D34708D2E794}" srcId="{666CD53A-25B7-3041-A923-AB37C351D27B}" destId="{8F93C305-DF26-3243-B934-2B3BE71BE773}" srcOrd="1" destOrd="0" parTransId="{2B96339D-B73C-2642-9C4D-01C987D64CF6}" sibTransId="{9AC1E77D-9F67-FD40-A49E-67E81526658D}"/>
+    <dgm:cxn modelId="{340E6F30-5CEB-D647-B9E8-7787E5071D86}" type="presOf" srcId="{2B96339D-B73C-2642-9C4D-01C987D64CF6}" destId="{C532C6FF-ABE8-294B-A55E-01D0FF116705}" srcOrd="0" destOrd="0" presId="urn:microsoft.com/office/officeart/2005/8/layout/hierarchy2"/>
+    <dgm:cxn modelId="{2DA85E3B-0855-0844-A053-341BA8FDB8BB}" srcId="{0CEE30C9-B2C0-6D4F-ABC1-C58A8C37B8F0}" destId="{69CB4BA5-2C36-AB4E-9D4C-5B95087EF767}" srcOrd="1" destOrd="0" parTransId="{C2F78228-02AC-A648-9115-1BBDA0D8D39A}" sibTransId="{E151D31A-42AC-C848-A2E0-1B8C357FFAC5}"/>
+    <dgm:cxn modelId="{DAEFC93E-5F1B-F842-949C-E528F4904978}" type="presOf" srcId="{1C176229-DBB1-0045-B53F-E63382460ADF}" destId="{41836E75-2D7D-6E44-BA8A-8497577DC49C}" srcOrd="0" destOrd="0" presId="urn:microsoft.com/office/officeart/2005/8/layout/hierarchy2"/>
+    <dgm:cxn modelId="{88C1F944-AF77-F24F-926D-E863A4B2C54D}" type="presOf" srcId="{C2F78228-02AC-A648-9115-1BBDA0D8D39A}" destId="{B6E977DD-B088-164C-B3A0-4C6443D6BE63}" srcOrd="0" destOrd="0" presId="urn:microsoft.com/office/officeart/2005/8/layout/hierarchy2"/>
+    <dgm:cxn modelId="{6753DE4A-4185-6740-8351-EDD6603EB3FA}" type="presOf" srcId="{69CB4BA5-2C36-AB4E-9D4C-5B95087EF767}" destId="{699F30E1-FCEF-9149-B8AB-23EE2AACA971}" srcOrd="0" destOrd="0" presId="urn:microsoft.com/office/officeart/2005/8/layout/hierarchy2"/>
+    <dgm:cxn modelId="{E1C0D84C-948C-8243-BAB2-C4AD8DB90D0B}" type="presOf" srcId="{C2F78228-02AC-A648-9115-1BBDA0D8D39A}" destId="{C6119276-61BB-8640-BEE4-FE7D44F90D02}" srcOrd="1" destOrd="0" presId="urn:microsoft.com/office/officeart/2005/8/layout/hierarchy2"/>
+    <dgm:cxn modelId="{A68BAE55-02B0-754E-935B-0E34FE41562E}" type="presOf" srcId="{85E66A64-CAB2-D242-B4D5-2D6102523364}" destId="{A7DFB0D3-486E-124C-972D-BB771E7A87F8}" srcOrd="0" destOrd="0" presId="urn:microsoft.com/office/officeart/2005/8/layout/hierarchy2"/>
+    <dgm:cxn modelId="{7AB07A61-846A-CF4E-ADA1-B6EF8122F14F}" type="presOf" srcId="{7AA2BC96-0BC6-724A-8C31-DA476213E251}" destId="{1F72CDFE-37E1-624B-8971-E1C417F0FC27}" srcOrd="0" destOrd="0" presId="urn:microsoft.com/office/officeart/2005/8/layout/hierarchy2"/>
+    <dgm:cxn modelId="{25AC4566-301E-604B-ACC9-B2E50454C9FD}" srcId="{E1A351DB-1E81-D448-B6A0-BAC0DA403FF1}" destId="{0CEE30C9-B2C0-6D4F-ABC1-C58A8C37B8F0}" srcOrd="0" destOrd="0" parTransId="{85E66A64-CAB2-D242-B4D5-2D6102523364}" sibTransId="{D103A08D-22EC-E445-9E21-5973C0987784}"/>
+    <dgm:cxn modelId="{089D946B-F3DB-F343-84B2-3DC763781F8F}" type="presOf" srcId="{13870DF8-CE26-964D-8545-BE174318E23D}" destId="{15B64494-7885-6C40-9442-4C7904E67C03}" srcOrd="1" destOrd="0" presId="urn:microsoft.com/office/officeart/2005/8/layout/hierarchy2"/>
+    <dgm:cxn modelId="{9D5E976C-291F-454A-AB70-9CBBF931AC17}" type="presOf" srcId="{85E66A64-CAB2-D242-B4D5-2D6102523364}" destId="{41FEB59D-062D-3E43-B00F-34E202BAF036}" srcOrd="1" destOrd="0" presId="urn:microsoft.com/office/officeart/2005/8/layout/hierarchy2"/>
+    <dgm:cxn modelId="{4ED1D970-4E3D-D649-97F4-6D1225F98B2E}" type="presOf" srcId="{3AD018E0-FEA7-114C-9199-DA0A6F26766C}" destId="{9B26A6F0-77F5-C94A-BEB9-48BCF11AE3BD}" srcOrd="0" destOrd="0" presId="urn:microsoft.com/office/officeart/2005/8/layout/hierarchy2"/>
+    <dgm:cxn modelId="{473A9771-110A-EB45-999A-2219C2B0D0C0}" type="presOf" srcId="{2B96339D-B73C-2642-9C4D-01C987D64CF6}" destId="{987BA6F2-D68E-A540-9B5E-727DBECFF6FD}" srcOrd="1" destOrd="0" presId="urn:microsoft.com/office/officeart/2005/8/layout/hierarchy2"/>
+    <dgm:cxn modelId="{345D1472-7A1B-3649-946A-1E686C5F4546}" type="presOf" srcId="{8F93C305-DF26-3243-B934-2B3BE71BE773}" destId="{9FF4AC75-22F6-884B-9682-7B32F4B830C2}" srcOrd="0" destOrd="0" presId="urn:microsoft.com/office/officeart/2005/8/layout/hierarchy2"/>
+    <dgm:cxn modelId="{DC29B385-4722-6242-9605-3278A15CDD36}" type="presOf" srcId="{1C176229-DBB1-0045-B53F-E63382460ADF}" destId="{4EE38057-1A4B-5149-B2BE-0354EF280C5E}" srcOrd="1" destOrd="0" presId="urn:microsoft.com/office/officeart/2005/8/layout/hierarchy2"/>
+    <dgm:cxn modelId="{98BD8A8A-AF28-D94F-B137-BBC661C18CC3}" srcId="{0CEE30C9-B2C0-6D4F-ABC1-C58A8C37B8F0}" destId="{742F4737-B269-C24A-B7FF-A327675165CB}" srcOrd="0" destOrd="0" parTransId="{E839A442-B6DE-4541-A5E0-348BFD70CCB3}" sibTransId="{2BE4B362-66CF-A748-B6D7-6D3CB9346CAE}"/>
+    <dgm:cxn modelId="{80A0F38D-2922-A042-9A79-59A1CC35B062}" type="presOf" srcId="{E1A351DB-1E81-D448-B6A0-BAC0DA403FF1}" destId="{72E9B62D-3CA6-CC42-8326-7DAA0C7657E5}" srcOrd="0" destOrd="0" presId="urn:microsoft.com/office/officeart/2005/8/layout/hierarchy2"/>
+    <dgm:cxn modelId="{08C0E28E-6678-B047-BA00-FB36986A37BB}" srcId="{DBA8509B-8BEA-CF45-8289-CB376C81EB70}" destId="{96BB640D-54C5-A243-98FC-773B655652C0}" srcOrd="0" destOrd="0" parTransId="{806AF3A9-39ED-3A43-AF1A-1B5C8BA60C57}" sibTransId="{CDDA7CBA-A97F-C94D-AF5C-9DBF91A1D702}"/>
+    <dgm:cxn modelId="{E91CEC8F-1534-FE41-83F9-2D71BC394C7A}" type="presOf" srcId="{FDE6D859-8560-C24D-A194-D1E10D6DAF5E}" destId="{79A1830C-28C3-C841-8BDB-CE6D706C0201}" srcOrd="0" destOrd="0" presId="urn:microsoft.com/office/officeart/2005/8/layout/hierarchy2"/>
+    <dgm:cxn modelId="{65DA5496-E0FA-984C-9249-789B0722AB60}" srcId="{0CEE30C9-B2C0-6D4F-ABC1-C58A8C37B8F0}" destId="{6D2EF27C-5EC0-0447-97BA-DC953F9C0B80}" srcOrd="2" destOrd="0" parTransId="{1C176229-DBB1-0045-B53F-E63382460ADF}" sibTransId="{93CC36D9-34B6-314F-9292-0556225256B4}"/>
+    <dgm:cxn modelId="{7EAC5D97-1CD0-3743-B0CC-D32125DCD0B9}" type="presOf" srcId="{E839A442-B6DE-4541-A5E0-348BFD70CCB3}" destId="{FCEE08A0-55B3-284F-952C-10C860168F75}" srcOrd="1" destOrd="0" presId="urn:microsoft.com/office/officeart/2005/8/layout/hierarchy2"/>
+    <dgm:cxn modelId="{4C77E597-948A-D44D-B792-AF8BA65BFF14}" srcId="{742F4737-B269-C24A-B7FF-A327675165CB}" destId="{666CD53A-25B7-3041-A923-AB37C351D27B}" srcOrd="0" destOrd="0" parTransId="{FDE6D859-8560-C24D-A194-D1E10D6DAF5E}" sibTransId="{066631D2-9972-9548-9728-47BF865898D0}"/>
+    <dgm:cxn modelId="{45FFE098-AE94-834E-BFB2-7DD8AB477B96}" type="presOf" srcId="{DBA8509B-8BEA-CF45-8289-CB376C81EB70}" destId="{4AB21A52-8C49-224D-A745-E08E02775B79}" srcOrd="0" destOrd="0" presId="urn:microsoft.com/office/officeart/2005/8/layout/hierarchy2"/>
+    <dgm:cxn modelId="{C41EE298-FA97-974D-934A-65B0F2A11991}" type="presOf" srcId="{806AF3A9-39ED-3A43-AF1A-1B5C8BA60C57}" destId="{36867215-562D-F64F-A6A6-A63DC7119D37}" srcOrd="0" destOrd="0" presId="urn:microsoft.com/office/officeart/2005/8/layout/hierarchy2"/>
+    <dgm:cxn modelId="{DB36D99A-6E79-E843-B74D-77F2B6BC2A5A}" type="presOf" srcId="{6B453874-F1A2-2147-8766-71BB722C2AA5}" destId="{7673BD98-8BAE-2943-8F63-42B7DE997276}" srcOrd="0" destOrd="0" presId="urn:microsoft.com/office/officeart/2005/8/layout/hierarchy2"/>
+    <dgm:cxn modelId="{7A911DA1-2DB5-3F47-A8BC-F3E716292A03}" type="presOf" srcId="{E839A442-B6DE-4541-A5E0-348BFD70CCB3}" destId="{BB8271DB-42E2-1A40-BF69-84786EDFB521}" srcOrd="0" destOrd="0" presId="urn:microsoft.com/office/officeart/2005/8/layout/hierarchy2"/>
+    <dgm:cxn modelId="{004D98A9-DE3E-4146-9828-988D8588E7FB}" srcId="{666CD53A-25B7-3041-A923-AB37C351D27B}" destId="{51480B2C-AB8C-4849-973B-3D2317EC133C}" srcOrd="2" destOrd="0" parTransId="{7AA2BC96-0BC6-724A-8C31-DA476213E251}" sibTransId="{DD73BAE0-BA5A-714E-B429-3E39CC9018D5}"/>
+    <dgm:cxn modelId="{61465AC0-10B8-4248-A3DE-842A12CD71FC}" type="presOf" srcId="{6D2EF27C-5EC0-0447-97BA-DC953F9C0B80}" destId="{D389319E-2E1D-2A48-8624-FB91EB3BEB92}" srcOrd="0" destOrd="0" presId="urn:microsoft.com/office/officeart/2005/8/layout/hierarchy2"/>
+    <dgm:cxn modelId="{C3FB36CF-C8BB-4245-931C-798805B19952}" type="presOf" srcId="{F336668C-CDA1-DD44-A090-3A8B8D2628EF}" destId="{00883208-7FB7-F047-9CAB-883A3974F789}" srcOrd="0" destOrd="0" presId="urn:microsoft.com/office/officeart/2005/8/layout/hierarchy2"/>
+    <dgm:cxn modelId="{A74E2FD3-8452-2A4F-AA7A-223F9C299AC6}" srcId="{0CEE30C9-B2C0-6D4F-ABC1-C58A8C37B8F0}" destId="{F336668C-CDA1-DD44-A090-3A8B8D2628EF}" srcOrd="3" destOrd="0" parTransId="{1CE90D1C-D1D4-0F41-87D4-8BFA3310AFD5}" sibTransId="{32373C68-9FDC-0241-B4AD-C87F214665A7}"/>
+    <dgm:cxn modelId="{2ECC5DE0-051C-AB4D-AB6C-EA61685D0BC3}" type="presOf" srcId="{742F4737-B269-C24A-B7FF-A327675165CB}" destId="{19B1A635-D237-D24C-9203-8C51E290E2A8}" srcOrd="0" destOrd="0" presId="urn:microsoft.com/office/officeart/2005/8/layout/hierarchy2"/>
+    <dgm:cxn modelId="{E8CFA8E2-91A2-8143-8647-8A1E7D9E83F5}" type="presOf" srcId="{51480B2C-AB8C-4849-973B-3D2317EC133C}" destId="{69C36B2A-5EB5-BA4D-B4C9-BA188B7D6C24}" srcOrd="0" destOrd="0" presId="urn:microsoft.com/office/officeart/2005/8/layout/hierarchy2"/>
+    <dgm:cxn modelId="{3DE101E7-022A-CC4A-B0AD-00E87CBEEFCD}" type="presOf" srcId="{1CE90D1C-D1D4-0F41-87D4-8BFA3310AFD5}" destId="{B3AF179C-85AB-2B4C-BB61-7EC14A882921}" srcOrd="1" destOrd="0" presId="urn:microsoft.com/office/officeart/2005/8/layout/hierarchy2"/>
+    <dgm:cxn modelId="{B77539EE-97C9-DA4D-BAFC-43F5306D9F0C}" type="presOf" srcId="{7AA2BC96-0BC6-724A-8C31-DA476213E251}" destId="{651B9F65-D836-A842-9520-EB7ED5507C72}" srcOrd="1" destOrd="0" presId="urn:microsoft.com/office/officeart/2005/8/layout/hierarchy2"/>
+    <dgm:cxn modelId="{ABA86CF0-42A4-6B41-9DAB-292BB87BEA6D}" type="presOf" srcId="{96BB640D-54C5-A243-98FC-773B655652C0}" destId="{0455FC06-48E3-F743-9D1B-B9B197D78300}" srcOrd="0" destOrd="0" presId="urn:microsoft.com/office/officeart/2005/8/layout/hierarchy2"/>
+    <dgm:cxn modelId="{696BDDF1-B932-F14F-8C1A-6EAC6C75295B}" srcId="{51480B2C-AB8C-4849-973B-3D2317EC133C}" destId="{DBA8509B-8BEA-CF45-8289-CB376C81EB70}" srcOrd="0" destOrd="0" parTransId="{6B453874-F1A2-2147-8766-71BB722C2AA5}" sibTransId="{10F5016D-6977-2848-A41F-BF791CF17359}"/>
+    <dgm:cxn modelId="{33B8BCF4-D07E-CB49-906F-E8AD4B528881}" type="presOf" srcId="{0CEE30C9-B2C0-6D4F-ABC1-C58A8C37B8F0}" destId="{A84C9F91-CD3B-CB44-A564-1A0879C3CBCD}" srcOrd="0" destOrd="0" presId="urn:microsoft.com/office/officeart/2005/8/layout/hierarchy2"/>
+    <dgm:cxn modelId="{5C6F6DF6-3A65-AB4B-A7DF-98BC78E630EB}" srcId="{3AD018E0-FEA7-114C-9199-DA0A6F26766C}" destId="{E1A351DB-1E81-D448-B6A0-BAC0DA403FF1}" srcOrd="0" destOrd="0" parTransId="{D690E272-987C-D049-9D66-56AC2A5B1E09}" sibTransId="{697CDC2F-5AD8-D74C-9C5F-6D17558A2C91}"/>
+    <dgm:cxn modelId="{EE0F86F9-74DB-2F49-980D-CED17560BB98}" type="presOf" srcId="{666CD53A-25B7-3041-A923-AB37C351D27B}" destId="{073E3E48-1472-2A4E-BD6D-44F2B2E0A7D6}" srcOrd="0" destOrd="0" presId="urn:microsoft.com/office/officeart/2005/8/layout/hierarchy2"/>
+    <dgm:cxn modelId="{336992FF-BD22-A84D-979C-2AE4B120DD0D}" type="presOf" srcId="{9FD3DACA-3318-424F-AAEF-E3FE439B9E2B}" destId="{E411769E-000D-4F4D-911B-4E096B5C99BC}" srcOrd="0" destOrd="0" presId="urn:microsoft.com/office/officeart/2005/8/layout/hierarchy2"/>
+    <dgm:cxn modelId="{37313223-FED1-2D49-AE12-DDB36705A092}" type="presParOf" srcId="{9B26A6F0-77F5-C94A-BEB9-48BCF11AE3BD}" destId="{DB11DD56-B084-1244-BF6E-0DCC958CC4E4}" srcOrd="0" destOrd="0" presId="urn:microsoft.com/office/officeart/2005/8/layout/hierarchy2"/>
+    <dgm:cxn modelId="{CC1A606A-1EF8-B64E-A099-F2CC63C32F2D}" type="presParOf" srcId="{DB11DD56-B084-1244-BF6E-0DCC958CC4E4}" destId="{72E9B62D-3CA6-CC42-8326-7DAA0C7657E5}" srcOrd="0" destOrd="0" presId="urn:microsoft.com/office/officeart/2005/8/layout/hierarchy2"/>
+    <dgm:cxn modelId="{51FF70F9-CA0E-1D45-A141-5FDC0FEF7691}" type="presParOf" srcId="{DB11DD56-B084-1244-BF6E-0DCC958CC4E4}" destId="{BC1518AF-86AF-0141-B779-08C62827E126}" srcOrd="1" destOrd="0" presId="urn:microsoft.com/office/officeart/2005/8/layout/hierarchy2"/>
+    <dgm:cxn modelId="{D6611EE8-4BC1-5745-8A6E-1EF364251C19}" type="presParOf" srcId="{BC1518AF-86AF-0141-B779-08C62827E126}" destId="{A7DFB0D3-486E-124C-972D-BB771E7A87F8}" srcOrd="0" destOrd="0" presId="urn:microsoft.com/office/officeart/2005/8/layout/hierarchy2"/>
+    <dgm:cxn modelId="{E8796A22-238B-6244-9941-411298836172}" type="presParOf" srcId="{A7DFB0D3-486E-124C-972D-BB771E7A87F8}" destId="{41FEB59D-062D-3E43-B00F-34E202BAF036}" srcOrd="0" destOrd="0" presId="urn:microsoft.com/office/officeart/2005/8/layout/hierarchy2"/>
+    <dgm:cxn modelId="{8629FF26-463E-1944-9446-5471399B75FE}" type="presParOf" srcId="{BC1518AF-86AF-0141-B779-08C62827E126}" destId="{03346705-2686-834D-8067-0E844F08FC6B}" srcOrd="1" destOrd="0" presId="urn:microsoft.com/office/officeart/2005/8/layout/hierarchy2"/>
+    <dgm:cxn modelId="{9A9F0784-DA76-9842-AC71-F4F65DC27AF4}" type="presParOf" srcId="{03346705-2686-834D-8067-0E844F08FC6B}" destId="{A84C9F91-CD3B-CB44-A564-1A0879C3CBCD}" srcOrd="0" destOrd="0" presId="urn:microsoft.com/office/officeart/2005/8/layout/hierarchy2"/>
+    <dgm:cxn modelId="{2E90FFDA-7FF0-094F-939D-B45C48A9C548}" type="presParOf" srcId="{03346705-2686-834D-8067-0E844F08FC6B}" destId="{E60779AB-8EA6-1E4D-91B8-AC272EC3F8CE}" srcOrd="1" destOrd="0" presId="urn:microsoft.com/office/officeart/2005/8/layout/hierarchy2"/>
+    <dgm:cxn modelId="{BF3D02E3-46BD-6545-A9F3-76A6D4BD0768}" type="presParOf" srcId="{E60779AB-8EA6-1E4D-91B8-AC272EC3F8CE}" destId="{BB8271DB-42E2-1A40-BF69-84786EDFB521}" srcOrd="0" destOrd="0" presId="urn:microsoft.com/office/officeart/2005/8/layout/hierarchy2"/>
+    <dgm:cxn modelId="{6B9C5F1A-F619-4748-B221-0B0EB0652896}" type="presParOf" srcId="{BB8271DB-42E2-1A40-BF69-84786EDFB521}" destId="{FCEE08A0-55B3-284F-952C-10C860168F75}" srcOrd="0" destOrd="0" presId="urn:microsoft.com/office/officeart/2005/8/layout/hierarchy2"/>
+    <dgm:cxn modelId="{6DA5238F-6797-F742-A174-4E4BDF58CE90}" type="presParOf" srcId="{E60779AB-8EA6-1E4D-91B8-AC272EC3F8CE}" destId="{DA5FFDE4-1217-C442-A198-DE9C0905136C}" srcOrd="1" destOrd="0" presId="urn:microsoft.com/office/officeart/2005/8/layout/hierarchy2"/>
+    <dgm:cxn modelId="{CFF4E33C-3447-8D49-A710-0AAD1C1B4B45}" type="presParOf" srcId="{DA5FFDE4-1217-C442-A198-DE9C0905136C}" destId="{19B1A635-D237-D24C-9203-8C51E290E2A8}" srcOrd="0" destOrd="0" presId="urn:microsoft.com/office/officeart/2005/8/layout/hierarchy2"/>
+    <dgm:cxn modelId="{2A3D9F79-4053-5043-B0F8-A9EF2AA52DF7}" type="presParOf" srcId="{DA5FFDE4-1217-C442-A198-DE9C0905136C}" destId="{63B8C4B6-47C9-9B46-B987-EA6E342C0782}" srcOrd="1" destOrd="0" presId="urn:microsoft.com/office/officeart/2005/8/layout/hierarchy2"/>
+    <dgm:cxn modelId="{E1A185B4-26FA-A94F-834E-4B0DE0DB2E98}" type="presParOf" srcId="{63B8C4B6-47C9-9B46-B987-EA6E342C0782}" destId="{79A1830C-28C3-C841-8BDB-CE6D706C0201}" srcOrd="0" destOrd="0" presId="urn:microsoft.com/office/officeart/2005/8/layout/hierarchy2"/>
+    <dgm:cxn modelId="{D6EDA6FA-4BCE-5C40-81BC-7081566C595A}" type="presParOf" srcId="{79A1830C-28C3-C841-8BDB-CE6D706C0201}" destId="{12ED6911-1F85-924E-AE7A-C2E6B243277B}" srcOrd="0" destOrd="0" presId="urn:microsoft.com/office/officeart/2005/8/layout/hierarchy2"/>
+    <dgm:cxn modelId="{6F55F06C-FEBC-0941-BA94-E957DB7E2BF0}" type="presParOf" srcId="{63B8C4B6-47C9-9B46-B987-EA6E342C0782}" destId="{E963B5A0-DCC5-6B46-B0BD-83E39E59EC42}" srcOrd="1" destOrd="0" presId="urn:microsoft.com/office/officeart/2005/8/layout/hierarchy2"/>
+    <dgm:cxn modelId="{8E643792-7742-AB4B-9FD8-DE3CEDD871A0}" type="presParOf" srcId="{E963B5A0-DCC5-6B46-B0BD-83E39E59EC42}" destId="{073E3E48-1472-2A4E-BD6D-44F2B2E0A7D6}" srcOrd="0" destOrd="0" presId="urn:microsoft.com/office/officeart/2005/8/layout/hierarchy2"/>
+    <dgm:cxn modelId="{600A7144-EAA6-E74E-9F0D-C1B36D6CC392}" type="presParOf" srcId="{E963B5A0-DCC5-6B46-B0BD-83E39E59EC42}" destId="{DF3EB02C-6495-644F-80ED-3E51DC1CB521}" srcOrd="1" destOrd="0" presId="urn:microsoft.com/office/officeart/2005/8/layout/hierarchy2"/>
+    <dgm:cxn modelId="{71114B06-66BF-074D-BE27-8DA91A87749D}" type="presParOf" srcId="{DF3EB02C-6495-644F-80ED-3E51DC1CB521}" destId="{468335F7-25BC-8543-8CC0-81BA96EDFC7A}" srcOrd="0" destOrd="0" presId="urn:microsoft.com/office/officeart/2005/8/layout/hierarchy2"/>
+    <dgm:cxn modelId="{0754C541-D3E9-244A-A3AE-3433AB369498}" type="presParOf" srcId="{468335F7-25BC-8543-8CC0-81BA96EDFC7A}" destId="{15B64494-7885-6C40-9442-4C7904E67C03}" srcOrd="0" destOrd="0" presId="urn:microsoft.com/office/officeart/2005/8/layout/hierarchy2"/>
+    <dgm:cxn modelId="{A65C64E5-C8C7-7040-BFC6-EDCAD33CD3BC}" type="presParOf" srcId="{DF3EB02C-6495-644F-80ED-3E51DC1CB521}" destId="{34ABAF62-150C-254E-9D57-9D789041FCE2}" srcOrd="1" destOrd="0" presId="urn:microsoft.com/office/officeart/2005/8/layout/hierarchy2"/>
+    <dgm:cxn modelId="{77FE1B53-C9D7-EF4A-B8C1-3A80558DCBC5}" type="presParOf" srcId="{34ABAF62-150C-254E-9D57-9D789041FCE2}" destId="{E411769E-000D-4F4D-911B-4E096B5C99BC}" srcOrd="0" destOrd="0" presId="urn:microsoft.com/office/officeart/2005/8/layout/hierarchy2"/>
+    <dgm:cxn modelId="{DC283E41-6E8A-B34F-860D-ACD3456EAFF5}" type="presParOf" srcId="{34ABAF62-150C-254E-9D57-9D789041FCE2}" destId="{E2871965-DAA0-114F-86D2-BE7D07E418E5}" srcOrd="1" destOrd="0" presId="urn:microsoft.com/office/officeart/2005/8/layout/hierarchy2"/>
+    <dgm:cxn modelId="{DCA5FA4F-9973-0B47-8967-C14B997C8D7C}" type="presParOf" srcId="{DF3EB02C-6495-644F-80ED-3E51DC1CB521}" destId="{C532C6FF-ABE8-294B-A55E-01D0FF116705}" srcOrd="2" destOrd="0" presId="urn:microsoft.com/office/officeart/2005/8/layout/hierarchy2"/>
+    <dgm:cxn modelId="{80F7714B-9AF7-2844-97A0-27313EAD8582}" type="presParOf" srcId="{C532C6FF-ABE8-294B-A55E-01D0FF116705}" destId="{987BA6F2-D68E-A540-9B5E-727DBECFF6FD}" srcOrd="0" destOrd="0" presId="urn:microsoft.com/office/officeart/2005/8/layout/hierarchy2"/>
+    <dgm:cxn modelId="{4A9E3357-A60D-FB43-A910-35F70155EC81}" type="presParOf" srcId="{DF3EB02C-6495-644F-80ED-3E51DC1CB521}" destId="{363B4C79-BD10-3A45-BC1D-E9CE920683F7}" srcOrd="3" destOrd="0" presId="urn:microsoft.com/office/officeart/2005/8/layout/hierarchy2"/>
+    <dgm:cxn modelId="{053451A3-781C-BB44-80A0-EDF40CF165FB}" type="presParOf" srcId="{363B4C79-BD10-3A45-BC1D-E9CE920683F7}" destId="{9FF4AC75-22F6-884B-9682-7B32F4B830C2}" srcOrd="0" destOrd="0" presId="urn:microsoft.com/office/officeart/2005/8/layout/hierarchy2"/>
+    <dgm:cxn modelId="{6CC75411-F5CD-E04A-B594-566D0DDC3531}" type="presParOf" srcId="{363B4C79-BD10-3A45-BC1D-E9CE920683F7}" destId="{D64E5D26-66EF-C54A-81F0-DF74B0AF18C9}" srcOrd="1" destOrd="0" presId="urn:microsoft.com/office/officeart/2005/8/layout/hierarchy2"/>
+    <dgm:cxn modelId="{87ADD5D5-2255-AD4C-A1E7-3CC21FE84F5B}" type="presParOf" srcId="{DF3EB02C-6495-644F-80ED-3E51DC1CB521}" destId="{1F72CDFE-37E1-624B-8971-E1C417F0FC27}" srcOrd="4" destOrd="0" presId="urn:microsoft.com/office/officeart/2005/8/layout/hierarchy2"/>
+    <dgm:cxn modelId="{4BE9C180-93E0-F442-A00C-8661E6A0FB24}" type="presParOf" srcId="{1F72CDFE-37E1-624B-8971-E1C417F0FC27}" destId="{651B9F65-D836-A842-9520-EB7ED5507C72}" srcOrd="0" destOrd="0" presId="urn:microsoft.com/office/officeart/2005/8/layout/hierarchy2"/>
+    <dgm:cxn modelId="{BF216267-E68E-8F44-893C-CD8378D94EC2}" type="presParOf" srcId="{DF3EB02C-6495-644F-80ED-3E51DC1CB521}" destId="{86C73295-E470-654D-A920-ADD0824B0C20}" srcOrd="5" destOrd="0" presId="urn:microsoft.com/office/officeart/2005/8/layout/hierarchy2"/>
+    <dgm:cxn modelId="{1CBFC667-708F-BB47-B57F-6C25E7F38AE2}" type="presParOf" srcId="{86C73295-E470-654D-A920-ADD0824B0C20}" destId="{69C36B2A-5EB5-BA4D-B4C9-BA188B7D6C24}" srcOrd="0" destOrd="0" presId="urn:microsoft.com/office/officeart/2005/8/layout/hierarchy2"/>
+    <dgm:cxn modelId="{2E585639-C4B2-BE4E-B998-3CBC218B494A}" type="presParOf" srcId="{86C73295-E470-654D-A920-ADD0824B0C20}" destId="{4AC8641B-783D-4F47-9946-BE183A7D6408}" srcOrd="1" destOrd="0" presId="urn:microsoft.com/office/officeart/2005/8/layout/hierarchy2"/>
+    <dgm:cxn modelId="{528EDD09-94BB-9041-B0E4-2DE779B38FF9}" type="presParOf" srcId="{4AC8641B-783D-4F47-9946-BE183A7D6408}" destId="{7673BD98-8BAE-2943-8F63-42B7DE997276}" srcOrd="0" destOrd="0" presId="urn:microsoft.com/office/officeart/2005/8/layout/hierarchy2"/>
+    <dgm:cxn modelId="{6965F98C-E58B-D541-8852-E323F504C013}" type="presParOf" srcId="{7673BD98-8BAE-2943-8F63-42B7DE997276}" destId="{1DA82A43-5566-914D-A6FD-9086F5F22E25}" srcOrd="0" destOrd="0" presId="urn:microsoft.com/office/officeart/2005/8/layout/hierarchy2"/>
+    <dgm:cxn modelId="{67648CD0-4E38-384E-9852-213E7FEBB8B2}" type="presParOf" srcId="{4AC8641B-783D-4F47-9946-BE183A7D6408}" destId="{18BDAC58-1A99-FD4D-9497-55808BFF9FA0}" srcOrd="1" destOrd="0" presId="urn:microsoft.com/office/officeart/2005/8/layout/hierarchy2"/>
+    <dgm:cxn modelId="{9F8A462F-F91F-234A-A16B-CA1325E40A5A}" type="presParOf" srcId="{18BDAC58-1A99-FD4D-9497-55808BFF9FA0}" destId="{4AB21A52-8C49-224D-A745-E08E02775B79}" srcOrd="0" destOrd="0" presId="urn:microsoft.com/office/officeart/2005/8/layout/hierarchy2"/>
+    <dgm:cxn modelId="{9C7353CC-110A-EA49-9153-6B8A40F95022}" type="presParOf" srcId="{18BDAC58-1A99-FD4D-9497-55808BFF9FA0}" destId="{3017D93A-4F40-C740-830C-F03FAEE9E1FE}" srcOrd="1" destOrd="0" presId="urn:microsoft.com/office/officeart/2005/8/layout/hierarchy2"/>
+    <dgm:cxn modelId="{4B8563E2-4776-9042-AECA-5B31AF412A75}" type="presParOf" srcId="{3017D93A-4F40-C740-830C-F03FAEE9E1FE}" destId="{36867215-562D-F64F-A6A6-A63DC7119D37}" srcOrd="0" destOrd="0" presId="urn:microsoft.com/office/officeart/2005/8/layout/hierarchy2"/>
+    <dgm:cxn modelId="{0124FE4A-E4DE-EA4A-8CA9-8C8EF28C41B8}" type="presParOf" srcId="{36867215-562D-F64F-A6A6-A63DC7119D37}" destId="{DF78C8E7-53A6-6E42-AE3B-7BE1B91CC356}" srcOrd="0" destOrd="0" presId="urn:microsoft.com/office/officeart/2005/8/layout/hierarchy2"/>
+    <dgm:cxn modelId="{37D57420-2C30-774A-85BC-882B72022FD5}" type="presParOf" srcId="{3017D93A-4F40-C740-830C-F03FAEE9E1FE}" destId="{2616EECD-65D3-DB45-8A64-686D70AD6357}" srcOrd="1" destOrd="0" presId="urn:microsoft.com/office/officeart/2005/8/layout/hierarchy2"/>
+    <dgm:cxn modelId="{7D7D44CB-5F40-AA49-9FB9-365F8C25A4AF}" type="presParOf" srcId="{2616EECD-65D3-DB45-8A64-686D70AD6357}" destId="{0455FC06-48E3-F743-9D1B-B9B197D78300}" srcOrd="0" destOrd="0" presId="urn:microsoft.com/office/officeart/2005/8/layout/hierarchy2"/>
+    <dgm:cxn modelId="{39B0F85A-82C1-5A4C-A21D-4EF519F30E66}" type="presParOf" srcId="{2616EECD-65D3-DB45-8A64-686D70AD6357}" destId="{B6B7C32A-CAF4-C54C-8D73-DFC4A9050B24}" srcOrd="1" destOrd="0" presId="urn:microsoft.com/office/officeart/2005/8/layout/hierarchy2"/>
+    <dgm:cxn modelId="{BC2AD837-3197-E74B-AF77-FB4DD9DB198F}" type="presParOf" srcId="{E60779AB-8EA6-1E4D-91B8-AC272EC3F8CE}" destId="{B6E977DD-B088-164C-B3A0-4C6443D6BE63}" srcOrd="2" destOrd="0" presId="urn:microsoft.com/office/officeart/2005/8/layout/hierarchy2"/>
+    <dgm:cxn modelId="{11BDE9D3-C741-DA40-91D4-957483DA0D62}" type="presParOf" srcId="{B6E977DD-B088-164C-B3A0-4C6443D6BE63}" destId="{C6119276-61BB-8640-BEE4-FE7D44F90D02}" srcOrd="0" destOrd="0" presId="urn:microsoft.com/office/officeart/2005/8/layout/hierarchy2"/>
+    <dgm:cxn modelId="{7C941AA9-EDD8-E848-8339-A9EF7320D2FB}" type="presParOf" srcId="{E60779AB-8EA6-1E4D-91B8-AC272EC3F8CE}" destId="{8B556465-BF8A-E14E-B3DC-BB763FBDD649}" srcOrd="3" destOrd="0" presId="urn:microsoft.com/office/officeart/2005/8/layout/hierarchy2"/>
+    <dgm:cxn modelId="{CE4487E9-2CC7-D343-BD6C-6EAAE529316A}" type="presParOf" srcId="{8B556465-BF8A-E14E-B3DC-BB763FBDD649}" destId="{699F30E1-FCEF-9149-B8AB-23EE2AACA971}" srcOrd="0" destOrd="0" presId="urn:microsoft.com/office/officeart/2005/8/layout/hierarchy2"/>
+    <dgm:cxn modelId="{471E0C48-B299-5F44-A19A-31C6C6582C2B}" type="presParOf" srcId="{8B556465-BF8A-E14E-B3DC-BB763FBDD649}" destId="{77F9E80C-0691-1D41-8FFA-B3BEC641D623}" srcOrd="1" destOrd="0" presId="urn:microsoft.com/office/officeart/2005/8/layout/hierarchy2"/>
+    <dgm:cxn modelId="{FAA65FD1-9FA6-C840-B7E3-845282E3AB95}" type="presParOf" srcId="{E60779AB-8EA6-1E4D-91B8-AC272EC3F8CE}" destId="{41836E75-2D7D-6E44-BA8A-8497577DC49C}" srcOrd="4" destOrd="0" presId="urn:microsoft.com/office/officeart/2005/8/layout/hierarchy2"/>
+    <dgm:cxn modelId="{CC53A929-9C24-E74D-8A63-D94CF6C16882}" type="presParOf" srcId="{41836E75-2D7D-6E44-BA8A-8497577DC49C}" destId="{4EE38057-1A4B-5149-B2BE-0354EF280C5E}" srcOrd="0" destOrd="0" presId="urn:microsoft.com/office/officeart/2005/8/layout/hierarchy2"/>
+    <dgm:cxn modelId="{5B0ECA99-45B8-1045-8BBB-611226FAE2D1}" type="presParOf" srcId="{E60779AB-8EA6-1E4D-91B8-AC272EC3F8CE}" destId="{51055644-0546-904C-9083-E7959EBC2CFE}" srcOrd="5" destOrd="0" presId="urn:microsoft.com/office/officeart/2005/8/layout/hierarchy2"/>
+    <dgm:cxn modelId="{67519B33-6D8D-EC45-B45A-2E5035EE9A57}" type="presParOf" srcId="{51055644-0546-904C-9083-E7959EBC2CFE}" destId="{D389319E-2E1D-2A48-8624-FB91EB3BEB92}" srcOrd="0" destOrd="0" presId="urn:microsoft.com/office/officeart/2005/8/layout/hierarchy2"/>
+    <dgm:cxn modelId="{1C06C806-2B58-D84C-BD36-01E86A0DFB16}" type="presParOf" srcId="{51055644-0546-904C-9083-E7959EBC2CFE}" destId="{3270020E-A60E-DC4D-A83E-AED48A4581C2}" srcOrd="1" destOrd="0" presId="urn:microsoft.com/office/officeart/2005/8/layout/hierarchy2"/>
+    <dgm:cxn modelId="{26BF718E-FAD4-EB4D-8FA1-CD86EF918DF8}" type="presParOf" srcId="{E60779AB-8EA6-1E4D-91B8-AC272EC3F8CE}" destId="{EBB39D5B-A845-3E49-9249-B5E25DFB0C5C}" srcOrd="6" destOrd="0" presId="urn:microsoft.com/office/officeart/2005/8/layout/hierarchy2"/>
+    <dgm:cxn modelId="{2D434324-27EC-AB45-881F-CFE96B01B630}" type="presParOf" srcId="{EBB39D5B-A845-3E49-9249-B5E25DFB0C5C}" destId="{B3AF179C-85AB-2B4C-BB61-7EC14A882921}" srcOrd="0" destOrd="0" presId="urn:microsoft.com/office/officeart/2005/8/layout/hierarchy2"/>
+    <dgm:cxn modelId="{CFE5DABE-2983-3745-B4CC-72332249538B}" type="presParOf" srcId="{E60779AB-8EA6-1E4D-91B8-AC272EC3F8CE}" destId="{2D9F7C67-3818-4944-A2CD-4DA4590250CC}" srcOrd="7" destOrd="0" presId="urn:microsoft.com/office/officeart/2005/8/layout/hierarchy2"/>
+    <dgm:cxn modelId="{1AEBF970-5719-1042-8859-55F411F7A570}" type="presParOf" srcId="{2D9F7C67-3818-4944-A2CD-4DA4590250CC}" destId="{00883208-7FB7-F047-9CAB-883A3974F789}" srcOrd="0" destOrd="0" presId="urn:microsoft.com/office/officeart/2005/8/layout/hierarchy2"/>
+    <dgm:cxn modelId="{91A6C3C2-CBE5-EB48-A5FD-BB64291BD31B}" type="presParOf" srcId="{2D9F7C67-3818-4944-A2CD-4DA4590250CC}" destId="{0A330D88-2752-7840-B72C-3E1395BBB43C}" srcOrd="1" destOrd="0" presId="urn:microsoft.com/office/officeart/2005/8/layout/hierarchy2"/>
+  </dgm:cxnLst>
+  <dgm:bg/>
+  <dgm:whole/>
+  <dgm:extLst>
+    <a:ext uri="http://schemas.microsoft.com/office/drawing/2008/diagram">
+      <dsp:dataModelExt xmlns:dsp="http://schemas.microsoft.com/office/drawing/2008/diagram" relId="rId7" minVer="http://schemas.openxmlformats.org/drawingml/2006/diagram"/>
+    </a:ext>
+  </dgm:extLst>
+</dgm:dataModel>
+</file>
+
+<file path=ppt/diagrams/drawing1.xml><?xml version="1.0" encoding="utf-8"?>
+<dsp:drawing xmlns:dgm="http://schemas.openxmlformats.org/drawingml/2006/diagram" xmlns:dsp="http://schemas.microsoft.com/office/drawing/2008/diagram" xmlns:a="http://schemas.openxmlformats.org/drawingml/2006/main">
+  <dsp:spTree>
+    <dsp:nvGrpSpPr>
+      <dsp:cNvPr id="0" name=""/>
+      <dsp:cNvGrpSpPr/>
+    </dsp:nvGrpSpPr>
+    <dsp:grpSpPr/>
+    <dsp:sp modelId="{72E9B62D-3CA6-CC42-8326-7DAA0C7657E5}">
+      <dsp:nvSpPr>
+        <dsp:cNvPr id="0" name=""/>
+        <dsp:cNvSpPr/>
+      </dsp:nvSpPr>
+      <dsp:spPr>
+        <a:xfrm>
+          <a:off x="11258" y="2591540"/>
+          <a:ext cx="1146918" cy="987953"/>
+        </a:xfrm>
+        <a:prstGeom prst="cloudCallout">
+          <a:avLst/>
+        </a:prstGeom>
+        <a:solidFill>
+          <a:srgbClr val="4E67C8">
+            <a:hueOff val="0"/>
+            <a:satOff val="0"/>
+            <a:lumOff val="0"/>
+            <a:alphaOff val="0"/>
+          </a:srgbClr>
+        </a:solidFill>
+        <a:ln w="12700" cap="flat" cmpd="sng" algn="ctr">
+          <a:solidFill>
+            <a:prstClr val="white">
+              <a:hueOff val="0"/>
+              <a:satOff val="0"/>
+              <a:lumOff val="0"/>
+              <a:alphaOff val="0"/>
+            </a:prstClr>
+          </a:solidFill>
+          <a:prstDash val="solid"/>
+          <a:miter lim="800000"/>
+        </a:ln>
+        <a:effectLst/>
+      </dsp:spPr>
+      <dsp:style>
+        <a:lnRef idx="2">
+          <a:scrgbClr r="0" g="0" b="0"/>
+        </a:lnRef>
+        <a:fillRef idx="1">
+          <a:scrgbClr r="0" g="0" b="0"/>
+        </a:fillRef>
+        <a:effectRef idx="0">
+          <a:scrgbClr r="0" g="0" b="0"/>
+        </a:effectRef>
+        <a:fontRef idx="minor">
+          <a:schemeClr val="lt1"/>
+        </a:fontRef>
+      </dsp:style>
+      <dsp:txBody>
+        <a:bodyPr spcFirstLastPara="0" vert="horz" wrap="square" lIns="20320" tIns="20320" rIns="20320" bIns="20320" numCol="1" spcCol="1270" anchor="ctr" anchorCtr="0">
+          <a:noAutofit/>
+        </a:bodyPr>
+        <a:lstStyle/>
+        <a:p>
+          <a:pPr marL="0" lvl="0" indent="0" algn="ctr" defTabSz="1244600">
+            <a:lnSpc>
+              <a:spcPct val="90000"/>
+            </a:lnSpc>
+            <a:spcBef>
+              <a:spcPct val="0"/>
+            </a:spcBef>
+            <a:spcAft>
+              <a:spcPct val="35000"/>
+            </a:spcAft>
+            <a:buNone/>
+          </a:pPr>
+          <a:r>
+            <a:rPr lang="en-US" sz="2000" b="1" kern="1200" dirty="0">
+              <a:solidFill>
+                <a:prstClr val="white"/>
+              </a:solidFill>
+              <a:latin typeface="Calibri" panose="020F0502020204030204"/>
+              <a:ea typeface="+mn-ea"/>
+              <a:cs typeface="+mn-cs"/>
+            </a:rPr>
+            <a:t>Data</a:t>
+          </a:r>
+        </a:p>
+        <a:p>
+          <a:pPr marL="0" lvl="0" indent="0" algn="ctr" defTabSz="1244600">
+            <a:lnSpc>
+              <a:spcPct val="90000"/>
+            </a:lnSpc>
+            <a:spcBef>
+              <a:spcPct val="0"/>
+            </a:spcBef>
+            <a:spcAft>
+              <a:spcPct val="35000"/>
+            </a:spcAft>
+            <a:buNone/>
+          </a:pPr>
+          <a:r>
+            <a:rPr lang="en-US" sz="2000" b="1" kern="1200" dirty="0">
+              <a:solidFill>
+                <a:prstClr val="white"/>
+              </a:solidFill>
+              <a:latin typeface="Calibri" panose="020F0502020204030204"/>
+              <a:ea typeface="+mn-ea"/>
+              <a:cs typeface="+mn-cs"/>
+            </a:rPr>
+            <a:t>Lake</a:t>
+          </a:r>
+        </a:p>
+      </dsp:txBody>
+      <dsp:txXfrm>
+        <a:off x="169331" y="2740739"/>
+        <a:ext cx="749213" cy="643770"/>
+      </dsp:txXfrm>
+    </dsp:sp>
+    <dsp:sp modelId="{A7DFB0D3-486E-124C-972D-BB771E7A87F8}">
+      <dsp:nvSpPr>
+        <dsp:cNvPr id="0" name=""/>
+        <dsp:cNvSpPr/>
+      </dsp:nvSpPr>
+      <dsp:spPr>
+        <a:xfrm>
+          <a:off x="1158177" y="3078745"/>
+          <a:ext cx="131894" cy="13543"/>
+        </a:xfrm>
+        <a:custGeom>
+          <a:avLst/>
+          <a:gdLst/>
+          <a:ahLst/>
+          <a:cxnLst/>
+          <a:rect l="0" t="0" r="0" b="0"/>
+          <a:pathLst>
+            <a:path>
+              <a:moveTo>
+                <a:pt x="0" y="6771"/>
+              </a:moveTo>
+              <a:lnTo>
+                <a:pt x="131894" y="6771"/>
+              </a:lnTo>
+            </a:path>
+          </a:pathLst>
+        </a:custGeom>
+        <a:noFill/>
+        <a:ln w="12700" cap="flat" cmpd="sng" algn="ctr">
+          <a:solidFill>
+            <a:schemeClr val="accent6">
+              <a:hueOff val="0"/>
+              <a:satOff val="0"/>
+              <a:lumOff val="0"/>
+              <a:alphaOff val="0"/>
+            </a:schemeClr>
+          </a:solidFill>
+          <a:prstDash val="solid"/>
+          <a:miter lim="800000"/>
+        </a:ln>
+        <a:effectLst/>
+      </dsp:spPr>
+      <dsp:style>
+        <a:lnRef idx="2">
+          <a:scrgbClr r="0" g="0" b="0"/>
+        </a:lnRef>
+        <a:fillRef idx="0">
+          <a:scrgbClr r="0" g="0" b="0"/>
+        </a:fillRef>
+        <a:effectRef idx="0">
+          <a:scrgbClr r="0" g="0" b="0"/>
+        </a:effectRef>
+        <a:fontRef idx="minor"/>
+      </dsp:style>
+      <dsp:txBody>
+        <a:bodyPr spcFirstLastPara="0" vert="horz" wrap="square" lIns="12700" tIns="0" rIns="12700" bIns="0" numCol="1" spcCol="1270" anchor="ctr" anchorCtr="0">
+          <a:noAutofit/>
+        </a:bodyPr>
+        <a:lstStyle/>
+        <a:p>
+          <a:pPr marL="0" lvl="0" indent="0" algn="ctr" defTabSz="222250">
+            <a:lnSpc>
+              <a:spcPct val="90000"/>
+            </a:lnSpc>
+            <a:spcBef>
+              <a:spcPct val="0"/>
+            </a:spcBef>
+            <a:spcAft>
+              <a:spcPct val="35000"/>
+            </a:spcAft>
+            <a:buNone/>
+          </a:pPr>
+          <a:endParaRPr lang="en-US" sz="500" kern="1200"/>
+        </a:p>
+      </dsp:txBody>
+      <dsp:txXfrm>
+        <a:off x="1220827" y="3082219"/>
+        <a:ext cx="6594" cy="6594"/>
+      </dsp:txXfrm>
+    </dsp:sp>
+    <dsp:sp modelId="{A84C9F91-CD3B-CB44-A564-1A0879C3CBCD}">
+      <dsp:nvSpPr>
+        <dsp:cNvPr id="0" name=""/>
+        <dsp:cNvSpPr/>
+      </dsp:nvSpPr>
+      <dsp:spPr>
+        <a:xfrm>
+          <a:off x="1290072" y="2784651"/>
+          <a:ext cx="1135269" cy="601731"/>
+        </a:xfrm>
+        <a:prstGeom prst="roundRect">
+          <a:avLst>
+            <a:gd name="adj" fmla="val 10000"/>
+          </a:avLst>
+        </a:prstGeom>
+        <a:solidFill>
+          <a:srgbClr val="4E67C8">
+            <a:hueOff val="0"/>
+            <a:satOff val="0"/>
+            <a:lumOff val="0"/>
+            <a:alphaOff val="0"/>
+          </a:srgbClr>
+        </a:solidFill>
+        <a:ln w="12700" cap="flat" cmpd="sng" algn="ctr">
+          <a:solidFill>
+            <a:prstClr val="white">
+              <a:hueOff val="0"/>
+              <a:satOff val="0"/>
+              <a:lumOff val="0"/>
+              <a:alphaOff val="0"/>
+            </a:prstClr>
+          </a:solidFill>
+          <a:prstDash val="solid"/>
+          <a:miter lim="800000"/>
+        </a:ln>
+        <a:effectLst/>
+      </dsp:spPr>
+      <dsp:style>
+        <a:lnRef idx="2">
+          <a:scrgbClr r="0" g="0" b="0"/>
+        </a:lnRef>
+        <a:fillRef idx="1">
+          <a:scrgbClr r="0" g="0" b="0"/>
+        </a:fillRef>
+        <a:effectRef idx="0">
+          <a:scrgbClr r="0" g="0" b="0"/>
+        </a:effectRef>
+        <a:fontRef idx="minor">
+          <a:schemeClr val="lt1"/>
+        </a:fontRef>
+      </dsp:style>
+      <dsp:txBody>
+        <a:bodyPr spcFirstLastPara="0" vert="horz" wrap="square" lIns="20320" tIns="20320" rIns="20320" bIns="20320" numCol="1" spcCol="1270" anchor="ctr" anchorCtr="0">
+          <a:noAutofit/>
+        </a:bodyPr>
+        <a:lstStyle/>
+        <a:p>
+          <a:pPr marL="0" lvl="0" indent="0" algn="ctr" defTabSz="1066800">
+            <a:lnSpc>
+              <a:spcPct val="90000"/>
+            </a:lnSpc>
+            <a:spcBef>
+              <a:spcPct val="0"/>
+            </a:spcBef>
+            <a:spcAft>
+              <a:spcPct val="35000"/>
+            </a:spcAft>
+            <a:buNone/>
+          </a:pPr>
+          <a:r>
+            <a:rPr lang="en-US" sz="2400" b="0" kern="1200" dirty="0"/>
+            <a:t>Pipeline</a:t>
+          </a:r>
+        </a:p>
+      </dsp:txBody>
+      <dsp:txXfrm>
+        <a:off x="1307696" y="2802275"/>
+        <a:ext cx="1100021" cy="566483"/>
+      </dsp:txXfrm>
+    </dsp:sp>
+    <dsp:sp modelId="{BB8271DB-42E2-1A40-BF69-84786EDFB521}">
+      <dsp:nvSpPr>
+        <dsp:cNvPr id="0" name=""/>
+        <dsp:cNvSpPr/>
+      </dsp:nvSpPr>
+      <dsp:spPr>
+        <a:xfrm rot="17447699">
+          <a:off x="1841971" y="2233182"/>
+          <a:ext cx="1808967" cy="13543"/>
+        </a:xfrm>
+        <a:custGeom>
+          <a:avLst/>
+          <a:gdLst/>
+          <a:ahLst/>
+          <a:cxnLst/>
+          <a:rect l="0" t="0" r="0" b="0"/>
+          <a:pathLst>
+            <a:path>
+              <a:moveTo>
+                <a:pt x="0" y="6771"/>
+              </a:moveTo>
+              <a:lnTo>
+                <a:pt x="1808967" y="6771"/>
+              </a:lnTo>
+            </a:path>
+          </a:pathLst>
+        </a:custGeom>
+        <a:noFill/>
+        <a:ln w="12700" cap="flat" cmpd="sng" algn="ctr">
+          <a:solidFill>
+            <a:schemeClr val="accent1">
+              <a:hueOff val="0"/>
+              <a:satOff val="0"/>
+              <a:lumOff val="0"/>
+              <a:alphaOff val="0"/>
+            </a:schemeClr>
+          </a:solidFill>
+          <a:prstDash val="solid"/>
+          <a:miter lim="800000"/>
+        </a:ln>
+        <a:effectLst/>
+      </dsp:spPr>
+      <dsp:style>
+        <a:lnRef idx="2">
+          <a:scrgbClr r="0" g="0" b="0"/>
+        </a:lnRef>
+        <a:fillRef idx="0">
+          <a:scrgbClr r="0" g="0" b="0"/>
+        </a:fillRef>
+        <a:effectRef idx="0">
+          <a:scrgbClr r="0" g="0" b="0"/>
+        </a:effectRef>
+        <a:fontRef idx="minor"/>
+      </dsp:style>
+      <dsp:txBody>
+        <a:bodyPr spcFirstLastPara="0" vert="horz" wrap="square" lIns="12700" tIns="0" rIns="12700" bIns="0" numCol="1" spcCol="1270" anchor="ctr" anchorCtr="0">
+          <a:noAutofit/>
+        </a:bodyPr>
+        <a:lstStyle/>
+        <a:p>
+          <a:pPr marL="0" lvl="0" indent="0" algn="ctr" defTabSz="266700">
+            <a:lnSpc>
+              <a:spcPct val="90000"/>
+            </a:lnSpc>
+            <a:spcBef>
+              <a:spcPct val="0"/>
+            </a:spcBef>
+            <a:spcAft>
+              <a:spcPct val="35000"/>
+            </a:spcAft>
+            <a:buNone/>
+          </a:pPr>
+          <a:endParaRPr lang="en-US" sz="600" kern="1200"/>
+        </a:p>
+      </dsp:txBody>
+      <dsp:txXfrm>
+        <a:off x="2701231" y="2194730"/>
+        <a:ext cx="90448" cy="90448"/>
+      </dsp:txXfrm>
+    </dsp:sp>
+    <dsp:sp modelId="{19B1A635-D237-D24C-9203-8C51E290E2A8}">
+      <dsp:nvSpPr>
+        <dsp:cNvPr id="0" name=""/>
+        <dsp:cNvSpPr/>
+      </dsp:nvSpPr>
+      <dsp:spPr>
+        <a:xfrm>
+          <a:off x="3067570" y="1082071"/>
+          <a:ext cx="2169914" cy="624640"/>
+        </a:xfrm>
+        <a:prstGeom prst="roundRect">
+          <a:avLst>
+            <a:gd name="adj" fmla="val 10000"/>
+          </a:avLst>
+        </a:prstGeom>
+        <a:solidFill>
+          <a:schemeClr val="accent1">
+            <a:hueOff val="0"/>
+            <a:satOff val="0"/>
+            <a:lumOff val="0"/>
+            <a:alphaOff val="0"/>
+          </a:schemeClr>
+        </a:solidFill>
+        <a:ln w="12700" cap="flat" cmpd="sng" algn="ctr">
+          <a:solidFill>
+            <a:schemeClr val="lt1">
+              <a:hueOff val="0"/>
+              <a:satOff val="0"/>
+              <a:lumOff val="0"/>
+              <a:alphaOff val="0"/>
+            </a:schemeClr>
+          </a:solidFill>
+          <a:prstDash val="solid"/>
+          <a:miter lim="800000"/>
+        </a:ln>
+        <a:effectLst/>
+      </dsp:spPr>
+      <dsp:style>
+        <a:lnRef idx="2">
+          <a:scrgbClr r="0" g="0" b="0"/>
+        </a:lnRef>
+        <a:fillRef idx="1">
+          <a:scrgbClr r="0" g="0" b="0"/>
+        </a:fillRef>
+        <a:effectRef idx="0">
+          <a:scrgbClr r="0" g="0" b="0"/>
+        </a:effectRef>
+        <a:fontRef idx="minor">
+          <a:schemeClr val="lt1"/>
+        </a:fontRef>
+      </dsp:style>
+      <dsp:txBody>
+        <a:bodyPr spcFirstLastPara="0" vert="horz" wrap="square" lIns="20320" tIns="20320" rIns="20320" bIns="20320" numCol="1" spcCol="1270" anchor="ctr" anchorCtr="0">
+          <a:noAutofit/>
+        </a:bodyPr>
+        <a:lstStyle/>
+        <a:p>
+          <a:pPr marL="0" lvl="0" indent="0" algn="ctr" defTabSz="1422400" rtl="0">
+            <a:lnSpc>
+              <a:spcPct val="90000"/>
+            </a:lnSpc>
+            <a:spcBef>
+              <a:spcPct val="0"/>
+            </a:spcBef>
+            <a:spcAft>
+              <a:spcPct val="35000"/>
+            </a:spcAft>
+            <a:buNone/>
+          </a:pPr>
+          <a:r>
+            <a:rPr lang="en-US" sz="3200" b="0" kern="1200" dirty="0"/>
+            <a:t>H</a:t>
+          </a:r>
+          <a:r>
+            <a:rPr lang="en-US" sz="3200" b="0" kern="1200" baseline="-25000" dirty="0"/>
+            <a:t>2</a:t>
+          </a:r>
+          <a:r>
+            <a:rPr lang="en-US" sz="3200" b="0" kern="1200" dirty="0"/>
+            <a:t>O </a:t>
+          </a:r>
+          <a:r>
+            <a:rPr lang="en-US" sz="3200" b="0" kern="1200" dirty="0" err="1"/>
+            <a:t>AutoML</a:t>
+          </a:r>
+          <a:endParaRPr lang="en-US" sz="3200" b="0" kern="1200" dirty="0"/>
+        </a:p>
+      </dsp:txBody>
+      <dsp:txXfrm>
+        <a:off x="3085865" y="1100366"/>
+        <a:ext cx="2133324" cy="588050"/>
+      </dsp:txXfrm>
+    </dsp:sp>
+    <dsp:sp modelId="{79A1830C-28C3-C841-8BDB-CE6D706C0201}">
+      <dsp:nvSpPr>
+        <dsp:cNvPr id="0" name=""/>
+        <dsp:cNvSpPr/>
+      </dsp:nvSpPr>
+      <dsp:spPr>
+        <a:xfrm rot="4385728">
+          <a:off x="4808345" y="1966557"/>
+          <a:ext cx="1210166" cy="13543"/>
+        </a:xfrm>
+        <a:custGeom>
+          <a:avLst/>
+          <a:gdLst/>
+          <a:ahLst/>
+          <a:cxnLst/>
+          <a:rect l="0" t="0" r="0" b="0"/>
+          <a:pathLst>
+            <a:path>
+              <a:moveTo>
+                <a:pt x="0" y="6771"/>
+              </a:moveTo>
+              <a:lnTo>
+                <a:pt x="1210166" y="6771"/>
+              </a:lnTo>
+            </a:path>
+          </a:pathLst>
+        </a:custGeom>
+        <a:noFill/>
+        <a:ln w="12700" cap="flat" cmpd="sng" algn="ctr">
+          <a:solidFill>
+            <a:schemeClr val="tx1"/>
+          </a:solidFill>
+          <a:prstDash val="solid"/>
+          <a:miter lim="800000"/>
+        </a:ln>
+        <a:effectLst/>
+      </dsp:spPr>
+      <dsp:style>
+        <a:lnRef idx="2">
+          <a:scrgbClr r="0" g="0" b="0"/>
+        </a:lnRef>
+        <a:fillRef idx="0">
+          <a:scrgbClr r="0" g="0" b="0"/>
+        </a:fillRef>
+        <a:effectRef idx="0">
+          <a:scrgbClr r="0" g="0" b="0"/>
+        </a:effectRef>
+        <a:fontRef idx="minor"/>
+      </dsp:style>
+      <dsp:txBody>
+        <a:bodyPr spcFirstLastPara="0" vert="horz" wrap="square" lIns="12700" tIns="0" rIns="12700" bIns="0" numCol="1" spcCol="1270" anchor="ctr" anchorCtr="0">
+          <a:noAutofit/>
+        </a:bodyPr>
+        <a:lstStyle/>
+        <a:p>
+          <a:pPr marL="0" lvl="0" indent="0" algn="ctr" defTabSz="222250" rtl="0">
+            <a:lnSpc>
+              <a:spcPct val="90000"/>
+            </a:lnSpc>
+            <a:spcBef>
+              <a:spcPct val="0"/>
+            </a:spcBef>
+            <a:spcAft>
+              <a:spcPct val="35000"/>
+            </a:spcAft>
+            <a:buNone/>
+          </a:pPr>
+          <a:endParaRPr lang="en-US" sz="500" b="1" kern="1200"/>
+        </a:p>
+      </dsp:txBody>
+      <dsp:txXfrm>
+        <a:off x="5383174" y="1943075"/>
+        <a:ext cx="60508" cy="60508"/>
+      </dsp:txXfrm>
+    </dsp:sp>
+    <dsp:sp modelId="{073E3E48-1472-2A4E-BD6D-44F2B2E0A7D6}">
+      <dsp:nvSpPr>
+        <dsp:cNvPr id="0" name=""/>
+        <dsp:cNvSpPr/>
+      </dsp:nvSpPr>
+      <dsp:spPr>
+        <a:xfrm>
+          <a:off x="5589373" y="1812289"/>
+          <a:ext cx="1576107" cy="1479956"/>
+        </a:xfrm>
+        <a:prstGeom prst="roundRect">
+          <a:avLst>
+            <a:gd name="adj" fmla="val 10000"/>
+          </a:avLst>
+        </a:prstGeom>
+        <a:solidFill>
+          <a:srgbClr val="FF0000"/>
+        </a:solidFill>
+        <a:ln w="12700" cap="flat" cmpd="sng" algn="ctr">
+          <a:solidFill>
+            <a:schemeClr val="lt1">
+              <a:hueOff val="0"/>
+              <a:satOff val="0"/>
+              <a:lumOff val="0"/>
+              <a:alphaOff val="0"/>
+            </a:schemeClr>
+          </a:solidFill>
+          <a:prstDash val="solid"/>
+          <a:miter lim="800000"/>
+        </a:ln>
+        <a:effectLst/>
+      </dsp:spPr>
+      <dsp:style>
+        <a:lnRef idx="2">
+          <a:scrgbClr r="0" g="0" b="0"/>
+        </a:lnRef>
+        <a:fillRef idx="1">
+          <a:scrgbClr r="0" g="0" b="0"/>
+        </a:fillRef>
+        <a:effectRef idx="0">
+          <a:scrgbClr r="0" g="0" b="0"/>
+        </a:effectRef>
+        <a:fontRef idx="minor">
+          <a:schemeClr val="lt1"/>
+        </a:fontRef>
+      </dsp:style>
+      <dsp:txBody>
+        <a:bodyPr spcFirstLastPara="0" vert="horz" wrap="square" lIns="15240" tIns="15240" rIns="15240" bIns="15240" numCol="1" spcCol="1270" anchor="ctr" anchorCtr="0">
+          <a:noAutofit/>
+        </a:bodyPr>
+        <a:lstStyle/>
+        <a:p>
+          <a:pPr marL="0" lvl="0" indent="0" algn="ctr" defTabSz="1066800" rtl="0">
+            <a:lnSpc>
+              <a:spcPct val="90000"/>
+            </a:lnSpc>
+            <a:spcBef>
+              <a:spcPct val="0"/>
+            </a:spcBef>
+            <a:spcAft>
+              <a:spcPct val="35000"/>
+            </a:spcAft>
+            <a:buNone/>
+          </a:pPr>
+          <a:r>
+            <a:rPr lang="en-US" sz="2400" b="1" kern="1200" dirty="0"/>
+            <a:t>Training and Predictive Data</a:t>
+          </a:r>
+        </a:p>
+      </dsp:txBody>
+      <dsp:txXfrm>
+        <a:off x="5632719" y="1855635"/>
+        <a:ext cx="1489415" cy="1393264"/>
+      </dsp:txXfrm>
+    </dsp:sp>
+    <dsp:sp modelId="{468335F7-25BC-8543-8CC0-81BA96EDFC7A}">
+      <dsp:nvSpPr>
+        <dsp:cNvPr id="0" name=""/>
+        <dsp:cNvSpPr/>
+      </dsp:nvSpPr>
+      <dsp:spPr>
+        <a:xfrm rot="17999167">
+          <a:off x="6924991" y="2129071"/>
+          <a:ext cx="961554" cy="13543"/>
+        </a:xfrm>
+        <a:custGeom>
+          <a:avLst/>
+          <a:gdLst/>
+          <a:ahLst/>
+          <a:cxnLst/>
+          <a:rect l="0" t="0" r="0" b="0"/>
+          <a:pathLst>
+            <a:path>
+              <a:moveTo>
+                <a:pt x="0" y="6771"/>
+              </a:moveTo>
+              <a:lnTo>
+                <a:pt x="961554" y="6771"/>
+              </a:lnTo>
+            </a:path>
+          </a:pathLst>
+        </a:custGeom>
+        <a:noFill/>
+        <a:ln w="12700" cap="flat" cmpd="sng" algn="ctr">
+          <a:solidFill>
+            <a:schemeClr val="accent2">
+              <a:hueOff val="0"/>
+              <a:satOff val="0"/>
+              <a:lumOff val="0"/>
+              <a:alphaOff val="0"/>
+            </a:schemeClr>
+          </a:solidFill>
+          <a:prstDash val="solid"/>
+          <a:miter lim="800000"/>
+        </a:ln>
+        <a:effectLst/>
+      </dsp:spPr>
+      <dsp:style>
+        <a:lnRef idx="2">
+          <a:scrgbClr r="0" g="0" b="0"/>
+        </a:lnRef>
+        <a:fillRef idx="0">
+          <a:scrgbClr r="0" g="0" b="0"/>
+        </a:fillRef>
+        <a:effectRef idx="0">
+          <a:scrgbClr r="0" g="0" b="0"/>
+        </a:effectRef>
+        <a:fontRef idx="minor"/>
+      </dsp:style>
+      <dsp:txBody>
+        <a:bodyPr spcFirstLastPara="0" vert="horz" wrap="square" lIns="12700" tIns="0" rIns="12700" bIns="0" numCol="1" spcCol="1270" anchor="ctr" anchorCtr="0">
+          <a:noAutofit/>
+        </a:bodyPr>
+        <a:lstStyle/>
+        <a:p>
+          <a:pPr marL="0" lvl="0" indent="0" algn="ctr" defTabSz="222250">
+            <a:lnSpc>
+              <a:spcPct val="90000"/>
+            </a:lnSpc>
+            <a:spcBef>
+              <a:spcPct val="0"/>
+            </a:spcBef>
+            <a:spcAft>
+              <a:spcPct val="35000"/>
+            </a:spcAft>
+            <a:buNone/>
+          </a:pPr>
+          <a:endParaRPr lang="en-US" sz="500" kern="1200"/>
+        </a:p>
+      </dsp:txBody>
+      <dsp:txXfrm>
+        <a:off x="7381730" y="2111804"/>
+        <a:ext cx="48077" cy="48077"/>
+      </dsp:txXfrm>
+    </dsp:sp>
+    <dsp:sp modelId="{E411769E-000D-4F4D-911B-4E096B5C99BC}">
+      <dsp:nvSpPr>
+        <dsp:cNvPr id="0" name=""/>
+        <dsp:cNvSpPr/>
+      </dsp:nvSpPr>
+      <dsp:spPr>
+        <a:xfrm>
+          <a:off x="7646056" y="1391812"/>
+          <a:ext cx="1371709" cy="655214"/>
+        </a:xfrm>
+        <a:prstGeom prst="roundRect">
+          <a:avLst>
+            <a:gd name="adj" fmla="val 10000"/>
+          </a:avLst>
+        </a:prstGeom>
+        <a:solidFill>
+          <a:srgbClr val="7030A0"/>
+        </a:solidFill>
+        <a:ln w="12700" cap="flat" cmpd="sng" algn="ctr">
+          <a:solidFill>
+            <a:schemeClr val="lt1">
+              <a:hueOff val="0"/>
+              <a:satOff val="0"/>
+              <a:lumOff val="0"/>
+              <a:alphaOff val="0"/>
+            </a:schemeClr>
+          </a:solidFill>
+          <a:prstDash val="solid"/>
+          <a:miter lim="800000"/>
+        </a:ln>
+        <a:effectLst/>
+      </dsp:spPr>
+      <dsp:style>
+        <a:lnRef idx="2">
+          <a:scrgbClr r="0" g="0" b="0"/>
+        </a:lnRef>
+        <a:fillRef idx="1">
+          <a:scrgbClr r="0" g="0" b="0"/>
+        </a:fillRef>
+        <a:effectRef idx="0">
+          <a:scrgbClr r="0" g="0" b="0"/>
+        </a:effectRef>
+        <a:fontRef idx="minor">
+          <a:schemeClr val="lt1"/>
+        </a:fontRef>
+      </dsp:style>
+      <dsp:txBody>
+        <a:bodyPr spcFirstLastPara="0" vert="horz" wrap="square" lIns="25400" tIns="25400" rIns="25400" bIns="25400" numCol="1" spcCol="1270" anchor="ctr" anchorCtr="0">
+          <a:noAutofit/>
+        </a:bodyPr>
+        <a:lstStyle/>
+        <a:p>
+          <a:pPr marL="0" lvl="0" indent="0" algn="ctr" defTabSz="1778000" rtl="0">
+            <a:lnSpc>
+              <a:spcPct val="90000"/>
+            </a:lnSpc>
+            <a:spcBef>
+              <a:spcPct val="0"/>
+            </a:spcBef>
+            <a:spcAft>
+              <a:spcPct val="35000"/>
+            </a:spcAft>
+            <a:buNone/>
+          </a:pPr>
+          <a:r>
+            <a:rPr lang="en-US" sz="4000" b="0" kern="1200" dirty="0"/>
+            <a:t>Turf</a:t>
+          </a:r>
+        </a:p>
+      </dsp:txBody>
+      <dsp:txXfrm>
+        <a:off x="7665247" y="1411003"/>
+        <a:ext cx="1333327" cy="616832"/>
+      </dsp:txXfrm>
+    </dsp:sp>
+    <dsp:sp modelId="{C532C6FF-ABE8-294B-A55E-01D0FF116705}">
+      <dsp:nvSpPr>
+        <dsp:cNvPr id="0" name=""/>
+        <dsp:cNvSpPr/>
+      </dsp:nvSpPr>
+      <dsp:spPr>
+        <a:xfrm rot="968576">
+          <a:off x="7157258" y="2603482"/>
+          <a:ext cx="417119" cy="13543"/>
+        </a:xfrm>
+        <a:custGeom>
+          <a:avLst/>
+          <a:gdLst/>
+          <a:ahLst/>
+          <a:cxnLst/>
+          <a:rect l="0" t="0" r="0" b="0"/>
+          <a:pathLst>
+            <a:path>
+              <a:moveTo>
+                <a:pt x="0" y="6771"/>
+              </a:moveTo>
+              <a:lnTo>
+                <a:pt x="417119" y="6771"/>
+              </a:lnTo>
+            </a:path>
+          </a:pathLst>
+        </a:custGeom>
+        <a:noFill/>
+        <a:ln w="12700" cap="flat" cmpd="sng" algn="ctr">
+          <a:solidFill>
+            <a:schemeClr val="accent2">
+              <a:hueOff val="0"/>
+              <a:satOff val="0"/>
+              <a:lumOff val="0"/>
+              <a:alphaOff val="0"/>
+            </a:schemeClr>
+          </a:solidFill>
+          <a:prstDash val="solid"/>
+          <a:miter lim="800000"/>
+        </a:ln>
+        <a:effectLst/>
+      </dsp:spPr>
+      <dsp:style>
+        <a:lnRef idx="2">
+          <a:scrgbClr r="0" g="0" b="0"/>
+        </a:lnRef>
+        <a:fillRef idx="0">
+          <a:scrgbClr r="0" g="0" b="0"/>
+        </a:fillRef>
+        <a:effectRef idx="0">
+          <a:scrgbClr r="0" g="0" b="0"/>
+        </a:effectRef>
+        <a:fontRef idx="minor"/>
+      </dsp:style>
+      <dsp:txBody>
+        <a:bodyPr spcFirstLastPara="0" vert="horz" wrap="square" lIns="12700" tIns="0" rIns="12700" bIns="0" numCol="1" spcCol="1270" anchor="ctr" anchorCtr="0">
+          <a:noAutofit/>
+        </a:bodyPr>
+        <a:lstStyle/>
+        <a:p>
+          <a:pPr marL="0" lvl="0" indent="0" algn="ctr" defTabSz="222250">
+            <a:lnSpc>
+              <a:spcPct val="90000"/>
+            </a:lnSpc>
+            <a:spcBef>
+              <a:spcPct val="0"/>
+            </a:spcBef>
+            <a:spcAft>
+              <a:spcPct val="35000"/>
+            </a:spcAft>
+            <a:buNone/>
+          </a:pPr>
+          <a:endParaRPr lang="en-US" sz="500" kern="1200"/>
+        </a:p>
+      </dsp:txBody>
+      <dsp:txXfrm>
+        <a:off x="7355389" y="2599826"/>
+        <a:ext cx="20855" cy="20855"/>
+      </dsp:txXfrm>
+    </dsp:sp>
+    <dsp:sp modelId="{9FF4AC75-22F6-884B-9682-7B32F4B830C2}">
+      <dsp:nvSpPr>
+        <dsp:cNvPr id="0" name=""/>
+        <dsp:cNvSpPr/>
+      </dsp:nvSpPr>
+      <dsp:spPr>
+        <a:xfrm>
+          <a:off x="7566154" y="2455221"/>
+          <a:ext cx="1668264" cy="426038"/>
+        </a:xfrm>
+        <a:prstGeom prst="roundRect">
+          <a:avLst>
+            <a:gd name="adj" fmla="val 10000"/>
+          </a:avLst>
+        </a:prstGeom>
+        <a:solidFill>
+          <a:srgbClr val="7030A0"/>
+        </a:solidFill>
+        <a:ln w="12700" cap="flat" cmpd="sng" algn="ctr">
+          <a:solidFill>
+            <a:schemeClr val="lt1">
+              <a:hueOff val="0"/>
+              <a:satOff val="0"/>
+              <a:lumOff val="0"/>
+              <a:alphaOff val="0"/>
+            </a:schemeClr>
+          </a:solidFill>
+          <a:prstDash val="solid"/>
+          <a:miter lim="800000"/>
+        </a:ln>
+        <a:effectLst/>
+      </dsp:spPr>
+      <dsp:style>
+        <a:lnRef idx="2">
+          <a:scrgbClr r="0" g="0" b="0"/>
+        </a:lnRef>
+        <a:fillRef idx="1">
+          <a:scrgbClr r="0" g="0" b="0"/>
+        </a:fillRef>
+        <a:effectRef idx="0">
+          <a:scrgbClr r="0" g="0" b="0"/>
+        </a:effectRef>
+        <a:fontRef idx="minor">
+          <a:schemeClr val="lt1"/>
+        </a:fontRef>
+      </dsp:style>
+      <dsp:txBody>
+        <a:bodyPr spcFirstLastPara="0" vert="horz" wrap="square" lIns="20320" tIns="20320" rIns="20320" bIns="20320" numCol="1" spcCol="1270" anchor="ctr" anchorCtr="0">
+          <a:noAutofit/>
+        </a:bodyPr>
+        <a:lstStyle/>
+        <a:p>
+          <a:pPr marL="0" lvl="0" indent="0" algn="ctr" defTabSz="1422400" rtl="0">
+            <a:lnSpc>
+              <a:spcPct val="90000"/>
+            </a:lnSpc>
+            <a:spcBef>
+              <a:spcPct val="0"/>
+            </a:spcBef>
+            <a:spcAft>
+              <a:spcPct val="35000"/>
+            </a:spcAft>
+            <a:buNone/>
+          </a:pPr>
+          <a:r>
+            <a:rPr lang="en-US" sz="3200" b="0" kern="1200" dirty="0" err="1"/>
+            <a:t>Mapbox</a:t>
+          </a:r>
+          <a:r>
+            <a:rPr lang="en-US" sz="3200" b="1" kern="1200" dirty="0"/>
+            <a:t> </a:t>
+          </a:r>
+        </a:p>
+      </dsp:txBody>
+      <dsp:txXfrm>
+        <a:off x="7578632" y="2467699"/>
+        <a:ext cx="1643308" cy="401082"/>
+      </dsp:txXfrm>
+    </dsp:sp>
+    <dsp:sp modelId="{1F72CDFE-37E1-624B-8971-E1C417F0FC27}">
+      <dsp:nvSpPr>
+        <dsp:cNvPr id="0" name=""/>
+        <dsp:cNvSpPr/>
+      </dsp:nvSpPr>
+      <dsp:spPr>
+        <a:xfrm rot="4523683">
+          <a:off x="6614053" y="3259028"/>
+          <a:ext cx="1474719" cy="13543"/>
+        </a:xfrm>
+        <a:custGeom>
+          <a:avLst/>
+          <a:gdLst/>
+          <a:ahLst/>
+          <a:cxnLst/>
+          <a:rect l="0" t="0" r="0" b="0"/>
+          <a:pathLst>
+            <a:path>
+              <a:moveTo>
+                <a:pt x="0" y="6771"/>
+              </a:moveTo>
+              <a:lnTo>
+                <a:pt x="1474719" y="6771"/>
+              </a:lnTo>
+            </a:path>
+          </a:pathLst>
+        </a:custGeom>
+        <a:noFill/>
+        <a:ln w="12700" cap="flat" cmpd="sng" algn="ctr">
+          <a:solidFill>
+            <a:schemeClr val="accent2">
+              <a:hueOff val="0"/>
+              <a:satOff val="0"/>
+              <a:lumOff val="0"/>
+              <a:alphaOff val="0"/>
+            </a:schemeClr>
+          </a:solidFill>
+          <a:prstDash val="solid"/>
+          <a:miter lim="800000"/>
+        </a:ln>
+        <a:effectLst/>
+      </dsp:spPr>
+      <dsp:style>
+        <a:lnRef idx="2">
+          <a:scrgbClr r="0" g="0" b="0"/>
+        </a:lnRef>
+        <a:fillRef idx="0">
+          <a:scrgbClr r="0" g="0" b="0"/>
+        </a:fillRef>
+        <a:effectRef idx="0">
+          <a:scrgbClr r="0" g="0" b="0"/>
+        </a:effectRef>
+        <a:fontRef idx="minor"/>
+      </dsp:style>
+      <dsp:txBody>
+        <a:bodyPr spcFirstLastPara="0" vert="horz" wrap="square" lIns="12700" tIns="0" rIns="12700" bIns="0" numCol="1" spcCol="1270" anchor="ctr" anchorCtr="0">
+          <a:noAutofit/>
+        </a:bodyPr>
+        <a:lstStyle/>
+        <a:p>
+          <a:pPr marL="0" lvl="0" indent="0" algn="ctr" defTabSz="222250">
+            <a:lnSpc>
+              <a:spcPct val="90000"/>
+            </a:lnSpc>
+            <a:spcBef>
+              <a:spcPct val="0"/>
+            </a:spcBef>
+            <a:spcAft>
+              <a:spcPct val="35000"/>
+            </a:spcAft>
+            <a:buNone/>
+          </a:pPr>
+          <a:endParaRPr lang="en-US" sz="500" kern="1200"/>
+        </a:p>
+      </dsp:txBody>
+      <dsp:txXfrm>
+        <a:off x="7314544" y="3228932"/>
+        <a:ext cx="73735" cy="73735"/>
+      </dsp:txXfrm>
+    </dsp:sp>
+    <dsp:sp modelId="{69C36B2A-5EB5-BA4D-B4C9-BA188B7D6C24}">
+      <dsp:nvSpPr>
+        <dsp:cNvPr id="0" name=""/>
+        <dsp:cNvSpPr/>
+      </dsp:nvSpPr>
+      <dsp:spPr>
+        <a:xfrm>
+          <a:off x="7537344" y="3681001"/>
+          <a:ext cx="1663729" cy="596662"/>
+        </a:xfrm>
+        <a:prstGeom prst="roundRect">
+          <a:avLst>
+            <a:gd name="adj" fmla="val 10000"/>
+          </a:avLst>
+        </a:prstGeom>
+        <a:solidFill>
+          <a:srgbClr val="7030A0"/>
+        </a:solidFill>
+        <a:ln w="12700" cap="flat" cmpd="sng" algn="ctr">
+          <a:solidFill>
+            <a:schemeClr val="lt1">
+              <a:hueOff val="0"/>
+              <a:satOff val="0"/>
+              <a:lumOff val="0"/>
+              <a:alphaOff val="0"/>
+            </a:schemeClr>
+          </a:solidFill>
+          <a:prstDash val="solid"/>
+          <a:miter lim="800000"/>
+        </a:ln>
+        <a:effectLst/>
+      </dsp:spPr>
+      <dsp:style>
+        <a:lnRef idx="2">
+          <a:scrgbClr r="0" g="0" b="0"/>
+        </a:lnRef>
+        <a:fillRef idx="1">
+          <a:scrgbClr r="0" g="0" b="0"/>
+        </a:fillRef>
+        <a:effectRef idx="0">
+          <a:scrgbClr r="0" g="0" b="0"/>
+        </a:effectRef>
+        <a:fontRef idx="minor">
+          <a:schemeClr val="lt1"/>
+        </a:fontRef>
+      </dsp:style>
+      <dsp:txBody>
+        <a:bodyPr spcFirstLastPara="0" vert="horz" wrap="square" lIns="22860" tIns="22860" rIns="22860" bIns="22860" numCol="1" spcCol="1270" anchor="ctr" anchorCtr="0">
+          <a:noAutofit/>
+        </a:bodyPr>
+        <a:lstStyle/>
+        <a:p>
+          <a:pPr marL="0" lvl="0" indent="0" algn="ctr" defTabSz="1600200" rtl="0">
+            <a:lnSpc>
+              <a:spcPct val="90000"/>
+            </a:lnSpc>
+            <a:spcBef>
+              <a:spcPct val="0"/>
+            </a:spcBef>
+            <a:spcAft>
+              <a:spcPct val="35000"/>
+            </a:spcAft>
+            <a:buNone/>
+          </a:pPr>
+          <a:r>
+            <a:rPr lang="en-US" sz="3600" b="0" kern="1200" dirty="0"/>
+            <a:t>Folium</a:t>
+          </a:r>
+        </a:p>
+      </dsp:txBody>
+      <dsp:txXfrm>
+        <a:off x="7554820" y="3698477"/>
+        <a:ext cx="1628777" cy="561710"/>
+      </dsp:txXfrm>
+    </dsp:sp>
+    <dsp:sp modelId="{7673BD98-8BAE-2943-8F63-42B7DE997276}">
+      <dsp:nvSpPr>
+        <dsp:cNvPr id="0" name=""/>
+        <dsp:cNvSpPr/>
+      </dsp:nvSpPr>
+      <dsp:spPr>
+        <a:xfrm rot="16887093">
+          <a:off x="8619954" y="3261919"/>
+          <a:ext cx="1450151" cy="13543"/>
+        </a:xfrm>
+        <a:custGeom>
+          <a:avLst/>
+          <a:gdLst/>
+          <a:ahLst/>
+          <a:cxnLst/>
+          <a:rect l="0" t="0" r="0" b="0"/>
+          <a:pathLst>
+            <a:path>
+              <a:moveTo>
+                <a:pt x="0" y="6771"/>
+              </a:moveTo>
+              <a:lnTo>
+                <a:pt x="1450151" y="6771"/>
+              </a:lnTo>
+            </a:path>
+          </a:pathLst>
+        </a:custGeom>
+        <a:noFill/>
+        <a:ln w="12700" cap="flat" cmpd="sng" algn="ctr">
+          <a:solidFill>
+            <a:schemeClr val="accent2">
+              <a:hueOff val="0"/>
+              <a:satOff val="0"/>
+              <a:lumOff val="0"/>
+              <a:alphaOff val="0"/>
+            </a:schemeClr>
+          </a:solidFill>
+          <a:prstDash val="solid"/>
+          <a:miter lim="800000"/>
+        </a:ln>
+        <a:effectLst/>
+      </dsp:spPr>
+      <dsp:style>
+        <a:lnRef idx="2">
+          <a:scrgbClr r="0" g="0" b="0"/>
+        </a:lnRef>
+        <a:fillRef idx="0">
+          <a:scrgbClr r="0" g="0" b="0"/>
+        </a:fillRef>
+        <a:effectRef idx="0">
+          <a:scrgbClr r="0" g="0" b="0"/>
+        </a:effectRef>
+        <a:fontRef idx="minor"/>
+      </dsp:style>
+      <dsp:txBody>
+        <a:bodyPr spcFirstLastPara="0" vert="horz" wrap="square" lIns="12700" tIns="0" rIns="12700" bIns="0" numCol="1" spcCol="1270" anchor="ctr" anchorCtr="0">
+          <a:noAutofit/>
+        </a:bodyPr>
+        <a:lstStyle/>
+        <a:p>
+          <a:pPr marL="0" lvl="0" indent="0" algn="ctr" defTabSz="222250" rtl="0">
+            <a:lnSpc>
+              <a:spcPct val="90000"/>
+            </a:lnSpc>
+            <a:spcBef>
+              <a:spcPct val="0"/>
+            </a:spcBef>
+            <a:spcAft>
+              <a:spcPct val="35000"/>
+            </a:spcAft>
+            <a:buNone/>
+          </a:pPr>
+          <a:endParaRPr lang="en-US" sz="500" kern="1200"/>
+        </a:p>
+      </dsp:txBody>
+      <dsp:txXfrm>
+        <a:off x="9308775" y="3232437"/>
+        <a:ext cx="72507" cy="72507"/>
+      </dsp:txXfrm>
+    </dsp:sp>
+    <dsp:sp modelId="{4AB21A52-8C49-224D-A745-E08E02775B79}">
+      <dsp:nvSpPr>
+        <dsp:cNvPr id="0" name=""/>
+        <dsp:cNvSpPr/>
+      </dsp:nvSpPr>
+      <dsp:spPr>
+        <a:xfrm>
+          <a:off x="9488985" y="1920270"/>
+          <a:ext cx="1243074" cy="1275558"/>
+        </a:xfrm>
+        <a:prstGeom prst="octagon">
+          <a:avLst/>
+        </a:prstGeom>
+        <a:solidFill>
+          <a:schemeClr val="bg1">
+            <a:lumMod val="85000"/>
+          </a:schemeClr>
+        </a:solidFill>
+        <a:ln w="38100" cap="flat" cmpd="sng" algn="ctr">
+          <a:solidFill>
+            <a:scrgbClr r="0" g="0" b="0"/>
+          </a:solidFill>
+          <a:prstDash val="solid"/>
+          <a:miter lim="800000"/>
+        </a:ln>
+        <a:effectLst/>
+      </dsp:spPr>
+      <dsp:style>
+        <a:lnRef idx="2">
+          <a:scrgbClr r="0" g="0" b="0"/>
+        </a:lnRef>
+        <a:fillRef idx="1">
+          <a:scrgbClr r="0" g="0" b="0"/>
+        </a:fillRef>
+        <a:effectRef idx="0">
+          <a:scrgbClr r="0" g="0" b="0"/>
+        </a:effectRef>
+        <a:fontRef idx="minor">
+          <a:schemeClr val="lt1"/>
+        </a:fontRef>
+      </dsp:style>
+      <dsp:txBody>
+        <a:bodyPr spcFirstLastPara="0" vert="horz" wrap="square" lIns="12700" tIns="12700" rIns="12700" bIns="12700" numCol="1" spcCol="1270" anchor="ctr" anchorCtr="0">
+          <a:noAutofit/>
+        </a:bodyPr>
+        <a:lstStyle/>
+        <a:p>
+          <a:pPr marL="0" lvl="0" indent="0" algn="ctr" defTabSz="889000">
+            <a:lnSpc>
+              <a:spcPct val="90000"/>
+            </a:lnSpc>
+            <a:spcBef>
+              <a:spcPct val="0"/>
+            </a:spcBef>
+            <a:spcAft>
+              <a:spcPct val="35000"/>
+            </a:spcAft>
+            <a:buNone/>
+          </a:pPr>
+          <a:r>
+            <a:rPr lang="en-US" sz="2000" b="1" kern="1200" dirty="0">
+              <a:solidFill>
+                <a:schemeClr val="tx1"/>
+              </a:solidFill>
+            </a:rPr>
+            <a:t>Load Testing</a:t>
+          </a:r>
+        </a:p>
+      </dsp:txBody>
+      <dsp:txXfrm>
+        <a:off x="9671027" y="2102312"/>
+        <a:ext cx="878990" cy="911474"/>
+      </dsp:txXfrm>
+    </dsp:sp>
+    <dsp:sp modelId="{36867215-562D-F64F-A6A6-A63DC7119D37}">
+      <dsp:nvSpPr>
+        <dsp:cNvPr id="0" name=""/>
+        <dsp:cNvSpPr/>
+      </dsp:nvSpPr>
+      <dsp:spPr>
+        <a:xfrm rot="21438407">
+          <a:off x="10731929" y="2545711"/>
+          <a:ext cx="236937" cy="13543"/>
+        </a:xfrm>
+        <a:custGeom>
+          <a:avLst/>
+          <a:gdLst/>
+          <a:ahLst/>
+          <a:cxnLst/>
+          <a:rect l="0" t="0" r="0" b="0"/>
+          <a:pathLst>
+            <a:path>
+              <a:moveTo>
+                <a:pt x="0" y="6771"/>
+              </a:moveTo>
+              <a:lnTo>
+                <a:pt x="236937" y="6771"/>
+              </a:lnTo>
+            </a:path>
+          </a:pathLst>
+        </a:custGeom>
+        <a:noFill/>
+        <a:ln w="12700" cap="flat" cmpd="sng" algn="ctr">
+          <a:solidFill>
+            <a:schemeClr val="accent2">
+              <a:hueOff val="0"/>
+              <a:satOff val="0"/>
+              <a:lumOff val="0"/>
+              <a:alphaOff val="0"/>
+            </a:schemeClr>
+          </a:solidFill>
+          <a:prstDash val="solid"/>
+          <a:miter lim="800000"/>
+        </a:ln>
+        <a:effectLst/>
+      </dsp:spPr>
+      <dsp:style>
+        <a:lnRef idx="2">
+          <a:scrgbClr r="0" g="0" b="0"/>
+        </a:lnRef>
+        <a:fillRef idx="0">
+          <a:scrgbClr r="0" g="0" b="0"/>
+        </a:fillRef>
+        <a:effectRef idx="0">
+          <a:scrgbClr r="0" g="0" b="0"/>
+        </a:effectRef>
+        <a:fontRef idx="minor"/>
+      </dsp:style>
+      <dsp:txBody>
+        <a:bodyPr spcFirstLastPara="0" vert="horz" wrap="square" lIns="12700" tIns="0" rIns="12700" bIns="0" numCol="1" spcCol="1270" anchor="ctr" anchorCtr="0">
+          <a:noAutofit/>
+        </a:bodyPr>
+        <a:lstStyle/>
+        <a:p>
+          <a:pPr marL="0" lvl="0" indent="0" algn="ctr" defTabSz="222250">
+            <a:lnSpc>
+              <a:spcPct val="90000"/>
+            </a:lnSpc>
+            <a:spcBef>
+              <a:spcPct val="0"/>
+            </a:spcBef>
+            <a:spcAft>
+              <a:spcPct val="35000"/>
+            </a:spcAft>
+            <a:buNone/>
+          </a:pPr>
+          <a:endParaRPr lang="en-US" sz="500" kern="1200"/>
+        </a:p>
+      </dsp:txBody>
+      <dsp:txXfrm>
+        <a:off x="10844474" y="2546560"/>
+        <a:ext cx="11846" cy="11846"/>
+      </dsp:txXfrm>
+    </dsp:sp>
+    <dsp:sp modelId="{0455FC06-48E3-F743-9D1B-B9B197D78300}">
+      <dsp:nvSpPr>
+        <dsp:cNvPr id="0" name=""/>
+        <dsp:cNvSpPr/>
+      </dsp:nvSpPr>
+      <dsp:spPr>
+        <a:xfrm>
+          <a:off x="10968736" y="1879212"/>
+          <a:ext cx="1218632" cy="1335408"/>
+        </a:xfrm>
+        <a:prstGeom prst="ellipse">
+          <a:avLst/>
+        </a:prstGeom>
+        <a:solidFill>
+          <a:srgbClr val="FFFF00"/>
+        </a:solidFill>
+        <a:ln w="12700" cap="flat" cmpd="sng" algn="ctr">
+          <a:solidFill>
+            <a:schemeClr val="lt1">
+              <a:hueOff val="0"/>
+              <a:satOff val="0"/>
+              <a:lumOff val="0"/>
+              <a:alphaOff val="0"/>
+            </a:schemeClr>
+          </a:solidFill>
+          <a:prstDash val="solid"/>
+          <a:miter lim="800000"/>
+        </a:ln>
+        <a:effectLst/>
+      </dsp:spPr>
+      <dsp:style>
+        <a:lnRef idx="2">
+          <a:scrgbClr r="0" g="0" b="0"/>
+        </a:lnRef>
+        <a:fillRef idx="1">
+          <a:scrgbClr r="0" g="0" b="0"/>
+        </a:fillRef>
+        <a:effectRef idx="0">
+          <a:scrgbClr r="0" g="0" b="0"/>
+        </a:effectRef>
+        <a:fontRef idx="minor">
+          <a:schemeClr val="lt1"/>
+        </a:fontRef>
+      </dsp:style>
+      <dsp:txBody>
+        <a:bodyPr spcFirstLastPara="0" vert="horz" wrap="square" lIns="11430" tIns="11430" rIns="11430" bIns="11430" numCol="1" spcCol="1270" anchor="ctr" anchorCtr="0">
+          <a:noAutofit/>
+        </a:bodyPr>
+        <a:lstStyle/>
+        <a:p>
+          <a:pPr marL="0" lvl="0" indent="0" algn="ctr" defTabSz="800100" rtl="0">
+            <a:lnSpc>
+              <a:spcPct val="90000"/>
+            </a:lnSpc>
+            <a:spcBef>
+              <a:spcPct val="0"/>
+            </a:spcBef>
+            <a:spcAft>
+              <a:spcPct val="35000"/>
+            </a:spcAft>
+            <a:buNone/>
+          </a:pPr>
+          <a:r>
+            <a:rPr lang="en-US" sz="1800" b="1" kern="1200" dirty="0">
+              <a:solidFill>
+                <a:schemeClr val="tx1"/>
+              </a:solidFill>
+            </a:rPr>
+            <a:t>Optimal Map</a:t>
+          </a:r>
+        </a:p>
+      </dsp:txBody>
+      <dsp:txXfrm>
+        <a:off x="11147201" y="2074778"/>
+        <a:ext cx="861702" cy="944276"/>
+      </dsp:txXfrm>
+    </dsp:sp>
+    <dsp:sp modelId="{B6E977DD-B088-164C-B3A0-4C6443D6BE63}">
+      <dsp:nvSpPr>
+        <dsp:cNvPr id="0" name=""/>
+        <dsp:cNvSpPr/>
+      </dsp:nvSpPr>
+      <dsp:spPr>
+        <a:xfrm rot="19183320">
+          <a:off x="2327364" y="2811575"/>
+          <a:ext cx="826515" cy="13543"/>
+        </a:xfrm>
+        <a:custGeom>
+          <a:avLst/>
+          <a:gdLst/>
+          <a:ahLst/>
+          <a:cxnLst/>
+          <a:rect l="0" t="0" r="0" b="0"/>
+          <a:pathLst>
+            <a:path>
+              <a:moveTo>
+                <a:pt x="0" y="6771"/>
+              </a:moveTo>
+              <a:lnTo>
+                <a:pt x="826515" y="6771"/>
+              </a:lnTo>
+            </a:path>
+          </a:pathLst>
+        </a:custGeom>
+        <a:noFill/>
+        <a:ln w="12700" cap="flat" cmpd="sng" algn="ctr">
+          <a:solidFill>
+            <a:schemeClr val="accent1">
+              <a:hueOff val="0"/>
+              <a:satOff val="0"/>
+              <a:lumOff val="0"/>
+              <a:alphaOff val="0"/>
+            </a:schemeClr>
+          </a:solidFill>
+          <a:prstDash val="solid"/>
+          <a:miter lim="800000"/>
+        </a:ln>
+        <a:effectLst/>
+      </dsp:spPr>
+      <dsp:style>
+        <a:lnRef idx="2">
+          <a:scrgbClr r="0" g="0" b="0"/>
+        </a:lnRef>
+        <a:fillRef idx="0">
+          <a:scrgbClr r="0" g="0" b="0"/>
+        </a:fillRef>
+        <a:effectRef idx="0">
+          <a:scrgbClr r="0" g="0" b="0"/>
+        </a:effectRef>
+        <a:fontRef idx="minor"/>
+      </dsp:style>
+      <dsp:txBody>
+        <a:bodyPr spcFirstLastPara="0" vert="horz" wrap="square" lIns="12700" tIns="0" rIns="12700" bIns="0" numCol="1" spcCol="1270" anchor="ctr" anchorCtr="0">
+          <a:noAutofit/>
+        </a:bodyPr>
+        <a:lstStyle/>
+        <a:p>
+          <a:pPr marL="0" lvl="0" indent="0" algn="ctr" defTabSz="222250" rtl="0">
+            <a:lnSpc>
+              <a:spcPct val="90000"/>
+            </a:lnSpc>
+            <a:spcBef>
+              <a:spcPct val="0"/>
+            </a:spcBef>
+            <a:spcAft>
+              <a:spcPct val="35000"/>
+            </a:spcAft>
+            <a:buNone/>
+          </a:pPr>
+          <a:endParaRPr lang="en-US" sz="500" kern="1200"/>
+        </a:p>
+      </dsp:txBody>
+      <dsp:txXfrm>
+        <a:off x="2719959" y="2797684"/>
+        <a:ext cx="41325" cy="41325"/>
+      </dsp:txXfrm>
+    </dsp:sp>
+    <dsp:sp modelId="{699F30E1-FCEF-9149-B8AB-23EE2AACA971}">
+      <dsp:nvSpPr>
+        <dsp:cNvPr id="0" name=""/>
+        <dsp:cNvSpPr/>
+      </dsp:nvSpPr>
+      <dsp:spPr>
+        <a:xfrm>
+          <a:off x="3055903" y="2216861"/>
+          <a:ext cx="2056229" cy="668632"/>
+        </a:xfrm>
+        <a:prstGeom prst="roundRect">
+          <a:avLst>
+            <a:gd name="adj" fmla="val 10000"/>
+          </a:avLst>
+        </a:prstGeom>
+        <a:solidFill>
+          <a:srgbClr val="4E67C8">
+            <a:hueOff val="0"/>
+            <a:satOff val="0"/>
+            <a:lumOff val="0"/>
+            <a:alphaOff val="0"/>
+          </a:srgbClr>
+        </a:solidFill>
+        <a:ln w="12700" cap="flat" cmpd="sng" algn="ctr">
+          <a:solidFill>
+            <a:prstClr val="white">
+              <a:hueOff val="0"/>
+              <a:satOff val="0"/>
+              <a:lumOff val="0"/>
+              <a:alphaOff val="0"/>
+            </a:prstClr>
+          </a:solidFill>
+          <a:prstDash val="solid"/>
+          <a:miter lim="800000"/>
+        </a:ln>
+        <a:effectLst/>
+      </dsp:spPr>
+      <dsp:style>
+        <a:lnRef idx="2">
+          <a:scrgbClr r="0" g="0" b="0"/>
+        </a:lnRef>
+        <a:fillRef idx="1">
+          <a:scrgbClr r="0" g="0" b="0"/>
+        </a:fillRef>
+        <a:effectRef idx="0">
+          <a:scrgbClr r="0" g="0" b="0"/>
+        </a:effectRef>
+        <a:fontRef idx="minor">
+          <a:schemeClr val="lt1"/>
+        </a:fontRef>
+      </dsp:style>
+      <dsp:txBody>
+        <a:bodyPr spcFirstLastPara="0" vert="horz" wrap="square" lIns="20320" tIns="20320" rIns="20320" bIns="20320" numCol="1" spcCol="1270" anchor="ctr" anchorCtr="0">
+          <a:noAutofit/>
+        </a:bodyPr>
+        <a:lstStyle/>
+        <a:p>
+          <a:pPr marL="0" lvl="0" indent="0" algn="ctr" defTabSz="1422400" rtl="0">
+            <a:lnSpc>
+              <a:spcPct val="90000"/>
+            </a:lnSpc>
+            <a:spcBef>
+              <a:spcPct val="0"/>
+            </a:spcBef>
+            <a:spcAft>
+              <a:spcPct val="35000"/>
+            </a:spcAft>
+            <a:buNone/>
+          </a:pPr>
+          <a:r>
+            <a:rPr lang="en-US" sz="3200" b="0" kern="1200" dirty="0">
+              <a:solidFill>
+                <a:prstClr val="white"/>
+              </a:solidFill>
+              <a:latin typeface="Calibri" panose="020F0502020204030204"/>
+              <a:ea typeface="+mn-ea"/>
+              <a:cs typeface="+mn-cs"/>
+            </a:rPr>
+            <a:t>INLA</a:t>
+          </a:r>
+        </a:p>
+      </dsp:txBody>
+      <dsp:txXfrm>
+        <a:off x="3075487" y="2236445"/>
+        <a:ext cx="2017061" cy="629464"/>
+      </dsp:txXfrm>
+    </dsp:sp>
+    <dsp:sp modelId="{41836E75-2D7D-6E44-BA8A-8497577DC49C}">
+      <dsp:nvSpPr>
+        <dsp:cNvPr id="0" name=""/>
+        <dsp:cNvSpPr/>
+      </dsp:nvSpPr>
+      <dsp:spPr>
+        <a:xfrm rot="1793673">
+          <a:off x="2371999" y="3278554"/>
+          <a:ext cx="801794" cy="13543"/>
+        </a:xfrm>
+        <a:custGeom>
+          <a:avLst/>
+          <a:gdLst/>
+          <a:ahLst/>
+          <a:cxnLst/>
+          <a:rect l="0" t="0" r="0" b="0"/>
+          <a:pathLst>
+            <a:path>
+              <a:moveTo>
+                <a:pt x="0" y="6771"/>
+              </a:moveTo>
+              <a:lnTo>
+                <a:pt x="801794" y="6771"/>
+              </a:lnTo>
+            </a:path>
+          </a:pathLst>
+        </a:custGeom>
+        <a:noFill/>
+        <a:ln w="12700" cap="flat" cmpd="sng" algn="ctr">
+          <a:solidFill>
+            <a:schemeClr val="accent1">
+              <a:hueOff val="0"/>
+              <a:satOff val="0"/>
+              <a:lumOff val="0"/>
+              <a:alphaOff val="0"/>
+            </a:schemeClr>
+          </a:solidFill>
+          <a:prstDash val="solid"/>
+          <a:miter lim="800000"/>
+        </a:ln>
+        <a:effectLst/>
+      </dsp:spPr>
+      <dsp:style>
+        <a:lnRef idx="2">
+          <a:scrgbClr r="0" g="0" b="0"/>
+        </a:lnRef>
+        <a:fillRef idx="0">
+          <a:scrgbClr r="0" g="0" b="0"/>
+        </a:fillRef>
+        <a:effectRef idx="0">
+          <a:scrgbClr r="0" g="0" b="0"/>
+        </a:effectRef>
+        <a:fontRef idx="minor"/>
+      </dsp:style>
+      <dsp:txBody>
+        <a:bodyPr spcFirstLastPara="0" vert="horz" wrap="square" lIns="12700" tIns="0" rIns="12700" bIns="0" numCol="1" spcCol="1270" anchor="ctr" anchorCtr="0">
+          <a:noAutofit/>
+        </a:bodyPr>
+        <a:lstStyle/>
+        <a:p>
+          <a:pPr marL="0" lvl="0" indent="0" algn="ctr" defTabSz="222250">
+            <a:lnSpc>
+              <a:spcPct val="90000"/>
+            </a:lnSpc>
+            <a:spcBef>
+              <a:spcPct val="0"/>
+            </a:spcBef>
+            <a:spcAft>
+              <a:spcPct val="35000"/>
+            </a:spcAft>
+            <a:buNone/>
+          </a:pPr>
+          <a:endParaRPr lang="en-US" sz="500" kern="1200"/>
+        </a:p>
+      </dsp:txBody>
+      <dsp:txXfrm>
+        <a:off x="2752851" y="3265281"/>
+        <a:ext cx="40089" cy="40089"/>
+      </dsp:txXfrm>
+    </dsp:sp>
+    <dsp:sp modelId="{D389319E-2E1D-2A48-8624-FB91EB3BEB92}">
+      <dsp:nvSpPr>
+        <dsp:cNvPr id="0" name=""/>
+        <dsp:cNvSpPr/>
+      </dsp:nvSpPr>
+      <dsp:spPr>
+        <a:xfrm>
+          <a:off x="3120452" y="3200778"/>
+          <a:ext cx="1924796" cy="568713"/>
+        </a:xfrm>
+        <a:prstGeom prst="roundRect">
+          <a:avLst>
+            <a:gd name="adj" fmla="val 10000"/>
+          </a:avLst>
+        </a:prstGeom>
+        <a:solidFill>
+          <a:srgbClr val="4E67C8">
+            <a:hueOff val="0"/>
+            <a:satOff val="0"/>
+            <a:lumOff val="0"/>
+            <a:alphaOff val="0"/>
+          </a:srgbClr>
+        </a:solidFill>
+        <a:ln w="12700" cap="flat" cmpd="sng" algn="ctr">
+          <a:solidFill>
+            <a:prstClr val="white">
+              <a:hueOff val="0"/>
+              <a:satOff val="0"/>
+              <a:lumOff val="0"/>
+              <a:alphaOff val="0"/>
+            </a:prstClr>
+          </a:solidFill>
+          <a:prstDash val="solid"/>
+          <a:miter lim="800000"/>
+        </a:ln>
+        <a:effectLst/>
+      </dsp:spPr>
+      <dsp:style>
+        <a:lnRef idx="2">
+          <a:scrgbClr r="0" g="0" b="0"/>
+        </a:lnRef>
+        <a:fillRef idx="1">
+          <a:scrgbClr r="0" g="0" b="0"/>
+        </a:fillRef>
+        <a:effectRef idx="0">
+          <a:scrgbClr r="0" g="0" b="0"/>
+        </a:effectRef>
+        <a:fontRef idx="minor">
+          <a:schemeClr val="lt1"/>
+        </a:fontRef>
+      </dsp:style>
+      <dsp:txBody>
+        <a:bodyPr spcFirstLastPara="0" vert="horz" wrap="square" lIns="20320" tIns="20320" rIns="20320" bIns="20320" numCol="1" spcCol="1270" anchor="ctr" anchorCtr="0">
+          <a:noAutofit/>
+        </a:bodyPr>
+        <a:lstStyle/>
+        <a:p>
+          <a:pPr marL="0" lvl="0" indent="0" algn="ctr" defTabSz="1422400" rtl="0">
+            <a:lnSpc>
+              <a:spcPct val="90000"/>
+            </a:lnSpc>
+            <a:spcBef>
+              <a:spcPct val="0"/>
+            </a:spcBef>
+            <a:spcAft>
+              <a:spcPct val="35000"/>
+            </a:spcAft>
+            <a:buNone/>
+          </a:pPr>
+          <a:r>
+            <a:rPr lang="en-CA" sz="3200" b="0" kern="1200" dirty="0" err="1">
+              <a:solidFill>
+                <a:prstClr val="white"/>
+              </a:solidFill>
+              <a:latin typeface="Calibri" panose="020F0502020204030204"/>
+              <a:ea typeface="+mn-ea"/>
+              <a:cs typeface="+mn-cs"/>
+            </a:rPr>
+            <a:t>GeoPandas</a:t>
+          </a:r>
+          <a:endParaRPr lang="en-US" sz="3200" b="0" kern="1200" dirty="0">
+            <a:solidFill>
+              <a:prstClr val="white"/>
+            </a:solidFill>
+            <a:latin typeface="Calibri" panose="020F0502020204030204"/>
+            <a:ea typeface="+mn-ea"/>
+            <a:cs typeface="+mn-cs"/>
+          </a:endParaRPr>
+        </a:p>
+      </dsp:txBody>
+      <dsp:txXfrm>
+        <a:off x="3137109" y="3217435"/>
+        <a:ext cx="1891482" cy="535399"/>
+      </dsp:txXfrm>
+    </dsp:sp>
+    <dsp:sp modelId="{EBB39D5B-A845-3E49-9249-B5E25DFB0C5C}">
+      <dsp:nvSpPr>
+        <dsp:cNvPr id="0" name=""/>
+        <dsp:cNvSpPr/>
+      </dsp:nvSpPr>
+      <dsp:spPr>
+        <a:xfrm rot="3539067">
+          <a:off x="2014022" y="3805979"/>
+          <a:ext cx="1697108" cy="13543"/>
+        </a:xfrm>
+        <a:custGeom>
+          <a:avLst/>
+          <a:gdLst/>
+          <a:ahLst/>
+          <a:cxnLst/>
+          <a:rect l="0" t="0" r="0" b="0"/>
+          <a:pathLst>
+            <a:path>
+              <a:moveTo>
+                <a:pt x="0" y="6771"/>
+              </a:moveTo>
+              <a:lnTo>
+                <a:pt x="1697108" y="6771"/>
+              </a:lnTo>
+            </a:path>
+          </a:pathLst>
+        </a:custGeom>
+        <a:noFill/>
+        <a:ln w="12700" cap="flat" cmpd="sng" algn="ctr">
+          <a:solidFill>
+            <a:schemeClr val="accent1">
+              <a:hueOff val="0"/>
+              <a:satOff val="0"/>
+              <a:lumOff val="0"/>
+              <a:alphaOff val="0"/>
+            </a:schemeClr>
+          </a:solidFill>
+          <a:prstDash val="solid"/>
+          <a:miter lim="800000"/>
+        </a:ln>
+        <a:effectLst/>
+      </dsp:spPr>
+      <dsp:style>
+        <a:lnRef idx="2">
+          <a:scrgbClr r="0" g="0" b="0"/>
+        </a:lnRef>
+        <a:fillRef idx="0">
+          <a:scrgbClr r="0" g="0" b="0"/>
+        </a:fillRef>
+        <a:effectRef idx="0">
+          <a:scrgbClr r="0" g="0" b="0"/>
+        </a:effectRef>
+        <a:fontRef idx="minor"/>
+      </dsp:style>
+      <dsp:txBody>
+        <a:bodyPr spcFirstLastPara="0" vert="horz" wrap="square" lIns="12700" tIns="0" rIns="12700" bIns="0" numCol="1" spcCol="1270" anchor="ctr" anchorCtr="0">
+          <a:noAutofit/>
+        </a:bodyPr>
+        <a:lstStyle/>
+        <a:p>
+          <a:pPr marL="0" lvl="0" indent="0" algn="ctr" defTabSz="266700">
+            <a:lnSpc>
+              <a:spcPct val="90000"/>
+            </a:lnSpc>
+            <a:spcBef>
+              <a:spcPct val="0"/>
+            </a:spcBef>
+            <a:spcAft>
+              <a:spcPct val="35000"/>
+            </a:spcAft>
+            <a:buNone/>
+          </a:pPr>
+          <a:endParaRPr lang="en-US" sz="600" kern="1200"/>
+        </a:p>
+      </dsp:txBody>
+      <dsp:txXfrm>
+        <a:off x="2820148" y="3770323"/>
+        <a:ext cx="84855" cy="84855"/>
+      </dsp:txXfrm>
+    </dsp:sp>
+    <dsp:sp modelId="{00883208-7FB7-F047-9CAB-883A3974F789}">
+      <dsp:nvSpPr>
+        <dsp:cNvPr id="0" name=""/>
+        <dsp:cNvSpPr/>
+      </dsp:nvSpPr>
+      <dsp:spPr>
+        <a:xfrm>
+          <a:off x="3299811" y="4187476"/>
+          <a:ext cx="1705717" cy="705018"/>
+        </a:xfrm>
+        <a:prstGeom prst="roundRect">
+          <a:avLst>
+            <a:gd name="adj" fmla="val 10000"/>
+          </a:avLst>
+        </a:prstGeom>
+        <a:solidFill>
+          <a:srgbClr val="4E67C8">
+            <a:hueOff val="0"/>
+            <a:satOff val="0"/>
+            <a:lumOff val="0"/>
+            <a:alphaOff val="0"/>
+          </a:srgbClr>
+        </a:solidFill>
+        <a:ln w="12700" cap="flat" cmpd="sng" algn="ctr">
+          <a:solidFill>
+            <a:prstClr val="white">
+              <a:hueOff val="0"/>
+              <a:satOff val="0"/>
+              <a:lumOff val="0"/>
+              <a:alphaOff val="0"/>
+            </a:prstClr>
+          </a:solidFill>
+          <a:prstDash val="solid"/>
+          <a:miter lim="800000"/>
+        </a:ln>
+        <a:effectLst/>
+      </dsp:spPr>
+      <dsp:style>
+        <a:lnRef idx="2">
+          <a:scrgbClr r="0" g="0" b="0"/>
+        </a:lnRef>
+        <a:fillRef idx="1">
+          <a:scrgbClr r="0" g="0" b="0"/>
+        </a:fillRef>
+        <a:effectRef idx="0">
+          <a:scrgbClr r="0" g="0" b="0"/>
+        </a:effectRef>
+        <a:fontRef idx="minor">
+          <a:schemeClr val="lt1"/>
+        </a:fontRef>
+      </dsp:style>
+      <dsp:txBody>
+        <a:bodyPr spcFirstLastPara="0" vert="horz" wrap="square" lIns="20320" tIns="20320" rIns="20320" bIns="20320" numCol="1" spcCol="1270" anchor="ctr" anchorCtr="0">
+          <a:noAutofit/>
+        </a:bodyPr>
+        <a:lstStyle/>
+        <a:p>
+          <a:pPr marL="0" lvl="0" indent="0" algn="ctr" defTabSz="1422400" rtl="0">
+            <a:lnSpc>
+              <a:spcPct val="90000"/>
+            </a:lnSpc>
+            <a:spcBef>
+              <a:spcPct val="0"/>
+            </a:spcBef>
+            <a:spcAft>
+              <a:spcPct val="35000"/>
+            </a:spcAft>
+            <a:buNone/>
+          </a:pPr>
+          <a:r>
+            <a:rPr lang="en-US" sz="3200" b="0" kern="1200" dirty="0">
+              <a:solidFill>
+                <a:prstClr val="white"/>
+              </a:solidFill>
+              <a:latin typeface="Calibri" panose="020F0502020204030204"/>
+              <a:ea typeface="+mn-ea"/>
+              <a:cs typeface="+mn-cs"/>
+            </a:rPr>
+            <a:t>Shapely</a:t>
+          </a:r>
+        </a:p>
+      </dsp:txBody>
+      <dsp:txXfrm>
+        <a:off x="3320460" y="4208125"/>
+        <a:ext cx="1664419" cy="663720"/>
+      </dsp:txXfrm>
+    </dsp:sp>
+  </dsp:spTree>
+</dsp:drawing>
+</file>
+
+<file path=ppt/diagrams/layout1.xml><?xml version="1.0" encoding="utf-8"?>
+<dgm:layoutDef xmlns:dgm="http://schemas.openxmlformats.org/drawingml/2006/diagram" xmlns:a="http://schemas.openxmlformats.org/drawingml/2006/main" uniqueId="urn:microsoft.com/office/officeart/2005/8/layout/hierarchy2">
+  <dgm:title val=""/>
+  <dgm:desc val=""/>
+  <dgm:catLst>
+    <dgm:cat type="hierarchy" pri="5000"/>
+  </dgm:catLst>
+  <dgm:sampData>
+    <dgm:dataModel>
+      <dgm:ptLst>
+        <dgm:pt modelId="0" type="doc"/>
+        <dgm:pt modelId="1">
+          <dgm:prSet phldr="1"/>
+        </dgm:pt>
+        <dgm:pt modelId="2">
+          <dgm:prSet phldr="1"/>
+        </dgm:pt>
+        <dgm:pt modelId="21">
+          <dgm:prSet phldr="1"/>
+        </dgm:pt>
+        <dgm:pt modelId="22">
+          <dgm:prSet phldr="1"/>
+        </dgm:pt>
+        <dgm:pt modelId="3">
+          <dgm:prSet phldr="1"/>
+        </dgm:pt>
+        <dgm:pt modelId="31">
+          <dgm:prSet phldr="1"/>
+        </dgm:pt>
+      </dgm:ptLst>
+      <dgm:cxnLst>
+        <dgm:cxn modelId="4" srcId="0" destId="1" srcOrd="0" destOrd="0"/>
+        <dgm:cxn modelId="5" srcId="1" destId="2" srcOrd="0" destOrd="0"/>
+        <dgm:cxn modelId="6" srcId="1" destId="3" srcOrd="1" destOrd="0"/>
+        <dgm:cxn modelId="23" srcId="2" destId="21" srcOrd="0" destOrd="0"/>
+        <dgm:cxn modelId="24" srcId="2" destId="22" srcOrd="1" destOrd="0"/>
+        <dgm:cxn modelId="33" srcId="3" destId="31" srcOrd="0" destOrd="0"/>
+      </dgm:cxnLst>
+      <dgm:bg/>
+      <dgm:whole/>
+    </dgm:dataModel>
+  </dgm:sampData>
+  <dgm:styleData>
+    <dgm:dataModel>
+      <dgm:ptLst>
+        <dgm:pt modelId="0" type="doc"/>
+        <dgm:pt modelId="1"/>
+        <dgm:pt modelId="11"/>
+        <dgm:pt modelId="12"/>
+      </dgm:ptLst>
+      <dgm:cxnLst>
+        <dgm:cxn modelId="2" srcId="0" destId="1" srcOrd="0" destOrd="0"/>
+        <dgm:cxn modelId="13" srcId="1" destId="11" srcOrd="0" destOrd="0"/>
+        <dgm:cxn modelId="14" srcId="1" destId="12" srcOrd="1" destOrd="0"/>
+      </dgm:cxnLst>
+      <dgm:bg/>
+      <dgm:whole/>
+    </dgm:dataModel>
+  </dgm:styleData>
+  <dgm:clrData>
+    <dgm:dataModel>
+      <dgm:ptLst>
+        <dgm:pt modelId="0" type="doc"/>
+        <dgm:pt modelId="1"/>
+        <dgm:pt modelId="2"/>
+        <dgm:pt modelId="21"/>
+        <dgm:pt modelId="211"/>
+        <dgm:pt modelId="3"/>
+        <dgm:pt modelId="31"/>
+        <dgm:pt modelId="311"/>
+      </dgm:ptLst>
+      <dgm:cxnLst>
+        <dgm:cxn modelId="4" srcId="0" destId="1" srcOrd="0" destOrd="0"/>
+        <dgm:cxn modelId="5" srcId="1" destId="2" srcOrd="0" destOrd="0"/>
+        <dgm:cxn modelId="6" srcId="1" destId="3" srcOrd="1" destOrd="0"/>
+        <dgm:cxn modelId="23" srcId="2" destId="21" srcOrd="0" destOrd="0"/>
+        <dgm:cxn modelId="24" srcId="21" destId="211" srcOrd="0" destOrd="0"/>
+        <dgm:cxn modelId="33" srcId="3" destId="31" srcOrd="0" destOrd="0"/>
+        <dgm:cxn modelId="34" srcId="31" destId="311" srcOrd="0" destOrd="0"/>
+      </dgm:cxnLst>
+      <dgm:bg/>
+      <dgm:whole/>
+    </dgm:dataModel>
+  </dgm:clrData>
+  <dgm:layoutNode name="diagram">
+    <dgm:varLst>
+      <dgm:chPref val="1"/>
+      <dgm:dir/>
+      <dgm:animOne val="branch"/>
+      <dgm:animLvl val="lvl"/>
+      <dgm:resizeHandles val="exact"/>
+    </dgm:varLst>
+    <dgm:choose name="Name0">
+      <dgm:if name="Name1" func="var" arg="dir" op="equ" val="norm">
+        <dgm:alg type="hierChild">
+          <dgm:param type="linDir" val="fromT"/>
+          <dgm:param type="chAlign" val="l"/>
+        </dgm:alg>
+      </dgm:if>
+      <dgm:else name="Name2">
+        <dgm:alg type="hierChild">
+          <dgm:param type="linDir" val="fromT"/>
+          <dgm:param type="chAlign" val="r"/>
+        </dgm:alg>
+      </dgm:else>
+    </dgm:choose>
+    <dgm:shape xmlns:r="http://schemas.openxmlformats.org/officeDocument/2006/relationships" r:blip="">
+      <dgm:adjLst/>
+    </dgm:shape>
+    <dgm:presOf/>
+    <dgm:constrLst>
+      <dgm:constr type="h" for="des" ptType="node" refType="h"/>
+      <dgm:constr type="w" for="des" ptType="node" refType="h" refFor="des" refPtType="node" fact="2"/>
+      <dgm:constr type="sibSp" refType="h" refFor="des" refPtType="node" op="equ" fact="0.15"/>
+      <dgm:constr type="sibSp" for="des" forName="level2hierChild" refType="h" refFor="des" refPtType="node" op="equ" fact="0.15"/>
+      <dgm:constr type="sibSp" for="des" forName="level3hierChild" refType="h" refFor="des" refPtType="node" op="equ" fact="0.15"/>
+      <dgm:constr type="sp" for="des" forName="root1" refType="w" refFor="des" refPtType="node" fact="0.4"/>
+      <dgm:constr type="sp" for="des" forName="root2" refType="sp" refFor="des" refForName="root1" op="equ"/>
+      <dgm:constr type="primFontSz" for="des" ptType="node" op="equ" val="65"/>
+      <dgm:constr type="primFontSz" for="des" forName="connTx" op="equ" val="55"/>
+      <dgm:constr type="primFontSz" for="des" forName="connTx" refType="primFontSz" refFor="des" refPtType="node" op="lte" fact="0.8"/>
+    </dgm:constrLst>
+    <dgm:ruleLst/>
+    <dgm:forEach name="Name3" axis="ch">
+      <dgm:forEach name="Name4" axis="self" ptType="node">
+        <dgm:layoutNode name="root1">
+          <dgm:choose name="Name5">
+            <dgm:if name="Name6" func="var" arg="dir" op="equ" val="norm">
+              <dgm:alg type="hierRoot">
+                <dgm:param type="hierAlign" val="lCtrCh"/>
+              </dgm:alg>
+            </dgm:if>
+            <dgm:else name="Name7">
+              <dgm:alg type="hierRoot">
+                <dgm:param type="hierAlign" val="rCtrCh"/>
+              </dgm:alg>
+            </dgm:else>
+          </dgm:choose>
+          <dgm:shape xmlns:r="http://schemas.openxmlformats.org/officeDocument/2006/relationships" r:blip="">
+            <dgm:adjLst/>
+          </dgm:shape>
+          <dgm:presOf/>
+          <dgm:constrLst/>
+          <dgm:ruleLst/>
+          <dgm:layoutNode name="LevelOneTextNode" styleLbl="node0">
+            <dgm:varLst>
+              <dgm:chPref val="3"/>
+            </dgm:varLst>
+            <dgm:alg type="tx"/>
+            <dgm:shape xmlns:r="http://schemas.openxmlformats.org/officeDocument/2006/relationships" type="roundRect" r:blip="">
+              <dgm:adjLst>
+                <dgm:adj idx="1" val="0.1"/>
+              </dgm:adjLst>
+            </dgm:shape>
+            <dgm:presOf axis="self"/>
+            <dgm:constrLst>
+              <dgm:constr type="tMarg" refType="primFontSz" fact="0.05"/>
+              <dgm:constr type="bMarg" refType="primFontSz" fact="0.05"/>
+              <dgm:constr type="lMarg" refType="primFontSz" fact="0.05"/>
+              <dgm:constr type="rMarg" refType="primFontSz" fact="0.05"/>
+            </dgm:constrLst>
+            <dgm:ruleLst>
+              <dgm:rule type="primFontSz" val="5" fact="NaN" max="NaN"/>
+            </dgm:ruleLst>
+          </dgm:layoutNode>
+          <dgm:layoutNode name="level2hierChild">
+            <dgm:choose name="Name8">
+              <dgm:if name="Name9" func="var" arg="dir" op="equ" val="norm">
+                <dgm:alg type="hierChild">
+                  <dgm:param type="linDir" val="fromT"/>
+                  <dgm:param type="chAlign" val="l"/>
+                </dgm:alg>
+              </dgm:if>
+              <dgm:else name="Name10">
+                <dgm:alg type="hierChild">
+                  <dgm:param type="linDir" val="fromT"/>
+                  <dgm:param type="chAlign" val="r"/>
+                </dgm:alg>
+              </dgm:else>
+            </dgm:choose>
+            <dgm:shape xmlns:r="http://schemas.openxmlformats.org/officeDocument/2006/relationships" r:blip="">
+              <dgm:adjLst/>
+            </dgm:shape>
+            <dgm:presOf/>
+            <dgm:constrLst/>
+            <dgm:ruleLst/>
+            <dgm:forEach name="repeat" axis="ch">
+              <dgm:forEach name="Name11" axis="self" ptType="parTrans" cnt="1">
+                <dgm:layoutNode name="conn2-1">
+                  <dgm:choose name="Name12">
+                    <dgm:if name="Name13" func="var" arg="dir" op="equ" val="norm">
+                      <dgm:alg type="conn">
+                        <dgm:param type="dim" val="1D"/>
+                        <dgm:param type="begPts" val="midR"/>
+                        <dgm:param type="endPts" val="midL"/>
+                        <dgm:param type="endSty" val="noArr"/>
+                      </dgm:alg>
+                    </dgm:if>
+                    <dgm:else name="Name14">
+                      <dgm:alg type="conn">
+                        <dgm:param type="dim" val="1D"/>
+                        <dgm:param type="begPts" val="midL"/>
+                        <dgm:param type="endPts" val="midR"/>
+                        <dgm:param type="endSty" val="noArr"/>
+                      </dgm:alg>
+                    </dgm:else>
+                  </dgm:choose>
+                  <dgm:shape xmlns:r="http://schemas.openxmlformats.org/officeDocument/2006/relationships" type="conn" r:blip="">
+                    <dgm:adjLst/>
+                  </dgm:shape>
+                  <dgm:presOf axis="self"/>
+                  <dgm:constrLst>
+                    <dgm:constr type="w" val="1"/>
+                    <dgm:constr type="h" val="5"/>
+                    <dgm:constr type="connDist"/>
+                    <dgm:constr type="begPad"/>
+                    <dgm:constr type="endPad"/>
+                    <dgm:constr type="userA" for="ch" refType="connDist"/>
+                  </dgm:constrLst>
+                  <dgm:ruleLst/>
+                  <dgm:layoutNode name="connTx">
+                    <dgm:alg type="tx">
+                      <dgm:param type="autoTxRot" val="grav"/>
+                    </dgm:alg>
+                    <dgm:shape xmlns:r="http://schemas.openxmlformats.org/officeDocument/2006/relationships" type="rect" r:blip="" hideGeom="1">
+                      <dgm:adjLst/>
+                    </dgm:shape>
+                    <dgm:presOf axis="self"/>
+                    <dgm:constrLst>
+                      <dgm:constr type="userA"/>
+                      <dgm:constr type="w" refType="userA" fact="0.05"/>
+                      <dgm:constr type="h" refType="userA" fact="0.05"/>
+                      <dgm:constr type="lMarg" val="1"/>
+                      <dgm:constr type="rMarg" val="1"/>
+                      <dgm:constr type="tMarg"/>
+                      <dgm:constr type="bMarg"/>
+                    </dgm:constrLst>
+                    <dgm:ruleLst>
+                      <dgm:rule type="h" val="NaN" fact="0.25" max="NaN"/>
+                      <dgm:rule type="w" val="NaN" fact="0.8" max="NaN"/>
+                      <dgm:rule type="primFontSz" val="5" fact="NaN" max="NaN"/>
+                    </dgm:ruleLst>
+                  </dgm:layoutNode>
+                </dgm:layoutNode>
+              </dgm:forEach>
+              <dgm:forEach name="Name15" axis="self" ptType="node">
+                <dgm:layoutNode name="root2">
+                  <dgm:choose name="Name16">
+                    <dgm:if name="Name17" func="var" arg="dir" op="equ" val="norm">
+                      <dgm:alg type="hierRoot">
+                        <dgm:param type="hierAlign" val="lCtrCh"/>
+                      </dgm:alg>
+                    </dgm:if>
+                    <dgm:else name="Name18">
+                      <dgm:alg type="hierRoot">
+                        <dgm:param type="hierAlign" val="rCtrCh"/>
+                      </dgm:alg>
+                    </dgm:else>
+                  </dgm:choose>
+                  <dgm:shape xmlns:r="http://schemas.openxmlformats.org/officeDocument/2006/relationships" r:blip="">
+                    <dgm:adjLst/>
+                  </dgm:shape>
+                  <dgm:presOf/>
+                  <dgm:constrLst/>
+                  <dgm:ruleLst/>
+                  <dgm:layoutNode name="LevelTwoTextNode">
+                    <dgm:varLst>
+                      <dgm:chPref val="3"/>
+                    </dgm:varLst>
+                    <dgm:alg type="tx"/>
+                    <dgm:shape xmlns:r="http://schemas.openxmlformats.org/officeDocument/2006/relationships" type="roundRect" r:blip="">
+                      <dgm:adjLst>
+                        <dgm:adj idx="1" val="0.1"/>
+                      </dgm:adjLst>
+                    </dgm:shape>
+                    <dgm:presOf axis="self"/>
+                    <dgm:constrLst>
+                      <dgm:constr type="tMarg" refType="primFontSz" fact="0.05"/>
+                      <dgm:constr type="bMarg" refType="primFontSz" fact="0.05"/>
+                      <dgm:constr type="lMarg" refType="primFontSz" fact="0.05"/>
+                      <dgm:constr type="rMarg" refType="primFontSz" fact="0.05"/>
+                    </dgm:constrLst>
+                    <dgm:ruleLst>
+                      <dgm:rule type="primFontSz" val="5" fact="NaN" max="NaN"/>
+                    </dgm:ruleLst>
+                  </dgm:layoutNode>
+                  <dgm:layoutNode name="level3hierChild">
+                    <dgm:choose name="Name19">
+                      <dgm:if name="Name20" func="var" arg="dir" op="equ" val="norm">
+                        <dgm:alg type="hierChild">
+                          <dgm:param type="linDir" val="fromT"/>
+                          <dgm:param type="chAlign" val="l"/>
+                        </dgm:alg>
+                      </dgm:if>
+                      <dgm:else name="Name21">
+                        <dgm:alg type="hierChild">
+                          <dgm:param type="linDir" val="fromT"/>
+                          <dgm:param type="chAlign" val="r"/>
+                        </dgm:alg>
+                      </dgm:else>
+                    </dgm:choose>
+                    <dgm:shape xmlns:r="http://schemas.openxmlformats.org/officeDocument/2006/relationships" r:blip="">
+                      <dgm:adjLst/>
+                    </dgm:shape>
+                    <dgm:presOf/>
+                    <dgm:constrLst/>
+                    <dgm:ruleLst/>
+                    <dgm:forEach name="Name22" ref="repeat"/>
+                  </dgm:layoutNode>
+                </dgm:layoutNode>
+              </dgm:forEach>
+            </dgm:forEach>
+          </dgm:layoutNode>
+        </dgm:layoutNode>
+      </dgm:forEach>
+    </dgm:forEach>
+  </dgm:layoutNode>
+</dgm:layoutDef>
+</file>
+
+<file path=ppt/diagrams/quickStyle1.xml><?xml version="1.0" encoding="utf-8"?>
+<dgm:styleDef xmlns:dgm="http://schemas.openxmlformats.org/drawingml/2006/diagram" xmlns:a="http://schemas.openxmlformats.org/drawingml/2006/main" uniqueId="urn:microsoft.com/office/officeart/2005/8/quickstyle/simple1">
+  <dgm:title val=""/>
+  <dgm:desc val=""/>
+  <dgm:catLst>
+    <dgm:cat type="simple" pri="10100"/>
+  </dgm:catLst>
+  <dgm:scene3d>
+    <a:camera prst="orthographicFront"/>
+    <a:lightRig rig="threePt" dir="t"/>
+  </dgm:scene3d>
+  <dgm:styleLbl name="node0">
+    <dgm:scene3d>
+      <a:camera prst="orthographicFront"/>
+      <a:lightRig rig="threePt" dir="t"/>
+    </dgm:scene3d>
+    <dgm:sp3d/>
+    <dgm:txPr/>
+    <dgm:style>
+      <a:lnRef idx="2">
+        <a:scrgbClr r="0" g="0" b="0"/>
+      </a:lnRef>
+      <a:fillRef idx="1">
+        <a:scrgbClr r="0" g="0" b="0"/>
+      </a:fillRef>
+      <a:effectRef idx="0">
+        <a:scrgbClr r="0" g="0" b="0"/>
+      </a:effectRef>
+      <a:fontRef idx="minor">
+        <a:schemeClr val="lt1"/>
+      </a:fontRef>
+    </dgm:style>
+  </dgm:styleLbl>
+  <dgm:styleLbl name="lnNode1">
+    <dgm:scene3d>
+      <a:camera prst="orthographicFront"/>
+      <a:lightRig rig="threePt" dir="t"/>
+    </dgm:scene3d>
+    <dgm:sp3d/>
+    <dgm:txPr/>
+    <dgm:style>
+      <a:lnRef idx="2">
+        <a:scrgbClr r="0" g="0" b="0"/>
+      </a:lnRef>
+      <a:fillRef idx="1">
+        <a:scrgbClr r="0" g="0" b="0"/>
+      </a:fillRef>
+      <a:effectRef idx="0">
+        <a:scrgbClr r="0" g="0" b="0"/>
+      </a:effectRef>
+      <a:fontRef idx="minor">
+        <a:schemeClr val="lt1"/>
+      </a:fontRef>
+    </dgm:style>
+  </dgm:styleLbl>
+  <dgm:styleLbl name="vennNode1">
+    <dgm:scene3d>
+      <a:camera prst="orthographicFront"/>
+      <a:lightRig rig="threePt" dir="t"/>
+    </dgm:scene3d>
+    <dgm:sp3d/>
+    <dgm:txPr/>
+    <dgm:style>
+      <a:lnRef idx="2">
+        <a:scrgbClr r="0" g="0" b="0"/>
+      </a:lnRef>
+      <a:fillRef idx="1">
+        <a:scrgbClr r="0" g="0" b="0"/>
+      </a:fillRef>
+      <a:effectRef idx="0">
+        <a:scrgbClr r="0" g="0" b="0"/>
+      </a:effectRef>
+      <a:fontRef idx="minor">
+        <a:schemeClr val="tx1"/>
+      </a:fontRef>
+    </dgm:style>
+  </dgm:styleLbl>
+  <dgm:styleLbl name="alignNode1">
+    <dgm:scene3d>
+      <a:camera prst="orthographicFront"/>
+      <a:lightRig rig="threePt" dir="t"/>
+    </dgm:scene3d>
+    <dgm:sp3d/>
+    <dgm:txPr/>
+    <dgm:style>
+      <a:lnRef idx="2">
+        <a:scrgbClr r="0" g="0" b="0"/>
+      </a:lnRef>
+      <a:fillRef idx="1">
+        <a:scrgbClr r="0" g="0" b="0"/>
+      </a:fillRef>
+      <a:effectRef idx="0">
+        <a:scrgbClr r="0" g="0" b="0"/>
+      </a:effectRef>
+      <a:fontRef idx="minor">
+        <a:schemeClr val="lt1"/>
+      </a:fontRef>
+    </dgm:style>
+  </dgm:styleLbl>
+  <dgm:styleLbl name="node1">
+    <dgm:scene3d>
+      <a:camera prst="orthographicFront"/>
+      <a:lightRig rig="threePt" dir="t"/>
+    </dgm:scene3d>
+    <dgm:sp3d/>
+    <dgm:txPr/>
+    <dgm:style>
+      <a:lnRef idx="2">
+        <a:scrgbClr r="0" g="0" b="0"/>
+      </a:lnRef>
+      <a:fillRef idx="1">
+        <a:scrgbClr r="0" g="0" b="0"/>
+      </a:fillRef>
+      <a:effectRef idx="0">
+        <a:scrgbClr r="0" g="0" b="0"/>
+      </a:effectRef>
+      <a:fontRef idx="minor">
+        <a:schemeClr val="lt1"/>
+      </a:fontRef>
+    </dgm:style>
+  </dgm:styleLbl>
+  <dgm:styleLbl name="node2">
+    <dgm:scene3d>
+      <a:camera prst="orthographicFront"/>
+      <a:lightRig rig="threePt" dir="t"/>
+    </dgm:scene3d>
+    <dgm:sp3d/>
+    <dgm:txPr/>
+    <dgm:style>
+      <a:lnRef idx="2">
+        <a:scrgbClr r="0" g="0" b="0"/>
+      </a:lnRef>
+      <a:fillRef idx="1">
+        <a:scrgbClr r="0" g="0" b="0"/>
+      </a:fillRef>
+      <a:effectRef idx="0">
+        <a:scrgbClr r="0" g="0" b="0"/>
+      </a:effectRef>
+      <a:fontRef idx="minor">
+        <a:schemeClr val="lt1"/>
+      </a:fontRef>
+    </dgm:style>
+  </dgm:styleLbl>
+  <dgm:styleLbl name="node3">
+    <dgm:scene3d>
+      <a:camera prst="orthographicFront"/>
+      <a:lightRig rig="threePt" dir="t"/>
+    </dgm:scene3d>
+    <dgm:sp3d/>
+    <dgm:txPr/>
+    <dgm:style>
+      <a:lnRef idx="2">
+        <a:scrgbClr r="0" g="0" b="0"/>
+      </a:lnRef>
+      <a:fillRef idx="1">
+        <a:scrgbClr r="0" g="0" b="0"/>
+      </a:fillRef>
+      <a:effectRef idx="0">
+        <a:scrgbClr r="0" g="0" b="0"/>
+      </a:effectRef>
+      <a:fontRef idx="minor">
+        <a:schemeClr val="lt1"/>
+      </a:fontRef>
+    </dgm:style>
+  </dgm:styleLbl>
+  <dgm:styleLbl name="node4">
+    <dgm:scene3d>
+      <a:camera prst="orthographicFront"/>
+      <a:lightRig rig="threePt" dir="t"/>
+    </dgm:scene3d>
+    <dgm:sp3d/>
+    <dgm:txPr/>
+    <dgm:style>
+      <a:lnRef idx="2">
+        <a:scrgbClr r="0" g="0" b="0"/>
+      </a:lnRef>
+      <a:fillRef idx="1">
+        <a:scrgbClr r="0" g="0" b="0"/>
+      </a:fillRef>
+      <a:effectRef idx="0">
+        <a:scrgbClr r="0" g="0" b="0"/>
+      </a:effectRef>
+      <a:fontRef idx="minor">
+        <a:schemeClr val="lt1"/>
+      </a:fontRef>
+    </dgm:style>
+  </dgm:styleLbl>
+  <dgm:styleLbl name="fgImgPlace1">
+    <dgm:scene3d>
+      <a:camera prst="orthographicFront"/>
+      <a:lightRig rig="threePt" dir="t"/>
+    </dgm:scene3d>
+    <dgm:sp3d/>
+    <dgm:txPr/>
+    <dgm:style>
+      <a:lnRef idx="2">
+        <a:scrgbClr r="0" g="0" b="0"/>
+      </a:lnRef>
+      <a:fillRef idx="1">
+        <a:scrgbClr r="0" g="0" b="0"/>
+      </a:fillRef>
+      <a:effectRef idx="0">
+        <a:scrgbClr r="0" g="0" b="0"/>
+      </a:effectRef>
+      <a:fontRef idx="minor"/>
+    </dgm:style>
+  </dgm:styleLbl>
+  <dgm:styleLbl name="alignImgPlace1">
+    <dgm:scene3d>
+      <a:camera prst="orthographicFront"/>
+      <a:lightRig rig="threePt" dir="t"/>
+    </dgm:scene3d>
+    <dgm:sp3d/>
+    <dgm:txPr/>
+    <dgm:style>
+      <a:lnRef idx="2">
+        <a:scrgbClr r="0" g="0" b="0"/>
+      </a:lnRef>
+      <a:fillRef idx="1">
+        <a:scrgbClr r="0" g="0" b="0"/>
+      </a:fillRef>
+      <a:effectRef idx="0">
+        <a:scrgbClr r="0" g="0" b="0"/>
+      </a:effectRef>
+      <a:fontRef idx="minor"/>
+    </dgm:style>
+  </dgm:styleLbl>
+  <dgm:styleLbl name="bgImgPlace1">
+    <dgm:scene3d>
+      <a:camera prst="orthographicFront"/>
+      <a:lightRig rig="threePt" dir="t"/>
+    </dgm:scene3d>
+    <dgm:sp3d/>
+    <dgm:txPr/>
+    <dgm:style>
+      <a:lnRef idx="2">
+        <a:scrgbClr r="0" g="0" b="0"/>
+      </a:lnRef>
+      <a:fillRef idx="1">
+        <a:scrgbClr r="0" g="0" b="0"/>
+      </a:fillRef>
+      <a:effectRef idx="0">
+        <a:scrgbClr r="0" g="0" b="0"/>
+      </a:effectRef>
+      <a:fontRef idx="minor"/>
+    </dgm:style>
+  </dgm:styleLbl>
+  <dgm:styleLbl name="sibTrans2D1">
+    <dgm:scene3d>
+      <a:camera prst="orthographicFront"/>
+      <a:lightRig rig="threePt" dir="t"/>
+    </dgm:scene3d>
+    <dgm:sp3d/>
+    <dgm:txPr/>
+    <dgm:style>
+      <a:lnRef idx="0">
+        <a:scrgbClr r="0" g="0" b="0"/>
+      </a:lnRef>
+      <a:fillRef idx="1">
+        <a:scrgbClr r="0" g="0" b="0"/>
+      </a:fillRef>
+      <a:effectRef idx="0">
+        <a:scrgbClr r="0" g="0" b="0"/>
+      </a:effectRef>
+      <a:fontRef idx="minor">
+        <a:schemeClr val="lt1"/>
+      </a:fontRef>
+    </dgm:style>
+  </dgm:styleLbl>
+  <dgm:styleLbl name="fgSibTrans2D1">
+    <dgm:scene3d>
+      <a:camera prst="orthographicFront"/>
+      <a:lightRig rig="threePt" dir="t"/>
+    </dgm:scene3d>
+    <dgm:sp3d/>
+    <dgm:txPr/>
+    <dgm:style>
+      <a:lnRef idx="0">
+        <a:scrgbClr r="0" g="0" b="0"/>
+      </a:lnRef>
+      <a:fillRef idx="1">
+        <a:scrgbClr r="0" g="0" b="0"/>
+      </a:fillRef>
+      <a:effectRef idx="0">
+        <a:scrgbClr r="0" g="0" b="0"/>
+      </a:effectRef>
+      <a:fontRef idx="minor">
+        <a:schemeClr val="lt1"/>
+      </a:fontRef>
+    </dgm:style>
+  </dgm:styleLbl>
+  <dgm:styleLbl name="bgSibTrans2D1">
+    <dgm:scene3d>
+      <a:camera prst="orthographicFront"/>
+      <a:lightRig rig="threePt" dir="t"/>
+    </dgm:scene3d>
+    <dgm:sp3d/>
+    <dgm:txPr/>
+    <dgm:style>
+      <a:lnRef idx="0">
+        <a:scrgbClr r="0" g="0" b="0"/>
+      </a:lnRef>
+      <a:fillRef idx="1">
+        <a:scrgbClr r="0" g="0" b="0"/>
+      </a:fillRef>
+      <a:effectRef idx="0">
+        <a:scrgbClr r="0" g="0" b="0"/>
+      </a:effectRef>
+      <a:fontRef idx="minor">
+        <a:schemeClr val="lt1"/>
+      </a:fontRef>
+    </dgm:style>
+  </dgm:styleLbl>
+  <dgm:styleLbl name="sibTrans1D1">
+    <dgm:scene3d>
+      <a:camera prst="orthographicFront"/>
+      <a:lightRig rig="threePt" dir="t"/>
+    </dgm:scene3d>
+    <dgm:sp3d/>
+    <dgm:txPr/>
+    <dgm:style>
+      <a:lnRef idx="1">
+        <a:scrgbClr r="0" g="0" b="0"/>
+      </a:lnRef>
+      <a:fillRef idx="0">
+        <a:scrgbClr r="0" g="0" b="0"/>
+      </a:fillRef>
+      <a:effectRef idx="0">
+        <a:scrgbClr r="0" g="0" b="0"/>
+      </a:effectRef>
+      <a:fontRef idx="minor"/>
+    </dgm:style>
+  </dgm:styleLbl>
+  <dgm:styleLbl name="callout">
+    <dgm:scene3d>
+      <a:camera prst="orthographicFront"/>
+      <a:lightRig rig="threePt" dir="t"/>
+    </dgm:scene3d>
+    <dgm:sp3d/>
+    <dgm:txPr/>
+    <dgm:style>
+      <a:lnRef idx="2">
+        <a:scrgbClr r="0" g="0" b="0"/>
+      </a:lnRef>
+      <a:fillRef idx="1">
+        <a:scrgbClr r="0" g="0" b="0"/>
+      </a:fillRef>
+      <a:effectRef idx="0">
+        <a:scrgbClr r="0" g="0" b="0"/>
+      </a:effectRef>
+      <a:fontRef idx="minor"/>
+    </dgm:style>
+  </dgm:styleLbl>
+  <dgm:styleLbl name="asst0">
+    <dgm:scene3d>
+      <a:camera prst="orthographicFront"/>
+      <a:lightRig rig="threePt" dir="t"/>
+    </dgm:scene3d>
+    <dgm:sp3d/>
+    <dgm:txPr/>
+    <dgm:style>
+      <a:lnRef idx="2">
+        <a:scrgbClr r="0" g="0" b="0"/>
+      </a:lnRef>
+      <a:fillRef idx="1">
+        <a:scrgbClr r="0" g="0" b="0"/>
+      </a:fillRef>
+      <a:effectRef idx="0">
+        <a:scrgbClr r="0" g="0" b="0"/>
+      </a:effectRef>
+      <a:fontRef idx="minor">
+        <a:schemeClr val="lt1"/>
+      </a:fontRef>
+    </dgm:style>
+  </dgm:styleLbl>
+  <dgm:styleLbl name="asst1">
+    <dgm:scene3d>
+      <a:camera prst="orthographicFront"/>
+      <a:lightRig rig="threePt" dir="t"/>
+    </dgm:scene3d>
+    <dgm:sp3d/>
+    <dgm:txPr/>
+    <dgm:style>
+      <a:lnRef idx="2">
+        <a:scrgbClr r="0" g="0" b="0"/>
+      </a:lnRef>
+      <a:fillRef idx="1">
+        <a:scrgbClr r="0" g="0" b="0"/>
+      </a:fillRef>
+      <a:effectRef idx="0">
+        <a:scrgbClr r="0" g="0" b="0"/>
+      </a:effectRef>
+      <a:fontRef idx="minor">
+        <a:schemeClr val="lt1"/>
+      </a:fontRef>
+    </dgm:style>
+  </dgm:styleLbl>
+  <dgm:styleLbl name="asst2">
+    <dgm:scene3d>
+      <a:camera prst="orthographicFront"/>
+      <a:lightRig rig="threePt" dir="t"/>
+    </dgm:scene3d>
+    <dgm:sp3d/>
+    <dgm:txPr/>
+    <dgm:style>
+      <a:lnRef idx="2">
+        <a:scrgbClr r="0" g="0" b="0"/>
+      </a:lnRef>
+      <a:fillRef idx="1">
+        <a:scrgbClr r="0" g="0" b="0"/>
+      </a:fillRef>
+      <a:effectRef idx="0">
+        <a:scrgbClr r="0" g="0" b="0"/>
+      </a:effectRef>
+      <a:fontRef idx="minor">
+        <a:schemeClr val="lt1"/>
+      </a:fontRef>
+    </dgm:style>
+  </dgm:styleLbl>
+  <dgm:styleLbl name="asst3">
+    <dgm:scene3d>
+      <a:camera prst="orthographicFront"/>
+      <a:lightRig rig="threePt" dir="t"/>
+    </dgm:scene3d>
+    <dgm:sp3d/>
+    <dgm:txPr/>
+    <dgm:style>
+      <a:lnRef idx="2">
+        <a:scrgbClr r="0" g="0" b="0"/>
+      </a:lnRef>
+      <a:fillRef idx="1">
+        <a:scrgbClr r="0" g="0" b="0"/>
+      </a:fillRef>
+      <a:effectRef idx="0">
+        <a:scrgbClr r="0" g="0" b="0"/>
+      </a:effectRef>
+      <a:fontRef idx="minor">
+        <a:schemeClr val="lt1"/>
+      </a:fontRef>
+    </dgm:style>
+  </dgm:styleLbl>
+  <dgm:styleLbl name="asst4">
+    <dgm:scene3d>
+      <a:camera prst="orthographicFront"/>
+      <a:lightRig rig="threePt" dir="t"/>
+    </dgm:scene3d>
+    <dgm:sp3d/>
+    <dgm:txPr/>
+    <dgm:style>
+      <a:lnRef idx="2">
+        <a:scrgbClr r="0" g="0" b="0"/>
+      </a:lnRef>
+      <a:fillRef idx="1">
+        <a:scrgbClr r="0" g="0" b="0"/>
+      </a:fillRef>
+      <a:effectRef idx="0">
+        <a:scrgbClr r="0" g="0" b="0"/>
+      </a:effectRef>
+      <a:fontRef idx="minor">
+        <a:schemeClr val="lt1"/>
+      </a:fontRef>
+    </dgm:style>
+  </dgm:styleLbl>
+  <dgm:styleLbl name="parChTrans2D1">
+    <dgm:scene3d>
+      <a:camera prst="orthographicFront"/>
+      <a:lightRig rig="threePt" dir="t"/>
+    </dgm:scene3d>
+    <dgm:sp3d/>
+    <dgm:txPr/>
+    <dgm:style>
+      <a:lnRef idx="2">
+        <a:scrgbClr r="0" g="0" b="0"/>
+      </a:lnRef>
+      <a:fillRef idx="1">
+        <a:scrgbClr r="0" g="0" b="0"/>
+      </a:fillRef>
+      <a:effectRef idx="0">
+        <a:scrgbClr r="0" g="0" b="0"/>
+      </a:effectRef>
+      <a:fontRef idx="minor">
+        <a:schemeClr val="lt1"/>
+      </a:fontRef>
+    </dgm:style>
+  </dgm:styleLbl>
+  <dgm:styleLbl name="parChTrans2D2">
+    <dgm:scene3d>
+      <a:camera prst="orthographicFront"/>
+      <a:lightRig rig="threePt" dir="t"/>
+    </dgm:scene3d>
+    <dgm:sp3d/>
+    <dgm:txPr/>
+    <dgm:style>
+      <a:lnRef idx="2">
+        <a:scrgbClr r="0" g="0" b="0"/>
+      </a:lnRef>
+      <a:fillRef idx="1">
+        <a:scrgbClr r="0" g="0" b="0"/>
+      </a:fillRef>
+      <a:effectRef idx="0">
+        <a:scrgbClr r="0" g="0" b="0"/>
+      </a:effectRef>
+      <a:fontRef idx="minor">
+        <a:schemeClr val="lt1"/>
+      </a:fontRef>
+    </dgm:style>
+  </dgm:styleLbl>
+  <dgm:styleLbl name="parChTrans2D3">
+    <dgm:scene3d>
+      <a:camera prst="orthographicFront"/>
+      <a:lightRig rig="threePt" dir="t"/>
+    </dgm:scene3d>
+    <dgm:sp3d/>
+    <dgm:txPr/>
+    <dgm:style>
+      <a:lnRef idx="2">
+        <a:scrgbClr r="0" g="0" b="0"/>
+      </a:lnRef>
+      <a:fillRef idx="1">
+        <a:scrgbClr r="0" g="0" b="0"/>
+      </a:fillRef>
+      <a:effectRef idx="0">
+        <a:scrgbClr r="0" g="0" b="0"/>
+      </a:effectRef>
+      <a:fontRef idx="minor">
+        <a:schemeClr val="lt1"/>
+      </a:fontRef>
+    </dgm:style>
+  </dgm:styleLbl>
+  <dgm:styleLbl name="parChTrans2D4">
+    <dgm:scene3d>
+      <a:camera prst="orthographicFront"/>
+      <a:lightRig rig="threePt" dir="t"/>
+    </dgm:scene3d>
+    <dgm:sp3d/>
+    <dgm:txPr/>
+    <dgm:style>
+      <a:lnRef idx="2">
+        <a:scrgbClr r="0" g="0" b="0"/>
+      </a:lnRef>
+      <a:fillRef idx="1">
+        <a:scrgbClr r="0" g="0" b="0"/>
+      </a:fillRef>
+      <a:effectRef idx="0">
+        <a:scrgbClr r="0" g="0" b="0"/>
+      </a:effectRef>
+      <a:fontRef idx="minor">
+        <a:schemeClr val="lt1"/>
+      </a:fontRef>
+    </dgm:style>
+  </dgm:styleLbl>
+  <dgm:styleLbl name="parChTrans1D1">
+    <dgm:scene3d>
+      <a:camera prst="orthographicFront"/>
+      <a:lightRig rig="threePt" dir="t"/>
+    </dgm:scene3d>
+    <dgm:sp3d/>
+    <dgm:txPr/>
+    <dgm:style>
+      <a:lnRef idx="2">
+        <a:scrgbClr r="0" g="0" b="0"/>
+      </a:lnRef>
+      <a:fillRef idx="0">
+        <a:scrgbClr r="0" g="0" b="0"/>
+      </a:fillRef>
+      <a:effectRef idx="0">
+        <a:scrgbClr r="0" g="0" b="0"/>
+      </a:effectRef>
+      <a:fontRef idx="minor"/>
+    </dgm:style>
+  </dgm:styleLbl>
+  <dgm:styleLbl name="parChTrans1D2">
+    <dgm:scene3d>
+      <a:camera prst="orthographicFront"/>
+      <a:lightRig rig="threePt" dir="t"/>
+    </dgm:scene3d>
+    <dgm:sp3d/>
+    <dgm:txPr/>
+    <dgm:style>
+      <a:lnRef idx="2">
+        <a:scrgbClr r="0" g="0" b="0"/>
+      </a:lnRef>
+      <a:fillRef idx="0">
+        <a:scrgbClr r="0" g="0" b="0"/>
+      </a:fillRef>
+      <a:effectRef idx="0">
+        <a:scrgbClr r="0" g="0" b="0"/>
+      </a:effectRef>
+      <a:fontRef idx="minor"/>
+    </dgm:style>
+  </dgm:styleLbl>
+  <dgm:styleLbl name="parChTrans1D3">
+    <dgm:scene3d>
+      <a:camera prst="orthographicFront"/>
+      <a:lightRig rig="threePt" dir="t"/>
+    </dgm:scene3d>
+    <dgm:sp3d/>
+    <dgm:txPr/>
+    <dgm:style>
+      <a:lnRef idx="2">
+        <a:scrgbClr r="0" g="0" b="0"/>
+      </a:lnRef>
+      <a:fillRef idx="0">
+        <a:scrgbClr r="0" g="0" b="0"/>
+      </a:fillRef>
+      <a:effectRef idx="0">
+        <a:scrgbClr r="0" g="0" b="0"/>
+      </a:effectRef>
+      <a:fontRef idx="minor"/>
+    </dgm:style>
+  </dgm:styleLbl>
+  <dgm:styleLbl name="parChTrans1D4">
+    <dgm:scene3d>
+      <a:camera prst="orthographicFront"/>
+      <a:lightRig rig="threePt" dir="t"/>
+    </dgm:scene3d>
+    <dgm:sp3d/>
+    <dgm:txPr/>
+    <dgm:style>
+      <a:lnRef idx="2">
+        <a:scrgbClr r="0" g="0" b="0"/>
+      </a:lnRef>
+      <a:fillRef idx="0">
+        <a:scrgbClr r="0" g="0" b="0"/>
+      </a:fillRef>
+      <a:effectRef idx="0">
+        <a:scrgbClr r="0" g="0" b="0"/>
+      </a:effectRef>
+      <a:fontRef idx="minor"/>
+    </dgm:style>
+  </dgm:styleLbl>
+  <dgm:styleLbl name="fgAcc1">
+    <dgm:scene3d>
+      <a:camera prst="orthographicFront"/>
+      <a:lightRig rig="threePt" dir="t"/>
+    </dgm:scene3d>
+    <dgm:sp3d/>
+    <dgm:txPr/>
+    <dgm:style>
+      <a:lnRef idx="2">
+        <a:scrgbClr r="0" g="0" b="0"/>
+      </a:lnRef>
+      <a:fillRef idx="1">
+        <a:scrgbClr r="0" g="0" b="0"/>
+      </a:fillRef>
+      <a:effectRef idx="0">
+        <a:scrgbClr r="0" g="0" b="0"/>
+      </a:effectRef>
+      <a:fontRef idx="minor"/>
+    </dgm:style>
+  </dgm:styleLbl>
+  <dgm:styleLbl name="conFgAcc1">
+    <dgm:scene3d>
+      <a:camera prst="orthographicFront"/>
+      <a:lightRig rig="threePt" dir="t"/>
+    </dgm:scene3d>
+    <dgm:sp3d/>
+    <dgm:txPr/>
+    <dgm:style>
+      <a:lnRef idx="2">
+        <a:scrgbClr r="0" g="0" b="0"/>
+      </a:lnRef>
+      <a:fillRef idx="1">
+        <a:scrgbClr r="0" g="0" b="0"/>
+      </a:fillRef>
+      <a:effectRef idx="0">
+        <a:scrgbClr r="0" g="0" b="0"/>
+      </a:effectRef>
+      <a:fontRef idx="minor"/>
+    </dgm:style>
+  </dgm:styleLbl>
+  <dgm:styleLbl name="alignAcc1">
+    <dgm:scene3d>
+      <a:camera prst="orthographicFront"/>
+      <a:lightRig rig="threePt" dir="t"/>
+    </dgm:scene3d>
+    <dgm:sp3d/>
+    <dgm:txPr/>
+    <dgm:style>
+      <a:lnRef idx="2">
+        <a:scrgbClr r="0" g="0" b="0"/>
+      </a:lnRef>
+      <a:fillRef idx="1">
+        <a:scrgbClr r="0" g="0" b="0"/>
+      </a:fillRef>
+      <a:effectRef idx="0">
+        <a:scrgbClr r="0" g="0" b="0"/>
+      </a:effectRef>
+      <a:fontRef idx="minor"/>
+    </dgm:style>
+  </dgm:styleLbl>
+  <dgm:styleLbl name="trAlignAcc1">
+    <dgm:scene3d>
+      <a:camera prst="orthographicFront"/>
+      <a:lightRig rig="threePt" dir="t"/>
+    </dgm:scene3d>
+    <dgm:sp3d/>
+    <dgm:txPr/>
+    <dgm:style>
+      <a:lnRef idx="1">
+        <a:scrgbClr r="0" g="0" b="0"/>
+      </a:lnRef>
+      <a:fillRef idx="1">
+        <a:scrgbClr r="0" g="0" b="0"/>
+      </a:fillRef>
+      <a:effectRef idx="0">
+        <a:scrgbClr r="0" g="0" b="0"/>
+      </a:effectRef>
+      <a:fontRef idx="minor"/>
+    </dgm:style>
+  </dgm:styleLbl>
+  <dgm:styleLbl name="bgAcc1">
+    <dgm:scene3d>
+      <a:camera prst="orthographicFront"/>
+      <a:lightRig rig="threePt" dir="t"/>
+    </dgm:scene3d>
+    <dgm:sp3d/>
+    <dgm:txPr/>
+    <dgm:style>
+      <a:lnRef idx="2">
+        <a:scrgbClr r="0" g="0" b="0"/>
+      </a:lnRef>
+      <a:fillRef idx="1">
+        <a:scrgbClr r="0" g="0" b="0"/>
+      </a:fillRef>
+      <a:effectRef idx="0">
+        <a:scrgbClr r="0" g="0" b="0"/>
+      </a:effectRef>
+      <a:fontRef idx="minor"/>
+    </dgm:style>
+  </dgm:styleLbl>
+  <dgm:styleLbl name="solidFgAcc1">
+    <dgm:scene3d>
+      <a:camera prst="orthographicFront"/>
+      <a:lightRig rig="threePt" dir="t"/>
+    </dgm:scene3d>
+    <dgm:sp3d/>
+    <dgm:txPr/>
+    <dgm:style>
+      <a:lnRef idx="2">
+        <a:scrgbClr r="0" g="0" b="0"/>
+      </a:lnRef>
+      <a:fillRef idx="1">
+        <a:scrgbClr r="0" g="0" b="0"/>
+      </a:fillRef>
+      <a:effectRef idx="0">
+        <a:scrgbClr r="0" g="0" b="0"/>
+      </a:effectRef>
+      <a:fontRef idx="minor"/>
+    </dgm:style>
+  </dgm:styleLbl>
+  <dgm:styleLbl name="solidAlignAcc1">
+    <dgm:scene3d>
+      <a:camera prst="orthographicFront"/>
+      <a:lightRig rig="threePt" dir="t"/>
+    </dgm:scene3d>
+    <dgm:sp3d/>
+    <dgm:txPr/>
+    <dgm:style>
+      <a:lnRef idx="2">
+        <a:scrgbClr r="0" g="0" b="0"/>
+      </a:lnRef>
+      <a:fillRef idx="1">
+        <a:scrgbClr r="0" g="0" b="0"/>
+      </a:fillRef>
+      <a:effectRef idx="0">
+        <a:scrgbClr r="0" g="0" b="0"/>
+      </a:effectRef>
+      <a:fontRef idx="minor"/>
+    </dgm:style>
+  </dgm:styleLbl>
+  <dgm:styleLbl name="solidBgAcc1">
+    <dgm:scene3d>
+      <a:camera prst="orthographicFront"/>
+      <a:lightRig rig="threePt" dir="t"/>
+    </dgm:scene3d>
+    <dgm:sp3d/>
+    <dgm:txPr/>
+    <dgm:style>
+      <a:lnRef idx="2">
+        <a:scrgbClr r="0" g="0" b="0"/>
+      </a:lnRef>
+      <a:fillRef idx="1">
+        <a:scrgbClr r="0" g="0" b="0"/>
+      </a:fillRef>
+      <a:effectRef idx="0">
+        <a:scrgbClr r="0" g="0" b="0"/>
+      </a:effectRef>
+      <a:fontRef idx="minor"/>
+    </dgm:style>
+  </dgm:styleLbl>
+  <dgm:styleLbl name="fgAccFollowNode1">
+    <dgm:scene3d>
+      <a:camera prst="orthographicFront"/>
+      <a:lightRig rig="threePt" dir="t"/>
+    </dgm:scene3d>
+    <dgm:sp3d/>
+    <dgm:txPr/>
+    <dgm:style>
+      <a:lnRef idx="2">
+        <a:scrgbClr r="0" g="0" b="0"/>
+      </a:lnRef>
+      <a:fillRef idx="1">
+        <a:scrgbClr r="0" g="0" b="0"/>
+      </a:fillRef>
+      <a:effectRef idx="0">
+        <a:scrgbClr r="0" g="0" b="0"/>
+      </a:effectRef>
+      <a:fontRef idx="minor"/>
+    </dgm:style>
+  </dgm:styleLbl>
+  <dgm:styleLbl name="alignAccFollowNode1">
+    <dgm:scene3d>
+      <a:camera prst="orthographicFront"/>
+      <a:lightRig rig="threePt" dir="t"/>
+    </dgm:scene3d>
+    <dgm:sp3d/>
+    <dgm:txPr/>
+    <dgm:style>
+      <a:lnRef idx="2">
+        <a:scrgbClr r="0" g="0" b="0"/>
+      </a:lnRef>
+      <a:fillRef idx="1">
+        <a:scrgbClr r="0" g="0" b="0"/>
+      </a:fillRef>
+      <a:effectRef idx="0">
+        <a:scrgbClr r="0" g="0" b="0"/>
+      </a:effectRef>
+      <a:fontRef idx="minor"/>
+    </dgm:style>
+  </dgm:styleLbl>
+  <dgm:styleLbl name="bgAccFollowNode1">
+    <dgm:scene3d>
+      <a:camera prst="orthographicFront"/>
+      <a:lightRig rig="threePt" dir="t"/>
+    </dgm:scene3d>
+    <dgm:sp3d/>
+    <dgm:txPr/>
+    <dgm:style>
+      <a:lnRef idx="2">
+        <a:scrgbClr r="0" g="0" b="0"/>
+      </a:lnRef>
+      <a:fillRef idx="1">
+        <a:scrgbClr r="0" g="0" b="0"/>
+      </a:fillRef>
+      <a:effectRef idx="0">
+        <a:scrgbClr r="0" g="0" b="0"/>
+      </a:effectRef>
+      <a:fontRef idx="minor"/>
+    </dgm:style>
+  </dgm:styleLbl>
+  <dgm:styleLbl name="fgAcc0">
+    <dgm:scene3d>
+      <a:camera prst="orthographicFront"/>
+      <a:lightRig rig="threePt" dir="t"/>
+    </dgm:scene3d>
+    <dgm:sp3d/>
+    <dgm:txPr/>
+    <dgm:style>
+      <a:lnRef idx="2">
+        <a:scrgbClr r="0" g="0" b="0"/>
+      </a:lnRef>
+      <a:fillRef idx="1">
+        <a:scrgbClr r="0" g="0" b="0"/>
+      </a:fillRef>
+      <a:effectRef idx="0">
+        <a:scrgbClr r="0" g="0" b="0"/>
+      </a:effectRef>
+      <a:fontRef idx="minor"/>
+    </dgm:style>
+  </dgm:styleLbl>
+  <dgm:styleLbl name="fgAcc2">
+    <dgm:scene3d>
+      <a:camera prst="orthographicFront"/>
+      <a:lightRig rig="threePt" dir="t"/>
+    </dgm:scene3d>
+    <dgm:sp3d/>
+    <dgm:txPr/>
+    <dgm:style>
+      <a:lnRef idx="2">
+        <a:scrgbClr r="0" g="0" b="0"/>
+      </a:lnRef>
+      <a:fillRef idx="1">
+        <a:scrgbClr r="0" g="0" b="0"/>
+      </a:fillRef>
+      <a:effectRef idx="0">
+        <a:scrgbClr r="0" g="0" b="0"/>
+      </a:effectRef>
+      <a:fontRef idx="minor"/>
+    </dgm:style>
+  </dgm:styleLbl>
+  <dgm:styleLbl name="fgAcc3">
+    <dgm:scene3d>
+      <a:camera prst="orthographicFront"/>
+      <a:lightRig rig="threePt" dir="t"/>
+    </dgm:scene3d>
+    <dgm:sp3d/>
+    <dgm:txPr/>
+    <dgm:style>
+      <a:lnRef idx="2">
+        <a:scrgbClr r="0" g="0" b="0"/>
+      </a:lnRef>
+      <a:fillRef idx="1">
+        <a:scrgbClr r="0" g="0" b="0"/>
+      </a:fillRef>
+      <a:effectRef idx="0">
+        <a:scrgbClr r="0" g="0" b="0"/>
+      </a:effectRef>
+      <a:fontRef idx="minor"/>
+    </dgm:style>
+  </dgm:styleLbl>
+  <dgm:styleLbl name="fgAcc4">
+    <dgm:scene3d>
+      <a:camera prst="orthographicFront"/>
+      <a:lightRig rig="threePt" dir="t"/>
+    </dgm:scene3d>
+    <dgm:sp3d/>
+    <dgm:txPr/>
+    <dgm:style>
+      <a:lnRef idx="2">
+        <a:scrgbClr r="0" g="0" b="0"/>
+      </a:lnRef>
+      <a:fillRef idx="1">
+        <a:scrgbClr r="0" g="0" b="0"/>
+      </a:fillRef>
+      <a:effectRef idx="0">
+        <a:scrgbClr r="0" g="0" b="0"/>
+      </a:effectRef>
+      <a:fontRef idx="minor"/>
+    </dgm:style>
+  </dgm:styleLbl>
+  <dgm:styleLbl name="bgShp">
+    <dgm:scene3d>
+      <a:camera prst="orthographicFront"/>
+      <a:lightRig rig="threePt" dir="t"/>
+    </dgm:scene3d>
+    <dgm:sp3d/>
+    <dgm:txPr/>
+    <dgm:style>
+      <a:lnRef idx="0">
+        <a:scrgbClr r="0" g="0" b="0"/>
+      </a:lnRef>
+      <a:fillRef idx="1">
+        <a:scrgbClr r="0" g="0" b="0"/>
+      </a:fillRef>
+      <a:effectRef idx="0">
+        <a:scrgbClr r="0" g="0" b="0"/>
+      </a:effectRef>
+      <a:fontRef idx="minor"/>
+    </dgm:style>
+  </dgm:styleLbl>
+  <dgm:styleLbl name="dkBgShp">
+    <dgm:scene3d>
+      <a:camera prst="orthographicFront"/>
+      <a:lightRig rig="threePt" dir="t"/>
+    </dgm:scene3d>
+    <dgm:sp3d/>
+    <dgm:txPr/>
+    <dgm:style>
+      <a:lnRef idx="0">
+        <a:scrgbClr r="0" g="0" b="0"/>
+      </a:lnRef>
+      <a:fillRef idx="1">
+        <a:scrgbClr r="0" g="0" b="0"/>
+      </a:fillRef>
+      <a:effectRef idx="0">
+        <a:scrgbClr r="0" g="0" b="0"/>
+      </a:effectRef>
+      <a:fontRef idx="minor"/>
+    </dgm:style>
+  </dgm:styleLbl>
+  <dgm:styleLbl name="trBgShp">
+    <dgm:scene3d>
+      <a:camera prst="orthographicFront"/>
+      <a:lightRig rig="threePt" dir="t"/>
+    </dgm:scene3d>
+    <dgm:sp3d/>
+    <dgm:txPr/>
+    <dgm:style>
+      <a:lnRef idx="0">
+        <a:scrgbClr r="0" g="0" b="0"/>
+      </a:lnRef>
+      <a:fillRef idx="1">
+        <a:scrgbClr r="0" g="0" b="0"/>
+      </a:fillRef>
+      <a:effectRef idx="0">
+        <a:scrgbClr r="0" g="0" b="0"/>
+      </a:effectRef>
+      <a:fontRef idx="minor"/>
+    </dgm:style>
+  </dgm:styleLbl>
+  <dgm:styleLbl name="fgShp">
+    <dgm:scene3d>
+      <a:camera prst="orthographicFront"/>
+      <a:lightRig rig="threePt" dir="t"/>
+    </dgm:scene3d>
+    <dgm:sp3d/>
+    <dgm:txPr/>
+    <dgm:style>
+      <a:lnRef idx="2">
+        <a:scrgbClr r="0" g="0" b="0"/>
+      </a:lnRef>
+      <a:fillRef idx="1">
+        <a:scrgbClr r="0" g="0" b="0"/>
+      </a:fillRef>
+      <a:effectRef idx="0">
+        <a:scrgbClr r="0" g="0" b="0"/>
+      </a:effectRef>
+      <a:fontRef idx="minor"/>
+    </dgm:style>
+  </dgm:styleLbl>
+  <dgm:styleLbl name="revTx">
+    <dgm:scene3d>
+      <a:camera prst="orthographicFront"/>
+      <a:lightRig rig="threePt" dir="t"/>
+    </dgm:scene3d>
+    <dgm:sp3d/>
+    <dgm:txPr/>
+    <dgm:style>
+      <a:lnRef idx="0">
+        <a:scrgbClr r="0" g="0" b="0"/>
+      </a:lnRef>
+      <a:fillRef idx="0">
+        <a:scrgbClr r="0" g="0" b="0"/>
+      </a:fillRef>
+      <a:effectRef idx="0">
+        <a:scrgbClr r="0" g="0" b="0"/>
+      </a:effectRef>
+      <a:fontRef idx="minor"/>
+    </dgm:style>
+  </dgm:styleLbl>
+</dgm:styleDef>
+</file>
+
 <file path=ppt/notesMasters/notesMaster1.xml><?xml version="1.0" encoding="utf-8"?>
 <p:notesMaster xmlns:a="http://schemas.openxmlformats.org/drawingml/2006/main" xmlns:r="http://schemas.openxmlformats.org/officeDocument/2006/relationships" xmlns:p="http://schemas.openxmlformats.org/presentationml/2006/main">
   <p:cSld>
@@ -209,7 +5439,7 @@
           <a:p>
             <a:fld id="{D2F9E994-851E-CA40-9256-D22CD526733A}" type="datetimeFigureOut">
               <a:rPr lang="en-US" smtClean="0"/>
-              <a:t>12/6/23</a:t>
+              <a:t>3/3/24</a:t>
             </a:fld>
             <a:endParaRPr lang="en-US"/>
           </a:p>
@@ -561,7 +5791,102 @@
     </p:spTree>
     <p:extLst>
       <p:ext uri="{BB962C8B-B14F-4D97-AF65-F5344CB8AC3E}">
-        <p14:creationId xmlns:p14="http://schemas.microsoft.com/office/powerpoint/2010/main" val="1424680188"/>
+        <p14:creationId xmlns:p14="http://schemas.microsoft.com/office/powerpoint/2010/main" val="2401697727"/>
+      </p:ext>
+    </p:extLst>
+  </p:cSld>
+  <p:clrMapOvr>
+    <a:masterClrMapping/>
+  </p:clrMapOvr>
+</p:notes>
+</file>
+
+<file path=ppt/notesSlides/notesSlide2.xml><?xml version="1.0" encoding="utf-8"?>
+<p:notes xmlns:a="http://schemas.openxmlformats.org/drawingml/2006/main" xmlns:r="http://schemas.openxmlformats.org/officeDocument/2006/relationships" xmlns:p="http://schemas.openxmlformats.org/presentationml/2006/main">
+  <p:cSld>
+    <p:spTree>
+      <p:nvGrpSpPr>
+        <p:cNvPr id="1" name=""/>
+        <p:cNvGrpSpPr/>
+        <p:nvPr/>
+      </p:nvGrpSpPr>
+      <p:grpSpPr>
+        <a:xfrm>
+          <a:off x="0" y="0"/>
+          <a:ext cx="0" cy="0"/>
+          <a:chOff x="0" y="0"/>
+          <a:chExt cx="0" cy="0"/>
+        </a:xfrm>
+      </p:grpSpPr>
+      <p:sp>
+        <p:nvSpPr>
+          <p:cNvPr id="2" name="Slide Image Placeholder 1"/>
+          <p:cNvSpPr>
+            <a:spLocks noGrp="1" noRot="1" noChangeAspect="1"/>
+          </p:cNvSpPr>
+          <p:nvPr>
+            <p:ph type="sldImg"/>
+          </p:nvPr>
+        </p:nvSpPr>
+        <p:spPr/>
+      </p:sp>
+      <p:sp>
+        <p:nvSpPr>
+          <p:cNvPr id="3" name="Notes Placeholder 2"/>
+          <p:cNvSpPr>
+            <a:spLocks noGrp="1"/>
+          </p:cNvSpPr>
+          <p:nvPr>
+            <p:ph type="body" idx="1"/>
+          </p:nvPr>
+        </p:nvSpPr>
+        <p:spPr/>
+        <p:txBody>
+          <a:bodyPr/>
+          <a:lstStyle/>
+          <a:p>
+            <a:r>
+              <a:rPr lang="en-US" dirty="0"/>
+              <a:t>© Copyright </a:t>
+            </a:r>
+            <a:r>
+              <a:rPr lang="en-US" b="1" dirty="0"/>
+              <a:t>PresentationGO.com</a:t>
+            </a:r>
+            <a:r>
+              <a:rPr lang="en-US" dirty="0"/>
+              <a:t> – The free PowerPoint and Google Slides template library</a:t>
+            </a:r>
+          </a:p>
+        </p:txBody>
+      </p:sp>
+      <p:sp>
+        <p:nvSpPr>
+          <p:cNvPr id="4" name="Slide Number Placeholder 3"/>
+          <p:cNvSpPr>
+            <a:spLocks noGrp="1"/>
+          </p:cNvSpPr>
+          <p:nvPr>
+            <p:ph type="sldNum" sz="quarter" idx="10"/>
+          </p:nvPr>
+        </p:nvSpPr>
+        <p:spPr/>
+        <p:txBody>
+          <a:bodyPr/>
+          <a:lstStyle/>
+          <a:p>
+            <a:fld id="{B68D2766-C49B-4C1A-9FEE-6F146754B02B}" type="slidenum">
+              <a:rPr lang="en-US" smtClean="0"/>
+              <a:t>3</a:t>
+            </a:fld>
+            <a:endParaRPr lang="en-US"/>
+          </a:p>
+        </p:txBody>
+      </p:sp>
+    </p:spTree>
+    <p:extLst>
+      <p:ext uri="{BB962C8B-B14F-4D97-AF65-F5344CB8AC3E}">
+        <p14:creationId xmlns:p14="http://schemas.microsoft.com/office/powerpoint/2010/main" val="1721443425"/>
       </p:ext>
     </p:extLst>
   </p:cSld>
@@ -720,7 +6045,7 @@
           <a:p>
             <a:fld id="{3C05FE8D-AD9E-4E47-8136-F4677FFC079C}" type="datetimeFigureOut">
               <a:rPr lang="en-IN" smtClean="0"/>
-              <a:t>06/12/23</a:t>
+              <a:t>03/03/24</a:t>
             </a:fld>
             <a:endParaRPr lang="en-IN"/>
           </a:p>
@@ -920,7 +6245,7 @@
           <a:p>
             <a:fld id="{3C05FE8D-AD9E-4E47-8136-F4677FFC079C}" type="datetimeFigureOut">
               <a:rPr lang="en-IN" smtClean="0"/>
-              <a:t>06/12/23</a:t>
+              <a:t>03/03/24</a:t>
             </a:fld>
             <a:endParaRPr lang="en-IN"/>
           </a:p>
@@ -1130,7 +6455,7 @@
           <a:p>
             <a:fld id="{3C05FE8D-AD9E-4E47-8136-F4677FFC079C}" type="datetimeFigureOut">
               <a:rPr lang="en-IN" smtClean="0"/>
-              <a:t>06/12/23</a:t>
+              <a:t>03/03/24</a:t>
             </a:fld>
             <a:endParaRPr lang="en-IN"/>
           </a:p>
@@ -1330,7 +6655,7 @@
           <a:p>
             <a:fld id="{3C05FE8D-AD9E-4E47-8136-F4677FFC079C}" type="datetimeFigureOut">
               <a:rPr lang="en-IN" smtClean="0"/>
-              <a:t>06/12/23</a:t>
+              <a:t>03/03/24</a:t>
             </a:fld>
             <a:endParaRPr lang="en-IN"/>
           </a:p>
@@ -1606,7 +6931,7 @@
           <a:p>
             <a:fld id="{3C05FE8D-AD9E-4E47-8136-F4677FFC079C}" type="datetimeFigureOut">
               <a:rPr lang="en-IN" smtClean="0"/>
-              <a:t>06/12/23</a:t>
+              <a:t>03/03/24</a:t>
             </a:fld>
             <a:endParaRPr lang="en-IN"/>
           </a:p>
@@ -1874,7 +7199,7 @@
           <a:p>
             <a:fld id="{3C05FE8D-AD9E-4E47-8136-F4677FFC079C}" type="datetimeFigureOut">
               <a:rPr lang="en-IN" smtClean="0"/>
-              <a:t>06/12/23</a:t>
+              <a:t>03/03/24</a:t>
             </a:fld>
             <a:endParaRPr lang="en-IN"/>
           </a:p>
@@ -2289,7 +7614,7 @@
           <a:p>
             <a:fld id="{3C05FE8D-AD9E-4E47-8136-F4677FFC079C}" type="datetimeFigureOut">
               <a:rPr lang="en-IN" smtClean="0"/>
-              <a:t>06/12/23</a:t>
+              <a:t>03/03/24</a:t>
             </a:fld>
             <a:endParaRPr lang="en-IN"/>
           </a:p>
@@ -2431,7 +7756,7 @@
           <a:p>
             <a:fld id="{3C05FE8D-AD9E-4E47-8136-F4677FFC079C}" type="datetimeFigureOut">
               <a:rPr lang="en-IN" smtClean="0"/>
-              <a:t>06/12/23</a:t>
+              <a:t>03/03/24</a:t>
             </a:fld>
             <a:endParaRPr lang="en-IN"/>
           </a:p>
@@ -2544,7 +7869,7 @@
           <a:p>
             <a:fld id="{3C05FE8D-AD9E-4E47-8136-F4677FFC079C}" type="datetimeFigureOut">
               <a:rPr lang="en-IN" smtClean="0"/>
-              <a:t>06/12/23</a:t>
+              <a:t>03/03/24</a:t>
             </a:fld>
             <a:endParaRPr lang="en-IN"/>
           </a:p>
@@ -2857,7 +8182,7 @@
           <a:p>
             <a:fld id="{3C05FE8D-AD9E-4E47-8136-F4677FFC079C}" type="datetimeFigureOut">
               <a:rPr lang="en-IN" smtClean="0"/>
-              <a:t>06/12/23</a:t>
+              <a:t>03/03/24</a:t>
             </a:fld>
             <a:endParaRPr lang="en-IN"/>
           </a:p>
@@ -3146,7 +8471,7 @@
           <a:p>
             <a:fld id="{3C05FE8D-AD9E-4E47-8136-F4677FFC079C}" type="datetimeFigureOut">
               <a:rPr lang="en-IN" smtClean="0"/>
-              <a:t>06/12/23</a:t>
+              <a:t>03/03/24</a:t>
             </a:fld>
             <a:endParaRPr lang="en-IN"/>
           </a:p>
@@ -3389,7 +8714,7 @@
           <a:p>
             <a:fld id="{3C05FE8D-AD9E-4E47-8136-F4677FFC079C}" type="datetimeFigureOut">
               <a:rPr lang="en-IN" smtClean="0"/>
-              <a:t>06/12/23</a:t>
+              <a:t>03/03/24</a:t>
             </a:fld>
             <a:endParaRPr lang="en-IN"/>
           </a:p>
@@ -12037,7 +17362,345 @@
     </p:spTree>
     <p:extLst>
       <p:ext uri="{BB962C8B-B14F-4D97-AF65-F5344CB8AC3E}">
-        <p14:creationId xmlns:p14="http://schemas.microsoft.com/office/powerpoint/2010/main" val="2383628859"/>
+        <p14:creationId xmlns:p14="http://schemas.microsoft.com/office/powerpoint/2010/main" val="2439450074"/>
+      </p:ext>
+    </p:extLst>
+  </p:cSld>
+  <p:clrMapOvr>
+    <a:masterClrMapping/>
+  </p:clrMapOvr>
+</p:sld>
+</file>
+
+<file path=ppt/slides/slide3.xml><?xml version="1.0" encoding="utf-8"?>
+<p:sld xmlns:a="http://schemas.openxmlformats.org/drawingml/2006/main" xmlns:r="http://schemas.openxmlformats.org/officeDocument/2006/relationships" xmlns:p="http://schemas.openxmlformats.org/presentationml/2006/main">
+  <p:cSld>
+    <p:spTree>
+      <p:nvGrpSpPr>
+        <p:cNvPr id="1" name=""/>
+        <p:cNvGrpSpPr/>
+        <p:nvPr/>
+      </p:nvGrpSpPr>
+      <p:grpSpPr>
+        <a:xfrm>
+          <a:off x="0" y="0"/>
+          <a:ext cx="0" cy="0"/>
+          <a:chOff x="0" y="0"/>
+          <a:chExt cx="0" cy="0"/>
+        </a:xfrm>
+      </p:grpSpPr>
+      <p:sp>
+        <p:nvSpPr>
+          <p:cNvPr id="2" name="Title 1">
+            <a:extLst>
+              <a:ext uri="{FF2B5EF4-FFF2-40B4-BE49-F238E27FC236}">
+                <a16:creationId xmlns:a16="http://schemas.microsoft.com/office/drawing/2014/main" id="{2C2BFAE1-45D3-4B3B-81D2-0BF25FA84FB8}"/>
+              </a:ext>
+            </a:extLst>
+          </p:cNvPr>
+          <p:cNvSpPr>
+            <a:spLocks noGrp="1"/>
+          </p:cNvSpPr>
+          <p:nvPr>
+            <p:ph type="title"/>
+          </p:nvPr>
+        </p:nvSpPr>
+        <p:spPr>
+          <a:xfrm>
+            <a:off x="-1" y="0"/>
+            <a:ext cx="11787189" cy="973777"/>
+          </a:xfrm>
+        </p:spPr>
+        <p:txBody>
+          <a:bodyPr>
+            <a:noAutofit/>
+          </a:bodyPr>
+          <a:lstStyle/>
+          <a:p>
+            <a:r>
+              <a:rPr lang="en-US" b="1" dirty="0"/>
+              <a:t>Autonomous Machine Learning and Web Maps</a:t>
+            </a:r>
+          </a:p>
+        </p:txBody>
+      </p:sp>
+      <p:graphicFrame>
+        <p:nvGraphicFramePr>
+          <p:cNvPr id="7" name="Diagram 6">
+            <a:extLst>
+              <a:ext uri="{FF2B5EF4-FFF2-40B4-BE49-F238E27FC236}">
+                <a16:creationId xmlns:a16="http://schemas.microsoft.com/office/drawing/2014/main" id="{46B60B72-4A26-9FAB-8D72-5BAB3C43E193}"/>
+              </a:ext>
+            </a:extLst>
+          </p:cNvPr>
+          <p:cNvGraphicFramePr/>
+          <p:nvPr>
+            <p:extLst>
+              <p:ext uri="{D42A27DB-BD31-4B8C-83A1-F6EECF244321}">
+                <p14:modId xmlns:p14="http://schemas.microsoft.com/office/powerpoint/2010/main" val="46166970"/>
+              </p:ext>
+            </p:extLst>
+          </p:nvPr>
+        </p:nvGraphicFramePr>
+        <p:xfrm>
+          <a:off x="0" y="973777"/>
+          <a:ext cx="12192000" cy="5581402"/>
+        </p:xfrm>
+        <a:graphic>
+          <a:graphicData uri="http://schemas.openxmlformats.org/drawingml/2006/diagram">
+            <dgm:relIds xmlns:dgm="http://schemas.openxmlformats.org/drawingml/2006/diagram" xmlns:r="http://schemas.openxmlformats.org/officeDocument/2006/relationships" r:dm="rId3" r:lo="rId4" r:qs="rId5" r:cs="rId6"/>
+          </a:graphicData>
+        </a:graphic>
+      </p:graphicFrame>
+      <p:cxnSp>
+        <p:nvCxnSpPr>
+          <p:cNvPr id="10" name="Straight Connector 9">
+            <a:extLst>
+              <a:ext uri="{FF2B5EF4-FFF2-40B4-BE49-F238E27FC236}">
+                <a16:creationId xmlns:a16="http://schemas.microsoft.com/office/drawing/2014/main" id="{EE1A42C0-2F87-55E8-3EB7-C36A146E1292}"/>
+              </a:ext>
+            </a:extLst>
+          </p:cNvPr>
+          <p:cNvCxnSpPr>
+            <a:cxnSpLocks/>
+          </p:cNvCxnSpPr>
+          <p:nvPr/>
+        </p:nvCxnSpPr>
+        <p:spPr>
+          <a:xfrm>
+            <a:off x="5057775" y="3557588"/>
+            <a:ext cx="700088" cy="0"/>
+          </a:xfrm>
+          <a:prstGeom prst="line">
+            <a:avLst/>
+          </a:prstGeom>
+        </p:spPr>
+        <p:style>
+          <a:lnRef idx="1">
+            <a:schemeClr val="accent1"/>
+          </a:lnRef>
+          <a:fillRef idx="0">
+            <a:schemeClr val="accent1"/>
+          </a:fillRef>
+          <a:effectRef idx="0">
+            <a:schemeClr val="accent1"/>
+          </a:effectRef>
+          <a:fontRef idx="minor">
+            <a:schemeClr val="tx1"/>
+          </a:fontRef>
+        </p:style>
+      </p:cxnSp>
+      <p:cxnSp>
+        <p:nvCxnSpPr>
+          <p:cNvPr id="12" name="Straight Connector 11">
+            <a:extLst>
+              <a:ext uri="{FF2B5EF4-FFF2-40B4-BE49-F238E27FC236}">
+                <a16:creationId xmlns:a16="http://schemas.microsoft.com/office/drawing/2014/main" id="{BDD4F47F-45CE-402D-D658-851660AC037E}"/>
+              </a:ext>
+            </a:extLst>
+          </p:cNvPr>
+          <p:cNvCxnSpPr>
+            <a:cxnSpLocks/>
+          </p:cNvCxnSpPr>
+          <p:nvPr/>
+        </p:nvCxnSpPr>
+        <p:spPr>
+          <a:xfrm flipV="1">
+            <a:off x="5229225" y="3557588"/>
+            <a:ext cx="528638" cy="757236"/>
+          </a:xfrm>
+          <a:prstGeom prst="line">
+            <a:avLst/>
+          </a:prstGeom>
+        </p:spPr>
+        <p:style>
+          <a:lnRef idx="1">
+            <a:schemeClr val="accent1"/>
+          </a:lnRef>
+          <a:fillRef idx="0">
+            <a:schemeClr val="accent1"/>
+          </a:fillRef>
+          <a:effectRef idx="0">
+            <a:schemeClr val="accent1"/>
+          </a:effectRef>
+          <a:fontRef idx="minor">
+            <a:schemeClr val="tx1"/>
+          </a:fontRef>
+        </p:style>
+      </p:cxnSp>
+      <p:cxnSp>
+        <p:nvCxnSpPr>
+          <p:cNvPr id="17" name="Straight Connector 16">
+            <a:extLst>
+              <a:ext uri="{FF2B5EF4-FFF2-40B4-BE49-F238E27FC236}">
+                <a16:creationId xmlns:a16="http://schemas.microsoft.com/office/drawing/2014/main" id="{83561A82-3583-3092-6C94-ADFAFDEB7FA3}"/>
+              </a:ext>
+            </a:extLst>
+          </p:cNvPr>
+          <p:cNvCxnSpPr>
+            <a:cxnSpLocks/>
+          </p:cNvCxnSpPr>
+          <p:nvPr/>
+        </p:nvCxnSpPr>
+        <p:spPr>
+          <a:xfrm flipV="1">
+            <a:off x="5229225" y="3557588"/>
+            <a:ext cx="528638" cy="1957387"/>
+          </a:xfrm>
+          <a:prstGeom prst="line">
+            <a:avLst/>
+          </a:prstGeom>
+        </p:spPr>
+        <p:style>
+          <a:lnRef idx="1">
+            <a:schemeClr val="accent1"/>
+          </a:lnRef>
+          <a:fillRef idx="0">
+            <a:schemeClr val="accent1"/>
+          </a:fillRef>
+          <a:effectRef idx="0">
+            <a:schemeClr val="accent1"/>
+          </a:effectRef>
+          <a:fontRef idx="minor">
+            <a:schemeClr val="tx1"/>
+          </a:fontRef>
+        </p:style>
+      </p:cxnSp>
+      <p:cxnSp>
+        <p:nvCxnSpPr>
+          <p:cNvPr id="24" name="Straight Connector 23">
+            <a:extLst>
+              <a:ext uri="{FF2B5EF4-FFF2-40B4-BE49-F238E27FC236}">
+                <a16:creationId xmlns:a16="http://schemas.microsoft.com/office/drawing/2014/main" id="{F82CF97B-A2DF-B85A-0FA0-CAE7E9A202CD}"/>
+              </a:ext>
+            </a:extLst>
+          </p:cNvPr>
+          <p:cNvCxnSpPr>
+            <a:cxnSpLocks/>
+          </p:cNvCxnSpPr>
+          <p:nvPr/>
+        </p:nvCxnSpPr>
+        <p:spPr>
+          <a:xfrm>
+            <a:off x="8924925" y="2695576"/>
+            <a:ext cx="633413" cy="433387"/>
+          </a:xfrm>
+          <a:prstGeom prst="line">
+            <a:avLst/>
+          </a:prstGeom>
+        </p:spPr>
+        <p:style>
+          <a:lnRef idx="1">
+            <a:schemeClr val="accent1"/>
+          </a:lnRef>
+          <a:fillRef idx="0">
+            <a:schemeClr val="accent1"/>
+          </a:fillRef>
+          <a:effectRef idx="0">
+            <a:schemeClr val="accent1"/>
+          </a:effectRef>
+          <a:fontRef idx="minor">
+            <a:schemeClr val="tx1"/>
+          </a:fontRef>
+        </p:style>
+      </p:cxnSp>
+      <p:cxnSp>
+        <p:nvCxnSpPr>
+          <p:cNvPr id="26" name="Straight Connector 25">
+            <a:extLst>
+              <a:ext uri="{FF2B5EF4-FFF2-40B4-BE49-F238E27FC236}">
+                <a16:creationId xmlns:a16="http://schemas.microsoft.com/office/drawing/2014/main" id="{D72A9CFA-01E3-2761-DB64-2B61335BC8D3}"/>
+              </a:ext>
+            </a:extLst>
+          </p:cNvPr>
+          <p:cNvCxnSpPr>
+            <a:cxnSpLocks/>
+          </p:cNvCxnSpPr>
+          <p:nvPr/>
+        </p:nvCxnSpPr>
+        <p:spPr>
+          <a:xfrm flipV="1">
+            <a:off x="8924925" y="3557588"/>
+            <a:ext cx="533400" cy="169980"/>
+          </a:xfrm>
+          <a:prstGeom prst="line">
+            <a:avLst/>
+          </a:prstGeom>
+        </p:spPr>
+        <p:style>
+          <a:lnRef idx="1">
+            <a:schemeClr val="accent1"/>
+          </a:lnRef>
+          <a:fillRef idx="0">
+            <a:schemeClr val="accent1"/>
+          </a:fillRef>
+          <a:effectRef idx="0">
+            <a:schemeClr val="accent1"/>
+          </a:effectRef>
+          <a:fontRef idx="minor">
+            <a:schemeClr val="tx1"/>
+          </a:fontRef>
+        </p:style>
+      </p:cxnSp>
+    </p:spTree>
+    <p:extLst>
+      <p:ext uri="{BB962C8B-B14F-4D97-AF65-F5344CB8AC3E}">
+        <p14:creationId xmlns:p14="http://schemas.microsoft.com/office/powerpoint/2010/main" val="1397832284"/>
+      </p:ext>
+    </p:extLst>
+  </p:cSld>
+  <p:clrMapOvr>
+    <a:masterClrMapping/>
+  </p:clrMapOvr>
+</p:sld>
+</file>
+
+<file path=ppt/slides/slide4.xml><?xml version="1.0" encoding="utf-8"?>
+<p:sld xmlns:a="http://schemas.openxmlformats.org/drawingml/2006/main" xmlns:r="http://schemas.openxmlformats.org/officeDocument/2006/relationships" xmlns:p="http://schemas.openxmlformats.org/presentationml/2006/main">
+  <p:cSld>
+    <p:spTree>
+      <p:nvGrpSpPr>
+        <p:cNvPr id="1" name=""/>
+        <p:cNvGrpSpPr/>
+        <p:nvPr/>
+      </p:nvGrpSpPr>
+      <p:grpSpPr>
+        <a:xfrm>
+          <a:off x="0" y="0"/>
+          <a:ext cx="0" cy="0"/>
+          <a:chOff x="0" y="0"/>
+          <a:chExt cx="0" cy="0"/>
+        </a:xfrm>
+      </p:grpSpPr>
+      <p:sp>
+        <p:nvSpPr>
+          <p:cNvPr id="2" name="Title 1">
+            <a:extLst>
+              <a:ext uri="{FF2B5EF4-FFF2-40B4-BE49-F238E27FC236}">
+                <a16:creationId xmlns:a16="http://schemas.microsoft.com/office/drawing/2014/main" id="{7639AB5B-D890-3BD7-4240-9E8D0317BFAF}"/>
+              </a:ext>
+            </a:extLst>
+          </p:cNvPr>
+          <p:cNvSpPr>
+            <a:spLocks noGrp="1"/>
+          </p:cNvSpPr>
+          <p:nvPr>
+            <p:ph type="title"/>
+          </p:nvPr>
+        </p:nvSpPr>
+        <p:spPr/>
+        <p:txBody>
+          <a:bodyPr/>
+          <a:lstStyle/>
+          <a:p>
+            <a:endParaRPr lang="en-US"/>
+          </a:p>
+        </p:txBody>
+      </p:sp>
+    </p:spTree>
+    <p:extLst>
+      <p:ext uri="{BB962C8B-B14F-4D97-AF65-F5344CB8AC3E}">
+        <p14:creationId xmlns:p14="http://schemas.microsoft.com/office/powerpoint/2010/main" val="801511393"/>
       </p:ext>
     </p:extLst>
   </p:cSld>

--- a/Report/Pipeline_Process.pptx
+++ b/Report/Pipeline_Process.pptx
@@ -27674,7 +27674,7 @@
               <a:t>Air and Traffic Data ETL Design </a:t>
             </a:r>
             <a:r>
-              <a:rPr lang="en-IN" sz="5200" b="1" dirty="0">
+              <a:rPr lang="en-IN" sz="5200" dirty="0">
                 <a:solidFill>
                   <a:schemeClr val="accent6">
                     <a:lumMod val="75000"/>
@@ -27685,7 +27685,7 @@
               <a:t>H</a:t>
             </a:r>
             <a:r>
-              <a:rPr lang="en-IN" sz="5200" b="1" baseline="-25000" dirty="0">
+              <a:rPr lang="en-IN" sz="5200" baseline="-25000" dirty="0">
                 <a:solidFill>
                   <a:schemeClr val="accent6">
                     <a:lumMod val="75000"/>
@@ -27696,7 +27696,7 @@
               <a:t>2</a:t>
             </a:r>
             <a:r>
-              <a:rPr lang="en-IN" sz="5200" b="1" dirty="0">
+              <a:rPr lang="en-IN" sz="5200" dirty="0">
                 <a:solidFill>
                   <a:schemeClr val="accent6">
                     <a:lumMod val="75000"/>

--- a/Report/Pipeline_Process.pptx
+++ b/Report/Pipeline_Process.pptx
@@ -5,7 +5,7 @@
     <p:sldMasterId id="2147483648" r:id="rId1"/>
   </p:sldMasterIdLst>
   <p:notesMasterIdLst>
-    <p:notesMasterId r:id="rId10"/>
+    <p:notesMasterId r:id="rId14"/>
   </p:notesMasterIdLst>
   <p:sldIdLst>
     <p:sldId id="356" r:id="rId2"/>
@@ -16,6 +16,10 @@
     <p:sldId id="353" r:id="rId7"/>
     <p:sldId id="352" r:id="rId8"/>
     <p:sldId id="357" r:id="rId9"/>
+    <p:sldId id="359" r:id="rId10"/>
+    <p:sldId id="360" r:id="rId11"/>
+    <p:sldId id="361" r:id="rId12"/>
+    <p:sldId id="362" r:id="rId13"/>
   </p:sldIdLst>
   <p:sldSz cx="12192000" cy="6858000"/>
   <p:notesSz cx="6858000" cy="9144000"/>
@@ -16133,6 +16137,552 @@
     <p:extLst>
       <p:ext uri="{BB962C8B-B14F-4D97-AF65-F5344CB8AC3E}">
         <p14:creationId xmlns:p14="http://schemas.microsoft.com/office/powerpoint/2010/main" val="3004191264"/>
+      </p:ext>
+    </p:extLst>
+  </p:cSld>
+  <p:clrMapOvr>
+    <a:masterClrMapping/>
+  </p:clrMapOvr>
+</p:sld>
+</file>
+
+<file path=ppt/slides/slide10.xml><?xml version="1.0" encoding="utf-8"?>
+<p:sld xmlns:a="http://schemas.openxmlformats.org/drawingml/2006/main" xmlns:r="http://schemas.openxmlformats.org/officeDocument/2006/relationships" xmlns:p="http://schemas.openxmlformats.org/presentationml/2006/main">
+  <p:cSld>
+    <p:spTree>
+      <p:nvGrpSpPr>
+        <p:cNvPr id="1" name=""/>
+        <p:cNvGrpSpPr/>
+        <p:nvPr/>
+      </p:nvGrpSpPr>
+      <p:grpSpPr>
+        <a:xfrm>
+          <a:off x="0" y="0"/>
+          <a:ext cx="0" cy="0"/>
+          <a:chOff x="0" y="0"/>
+          <a:chExt cx="0" cy="0"/>
+        </a:xfrm>
+      </p:grpSpPr>
+      <p:sp>
+        <p:nvSpPr>
+          <p:cNvPr id="3" name="Rectangle 2">
+            <a:extLst>
+              <a:ext uri="{FF2B5EF4-FFF2-40B4-BE49-F238E27FC236}">
+                <a16:creationId xmlns:a16="http://schemas.microsoft.com/office/drawing/2014/main" id="{F14B05A7-BB9F-BE8B-2644-529ADA28BF37}"/>
+              </a:ext>
+            </a:extLst>
+          </p:cNvPr>
+          <p:cNvSpPr/>
+          <p:nvPr/>
+        </p:nvSpPr>
+        <p:spPr>
+          <a:xfrm>
+            <a:off x="146756" y="0"/>
+            <a:ext cx="12045244" cy="892552"/>
+          </a:xfrm>
+          <a:prstGeom prst="rect">
+            <a:avLst/>
+          </a:prstGeom>
+        </p:spPr>
+        <p:txBody>
+          <a:bodyPr wrap="square">
+            <a:spAutoFit/>
+          </a:bodyPr>
+          <a:lstStyle/>
+          <a:p>
+            <a:r>
+              <a:rPr lang="en-IN" sz="3200" dirty="0">
+                <a:latin typeface="Agency FB" panose="020B0503020202020204" pitchFamily="34" charset="0"/>
+              </a:rPr>
+              <a:t>Air and Traffic : </a:t>
+            </a:r>
+            <a:r>
+              <a:rPr lang="en-IN" sz="5200" dirty="0">
+                <a:solidFill>
+                  <a:schemeClr val="accent6">
+                    <a:lumMod val="75000"/>
+                  </a:schemeClr>
+                </a:solidFill>
+                <a:latin typeface="Agency FB" panose="020B0503020202020204" pitchFamily="34" charset="0"/>
+              </a:rPr>
+              <a:t>H</a:t>
+            </a:r>
+            <a:r>
+              <a:rPr lang="en-IN" sz="5200" baseline="-25000" dirty="0">
+                <a:solidFill>
+                  <a:schemeClr val="accent6">
+                    <a:lumMod val="75000"/>
+                  </a:schemeClr>
+                </a:solidFill>
+                <a:latin typeface="Agency FB" panose="020B0503020202020204" pitchFamily="34" charset="0"/>
+              </a:rPr>
+              <a:t>2</a:t>
+            </a:r>
+            <a:r>
+              <a:rPr lang="en-IN" sz="5200" dirty="0">
+                <a:solidFill>
+                  <a:schemeClr val="accent6">
+                    <a:lumMod val="75000"/>
+                  </a:schemeClr>
+                </a:solidFill>
+                <a:latin typeface="Agency FB" panose="020B0503020202020204" pitchFamily="34" charset="0"/>
+              </a:rPr>
+              <a:t>O </a:t>
+            </a:r>
+            <a:r>
+              <a:rPr lang="en-IN" sz="5200" b="1" dirty="0" err="1">
+                <a:solidFill>
+                  <a:schemeClr val="accent6">
+                    <a:lumMod val="75000"/>
+                  </a:schemeClr>
+                </a:solidFill>
+                <a:latin typeface="Agency FB" panose="020B0503020202020204" pitchFamily="34" charset="0"/>
+              </a:rPr>
+              <a:t>Pedestrains</a:t>
+            </a:r>
+            <a:r>
+              <a:rPr lang="en-IN" sz="5200" dirty="0">
+                <a:solidFill>
+                  <a:schemeClr val="accent6">
+                    <a:lumMod val="75000"/>
+                  </a:schemeClr>
+                </a:solidFill>
+                <a:latin typeface="Agency FB" panose="020B0503020202020204" pitchFamily="34" charset="0"/>
+              </a:rPr>
+              <a:t> More </a:t>
+            </a:r>
+            <a:r>
+              <a:rPr lang="en-IN" sz="5200" b="1" dirty="0">
+                <a:solidFill>
+                  <a:schemeClr val="accent6">
+                    <a:lumMod val="75000"/>
+                  </a:schemeClr>
+                </a:solidFill>
+                <a:latin typeface="Agency FB" panose="020B0503020202020204" pitchFamily="34" charset="0"/>
+              </a:rPr>
+              <a:t>Spatial</a:t>
+            </a:r>
+            <a:r>
+              <a:rPr lang="en-IN" sz="5200" dirty="0">
+                <a:solidFill>
+                  <a:schemeClr val="accent6">
+                    <a:lumMod val="75000"/>
+                  </a:schemeClr>
+                </a:solidFill>
+                <a:latin typeface="Agency FB" panose="020B0503020202020204" pitchFamily="34" charset="0"/>
+              </a:rPr>
+              <a:t> Less </a:t>
+            </a:r>
+            <a:r>
+              <a:rPr lang="en-IN" sz="5200" b="1" dirty="0">
+                <a:solidFill>
+                  <a:srgbClr val="002060"/>
+                </a:solidFill>
+                <a:latin typeface="Agency FB" panose="020B0503020202020204" pitchFamily="34" charset="0"/>
+              </a:rPr>
+              <a:t>Temporal</a:t>
+            </a:r>
+          </a:p>
+        </p:txBody>
+      </p:sp>
+      <p:pic>
+        <p:nvPicPr>
+          <p:cNvPr id="2" name="Picture 1">
+            <a:extLst>
+              <a:ext uri="{FF2B5EF4-FFF2-40B4-BE49-F238E27FC236}">
+                <a16:creationId xmlns:a16="http://schemas.microsoft.com/office/drawing/2014/main" id="{CA2149F2-72B0-923C-8226-F25BA654D492}"/>
+              </a:ext>
+            </a:extLst>
+          </p:cNvPr>
+          <p:cNvPicPr>
+            <a:picLocks noChangeAspect="1"/>
+          </p:cNvPicPr>
+          <p:nvPr/>
+        </p:nvPicPr>
+        <p:blipFill>
+          <a:blip r:embed="rId2"/>
+          <a:stretch>
+            <a:fillRect/>
+          </a:stretch>
+        </p:blipFill>
+        <p:spPr>
+          <a:xfrm>
+            <a:off x="146756" y="892553"/>
+            <a:ext cx="12045243" cy="5926444"/>
+          </a:xfrm>
+          <a:prstGeom prst="rect">
+            <a:avLst/>
+          </a:prstGeom>
+        </p:spPr>
+      </p:pic>
+    </p:spTree>
+    <p:extLst>
+      <p:ext uri="{BB962C8B-B14F-4D97-AF65-F5344CB8AC3E}">
+        <p14:creationId xmlns:p14="http://schemas.microsoft.com/office/powerpoint/2010/main" val="1942887179"/>
+      </p:ext>
+    </p:extLst>
+  </p:cSld>
+  <p:clrMapOvr>
+    <a:masterClrMapping/>
+  </p:clrMapOvr>
+</p:sld>
+</file>
+
+<file path=ppt/slides/slide11.xml><?xml version="1.0" encoding="utf-8"?>
+<p:sld xmlns:a="http://schemas.openxmlformats.org/drawingml/2006/main" xmlns:r="http://schemas.openxmlformats.org/officeDocument/2006/relationships" xmlns:p="http://schemas.openxmlformats.org/presentationml/2006/main">
+  <p:cSld>
+    <p:spTree>
+      <p:nvGrpSpPr>
+        <p:cNvPr id="1" name=""/>
+        <p:cNvGrpSpPr/>
+        <p:nvPr/>
+      </p:nvGrpSpPr>
+      <p:grpSpPr>
+        <a:xfrm>
+          <a:off x="0" y="0"/>
+          <a:ext cx="0" cy="0"/>
+          <a:chOff x="0" y="0"/>
+          <a:chExt cx="0" cy="0"/>
+        </a:xfrm>
+      </p:grpSpPr>
+      <p:sp>
+        <p:nvSpPr>
+          <p:cNvPr id="3" name="Rectangle 2">
+            <a:extLst>
+              <a:ext uri="{FF2B5EF4-FFF2-40B4-BE49-F238E27FC236}">
+                <a16:creationId xmlns:a16="http://schemas.microsoft.com/office/drawing/2014/main" id="{F14B05A7-BB9F-BE8B-2644-529ADA28BF37}"/>
+              </a:ext>
+            </a:extLst>
+          </p:cNvPr>
+          <p:cNvSpPr/>
+          <p:nvPr/>
+        </p:nvSpPr>
+        <p:spPr>
+          <a:xfrm>
+            <a:off x="146756" y="0"/>
+            <a:ext cx="11898488" cy="892552"/>
+          </a:xfrm>
+          <a:prstGeom prst="rect">
+            <a:avLst/>
+          </a:prstGeom>
+        </p:spPr>
+        <p:txBody>
+          <a:bodyPr wrap="square">
+            <a:spAutoFit/>
+          </a:bodyPr>
+          <a:lstStyle/>
+          <a:p>
+            <a:pPr algn="ctr"/>
+            <a:r>
+              <a:rPr lang="en-IN" sz="3200" b="1" dirty="0">
+                <a:latin typeface="Agency FB" panose="020B0503020202020204" pitchFamily="34" charset="0"/>
+              </a:rPr>
+              <a:t>Where</a:t>
+            </a:r>
+            <a:r>
+              <a:rPr lang="en-IN" sz="3200" dirty="0">
+                <a:latin typeface="Agency FB" panose="020B0503020202020204" pitchFamily="34" charset="0"/>
+              </a:rPr>
+              <a:t> </a:t>
+            </a:r>
+            <a:r>
+              <a:rPr lang="en-IN" sz="3200" b="1" dirty="0">
+                <a:latin typeface="Agency FB" panose="020B0503020202020204" pitchFamily="34" charset="0"/>
+              </a:rPr>
+              <a:t>is</a:t>
+            </a:r>
+            <a:r>
+              <a:rPr lang="en-IN" sz="3200" dirty="0">
+                <a:latin typeface="Agency FB" panose="020B0503020202020204" pitchFamily="34" charset="0"/>
+              </a:rPr>
+              <a:t>: </a:t>
+            </a:r>
+            <a:r>
+              <a:rPr lang="en-IN" sz="5200" dirty="0">
+                <a:solidFill>
+                  <a:schemeClr val="accent6">
+                    <a:lumMod val="75000"/>
+                  </a:schemeClr>
+                </a:solidFill>
+                <a:latin typeface="Agency FB" panose="020B0503020202020204" pitchFamily="34" charset="0"/>
+              </a:rPr>
+              <a:t>H</a:t>
+            </a:r>
+            <a:r>
+              <a:rPr lang="en-IN" sz="5200" baseline="-25000" dirty="0">
+                <a:solidFill>
+                  <a:schemeClr val="accent6">
+                    <a:lumMod val="75000"/>
+                  </a:schemeClr>
+                </a:solidFill>
+                <a:latin typeface="Agency FB" panose="020B0503020202020204" pitchFamily="34" charset="0"/>
+              </a:rPr>
+              <a:t>2</a:t>
+            </a:r>
+            <a:r>
+              <a:rPr lang="en-IN" sz="5200" dirty="0">
+                <a:solidFill>
+                  <a:schemeClr val="accent6">
+                    <a:lumMod val="75000"/>
+                  </a:schemeClr>
+                </a:solidFill>
+                <a:latin typeface="Agency FB" panose="020B0503020202020204" pitchFamily="34" charset="0"/>
+              </a:rPr>
+              <a:t>O </a:t>
+            </a:r>
+            <a:r>
+              <a:rPr lang="en-IN" sz="5200" b="1" dirty="0" err="1">
+                <a:solidFill>
+                  <a:schemeClr val="accent6">
+                    <a:lumMod val="75000"/>
+                  </a:schemeClr>
+                </a:solidFill>
+                <a:latin typeface="Agency FB" panose="020B0503020202020204" pitchFamily="34" charset="0"/>
+              </a:rPr>
+              <a:t>Pedestrains</a:t>
+            </a:r>
+            <a:r>
+              <a:rPr lang="en-IN" sz="5200" dirty="0">
+                <a:solidFill>
+                  <a:schemeClr val="accent6">
+                    <a:lumMod val="75000"/>
+                  </a:schemeClr>
+                </a:solidFill>
+                <a:latin typeface="Agency FB" panose="020B0503020202020204" pitchFamily="34" charset="0"/>
+              </a:rPr>
+              <a:t> More </a:t>
+            </a:r>
+            <a:r>
+              <a:rPr lang="en-IN" sz="5200" b="1" dirty="0">
+                <a:solidFill>
+                  <a:schemeClr val="accent6">
+                    <a:lumMod val="75000"/>
+                  </a:schemeClr>
+                </a:solidFill>
+                <a:latin typeface="Agency FB" panose="020B0503020202020204" pitchFamily="34" charset="0"/>
+              </a:rPr>
+              <a:t>Spatial</a:t>
+            </a:r>
+            <a:r>
+              <a:rPr lang="en-IN" sz="5200" dirty="0">
+                <a:solidFill>
+                  <a:schemeClr val="accent6">
+                    <a:lumMod val="75000"/>
+                  </a:schemeClr>
+                </a:solidFill>
+                <a:latin typeface="Agency FB" panose="020B0503020202020204" pitchFamily="34" charset="0"/>
+              </a:rPr>
+              <a:t> Less </a:t>
+            </a:r>
+            <a:r>
+              <a:rPr lang="en-IN" sz="5200" b="1" dirty="0">
+                <a:solidFill>
+                  <a:srgbClr val="002060"/>
+                </a:solidFill>
+                <a:latin typeface="Agency FB" panose="020B0503020202020204" pitchFamily="34" charset="0"/>
+              </a:rPr>
+              <a:t>Temporal</a:t>
+            </a:r>
+          </a:p>
+        </p:txBody>
+      </p:sp>
+      <p:pic>
+        <p:nvPicPr>
+          <p:cNvPr id="2" name="Picture 1">
+            <a:extLst>
+              <a:ext uri="{FF2B5EF4-FFF2-40B4-BE49-F238E27FC236}">
+                <a16:creationId xmlns:a16="http://schemas.microsoft.com/office/drawing/2014/main" id="{18BA2162-5A46-1B88-B71B-D56312F39C47}"/>
+              </a:ext>
+            </a:extLst>
+          </p:cNvPr>
+          <p:cNvPicPr>
+            <a:picLocks noChangeAspect="1"/>
+          </p:cNvPicPr>
+          <p:nvPr/>
+        </p:nvPicPr>
+        <p:blipFill>
+          <a:blip r:embed="rId2"/>
+          <a:stretch>
+            <a:fillRect/>
+          </a:stretch>
+        </p:blipFill>
+        <p:spPr>
+          <a:xfrm>
+            <a:off x="1" y="892552"/>
+            <a:ext cx="12045244" cy="5954531"/>
+          </a:xfrm>
+          <a:prstGeom prst="rect">
+            <a:avLst/>
+          </a:prstGeom>
+        </p:spPr>
+      </p:pic>
+    </p:spTree>
+    <p:extLst>
+      <p:ext uri="{BB962C8B-B14F-4D97-AF65-F5344CB8AC3E}">
+        <p14:creationId xmlns:p14="http://schemas.microsoft.com/office/powerpoint/2010/main" val="913306657"/>
+      </p:ext>
+    </p:extLst>
+  </p:cSld>
+  <p:clrMapOvr>
+    <a:masterClrMapping/>
+  </p:clrMapOvr>
+</p:sld>
+</file>
+
+<file path=ppt/slides/slide12.xml><?xml version="1.0" encoding="utf-8"?>
+<p:sld xmlns:a="http://schemas.openxmlformats.org/drawingml/2006/main" xmlns:r="http://schemas.openxmlformats.org/officeDocument/2006/relationships" xmlns:p="http://schemas.openxmlformats.org/presentationml/2006/main">
+  <p:cSld>
+    <p:spTree>
+      <p:nvGrpSpPr>
+        <p:cNvPr id="1" name=""/>
+        <p:cNvGrpSpPr/>
+        <p:nvPr/>
+      </p:nvGrpSpPr>
+      <p:grpSpPr>
+        <a:xfrm>
+          <a:off x="0" y="0"/>
+          <a:ext cx="0" cy="0"/>
+          <a:chOff x="0" y="0"/>
+          <a:chExt cx="0" cy="0"/>
+        </a:xfrm>
+      </p:grpSpPr>
+      <p:sp>
+        <p:nvSpPr>
+          <p:cNvPr id="3" name="Rectangle 2">
+            <a:extLst>
+              <a:ext uri="{FF2B5EF4-FFF2-40B4-BE49-F238E27FC236}">
+                <a16:creationId xmlns:a16="http://schemas.microsoft.com/office/drawing/2014/main" id="{F14B05A7-BB9F-BE8B-2644-529ADA28BF37}"/>
+              </a:ext>
+            </a:extLst>
+          </p:cNvPr>
+          <p:cNvSpPr/>
+          <p:nvPr/>
+        </p:nvSpPr>
+        <p:spPr>
+          <a:xfrm>
+            <a:off x="146756" y="0"/>
+            <a:ext cx="11898488" cy="892552"/>
+          </a:xfrm>
+          <a:prstGeom prst="rect">
+            <a:avLst/>
+          </a:prstGeom>
+        </p:spPr>
+        <p:txBody>
+          <a:bodyPr wrap="square">
+            <a:spAutoFit/>
+          </a:bodyPr>
+          <a:lstStyle/>
+          <a:p>
+            <a:pPr algn="ctr"/>
+            <a:r>
+              <a:rPr lang="en-IN" sz="3200" dirty="0">
+                <a:latin typeface="Agency FB" panose="020B0503020202020204" pitchFamily="34" charset="0"/>
+              </a:rPr>
+              <a:t>Finally: </a:t>
+            </a:r>
+            <a:r>
+              <a:rPr lang="en-IN" sz="5200" dirty="0">
+                <a:solidFill>
+                  <a:schemeClr val="accent6">
+                    <a:lumMod val="75000"/>
+                  </a:schemeClr>
+                </a:solidFill>
+                <a:latin typeface="Agency FB" panose="020B0503020202020204" pitchFamily="34" charset="0"/>
+              </a:rPr>
+              <a:t>The Map</a:t>
+            </a:r>
+            <a:endParaRPr lang="en-IN" sz="5200" b="1" dirty="0">
+              <a:solidFill>
+                <a:srgbClr val="002060"/>
+              </a:solidFill>
+              <a:latin typeface="Agency FB" panose="020B0503020202020204" pitchFamily="34" charset="0"/>
+            </a:endParaRPr>
+          </a:p>
+        </p:txBody>
+      </p:sp>
+      <p:sp>
+        <p:nvSpPr>
+          <p:cNvPr id="4" name="TextBox 3">
+            <a:extLst>
+              <a:ext uri="{FF2B5EF4-FFF2-40B4-BE49-F238E27FC236}">
+                <a16:creationId xmlns:a16="http://schemas.microsoft.com/office/drawing/2014/main" id="{49D73F53-F861-B98B-1888-320AEC4CB6F2}"/>
+              </a:ext>
+            </a:extLst>
+          </p:cNvPr>
+          <p:cNvSpPr txBox="1"/>
+          <p:nvPr/>
+        </p:nvSpPr>
+        <p:spPr>
+          <a:xfrm>
+            <a:off x="439387" y="1471613"/>
+            <a:ext cx="11519065" cy="1938992"/>
+          </a:xfrm>
+          <a:prstGeom prst="rect">
+            <a:avLst/>
+          </a:prstGeom>
+          <a:noFill/>
+        </p:spPr>
+        <p:txBody>
+          <a:bodyPr wrap="square" rtlCol="0">
+            <a:spAutoFit/>
+          </a:bodyPr>
+          <a:lstStyle/>
+          <a:p>
+            <a:r>
+              <a:rPr lang="en-US" sz="6000" dirty="0">
+                <a:hlinkClick r:id="rId2"/>
+              </a:rPr>
+              <a:t>https://amr-y-shalaby.github.io/ggr_472_project/</a:t>
+            </a:r>
+            <a:endParaRPr lang="en-US" sz="6000" dirty="0"/>
+          </a:p>
+        </p:txBody>
+      </p:sp>
+      <p:sp>
+        <p:nvSpPr>
+          <p:cNvPr id="5" name="TextBox 4">
+            <a:extLst>
+              <a:ext uri="{FF2B5EF4-FFF2-40B4-BE49-F238E27FC236}">
+                <a16:creationId xmlns:a16="http://schemas.microsoft.com/office/drawing/2014/main" id="{C880C50A-CD9E-FC1A-9CD8-8C933053C124}"/>
+              </a:ext>
+            </a:extLst>
+          </p:cNvPr>
+          <p:cNvSpPr txBox="1"/>
+          <p:nvPr/>
+        </p:nvSpPr>
+        <p:spPr>
+          <a:xfrm>
+            <a:off x="439387" y="4141582"/>
+            <a:ext cx="11519065" cy="1938992"/>
+          </a:xfrm>
+          <a:prstGeom prst="rect">
+            <a:avLst/>
+          </a:prstGeom>
+          <a:noFill/>
+        </p:spPr>
+        <p:txBody>
+          <a:bodyPr wrap="square" rtlCol="0">
+            <a:spAutoFit/>
+          </a:bodyPr>
+          <a:lstStyle/>
+          <a:p>
+            <a:r>
+              <a:rPr lang="en-US" sz="6000" dirty="0">
+                <a:hlinkClick r:id="rId3"/>
+              </a:rPr>
+              <a:t>https://github.com/amr-y-shalaby/ggr_472_project</a:t>
+            </a:r>
+            <a:r>
+              <a:rPr lang="en-US" sz="6000" dirty="0"/>
+              <a:t> </a:t>
+            </a:r>
+          </a:p>
+        </p:txBody>
+      </p:sp>
+    </p:spTree>
+    <p:extLst>
+      <p:ext uri="{BB962C8B-B14F-4D97-AF65-F5344CB8AC3E}">
+        <p14:creationId xmlns:p14="http://schemas.microsoft.com/office/powerpoint/2010/main" val="2276401753"/>
       </p:ext>
     </p:extLst>
   </p:cSld>
@@ -26275,8 +26825,8 @@
           </a:extLst>
         </p:spPr>
       </p:pic>
-      <mc:AlternateContent xmlns:mc="http://schemas.openxmlformats.org/markup-compatibility/2006">
-        <mc:Choice xmlns:a14="http://schemas.microsoft.com/office/drawing/2010/main" Requires="a14">
+      <mc:AlternateContent xmlns:mc="http://schemas.openxmlformats.org/markup-compatibility/2006" xmlns:a14="http://schemas.microsoft.com/office/drawing/2010/main">
+        <mc:Choice Requires="a14">
           <p:sp>
             <p:nvSpPr>
               <p:cNvPr id="8" name="Rectangle 7">
@@ -26448,7 +26998,7 @@
             </p:txBody>
           </p:sp>
         </mc:Choice>
-        <mc:Fallback>
+        <mc:Fallback xmlns="">
           <p:sp>
             <p:nvSpPr>
               <p:cNvPr id="8" name="Rectangle 7">
@@ -27654,7 +28204,7 @@
         <p:spPr>
           <a:xfrm>
             <a:off x="146756" y="0"/>
-            <a:ext cx="11898488" cy="923330"/>
+            <a:ext cx="11898488" cy="892552"/>
           </a:xfrm>
           <a:prstGeom prst="rect">
             <a:avLst/>
@@ -27671,7 +28221,7 @@
               <a:rPr lang="en-IN" sz="3200" dirty="0">
                 <a:latin typeface="Agency FB" panose="020B0503020202020204" pitchFamily="34" charset="0"/>
               </a:rPr>
-              <a:t>Air and Traffic Data ETL Design </a:t>
+              <a:t>Air and Traffic: </a:t>
             </a:r>
             <a:r>
               <a:rPr lang="en-IN" sz="5200" dirty="0">
@@ -27704,15 +28254,277 @@
                 </a:solidFill>
                 <a:latin typeface="Agency FB" panose="020B0503020202020204" pitchFamily="34" charset="0"/>
               </a:rPr>
-              <a:t>O Statistical Truths</a:t>
+              <a:t>O Traffic More </a:t>
+            </a:r>
+            <a:r>
+              <a:rPr lang="en-IN" sz="5200" b="1" dirty="0">
+                <a:solidFill>
+                  <a:schemeClr val="accent6">
+                    <a:lumMod val="75000"/>
+                  </a:schemeClr>
+                </a:solidFill>
+                <a:latin typeface="Agency FB" panose="020B0503020202020204" pitchFamily="34" charset="0"/>
+              </a:rPr>
+              <a:t>Spatial</a:t>
+            </a:r>
+            <a:r>
+              <a:rPr lang="en-IN" sz="5200" dirty="0">
+                <a:solidFill>
+                  <a:schemeClr val="accent6">
+                    <a:lumMod val="75000"/>
+                  </a:schemeClr>
+                </a:solidFill>
+                <a:latin typeface="Agency FB" panose="020B0503020202020204" pitchFamily="34" charset="0"/>
+              </a:rPr>
+              <a:t> Less </a:t>
+            </a:r>
+            <a:r>
+              <a:rPr lang="en-IN" sz="5200" b="1" dirty="0">
+                <a:solidFill>
+                  <a:srgbClr val="002060"/>
+                </a:solidFill>
+                <a:latin typeface="Agency FB" panose="020B0503020202020204" pitchFamily="34" charset="0"/>
+              </a:rPr>
+              <a:t>Temporal</a:t>
             </a:r>
           </a:p>
         </p:txBody>
       </p:sp>
+      <p:pic>
+        <p:nvPicPr>
+          <p:cNvPr id="2" name="Picture 1">
+            <a:extLst>
+              <a:ext uri="{FF2B5EF4-FFF2-40B4-BE49-F238E27FC236}">
+                <a16:creationId xmlns:a16="http://schemas.microsoft.com/office/drawing/2014/main" id="{C1A4FCDF-1FBF-5076-899A-A38E98FE50CA}"/>
+              </a:ext>
+            </a:extLst>
+          </p:cNvPr>
+          <p:cNvPicPr>
+            <a:picLocks noChangeAspect="1"/>
+          </p:cNvPicPr>
+          <p:nvPr/>
+        </p:nvPicPr>
+        <p:blipFill>
+          <a:blip r:embed="rId2"/>
+          <a:stretch>
+            <a:fillRect/>
+          </a:stretch>
+        </p:blipFill>
+        <p:spPr>
+          <a:xfrm>
+            <a:off x="146756" y="721450"/>
+            <a:ext cx="12045244" cy="5824158"/>
+          </a:xfrm>
+          <a:prstGeom prst="rect">
+            <a:avLst/>
+          </a:prstGeom>
+        </p:spPr>
+      </p:pic>
     </p:spTree>
     <p:extLst>
       <p:ext uri="{BB962C8B-B14F-4D97-AF65-F5344CB8AC3E}">
         <p14:creationId xmlns:p14="http://schemas.microsoft.com/office/powerpoint/2010/main" val="1673821164"/>
+      </p:ext>
+    </p:extLst>
+  </p:cSld>
+  <p:clrMapOvr>
+    <a:masterClrMapping/>
+  </p:clrMapOvr>
+</p:sld>
+</file>
+
+<file path=ppt/slides/slide9.xml><?xml version="1.0" encoding="utf-8"?>
+<p:sld xmlns:a="http://schemas.openxmlformats.org/drawingml/2006/main" xmlns:r="http://schemas.openxmlformats.org/officeDocument/2006/relationships" xmlns:p="http://schemas.openxmlformats.org/presentationml/2006/main">
+  <p:cSld>
+    <p:spTree>
+      <p:nvGrpSpPr>
+        <p:cNvPr id="1" name=""/>
+        <p:cNvGrpSpPr/>
+        <p:nvPr/>
+      </p:nvGrpSpPr>
+      <p:grpSpPr>
+        <a:xfrm>
+          <a:off x="0" y="0"/>
+          <a:ext cx="0" cy="0"/>
+          <a:chOff x="0" y="0"/>
+          <a:chExt cx="0" cy="0"/>
+        </a:xfrm>
+      </p:grpSpPr>
+      <p:sp>
+        <p:nvSpPr>
+          <p:cNvPr id="3" name="Rectangle 2">
+            <a:extLst>
+              <a:ext uri="{FF2B5EF4-FFF2-40B4-BE49-F238E27FC236}">
+                <a16:creationId xmlns:a16="http://schemas.microsoft.com/office/drawing/2014/main" id="{F14B05A7-BB9F-BE8B-2644-529ADA28BF37}"/>
+              </a:ext>
+            </a:extLst>
+          </p:cNvPr>
+          <p:cNvSpPr/>
+          <p:nvPr/>
+        </p:nvSpPr>
+        <p:spPr>
+          <a:xfrm>
+            <a:off x="146756" y="0"/>
+            <a:ext cx="11898488" cy="892552"/>
+          </a:xfrm>
+          <a:prstGeom prst="rect">
+            <a:avLst/>
+          </a:prstGeom>
+        </p:spPr>
+        <p:txBody>
+          <a:bodyPr wrap="square">
+            <a:spAutoFit/>
+          </a:bodyPr>
+          <a:lstStyle/>
+          <a:p>
+            <a:pPr algn="ctr"/>
+            <a:r>
+              <a:rPr lang="en-IN" sz="3200" b="1" dirty="0">
+                <a:latin typeface="Agency FB" panose="020B0503020202020204" pitchFamily="34" charset="0"/>
+              </a:rPr>
+              <a:t>Where</a:t>
+            </a:r>
+            <a:r>
+              <a:rPr lang="en-IN" sz="3200" dirty="0">
+                <a:latin typeface="Agency FB" panose="020B0503020202020204" pitchFamily="34" charset="0"/>
+              </a:rPr>
+              <a:t> </a:t>
+            </a:r>
+            <a:r>
+              <a:rPr lang="en-IN" sz="3200" b="1" dirty="0">
+                <a:latin typeface="Agency FB" panose="020B0503020202020204" pitchFamily="34" charset="0"/>
+              </a:rPr>
+              <a:t>is</a:t>
+            </a:r>
+            <a:r>
+              <a:rPr lang="en-IN" sz="3200" dirty="0">
+                <a:latin typeface="Agency FB" panose="020B0503020202020204" pitchFamily="34" charset="0"/>
+              </a:rPr>
+              <a:t>: </a:t>
+            </a:r>
+            <a:r>
+              <a:rPr lang="en-IN" sz="5200" dirty="0">
+                <a:solidFill>
+                  <a:schemeClr val="accent6">
+                    <a:lumMod val="75000"/>
+                  </a:schemeClr>
+                </a:solidFill>
+                <a:latin typeface="Agency FB" panose="020B0503020202020204" pitchFamily="34" charset="0"/>
+              </a:rPr>
+              <a:t>H</a:t>
+            </a:r>
+            <a:r>
+              <a:rPr lang="en-IN" sz="5200" baseline="-25000" dirty="0">
+                <a:solidFill>
+                  <a:schemeClr val="accent6">
+                    <a:lumMod val="75000"/>
+                  </a:schemeClr>
+                </a:solidFill>
+                <a:latin typeface="Agency FB" panose="020B0503020202020204" pitchFamily="34" charset="0"/>
+              </a:rPr>
+              <a:t>2</a:t>
+            </a:r>
+            <a:r>
+              <a:rPr lang="en-IN" sz="5200" dirty="0">
+                <a:solidFill>
+                  <a:schemeClr val="accent6">
+                    <a:lumMod val="75000"/>
+                  </a:schemeClr>
+                </a:solidFill>
+                <a:latin typeface="Agency FB" panose="020B0503020202020204" pitchFamily="34" charset="0"/>
+              </a:rPr>
+              <a:t>O </a:t>
+            </a:r>
+            <a:r>
+              <a:rPr lang="en-IN" sz="5200" b="1" dirty="0">
+                <a:solidFill>
+                  <a:schemeClr val="accent6">
+                    <a:lumMod val="75000"/>
+                  </a:schemeClr>
+                </a:solidFill>
+                <a:latin typeface="Agency FB" panose="020B0503020202020204" pitchFamily="34" charset="0"/>
+              </a:rPr>
+              <a:t>Traffic</a:t>
+            </a:r>
+            <a:r>
+              <a:rPr lang="en-IN" sz="5200" dirty="0">
+                <a:solidFill>
+                  <a:schemeClr val="accent6">
+                    <a:lumMod val="75000"/>
+                  </a:schemeClr>
+                </a:solidFill>
+                <a:latin typeface="Agency FB" panose="020B0503020202020204" pitchFamily="34" charset="0"/>
+              </a:rPr>
+              <a:t> More </a:t>
+            </a:r>
+            <a:r>
+              <a:rPr lang="en-IN" sz="5200" b="1" dirty="0">
+                <a:solidFill>
+                  <a:schemeClr val="accent6">
+                    <a:lumMod val="75000"/>
+                  </a:schemeClr>
+                </a:solidFill>
+                <a:latin typeface="Agency FB" panose="020B0503020202020204" pitchFamily="34" charset="0"/>
+              </a:rPr>
+              <a:t>Spatial</a:t>
+            </a:r>
+            <a:r>
+              <a:rPr lang="en-IN" sz="5200" dirty="0">
+                <a:solidFill>
+                  <a:schemeClr val="accent6">
+                    <a:lumMod val="75000"/>
+                  </a:schemeClr>
+                </a:solidFill>
+                <a:latin typeface="Agency FB" panose="020B0503020202020204" pitchFamily="34" charset="0"/>
+              </a:rPr>
+              <a:t> Less </a:t>
+            </a:r>
+            <a:r>
+              <a:rPr lang="en-IN" sz="5200" b="1" dirty="0">
+                <a:solidFill>
+                  <a:srgbClr val="002060"/>
+                </a:solidFill>
+                <a:latin typeface="Agency FB" panose="020B0503020202020204" pitchFamily="34" charset="0"/>
+              </a:rPr>
+              <a:t>Temporal</a:t>
+            </a:r>
+          </a:p>
+        </p:txBody>
+      </p:sp>
+      <p:pic>
+        <p:nvPicPr>
+          <p:cNvPr id="5" name="Picture 4">
+            <a:extLst>
+              <a:ext uri="{FF2B5EF4-FFF2-40B4-BE49-F238E27FC236}">
+                <a16:creationId xmlns:a16="http://schemas.microsoft.com/office/drawing/2014/main" id="{CFDB5CFF-BD0A-07E8-F188-72AF4C22CDED}"/>
+              </a:ext>
+            </a:extLst>
+          </p:cNvPr>
+          <p:cNvPicPr>
+            <a:picLocks noChangeAspect="1"/>
+          </p:cNvPicPr>
+          <p:nvPr/>
+        </p:nvPicPr>
+        <p:blipFill>
+          <a:blip r:embed="rId2"/>
+          <a:stretch>
+            <a:fillRect/>
+          </a:stretch>
+        </p:blipFill>
+        <p:spPr>
+          <a:xfrm>
+            <a:off x="0" y="892552"/>
+            <a:ext cx="12045244" cy="5950191"/>
+          </a:xfrm>
+          <a:prstGeom prst="rect">
+            <a:avLst/>
+          </a:prstGeom>
+        </p:spPr>
+      </p:pic>
+    </p:spTree>
+    <p:extLst>
+      <p:ext uri="{BB962C8B-B14F-4D97-AF65-F5344CB8AC3E}">
+        <p14:creationId xmlns:p14="http://schemas.microsoft.com/office/powerpoint/2010/main" val="1189916357"/>
       </p:ext>
     </p:extLst>
   </p:cSld>

--- a/Report/Pipeline_Process.pptx
+++ b/Report/Pipeline_Process.pptx
@@ -5,7 +5,7 @@
     <p:sldMasterId id="2147483648" r:id="rId1"/>
   </p:sldMasterIdLst>
   <p:notesMasterIdLst>
-    <p:notesMasterId r:id="rId14"/>
+    <p:notesMasterId r:id="rId15"/>
   </p:notesMasterIdLst>
   <p:sldIdLst>
     <p:sldId id="356" r:id="rId2"/>
@@ -13,13 +13,14 @@
     <p:sldId id="256" r:id="rId4"/>
     <p:sldId id="355" r:id="rId5"/>
     <p:sldId id="354" r:id="rId6"/>
-    <p:sldId id="353" r:id="rId7"/>
-    <p:sldId id="352" r:id="rId8"/>
-    <p:sldId id="357" r:id="rId9"/>
-    <p:sldId id="359" r:id="rId10"/>
-    <p:sldId id="360" r:id="rId11"/>
-    <p:sldId id="361" r:id="rId12"/>
-    <p:sldId id="362" r:id="rId13"/>
+    <p:sldId id="363" r:id="rId7"/>
+    <p:sldId id="353" r:id="rId8"/>
+    <p:sldId id="352" r:id="rId9"/>
+    <p:sldId id="357" r:id="rId10"/>
+    <p:sldId id="359" r:id="rId11"/>
+    <p:sldId id="360" r:id="rId12"/>
+    <p:sldId id="361" r:id="rId13"/>
+    <p:sldId id="362" r:id="rId14"/>
   </p:sldIdLst>
   <p:sldSz cx="12192000" cy="6858000"/>
   <p:notesSz cx="6858000" cy="9144000"/>
@@ -1667,6 +1668,757 @@
 </file>
 
 <file path=ppt/diagrams/colors3.xml><?xml version="1.0" encoding="utf-8"?>
+<dgm:colorsDef xmlns:dgm="http://schemas.openxmlformats.org/drawingml/2006/diagram" xmlns:a="http://schemas.openxmlformats.org/drawingml/2006/main" uniqueId="urn:microsoft.com/office/officeart/2005/8/colors/accent0_3">
+  <dgm:title val=""/>
+  <dgm:desc val=""/>
+  <dgm:catLst>
+    <dgm:cat type="mainScheme" pri="10300"/>
+  </dgm:catLst>
+  <dgm:styleLbl name="node0">
+    <dgm:fillClrLst meth="repeat">
+      <a:schemeClr val="dk2"/>
+    </dgm:fillClrLst>
+    <dgm:linClrLst meth="repeat">
+      <a:schemeClr val="lt2"/>
+    </dgm:linClrLst>
+    <dgm:effectClrLst/>
+    <dgm:txLinClrLst/>
+    <dgm:txFillClrLst/>
+    <dgm:txEffectClrLst/>
+  </dgm:styleLbl>
+  <dgm:styleLbl name="alignNode1">
+    <dgm:fillClrLst meth="repeat">
+      <a:schemeClr val="dk2"/>
+    </dgm:fillClrLst>
+    <dgm:linClrLst meth="repeat">
+      <a:schemeClr val="dk2"/>
+    </dgm:linClrLst>
+    <dgm:effectClrLst/>
+    <dgm:txLinClrLst/>
+    <dgm:txFillClrLst/>
+    <dgm:txEffectClrLst/>
+  </dgm:styleLbl>
+  <dgm:styleLbl name="node1">
+    <dgm:fillClrLst meth="repeat">
+      <a:schemeClr val="dk2"/>
+    </dgm:fillClrLst>
+    <dgm:linClrLst meth="repeat">
+      <a:schemeClr val="lt2"/>
+    </dgm:linClrLst>
+    <dgm:effectClrLst/>
+    <dgm:txLinClrLst/>
+    <dgm:txFillClrLst/>
+    <dgm:txEffectClrLst/>
+  </dgm:styleLbl>
+  <dgm:styleLbl name="lnNode1">
+    <dgm:fillClrLst meth="repeat">
+      <a:schemeClr val="dk2"/>
+    </dgm:fillClrLst>
+    <dgm:linClrLst meth="repeat">
+      <a:schemeClr val="lt2"/>
+    </dgm:linClrLst>
+    <dgm:effectClrLst/>
+    <dgm:txLinClrLst/>
+    <dgm:txFillClrLst/>
+    <dgm:txEffectClrLst/>
+  </dgm:styleLbl>
+  <dgm:styleLbl name="vennNode1">
+    <dgm:fillClrLst meth="repeat">
+      <a:schemeClr val="dk2">
+        <a:alpha val="50000"/>
+      </a:schemeClr>
+    </dgm:fillClrLst>
+    <dgm:linClrLst meth="repeat">
+      <a:schemeClr val="lt2"/>
+    </dgm:linClrLst>
+    <dgm:effectClrLst/>
+    <dgm:txLinClrLst/>
+    <dgm:txFillClrLst/>
+    <dgm:txEffectClrLst/>
+  </dgm:styleLbl>
+  <dgm:styleLbl name="node2">
+    <dgm:fillClrLst meth="repeat">
+      <a:schemeClr val="dk2"/>
+    </dgm:fillClrLst>
+    <dgm:linClrLst meth="repeat">
+      <a:schemeClr val="lt2"/>
+    </dgm:linClrLst>
+    <dgm:effectClrLst/>
+    <dgm:txLinClrLst/>
+    <dgm:txFillClrLst/>
+    <dgm:txEffectClrLst/>
+  </dgm:styleLbl>
+  <dgm:styleLbl name="node3">
+    <dgm:fillClrLst meth="repeat">
+      <a:schemeClr val="dk2"/>
+    </dgm:fillClrLst>
+    <dgm:linClrLst meth="repeat">
+      <a:schemeClr val="lt2"/>
+    </dgm:linClrLst>
+    <dgm:effectClrLst/>
+    <dgm:txLinClrLst/>
+    <dgm:txFillClrLst/>
+    <dgm:txEffectClrLst/>
+  </dgm:styleLbl>
+  <dgm:styleLbl name="node4">
+    <dgm:fillClrLst meth="repeat">
+      <a:schemeClr val="dk2"/>
+    </dgm:fillClrLst>
+    <dgm:linClrLst meth="repeat">
+      <a:schemeClr val="lt2"/>
+    </dgm:linClrLst>
+    <dgm:effectClrLst/>
+    <dgm:txLinClrLst/>
+    <dgm:txFillClrLst/>
+    <dgm:txEffectClrLst/>
+  </dgm:styleLbl>
+  <dgm:styleLbl name="fgImgPlace1">
+    <dgm:fillClrLst meth="repeat">
+      <a:schemeClr val="dk2">
+        <a:tint val="50000"/>
+      </a:schemeClr>
+    </dgm:fillClrLst>
+    <dgm:linClrLst meth="repeat">
+      <a:schemeClr val="lt2"/>
+    </dgm:linClrLst>
+    <dgm:effectClrLst/>
+    <dgm:txLinClrLst/>
+    <dgm:txFillClrLst meth="repeat">
+      <a:schemeClr val="lt2"/>
+    </dgm:txFillClrLst>
+    <dgm:txEffectClrLst/>
+  </dgm:styleLbl>
+  <dgm:styleLbl name="alignImgPlace1">
+    <dgm:fillClrLst meth="repeat">
+      <a:schemeClr val="dk2">
+        <a:tint val="50000"/>
+      </a:schemeClr>
+    </dgm:fillClrLst>
+    <dgm:linClrLst meth="repeat">
+      <a:schemeClr val="dk2">
+        <a:shade val="80000"/>
+      </a:schemeClr>
+    </dgm:linClrLst>
+    <dgm:effectClrLst/>
+    <dgm:txLinClrLst/>
+    <dgm:txFillClrLst meth="repeat">
+      <a:schemeClr val="lt2"/>
+    </dgm:txFillClrLst>
+    <dgm:txEffectClrLst/>
+  </dgm:styleLbl>
+  <dgm:styleLbl name="bgImgPlace1">
+    <dgm:fillClrLst meth="repeat">
+      <a:schemeClr val="dk2">
+        <a:tint val="50000"/>
+      </a:schemeClr>
+    </dgm:fillClrLst>
+    <dgm:linClrLst meth="repeat">
+      <a:schemeClr val="dk2">
+        <a:shade val="80000"/>
+      </a:schemeClr>
+    </dgm:linClrLst>
+    <dgm:effectClrLst/>
+    <dgm:txLinClrLst/>
+    <dgm:txFillClrLst meth="repeat">
+      <a:schemeClr val="lt2"/>
+    </dgm:txFillClrLst>
+    <dgm:txEffectClrLst/>
+  </dgm:styleLbl>
+  <dgm:styleLbl name="sibTrans2D1">
+    <dgm:fillClrLst meth="repeat">
+      <a:schemeClr val="dk2">
+        <a:tint val="60000"/>
+      </a:schemeClr>
+    </dgm:fillClrLst>
+    <dgm:linClrLst meth="repeat">
+      <a:schemeClr val="dk2">
+        <a:tint val="60000"/>
+      </a:schemeClr>
+    </dgm:linClrLst>
+    <dgm:effectClrLst/>
+    <dgm:txLinClrLst/>
+    <dgm:txFillClrLst/>
+    <dgm:txEffectClrLst/>
+  </dgm:styleLbl>
+  <dgm:styleLbl name="fgSibTrans2D1">
+    <dgm:fillClrLst meth="repeat">
+      <a:schemeClr val="dk2">
+        <a:tint val="60000"/>
+      </a:schemeClr>
+    </dgm:fillClrLst>
+    <dgm:linClrLst meth="repeat">
+      <a:schemeClr val="dk2">
+        <a:tint val="60000"/>
+      </a:schemeClr>
+    </dgm:linClrLst>
+    <dgm:effectClrLst/>
+    <dgm:txLinClrLst/>
+    <dgm:txFillClrLst/>
+    <dgm:txEffectClrLst/>
+  </dgm:styleLbl>
+  <dgm:styleLbl name="bgSibTrans2D1">
+    <dgm:fillClrLst meth="repeat">
+      <a:schemeClr val="dk2">
+        <a:tint val="60000"/>
+      </a:schemeClr>
+    </dgm:fillClrLst>
+    <dgm:linClrLst meth="repeat">
+      <a:schemeClr val="dk2">
+        <a:tint val="60000"/>
+      </a:schemeClr>
+    </dgm:linClrLst>
+    <dgm:effectClrLst/>
+    <dgm:txLinClrLst/>
+    <dgm:txFillClrLst/>
+    <dgm:txEffectClrLst/>
+  </dgm:styleLbl>
+  <dgm:styleLbl name="sibTrans1D1">
+    <dgm:fillClrLst meth="repeat">
+      <a:schemeClr val="dk2"/>
+    </dgm:fillClrLst>
+    <dgm:linClrLst meth="repeat">
+      <a:schemeClr val="dk2"/>
+    </dgm:linClrLst>
+    <dgm:effectClrLst/>
+    <dgm:txLinClrLst/>
+    <dgm:txFillClrLst meth="repeat">
+      <a:schemeClr val="lt2"/>
+    </dgm:txFillClrLst>
+    <dgm:txEffectClrLst/>
+  </dgm:styleLbl>
+  <dgm:styleLbl name="callout">
+    <dgm:fillClrLst meth="repeat">
+      <a:schemeClr val="dk2"/>
+    </dgm:fillClrLst>
+    <dgm:linClrLst meth="repeat">
+      <a:schemeClr val="dk2">
+        <a:tint val="50000"/>
+      </a:schemeClr>
+    </dgm:linClrLst>
+    <dgm:effectClrLst/>
+    <dgm:txLinClrLst/>
+    <dgm:txFillClrLst meth="repeat">
+      <a:schemeClr val="lt2"/>
+    </dgm:txFillClrLst>
+    <dgm:txEffectClrLst/>
+  </dgm:styleLbl>
+  <dgm:styleLbl name="asst0">
+    <dgm:fillClrLst meth="repeat">
+      <a:schemeClr val="dk2"/>
+    </dgm:fillClrLst>
+    <dgm:linClrLst meth="repeat">
+      <a:schemeClr val="lt2"/>
+    </dgm:linClrLst>
+    <dgm:effectClrLst/>
+    <dgm:txLinClrLst/>
+    <dgm:txFillClrLst/>
+    <dgm:txEffectClrLst/>
+  </dgm:styleLbl>
+  <dgm:styleLbl name="asst1">
+    <dgm:fillClrLst meth="repeat">
+      <a:schemeClr val="dk2"/>
+    </dgm:fillClrLst>
+    <dgm:linClrLst meth="repeat">
+      <a:schemeClr val="lt2"/>
+    </dgm:linClrLst>
+    <dgm:effectClrLst/>
+    <dgm:txLinClrLst/>
+    <dgm:txFillClrLst/>
+    <dgm:txEffectClrLst/>
+  </dgm:styleLbl>
+  <dgm:styleLbl name="asst2">
+    <dgm:fillClrLst meth="repeat">
+      <a:schemeClr val="dk2"/>
+    </dgm:fillClrLst>
+    <dgm:linClrLst meth="repeat">
+      <a:schemeClr val="lt2"/>
+    </dgm:linClrLst>
+    <dgm:effectClrLst/>
+    <dgm:txLinClrLst/>
+    <dgm:txFillClrLst/>
+    <dgm:txEffectClrLst/>
+  </dgm:styleLbl>
+  <dgm:styleLbl name="asst3">
+    <dgm:fillClrLst meth="repeat">
+      <a:schemeClr val="dk2"/>
+    </dgm:fillClrLst>
+    <dgm:linClrLst meth="repeat">
+      <a:schemeClr val="lt2"/>
+    </dgm:linClrLst>
+    <dgm:effectClrLst/>
+    <dgm:txLinClrLst/>
+    <dgm:txFillClrLst/>
+    <dgm:txEffectClrLst/>
+  </dgm:styleLbl>
+  <dgm:styleLbl name="asst4">
+    <dgm:fillClrLst meth="repeat">
+      <a:schemeClr val="dk2"/>
+    </dgm:fillClrLst>
+    <dgm:linClrLst meth="repeat">
+      <a:schemeClr val="lt2"/>
+    </dgm:linClrLst>
+    <dgm:effectClrLst/>
+    <dgm:txLinClrLst/>
+    <dgm:txFillClrLst/>
+    <dgm:txEffectClrLst/>
+  </dgm:styleLbl>
+  <dgm:styleLbl name="parChTrans2D1">
+    <dgm:fillClrLst meth="repeat">
+      <a:schemeClr val="dk2">
+        <a:tint val="60000"/>
+      </a:schemeClr>
+    </dgm:fillClrLst>
+    <dgm:linClrLst meth="repeat">
+      <a:schemeClr val="dk2">
+        <a:tint val="60000"/>
+      </a:schemeClr>
+    </dgm:linClrLst>
+    <dgm:effectClrLst/>
+    <dgm:txLinClrLst/>
+    <dgm:txFillClrLst meth="repeat">
+      <a:schemeClr val="lt2"/>
+    </dgm:txFillClrLst>
+    <dgm:txEffectClrLst/>
+  </dgm:styleLbl>
+  <dgm:styleLbl name="parChTrans2D2">
+    <dgm:fillClrLst meth="repeat">
+      <a:schemeClr val="dk2"/>
+    </dgm:fillClrLst>
+    <dgm:linClrLst meth="repeat">
+      <a:schemeClr val="dk2"/>
+    </dgm:linClrLst>
+    <dgm:effectClrLst/>
+    <dgm:txLinClrLst/>
+    <dgm:txFillClrLst meth="repeat">
+      <a:schemeClr val="lt2"/>
+    </dgm:txFillClrLst>
+    <dgm:txEffectClrLst/>
+  </dgm:styleLbl>
+  <dgm:styleLbl name="parChTrans2D3">
+    <dgm:fillClrLst meth="repeat">
+      <a:schemeClr val="dk2"/>
+    </dgm:fillClrLst>
+    <dgm:linClrLst meth="repeat">
+      <a:schemeClr val="dk2"/>
+    </dgm:linClrLst>
+    <dgm:effectClrLst/>
+    <dgm:txLinClrLst/>
+    <dgm:txFillClrLst meth="repeat">
+      <a:schemeClr val="lt2"/>
+    </dgm:txFillClrLst>
+    <dgm:txEffectClrLst/>
+  </dgm:styleLbl>
+  <dgm:styleLbl name="parChTrans2D4">
+    <dgm:fillClrLst meth="repeat">
+      <a:schemeClr val="dk2"/>
+    </dgm:fillClrLst>
+    <dgm:linClrLst meth="repeat">
+      <a:schemeClr val="dk2"/>
+    </dgm:linClrLst>
+    <dgm:effectClrLst/>
+    <dgm:txLinClrLst/>
+    <dgm:txFillClrLst meth="repeat">
+      <a:schemeClr val="lt2"/>
+    </dgm:txFillClrLst>
+    <dgm:txEffectClrLst/>
+  </dgm:styleLbl>
+  <dgm:styleLbl name="parChTrans1D1">
+    <dgm:fillClrLst meth="repeat">
+      <a:schemeClr val="dk2"/>
+    </dgm:fillClrLst>
+    <dgm:linClrLst meth="repeat">
+      <a:schemeClr val="dk2">
+        <a:shade val="60000"/>
+      </a:schemeClr>
+    </dgm:linClrLst>
+    <dgm:effectClrLst/>
+    <dgm:txLinClrLst/>
+    <dgm:txFillClrLst meth="repeat">
+      <a:schemeClr val="tx1"/>
+    </dgm:txFillClrLst>
+    <dgm:txEffectClrLst/>
+  </dgm:styleLbl>
+  <dgm:styleLbl name="parChTrans1D2">
+    <dgm:fillClrLst meth="repeat">
+      <a:schemeClr val="dk2"/>
+    </dgm:fillClrLst>
+    <dgm:linClrLst meth="repeat">
+      <a:schemeClr val="dk2">
+        <a:shade val="60000"/>
+      </a:schemeClr>
+    </dgm:linClrLst>
+    <dgm:effectClrLst/>
+    <dgm:txLinClrLst/>
+    <dgm:txFillClrLst meth="repeat">
+      <a:schemeClr val="tx1"/>
+    </dgm:txFillClrLst>
+    <dgm:txEffectClrLst/>
+  </dgm:styleLbl>
+  <dgm:styleLbl name="parChTrans1D3">
+    <dgm:fillClrLst meth="repeat">
+      <a:schemeClr val="dk2"/>
+    </dgm:fillClrLst>
+    <dgm:linClrLst meth="repeat">
+      <a:schemeClr val="dk2">
+        <a:shade val="80000"/>
+      </a:schemeClr>
+    </dgm:linClrLst>
+    <dgm:effectClrLst/>
+    <dgm:txLinClrLst/>
+    <dgm:txFillClrLst meth="repeat">
+      <a:schemeClr val="tx1"/>
+    </dgm:txFillClrLst>
+    <dgm:txEffectClrLst/>
+  </dgm:styleLbl>
+  <dgm:styleLbl name="parChTrans1D4">
+    <dgm:fillClrLst meth="repeat">
+      <a:schemeClr val="dk2"/>
+    </dgm:fillClrLst>
+    <dgm:linClrLst meth="repeat">
+      <a:schemeClr val="dk2">
+        <a:shade val="80000"/>
+      </a:schemeClr>
+    </dgm:linClrLst>
+    <dgm:effectClrLst/>
+    <dgm:txLinClrLst/>
+    <dgm:txFillClrLst meth="repeat">
+      <a:schemeClr val="tx1"/>
+    </dgm:txFillClrLst>
+    <dgm:txEffectClrLst/>
+  </dgm:styleLbl>
+  <dgm:styleLbl name="fgAcc1">
+    <dgm:fillClrLst meth="repeat">
+      <a:schemeClr val="lt2">
+        <a:alpha val="90000"/>
+      </a:schemeClr>
+    </dgm:fillClrLst>
+    <dgm:linClrLst meth="repeat">
+      <a:schemeClr val="dk2"/>
+    </dgm:linClrLst>
+    <dgm:effectClrLst/>
+    <dgm:txLinClrLst/>
+    <dgm:txFillClrLst meth="repeat">
+      <a:schemeClr val="dk1"/>
+    </dgm:txFillClrLst>
+    <dgm:txEffectClrLst/>
+  </dgm:styleLbl>
+  <dgm:styleLbl name="conFgAcc1">
+    <dgm:fillClrLst meth="repeat">
+      <a:schemeClr val="lt2">
+        <a:alpha val="90000"/>
+      </a:schemeClr>
+    </dgm:fillClrLst>
+    <dgm:linClrLst meth="repeat">
+      <a:schemeClr val="dk2"/>
+    </dgm:linClrLst>
+    <dgm:effectClrLst/>
+    <dgm:txLinClrLst/>
+    <dgm:txFillClrLst meth="repeat">
+      <a:schemeClr val="dk1"/>
+    </dgm:txFillClrLst>
+    <dgm:txEffectClrLst/>
+  </dgm:styleLbl>
+  <dgm:styleLbl name="alignAcc1">
+    <dgm:fillClrLst meth="repeat">
+      <a:schemeClr val="lt2">
+        <a:alpha val="90000"/>
+      </a:schemeClr>
+    </dgm:fillClrLst>
+    <dgm:linClrLst meth="repeat">
+      <a:schemeClr val="dk2"/>
+    </dgm:linClrLst>
+    <dgm:effectClrLst/>
+    <dgm:txLinClrLst/>
+    <dgm:txFillClrLst meth="repeat">
+      <a:schemeClr val="dk1"/>
+    </dgm:txFillClrLst>
+    <dgm:txEffectClrLst/>
+  </dgm:styleLbl>
+  <dgm:styleLbl name="trAlignAcc1">
+    <dgm:fillClrLst meth="repeat">
+      <a:schemeClr val="lt2">
+        <a:alpha val="40000"/>
+      </a:schemeClr>
+    </dgm:fillClrLst>
+    <dgm:linClrLst meth="repeat">
+      <a:schemeClr val="dk2"/>
+    </dgm:linClrLst>
+    <dgm:effectClrLst/>
+    <dgm:txLinClrLst/>
+    <dgm:txFillClrLst meth="repeat">
+      <a:schemeClr val="dk1"/>
+    </dgm:txFillClrLst>
+    <dgm:txEffectClrLst/>
+  </dgm:styleLbl>
+  <dgm:styleLbl name="bgAcc1">
+    <dgm:fillClrLst meth="repeat">
+      <a:schemeClr val="lt2">
+        <a:alpha val="90000"/>
+      </a:schemeClr>
+    </dgm:fillClrLst>
+    <dgm:linClrLst meth="repeat">
+      <a:schemeClr val="dk2"/>
+    </dgm:linClrLst>
+    <dgm:effectClrLst/>
+    <dgm:txLinClrLst/>
+    <dgm:txFillClrLst meth="repeat">
+      <a:schemeClr val="dk1"/>
+    </dgm:txFillClrLst>
+    <dgm:txEffectClrLst/>
+  </dgm:styleLbl>
+  <dgm:styleLbl name="solidFgAcc1">
+    <dgm:fillClrLst meth="repeat">
+      <a:schemeClr val="lt2"/>
+    </dgm:fillClrLst>
+    <dgm:linClrLst meth="repeat">
+      <a:schemeClr val="dk2"/>
+    </dgm:linClrLst>
+    <dgm:effectClrLst/>
+    <dgm:txLinClrLst/>
+    <dgm:txFillClrLst meth="repeat">
+      <a:schemeClr val="dk1"/>
+    </dgm:txFillClrLst>
+    <dgm:txEffectClrLst/>
+  </dgm:styleLbl>
+  <dgm:styleLbl name="solidAlignAcc1">
+    <dgm:fillClrLst meth="repeat">
+      <a:schemeClr val="lt2"/>
+    </dgm:fillClrLst>
+    <dgm:linClrLst meth="repeat">
+      <a:schemeClr val="dk2"/>
+    </dgm:linClrLst>
+    <dgm:effectClrLst/>
+    <dgm:txLinClrLst/>
+    <dgm:txFillClrLst meth="repeat">
+      <a:schemeClr val="dk1"/>
+    </dgm:txFillClrLst>
+    <dgm:txEffectClrLst/>
+  </dgm:styleLbl>
+  <dgm:styleLbl name="solidBgAcc1">
+    <dgm:fillClrLst meth="repeat">
+      <a:schemeClr val="lt2"/>
+    </dgm:fillClrLst>
+    <dgm:linClrLst meth="repeat">
+      <a:schemeClr val="dk2"/>
+    </dgm:linClrLst>
+    <dgm:effectClrLst/>
+    <dgm:txLinClrLst/>
+    <dgm:txFillClrLst meth="repeat">
+      <a:schemeClr val="dk1"/>
+    </dgm:txFillClrLst>
+    <dgm:txEffectClrLst/>
+  </dgm:styleLbl>
+  <dgm:styleLbl name="fgAccFollowNode1">
+    <dgm:fillClrLst meth="repeat">
+      <a:schemeClr val="dk2">
+        <a:alpha val="90000"/>
+        <a:tint val="40000"/>
+      </a:schemeClr>
+    </dgm:fillClrLst>
+    <dgm:linClrLst meth="repeat">
+      <a:schemeClr val="dk2">
+        <a:alpha val="90000"/>
+        <a:tint val="40000"/>
+      </a:schemeClr>
+    </dgm:linClrLst>
+    <dgm:effectClrLst/>
+    <dgm:txLinClrLst/>
+    <dgm:txFillClrLst meth="repeat">
+      <a:schemeClr val="dk1"/>
+    </dgm:txFillClrLst>
+    <dgm:txEffectClrLst/>
+  </dgm:styleLbl>
+  <dgm:styleLbl name="alignAccFollowNode1">
+    <dgm:fillClrLst meth="repeat">
+      <a:schemeClr val="dk2">
+        <a:alpha val="90000"/>
+        <a:tint val="40000"/>
+      </a:schemeClr>
+    </dgm:fillClrLst>
+    <dgm:linClrLst meth="repeat">
+      <a:schemeClr val="dk2">
+        <a:alpha val="90000"/>
+        <a:tint val="40000"/>
+      </a:schemeClr>
+    </dgm:linClrLst>
+    <dgm:effectClrLst/>
+    <dgm:txLinClrLst/>
+    <dgm:txFillClrLst meth="repeat">
+      <a:schemeClr val="dk1"/>
+    </dgm:txFillClrLst>
+    <dgm:txEffectClrLst/>
+  </dgm:styleLbl>
+  <dgm:styleLbl name="bgAccFollowNode1">
+    <dgm:fillClrLst meth="repeat">
+      <a:schemeClr val="dk2">
+        <a:alpha val="90000"/>
+        <a:tint val="40000"/>
+      </a:schemeClr>
+    </dgm:fillClrLst>
+    <dgm:linClrLst meth="repeat">
+      <a:schemeClr val="dk2">
+        <a:alpha val="90000"/>
+        <a:tint val="40000"/>
+      </a:schemeClr>
+    </dgm:linClrLst>
+    <dgm:effectClrLst/>
+    <dgm:txLinClrLst/>
+    <dgm:txFillClrLst meth="repeat">
+      <a:schemeClr val="dk1"/>
+    </dgm:txFillClrLst>
+    <dgm:txEffectClrLst/>
+  </dgm:styleLbl>
+  <dgm:styleLbl name="fgAcc0">
+    <dgm:fillClrLst meth="repeat">
+      <a:schemeClr val="lt2">
+        <a:alpha val="90000"/>
+      </a:schemeClr>
+    </dgm:fillClrLst>
+    <dgm:linClrLst meth="repeat">
+      <a:schemeClr val="dk2"/>
+    </dgm:linClrLst>
+    <dgm:effectClrLst/>
+    <dgm:txLinClrLst/>
+    <dgm:txFillClrLst meth="repeat">
+      <a:schemeClr val="dk1"/>
+    </dgm:txFillClrLst>
+    <dgm:txEffectClrLst/>
+  </dgm:styleLbl>
+  <dgm:styleLbl name="fgAcc2">
+    <dgm:fillClrLst meth="repeat">
+      <a:schemeClr val="lt2">
+        <a:alpha val="90000"/>
+      </a:schemeClr>
+    </dgm:fillClrLst>
+    <dgm:linClrLst meth="repeat">
+      <a:schemeClr val="dk2"/>
+    </dgm:linClrLst>
+    <dgm:effectClrLst/>
+    <dgm:txLinClrLst/>
+    <dgm:txFillClrLst meth="repeat">
+      <a:schemeClr val="dk1"/>
+    </dgm:txFillClrLst>
+    <dgm:txEffectClrLst/>
+  </dgm:styleLbl>
+  <dgm:styleLbl name="fgAcc3">
+    <dgm:fillClrLst meth="repeat">
+      <a:schemeClr val="lt2">
+        <a:alpha val="90000"/>
+      </a:schemeClr>
+    </dgm:fillClrLst>
+    <dgm:linClrLst meth="repeat">
+      <a:schemeClr val="dk2"/>
+    </dgm:linClrLst>
+    <dgm:effectClrLst/>
+    <dgm:txLinClrLst/>
+    <dgm:txFillClrLst meth="repeat">
+      <a:schemeClr val="dk1"/>
+    </dgm:txFillClrLst>
+    <dgm:txEffectClrLst/>
+  </dgm:styleLbl>
+  <dgm:styleLbl name="fgAcc4">
+    <dgm:fillClrLst meth="repeat">
+      <a:schemeClr val="lt2">
+        <a:alpha val="90000"/>
+      </a:schemeClr>
+    </dgm:fillClrLst>
+    <dgm:linClrLst meth="repeat">
+      <a:schemeClr val="dk2"/>
+    </dgm:linClrLst>
+    <dgm:effectClrLst/>
+    <dgm:txLinClrLst/>
+    <dgm:txFillClrLst meth="repeat">
+      <a:schemeClr val="dk1"/>
+    </dgm:txFillClrLst>
+    <dgm:txEffectClrLst/>
+  </dgm:styleLbl>
+  <dgm:styleLbl name="bgShp">
+    <dgm:fillClrLst meth="repeat">
+      <a:schemeClr val="dk2">
+        <a:tint val="40000"/>
+      </a:schemeClr>
+    </dgm:fillClrLst>
+    <dgm:linClrLst meth="repeat">
+      <a:schemeClr val="dk2"/>
+    </dgm:linClrLst>
+    <dgm:effectClrLst/>
+    <dgm:txLinClrLst/>
+    <dgm:txFillClrLst meth="repeat">
+      <a:schemeClr val="dk1"/>
+    </dgm:txFillClrLst>
+    <dgm:txEffectClrLst/>
+  </dgm:styleLbl>
+  <dgm:styleLbl name="dkBgShp">
+    <dgm:fillClrLst meth="repeat">
+      <a:schemeClr val="dk2">
+        <a:shade val="80000"/>
+      </a:schemeClr>
+    </dgm:fillClrLst>
+    <dgm:linClrLst meth="repeat">
+      <a:schemeClr val="dk2"/>
+    </dgm:linClrLst>
+    <dgm:effectClrLst/>
+    <dgm:txLinClrLst/>
+    <dgm:txFillClrLst meth="repeat">
+      <a:schemeClr val="lt1"/>
+    </dgm:txFillClrLst>
+    <dgm:txEffectClrLst/>
+  </dgm:styleLbl>
+  <dgm:styleLbl name="trBgShp">
+    <dgm:fillClrLst meth="repeat">
+      <a:schemeClr val="dk2">
+        <a:tint val="50000"/>
+        <a:alpha val="40000"/>
+      </a:schemeClr>
+    </dgm:fillClrLst>
+    <dgm:linClrLst meth="repeat">
+      <a:schemeClr val="dk2"/>
+    </dgm:linClrLst>
+    <dgm:effectClrLst/>
+    <dgm:txLinClrLst/>
+    <dgm:txFillClrLst meth="repeat">
+      <a:schemeClr val="lt1"/>
+    </dgm:txFillClrLst>
+    <dgm:txEffectClrLst/>
+  </dgm:styleLbl>
+  <dgm:styleLbl name="fgShp">
+    <dgm:fillClrLst meth="repeat">
+      <a:schemeClr val="dk2">
+        <a:tint val="60000"/>
+      </a:schemeClr>
+    </dgm:fillClrLst>
+    <dgm:linClrLst meth="repeat">
+      <a:schemeClr val="lt2"/>
+    </dgm:linClrLst>
+    <dgm:effectClrLst/>
+    <dgm:txLinClrLst/>
+    <dgm:txFillClrLst meth="repeat">
+      <a:schemeClr val="dk1"/>
+    </dgm:txFillClrLst>
+    <dgm:txEffectClrLst/>
+  </dgm:styleLbl>
+  <dgm:styleLbl name="revTx">
+    <dgm:fillClrLst meth="repeat">
+      <a:schemeClr val="lt2">
+        <a:alpha val="0"/>
+      </a:schemeClr>
+    </dgm:fillClrLst>
+    <dgm:linClrLst meth="repeat">
+      <a:schemeClr val="dk1">
+        <a:alpha val="0"/>
+      </a:schemeClr>
+    </dgm:linClrLst>
+    <dgm:effectClrLst/>
+    <dgm:txLinClrLst/>
+    <dgm:txFillClrLst meth="repeat">
+      <a:schemeClr val="tx1"/>
+    </dgm:txFillClrLst>
+    <dgm:txEffectClrLst/>
+  </dgm:styleLbl>
+</dgm:colorsDef>
+</file>
+
+<file path=ppt/diagrams/colors4.xml><?xml version="1.0" encoding="utf-8"?>
 <dgm:colorsDef xmlns:dgm="http://schemas.openxmlformats.org/drawingml/2006/diagram" xmlns:a="http://schemas.openxmlformats.org/drawingml/2006/main" uniqueId="urn:microsoft.com/office/officeart/2005/8/colors/accent1_4">
   <dgm:title val=""/>
   <dgm:desc val=""/>
@@ -4114,6 +4866,1193 @@
 </file>
 
 <file path=ppt/diagrams/data3.xml><?xml version="1.0" encoding="utf-8"?>
+<dgm:dataModel xmlns:dgm="http://schemas.openxmlformats.org/drawingml/2006/diagram" xmlns:a="http://schemas.openxmlformats.org/drawingml/2006/main">
+  <dgm:ptLst>
+    <dgm:pt modelId="{22159356-D84D-5948-AC5E-9DB6B492B253}" type="doc">
+      <dgm:prSet loTypeId="urn:microsoft.com/office/officeart/2009/3/layout/BlockDescendingList" loCatId="" qsTypeId="urn:microsoft.com/office/officeart/2005/8/quickstyle/simple1" qsCatId="simple" csTypeId="urn:microsoft.com/office/officeart/2005/8/colors/accent0_3" csCatId="mainScheme" phldr="1"/>
+      <dgm:spPr/>
+      <dgm:t>
+        <a:bodyPr/>
+        <a:lstStyle/>
+        <a:p>
+          <a:endParaRPr lang="en-US"/>
+        </a:p>
+      </dgm:t>
+    </dgm:pt>
+    <dgm:pt modelId="{305FD093-2472-FD43-98C4-3EAD2B5BD410}">
+      <dgm:prSet phldrT="[Text]" custT="1"/>
+      <dgm:spPr/>
+      <dgm:t>
+        <a:bodyPr/>
+        <a:lstStyle/>
+        <a:p>
+          <a:r>
+            <a:rPr lang="en-US" sz="3600" b="1" dirty="0" err="1"/>
+            <a:t>Config.ini</a:t>
+          </a:r>
+          <a:endParaRPr lang="en-US" sz="3600" b="1" dirty="0"/>
+        </a:p>
+      </dgm:t>
+    </dgm:pt>
+    <dgm:pt modelId="{44D56233-1877-884E-A5E4-203FCA4D2671}" type="parTrans" cxnId="{6D43DC32-CD7D-A745-ABA2-3FD19974A22C}">
+      <dgm:prSet/>
+      <dgm:spPr/>
+      <dgm:t>
+        <a:bodyPr/>
+        <a:lstStyle/>
+        <a:p>
+          <a:endParaRPr lang="en-US"/>
+        </a:p>
+      </dgm:t>
+    </dgm:pt>
+    <dgm:pt modelId="{C8D979E8-7DC2-4A43-A9B4-D5E3B3335A52}" type="sibTrans" cxnId="{6D43DC32-CD7D-A745-ABA2-3FD19974A22C}">
+      <dgm:prSet/>
+      <dgm:spPr/>
+      <dgm:t>
+        <a:bodyPr/>
+        <a:lstStyle/>
+        <a:p>
+          <a:endParaRPr lang="en-US"/>
+        </a:p>
+      </dgm:t>
+    </dgm:pt>
+    <dgm:pt modelId="{F0A36288-1889-8F47-94E9-ABADD3CEF0D8}">
+      <dgm:prSet phldrT="[Text]"/>
+      <dgm:spPr/>
+      <dgm:t>
+        <a:bodyPr/>
+        <a:lstStyle/>
+        <a:p>
+          <a:r>
+            <a:rPr lang="en-US" dirty="0"/>
+            <a:t>DB Credentials</a:t>
+          </a:r>
+        </a:p>
+      </dgm:t>
+    </dgm:pt>
+    <dgm:pt modelId="{C2D170BA-414F-D84B-9893-F4FA19582AF7}" type="parTrans" cxnId="{8CDB7721-DBFB-4C4D-8175-6F5AF177F0E1}">
+      <dgm:prSet/>
+      <dgm:spPr/>
+      <dgm:t>
+        <a:bodyPr/>
+        <a:lstStyle/>
+        <a:p>
+          <a:endParaRPr lang="en-US"/>
+        </a:p>
+      </dgm:t>
+    </dgm:pt>
+    <dgm:pt modelId="{625941F1-2004-D049-B7BD-E6C47E2144C8}" type="sibTrans" cxnId="{8CDB7721-DBFB-4C4D-8175-6F5AF177F0E1}">
+      <dgm:prSet/>
+      <dgm:spPr/>
+      <dgm:t>
+        <a:bodyPr/>
+        <a:lstStyle/>
+        <a:p>
+          <a:endParaRPr lang="en-US"/>
+        </a:p>
+      </dgm:t>
+    </dgm:pt>
+    <dgm:pt modelId="{9064D0FA-963A-C442-B3A3-74BF82C46BAF}">
+      <dgm:prSet phldrT="[Text]"/>
+      <dgm:spPr/>
+      <dgm:t>
+        <a:bodyPr/>
+        <a:lstStyle/>
+        <a:p>
+          <a:r>
+            <a:rPr lang="en-US" dirty="0"/>
+            <a:t>Auto ML Duration</a:t>
+          </a:r>
+        </a:p>
+      </dgm:t>
+    </dgm:pt>
+    <dgm:pt modelId="{B978A260-DC2C-D945-9BC7-1D9C8944E0D5}" type="parTrans" cxnId="{E4F6E97F-FD38-5D4D-9177-F63815D9EFC7}">
+      <dgm:prSet/>
+      <dgm:spPr/>
+      <dgm:t>
+        <a:bodyPr/>
+        <a:lstStyle/>
+        <a:p>
+          <a:endParaRPr lang="en-US"/>
+        </a:p>
+      </dgm:t>
+    </dgm:pt>
+    <dgm:pt modelId="{39BC70CE-BDEF-4340-B669-8022A13A0C1A}" type="sibTrans" cxnId="{E4F6E97F-FD38-5D4D-9177-F63815D9EFC7}">
+      <dgm:prSet/>
+      <dgm:spPr/>
+      <dgm:t>
+        <a:bodyPr/>
+        <a:lstStyle/>
+        <a:p>
+          <a:endParaRPr lang="en-US"/>
+        </a:p>
+      </dgm:t>
+    </dgm:pt>
+    <dgm:pt modelId="{96CF8E86-8058-E142-83FD-B3FA9370AA2A}">
+      <dgm:prSet phldrT="[Text]" custT="1"/>
+      <dgm:spPr/>
+      <dgm:t>
+        <a:bodyPr/>
+        <a:lstStyle/>
+        <a:p>
+          <a:pPr rtl="0"/>
+          <a:r>
+            <a:rPr lang="en-US" sz="3600" b="1" dirty="0"/>
+            <a:t>Extractor</a:t>
+          </a:r>
+        </a:p>
+      </dgm:t>
+    </dgm:pt>
+    <dgm:pt modelId="{1E29472B-3851-1D4C-8F2D-3794FB4E46E8}" type="parTrans" cxnId="{BF7A6059-E48B-FB49-8EE4-8D5689ADFA4C}">
+      <dgm:prSet/>
+      <dgm:spPr/>
+      <dgm:t>
+        <a:bodyPr/>
+        <a:lstStyle/>
+        <a:p>
+          <a:endParaRPr lang="en-US"/>
+        </a:p>
+      </dgm:t>
+    </dgm:pt>
+    <dgm:pt modelId="{6F396767-EB4E-1540-8527-3430F585DB34}" type="sibTrans" cxnId="{BF7A6059-E48B-FB49-8EE4-8D5689ADFA4C}">
+      <dgm:prSet/>
+      <dgm:spPr/>
+      <dgm:t>
+        <a:bodyPr/>
+        <a:lstStyle/>
+        <a:p>
+          <a:endParaRPr lang="en-US"/>
+        </a:p>
+      </dgm:t>
+    </dgm:pt>
+    <dgm:pt modelId="{AA1EF26D-00BA-F34C-AD9B-2CF0DE41C7BC}">
+      <dgm:prSet phldrT="[Text]"/>
+      <dgm:spPr/>
+      <dgm:t>
+        <a:bodyPr/>
+        <a:lstStyle/>
+        <a:p>
+          <a:pPr rtl="0"/>
+          <a:r>
+            <a:rPr lang="en-US" dirty="0"/>
+            <a:t>Web Scraping</a:t>
+          </a:r>
+        </a:p>
+      </dgm:t>
+    </dgm:pt>
+    <dgm:pt modelId="{AB5B3035-6C07-A847-B423-8C65544077FC}" type="parTrans" cxnId="{CCB4AE78-4509-0D4D-8BE9-07231416B8C4}">
+      <dgm:prSet/>
+      <dgm:spPr/>
+      <dgm:t>
+        <a:bodyPr/>
+        <a:lstStyle/>
+        <a:p>
+          <a:endParaRPr lang="en-US"/>
+        </a:p>
+      </dgm:t>
+    </dgm:pt>
+    <dgm:pt modelId="{8B0DB8FB-3DCD-7340-A478-ABCAE32CFA22}" type="sibTrans" cxnId="{CCB4AE78-4509-0D4D-8BE9-07231416B8C4}">
+      <dgm:prSet/>
+      <dgm:spPr/>
+      <dgm:t>
+        <a:bodyPr/>
+        <a:lstStyle/>
+        <a:p>
+          <a:endParaRPr lang="en-US"/>
+        </a:p>
+      </dgm:t>
+    </dgm:pt>
+    <dgm:pt modelId="{9B03ECC4-007E-AA41-AA09-A8C1E4480F7B}">
+      <dgm:prSet phldrT="[Text]"/>
+      <dgm:spPr/>
+      <dgm:t>
+        <a:bodyPr/>
+        <a:lstStyle/>
+        <a:p>
+          <a:pPr rtl="0"/>
+          <a:r>
+            <a:rPr lang="en-US" dirty="0"/>
+            <a:t>Ingesting Scraped Data into Stage Schema</a:t>
+          </a:r>
+        </a:p>
+      </dgm:t>
+    </dgm:pt>
+    <dgm:pt modelId="{A2B2862B-E072-B842-86AF-E560DEA240B7}" type="parTrans" cxnId="{9BBC62DE-A2F7-9842-B153-FC96E6D6730C}">
+      <dgm:prSet/>
+      <dgm:spPr/>
+      <dgm:t>
+        <a:bodyPr/>
+        <a:lstStyle/>
+        <a:p>
+          <a:endParaRPr lang="en-US"/>
+        </a:p>
+      </dgm:t>
+    </dgm:pt>
+    <dgm:pt modelId="{B72EF5CA-2470-2049-976B-99CF9DDE111A}" type="sibTrans" cxnId="{9BBC62DE-A2F7-9842-B153-FC96E6D6730C}">
+      <dgm:prSet/>
+      <dgm:spPr/>
+      <dgm:t>
+        <a:bodyPr/>
+        <a:lstStyle/>
+        <a:p>
+          <a:endParaRPr lang="en-US"/>
+        </a:p>
+      </dgm:t>
+    </dgm:pt>
+    <dgm:pt modelId="{75AF03C4-61A1-8B42-820E-1C9517AC7085}">
+      <dgm:prSet phldrT="[Text]" custT="1"/>
+      <dgm:spPr/>
+      <dgm:t>
+        <a:bodyPr/>
+        <a:lstStyle/>
+        <a:p>
+          <a:pPr rtl="0"/>
+          <a:r>
+            <a:rPr lang="en-US" sz="3600" b="1" dirty="0"/>
+            <a:t>Transformer</a:t>
+          </a:r>
+        </a:p>
+      </dgm:t>
+    </dgm:pt>
+    <dgm:pt modelId="{288904DA-462A-BD42-82AC-D305BABFE555}" type="parTrans" cxnId="{84A9D3B9-03D3-D94B-ADFF-9274C27EAA0E}">
+      <dgm:prSet/>
+      <dgm:spPr/>
+      <dgm:t>
+        <a:bodyPr/>
+        <a:lstStyle/>
+        <a:p>
+          <a:endParaRPr lang="en-US"/>
+        </a:p>
+      </dgm:t>
+    </dgm:pt>
+    <dgm:pt modelId="{C8CD03EE-D50B-484D-B2E2-E61CE0C554EC}" type="sibTrans" cxnId="{84A9D3B9-03D3-D94B-ADFF-9274C27EAA0E}">
+      <dgm:prSet/>
+      <dgm:spPr/>
+      <dgm:t>
+        <a:bodyPr/>
+        <a:lstStyle/>
+        <a:p>
+          <a:endParaRPr lang="en-US"/>
+        </a:p>
+      </dgm:t>
+    </dgm:pt>
+    <dgm:pt modelId="{261C843B-FB1E-3E43-B4EE-B42617499D1D}">
+      <dgm:prSet phldrT="[Text]"/>
+      <dgm:spPr/>
+      <dgm:t>
+        <a:bodyPr/>
+        <a:lstStyle/>
+        <a:p>
+          <a:pPr rtl="0"/>
+          <a:r>
+            <a:rPr lang="en-US" dirty="0"/>
+            <a:t>Create Projection Tables </a:t>
+          </a:r>
+          <a:r>
+            <a:rPr lang="en-US" dirty="0" err="1"/>
+            <a:t>PostGIS</a:t>
+          </a:r>
+          <a:endParaRPr lang="en-US" dirty="0"/>
+        </a:p>
+      </dgm:t>
+    </dgm:pt>
+    <dgm:pt modelId="{AAD91054-D3A8-7C46-80A8-E01B12AF916B}" type="parTrans" cxnId="{104B98FE-983E-5641-A10B-7212EA53E542}">
+      <dgm:prSet/>
+      <dgm:spPr/>
+      <dgm:t>
+        <a:bodyPr/>
+        <a:lstStyle/>
+        <a:p>
+          <a:endParaRPr lang="en-US"/>
+        </a:p>
+      </dgm:t>
+    </dgm:pt>
+    <dgm:pt modelId="{5FC76DFB-0386-4F48-BBF7-580395CA91B1}" type="sibTrans" cxnId="{104B98FE-983E-5641-A10B-7212EA53E542}">
+      <dgm:prSet/>
+      <dgm:spPr/>
+      <dgm:t>
+        <a:bodyPr/>
+        <a:lstStyle/>
+        <a:p>
+          <a:endParaRPr lang="en-US"/>
+        </a:p>
+      </dgm:t>
+    </dgm:pt>
+    <dgm:pt modelId="{B99E9E61-59A7-6041-94E0-5D4D3BD06CCE}">
+      <dgm:prSet phldrT="[Text]"/>
+      <dgm:spPr/>
+      <dgm:t>
+        <a:bodyPr/>
+        <a:lstStyle/>
+        <a:p>
+          <a:pPr rtl="0"/>
+          <a:r>
+            <a:rPr lang="en-US" dirty="0"/>
+            <a:t>Transpose Air Data (Station ID were Columns)</a:t>
+          </a:r>
+        </a:p>
+      </dgm:t>
+    </dgm:pt>
+    <dgm:pt modelId="{E4B35B5A-B6F0-1C45-B213-7065FA37563A}" type="parTrans" cxnId="{858C3038-A44C-7C4C-AC6B-09212EEA578C}">
+      <dgm:prSet/>
+      <dgm:spPr/>
+      <dgm:t>
+        <a:bodyPr/>
+        <a:lstStyle/>
+        <a:p>
+          <a:endParaRPr lang="en-US"/>
+        </a:p>
+      </dgm:t>
+    </dgm:pt>
+    <dgm:pt modelId="{86FFFCF8-FF0B-3947-817E-F7B4203E1B33}" type="sibTrans" cxnId="{858C3038-A44C-7C4C-AC6B-09212EEA578C}">
+      <dgm:prSet/>
+      <dgm:spPr/>
+      <dgm:t>
+        <a:bodyPr/>
+        <a:lstStyle/>
+        <a:p>
+          <a:endParaRPr lang="en-US"/>
+        </a:p>
+      </dgm:t>
+    </dgm:pt>
+    <dgm:pt modelId="{E39F5F29-567A-C648-B155-BC81F5CB3F06}">
+      <dgm:prSet phldrT="[Text]"/>
+      <dgm:spPr/>
+      <dgm:t>
+        <a:bodyPr/>
+        <a:lstStyle/>
+        <a:p>
+          <a:r>
+            <a:rPr lang="en-US" dirty="0"/>
+            <a:t>Save Locally Flag</a:t>
+          </a:r>
+        </a:p>
+      </dgm:t>
+    </dgm:pt>
+    <dgm:pt modelId="{735FC60B-33F4-3145-AA50-26CB5BACA1DD}" type="parTrans" cxnId="{5A102C4F-DECB-2A47-8C42-4B1D7EF6D529}">
+      <dgm:prSet/>
+      <dgm:spPr/>
+      <dgm:t>
+        <a:bodyPr/>
+        <a:lstStyle/>
+        <a:p>
+          <a:endParaRPr lang="en-US"/>
+        </a:p>
+      </dgm:t>
+    </dgm:pt>
+    <dgm:pt modelId="{5E186369-865F-B145-9481-C19E15F762E3}" type="sibTrans" cxnId="{5A102C4F-DECB-2A47-8C42-4B1D7EF6D529}">
+      <dgm:prSet/>
+      <dgm:spPr/>
+      <dgm:t>
+        <a:bodyPr/>
+        <a:lstStyle/>
+        <a:p>
+          <a:endParaRPr lang="en-US"/>
+        </a:p>
+      </dgm:t>
+    </dgm:pt>
+    <dgm:pt modelId="{DE85D85E-AC68-D548-ADB3-C49225E1CDA0}">
+      <dgm:prSet phldrT="[Text]"/>
+      <dgm:spPr/>
+      <dgm:t>
+        <a:bodyPr/>
+        <a:lstStyle/>
+        <a:p>
+          <a:r>
+            <a:rPr lang="en-US" dirty="0"/>
+            <a:t>Skip DB Ingestion</a:t>
+          </a:r>
+        </a:p>
+      </dgm:t>
+    </dgm:pt>
+    <dgm:pt modelId="{FDC17CA2-EB57-C64C-BAA6-F1EF1C375348}" type="parTrans" cxnId="{91C4B36C-EB6D-0742-B1F4-1A930F28870B}">
+      <dgm:prSet/>
+      <dgm:spPr/>
+      <dgm:t>
+        <a:bodyPr/>
+        <a:lstStyle/>
+        <a:p>
+          <a:endParaRPr lang="en-US"/>
+        </a:p>
+      </dgm:t>
+    </dgm:pt>
+    <dgm:pt modelId="{5339D60B-A39D-8D4B-B83A-8F41EC545431}" type="sibTrans" cxnId="{91C4B36C-EB6D-0742-B1F4-1A930F28870B}">
+      <dgm:prSet/>
+      <dgm:spPr/>
+      <dgm:t>
+        <a:bodyPr/>
+        <a:lstStyle/>
+        <a:p>
+          <a:endParaRPr lang="en-US"/>
+        </a:p>
+      </dgm:t>
+    </dgm:pt>
+    <dgm:pt modelId="{BEB626C4-EE59-9343-B427-8E21347CD1CE}">
+      <dgm:prSet phldrT="[Text]"/>
+      <dgm:spPr/>
+      <dgm:t>
+        <a:bodyPr/>
+        <a:lstStyle/>
+        <a:p>
+          <a:r>
+            <a:rPr lang="en-US" dirty="0"/>
+            <a:t>Skip Prediction</a:t>
+          </a:r>
+        </a:p>
+      </dgm:t>
+    </dgm:pt>
+    <dgm:pt modelId="{C99B9EF8-C2D9-E74F-B259-BE11AB8A9145}" type="parTrans" cxnId="{7ED65037-E820-9A45-BE0F-0EB5D7F6FBF8}">
+      <dgm:prSet/>
+      <dgm:spPr/>
+      <dgm:t>
+        <a:bodyPr/>
+        <a:lstStyle/>
+        <a:p>
+          <a:endParaRPr lang="en-US"/>
+        </a:p>
+      </dgm:t>
+    </dgm:pt>
+    <dgm:pt modelId="{56DD742B-8403-1245-B763-80856381DF20}" type="sibTrans" cxnId="{7ED65037-E820-9A45-BE0F-0EB5D7F6FBF8}">
+      <dgm:prSet/>
+      <dgm:spPr/>
+      <dgm:t>
+        <a:bodyPr/>
+        <a:lstStyle/>
+        <a:p>
+          <a:endParaRPr lang="en-US"/>
+        </a:p>
+      </dgm:t>
+    </dgm:pt>
+    <dgm:pt modelId="{20364CEF-22BB-6F40-A312-EF39E440C395}">
+      <dgm:prSet phldrT="[Text]"/>
+      <dgm:spPr/>
+      <dgm:t>
+        <a:bodyPr/>
+        <a:lstStyle/>
+        <a:p>
+          <a:pPr rtl="0"/>
+          <a:r>
+            <a:rPr lang="en-US" dirty="0"/>
+            <a:t>Insert Timestamp of Inserted Records</a:t>
+          </a:r>
+        </a:p>
+      </dgm:t>
+    </dgm:pt>
+    <dgm:pt modelId="{997381C7-B126-8C49-86C8-677A80D3792D}" type="parTrans" cxnId="{F9F8A75E-A53D-594A-9246-920F4A06E601}">
+      <dgm:prSet/>
+      <dgm:spPr/>
+      <dgm:t>
+        <a:bodyPr/>
+        <a:lstStyle/>
+        <a:p>
+          <a:endParaRPr lang="en-US"/>
+        </a:p>
+      </dgm:t>
+    </dgm:pt>
+    <dgm:pt modelId="{E87D032E-17E6-9C40-9EC1-AF854C1CDA86}" type="sibTrans" cxnId="{F9F8A75E-A53D-594A-9246-920F4A06E601}">
+      <dgm:prSet/>
+      <dgm:spPr/>
+      <dgm:t>
+        <a:bodyPr/>
+        <a:lstStyle/>
+        <a:p>
+          <a:endParaRPr lang="en-US"/>
+        </a:p>
+      </dgm:t>
+    </dgm:pt>
+    <dgm:pt modelId="{341E8E10-4173-E743-BB6B-83BB66A71EFF}">
+      <dgm:prSet phldrT="[Text]" custT="1"/>
+      <dgm:spPr/>
+      <dgm:t>
+        <a:bodyPr/>
+        <a:lstStyle/>
+        <a:p>
+          <a:pPr rtl="0"/>
+          <a:r>
+            <a:rPr lang="en-US" sz="3600" b="1" dirty="0"/>
+            <a:t>Loader</a:t>
+          </a:r>
+          <a:endParaRPr lang="en-US" sz="2200" b="1" dirty="0"/>
+        </a:p>
+      </dgm:t>
+    </dgm:pt>
+    <dgm:pt modelId="{6018F520-0369-9B47-BE83-104DF3D37FB8}" type="parTrans" cxnId="{4F720F7E-DF96-7D45-A845-C98884FD7891}">
+      <dgm:prSet/>
+      <dgm:spPr/>
+      <dgm:t>
+        <a:bodyPr/>
+        <a:lstStyle/>
+        <a:p>
+          <a:endParaRPr lang="en-US"/>
+        </a:p>
+      </dgm:t>
+    </dgm:pt>
+    <dgm:pt modelId="{598CB457-2BFF-EC4D-93DB-FADFC13F889A}" type="sibTrans" cxnId="{4F720F7E-DF96-7D45-A845-C98884FD7891}">
+      <dgm:prSet/>
+      <dgm:spPr/>
+      <dgm:t>
+        <a:bodyPr/>
+        <a:lstStyle/>
+        <a:p>
+          <a:endParaRPr lang="en-US"/>
+        </a:p>
+      </dgm:t>
+    </dgm:pt>
+    <dgm:pt modelId="{E694FA1B-4ADB-7A4E-B2EF-1E6E93EE0264}">
+      <dgm:prSet phldrT="[Text]" custT="1"/>
+      <dgm:spPr/>
+      <dgm:t>
+        <a:bodyPr/>
+        <a:lstStyle/>
+        <a:p>
+          <a:pPr rtl="0"/>
+          <a:r>
+            <a:rPr lang="en-US" sz="1600" dirty="0"/>
+            <a:t>Pushes Staging Table into Public Schema</a:t>
+          </a:r>
+        </a:p>
+        <a:p>
+          <a:pPr rtl="0"/>
+          <a:endParaRPr lang="en-US" sz="1600" dirty="0"/>
+        </a:p>
+      </dgm:t>
+    </dgm:pt>
+    <dgm:pt modelId="{93DE6478-B820-B841-863F-5202DF8EC1F4}" type="parTrans" cxnId="{1B0F24FF-5367-BF47-9178-179BF21BC404}">
+      <dgm:prSet/>
+      <dgm:spPr/>
+      <dgm:t>
+        <a:bodyPr/>
+        <a:lstStyle/>
+        <a:p>
+          <a:endParaRPr lang="en-US"/>
+        </a:p>
+      </dgm:t>
+    </dgm:pt>
+    <dgm:pt modelId="{FD657CF8-602A-F843-AA59-C24198D09C9C}" type="sibTrans" cxnId="{1B0F24FF-5367-BF47-9178-179BF21BC404}">
+      <dgm:prSet/>
+      <dgm:spPr/>
+      <dgm:t>
+        <a:bodyPr/>
+        <a:lstStyle/>
+        <a:p>
+          <a:endParaRPr lang="en-US"/>
+        </a:p>
+      </dgm:t>
+    </dgm:pt>
+    <dgm:pt modelId="{60F7C7CE-3AC5-C44F-A3D9-950C0FB9924E}">
+      <dgm:prSet phldrT="[Text]" custT="1"/>
+      <dgm:spPr/>
+      <dgm:t>
+        <a:bodyPr/>
+        <a:lstStyle/>
+        <a:p>
+          <a:pPr rtl="0"/>
+          <a:r>
+            <a:rPr lang="en-US" sz="1600" dirty="0"/>
+            <a:t>Tracks Performance</a:t>
+          </a:r>
+        </a:p>
+      </dgm:t>
+    </dgm:pt>
+    <dgm:pt modelId="{CEFA7A6D-6903-8647-BC1E-3A2EF760B3D3}" type="parTrans" cxnId="{3043AB65-8E1A-E04D-810C-E57DE20DB614}">
+      <dgm:prSet/>
+      <dgm:spPr/>
+      <dgm:t>
+        <a:bodyPr/>
+        <a:lstStyle/>
+        <a:p>
+          <a:endParaRPr lang="en-US"/>
+        </a:p>
+      </dgm:t>
+    </dgm:pt>
+    <dgm:pt modelId="{3340D35E-481A-8846-8C23-42F5D0890D96}" type="sibTrans" cxnId="{3043AB65-8E1A-E04D-810C-E57DE20DB614}">
+      <dgm:prSet/>
+      <dgm:spPr/>
+      <dgm:t>
+        <a:bodyPr/>
+        <a:lstStyle/>
+        <a:p>
+          <a:endParaRPr lang="en-US"/>
+        </a:p>
+      </dgm:t>
+    </dgm:pt>
+    <dgm:pt modelId="{08629AB9-D6E1-C84C-9954-5281D57157A7}">
+      <dgm:prSet phldrT="[Text]" custT="1"/>
+      <dgm:spPr/>
+      <dgm:t>
+        <a:bodyPr/>
+        <a:lstStyle/>
+        <a:p>
+          <a:pPr rtl="0"/>
+          <a:r>
+            <a:rPr lang="en-US" sz="2000" b="1" dirty="0"/>
+            <a:t>Data Frames Creator</a:t>
+          </a:r>
+        </a:p>
+      </dgm:t>
+    </dgm:pt>
+    <dgm:pt modelId="{D96F392F-8884-E444-BB52-FF580B832BFD}" type="parTrans" cxnId="{2C21E8BA-3802-B547-9FD7-AF75CCECB4CF}">
+      <dgm:prSet/>
+      <dgm:spPr/>
+      <dgm:t>
+        <a:bodyPr/>
+        <a:lstStyle/>
+        <a:p>
+          <a:endParaRPr lang="en-US"/>
+        </a:p>
+      </dgm:t>
+    </dgm:pt>
+    <dgm:pt modelId="{49CD2080-686D-3A45-8C2D-99557466CEC2}" type="sibTrans" cxnId="{2C21E8BA-3802-B547-9FD7-AF75CCECB4CF}">
+      <dgm:prSet/>
+      <dgm:spPr/>
+      <dgm:t>
+        <a:bodyPr/>
+        <a:lstStyle/>
+        <a:p>
+          <a:endParaRPr lang="en-US"/>
+        </a:p>
+      </dgm:t>
+    </dgm:pt>
+    <dgm:pt modelId="{C5115F47-91DE-FB4F-90C6-97D987286822}">
+      <dgm:prSet phldrT="[Text]" custT="1"/>
+      <dgm:spPr/>
+      <dgm:t>
+        <a:bodyPr/>
+        <a:lstStyle/>
+        <a:p>
+          <a:pPr rtl="0"/>
+          <a:r>
+            <a:rPr lang="en-US" sz="1800" dirty="0"/>
+            <a:t>Pandas</a:t>
+          </a:r>
+        </a:p>
+        <a:p>
+          <a:pPr rtl="0"/>
+          <a:r>
+            <a:rPr lang="en-US" sz="1800" dirty="0" err="1"/>
+            <a:t>GeoPands</a:t>
+          </a:r>
+          <a:endParaRPr lang="en-US" sz="1800" dirty="0"/>
+        </a:p>
+      </dgm:t>
+    </dgm:pt>
+    <dgm:pt modelId="{6EB18958-1AD9-3B45-8060-2A11B7D9600C}" type="parTrans" cxnId="{51791748-6084-4E4D-A0F0-2D0CBE33B63C}">
+      <dgm:prSet/>
+      <dgm:spPr/>
+      <dgm:t>
+        <a:bodyPr/>
+        <a:lstStyle/>
+        <a:p>
+          <a:endParaRPr lang="en-US"/>
+        </a:p>
+      </dgm:t>
+    </dgm:pt>
+    <dgm:pt modelId="{3BC67A86-1215-4F45-B019-B17BC3A4D814}" type="sibTrans" cxnId="{51791748-6084-4E4D-A0F0-2D0CBE33B63C}">
+      <dgm:prSet/>
+      <dgm:spPr/>
+      <dgm:t>
+        <a:bodyPr/>
+        <a:lstStyle/>
+        <a:p>
+          <a:endParaRPr lang="en-US"/>
+        </a:p>
+      </dgm:t>
+    </dgm:pt>
+    <dgm:pt modelId="{04B508FC-B469-7645-8D4F-65BA84588313}">
+      <dgm:prSet phldrT="[Text]" custT="1"/>
+      <dgm:spPr/>
+      <dgm:t>
+        <a:bodyPr/>
+        <a:lstStyle/>
+        <a:p>
+          <a:pPr rtl="0"/>
+          <a:r>
+            <a:rPr lang="en-US" sz="1800" dirty="0"/>
+            <a:t>H2O </a:t>
+          </a:r>
+        </a:p>
+        <a:p>
+          <a:pPr rtl="0"/>
+          <a:r>
+            <a:rPr lang="en-US" sz="1800" dirty="0"/>
+            <a:t>Data Frames </a:t>
+          </a:r>
+        </a:p>
+      </dgm:t>
+    </dgm:pt>
+    <dgm:pt modelId="{53A830E9-3684-4B44-96C0-E9603DDAE9D8}" type="parTrans" cxnId="{42DE8682-DA04-F541-A014-7474B741E3AE}">
+      <dgm:prSet/>
+      <dgm:spPr/>
+      <dgm:t>
+        <a:bodyPr/>
+        <a:lstStyle/>
+        <a:p>
+          <a:endParaRPr lang="en-US"/>
+        </a:p>
+      </dgm:t>
+    </dgm:pt>
+    <dgm:pt modelId="{CA690C60-B64B-2740-9ECB-20CB11674FC6}" type="sibTrans" cxnId="{42DE8682-DA04-F541-A014-7474B741E3AE}">
+      <dgm:prSet/>
+      <dgm:spPr/>
+      <dgm:t>
+        <a:bodyPr/>
+        <a:lstStyle/>
+        <a:p>
+          <a:endParaRPr lang="en-US"/>
+        </a:p>
+      </dgm:t>
+    </dgm:pt>
+    <dgm:pt modelId="{8A986BBC-2D5C-CC4B-A611-5E7E4C52EB05}">
+      <dgm:prSet phldrT="[Text]"/>
+      <dgm:spPr/>
+      <dgm:t>
+        <a:bodyPr/>
+        <a:lstStyle/>
+        <a:p>
+          <a:pPr rtl="0"/>
+          <a:r>
+            <a:rPr lang="en-US" dirty="0"/>
+            <a:t>Maps Creator</a:t>
+          </a:r>
+        </a:p>
+      </dgm:t>
+    </dgm:pt>
+    <dgm:pt modelId="{9BEE09D9-411E-DD42-8D13-0B97AFCA8DBF}" type="parTrans" cxnId="{AA038784-4350-2A45-AFE8-CCD66B324FCC}">
+      <dgm:prSet/>
+      <dgm:spPr/>
+      <dgm:t>
+        <a:bodyPr/>
+        <a:lstStyle/>
+        <a:p>
+          <a:endParaRPr lang="en-US"/>
+        </a:p>
+      </dgm:t>
+    </dgm:pt>
+    <dgm:pt modelId="{2C019BCC-7276-894C-89EB-3CAA05B886ED}" type="sibTrans" cxnId="{AA038784-4350-2A45-AFE8-CCD66B324FCC}">
+      <dgm:prSet/>
+      <dgm:spPr/>
+      <dgm:t>
+        <a:bodyPr/>
+        <a:lstStyle/>
+        <a:p>
+          <a:endParaRPr lang="en-US"/>
+        </a:p>
+      </dgm:t>
+    </dgm:pt>
+    <dgm:pt modelId="{01F68490-5CCF-0D49-9156-282DB3B78CBB}">
+      <dgm:prSet phldrT="[Text]"/>
+      <dgm:spPr/>
+      <dgm:t>
+        <a:bodyPr/>
+        <a:lstStyle/>
+        <a:p>
+          <a:pPr rtl="0"/>
+          <a:r>
+            <a:rPr lang="en-US" dirty="0"/>
+            <a:t>Creates Web Maps from Data Frames</a:t>
+          </a:r>
+        </a:p>
+      </dgm:t>
+    </dgm:pt>
+    <dgm:pt modelId="{8FD4E4C5-8880-664F-A409-3D7805E7B9A0}" type="parTrans" cxnId="{2BE56A7A-50E0-234E-93F5-7DF0F0D79CFD}">
+      <dgm:prSet/>
+      <dgm:spPr/>
+      <dgm:t>
+        <a:bodyPr/>
+        <a:lstStyle/>
+        <a:p>
+          <a:endParaRPr lang="en-US"/>
+        </a:p>
+      </dgm:t>
+    </dgm:pt>
+    <dgm:pt modelId="{0D621B50-AC42-1546-905C-DC2DECF127A8}" type="sibTrans" cxnId="{2BE56A7A-50E0-234E-93F5-7DF0F0D79CFD}">
+      <dgm:prSet/>
+      <dgm:spPr/>
+      <dgm:t>
+        <a:bodyPr/>
+        <a:lstStyle/>
+        <a:p>
+          <a:endParaRPr lang="en-US"/>
+        </a:p>
+      </dgm:t>
+    </dgm:pt>
+    <dgm:pt modelId="{BB62D973-43E5-FB4C-87EA-03A286EDB9DF}">
+      <dgm:prSet phldrT="[Text]"/>
+      <dgm:spPr/>
+      <dgm:t>
+        <a:bodyPr/>
+        <a:lstStyle/>
+        <a:p>
+          <a:pPr rtl="0"/>
+          <a:r>
+            <a:rPr lang="en-US" b="1" dirty="0"/>
+            <a:t>Maps Tester</a:t>
+          </a:r>
+        </a:p>
+      </dgm:t>
+    </dgm:pt>
+    <dgm:pt modelId="{1A6A8B1D-DC56-C246-94FB-2E55E37BA4D2}" type="parTrans" cxnId="{F7D3F5EF-F364-8F41-A639-2349042BD0A1}">
+      <dgm:prSet/>
+      <dgm:spPr/>
+      <dgm:t>
+        <a:bodyPr/>
+        <a:lstStyle/>
+        <a:p>
+          <a:endParaRPr lang="en-US"/>
+        </a:p>
+      </dgm:t>
+    </dgm:pt>
+    <dgm:pt modelId="{3B7A3219-EBC4-8844-BF80-6589E2F06CC6}" type="sibTrans" cxnId="{F7D3F5EF-F364-8F41-A639-2349042BD0A1}">
+      <dgm:prSet/>
+      <dgm:spPr/>
+      <dgm:t>
+        <a:bodyPr/>
+        <a:lstStyle/>
+        <a:p>
+          <a:endParaRPr lang="en-US"/>
+        </a:p>
+      </dgm:t>
+    </dgm:pt>
+    <dgm:pt modelId="{6CEFB709-211B-4143-94D8-FFDA1F2053E7}">
+      <dgm:prSet phldrT="[Text]"/>
+      <dgm:spPr/>
+      <dgm:t>
+        <a:bodyPr/>
+        <a:lstStyle/>
+        <a:p>
+          <a:pPr rtl="0"/>
+          <a:r>
+            <a:rPr lang="en-US" dirty="0"/>
+            <a:t>Performance Testing of Each Map Type</a:t>
+          </a:r>
+        </a:p>
+      </dgm:t>
+    </dgm:pt>
+    <dgm:pt modelId="{0AFD0135-8FFB-0647-889A-9FD0CF9A446A}" type="parTrans" cxnId="{35109FBA-06E5-7041-BC14-49B274336AC5}">
+      <dgm:prSet/>
+      <dgm:spPr/>
+      <dgm:t>
+        <a:bodyPr/>
+        <a:lstStyle/>
+        <a:p>
+          <a:endParaRPr lang="en-US"/>
+        </a:p>
+      </dgm:t>
+    </dgm:pt>
+    <dgm:pt modelId="{F6507CC9-DB9C-4646-9570-9DD4DD7C4E3A}" type="sibTrans" cxnId="{35109FBA-06E5-7041-BC14-49B274336AC5}">
+      <dgm:prSet/>
+      <dgm:spPr/>
+      <dgm:t>
+        <a:bodyPr/>
+        <a:lstStyle/>
+        <a:p>
+          <a:endParaRPr lang="en-US"/>
+        </a:p>
+      </dgm:t>
+    </dgm:pt>
+    <dgm:pt modelId="{ED5AC8C6-391C-444F-A1D7-87BE0A8CDEF1}" type="pres">
+      <dgm:prSet presAssocID="{22159356-D84D-5948-AC5E-9DB6B492B253}" presName="Name0" presStyleCnt="0">
+        <dgm:presLayoutVars>
+          <dgm:chMax val="7"/>
+          <dgm:chPref val="7"/>
+          <dgm:dir/>
+          <dgm:animLvl val="lvl"/>
+        </dgm:presLayoutVars>
+      </dgm:prSet>
+      <dgm:spPr/>
+    </dgm:pt>
+    <dgm:pt modelId="{A5615300-E923-D348-885D-84A5136D11EE}" type="pres">
+      <dgm:prSet presAssocID="{305FD093-2472-FD43-98C4-3EAD2B5BD410}" presName="parentText_1" presStyleLbl="node1" presStyleIdx="0" presStyleCnt="7">
+        <dgm:presLayoutVars>
+          <dgm:chMax val="1"/>
+          <dgm:chPref val="1"/>
+          <dgm:bulletEnabled val="1"/>
+        </dgm:presLayoutVars>
+      </dgm:prSet>
+      <dgm:spPr/>
+    </dgm:pt>
+    <dgm:pt modelId="{D2B6315E-D5B8-8948-9940-ECA5B86BB9DB}" type="pres">
+      <dgm:prSet presAssocID="{305FD093-2472-FD43-98C4-3EAD2B5BD410}" presName="childText_1" presStyleLbl="node1" presStyleIdx="0" presStyleCnt="7">
+        <dgm:presLayoutVars>
+          <dgm:chMax val="0"/>
+          <dgm:chPref val="0"/>
+          <dgm:bulletEnabled val="1"/>
+        </dgm:presLayoutVars>
+      </dgm:prSet>
+      <dgm:spPr/>
+    </dgm:pt>
+    <dgm:pt modelId="{DF619EFA-52E4-D94B-A80B-2C0B6334CA4A}" type="pres">
+      <dgm:prSet presAssocID="{305FD093-2472-FD43-98C4-3EAD2B5BD410}" presName="accentShape_1" presStyleCnt="0"/>
+      <dgm:spPr/>
+    </dgm:pt>
+    <dgm:pt modelId="{DA2D1205-94B8-8C43-B383-62FA28E93D48}" type="pres">
+      <dgm:prSet presAssocID="{305FD093-2472-FD43-98C4-3EAD2B5BD410}" presName="imageRepeatNode" presStyleLbl="node1" presStyleIdx="0" presStyleCnt="7"/>
+      <dgm:spPr/>
+    </dgm:pt>
+    <dgm:pt modelId="{E453BE1B-3F04-074E-8883-6B71A07857D7}" type="pres">
+      <dgm:prSet presAssocID="{96CF8E86-8058-E142-83FD-B3FA9370AA2A}" presName="parentText_2" presStyleLbl="node1" presStyleIdx="0" presStyleCnt="7">
+        <dgm:presLayoutVars>
+          <dgm:chMax val="1"/>
+          <dgm:chPref val="1"/>
+          <dgm:bulletEnabled val="1"/>
+        </dgm:presLayoutVars>
+      </dgm:prSet>
+      <dgm:spPr/>
+    </dgm:pt>
+    <dgm:pt modelId="{97B75E6A-BE01-3E40-BEB4-42CA626DFB12}" type="pres">
+      <dgm:prSet presAssocID="{96CF8E86-8058-E142-83FD-B3FA9370AA2A}" presName="childText_2" presStyleLbl="node2" presStyleIdx="0" presStyleCnt="0">
+        <dgm:presLayoutVars>
+          <dgm:chMax val="0"/>
+          <dgm:chPref val="0"/>
+          <dgm:bulletEnabled val="1"/>
+        </dgm:presLayoutVars>
+      </dgm:prSet>
+      <dgm:spPr/>
+    </dgm:pt>
+    <dgm:pt modelId="{5AE40023-F52F-904F-AD7F-24DA6CA4062E}" type="pres">
+      <dgm:prSet presAssocID="{96CF8E86-8058-E142-83FD-B3FA9370AA2A}" presName="accentShape_2" presStyleCnt="0"/>
+      <dgm:spPr/>
+    </dgm:pt>
+    <dgm:pt modelId="{94A9E899-DDE2-1F47-87B0-645026190B97}" type="pres">
+      <dgm:prSet presAssocID="{96CF8E86-8058-E142-83FD-B3FA9370AA2A}" presName="imageRepeatNode" presStyleLbl="node1" presStyleIdx="1" presStyleCnt="7"/>
+      <dgm:spPr/>
+    </dgm:pt>
+    <dgm:pt modelId="{549CE90F-FCEB-E341-8807-100E85D2B577}" type="pres">
+      <dgm:prSet presAssocID="{75AF03C4-61A1-8B42-820E-1C9517AC7085}" presName="parentText_3" presStyleLbl="node1" presStyleIdx="1" presStyleCnt="7">
+        <dgm:presLayoutVars>
+          <dgm:chMax val="1"/>
+          <dgm:chPref val="1"/>
+          <dgm:bulletEnabled val="1"/>
+        </dgm:presLayoutVars>
+      </dgm:prSet>
+      <dgm:spPr/>
+    </dgm:pt>
+    <dgm:pt modelId="{5CB5EBFA-2604-2241-ABF8-39C941D4298F}" type="pres">
+      <dgm:prSet presAssocID="{75AF03C4-61A1-8B42-820E-1C9517AC7085}" presName="childText_3" presStyleLbl="node2" presStyleIdx="0" presStyleCnt="0">
+        <dgm:presLayoutVars>
+          <dgm:chMax val="0"/>
+          <dgm:chPref val="0"/>
+          <dgm:bulletEnabled val="1"/>
+        </dgm:presLayoutVars>
+      </dgm:prSet>
+      <dgm:spPr/>
+    </dgm:pt>
+    <dgm:pt modelId="{7A788624-9FE3-5E41-BCFE-4D888EFF001A}" type="pres">
+      <dgm:prSet presAssocID="{75AF03C4-61A1-8B42-820E-1C9517AC7085}" presName="accentShape_3" presStyleCnt="0"/>
+      <dgm:spPr/>
+    </dgm:pt>
+    <dgm:pt modelId="{6CA01C6A-982C-7D42-B348-40AA5D47F8B6}" type="pres">
+      <dgm:prSet presAssocID="{75AF03C4-61A1-8B42-820E-1C9517AC7085}" presName="imageRepeatNode" presStyleLbl="node1" presStyleIdx="2" presStyleCnt="7"/>
+      <dgm:spPr/>
+    </dgm:pt>
+    <dgm:pt modelId="{9376B3A7-26E5-2B4A-B69F-22C8B270AA80}" type="pres">
+      <dgm:prSet presAssocID="{341E8E10-4173-E743-BB6B-83BB66A71EFF}" presName="parentText_4" presStyleLbl="node1" presStyleIdx="2" presStyleCnt="7">
+        <dgm:presLayoutVars>
+          <dgm:chMax val="1"/>
+          <dgm:chPref val="1"/>
+          <dgm:bulletEnabled val="1"/>
+        </dgm:presLayoutVars>
+      </dgm:prSet>
+      <dgm:spPr/>
+    </dgm:pt>
+    <dgm:pt modelId="{EEBA58E6-04F6-B445-B10E-0C90069245D5}" type="pres">
+      <dgm:prSet presAssocID="{341E8E10-4173-E743-BB6B-83BB66A71EFF}" presName="childText_4" presStyleLbl="node2" presStyleIdx="0" presStyleCnt="0">
+        <dgm:presLayoutVars>
+          <dgm:chMax val="0"/>
+          <dgm:chPref val="0"/>
+          <dgm:bulletEnabled val="1"/>
+        </dgm:presLayoutVars>
+      </dgm:prSet>
+      <dgm:spPr/>
+    </dgm:pt>
+    <dgm:pt modelId="{FC6EA60A-1F2D-4641-9215-7AE03B113DBE}" type="pres">
+      <dgm:prSet presAssocID="{341E8E10-4173-E743-BB6B-83BB66A71EFF}" presName="accentShape_4" presStyleCnt="0"/>
+      <dgm:spPr/>
+    </dgm:pt>
+    <dgm:pt modelId="{CA8BDE0B-2A79-364E-948B-D2329D866A1C}" type="pres">
+      <dgm:prSet presAssocID="{341E8E10-4173-E743-BB6B-83BB66A71EFF}" presName="imageRepeatNode" presStyleLbl="node1" presStyleIdx="3" presStyleCnt="7"/>
+      <dgm:spPr/>
+    </dgm:pt>
+    <dgm:pt modelId="{DCB84758-1C07-5F41-A2C0-E2DB03405FB7}" type="pres">
+      <dgm:prSet presAssocID="{08629AB9-D6E1-C84C-9954-5281D57157A7}" presName="parentText_5" presStyleLbl="node1" presStyleIdx="3" presStyleCnt="7">
+        <dgm:presLayoutVars>
+          <dgm:chMax val="1"/>
+          <dgm:chPref val="1"/>
+          <dgm:bulletEnabled val="1"/>
+        </dgm:presLayoutVars>
+      </dgm:prSet>
+      <dgm:spPr/>
+    </dgm:pt>
+    <dgm:pt modelId="{D1AF4A83-5007-004C-9CCC-9BA23937EA3D}" type="pres">
+      <dgm:prSet presAssocID="{08629AB9-D6E1-C84C-9954-5281D57157A7}" presName="childText_5" presStyleLbl="node2" presStyleIdx="0" presStyleCnt="0">
+        <dgm:presLayoutVars>
+          <dgm:chMax val="0"/>
+          <dgm:chPref val="0"/>
+          <dgm:bulletEnabled val="1"/>
+        </dgm:presLayoutVars>
+      </dgm:prSet>
+      <dgm:spPr/>
+    </dgm:pt>
+    <dgm:pt modelId="{4EE06AD0-4EF7-7146-8BC0-39D59B8A78CD}" type="pres">
+      <dgm:prSet presAssocID="{08629AB9-D6E1-C84C-9954-5281D57157A7}" presName="accentShape_5" presStyleCnt="0"/>
+      <dgm:spPr/>
+    </dgm:pt>
+    <dgm:pt modelId="{229BD0EF-8160-AD4A-9ED6-3DA00F1C7236}" type="pres">
+      <dgm:prSet presAssocID="{08629AB9-D6E1-C84C-9954-5281D57157A7}" presName="imageRepeatNode" presStyleLbl="node1" presStyleIdx="4" presStyleCnt="7"/>
+      <dgm:spPr/>
+    </dgm:pt>
+    <dgm:pt modelId="{825F52AC-E8AE-8040-95FF-8ECEDC86F898}" type="pres">
+      <dgm:prSet presAssocID="{8A986BBC-2D5C-CC4B-A611-5E7E4C52EB05}" presName="parentText_6" presStyleLbl="node1" presStyleIdx="4" presStyleCnt="7">
+        <dgm:presLayoutVars>
+          <dgm:chMax val="1"/>
+          <dgm:chPref val="1"/>
+          <dgm:bulletEnabled val="1"/>
+        </dgm:presLayoutVars>
+      </dgm:prSet>
+      <dgm:spPr/>
+    </dgm:pt>
+    <dgm:pt modelId="{F9D44326-9D53-2244-A160-C2B93A9B478D}" type="pres">
+      <dgm:prSet presAssocID="{8A986BBC-2D5C-CC4B-A611-5E7E4C52EB05}" presName="childText_6" presStyleLbl="node2" presStyleIdx="0" presStyleCnt="0">
+        <dgm:presLayoutVars>
+          <dgm:chMax val="0"/>
+          <dgm:chPref val="0"/>
+          <dgm:bulletEnabled val="1"/>
+        </dgm:presLayoutVars>
+      </dgm:prSet>
+      <dgm:spPr/>
+    </dgm:pt>
+    <dgm:pt modelId="{6267ABF4-EFB4-2F4D-97EC-A2F31868F14D}" type="pres">
+      <dgm:prSet presAssocID="{8A986BBC-2D5C-CC4B-A611-5E7E4C52EB05}" presName="accentShape_6" presStyleCnt="0"/>
+      <dgm:spPr/>
+    </dgm:pt>
+    <dgm:pt modelId="{186C0D4B-FBA7-984E-9784-F70877B54732}" type="pres">
+      <dgm:prSet presAssocID="{8A986BBC-2D5C-CC4B-A611-5E7E4C52EB05}" presName="imageRepeatNode" presStyleLbl="node1" presStyleIdx="5" presStyleCnt="7"/>
+      <dgm:spPr/>
+    </dgm:pt>
+    <dgm:pt modelId="{B7BE8909-5F07-4E49-9788-E20B7CB72109}" type="pres">
+      <dgm:prSet presAssocID="{BB62D973-43E5-FB4C-87EA-03A286EDB9DF}" presName="parentText_7" presStyleLbl="node1" presStyleIdx="5" presStyleCnt="7">
+        <dgm:presLayoutVars>
+          <dgm:chMax val="1"/>
+          <dgm:chPref val="1"/>
+          <dgm:bulletEnabled val="1"/>
+        </dgm:presLayoutVars>
+      </dgm:prSet>
+      <dgm:spPr/>
+    </dgm:pt>
+    <dgm:pt modelId="{87A0629B-26A7-4B42-8A52-0163C1F30896}" type="pres">
+      <dgm:prSet presAssocID="{BB62D973-43E5-FB4C-87EA-03A286EDB9DF}" presName="childText_7" presStyleLbl="node2" presStyleIdx="0" presStyleCnt="0">
+        <dgm:presLayoutVars>
+          <dgm:chMax val="0"/>
+          <dgm:chPref val="0"/>
+          <dgm:bulletEnabled val="1"/>
+        </dgm:presLayoutVars>
+      </dgm:prSet>
+      <dgm:spPr/>
+    </dgm:pt>
+    <dgm:pt modelId="{96059F72-A5A1-604A-82AA-942FB911ADD2}" type="pres">
+      <dgm:prSet presAssocID="{BB62D973-43E5-FB4C-87EA-03A286EDB9DF}" presName="accentShape_7" presStyleCnt="0"/>
+      <dgm:spPr/>
+    </dgm:pt>
+    <dgm:pt modelId="{83CB69FC-F96F-CD4E-A07C-0178FDCAE4D5}" type="pres">
+      <dgm:prSet presAssocID="{BB62D973-43E5-FB4C-87EA-03A286EDB9DF}" presName="imageRepeatNode" presStyleLbl="node1" presStyleIdx="6" presStyleCnt="7"/>
+      <dgm:spPr/>
+    </dgm:pt>
+  </dgm:ptLst>
+  <dgm:cxnLst>
+    <dgm:cxn modelId="{E6CD5C02-9788-B24F-8654-081190E95606}" type="presOf" srcId="{6CEFB709-211B-4143-94D8-FFDA1F2053E7}" destId="{87A0629B-26A7-4B42-8A52-0163C1F30896}" srcOrd="0" destOrd="0" presId="urn:microsoft.com/office/officeart/2009/3/layout/BlockDescendingList"/>
+    <dgm:cxn modelId="{FFC07113-D074-3E4D-B587-89C7303AC6EB}" type="presOf" srcId="{B99E9E61-59A7-6041-94E0-5D4D3BD06CCE}" destId="{5CB5EBFA-2604-2241-ABF8-39C941D4298F}" srcOrd="0" destOrd="1" presId="urn:microsoft.com/office/officeart/2009/3/layout/BlockDescendingList"/>
+    <dgm:cxn modelId="{F538DE14-8E33-194F-AC97-3A95DDE68084}" type="presOf" srcId="{75AF03C4-61A1-8B42-820E-1C9517AC7085}" destId="{549CE90F-FCEB-E341-8807-100E85D2B577}" srcOrd="0" destOrd="0" presId="urn:microsoft.com/office/officeart/2009/3/layout/BlockDescendingList"/>
+    <dgm:cxn modelId="{8169B91C-F881-A94F-AA31-1CD5BE6EBBF5}" type="presOf" srcId="{9064D0FA-963A-C442-B3A3-74BF82C46BAF}" destId="{D2B6315E-D5B8-8948-9940-ECA5B86BB9DB}" srcOrd="0" destOrd="1" presId="urn:microsoft.com/office/officeart/2009/3/layout/BlockDescendingList"/>
+    <dgm:cxn modelId="{1F4C4E20-C613-B740-A2AF-4D3D6B209522}" type="presOf" srcId="{AA1EF26D-00BA-F34C-AD9B-2CF0DE41C7BC}" destId="{97B75E6A-BE01-3E40-BEB4-42CA626DFB12}" srcOrd="0" destOrd="0" presId="urn:microsoft.com/office/officeart/2009/3/layout/BlockDescendingList"/>
+    <dgm:cxn modelId="{8CDB7721-DBFB-4C4D-8175-6F5AF177F0E1}" srcId="{305FD093-2472-FD43-98C4-3EAD2B5BD410}" destId="{F0A36288-1889-8F47-94E9-ABADD3CEF0D8}" srcOrd="0" destOrd="0" parTransId="{C2D170BA-414F-D84B-9893-F4FA19582AF7}" sibTransId="{625941F1-2004-D049-B7BD-E6C47E2144C8}"/>
+    <dgm:cxn modelId="{247C9C23-B1DA-BD4B-B451-49DF0B0BDD95}" type="presOf" srcId="{BB62D973-43E5-FB4C-87EA-03A286EDB9DF}" destId="{83CB69FC-F96F-CD4E-A07C-0178FDCAE4D5}" srcOrd="1" destOrd="0" presId="urn:microsoft.com/office/officeart/2009/3/layout/BlockDescendingList"/>
+    <dgm:cxn modelId="{E83DE527-DDFE-9B45-8095-F675A6C531BA}" type="presOf" srcId="{96CF8E86-8058-E142-83FD-B3FA9370AA2A}" destId="{94A9E899-DDE2-1F47-87B0-645026190B97}" srcOrd="1" destOrd="0" presId="urn:microsoft.com/office/officeart/2009/3/layout/BlockDescendingList"/>
+    <dgm:cxn modelId="{1B5FB52E-0BB7-8F4B-98AD-4B6EBCE01269}" type="presOf" srcId="{75AF03C4-61A1-8B42-820E-1C9517AC7085}" destId="{6CA01C6A-982C-7D42-B348-40AA5D47F8B6}" srcOrd="1" destOrd="0" presId="urn:microsoft.com/office/officeart/2009/3/layout/BlockDescendingList"/>
+    <dgm:cxn modelId="{6D43DC32-CD7D-A745-ABA2-3FD19974A22C}" srcId="{22159356-D84D-5948-AC5E-9DB6B492B253}" destId="{305FD093-2472-FD43-98C4-3EAD2B5BD410}" srcOrd="0" destOrd="0" parTransId="{44D56233-1877-884E-A5E4-203FCA4D2671}" sibTransId="{C8D979E8-7DC2-4A43-A9B4-D5E3B3335A52}"/>
+    <dgm:cxn modelId="{7ED65037-E820-9A45-BE0F-0EB5D7F6FBF8}" srcId="{305FD093-2472-FD43-98C4-3EAD2B5BD410}" destId="{BEB626C4-EE59-9343-B427-8E21347CD1CE}" srcOrd="4" destOrd="0" parTransId="{C99B9EF8-C2D9-E74F-B259-BE11AB8A9145}" sibTransId="{56DD742B-8403-1245-B763-80856381DF20}"/>
+    <dgm:cxn modelId="{858C3038-A44C-7C4C-AC6B-09212EEA578C}" srcId="{75AF03C4-61A1-8B42-820E-1C9517AC7085}" destId="{B99E9E61-59A7-6041-94E0-5D4D3BD06CCE}" srcOrd="1" destOrd="0" parTransId="{E4B35B5A-B6F0-1C45-B213-7065FA37563A}" sibTransId="{86FFFCF8-FF0B-3947-817E-F7B4203E1B33}"/>
+    <dgm:cxn modelId="{28C4273E-75EC-6042-B7A0-5B774ECEC2DF}" type="presOf" srcId="{BB62D973-43E5-FB4C-87EA-03A286EDB9DF}" destId="{B7BE8909-5F07-4E49-9788-E20B7CB72109}" srcOrd="0" destOrd="0" presId="urn:microsoft.com/office/officeart/2009/3/layout/BlockDescendingList"/>
+    <dgm:cxn modelId="{481EF640-6DF5-BA4A-AB95-0EB62A2961AE}" type="presOf" srcId="{341E8E10-4173-E743-BB6B-83BB66A71EFF}" destId="{9376B3A7-26E5-2B4A-B69F-22C8B270AA80}" srcOrd="0" destOrd="0" presId="urn:microsoft.com/office/officeart/2009/3/layout/BlockDescendingList"/>
+    <dgm:cxn modelId="{7542ED43-448D-7340-BD1A-8664C2360954}" type="presOf" srcId="{04B508FC-B469-7645-8D4F-65BA84588313}" destId="{D1AF4A83-5007-004C-9CCC-9BA23937EA3D}" srcOrd="0" destOrd="1" presId="urn:microsoft.com/office/officeart/2009/3/layout/BlockDescendingList"/>
+    <dgm:cxn modelId="{51791748-6084-4E4D-A0F0-2D0CBE33B63C}" srcId="{08629AB9-D6E1-C84C-9954-5281D57157A7}" destId="{C5115F47-91DE-FB4F-90C6-97D987286822}" srcOrd="0" destOrd="0" parTransId="{6EB18958-1AD9-3B45-8060-2A11B7D9600C}" sibTransId="{3BC67A86-1215-4F45-B019-B17BC3A4D814}"/>
+    <dgm:cxn modelId="{5A102C4F-DECB-2A47-8C42-4B1D7EF6D529}" srcId="{305FD093-2472-FD43-98C4-3EAD2B5BD410}" destId="{E39F5F29-567A-C648-B155-BC81F5CB3F06}" srcOrd="2" destOrd="0" parTransId="{735FC60B-33F4-3145-AA50-26CB5BACA1DD}" sibTransId="{5E186369-865F-B145-9481-C19E15F762E3}"/>
+    <dgm:cxn modelId="{BE797C53-9979-B644-B9D2-CA0467CCD49F}" type="presOf" srcId="{8A986BBC-2D5C-CC4B-A611-5E7E4C52EB05}" destId="{825F52AC-E8AE-8040-95FF-8ECEDC86F898}" srcOrd="0" destOrd="0" presId="urn:microsoft.com/office/officeart/2009/3/layout/BlockDescendingList"/>
+    <dgm:cxn modelId="{1894B253-09AB-404E-82F1-6E97C4C83270}" type="presOf" srcId="{22159356-D84D-5948-AC5E-9DB6B492B253}" destId="{ED5AC8C6-391C-444F-A1D7-87BE0A8CDEF1}" srcOrd="0" destOrd="0" presId="urn:microsoft.com/office/officeart/2009/3/layout/BlockDescendingList"/>
+    <dgm:cxn modelId="{936C6254-4654-1E40-AF4A-B1498FE0D33E}" type="presOf" srcId="{C5115F47-91DE-FB4F-90C6-97D987286822}" destId="{D1AF4A83-5007-004C-9CCC-9BA23937EA3D}" srcOrd="0" destOrd="0" presId="urn:microsoft.com/office/officeart/2009/3/layout/BlockDescendingList"/>
+    <dgm:cxn modelId="{BF7A6059-E48B-FB49-8EE4-8D5689ADFA4C}" srcId="{22159356-D84D-5948-AC5E-9DB6B492B253}" destId="{96CF8E86-8058-E142-83FD-B3FA9370AA2A}" srcOrd="1" destOrd="0" parTransId="{1E29472B-3851-1D4C-8F2D-3794FB4E46E8}" sibTransId="{6F396767-EB4E-1540-8527-3430F585DB34}"/>
+    <dgm:cxn modelId="{F9F8A75E-A53D-594A-9246-920F4A06E601}" srcId="{75AF03C4-61A1-8B42-820E-1C9517AC7085}" destId="{20364CEF-22BB-6F40-A312-EF39E440C395}" srcOrd="2" destOrd="0" parTransId="{997381C7-B126-8C49-86C8-677A80D3792D}" sibTransId="{E87D032E-17E6-9C40-9EC1-AF854C1CDA86}"/>
+    <dgm:cxn modelId="{3043AB65-8E1A-E04D-810C-E57DE20DB614}" srcId="{341E8E10-4173-E743-BB6B-83BB66A71EFF}" destId="{60F7C7CE-3AC5-C44F-A3D9-950C0FB9924E}" srcOrd="1" destOrd="0" parTransId="{CEFA7A6D-6903-8647-BC1E-3A2EF760B3D3}" sibTransId="{3340D35E-481A-8846-8C23-42F5D0890D96}"/>
+    <dgm:cxn modelId="{91C4B36C-EB6D-0742-B1F4-1A930F28870B}" srcId="{305FD093-2472-FD43-98C4-3EAD2B5BD410}" destId="{DE85D85E-AC68-D548-ADB3-C49225E1CDA0}" srcOrd="3" destOrd="0" parTransId="{FDC17CA2-EB57-C64C-BAA6-F1EF1C375348}" sibTransId="{5339D60B-A39D-8D4B-B83A-8F41EC545431}"/>
+    <dgm:cxn modelId="{DAEE8871-8FF5-4E41-AC1F-D02B46E26858}" type="presOf" srcId="{261C843B-FB1E-3E43-B4EE-B42617499D1D}" destId="{5CB5EBFA-2604-2241-ABF8-39C941D4298F}" srcOrd="0" destOrd="0" presId="urn:microsoft.com/office/officeart/2009/3/layout/BlockDescendingList"/>
+    <dgm:cxn modelId="{09EA5375-CAE7-CF44-8864-0CD15F827A99}" type="presOf" srcId="{E39F5F29-567A-C648-B155-BC81F5CB3F06}" destId="{D2B6315E-D5B8-8948-9940-ECA5B86BB9DB}" srcOrd="0" destOrd="2" presId="urn:microsoft.com/office/officeart/2009/3/layout/BlockDescendingList"/>
+    <dgm:cxn modelId="{CCB4AE78-4509-0D4D-8BE9-07231416B8C4}" srcId="{96CF8E86-8058-E142-83FD-B3FA9370AA2A}" destId="{AA1EF26D-00BA-F34C-AD9B-2CF0DE41C7BC}" srcOrd="0" destOrd="0" parTransId="{AB5B3035-6C07-A847-B423-8C65544077FC}" sibTransId="{8B0DB8FB-3DCD-7340-A478-ABCAE32CFA22}"/>
+    <dgm:cxn modelId="{2BE56A7A-50E0-234E-93F5-7DF0F0D79CFD}" srcId="{8A986BBC-2D5C-CC4B-A611-5E7E4C52EB05}" destId="{01F68490-5CCF-0D49-9156-282DB3B78CBB}" srcOrd="0" destOrd="0" parTransId="{8FD4E4C5-8880-664F-A409-3D7805E7B9A0}" sibTransId="{0D621B50-AC42-1546-905C-DC2DECF127A8}"/>
+    <dgm:cxn modelId="{5144CC7D-11C3-F840-81F3-8196C36F8F45}" type="presOf" srcId="{60F7C7CE-3AC5-C44F-A3D9-950C0FB9924E}" destId="{EEBA58E6-04F6-B445-B10E-0C90069245D5}" srcOrd="0" destOrd="1" presId="urn:microsoft.com/office/officeart/2009/3/layout/BlockDescendingList"/>
+    <dgm:cxn modelId="{4F720F7E-DF96-7D45-A845-C98884FD7891}" srcId="{22159356-D84D-5948-AC5E-9DB6B492B253}" destId="{341E8E10-4173-E743-BB6B-83BB66A71EFF}" srcOrd="3" destOrd="0" parTransId="{6018F520-0369-9B47-BE83-104DF3D37FB8}" sibTransId="{598CB457-2BFF-EC4D-93DB-FADFC13F889A}"/>
+    <dgm:cxn modelId="{F01A507E-94D0-C145-BE67-9EB6DBD58C68}" type="presOf" srcId="{305FD093-2472-FD43-98C4-3EAD2B5BD410}" destId="{DA2D1205-94B8-8C43-B383-62FA28E93D48}" srcOrd="1" destOrd="0" presId="urn:microsoft.com/office/officeart/2009/3/layout/BlockDescendingList"/>
+    <dgm:cxn modelId="{E4F6E97F-FD38-5D4D-9177-F63815D9EFC7}" srcId="{305FD093-2472-FD43-98C4-3EAD2B5BD410}" destId="{9064D0FA-963A-C442-B3A3-74BF82C46BAF}" srcOrd="1" destOrd="0" parTransId="{B978A260-DC2C-D945-9BC7-1D9C8944E0D5}" sibTransId="{39BC70CE-BDEF-4340-B669-8022A13A0C1A}"/>
+    <dgm:cxn modelId="{42DE8682-DA04-F541-A014-7474B741E3AE}" srcId="{08629AB9-D6E1-C84C-9954-5281D57157A7}" destId="{04B508FC-B469-7645-8D4F-65BA84588313}" srcOrd="1" destOrd="0" parTransId="{53A830E9-3684-4B44-96C0-E9603DDAE9D8}" sibTransId="{CA690C60-B64B-2740-9ECB-20CB11674FC6}"/>
+    <dgm:cxn modelId="{AA038784-4350-2A45-AFE8-CCD66B324FCC}" srcId="{22159356-D84D-5948-AC5E-9DB6B492B253}" destId="{8A986BBC-2D5C-CC4B-A611-5E7E4C52EB05}" srcOrd="5" destOrd="0" parTransId="{9BEE09D9-411E-DD42-8D13-0B97AFCA8DBF}" sibTransId="{2C019BCC-7276-894C-89EB-3CAA05B886ED}"/>
+    <dgm:cxn modelId="{043C248A-DBEA-AE45-90E4-41F22F50EAF4}" type="presOf" srcId="{08629AB9-D6E1-C84C-9954-5281D57157A7}" destId="{229BD0EF-8160-AD4A-9ED6-3DA00F1C7236}" srcOrd="1" destOrd="0" presId="urn:microsoft.com/office/officeart/2009/3/layout/BlockDescendingList"/>
+    <dgm:cxn modelId="{7BB4A58F-CB1B-1145-BC19-6A7B492CD207}" type="presOf" srcId="{01F68490-5CCF-0D49-9156-282DB3B78CBB}" destId="{F9D44326-9D53-2244-A160-C2B93A9B478D}" srcOrd="0" destOrd="0" presId="urn:microsoft.com/office/officeart/2009/3/layout/BlockDescendingList"/>
+    <dgm:cxn modelId="{5EF9A095-850C-7640-A750-18C2F837BA42}" type="presOf" srcId="{BEB626C4-EE59-9343-B427-8E21347CD1CE}" destId="{D2B6315E-D5B8-8948-9940-ECA5B86BB9DB}" srcOrd="0" destOrd="4" presId="urn:microsoft.com/office/officeart/2009/3/layout/BlockDescendingList"/>
+    <dgm:cxn modelId="{262CB196-DA99-3746-9C9C-CE0FE7CBA045}" type="presOf" srcId="{305FD093-2472-FD43-98C4-3EAD2B5BD410}" destId="{A5615300-E923-D348-885D-84A5136D11EE}" srcOrd="0" destOrd="0" presId="urn:microsoft.com/office/officeart/2009/3/layout/BlockDescendingList"/>
+    <dgm:cxn modelId="{00985B9A-C160-9B48-A96D-417AA4967F2A}" type="presOf" srcId="{08629AB9-D6E1-C84C-9954-5281D57157A7}" destId="{DCB84758-1C07-5F41-A2C0-E2DB03405FB7}" srcOrd="0" destOrd="0" presId="urn:microsoft.com/office/officeart/2009/3/layout/BlockDescendingList"/>
+    <dgm:cxn modelId="{84A9D3B9-03D3-D94B-ADFF-9274C27EAA0E}" srcId="{22159356-D84D-5948-AC5E-9DB6B492B253}" destId="{75AF03C4-61A1-8B42-820E-1C9517AC7085}" srcOrd="2" destOrd="0" parTransId="{288904DA-462A-BD42-82AC-D305BABFE555}" sibTransId="{C8CD03EE-D50B-484D-B2E2-E61CE0C554EC}"/>
+    <dgm:cxn modelId="{922E64BA-6614-2F49-9E77-3AC4C4C4E1ED}" type="presOf" srcId="{DE85D85E-AC68-D548-ADB3-C49225E1CDA0}" destId="{D2B6315E-D5B8-8948-9940-ECA5B86BB9DB}" srcOrd="0" destOrd="3" presId="urn:microsoft.com/office/officeart/2009/3/layout/BlockDescendingList"/>
+    <dgm:cxn modelId="{35109FBA-06E5-7041-BC14-49B274336AC5}" srcId="{BB62D973-43E5-FB4C-87EA-03A286EDB9DF}" destId="{6CEFB709-211B-4143-94D8-FFDA1F2053E7}" srcOrd="0" destOrd="0" parTransId="{0AFD0135-8FFB-0647-889A-9FD0CF9A446A}" sibTransId="{F6507CC9-DB9C-4646-9570-9DD4DD7C4E3A}"/>
+    <dgm:cxn modelId="{2C21E8BA-3802-B547-9FD7-AF75CCECB4CF}" srcId="{22159356-D84D-5948-AC5E-9DB6B492B253}" destId="{08629AB9-D6E1-C84C-9954-5281D57157A7}" srcOrd="4" destOrd="0" parTransId="{D96F392F-8884-E444-BB52-FF580B832BFD}" sibTransId="{49CD2080-686D-3A45-8C2D-99557466CEC2}"/>
+    <dgm:cxn modelId="{216DA7C3-5FF1-3F42-9FB3-B7434ED12EED}" type="presOf" srcId="{20364CEF-22BB-6F40-A312-EF39E440C395}" destId="{5CB5EBFA-2604-2241-ABF8-39C941D4298F}" srcOrd="0" destOrd="2" presId="urn:microsoft.com/office/officeart/2009/3/layout/BlockDescendingList"/>
+    <dgm:cxn modelId="{D33DFECB-B894-F543-AE9B-9FE732FAC05E}" type="presOf" srcId="{96CF8E86-8058-E142-83FD-B3FA9370AA2A}" destId="{E453BE1B-3F04-074E-8883-6B71A07857D7}" srcOrd="0" destOrd="0" presId="urn:microsoft.com/office/officeart/2009/3/layout/BlockDescendingList"/>
+    <dgm:cxn modelId="{D7D944D0-8870-6B46-8C84-E47C79160CD4}" type="presOf" srcId="{8A986BBC-2D5C-CC4B-A611-5E7E4C52EB05}" destId="{186C0D4B-FBA7-984E-9784-F70877B54732}" srcOrd="1" destOrd="0" presId="urn:microsoft.com/office/officeart/2009/3/layout/BlockDescendingList"/>
+    <dgm:cxn modelId="{9CA246DC-E51A-9B4C-83C1-82FF0B892967}" type="presOf" srcId="{F0A36288-1889-8F47-94E9-ABADD3CEF0D8}" destId="{D2B6315E-D5B8-8948-9940-ECA5B86BB9DB}" srcOrd="0" destOrd="0" presId="urn:microsoft.com/office/officeart/2009/3/layout/BlockDescendingList"/>
+    <dgm:cxn modelId="{9BBC62DE-A2F7-9842-B153-FC96E6D6730C}" srcId="{96CF8E86-8058-E142-83FD-B3FA9370AA2A}" destId="{9B03ECC4-007E-AA41-AA09-A8C1E4480F7B}" srcOrd="1" destOrd="0" parTransId="{A2B2862B-E072-B842-86AF-E560DEA240B7}" sibTransId="{B72EF5CA-2470-2049-976B-99CF9DDE111A}"/>
+    <dgm:cxn modelId="{E2C3CFEA-2DD7-CD4F-A4CA-73A19E4C9AEF}" type="presOf" srcId="{9B03ECC4-007E-AA41-AA09-A8C1E4480F7B}" destId="{97B75E6A-BE01-3E40-BEB4-42CA626DFB12}" srcOrd="0" destOrd="1" presId="urn:microsoft.com/office/officeart/2009/3/layout/BlockDescendingList"/>
+    <dgm:cxn modelId="{A089F7EC-8E9D-084D-8D18-F42ABAFE69B2}" type="presOf" srcId="{341E8E10-4173-E743-BB6B-83BB66A71EFF}" destId="{CA8BDE0B-2A79-364E-948B-D2329D866A1C}" srcOrd="1" destOrd="0" presId="urn:microsoft.com/office/officeart/2009/3/layout/BlockDescendingList"/>
+    <dgm:cxn modelId="{F7D3F5EF-F364-8F41-A639-2349042BD0A1}" srcId="{22159356-D84D-5948-AC5E-9DB6B492B253}" destId="{BB62D973-43E5-FB4C-87EA-03A286EDB9DF}" srcOrd="6" destOrd="0" parTransId="{1A6A8B1D-DC56-C246-94FB-2E55E37BA4D2}" sibTransId="{3B7A3219-EBC4-8844-BF80-6589E2F06CC6}"/>
+    <dgm:cxn modelId="{730652FA-9539-5A47-B5FC-B646F161A44E}" type="presOf" srcId="{E694FA1B-4ADB-7A4E-B2EF-1E6E93EE0264}" destId="{EEBA58E6-04F6-B445-B10E-0C90069245D5}" srcOrd="0" destOrd="0" presId="urn:microsoft.com/office/officeart/2009/3/layout/BlockDescendingList"/>
+    <dgm:cxn modelId="{104B98FE-983E-5641-A10B-7212EA53E542}" srcId="{75AF03C4-61A1-8B42-820E-1C9517AC7085}" destId="{261C843B-FB1E-3E43-B4EE-B42617499D1D}" srcOrd="0" destOrd="0" parTransId="{AAD91054-D3A8-7C46-80A8-E01B12AF916B}" sibTransId="{5FC76DFB-0386-4F48-BBF7-580395CA91B1}"/>
+    <dgm:cxn modelId="{1B0F24FF-5367-BF47-9178-179BF21BC404}" srcId="{341E8E10-4173-E743-BB6B-83BB66A71EFF}" destId="{E694FA1B-4ADB-7A4E-B2EF-1E6E93EE0264}" srcOrd="0" destOrd="0" parTransId="{93DE6478-B820-B841-863F-5202DF8EC1F4}" sibTransId="{FD657CF8-602A-F843-AA59-C24198D09C9C}"/>
+    <dgm:cxn modelId="{DD7DC0A0-60C5-FA4B-9996-B88B14F00395}" type="presParOf" srcId="{ED5AC8C6-391C-444F-A1D7-87BE0A8CDEF1}" destId="{A5615300-E923-D348-885D-84A5136D11EE}" srcOrd="0" destOrd="0" presId="urn:microsoft.com/office/officeart/2009/3/layout/BlockDescendingList"/>
+    <dgm:cxn modelId="{54B9B1C7-F0A1-C847-9CD3-0ABB15DC1F16}" type="presParOf" srcId="{ED5AC8C6-391C-444F-A1D7-87BE0A8CDEF1}" destId="{D2B6315E-D5B8-8948-9940-ECA5B86BB9DB}" srcOrd="1" destOrd="0" presId="urn:microsoft.com/office/officeart/2009/3/layout/BlockDescendingList"/>
+    <dgm:cxn modelId="{43D99F4A-ED23-8D43-84FF-52C6CBF9C011}" type="presParOf" srcId="{ED5AC8C6-391C-444F-A1D7-87BE0A8CDEF1}" destId="{DF619EFA-52E4-D94B-A80B-2C0B6334CA4A}" srcOrd="2" destOrd="0" presId="urn:microsoft.com/office/officeart/2009/3/layout/BlockDescendingList"/>
+    <dgm:cxn modelId="{7139B5F2-8758-CD49-BCAF-18951A9547CB}" type="presParOf" srcId="{DF619EFA-52E4-D94B-A80B-2C0B6334CA4A}" destId="{DA2D1205-94B8-8C43-B383-62FA28E93D48}" srcOrd="0" destOrd="0" presId="urn:microsoft.com/office/officeart/2009/3/layout/BlockDescendingList"/>
+    <dgm:cxn modelId="{7F782209-32F9-8C4E-A0C7-C0C4BCE517E5}" type="presParOf" srcId="{ED5AC8C6-391C-444F-A1D7-87BE0A8CDEF1}" destId="{E453BE1B-3F04-074E-8883-6B71A07857D7}" srcOrd="3" destOrd="0" presId="urn:microsoft.com/office/officeart/2009/3/layout/BlockDescendingList"/>
+    <dgm:cxn modelId="{A8827F71-83E1-0044-B526-727A0D3AE9AC}" type="presParOf" srcId="{ED5AC8C6-391C-444F-A1D7-87BE0A8CDEF1}" destId="{97B75E6A-BE01-3E40-BEB4-42CA626DFB12}" srcOrd="4" destOrd="0" presId="urn:microsoft.com/office/officeart/2009/3/layout/BlockDescendingList"/>
+    <dgm:cxn modelId="{C383F09A-F8F9-BB4D-8892-EDCC5A9E783A}" type="presParOf" srcId="{ED5AC8C6-391C-444F-A1D7-87BE0A8CDEF1}" destId="{5AE40023-F52F-904F-AD7F-24DA6CA4062E}" srcOrd="5" destOrd="0" presId="urn:microsoft.com/office/officeart/2009/3/layout/BlockDescendingList"/>
+    <dgm:cxn modelId="{DBD32776-E1BF-2848-B242-B65C1F807298}" type="presParOf" srcId="{5AE40023-F52F-904F-AD7F-24DA6CA4062E}" destId="{94A9E899-DDE2-1F47-87B0-645026190B97}" srcOrd="0" destOrd="0" presId="urn:microsoft.com/office/officeart/2009/3/layout/BlockDescendingList"/>
+    <dgm:cxn modelId="{C02013D4-2775-AE42-96AC-77CAE3D8C490}" type="presParOf" srcId="{ED5AC8C6-391C-444F-A1D7-87BE0A8CDEF1}" destId="{549CE90F-FCEB-E341-8807-100E85D2B577}" srcOrd="6" destOrd="0" presId="urn:microsoft.com/office/officeart/2009/3/layout/BlockDescendingList"/>
+    <dgm:cxn modelId="{9771C772-A1EC-0E41-AC13-C29E451E8EDE}" type="presParOf" srcId="{ED5AC8C6-391C-444F-A1D7-87BE0A8CDEF1}" destId="{5CB5EBFA-2604-2241-ABF8-39C941D4298F}" srcOrd="7" destOrd="0" presId="urn:microsoft.com/office/officeart/2009/3/layout/BlockDescendingList"/>
+    <dgm:cxn modelId="{624C6F67-765F-8E47-AFA4-D125064357AA}" type="presParOf" srcId="{ED5AC8C6-391C-444F-A1D7-87BE0A8CDEF1}" destId="{7A788624-9FE3-5E41-BCFE-4D888EFF001A}" srcOrd="8" destOrd="0" presId="urn:microsoft.com/office/officeart/2009/3/layout/BlockDescendingList"/>
+    <dgm:cxn modelId="{BF4215E8-175C-384F-B161-37F5E33882F8}" type="presParOf" srcId="{7A788624-9FE3-5E41-BCFE-4D888EFF001A}" destId="{6CA01C6A-982C-7D42-B348-40AA5D47F8B6}" srcOrd="0" destOrd="0" presId="urn:microsoft.com/office/officeart/2009/3/layout/BlockDescendingList"/>
+    <dgm:cxn modelId="{03861F68-B4B7-9A4B-9D3A-7DEFE70392E9}" type="presParOf" srcId="{ED5AC8C6-391C-444F-A1D7-87BE0A8CDEF1}" destId="{9376B3A7-26E5-2B4A-B69F-22C8B270AA80}" srcOrd="9" destOrd="0" presId="urn:microsoft.com/office/officeart/2009/3/layout/BlockDescendingList"/>
+    <dgm:cxn modelId="{82C71D5B-A48A-8C46-8AAB-E6C057806A0C}" type="presParOf" srcId="{ED5AC8C6-391C-444F-A1D7-87BE0A8CDEF1}" destId="{EEBA58E6-04F6-B445-B10E-0C90069245D5}" srcOrd="10" destOrd="0" presId="urn:microsoft.com/office/officeart/2009/3/layout/BlockDescendingList"/>
+    <dgm:cxn modelId="{D33F5087-95F0-AA4F-8B41-6E59559C9377}" type="presParOf" srcId="{ED5AC8C6-391C-444F-A1D7-87BE0A8CDEF1}" destId="{FC6EA60A-1F2D-4641-9215-7AE03B113DBE}" srcOrd="11" destOrd="0" presId="urn:microsoft.com/office/officeart/2009/3/layout/BlockDescendingList"/>
+    <dgm:cxn modelId="{DA963880-9D73-A543-80E9-AFE7665215A5}" type="presParOf" srcId="{FC6EA60A-1F2D-4641-9215-7AE03B113DBE}" destId="{CA8BDE0B-2A79-364E-948B-D2329D866A1C}" srcOrd="0" destOrd="0" presId="urn:microsoft.com/office/officeart/2009/3/layout/BlockDescendingList"/>
+    <dgm:cxn modelId="{E9E97ECE-40DF-9F44-AE56-8B26F2479E3D}" type="presParOf" srcId="{ED5AC8C6-391C-444F-A1D7-87BE0A8CDEF1}" destId="{DCB84758-1C07-5F41-A2C0-E2DB03405FB7}" srcOrd="12" destOrd="0" presId="urn:microsoft.com/office/officeart/2009/3/layout/BlockDescendingList"/>
+    <dgm:cxn modelId="{46E0A6F1-EF7E-774A-B94A-C76AEED04890}" type="presParOf" srcId="{ED5AC8C6-391C-444F-A1D7-87BE0A8CDEF1}" destId="{D1AF4A83-5007-004C-9CCC-9BA23937EA3D}" srcOrd="13" destOrd="0" presId="urn:microsoft.com/office/officeart/2009/3/layout/BlockDescendingList"/>
+    <dgm:cxn modelId="{B8ABB616-28B8-654B-9D9D-81F9809CCEED}" type="presParOf" srcId="{ED5AC8C6-391C-444F-A1D7-87BE0A8CDEF1}" destId="{4EE06AD0-4EF7-7146-8BC0-39D59B8A78CD}" srcOrd="14" destOrd="0" presId="urn:microsoft.com/office/officeart/2009/3/layout/BlockDescendingList"/>
+    <dgm:cxn modelId="{5C96B994-99D8-EB4A-9684-A1D4C6FC3E64}" type="presParOf" srcId="{4EE06AD0-4EF7-7146-8BC0-39D59B8A78CD}" destId="{229BD0EF-8160-AD4A-9ED6-3DA00F1C7236}" srcOrd="0" destOrd="0" presId="urn:microsoft.com/office/officeart/2009/3/layout/BlockDescendingList"/>
+    <dgm:cxn modelId="{DF6E2ECD-8078-084D-A4AC-661DD3226A96}" type="presParOf" srcId="{ED5AC8C6-391C-444F-A1D7-87BE0A8CDEF1}" destId="{825F52AC-E8AE-8040-95FF-8ECEDC86F898}" srcOrd="15" destOrd="0" presId="urn:microsoft.com/office/officeart/2009/3/layout/BlockDescendingList"/>
+    <dgm:cxn modelId="{E35AAD11-0E93-404A-B738-F13FD23CE456}" type="presParOf" srcId="{ED5AC8C6-391C-444F-A1D7-87BE0A8CDEF1}" destId="{F9D44326-9D53-2244-A160-C2B93A9B478D}" srcOrd="16" destOrd="0" presId="urn:microsoft.com/office/officeart/2009/3/layout/BlockDescendingList"/>
+    <dgm:cxn modelId="{A0641B4D-8088-EF48-9DBC-107729ACF6B9}" type="presParOf" srcId="{ED5AC8C6-391C-444F-A1D7-87BE0A8CDEF1}" destId="{6267ABF4-EFB4-2F4D-97EC-A2F31868F14D}" srcOrd="17" destOrd="0" presId="urn:microsoft.com/office/officeart/2009/3/layout/BlockDescendingList"/>
+    <dgm:cxn modelId="{5245D272-1503-EF45-AD8D-F34353A74247}" type="presParOf" srcId="{6267ABF4-EFB4-2F4D-97EC-A2F31868F14D}" destId="{186C0D4B-FBA7-984E-9784-F70877B54732}" srcOrd="0" destOrd="0" presId="urn:microsoft.com/office/officeart/2009/3/layout/BlockDescendingList"/>
+    <dgm:cxn modelId="{804A8276-5229-1E4E-85E0-C7217802BF0C}" type="presParOf" srcId="{ED5AC8C6-391C-444F-A1D7-87BE0A8CDEF1}" destId="{B7BE8909-5F07-4E49-9788-E20B7CB72109}" srcOrd="18" destOrd="0" presId="urn:microsoft.com/office/officeart/2009/3/layout/BlockDescendingList"/>
+    <dgm:cxn modelId="{148B605D-3E9C-0147-8F7D-69EAE106CA99}" type="presParOf" srcId="{ED5AC8C6-391C-444F-A1D7-87BE0A8CDEF1}" destId="{87A0629B-26A7-4B42-8A52-0163C1F30896}" srcOrd="19" destOrd="0" presId="urn:microsoft.com/office/officeart/2009/3/layout/BlockDescendingList"/>
+    <dgm:cxn modelId="{6480FCD3-1249-A049-8628-91CC903E572E}" type="presParOf" srcId="{ED5AC8C6-391C-444F-A1D7-87BE0A8CDEF1}" destId="{96059F72-A5A1-604A-82AA-942FB911ADD2}" srcOrd="20" destOrd="0" presId="urn:microsoft.com/office/officeart/2009/3/layout/BlockDescendingList"/>
+    <dgm:cxn modelId="{A52719D4-2F89-9347-AC50-3F2C2EEEEA25}" type="presParOf" srcId="{96059F72-A5A1-604A-82AA-942FB911ADD2}" destId="{83CB69FC-F96F-CD4E-A07C-0178FDCAE4D5}" srcOrd="0" destOrd="0" presId="urn:microsoft.com/office/officeart/2009/3/layout/BlockDescendingList"/>
+  </dgm:cxnLst>
+  <dgm:bg/>
+  <dgm:whole/>
+  <dgm:extLst>
+    <a:ext uri="http://schemas.microsoft.com/office/drawing/2008/diagram">
+      <dsp:dataModelExt xmlns:dsp="http://schemas.microsoft.com/office/drawing/2008/diagram" relId="rId7" minVer="http://schemas.openxmlformats.org/drawingml/2006/diagram"/>
+    </a:ext>
+  </dgm:extLst>
+</dgm:dataModel>
+</file>
+
+<file path=ppt/diagrams/data4.xml><?xml version="1.0" encoding="utf-8"?>
 <dgm:dataModel xmlns:dgm="http://schemas.openxmlformats.org/drawingml/2006/diagram" xmlns:a="http://schemas.openxmlformats.org/drawingml/2006/main">
   <dgm:ptLst>
     <dgm:pt modelId="{F5FEAF02-7FA5-AC4C-96D9-2A6A12674B84}" type="doc">
@@ -7417,6 +9356,1240 @@
       <dsp:cNvGrpSpPr/>
     </dsp:nvGrpSpPr>
     <dsp:grpSpPr/>
+    <dsp:sp modelId="{6CA01C6A-982C-7D42-B348-40AA5D47F8B6}">
+      <dsp:nvSpPr>
+        <dsp:cNvPr id="0" name=""/>
+        <dsp:cNvSpPr/>
+      </dsp:nvSpPr>
+      <dsp:spPr>
+        <a:xfrm>
+          <a:off x="3624071" y="1519456"/>
+          <a:ext cx="1547164" cy="3644390"/>
+        </a:xfrm>
+        <a:prstGeom prst="rect">
+          <a:avLst/>
+        </a:prstGeom>
+        <a:solidFill>
+          <a:schemeClr val="dk2">
+            <a:hueOff val="0"/>
+            <a:satOff val="0"/>
+            <a:lumOff val="0"/>
+            <a:alphaOff val="0"/>
+          </a:schemeClr>
+        </a:solidFill>
+        <a:ln w="12700" cap="flat" cmpd="sng" algn="ctr">
+          <a:solidFill>
+            <a:schemeClr val="lt2">
+              <a:hueOff val="0"/>
+              <a:satOff val="0"/>
+              <a:lumOff val="0"/>
+              <a:alphaOff val="0"/>
+            </a:schemeClr>
+          </a:solidFill>
+          <a:prstDash val="solid"/>
+          <a:miter lim="800000"/>
+        </a:ln>
+        <a:effectLst/>
+      </dsp:spPr>
+      <dsp:style>
+        <a:lnRef idx="2">
+          <a:scrgbClr r="0" g="0" b="0"/>
+        </a:lnRef>
+        <a:fillRef idx="1">
+          <a:scrgbClr r="0" g="0" b="0"/>
+        </a:fillRef>
+        <a:effectRef idx="0">
+          <a:scrgbClr r="0" g="0" b="0"/>
+        </a:effectRef>
+        <a:fontRef idx="minor">
+          <a:schemeClr val="lt1"/>
+        </a:fontRef>
+      </dsp:style>
+      <dsp:txBody>
+        <a:bodyPr spcFirstLastPara="0" vert="horz" wrap="square" lIns="137160" tIns="0" rIns="205740" bIns="45720" numCol="1" spcCol="1270" anchor="ctr" anchorCtr="0">
+          <a:noAutofit/>
+        </a:bodyPr>
+        <a:lstStyle/>
+        <a:p>
+          <a:pPr marL="0" lvl="0" indent="0" algn="r" defTabSz="1600200" rtl="0">
+            <a:lnSpc>
+              <a:spcPct val="90000"/>
+            </a:lnSpc>
+            <a:spcBef>
+              <a:spcPct val="0"/>
+            </a:spcBef>
+            <a:spcAft>
+              <a:spcPct val="35000"/>
+            </a:spcAft>
+            <a:buNone/>
+          </a:pPr>
+          <a:r>
+            <a:rPr lang="en-US" sz="3600" b="1" kern="1200" dirty="0"/>
+            <a:t>Transformer</a:t>
+          </a:r>
+        </a:p>
+      </dsp:txBody>
+      <dsp:txXfrm rot="16200000">
+        <a:off x="3268243" y="2958300"/>
+        <a:ext cx="3279951" cy="402262"/>
+      </dsp:txXfrm>
+    </dsp:sp>
+    <dsp:sp modelId="{94A9E899-DDE2-1F47-87B0-645026190B97}">
+      <dsp:nvSpPr>
+        <dsp:cNvPr id="0" name=""/>
+        <dsp:cNvSpPr/>
+      </dsp:nvSpPr>
+      <dsp:spPr>
+        <a:xfrm>
+          <a:off x="1935479" y="1155104"/>
+          <a:ext cx="1547164" cy="4008742"/>
+        </a:xfrm>
+        <a:prstGeom prst="rect">
+          <a:avLst/>
+        </a:prstGeom>
+        <a:solidFill>
+          <a:schemeClr val="dk2">
+            <a:hueOff val="0"/>
+            <a:satOff val="0"/>
+            <a:lumOff val="0"/>
+            <a:alphaOff val="0"/>
+          </a:schemeClr>
+        </a:solidFill>
+        <a:ln w="12700" cap="flat" cmpd="sng" algn="ctr">
+          <a:solidFill>
+            <a:schemeClr val="lt2">
+              <a:hueOff val="0"/>
+              <a:satOff val="0"/>
+              <a:lumOff val="0"/>
+              <a:alphaOff val="0"/>
+            </a:schemeClr>
+          </a:solidFill>
+          <a:prstDash val="solid"/>
+          <a:miter lim="800000"/>
+        </a:ln>
+        <a:effectLst/>
+      </dsp:spPr>
+      <dsp:style>
+        <a:lnRef idx="2">
+          <a:scrgbClr r="0" g="0" b="0"/>
+        </a:lnRef>
+        <a:fillRef idx="1">
+          <a:scrgbClr r="0" g="0" b="0"/>
+        </a:fillRef>
+        <a:effectRef idx="0">
+          <a:scrgbClr r="0" g="0" b="0"/>
+        </a:effectRef>
+        <a:fontRef idx="minor">
+          <a:schemeClr val="lt1"/>
+        </a:fontRef>
+      </dsp:style>
+      <dsp:txBody>
+        <a:bodyPr spcFirstLastPara="0" vert="horz" wrap="square" lIns="137160" tIns="0" rIns="205740" bIns="45720" numCol="1" spcCol="1270" anchor="ctr" anchorCtr="0">
+          <a:noAutofit/>
+        </a:bodyPr>
+        <a:lstStyle/>
+        <a:p>
+          <a:pPr marL="0" lvl="0" indent="0" algn="r" defTabSz="1600200" rtl="0">
+            <a:lnSpc>
+              <a:spcPct val="90000"/>
+            </a:lnSpc>
+            <a:spcBef>
+              <a:spcPct val="0"/>
+            </a:spcBef>
+            <a:spcAft>
+              <a:spcPct val="35000"/>
+            </a:spcAft>
+            <a:buNone/>
+          </a:pPr>
+          <a:r>
+            <a:rPr lang="en-US" sz="3600" b="1" kern="1200" dirty="0"/>
+            <a:t>Extractor</a:t>
+          </a:r>
+        </a:p>
+      </dsp:txBody>
+      <dsp:txXfrm rot="16200000">
+        <a:off x="1415327" y="2757907"/>
+        <a:ext cx="3607867" cy="402262"/>
+      </dsp:txXfrm>
+    </dsp:sp>
+    <dsp:sp modelId="{CA8BDE0B-2A79-364E-948B-D2329D866A1C}">
+      <dsp:nvSpPr>
+        <dsp:cNvPr id="0" name=""/>
+        <dsp:cNvSpPr/>
+      </dsp:nvSpPr>
+      <dsp:spPr>
+        <a:xfrm>
+          <a:off x="5312663" y="1883807"/>
+          <a:ext cx="1547164" cy="3280039"/>
+        </a:xfrm>
+        <a:prstGeom prst="rect">
+          <a:avLst/>
+        </a:prstGeom>
+        <a:solidFill>
+          <a:schemeClr val="dk2">
+            <a:hueOff val="0"/>
+            <a:satOff val="0"/>
+            <a:lumOff val="0"/>
+            <a:alphaOff val="0"/>
+          </a:schemeClr>
+        </a:solidFill>
+        <a:ln w="12700" cap="flat" cmpd="sng" algn="ctr">
+          <a:solidFill>
+            <a:schemeClr val="lt2">
+              <a:hueOff val="0"/>
+              <a:satOff val="0"/>
+              <a:lumOff val="0"/>
+              <a:alphaOff val="0"/>
+            </a:schemeClr>
+          </a:solidFill>
+          <a:prstDash val="solid"/>
+          <a:miter lim="800000"/>
+        </a:ln>
+        <a:effectLst/>
+      </dsp:spPr>
+      <dsp:style>
+        <a:lnRef idx="2">
+          <a:scrgbClr r="0" g="0" b="0"/>
+        </a:lnRef>
+        <a:fillRef idx="1">
+          <a:scrgbClr r="0" g="0" b="0"/>
+        </a:fillRef>
+        <a:effectRef idx="0">
+          <a:scrgbClr r="0" g="0" b="0"/>
+        </a:effectRef>
+        <a:fontRef idx="minor">
+          <a:schemeClr val="lt1"/>
+        </a:fontRef>
+      </dsp:style>
+      <dsp:txBody>
+        <a:bodyPr spcFirstLastPara="0" vert="horz" wrap="square" lIns="137160" tIns="0" rIns="205740" bIns="45720" numCol="1" spcCol="1270" anchor="ctr" anchorCtr="0">
+          <a:noAutofit/>
+        </a:bodyPr>
+        <a:lstStyle/>
+        <a:p>
+          <a:pPr marL="0" lvl="0" indent="0" algn="r" defTabSz="1600200" rtl="0">
+            <a:lnSpc>
+              <a:spcPct val="90000"/>
+            </a:lnSpc>
+            <a:spcBef>
+              <a:spcPct val="0"/>
+            </a:spcBef>
+            <a:spcAft>
+              <a:spcPct val="35000"/>
+            </a:spcAft>
+            <a:buNone/>
+          </a:pPr>
+          <a:r>
+            <a:rPr lang="en-US" sz="3600" b="1" kern="1200" dirty="0"/>
+            <a:t>Loader</a:t>
+          </a:r>
+          <a:endParaRPr lang="en-US" sz="2200" b="1" kern="1200" dirty="0"/>
+        </a:p>
+      </dsp:txBody>
+      <dsp:txXfrm rot="16200000">
+        <a:off x="5120427" y="3158694"/>
+        <a:ext cx="2952035" cy="402262"/>
+      </dsp:txXfrm>
+    </dsp:sp>
+    <dsp:sp modelId="{DA2D1205-94B8-8C43-B383-62FA28E93D48}">
+      <dsp:nvSpPr>
+        <dsp:cNvPr id="0" name=""/>
+        <dsp:cNvSpPr/>
+      </dsp:nvSpPr>
+      <dsp:spPr>
+        <a:xfrm>
+          <a:off x="246887" y="790753"/>
+          <a:ext cx="1547164" cy="4373968"/>
+        </a:xfrm>
+        <a:prstGeom prst="rect">
+          <a:avLst/>
+        </a:prstGeom>
+        <a:solidFill>
+          <a:schemeClr val="dk2">
+            <a:hueOff val="0"/>
+            <a:satOff val="0"/>
+            <a:lumOff val="0"/>
+            <a:alphaOff val="0"/>
+          </a:schemeClr>
+        </a:solidFill>
+        <a:ln w="12700" cap="flat" cmpd="sng" algn="ctr">
+          <a:solidFill>
+            <a:schemeClr val="lt2">
+              <a:hueOff val="0"/>
+              <a:satOff val="0"/>
+              <a:lumOff val="0"/>
+              <a:alphaOff val="0"/>
+            </a:schemeClr>
+          </a:solidFill>
+          <a:prstDash val="solid"/>
+          <a:miter lim="800000"/>
+        </a:ln>
+        <a:effectLst/>
+      </dsp:spPr>
+      <dsp:style>
+        <a:lnRef idx="2">
+          <a:scrgbClr r="0" g="0" b="0"/>
+        </a:lnRef>
+        <a:fillRef idx="1">
+          <a:scrgbClr r="0" g="0" b="0"/>
+        </a:fillRef>
+        <a:effectRef idx="0">
+          <a:scrgbClr r="0" g="0" b="0"/>
+        </a:effectRef>
+        <a:fontRef idx="minor">
+          <a:schemeClr val="lt1"/>
+        </a:fontRef>
+      </dsp:style>
+      <dsp:txBody>
+        <a:bodyPr spcFirstLastPara="0" vert="horz" wrap="square" lIns="137160" tIns="0" rIns="205740" bIns="45720" numCol="1" spcCol="1270" anchor="ctr" anchorCtr="0">
+          <a:noAutofit/>
+        </a:bodyPr>
+        <a:lstStyle/>
+        <a:p>
+          <a:pPr marL="0" lvl="0" indent="0" algn="r" defTabSz="1600200">
+            <a:lnSpc>
+              <a:spcPct val="90000"/>
+            </a:lnSpc>
+            <a:spcBef>
+              <a:spcPct val="0"/>
+            </a:spcBef>
+            <a:spcAft>
+              <a:spcPct val="35000"/>
+            </a:spcAft>
+            <a:buNone/>
+          </a:pPr>
+          <a:r>
+            <a:rPr lang="en-US" sz="3600" b="1" kern="1200" dirty="0" err="1"/>
+            <a:t>Config.ini</a:t>
+          </a:r>
+          <a:endParaRPr lang="en-US" sz="3600" b="1" kern="1200" dirty="0"/>
+        </a:p>
+      </dsp:txBody>
+      <dsp:txXfrm rot="16200000">
+        <a:off x="-437616" y="2557907"/>
+        <a:ext cx="3936571" cy="402262"/>
+      </dsp:txXfrm>
+    </dsp:sp>
+    <dsp:sp modelId="{229BD0EF-8160-AD4A-9ED6-3DA00F1C7236}">
+      <dsp:nvSpPr>
+        <dsp:cNvPr id="0" name=""/>
+        <dsp:cNvSpPr/>
+      </dsp:nvSpPr>
+      <dsp:spPr>
+        <a:xfrm>
+          <a:off x="7000036" y="2248159"/>
+          <a:ext cx="1547164" cy="2915687"/>
+        </a:xfrm>
+        <a:prstGeom prst="rect">
+          <a:avLst/>
+        </a:prstGeom>
+        <a:solidFill>
+          <a:schemeClr val="dk2">
+            <a:hueOff val="0"/>
+            <a:satOff val="0"/>
+            <a:lumOff val="0"/>
+            <a:alphaOff val="0"/>
+          </a:schemeClr>
+        </a:solidFill>
+        <a:ln w="12700" cap="flat" cmpd="sng" algn="ctr">
+          <a:solidFill>
+            <a:schemeClr val="lt2">
+              <a:hueOff val="0"/>
+              <a:satOff val="0"/>
+              <a:lumOff val="0"/>
+              <a:alphaOff val="0"/>
+            </a:schemeClr>
+          </a:solidFill>
+          <a:prstDash val="solid"/>
+          <a:miter lim="800000"/>
+        </a:ln>
+        <a:effectLst/>
+      </dsp:spPr>
+      <dsp:style>
+        <a:lnRef idx="2">
+          <a:scrgbClr r="0" g="0" b="0"/>
+        </a:lnRef>
+        <a:fillRef idx="1">
+          <a:scrgbClr r="0" g="0" b="0"/>
+        </a:fillRef>
+        <a:effectRef idx="0">
+          <a:scrgbClr r="0" g="0" b="0"/>
+        </a:effectRef>
+        <a:fontRef idx="minor">
+          <a:schemeClr val="lt1"/>
+        </a:fontRef>
+      </dsp:style>
+      <dsp:txBody>
+        <a:bodyPr spcFirstLastPara="0" vert="horz" wrap="square" lIns="76200" tIns="0" rIns="114300" bIns="25400" numCol="1" spcCol="1270" anchor="ctr" anchorCtr="0">
+          <a:noAutofit/>
+        </a:bodyPr>
+        <a:lstStyle/>
+        <a:p>
+          <a:pPr marL="0" lvl="0" indent="0" algn="r" defTabSz="889000" rtl="0">
+            <a:lnSpc>
+              <a:spcPct val="90000"/>
+            </a:lnSpc>
+            <a:spcBef>
+              <a:spcPct val="0"/>
+            </a:spcBef>
+            <a:spcAft>
+              <a:spcPct val="35000"/>
+            </a:spcAft>
+            <a:buNone/>
+          </a:pPr>
+          <a:r>
+            <a:rPr lang="en-US" sz="2000" b="1" kern="1200" dirty="0"/>
+            <a:t>Data Frames Creator</a:t>
+          </a:r>
+        </a:p>
+      </dsp:txBody>
+      <dsp:txXfrm rot="16200000">
+        <a:off x="6971758" y="3359087"/>
+        <a:ext cx="2624118" cy="402262"/>
+      </dsp:txXfrm>
+    </dsp:sp>
+    <dsp:sp modelId="{D2B6315E-D5B8-8948-9940-ECA5B86BB9DB}">
+      <dsp:nvSpPr>
+        <dsp:cNvPr id="0" name=""/>
+        <dsp:cNvSpPr/>
+      </dsp:nvSpPr>
+      <dsp:spPr>
+        <a:xfrm>
+          <a:off x="246887" y="790753"/>
+          <a:ext cx="1083015" cy="4373968"/>
+        </a:xfrm>
+        <a:prstGeom prst="rect">
+          <a:avLst/>
+        </a:prstGeom>
+        <a:noFill/>
+        <a:ln w="12700" cap="flat" cmpd="sng" algn="ctr">
+          <a:noFill/>
+          <a:prstDash val="solid"/>
+          <a:miter lim="800000"/>
+        </a:ln>
+        <a:effectLst/>
+        <a:sp3d/>
+      </dsp:spPr>
+      <dsp:style>
+        <a:lnRef idx="2">
+          <a:scrgbClr r="0" g="0" b="0"/>
+        </a:lnRef>
+        <a:fillRef idx="1">
+          <a:scrgbClr r="0" g="0" b="0"/>
+        </a:fillRef>
+        <a:effectRef idx="0">
+          <a:scrgbClr r="0" g="0" b="0"/>
+        </a:effectRef>
+        <a:fontRef idx="minor">
+          <a:schemeClr val="lt1"/>
+        </a:fontRef>
+      </dsp:style>
+      <dsp:txBody>
+        <a:bodyPr spcFirstLastPara="0" vert="horz" wrap="square" lIns="53340" tIns="53340" rIns="53340" bIns="53340" numCol="1" spcCol="1270" anchor="t" anchorCtr="0">
+          <a:noAutofit/>
+        </a:bodyPr>
+        <a:lstStyle/>
+        <a:p>
+          <a:pPr marL="0" lvl="0" indent="0" algn="l" defTabSz="622300">
+            <a:lnSpc>
+              <a:spcPct val="90000"/>
+            </a:lnSpc>
+            <a:spcBef>
+              <a:spcPct val="0"/>
+            </a:spcBef>
+            <a:spcAft>
+              <a:spcPct val="35000"/>
+            </a:spcAft>
+            <a:buNone/>
+          </a:pPr>
+          <a:r>
+            <a:rPr lang="en-US" sz="1400" kern="1200" dirty="0"/>
+            <a:t>DB Credentials</a:t>
+          </a:r>
+        </a:p>
+        <a:p>
+          <a:pPr marL="0" lvl="0" indent="0" algn="l" defTabSz="622300">
+            <a:lnSpc>
+              <a:spcPct val="90000"/>
+            </a:lnSpc>
+            <a:spcBef>
+              <a:spcPct val="0"/>
+            </a:spcBef>
+            <a:spcAft>
+              <a:spcPct val="35000"/>
+            </a:spcAft>
+            <a:buNone/>
+          </a:pPr>
+          <a:r>
+            <a:rPr lang="en-US" sz="1400" kern="1200" dirty="0"/>
+            <a:t>Auto ML Duration</a:t>
+          </a:r>
+        </a:p>
+        <a:p>
+          <a:pPr marL="0" lvl="0" indent="0" algn="l" defTabSz="622300">
+            <a:lnSpc>
+              <a:spcPct val="90000"/>
+            </a:lnSpc>
+            <a:spcBef>
+              <a:spcPct val="0"/>
+            </a:spcBef>
+            <a:spcAft>
+              <a:spcPct val="35000"/>
+            </a:spcAft>
+            <a:buNone/>
+          </a:pPr>
+          <a:r>
+            <a:rPr lang="en-US" sz="1400" kern="1200" dirty="0"/>
+            <a:t>Save Locally Flag</a:t>
+          </a:r>
+        </a:p>
+        <a:p>
+          <a:pPr marL="0" lvl="0" indent="0" algn="l" defTabSz="622300">
+            <a:lnSpc>
+              <a:spcPct val="90000"/>
+            </a:lnSpc>
+            <a:spcBef>
+              <a:spcPct val="0"/>
+            </a:spcBef>
+            <a:spcAft>
+              <a:spcPct val="35000"/>
+            </a:spcAft>
+            <a:buNone/>
+          </a:pPr>
+          <a:r>
+            <a:rPr lang="en-US" sz="1400" kern="1200" dirty="0"/>
+            <a:t>Skip DB Ingestion</a:t>
+          </a:r>
+        </a:p>
+        <a:p>
+          <a:pPr marL="0" lvl="0" indent="0" algn="l" defTabSz="622300">
+            <a:lnSpc>
+              <a:spcPct val="90000"/>
+            </a:lnSpc>
+            <a:spcBef>
+              <a:spcPct val="0"/>
+            </a:spcBef>
+            <a:spcAft>
+              <a:spcPct val="35000"/>
+            </a:spcAft>
+            <a:buNone/>
+          </a:pPr>
+          <a:r>
+            <a:rPr lang="en-US" sz="1400" kern="1200" dirty="0"/>
+            <a:t>Skip Prediction</a:t>
+          </a:r>
+        </a:p>
+      </dsp:txBody>
+      <dsp:txXfrm>
+        <a:off x="246887" y="790753"/>
+        <a:ext cx="1083015" cy="4373968"/>
+      </dsp:txXfrm>
+    </dsp:sp>
+    <dsp:sp modelId="{186C0D4B-FBA7-984E-9784-F70877B54732}">
+      <dsp:nvSpPr>
+        <dsp:cNvPr id="0" name=""/>
+        <dsp:cNvSpPr/>
+      </dsp:nvSpPr>
+      <dsp:spPr>
+        <a:xfrm>
+          <a:off x="8705697" y="2612511"/>
+          <a:ext cx="1547164" cy="2551335"/>
+        </a:xfrm>
+        <a:prstGeom prst="rect">
+          <a:avLst/>
+        </a:prstGeom>
+        <a:solidFill>
+          <a:schemeClr val="dk2">
+            <a:hueOff val="0"/>
+            <a:satOff val="0"/>
+            <a:lumOff val="0"/>
+            <a:alphaOff val="0"/>
+          </a:schemeClr>
+        </a:solidFill>
+        <a:ln w="12700" cap="flat" cmpd="sng" algn="ctr">
+          <a:solidFill>
+            <a:schemeClr val="lt2">
+              <a:hueOff val="0"/>
+              <a:satOff val="0"/>
+              <a:lumOff val="0"/>
+              <a:alphaOff val="0"/>
+            </a:schemeClr>
+          </a:solidFill>
+          <a:prstDash val="solid"/>
+          <a:miter lim="800000"/>
+        </a:ln>
+        <a:effectLst/>
+      </dsp:spPr>
+      <dsp:style>
+        <a:lnRef idx="2">
+          <a:scrgbClr r="0" g="0" b="0"/>
+        </a:lnRef>
+        <a:fillRef idx="1">
+          <a:scrgbClr r="0" g="0" b="0"/>
+        </a:fillRef>
+        <a:effectRef idx="0">
+          <a:scrgbClr r="0" g="0" b="0"/>
+        </a:effectRef>
+        <a:fontRef idx="minor">
+          <a:schemeClr val="lt1"/>
+        </a:fontRef>
+      </dsp:style>
+      <dsp:txBody>
+        <a:bodyPr spcFirstLastPara="0" vert="horz" wrap="square" lIns="99060" tIns="0" rIns="99060" bIns="33020" numCol="1" spcCol="1270" anchor="ctr" anchorCtr="0">
+          <a:noAutofit/>
+        </a:bodyPr>
+        <a:lstStyle/>
+        <a:p>
+          <a:pPr marL="0" lvl="0" indent="0" algn="r" defTabSz="1155700" rtl="0">
+            <a:lnSpc>
+              <a:spcPct val="90000"/>
+            </a:lnSpc>
+            <a:spcBef>
+              <a:spcPct val="0"/>
+            </a:spcBef>
+            <a:spcAft>
+              <a:spcPct val="35000"/>
+            </a:spcAft>
+            <a:buNone/>
+          </a:pPr>
+          <a:r>
+            <a:rPr lang="en-US" sz="2600" kern="1200" dirty="0"/>
+            <a:t>Maps Creator</a:t>
+          </a:r>
+        </a:p>
+      </dsp:txBody>
+      <dsp:txXfrm rot="16200000">
+        <a:off x="8841743" y="3559480"/>
+        <a:ext cx="2296202" cy="402262"/>
+      </dsp:txXfrm>
+    </dsp:sp>
+    <dsp:sp modelId="{97B75E6A-BE01-3E40-BEB4-42CA626DFB12}">
+      <dsp:nvSpPr>
+        <dsp:cNvPr id="0" name=""/>
+        <dsp:cNvSpPr/>
+      </dsp:nvSpPr>
+      <dsp:spPr>
+        <a:xfrm>
+          <a:off x="1935479" y="1155104"/>
+          <a:ext cx="1083015" cy="4008742"/>
+        </a:xfrm>
+        <a:prstGeom prst="rect">
+          <a:avLst/>
+        </a:prstGeom>
+        <a:noFill/>
+        <a:ln w="12700" cap="flat" cmpd="sng" algn="ctr">
+          <a:noFill/>
+          <a:prstDash val="solid"/>
+          <a:miter lim="800000"/>
+        </a:ln>
+        <a:effectLst/>
+        <a:sp3d/>
+      </dsp:spPr>
+      <dsp:style>
+        <a:lnRef idx="2">
+          <a:scrgbClr r="0" g="0" b="0"/>
+        </a:lnRef>
+        <a:fillRef idx="1">
+          <a:scrgbClr r="0" g="0" b="0"/>
+        </a:fillRef>
+        <a:effectRef idx="0">
+          <a:scrgbClr r="0" g="0" b="0"/>
+        </a:effectRef>
+        <a:fontRef idx="minor">
+          <a:schemeClr val="lt1"/>
+        </a:fontRef>
+      </dsp:style>
+      <dsp:txBody>
+        <a:bodyPr spcFirstLastPara="0" vert="horz" wrap="square" lIns="53340" tIns="53340" rIns="53340" bIns="53340" numCol="1" spcCol="1270" anchor="t" anchorCtr="0">
+          <a:noAutofit/>
+        </a:bodyPr>
+        <a:lstStyle/>
+        <a:p>
+          <a:pPr marL="0" lvl="0" indent="0" algn="l" defTabSz="622300" rtl="0">
+            <a:lnSpc>
+              <a:spcPct val="90000"/>
+            </a:lnSpc>
+            <a:spcBef>
+              <a:spcPct val="0"/>
+            </a:spcBef>
+            <a:spcAft>
+              <a:spcPct val="35000"/>
+            </a:spcAft>
+            <a:buNone/>
+          </a:pPr>
+          <a:r>
+            <a:rPr lang="en-US" sz="1400" kern="1200" dirty="0"/>
+            <a:t>Web Scraping</a:t>
+          </a:r>
+        </a:p>
+        <a:p>
+          <a:pPr marL="0" lvl="0" indent="0" algn="l" defTabSz="622300" rtl="0">
+            <a:lnSpc>
+              <a:spcPct val="90000"/>
+            </a:lnSpc>
+            <a:spcBef>
+              <a:spcPct val="0"/>
+            </a:spcBef>
+            <a:spcAft>
+              <a:spcPct val="35000"/>
+            </a:spcAft>
+            <a:buNone/>
+          </a:pPr>
+          <a:r>
+            <a:rPr lang="en-US" sz="1400" kern="1200" dirty="0"/>
+            <a:t>Ingesting Scraped Data into Stage Schema</a:t>
+          </a:r>
+        </a:p>
+      </dsp:txBody>
+      <dsp:txXfrm>
+        <a:off x="1935479" y="1155104"/>
+        <a:ext cx="1083015" cy="4008742"/>
+      </dsp:txXfrm>
+    </dsp:sp>
+    <dsp:sp modelId="{83CB69FC-F96F-CD4E-A07C-0178FDCAE4D5}">
+      <dsp:nvSpPr>
+        <dsp:cNvPr id="0" name=""/>
+        <dsp:cNvSpPr/>
+      </dsp:nvSpPr>
+      <dsp:spPr>
+        <a:xfrm>
+          <a:off x="10397947" y="2977737"/>
+          <a:ext cx="1547164" cy="2186984"/>
+        </a:xfrm>
+        <a:prstGeom prst="rect">
+          <a:avLst/>
+        </a:prstGeom>
+        <a:solidFill>
+          <a:schemeClr val="dk2">
+            <a:hueOff val="0"/>
+            <a:satOff val="0"/>
+            <a:lumOff val="0"/>
+            <a:alphaOff val="0"/>
+          </a:schemeClr>
+        </a:solidFill>
+        <a:ln w="12700" cap="flat" cmpd="sng" algn="ctr">
+          <a:solidFill>
+            <a:schemeClr val="lt2">
+              <a:hueOff val="0"/>
+              <a:satOff val="0"/>
+              <a:lumOff val="0"/>
+              <a:alphaOff val="0"/>
+            </a:schemeClr>
+          </a:solidFill>
+          <a:prstDash val="solid"/>
+          <a:miter lim="800000"/>
+        </a:ln>
+        <a:effectLst/>
+      </dsp:spPr>
+      <dsp:style>
+        <a:lnRef idx="2">
+          <a:scrgbClr r="0" g="0" b="0"/>
+        </a:lnRef>
+        <a:fillRef idx="1">
+          <a:scrgbClr r="0" g="0" b="0"/>
+        </a:fillRef>
+        <a:effectRef idx="0">
+          <a:scrgbClr r="0" g="0" b="0"/>
+        </a:effectRef>
+        <a:fontRef idx="minor">
+          <a:schemeClr val="lt1"/>
+        </a:fontRef>
+      </dsp:style>
+      <dsp:txBody>
+        <a:bodyPr spcFirstLastPara="0" vert="horz" wrap="square" lIns="99060" tIns="0" rIns="99060" bIns="33020" numCol="1" spcCol="1270" anchor="ctr" anchorCtr="0">
+          <a:noAutofit/>
+        </a:bodyPr>
+        <a:lstStyle/>
+        <a:p>
+          <a:pPr marL="0" lvl="0" indent="0" algn="r" defTabSz="1155700" rtl="0">
+            <a:lnSpc>
+              <a:spcPct val="90000"/>
+            </a:lnSpc>
+            <a:spcBef>
+              <a:spcPct val="0"/>
+            </a:spcBef>
+            <a:spcAft>
+              <a:spcPct val="35000"/>
+            </a:spcAft>
+            <a:buNone/>
+          </a:pPr>
+          <a:r>
+            <a:rPr lang="en-US" sz="2600" b="1" kern="1200" dirty="0"/>
+            <a:t>Maps Tester</a:t>
+          </a:r>
+        </a:p>
+      </dsp:txBody>
+      <dsp:txXfrm rot="16200000">
+        <a:off x="10697951" y="3760749"/>
+        <a:ext cx="1968285" cy="402262"/>
+      </dsp:txXfrm>
+    </dsp:sp>
+    <dsp:sp modelId="{5CB5EBFA-2604-2241-ABF8-39C941D4298F}">
+      <dsp:nvSpPr>
+        <dsp:cNvPr id="0" name=""/>
+        <dsp:cNvSpPr/>
+      </dsp:nvSpPr>
+      <dsp:spPr>
+        <a:xfrm>
+          <a:off x="3624071" y="1519456"/>
+          <a:ext cx="1083015" cy="3644390"/>
+        </a:xfrm>
+        <a:prstGeom prst="rect">
+          <a:avLst/>
+        </a:prstGeom>
+        <a:noFill/>
+        <a:ln w="12700" cap="flat" cmpd="sng" algn="ctr">
+          <a:noFill/>
+          <a:prstDash val="solid"/>
+          <a:miter lim="800000"/>
+        </a:ln>
+        <a:effectLst/>
+        <a:sp3d/>
+      </dsp:spPr>
+      <dsp:style>
+        <a:lnRef idx="2">
+          <a:scrgbClr r="0" g="0" b="0"/>
+        </a:lnRef>
+        <a:fillRef idx="1">
+          <a:scrgbClr r="0" g="0" b="0"/>
+        </a:fillRef>
+        <a:effectRef idx="0">
+          <a:scrgbClr r="0" g="0" b="0"/>
+        </a:effectRef>
+        <a:fontRef idx="minor">
+          <a:schemeClr val="lt1"/>
+        </a:fontRef>
+      </dsp:style>
+      <dsp:txBody>
+        <a:bodyPr spcFirstLastPara="0" vert="horz" wrap="square" lIns="53340" tIns="53340" rIns="53340" bIns="53340" numCol="1" spcCol="1270" anchor="t" anchorCtr="0">
+          <a:noAutofit/>
+        </a:bodyPr>
+        <a:lstStyle/>
+        <a:p>
+          <a:pPr marL="0" lvl="0" indent="0" algn="l" defTabSz="622300" rtl="0">
+            <a:lnSpc>
+              <a:spcPct val="90000"/>
+            </a:lnSpc>
+            <a:spcBef>
+              <a:spcPct val="0"/>
+            </a:spcBef>
+            <a:spcAft>
+              <a:spcPct val="35000"/>
+            </a:spcAft>
+            <a:buNone/>
+          </a:pPr>
+          <a:r>
+            <a:rPr lang="en-US" sz="1400" kern="1200" dirty="0"/>
+            <a:t>Create Projection Tables </a:t>
+          </a:r>
+          <a:r>
+            <a:rPr lang="en-US" sz="1400" kern="1200" dirty="0" err="1"/>
+            <a:t>PostGIS</a:t>
+          </a:r>
+          <a:endParaRPr lang="en-US" sz="1400" kern="1200" dirty="0"/>
+        </a:p>
+        <a:p>
+          <a:pPr marL="0" lvl="0" indent="0" algn="l" defTabSz="622300" rtl="0">
+            <a:lnSpc>
+              <a:spcPct val="90000"/>
+            </a:lnSpc>
+            <a:spcBef>
+              <a:spcPct val="0"/>
+            </a:spcBef>
+            <a:spcAft>
+              <a:spcPct val="35000"/>
+            </a:spcAft>
+            <a:buNone/>
+          </a:pPr>
+          <a:r>
+            <a:rPr lang="en-US" sz="1400" kern="1200" dirty="0"/>
+            <a:t>Transpose Air Data (Station ID were Columns)</a:t>
+          </a:r>
+        </a:p>
+        <a:p>
+          <a:pPr marL="0" lvl="0" indent="0" algn="l" defTabSz="622300" rtl="0">
+            <a:lnSpc>
+              <a:spcPct val="90000"/>
+            </a:lnSpc>
+            <a:spcBef>
+              <a:spcPct val="0"/>
+            </a:spcBef>
+            <a:spcAft>
+              <a:spcPct val="35000"/>
+            </a:spcAft>
+            <a:buNone/>
+          </a:pPr>
+          <a:r>
+            <a:rPr lang="en-US" sz="1400" kern="1200" dirty="0"/>
+            <a:t>Insert Timestamp of Inserted Records</a:t>
+          </a:r>
+        </a:p>
+      </dsp:txBody>
+      <dsp:txXfrm>
+        <a:off x="3624071" y="1519456"/>
+        <a:ext cx="1083015" cy="3644390"/>
+      </dsp:txXfrm>
+    </dsp:sp>
+    <dsp:sp modelId="{EEBA58E6-04F6-B445-B10E-0C90069245D5}">
+      <dsp:nvSpPr>
+        <dsp:cNvPr id="0" name=""/>
+        <dsp:cNvSpPr/>
+      </dsp:nvSpPr>
+      <dsp:spPr>
+        <a:xfrm>
+          <a:off x="5312663" y="1883807"/>
+          <a:ext cx="1083015" cy="3280039"/>
+        </a:xfrm>
+        <a:prstGeom prst="rect">
+          <a:avLst/>
+        </a:prstGeom>
+        <a:noFill/>
+        <a:ln w="12700" cap="flat" cmpd="sng" algn="ctr">
+          <a:noFill/>
+          <a:prstDash val="solid"/>
+          <a:miter lim="800000"/>
+        </a:ln>
+        <a:effectLst/>
+        <a:sp3d/>
+      </dsp:spPr>
+      <dsp:style>
+        <a:lnRef idx="2">
+          <a:scrgbClr r="0" g="0" b="0"/>
+        </a:lnRef>
+        <a:fillRef idx="1">
+          <a:scrgbClr r="0" g="0" b="0"/>
+        </a:fillRef>
+        <a:effectRef idx="0">
+          <a:scrgbClr r="0" g="0" b="0"/>
+        </a:effectRef>
+        <a:fontRef idx="minor">
+          <a:schemeClr val="lt1"/>
+        </a:fontRef>
+      </dsp:style>
+      <dsp:txBody>
+        <a:bodyPr spcFirstLastPara="0" vert="horz" wrap="square" lIns="60960" tIns="60960" rIns="60960" bIns="60960" numCol="1" spcCol="1270" anchor="t" anchorCtr="0">
+          <a:noAutofit/>
+        </a:bodyPr>
+        <a:lstStyle/>
+        <a:p>
+          <a:pPr marL="0" lvl="0" indent="0" algn="l" defTabSz="711200" rtl="0">
+            <a:lnSpc>
+              <a:spcPct val="90000"/>
+            </a:lnSpc>
+            <a:spcBef>
+              <a:spcPct val="0"/>
+            </a:spcBef>
+            <a:spcAft>
+              <a:spcPct val="35000"/>
+            </a:spcAft>
+            <a:buNone/>
+          </a:pPr>
+          <a:r>
+            <a:rPr lang="en-US" sz="1600" kern="1200" dirty="0"/>
+            <a:t>Pushes Staging Table into Public Schema</a:t>
+          </a:r>
+        </a:p>
+        <a:p>
+          <a:pPr marL="0" lvl="0" indent="0" algn="l" defTabSz="711200" rtl="0">
+            <a:lnSpc>
+              <a:spcPct val="90000"/>
+            </a:lnSpc>
+            <a:spcBef>
+              <a:spcPct val="0"/>
+            </a:spcBef>
+            <a:spcAft>
+              <a:spcPct val="35000"/>
+            </a:spcAft>
+            <a:buNone/>
+          </a:pPr>
+          <a:endParaRPr lang="en-US" sz="1600" kern="1200" dirty="0"/>
+        </a:p>
+        <a:p>
+          <a:pPr marL="0" lvl="0" indent="0" algn="l" defTabSz="711200" rtl="0">
+            <a:lnSpc>
+              <a:spcPct val="90000"/>
+            </a:lnSpc>
+            <a:spcBef>
+              <a:spcPct val="0"/>
+            </a:spcBef>
+            <a:spcAft>
+              <a:spcPct val="35000"/>
+            </a:spcAft>
+            <a:buNone/>
+          </a:pPr>
+          <a:r>
+            <a:rPr lang="en-US" sz="1600" kern="1200" dirty="0"/>
+            <a:t>Tracks Performance</a:t>
+          </a:r>
+        </a:p>
+      </dsp:txBody>
+      <dsp:txXfrm>
+        <a:off x="5312663" y="1883807"/>
+        <a:ext cx="1083015" cy="3280039"/>
+      </dsp:txXfrm>
+    </dsp:sp>
+    <dsp:sp modelId="{D1AF4A83-5007-004C-9CCC-9BA23937EA3D}">
+      <dsp:nvSpPr>
+        <dsp:cNvPr id="0" name=""/>
+        <dsp:cNvSpPr/>
+      </dsp:nvSpPr>
+      <dsp:spPr>
+        <a:xfrm>
+          <a:off x="7000036" y="2248159"/>
+          <a:ext cx="1083015" cy="2915687"/>
+        </a:xfrm>
+        <a:prstGeom prst="rect">
+          <a:avLst/>
+        </a:prstGeom>
+        <a:noFill/>
+        <a:ln w="12700" cap="flat" cmpd="sng" algn="ctr">
+          <a:noFill/>
+          <a:prstDash val="solid"/>
+          <a:miter lim="800000"/>
+        </a:ln>
+        <a:effectLst/>
+        <a:sp3d/>
+      </dsp:spPr>
+      <dsp:style>
+        <a:lnRef idx="2">
+          <a:scrgbClr r="0" g="0" b="0"/>
+        </a:lnRef>
+        <a:fillRef idx="1">
+          <a:scrgbClr r="0" g="0" b="0"/>
+        </a:fillRef>
+        <a:effectRef idx="0">
+          <a:scrgbClr r="0" g="0" b="0"/>
+        </a:effectRef>
+        <a:fontRef idx="minor">
+          <a:schemeClr val="lt1"/>
+        </a:fontRef>
+      </dsp:style>
+      <dsp:txBody>
+        <a:bodyPr spcFirstLastPara="0" vert="horz" wrap="square" lIns="68580" tIns="68580" rIns="68580" bIns="68580" numCol="1" spcCol="1270" anchor="t" anchorCtr="0">
+          <a:noAutofit/>
+        </a:bodyPr>
+        <a:lstStyle/>
+        <a:p>
+          <a:pPr marL="0" lvl="0" indent="0" algn="l" defTabSz="800100" rtl="0">
+            <a:lnSpc>
+              <a:spcPct val="90000"/>
+            </a:lnSpc>
+            <a:spcBef>
+              <a:spcPct val="0"/>
+            </a:spcBef>
+            <a:spcAft>
+              <a:spcPct val="35000"/>
+            </a:spcAft>
+            <a:buNone/>
+          </a:pPr>
+          <a:r>
+            <a:rPr lang="en-US" sz="1800" kern="1200" dirty="0"/>
+            <a:t>Pandas</a:t>
+          </a:r>
+        </a:p>
+        <a:p>
+          <a:pPr marL="0" lvl="0" indent="0" algn="l" defTabSz="800100" rtl="0">
+            <a:lnSpc>
+              <a:spcPct val="90000"/>
+            </a:lnSpc>
+            <a:spcBef>
+              <a:spcPct val="0"/>
+            </a:spcBef>
+            <a:spcAft>
+              <a:spcPct val="35000"/>
+            </a:spcAft>
+            <a:buNone/>
+          </a:pPr>
+          <a:r>
+            <a:rPr lang="en-US" sz="1800" kern="1200" dirty="0" err="1"/>
+            <a:t>GeoPands</a:t>
+          </a:r>
+          <a:endParaRPr lang="en-US" sz="1800" kern="1200" dirty="0"/>
+        </a:p>
+        <a:p>
+          <a:pPr marL="0" lvl="0" indent="0" algn="l" defTabSz="800100" rtl="0">
+            <a:lnSpc>
+              <a:spcPct val="90000"/>
+            </a:lnSpc>
+            <a:spcBef>
+              <a:spcPct val="0"/>
+            </a:spcBef>
+            <a:spcAft>
+              <a:spcPct val="35000"/>
+            </a:spcAft>
+            <a:buNone/>
+          </a:pPr>
+          <a:r>
+            <a:rPr lang="en-US" sz="1800" kern="1200" dirty="0"/>
+            <a:t>H2O </a:t>
+          </a:r>
+        </a:p>
+        <a:p>
+          <a:pPr marL="0" lvl="0" indent="0" algn="l" defTabSz="800100" rtl="0">
+            <a:lnSpc>
+              <a:spcPct val="90000"/>
+            </a:lnSpc>
+            <a:spcBef>
+              <a:spcPct val="0"/>
+            </a:spcBef>
+            <a:spcAft>
+              <a:spcPct val="35000"/>
+            </a:spcAft>
+            <a:buNone/>
+          </a:pPr>
+          <a:r>
+            <a:rPr lang="en-US" sz="1800" kern="1200" dirty="0"/>
+            <a:t>Data Frames </a:t>
+          </a:r>
+        </a:p>
+      </dsp:txBody>
+      <dsp:txXfrm>
+        <a:off x="7000036" y="2248159"/>
+        <a:ext cx="1083015" cy="2915687"/>
+      </dsp:txXfrm>
+    </dsp:sp>
+    <dsp:sp modelId="{F9D44326-9D53-2244-A160-C2B93A9B478D}">
+      <dsp:nvSpPr>
+        <dsp:cNvPr id="0" name=""/>
+        <dsp:cNvSpPr/>
+      </dsp:nvSpPr>
+      <dsp:spPr>
+        <a:xfrm>
+          <a:off x="8705697" y="2612511"/>
+          <a:ext cx="1083015" cy="2551335"/>
+        </a:xfrm>
+        <a:prstGeom prst="rect">
+          <a:avLst/>
+        </a:prstGeom>
+        <a:noFill/>
+        <a:ln w="12700" cap="flat" cmpd="sng" algn="ctr">
+          <a:noFill/>
+          <a:prstDash val="solid"/>
+          <a:miter lim="800000"/>
+        </a:ln>
+        <a:effectLst/>
+        <a:sp3d/>
+      </dsp:spPr>
+      <dsp:style>
+        <a:lnRef idx="2">
+          <a:scrgbClr r="0" g="0" b="0"/>
+        </a:lnRef>
+        <a:fillRef idx="1">
+          <a:scrgbClr r="0" g="0" b="0"/>
+        </a:fillRef>
+        <a:effectRef idx="0">
+          <a:scrgbClr r="0" g="0" b="0"/>
+        </a:effectRef>
+        <a:fontRef idx="minor">
+          <a:schemeClr val="lt1"/>
+        </a:fontRef>
+      </dsp:style>
+      <dsp:txBody>
+        <a:bodyPr spcFirstLastPara="0" vert="horz" wrap="square" lIns="53340" tIns="53340" rIns="53340" bIns="53340" numCol="1" spcCol="1270" anchor="t" anchorCtr="0">
+          <a:noAutofit/>
+        </a:bodyPr>
+        <a:lstStyle/>
+        <a:p>
+          <a:pPr marL="0" lvl="0" indent="0" algn="l" defTabSz="622300" rtl="0">
+            <a:lnSpc>
+              <a:spcPct val="90000"/>
+            </a:lnSpc>
+            <a:spcBef>
+              <a:spcPct val="0"/>
+            </a:spcBef>
+            <a:spcAft>
+              <a:spcPct val="35000"/>
+            </a:spcAft>
+            <a:buNone/>
+          </a:pPr>
+          <a:r>
+            <a:rPr lang="en-US" sz="1400" kern="1200" dirty="0"/>
+            <a:t>Creates Web Maps from Data Frames</a:t>
+          </a:r>
+        </a:p>
+      </dsp:txBody>
+      <dsp:txXfrm>
+        <a:off x="8705697" y="2612511"/>
+        <a:ext cx="1083015" cy="2551335"/>
+      </dsp:txXfrm>
+    </dsp:sp>
+    <dsp:sp modelId="{87A0629B-26A7-4B42-8A52-0163C1F30896}">
+      <dsp:nvSpPr>
+        <dsp:cNvPr id="0" name=""/>
+        <dsp:cNvSpPr/>
+      </dsp:nvSpPr>
+      <dsp:spPr>
+        <a:xfrm>
+          <a:off x="10397947" y="2977737"/>
+          <a:ext cx="1083015" cy="2186984"/>
+        </a:xfrm>
+        <a:prstGeom prst="rect">
+          <a:avLst/>
+        </a:prstGeom>
+        <a:noFill/>
+        <a:ln w="12700" cap="flat" cmpd="sng" algn="ctr">
+          <a:noFill/>
+          <a:prstDash val="solid"/>
+          <a:miter lim="800000"/>
+        </a:ln>
+        <a:effectLst/>
+        <a:sp3d/>
+      </dsp:spPr>
+      <dsp:style>
+        <a:lnRef idx="2">
+          <a:scrgbClr r="0" g="0" b="0"/>
+        </a:lnRef>
+        <a:fillRef idx="1">
+          <a:scrgbClr r="0" g="0" b="0"/>
+        </a:fillRef>
+        <a:effectRef idx="0">
+          <a:scrgbClr r="0" g="0" b="0"/>
+        </a:effectRef>
+        <a:fontRef idx="minor">
+          <a:schemeClr val="lt1"/>
+        </a:fontRef>
+      </dsp:style>
+      <dsp:txBody>
+        <a:bodyPr spcFirstLastPara="0" vert="horz" wrap="square" lIns="53340" tIns="53340" rIns="53340" bIns="53340" numCol="1" spcCol="1270" anchor="t" anchorCtr="0">
+          <a:noAutofit/>
+        </a:bodyPr>
+        <a:lstStyle/>
+        <a:p>
+          <a:pPr marL="0" lvl="0" indent="0" algn="l" defTabSz="622300" rtl="0">
+            <a:lnSpc>
+              <a:spcPct val="90000"/>
+            </a:lnSpc>
+            <a:spcBef>
+              <a:spcPct val="0"/>
+            </a:spcBef>
+            <a:spcAft>
+              <a:spcPct val="35000"/>
+            </a:spcAft>
+            <a:buNone/>
+          </a:pPr>
+          <a:r>
+            <a:rPr lang="en-US" sz="1400" kern="1200" dirty="0"/>
+            <a:t>Performance Testing of Each Map Type</a:t>
+          </a:r>
+        </a:p>
+      </dsp:txBody>
+      <dsp:txXfrm>
+        <a:off x="10397947" y="2977737"/>
+        <a:ext cx="1083015" cy="2186984"/>
+      </dsp:txXfrm>
+    </dsp:sp>
+  </dsp:spTree>
+</dsp:drawing>
+</file>
+
+<file path=ppt/diagrams/drawing4.xml><?xml version="1.0" encoding="utf-8"?>
+<dsp:drawing xmlns:dgm="http://schemas.openxmlformats.org/drawingml/2006/diagram" xmlns:dsp="http://schemas.microsoft.com/office/drawing/2008/diagram" xmlns:a="http://schemas.openxmlformats.org/drawingml/2006/main">
+  <dsp:spTree>
+    <dsp:nvGrpSpPr>
+      <dsp:cNvPr id="0" name=""/>
+      <dsp:cNvGrpSpPr/>
+    </dsp:nvGrpSpPr>
+    <dsp:grpSpPr/>
     <dsp:sp modelId="{C39795AC-BF40-3241-A435-8C3643F689FA}">
       <dsp:nvSpPr>
         <dsp:cNvPr id="0" name=""/>
@@ -8780,6 +11953,1735 @@
 </file>
 
 <file path=ppt/diagrams/layout3.xml><?xml version="1.0" encoding="utf-8"?>
+<dgm:layoutDef xmlns:dgm="http://schemas.openxmlformats.org/drawingml/2006/diagram" xmlns:a="http://schemas.openxmlformats.org/drawingml/2006/main" uniqueId="urn:microsoft.com/office/officeart/2009/3/layout/BlockDescendingList">
+  <dgm:title val=""/>
+  <dgm:desc val=""/>
+  <dgm:catLst>
+    <dgm:cat type="list" pri="18500"/>
+  </dgm:catLst>
+  <dgm:sampData>
+    <dgm:dataModel>
+      <dgm:ptLst>
+        <dgm:pt modelId="0" type="doc"/>
+        <dgm:pt modelId="10">
+          <dgm:prSet phldr="1"/>
+        </dgm:pt>
+        <dgm:pt modelId="11">
+          <dgm:prSet phldr="1"/>
+        </dgm:pt>
+        <dgm:pt modelId="12">
+          <dgm:prSet phldr="1"/>
+        </dgm:pt>
+        <dgm:pt modelId="20">
+          <dgm:prSet phldr="1"/>
+        </dgm:pt>
+        <dgm:pt modelId="21">
+          <dgm:prSet phldr="1"/>
+        </dgm:pt>
+        <dgm:pt modelId="22">
+          <dgm:prSet phldr="1"/>
+        </dgm:pt>
+        <dgm:pt modelId="30">
+          <dgm:prSet phldr="1"/>
+        </dgm:pt>
+        <dgm:pt modelId="31">
+          <dgm:prSet phldr="1"/>
+        </dgm:pt>
+        <dgm:pt modelId="32">
+          <dgm:prSet phldr="1"/>
+        </dgm:pt>
+      </dgm:ptLst>
+      <dgm:cxnLst>
+        <dgm:cxn modelId="40" srcId="0" destId="10" srcOrd="0" destOrd="0"/>
+        <dgm:cxn modelId="13" srcId="10" destId="11" srcOrd="0" destOrd="0"/>
+        <dgm:cxn modelId="14" srcId="10" destId="12" srcOrd="0" destOrd="0"/>
+        <dgm:cxn modelId="50" srcId="0" destId="20" srcOrd="1" destOrd="0"/>
+        <dgm:cxn modelId="23" srcId="20" destId="21" srcOrd="0" destOrd="0"/>
+        <dgm:cxn modelId="24" srcId="20" destId="22" srcOrd="0" destOrd="0"/>
+        <dgm:cxn modelId="60" srcId="0" destId="30" srcOrd="2" destOrd="0"/>
+        <dgm:cxn modelId="33" srcId="30" destId="31" srcOrd="0" destOrd="0"/>
+        <dgm:cxn modelId="34" srcId="30" destId="32" srcOrd="0" destOrd="0"/>
+      </dgm:cxnLst>
+      <dgm:bg/>
+      <dgm:whole/>
+    </dgm:dataModel>
+  </dgm:sampData>
+  <dgm:styleData>
+    <dgm:dataModel>
+      <dgm:ptLst>
+        <dgm:pt modelId="0" type="doc"/>
+        <dgm:pt modelId="10">
+          <dgm:prSet phldr="1"/>
+        </dgm:pt>
+        <dgm:pt modelId="20">
+          <dgm:prSet phldr="1"/>
+        </dgm:pt>
+      </dgm:ptLst>
+      <dgm:cxnLst>
+        <dgm:cxn modelId="40" srcId="0" destId="10" srcOrd="0" destOrd="0"/>
+        <dgm:cxn modelId="50" srcId="0" destId="20" srcOrd="1" destOrd="0"/>
+      </dgm:cxnLst>
+      <dgm:bg/>
+      <dgm:whole/>
+    </dgm:dataModel>
+  </dgm:styleData>
+  <dgm:clrData>
+    <dgm:dataModel>
+      <dgm:ptLst>
+        <dgm:pt modelId="0" type="doc"/>
+        <dgm:pt modelId="10">
+          <dgm:prSet phldr="1"/>
+        </dgm:pt>
+        <dgm:pt modelId="20">
+          <dgm:prSet phldr="1"/>
+        </dgm:pt>
+        <dgm:pt modelId="30">
+          <dgm:prSet phldr="1"/>
+        </dgm:pt>
+        <dgm:pt modelId="70">
+          <dgm:prSet phldr="1"/>
+        </dgm:pt>
+      </dgm:ptLst>
+      <dgm:cxnLst>
+        <dgm:cxn modelId="40" srcId="0" destId="10" srcOrd="0" destOrd="0"/>
+        <dgm:cxn modelId="50" srcId="0" destId="20" srcOrd="1" destOrd="0"/>
+        <dgm:cxn modelId="60" srcId="0" destId="30" srcOrd="2" destOrd="0"/>
+        <dgm:cxn modelId="80" srcId="0" destId="70" srcOrd="3" destOrd="0"/>
+      </dgm:cxnLst>
+      <dgm:bg/>
+      <dgm:whole/>
+    </dgm:dataModel>
+  </dgm:clrData>
+  <dgm:layoutNode name="Name0">
+    <dgm:varLst>
+      <dgm:chMax val="7"/>
+      <dgm:chPref val="7"/>
+      <dgm:dir/>
+      <dgm:animLvl val="lvl"/>
+    </dgm:varLst>
+    <dgm:shape xmlns:r="http://schemas.openxmlformats.org/officeDocument/2006/relationships" r:blip="">
+      <dgm:adjLst/>
+    </dgm:shape>
+    <dgm:choose name="Name1">
+      <dgm:if name="Name2" axis="ch" ptType="node" func="cnt" op="equ" val="1">
+        <dgm:alg type="composite">
+          <dgm:param type="ar" val="0.5516"/>
+        </dgm:alg>
+        <dgm:choose name="Name3">
+          <dgm:if name="Name4" func="var" arg="dir" op="equ" val="norm">
+            <dgm:constrLst>
+              <dgm:constr type="primFontSz" for="des" forName="childText_1" val="65"/>
+              <dgm:constr type="primFontSz" for="des" forName="parentText_1" val="65"/>
+              <dgm:constr type="primFontSz" for="des" forName="childText_1" refType="primFontSz" refFor="des" refForName="parentText_1" op="lte"/>
+              <dgm:constr type="l" for="ch" forName="accentShape_1" refType="w" fact="0"/>
+              <dgm:constr type="t" for="ch" forName="accentShape_1" refType="h" fact="0"/>
+              <dgm:constr type="w" for="ch" forName="accentShape_1" refType="w" fact="0.7146"/>
+              <dgm:constr type="h" for="ch" forName="accentShape_1" refType="h" fact="0.9952"/>
+              <dgm:constr type="l" for="ch" forName="parentText_1" refType="w" fact="0.513"/>
+              <dgm:constr type="t" for="ch" forName="parentText_1" refType="h" fact="0"/>
+              <dgm:constr type="w" for="ch" forName="parentText_1" refType="w" refFor="ch" refForName="accentShape_1" fact="0.26"/>
+              <dgm:constr type="h" for="ch" forName="parentText_1" refType="h" fact="0.78"/>
+              <dgm:constr type="l" for="ch" forName="childText_1" refType="w" fact="0"/>
+              <dgm:constr type="t" for="ch" forName="childText_1" refType="h" fact="0"/>
+              <dgm:constr type="w" for="ch" forName="childText_1" refType="w" refFor="ch" refForName="accentShape_1" fact="0.71"/>
+              <dgm:constr type="h" for="ch" forName="childText_1" refType="h"/>
+            </dgm:constrLst>
+          </dgm:if>
+          <dgm:else name="Name5">
+            <dgm:constrLst>
+              <dgm:constr type="primFontSz" for="des" forName="childText_1" val="65"/>
+              <dgm:constr type="primFontSz" for="des" forName="parentText_1" val="65"/>
+              <dgm:constr type="primFontSz" for="des" forName="childText_1" refType="primFontSz" refFor="des" refForName="parentText_1" op="lte"/>
+              <dgm:constr type="l" for="ch" forName="accentShape_1" refType="w" fact="0"/>
+              <dgm:constr type="t" for="ch" forName="accentShape_1" refType="h" fact="0"/>
+              <dgm:constr type="w" for="ch" forName="accentShape_1" refType="w" fact="0.7146"/>
+              <dgm:constr type="h" for="ch" forName="accentShape_1" refType="h" fact="0.9952"/>
+              <dgm:constr type="l" for="ch" forName="parentText_1" refType="w" fact="0.513"/>
+              <dgm:constr type="t" for="ch" forName="parentText_1" refType="h" fact="0"/>
+              <dgm:constr type="w" for="ch" forName="parentText_1" refType="w" refFor="ch" refForName="accentShape_1" fact="0.26"/>
+              <dgm:constr type="h" for="ch" forName="parentText_1" refType="h" fact="0.78"/>
+              <dgm:constr type="l" for="ch" forName="childText_1" refType="w" fact="0"/>
+              <dgm:constr type="t" for="ch" forName="childText_1" refType="h" fact="0"/>
+              <dgm:constr type="w" for="ch" forName="childText_1" refType="w" refFor="ch" refForName="accentShape_1" fact="0.71"/>
+              <dgm:constr type="h" for="ch" forName="childText_1" refType="h"/>
+            </dgm:constrLst>
+          </dgm:else>
+        </dgm:choose>
+      </dgm:if>
+      <dgm:if name="Name6" axis="ch" ptType="node" func="cnt" op="equ" val="2">
+        <dgm:alg type="composite">
+          <dgm:param type="ar" val="0.9804"/>
+        </dgm:alg>
+        <dgm:choose name="Name7">
+          <dgm:if name="Name8" func="var" arg="dir" op="equ" val="norm">
+            <dgm:constrLst>
+              <dgm:constr type="primFontSz" for="des" forName="childText_1" val="65"/>
+              <dgm:constr type="primFontSz" for="des" forName="parentText_1" val="65"/>
+              <dgm:constr type="primFontSz" for="des" forName="childText_1" refType="primFontSz" refFor="des" refForName="parentText_1" op="lte"/>
+              <dgm:constr type="primFontSz" for="des" forName="childText_2" refType="primFontSz" refFor="des" refForName="parentText_1" op="lte"/>
+              <dgm:constr type="primFontSz" for="des" forName="childText_1" refType="primFontSz" refFor="des" refForName="parentText_2" op="lte"/>
+              <dgm:constr type="primFontSz" for="des" forName="childText_2" refType="primFontSz" refFor="des" refForName="parentText_2" op="lte"/>
+              <dgm:constr type="primFontSz" for="des" forName="parentText_2" refType="primFontSz" refFor="des" refForName="parentText_1" op="equ"/>
+              <dgm:constr type="primFontSz" for="des" forName="childText_2" refType="primFontSz" refFor="des" refForName="childText_1" op="equ"/>
+              <dgm:constr type="l" for="ch" forName="accentShape_2" refType="w" fact="0.4393"/>
+              <dgm:constr type="t" for="ch" forName="accentShape_2" refType="h" fact="0.1192"/>
+              <dgm:constr type="w" for="ch" forName="accentShape_2" refType="w" fact="0.4021"/>
+              <dgm:constr type="h" for="ch" forName="accentShape_2" refType="h" fact="0.876"/>
+              <dgm:constr type="l" for="ch" forName="accentShape_1" refType="w" fact="0"/>
+              <dgm:constr type="t" for="ch" forName="accentShape_1" refType="h" fact="0"/>
+              <dgm:constr type="w" for="ch" forName="accentShape_1" refType="w" fact="0.4021"/>
+              <dgm:constr type="h" for="ch" forName="accentShape_1" refType="h" fact="0.9952"/>
+              <dgm:constr type="l" for="ch" forName="parentText_1" refType="w" fact="0.2946"/>
+              <dgm:constr type="t" for="ch" forName="parentText_1" refType="h" fact="0"/>
+              <dgm:constr type="w" for="ch" forName="parentText_1" refType="w" refFor="ch" refForName="accentShape_1" fact="0.26"/>
+              <dgm:constr type="h" for="ch" forName="parentText_1" refType="h" fact="0.78"/>
+              <dgm:constr type="l" for="ch" forName="parentText_2" refType="w" fact="0.7339"/>
+              <dgm:constr type="t" for="ch" forName="parentText_2" refType="h" fact="0.1192"/>
+              <dgm:constr type="w" for="ch" forName="parentText_2" refType="w" refFor="ch" refForName="accentShape_1" fact="0.26"/>
+              <dgm:constr type="h" for="ch" forName="parentText_2" refType="h" fact="0.78"/>
+              <dgm:constr type="l" for="ch" forName="childText_1" refType="w" fact="0"/>
+              <dgm:constr type="t" for="ch" forName="childText_1" refType="h" fact="0"/>
+              <dgm:constr type="w" for="ch" forName="childText_1" refType="w" refFor="ch" refForName="accentShape_1" fact="0.71"/>
+              <dgm:constr type="h" for="ch" forName="childText_1" refType="h"/>
+              <dgm:constr type="l" for="ch" forName="childText_2" refType="w" fact="0.4393"/>
+              <dgm:constr type="t" for="ch" forName="childText_2" refType="h" fact="0.1192"/>
+              <dgm:constr type="w" for="ch" forName="childText_2" refType="w" refFor="ch" refForName="accentShape_2" fact="0.71"/>
+              <dgm:constr type="h" for="ch" forName="childText_2" refType="h" fact="0.8808"/>
+            </dgm:constrLst>
+          </dgm:if>
+          <dgm:else name="Name9">
+            <dgm:constrLst>
+              <dgm:constr type="primFontSz" for="des" forName="childText_1" val="65"/>
+              <dgm:constr type="primFontSz" for="des" forName="parentText_1" val="65"/>
+              <dgm:constr type="primFontSz" for="des" forName="childText_1" refType="primFontSz" refFor="des" refForName="parentText_1" op="lte"/>
+              <dgm:constr type="primFontSz" for="des" forName="childText_2" refType="primFontSz" refFor="des" refForName="parentText_1" op="lte"/>
+              <dgm:constr type="primFontSz" for="des" forName="childText_1" refType="primFontSz" refFor="des" refForName="parentText_2" op="lte"/>
+              <dgm:constr type="primFontSz" for="des" forName="childText_2" refType="primFontSz" refFor="des" refForName="parentText_2" op="lte"/>
+              <dgm:constr type="primFontSz" for="des" forName="parentText_2" refType="primFontSz" refFor="des" refForName="parentText_1" op="equ"/>
+              <dgm:constr type="primFontSz" for="des" forName="childText_2" refType="primFontSz" refFor="des" refForName="childText_1" op="equ"/>
+              <dgm:constr type="l" for="ch" forName="accentShape_1" refType="w" fact="0.4393"/>
+              <dgm:constr type="t" for="ch" forName="accentShape_2" refType="h" fact="0.1192"/>
+              <dgm:constr type="w" for="ch" forName="accentShape_2" refType="w" fact="0.4021"/>
+              <dgm:constr type="h" for="ch" forName="accentShape_2" refType="h" fact="0.876"/>
+              <dgm:constr type="l" for="ch" forName="accentShape_2" refType="w" fact="0"/>
+              <dgm:constr type="t" for="ch" forName="accentShape_1" refType="h" fact="0"/>
+              <dgm:constr type="w" for="ch" forName="accentShape_1" refType="w" fact="0.4021"/>
+              <dgm:constr type="h" for="ch" forName="accentShape_1" refType="h" fact="0.9952"/>
+              <dgm:constr type="l" for="ch" forName="parentText_2" refType="w" fact="0.2946"/>
+              <dgm:constr type="t" for="ch" forName="parentText_1" refType="h" fact="0"/>
+              <dgm:constr type="w" for="ch" forName="parentText_1" refType="w" refFor="ch" refForName="accentShape_1" fact="0.26"/>
+              <dgm:constr type="h" for="ch" forName="parentText_1" refType="h" fact="0.78"/>
+              <dgm:constr type="l" for="ch" forName="parentText_1" refType="w" fact="0.7339"/>
+              <dgm:constr type="t" for="ch" forName="parentText_2" refType="h" fact="0.1192"/>
+              <dgm:constr type="w" for="ch" forName="parentText_2" refType="w" refFor="ch" refForName="accentShape_1" fact="0.26"/>
+              <dgm:constr type="h" for="ch" forName="parentText_2" refType="h" fact="0.78"/>
+              <dgm:constr type="l" for="ch" forName="childText_2" refType="w" fact="0"/>
+              <dgm:constr type="t" for="ch" forName="childText_1" refType="h" fact="0"/>
+              <dgm:constr type="w" for="ch" forName="childText_1" refType="w" refFor="ch" refForName="accentShape_1" fact="0.71"/>
+              <dgm:constr type="h" for="ch" forName="childText_1" refType="h"/>
+              <dgm:constr type="l" for="ch" forName="childText_1" refType="w" fact="0.4393"/>
+              <dgm:constr type="t" for="ch" forName="childText_2" refType="h" fact="0.1192"/>
+              <dgm:constr type="w" for="ch" forName="childText_2" refType="w" refFor="ch" refForName="accentShape_2" fact="0.71"/>
+              <dgm:constr type="h" for="ch" forName="childText_2" refType="h" fact="0.8808"/>
+            </dgm:constrLst>
+          </dgm:else>
+        </dgm:choose>
+      </dgm:if>
+      <dgm:if name="Name10" axis="ch" ptType="node" func="cnt" op="equ" val="3">
+        <dgm:alg type="composite">
+          <dgm:param type="ar" val="1.4097"/>
+        </dgm:alg>
+        <dgm:choose name="Name11">
+          <dgm:if name="Name12" func="var" arg="dir" op="equ" val="norm">
+            <dgm:constrLst>
+              <dgm:constr type="primFontSz" for="des" forName="childText_1" val="65"/>
+              <dgm:constr type="primFontSz" for="des" forName="parentText_1" val="65"/>
+              <dgm:constr type="primFontSz" for="des" forName="childText_1" refType="primFontSz" refFor="des" refForName="parentText_1" op="lte"/>
+              <dgm:constr type="primFontSz" for="des" forName="childText_2" refType="primFontSz" refFor="des" refForName="parentText_1" op="lte"/>
+              <dgm:constr type="primFontSz" for="des" forName="childText_3" refType="primFontSz" refFor="des" refForName="parentText_1" op="lte"/>
+              <dgm:constr type="primFontSz" for="des" forName="childText_1" refType="primFontSz" refFor="des" refForName="parentText_2" op="lte"/>
+              <dgm:constr type="primFontSz" for="des" forName="childText_2" refType="primFontSz" refFor="des" refForName="parentText_2" op="lte"/>
+              <dgm:constr type="primFontSz" for="des" forName="childText_3" refType="primFontSz" refFor="des" refForName="parentText_2" op="lte"/>
+              <dgm:constr type="primFontSz" for="des" forName="childText_1" refType="primFontSz" refFor="des" refForName="parentText_3" op="lte"/>
+              <dgm:constr type="primFontSz" for="des" forName="childText_2" refType="primFontSz" refFor="des" refForName="parentText_3" op="lte"/>
+              <dgm:constr type="primFontSz" for="des" forName="childText_3" refType="primFontSz" refFor="des" refForName="parentText_3" op="lte"/>
+              <dgm:constr type="primFontSz" for="des" forName="parentText_2" refType="primFontSz" refFor="des" refForName="parentText_1" op="equ"/>
+              <dgm:constr type="primFontSz" for="des" forName="parentText_3" refType="primFontSz" refFor="des" refForName="parentText_1" op="equ"/>
+              <dgm:constr type="primFontSz" for="des" forName="childText_2" refType="primFontSz" refFor="des" refForName="childText_1" op="equ"/>
+              <dgm:constr type="primFontSz" for="des" forName="childText_3" refType="primFontSz" refFor="des" refForName="childText_1" op="equ"/>
+              <dgm:constr type="l" for="ch" forName="accentShape_1" refType="w" fact="0"/>
+              <dgm:constr type="t" for="ch" forName="accentShape_1" refType="h" fact="0"/>
+              <dgm:constr type="w" for="ch" forName="accentShape_1" refType="w" fact="0.2796"/>
+              <dgm:constr type="h" for="ch" forName="accentShape_1" refType="h" fact="0.9952"/>
+              <dgm:constr type="l" for="ch" forName="accentShape_2" refType="w" fact="0.3055"/>
+              <dgm:constr type="t" for="ch" forName="accentShape_2" refType="h" fact="0.1192"/>
+              <dgm:constr type="w" for="ch" forName="accentShape_2" refType="w" fact="0.2796"/>
+              <dgm:constr type="h" for="ch" forName="accentShape_2" refType="h" fact="0.876"/>
+              <dgm:constr type="l" for="ch" forName="accentShape_3" refType="w" fact="0.6101"/>
+              <dgm:constr type="t" for="ch" forName="accentShape_3" refType="h" fact="0.2457"/>
+              <dgm:constr type="w" for="ch" forName="accentShape_3" refType="w" fact="0.2796"/>
+              <dgm:constr type="h" for="ch" forName="accentShape_3" refType="h" fact="0.7499"/>
+              <dgm:constr type="l" for="ch" forName="parentText_1" refType="w" fact="0.2"/>
+              <dgm:constr type="t" for="ch" forName="parentText_1" refType="h" fact="0"/>
+              <dgm:constr type="w" for="ch" forName="parentText_1" refType="w" refFor="ch" refForName="accentShape_1" fact="0.26"/>
+              <dgm:constr type="h" for="ch" forName="parentText_1" refType="h" refFor="ch" refForName="accentShape_1" fact="0.9"/>
+              <dgm:constr type="l" for="ch" forName="parentText_2" refType="w" fact="0.5055"/>
+              <dgm:constr type="t" for="ch" forName="parentText_2" refType="h" fact="0.1192"/>
+              <dgm:constr type="w" for="ch" forName="parentText_2" refType="w" refFor="ch" refForName="accentShape_2" fact="0.26"/>
+              <dgm:constr type="h" for="ch" forName="parentText_2" refType="h" refFor="ch" refForName="accentShape_2" fact="0.9"/>
+              <dgm:constr type="l" for="ch" forName="parentText_3" refType="w" fact="0.8101"/>
+              <dgm:constr type="t" for="ch" forName="parentText_3" refType="h" fact="0.2457"/>
+              <dgm:constr type="w" for="ch" forName="parentText_3" refType="w" refFor="ch" refForName="accentShape_3" fact="0.26"/>
+              <dgm:constr type="h" for="ch" forName="parentText_3" refType="h" refFor="ch" refForName="accentShape_3" fact="0.9"/>
+              <dgm:constr type="l" for="ch" forName="childText_1" refType="w" fact="0"/>
+              <dgm:constr type="t" for="ch" forName="childText_1" refType="h" fact="0"/>
+              <dgm:constr type="w" for="ch" forName="childText_1" refType="w" refFor="ch" refForName="accentShape_1" fact="0.71"/>
+              <dgm:constr type="h" for="ch" forName="childText_1" refType="h"/>
+              <dgm:constr type="l" for="ch" forName="childText_2" refType="w" fact="0.3055"/>
+              <dgm:constr type="t" for="ch" forName="childText_2" refType="h" fact="0.1192"/>
+              <dgm:constr type="w" for="ch" forName="childText_2" refType="w" refFor="ch" refForName="accentShape_2" fact="0.71"/>
+              <dgm:constr type="h" for="ch" forName="childText_2" refType="h" fact="0.8808"/>
+              <dgm:constr type="l" for="ch" forName="childText_3" refType="w" fact="0.6101"/>
+              <dgm:constr type="t" for="ch" forName="childText_3" refType="h" fact="0.2457"/>
+              <dgm:constr type="w" for="ch" forName="childText_3" refType="w" refFor="ch" refForName="accentShape_3" fact="0.71"/>
+              <dgm:constr type="h" for="ch" forName="childText_3" refType="h" fact="0.7543"/>
+            </dgm:constrLst>
+          </dgm:if>
+          <dgm:else name="Name13">
+            <dgm:constrLst>
+              <dgm:constr type="primFontSz" for="des" forName="childText_1" val="65"/>
+              <dgm:constr type="primFontSz" for="des" forName="parentText_1" val="65"/>
+              <dgm:constr type="primFontSz" for="des" forName="childText_1" refType="primFontSz" refFor="des" refForName="parentText_1" op="lte"/>
+              <dgm:constr type="primFontSz" for="des" forName="childText_2" refType="primFontSz" refFor="des" refForName="parentText_1" op="lte"/>
+              <dgm:constr type="primFontSz" for="des" forName="childText_3" refType="primFontSz" refFor="des" refForName="parentText_1" op="lte"/>
+              <dgm:constr type="primFontSz" for="des" forName="childText_1" refType="primFontSz" refFor="des" refForName="parentText_2" op="lte"/>
+              <dgm:constr type="primFontSz" for="des" forName="childText_2" refType="primFontSz" refFor="des" refForName="parentText_2" op="lte"/>
+              <dgm:constr type="primFontSz" for="des" forName="childText_3" refType="primFontSz" refFor="des" refForName="parentText_2" op="lte"/>
+              <dgm:constr type="primFontSz" for="des" forName="childText_1" refType="primFontSz" refFor="des" refForName="parentText_3" op="lte"/>
+              <dgm:constr type="primFontSz" for="des" forName="childText_2" refType="primFontSz" refFor="des" refForName="parentText_3" op="lte"/>
+              <dgm:constr type="primFontSz" for="des" forName="childText_3" refType="primFontSz" refFor="des" refForName="parentText_3" op="lte"/>
+              <dgm:constr type="primFontSz" for="des" forName="parentText_2" refType="primFontSz" refFor="des" refForName="parentText_1" op="equ"/>
+              <dgm:constr type="primFontSz" for="des" forName="parentText_3" refType="primFontSz" refFor="des" refForName="parentText_1" op="equ"/>
+              <dgm:constr type="primFontSz" for="des" forName="childText_2" refType="primFontSz" refFor="des" refForName="childText_1" op="equ"/>
+              <dgm:constr type="primFontSz" for="des" forName="childText_3" refType="primFontSz" refFor="des" refForName="childText_1" op="equ"/>
+              <dgm:constr type="l" for="ch" forName="accentShape_3" refType="w" fact="0"/>
+              <dgm:constr type="t" for="ch" forName="accentShape_1" refType="h" fact="0"/>
+              <dgm:constr type="w" for="ch" forName="accentShape_1" refType="w" fact="0.2796"/>
+              <dgm:constr type="h" for="ch" forName="accentShape_1" refType="h" fact="0.9952"/>
+              <dgm:constr type="l" for="ch" forName="accentShape_2" refType="w" fact="0.3055"/>
+              <dgm:constr type="t" for="ch" forName="accentShape_2" refType="h" fact="0.1192"/>
+              <dgm:constr type="w" for="ch" forName="accentShape_2" refType="w" fact="0.2796"/>
+              <dgm:constr type="h" for="ch" forName="accentShape_2" refType="h" fact="0.876"/>
+              <dgm:constr type="l" for="ch" forName="accentShape_1" refType="w" fact="0.6101"/>
+              <dgm:constr type="t" for="ch" forName="accentShape_3" refType="h" fact="0.2457"/>
+              <dgm:constr type="w" for="ch" forName="accentShape_3" refType="w" fact="0.2796"/>
+              <dgm:constr type="h" for="ch" forName="accentShape_3" refType="h" fact="0.7499"/>
+              <dgm:constr type="l" for="ch" forName="parentText_3" refType="w" fact="0.2"/>
+              <dgm:constr type="t" for="ch" forName="parentText_1" refType="h" fact="0"/>
+              <dgm:constr type="w" for="ch" forName="parentText_1" refType="w" refFor="ch" refForName="accentShape_1" fact="0.26"/>
+              <dgm:constr type="h" for="ch" forName="parentText_1" refType="h" refFor="ch" refForName="accentShape_1" fact="0.9"/>
+              <dgm:constr type="l" for="ch" forName="parentText_2" refType="w" fact="0.5055"/>
+              <dgm:constr type="t" for="ch" forName="parentText_2" refType="h" fact="0.1192"/>
+              <dgm:constr type="w" for="ch" forName="parentText_2" refType="w" refFor="ch" refForName="accentShape_2" fact="0.26"/>
+              <dgm:constr type="h" for="ch" forName="parentText_2" refType="h" refFor="ch" refForName="accentShape_2" fact="0.9"/>
+              <dgm:constr type="l" for="ch" forName="parentText_1" refType="w" fact="0.8101"/>
+              <dgm:constr type="t" for="ch" forName="parentText_3" refType="h" fact="0.2457"/>
+              <dgm:constr type="w" for="ch" forName="parentText_3" refType="w" refFor="ch" refForName="accentShape_3" fact="0.26"/>
+              <dgm:constr type="h" for="ch" forName="parentText_3" refType="h" refFor="ch" refForName="accentShape_3" fact="0.9"/>
+              <dgm:constr type="l" for="ch" forName="childText_3" refType="w" fact="0"/>
+              <dgm:constr type="t" for="ch" forName="childText_1" refType="h" fact="0"/>
+              <dgm:constr type="w" for="ch" forName="childText_1" refType="w" refFor="ch" refForName="accentShape_1" fact="0.71"/>
+              <dgm:constr type="h" for="ch" forName="childText_1" refType="h"/>
+              <dgm:constr type="l" for="ch" forName="childText_2" refType="w" fact="0.3055"/>
+              <dgm:constr type="t" for="ch" forName="childText_2" refType="h" fact="0.1192"/>
+              <dgm:constr type="w" for="ch" forName="childText_2" refType="w" refFor="ch" refForName="accentShape_2" fact="0.71"/>
+              <dgm:constr type="h" for="ch" forName="childText_2" refType="h" fact="0.8808"/>
+              <dgm:constr type="l" for="ch" forName="childText_1" refType="w" fact="0.6101"/>
+              <dgm:constr type="t" for="ch" forName="childText_3" refType="h" fact="0.2457"/>
+              <dgm:constr type="w" for="ch" forName="childText_3" refType="w" refFor="ch" refForName="accentShape_3" fact="0.71"/>
+              <dgm:constr type="h" for="ch" forName="childText_3" refType="h" fact="0.7543"/>
+            </dgm:constrLst>
+          </dgm:else>
+        </dgm:choose>
+      </dgm:if>
+      <dgm:if name="Name14" axis="ch" ptType="node" func="cnt" op="equ" val="4">
+        <dgm:alg type="composite">
+          <dgm:param type="ar" val="1.8305"/>
+        </dgm:alg>
+        <dgm:choose name="Name15">
+          <dgm:if name="Name16" func="var" arg="dir" op="equ" val="norm">
+            <dgm:constrLst>
+              <dgm:constr type="primFontSz" for="des" forName="childText_1" val="65"/>
+              <dgm:constr type="primFontSz" for="des" forName="parentText_1" val="65"/>
+              <dgm:constr type="primFontSz" for="des" forName="childText_1" refType="primFontSz" refFor="des" refForName="parentText_1" op="lte"/>
+              <dgm:constr type="primFontSz" for="des" forName="childText_2" refType="primFontSz" refFor="des" refForName="parentText_1" op="lte"/>
+              <dgm:constr type="primFontSz" for="des" forName="childText_3" refType="primFontSz" refFor="des" refForName="parentText_1" op="lte"/>
+              <dgm:constr type="primFontSz" for="des" forName="childText_4" refType="primFontSz" refFor="des" refForName="parentText_1" op="lte"/>
+              <dgm:constr type="primFontSz" for="des" forName="childText_1" refType="primFontSz" refFor="des" refForName="parentText_2" op="lte"/>
+              <dgm:constr type="primFontSz" for="des" forName="childText_2" refType="primFontSz" refFor="des" refForName="parentText_2" op="lte"/>
+              <dgm:constr type="primFontSz" for="des" forName="childText_3" refType="primFontSz" refFor="des" refForName="parentText_2" op="lte"/>
+              <dgm:constr type="primFontSz" for="des" forName="childText_4" refType="primFontSz" refFor="des" refForName="parentText_2" op="lte"/>
+              <dgm:constr type="primFontSz" for="des" forName="childText_1" refType="primFontSz" refFor="des" refForName="parentText_3" op="lte"/>
+              <dgm:constr type="primFontSz" for="des" forName="childText_2" refType="primFontSz" refFor="des" refForName="parentText_3" op="lte"/>
+              <dgm:constr type="primFontSz" for="des" forName="childText_3" refType="primFontSz" refFor="des" refForName="parentText_3" op="lte"/>
+              <dgm:constr type="primFontSz" for="des" forName="childText_4" refType="primFontSz" refFor="des" refForName="parentText_3" op="lte"/>
+              <dgm:constr type="primFontSz" for="des" forName="childText_1" refType="primFontSz" refFor="des" refForName="parentText_4" op="lte"/>
+              <dgm:constr type="primFontSz" for="des" forName="childText_2" refType="primFontSz" refFor="des" refForName="parentText_4" op="lte"/>
+              <dgm:constr type="primFontSz" for="des" forName="childText_3" refType="primFontSz" refFor="des" refForName="parentText_4" op="lte"/>
+              <dgm:constr type="primFontSz" for="des" forName="childText_4" refType="primFontSz" refFor="des" refForName="parentText_4" op="lte"/>
+              <dgm:constr type="primFontSz" for="des" forName="parentText_2" refType="primFontSz" refFor="des" refForName="parentText_1" op="equ"/>
+              <dgm:constr type="primFontSz" for="des" forName="parentText_3" refType="primFontSz" refFor="des" refForName="parentText_1" op="equ"/>
+              <dgm:constr type="primFontSz" for="des" forName="parentText_4" refType="primFontSz" refFor="des" refForName="parentText_1" op="equ"/>
+              <dgm:constr type="primFontSz" for="des" forName="childText_2" refType="primFontSz" refFor="des" refForName="childText_1" op="equ"/>
+              <dgm:constr type="primFontSz" for="des" forName="childText_3" refType="primFontSz" refFor="des" refForName="childText_1" op="equ"/>
+              <dgm:constr type="primFontSz" for="des" forName="childText_4" refType="primFontSz" refFor="des" refForName="childText_1" op="equ"/>
+              <dgm:constr type="l" for="ch" forName="accentShape_1" refType="w" fact="0"/>
+              <dgm:constr type="t" for="ch" forName="accentShape_1" refType="h" fact="0"/>
+              <dgm:constr type="w" for="ch" forName="accentShape_1" refType="w" fact="0.2153"/>
+              <dgm:constr type="h" for="ch" forName="accentShape_1" refType="h" fact="0.9952"/>
+              <dgm:constr type="l" for="ch" forName="accentShape_2" refType="w" fact="0.2353"/>
+              <dgm:constr type="t" for="ch" forName="accentShape_2" refType="h" fact="0.1192"/>
+              <dgm:constr type="w" for="ch" forName="accentShape_2" refType="w" fact="0.2153"/>
+              <dgm:constr type="h" for="ch" forName="accentShape_2" refType="h" fact="0.876"/>
+              <dgm:constr type="l" for="ch" forName="accentShape_3" refType="w" fact="0.4699"/>
+              <dgm:constr type="t" for="ch" forName="accentShape_3" refType="h" fact="0.2457"/>
+              <dgm:constr type="w" for="ch" forName="accentShape_3" refType="w" fact="0.2153"/>
+              <dgm:constr type="h" for="ch" forName="accentShape_3" refType="h" fact="0.7495"/>
+              <dgm:constr type="l" for="ch" forName="accentShape_4" refType="w" fact="0.6997"/>
+              <dgm:constr type="t" for="ch" forName="accentShape_4" refType="h" fact="0.3696"/>
+              <dgm:constr type="w" for="ch" forName="accentShape_4" refType="w" fact="0.2153"/>
+              <dgm:constr type="h" for="ch" forName="accentShape_4" refType="h" fact="0.6256"/>
+              <dgm:constr type="l" for="ch" forName="parentText_1" refType="w" fact="0.16"/>
+              <dgm:constr type="t" for="ch" forName="parentText_1" refType="h" fact="0"/>
+              <dgm:constr type="w" for="ch" forName="parentText_1" refType="w" refFor="ch" refForName="accentShape_1" fact="0.26"/>
+              <dgm:constr type="h" for="ch" forName="parentText_1" refType="h" refFor="ch" refForName="accentShape_1" fact="0.9"/>
+              <dgm:constr type="l" for="ch" forName="parentText_2" refType="w" fact="0.3953"/>
+              <dgm:constr type="t" for="ch" forName="parentText_2" refType="h" fact="0.1192"/>
+              <dgm:constr type="w" for="ch" forName="parentText_2" refType="w" refFor="ch" refForName="accentShape_2" fact="0.26"/>
+              <dgm:constr type="h" for="ch" forName="parentText_2" refType="h" refFor="ch" refForName="accentShape_2" fact="0.9"/>
+              <dgm:constr type="l" for="ch" forName="parentText_3" refType="w" fact="0.6299"/>
+              <dgm:constr type="t" for="ch" forName="parentText_3" refType="h" fact="0.2457"/>
+              <dgm:constr type="w" for="ch" forName="parentText_3" refType="w" refFor="ch" refForName="accentShape_3" fact="0.26"/>
+              <dgm:constr type="h" for="ch" forName="parentText_3" refType="h" refFor="ch" refForName="accentShape_3" fact="0.9"/>
+              <dgm:constr type="l" for="ch" forName="parentText_4" refType="w" fact="0.8597"/>
+              <dgm:constr type="t" for="ch" forName="parentText_4" refType="h" fact="0.3696"/>
+              <dgm:constr type="w" for="ch" forName="parentText_4" refType="w" refFor="ch" refForName="accentShape_4" fact="0.26"/>
+              <dgm:constr type="h" for="ch" forName="parentText_4" refType="h" refFor="ch" refForName="accentShape_4" fact="0.9"/>
+              <dgm:constr type="l" for="ch" forName="childText_1" refType="w" fact="0"/>
+              <dgm:constr type="t" for="ch" forName="childText_1" refType="h" fact="0"/>
+              <dgm:constr type="w" for="ch" forName="childText_1" refType="w" refFor="ch" refForName="accentShape_1" fact="0.71"/>
+              <dgm:constr type="h" for="ch" forName="childText_1" refType="h"/>
+              <dgm:constr type="l" for="ch" forName="childText_2" refType="w" fact="0.2353"/>
+              <dgm:constr type="t" for="ch" forName="childText_2" refType="h" fact="0.1192"/>
+              <dgm:constr type="w" for="ch" forName="childText_2" refType="w" refFor="ch" refForName="accentShape_2" fact="0.71"/>
+              <dgm:constr type="h" for="ch" forName="childText_2" refType="h" fact="0.8808"/>
+              <dgm:constr type="l" for="ch" forName="childText_3" refType="w" fact="0.4699"/>
+              <dgm:constr type="t" for="ch" forName="childText_3" refType="h" fact="0.2457"/>
+              <dgm:constr type="w" for="ch" forName="childText_3" refType="w" refFor="ch" refForName="accentShape_3" fact="0.71"/>
+              <dgm:constr type="h" for="ch" forName="childText_3" refType="h" fact="0.7543"/>
+              <dgm:constr type="l" for="ch" forName="childText_4" refType="w" fact="0.6997"/>
+              <dgm:constr type="t" for="ch" forName="childText_4" refType="h" fact="0.3696"/>
+              <dgm:constr type="w" for="ch" forName="childText_4" refType="w" refFor="ch" refForName="accentShape_4" fact="0.71"/>
+              <dgm:constr type="h" for="ch" forName="childText_4" refType="h" fact="0.6261"/>
+            </dgm:constrLst>
+          </dgm:if>
+          <dgm:else name="Name17">
+            <dgm:constrLst>
+              <dgm:constr type="primFontSz" for="des" forName="childText_1" val="65"/>
+              <dgm:constr type="primFontSz" for="des" forName="parentText_1" val="65"/>
+              <dgm:constr type="primFontSz" for="des" forName="childText_1" refType="primFontSz" refFor="des" refForName="parentText_1" op="lte"/>
+              <dgm:constr type="primFontSz" for="des" forName="childText_2" refType="primFontSz" refFor="des" refForName="parentText_1" op="lte"/>
+              <dgm:constr type="primFontSz" for="des" forName="childText_3" refType="primFontSz" refFor="des" refForName="parentText_1" op="lte"/>
+              <dgm:constr type="primFontSz" for="des" forName="childText_4" refType="primFontSz" refFor="des" refForName="parentText_1" op="lte"/>
+              <dgm:constr type="primFontSz" for="des" forName="childText_1" refType="primFontSz" refFor="des" refForName="parentText_2" op="lte"/>
+              <dgm:constr type="primFontSz" for="des" forName="childText_2" refType="primFontSz" refFor="des" refForName="parentText_2" op="lte"/>
+              <dgm:constr type="primFontSz" for="des" forName="childText_3" refType="primFontSz" refFor="des" refForName="parentText_2" op="lte"/>
+              <dgm:constr type="primFontSz" for="des" forName="childText_4" refType="primFontSz" refFor="des" refForName="parentText_2" op="lte"/>
+              <dgm:constr type="primFontSz" for="des" forName="childText_1" refType="primFontSz" refFor="des" refForName="parentText_3" op="lte"/>
+              <dgm:constr type="primFontSz" for="des" forName="childText_2" refType="primFontSz" refFor="des" refForName="parentText_3" op="lte"/>
+              <dgm:constr type="primFontSz" for="des" forName="childText_3" refType="primFontSz" refFor="des" refForName="parentText_3" op="lte"/>
+              <dgm:constr type="primFontSz" for="des" forName="childText_4" refType="primFontSz" refFor="des" refForName="parentText_3" op="lte"/>
+              <dgm:constr type="primFontSz" for="des" forName="childText_1" refType="primFontSz" refFor="des" refForName="parentText_4" op="lte"/>
+              <dgm:constr type="primFontSz" for="des" forName="childText_2" refType="primFontSz" refFor="des" refForName="parentText_4" op="lte"/>
+              <dgm:constr type="primFontSz" for="des" forName="childText_3" refType="primFontSz" refFor="des" refForName="parentText_4" op="lte"/>
+              <dgm:constr type="primFontSz" for="des" forName="childText_4" refType="primFontSz" refFor="des" refForName="parentText_4" op="lte"/>
+              <dgm:constr type="primFontSz" for="des" forName="parentText_2" refType="primFontSz" refFor="des" refForName="parentText_1" op="equ"/>
+              <dgm:constr type="primFontSz" for="des" forName="parentText_3" refType="primFontSz" refFor="des" refForName="parentText_1" op="equ"/>
+              <dgm:constr type="primFontSz" for="des" forName="parentText_4" refType="primFontSz" refFor="des" refForName="parentText_1" op="equ"/>
+              <dgm:constr type="primFontSz" for="des" forName="childText_2" refType="primFontSz" refFor="des" refForName="childText_1" op="equ"/>
+              <dgm:constr type="primFontSz" for="des" forName="childText_3" refType="primFontSz" refFor="des" refForName="childText_1" op="equ"/>
+              <dgm:constr type="primFontSz" for="des" forName="childText_4" refType="primFontSz" refFor="des" refForName="childText_1" op="equ"/>
+              <dgm:constr type="l" for="ch" forName="accentShape_4" refType="w" fact="0"/>
+              <dgm:constr type="t" for="ch" forName="accentShape_1" refType="h" fact="0"/>
+              <dgm:constr type="w" for="ch" forName="accentShape_1" refType="w" fact="0.2153"/>
+              <dgm:constr type="h" for="ch" forName="accentShape_1" refType="h" fact="0.9952"/>
+              <dgm:constr type="l" for="ch" forName="accentShape_3" refType="w" fact="0.2353"/>
+              <dgm:constr type="t" for="ch" forName="accentShape_2" refType="h" fact="0.1192"/>
+              <dgm:constr type="w" for="ch" forName="accentShape_2" refType="w" fact="0.2153"/>
+              <dgm:constr type="h" for="ch" forName="accentShape_2" refType="h" fact="0.876"/>
+              <dgm:constr type="l" for="ch" forName="accentShape_2" refType="w" fact="0.4699"/>
+              <dgm:constr type="t" for="ch" forName="accentShape_3" refType="h" fact="0.2457"/>
+              <dgm:constr type="w" for="ch" forName="accentShape_3" refType="w" fact="0.2153"/>
+              <dgm:constr type="h" for="ch" forName="accentShape_3" refType="h" fact="0.7495"/>
+              <dgm:constr type="l" for="ch" forName="accentShape_1" refType="w" fact="0.6997"/>
+              <dgm:constr type="t" for="ch" forName="accentShape_4" refType="h" fact="0.3696"/>
+              <dgm:constr type="w" for="ch" forName="accentShape_4" refType="w" fact="0.2153"/>
+              <dgm:constr type="h" for="ch" forName="accentShape_4" refType="h" fact="0.6256"/>
+              <dgm:constr type="l" for="ch" forName="parentText_4" refType="w" fact="0.16"/>
+              <dgm:constr type="t" for="ch" forName="parentText_1" refType="h" fact="0"/>
+              <dgm:constr type="w" for="ch" forName="parentText_1" refType="w" refFor="ch" refForName="accentShape_1" fact="0.26"/>
+              <dgm:constr type="h" for="ch" forName="parentText_1" refType="h" refFor="ch" refForName="accentShape_1" fact="0.9"/>
+              <dgm:constr type="l" for="ch" forName="parentText_3" refType="w" fact="0.3953"/>
+              <dgm:constr type="t" for="ch" forName="parentText_2" refType="h" fact="0.1192"/>
+              <dgm:constr type="w" for="ch" forName="parentText_2" refType="w" refFor="ch" refForName="accentShape_2" fact="0.26"/>
+              <dgm:constr type="h" for="ch" forName="parentText_2" refType="h" refFor="ch" refForName="accentShape_2" fact="0.9"/>
+              <dgm:constr type="l" for="ch" forName="parentText_2" refType="w" fact="0.6299"/>
+              <dgm:constr type="t" for="ch" forName="parentText_3" refType="h" fact="0.2457"/>
+              <dgm:constr type="w" for="ch" forName="parentText_3" refType="w" refFor="ch" refForName="accentShape_3" fact="0.26"/>
+              <dgm:constr type="h" for="ch" forName="parentText_3" refType="h" refFor="ch" refForName="accentShape_3" fact="0.9"/>
+              <dgm:constr type="l" for="ch" forName="parentText_1" refType="w" fact="0.8597"/>
+              <dgm:constr type="t" for="ch" forName="parentText_4" refType="h" fact="0.3696"/>
+              <dgm:constr type="w" for="ch" forName="parentText_4" refType="w" refFor="ch" refForName="accentShape_4" fact="0.26"/>
+              <dgm:constr type="h" for="ch" forName="parentText_4" refType="h" refFor="ch" refForName="accentShape_4" fact="0.9"/>
+              <dgm:constr type="l" for="ch" forName="childText_4" refType="w" fact="0"/>
+              <dgm:constr type="t" for="ch" forName="childText_1" refType="h" fact="0"/>
+              <dgm:constr type="w" for="ch" forName="childText_1" refType="w" refFor="ch" refForName="accentShape_1" fact="0.71"/>
+              <dgm:constr type="h" for="ch" forName="childText_1" refType="h"/>
+              <dgm:constr type="l" for="ch" forName="childText_3" refType="w" fact="0.2353"/>
+              <dgm:constr type="t" for="ch" forName="childText_2" refType="h" fact="0.1192"/>
+              <dgm:constr type="w" for="ch" forName="childText_2" refType="w" refFor="ch" refForName="accentShape_2" fact="0.71"/>
+              <dgm:constr type="h" for="ch" forName="childText_2" refType="h" fact="0.8808"/>
+              <dgm:constr type="l" for="ch" forName="childText_2" refType="w" fact="0.4699"/>
+              <dgm:constr type="t" for="ch" forName="childText_3" refType="h" fact="0.2457"/>
+              <dgm:constr type="w" for="ch" forName="childText_3" refType="w" refFor="ch" refForName="accentShape_3" fact="0.71"/>
+              <dgm:constr type="h" for="ch" forName="childText_3" refType="h" fact="0.7543"/>
+              <dgm:constr type="l" for="ch" forName="childText_1" refType="w" fact="0.6997"/>
+              <dgm:constr type="t" for="ch" forName="childText_4" refType="h" fact="0.3696"/>
+              <dgm:constr type="w" for="ch" forName="childText_4" refType="w" refFor="ch" refForName="accentShape_4" fact="0.71"/>
+              <dgm:constr type="h" for="ch" forName="childText_4" refType="h" fact="0.6261"/>
+            </dgm:constrLst>
+          </dgm:else>
+        </dgm:choose>
+      </dgm:if>
+      <dgm:if name="Name18" axis="ch" ptType="node" func="cnt" op="equ" val="5">
+        <dgm:alg type="composite">
+          <dgm:param type="ar" val="2.0125"/>
+        </dgm:alg>
+        <dgm:choose name="Name19">
+          <dgm:if name="Name20" func="var" arg="dir" op="equ" val="norm">
+            <dgm:constrLst>
+              <dgm:constr type="primFontSz" for="des" forName="childText_1" val="65"/>
+              <dgm:constr type="primFontSz" for="des" forName="parentText_1" val="65"/>
+              <dgm:constr type="primFontSz" for="des" forName="childText_1" refType="primFontSz" refFor="des" refForName="parentText_1" op="lte"/>
+              <dgm:constr type="primFontSz" for="des" forName="childText_2" refType="primFontSz" refFor="des" refForName="parentText_1" op="lte"/>
+              <dgm:constr type="primFontSz" for="des" forName="childText_3" refType="primFontSz" refFor="des" refForName="parentText_1" op="lte"/>
+              <dgm:constr type="primFontSz" for="des" forName="childText_4" refType="primFontSz" refFor="des" refForName="parentText_1" op="lte"/>
+              <dgm:constr type="primFontSz" for="des" forName="childText_5" refType="primFontSz" refFor="des" refForName="parentText_1" op="lte"/>
+              <dgm:constr type="primFontSz" for="des" forName="childText_1" refType="primFontSz" refFor="des" refForName="parentText_2" op="lte"/>
+              <dgm:constr type="primFontSz" for="des" forName="childText_2" refType="primFontSz" refFor="des" refForName="parentText_2" op="lte"/>
+              <dgm:constr type="primFontSz" for="des" forName="childText_3" refType="primFontSz" refFor="des" refForName="parentText_2" op="lte"/>
+              <dgm:constr type="primFontSz" for="des" forName="childText_4" refType="primFontSz" refFor="des" refForName="parentText_2" op="lte"/>
+              <dgm:constr type="primFontSz" for="des" forName="childText_5" refType="primFontSz" refFor="des" refForName="parentText_2" op="lte"/>
+              <dgm:constr type="primFontSz" for="des" forName="childText_1" refType="primFontSz" refFor="des" refForName="parentText_3" op="lte"/>
+              <dgm:constr type="primFontSz" for="des" forName="childText_2" refType="primFontSz" refFor="des" refForName="parentText_3" op="lte"/>
+              <dgm:constr type="primFontSz" for="des" forName="childText_3" refType="primFontSz" refFor="des" refForName="parentText_3" op="lte"/>
+              <dgm:constr type="primFontSz" for="des" forName="childText_4" refType="primFontSz" refFor="des" refForName="parentText_3" op="lte"/>
+              <dgm:constr type="primFontSz" for="des" forName="childText_5" refType="primFontSz" refFor="des" refForName="parentText_3" op="lte"/>
+              <dgm:constr type="primFontSz" for="des" forName="childText_1" refType="primFontSz" refFor="des" refForName="parentText_4" op="lte"/>
+              <dgm:constr type="primFontSz" for="des" forName="childText_2" refType="primFontSz" refFor="des" refForName="parentText_4" op="lte"/>
+              <dgm:constr type="primFontSz" for="des" forName="childText_3" refType="primFontSz" refFor="des" refForName="parentText_4" op="lte"/>
+              <dgm:constr type="primFontSz" for="des" forName="childText_4" refType="primFontSz" refFor="des" refForName="parentText_4" op="lte"/>
+              <dgm:constr type="primFontSz" for="des" forName="childText_5" refType="primFontSz" refFor="des" refForName="parentText_4" op="lte"/>
+              <dgm:constr type="primFontSz" for="des" forName="childText_1" refType="primFontSz" refFor="des" refForName="parentText_5" op="lte"/>
+              <dgm:constr type="primFontSz" for="des" forName="childText_2" refType="primFontSz" refFor="des" refForName="parentText_5" op="lte"/>
+              <dgm:constr type="primFontSz" for="des" forName="childText_3" refType="primFontSz" refFor="des" refForName="parentText_5" op="lte"/>
+              <dgm:constr type="primFontSz" for="des" forName="childText_4" refType="primFontSz" refFor="des" refForName="parentText_5" op="lte"/>
+              <dgm:constr type="primFontSz" for="des" forName="childText_5" refType="primFontSz" refFor="des" refForName="parentText_5" op="lte"/>
+              <dgm:constr type="primFontSz" for="des" forName="parentText_2" refType="primFontSz" refFor="des" refForName="parentText_1" op="equ"/>
+              <dgm:constr type="primFontSz" for="des" forName="parentText_3" refType="primFontSz" refFor="des" refForName="parentText_1" op="equ"/>
+              <dgm:constr type="primFontSz" for="des" forName="parentText_4" refType="primFontSz" refFor="des" refForName="parentText_1" op="equ"/>
+              <dgm:constr type="primFontSz" for="des" forName="parentText_5" refType="primFontSz" refFor="des" refForName="parentText_1" op="equ"/>
+              <dgm:constr type="primFontSz" for="des" forName="childText_2" refType="primFontSz" refFor="des" refForName="childText_1" op="equ"/>
+              <dgm:constr type="primFontSz" for="des" forName="childText_3" refType="primFontSz" refFor="des" refForName="childText_1" op="equ"/>
+              <dgm:constr type="primFontSz" for="des" forName="childText_4" refType="primFontSz" refFor="des" refForName="childText_1" op="equ"/>
+              <dgm:constr type="primFontSz" for="des" forName="childText_5" refType="primFontSz" refFor="des" refForName="childText_1" op="equ"/>
+              <dgm:constr type="l" for="ch" forName="accentShape_1" refType="w" fact="0"/>
+              <dgm:constr type="t" for="ch" forName="accentShape_1" refType="h" fact="0"/>
+              <dgm:constr type="w" for="ch" forName="accentShape_1" refType="w" fact="0.1759"/>
+              <dgm:constr type="h" for="ch" forName="accentShape_1" refType="h" fact="0.9952"/>
+              <dgm:constr type="l" for="ch" forName="accentShape_2" refType="w" fact="0.192"/>
+              <dgm:constr type="t" for="ch" forName="accentShape_2" refType="h" fact="0.1196"/>
+              <dgm:constr type="w" for="ch" forName="accentShape_2" refType="w" fact="0.1759"/>
+              <dgm:constr type="h" for="ch" forName="accentShape_2" refType="h" fact="0.876"/>
+              <dgm:constr type="l" for="ch" forName="accentShape_3" refType="w" fact="0.384"/>
+              <dgm:constr type="t" for="ch" forName="accentShape_3" refType="h" fact="0.2457"/>
+              <dgm:constr type="w" for="ch" forName="accentShape_3" refType="w" fact="0.1759"/>
+              <dgm:constr type="h" for="ch" forName="accentShape_3" refType="h" fact="0.7499"/>
+              <dgm:constr type="l" for="ch" forName="accentShape_4" refType="w" fact="0.5759"/>
+              <dgm:constr type="t" for="ch" forName="accentShape_4" refType="h" fact="0.3739"/>
+              <dgm:constr type="w" for="ch" forName="accentShape_4" refType="w" fact="0.1759"/>
+              <dgm:constr type="h" for="ch" forName="accentShape_4" refType="h" fact="0.6217"/>
+              <dgm:constr type="l" for="ch" forName="accentShape_5" refType="w" fact="0.7679"/>
+              <dgm:constr type="t" for="ch" forName="accentShape_5" refType="h" fact="0.5"/>
+              <dgm:constr type="w" for="ch" forName="accentShape_5" refType="w" fact="0.1759"/>
+              <dgm:constr type="h" for="ch" forName="accentShape_5" refType="h" fact="0.4956"/>
+              <dgm:constr type="l" for="ch" forName="parentText_1" refType="w" fact="0.125"/>
+              <dgm:constr type="t" for="ch" forName="parentText_1" refType="h" fact="0"/>
+              <dgm:constr type="w" for="ch" forName="parentText_1" refType="w" refFor="ch" refForName="accentShape_1" fact="0.26"/>
+              <dgm:constr type="h" for="ch" forName="parentText_1" refType="h" refFor="ch" refForName="accentShape_1" fact="0.9"/>
+              <dgm:constr type="l" for="ch" forName="parentText_2" refType="w" fact="0.317"/>
+              <dgm:constr type="t" for="ch" forName="parentText_2" refType="h" fact="0.1196"/>
+              <dgm:constr type="w" for="ch" forName="parentText_2" refType="w" refFor="ch" refForName="accentShape_2" fact="0.26"/>
+              <dgm:constr type="h" for="ch" forName="parentText_2" refType="h" refFor="ch" refForName="accentShape_2" fact="0.9"/>
+              <dgm:constr type="l" for="ch" forName="parentText_3" refType="w" fact="0.509"/>
+              <dgm:constr type="t" for="ch" forName="parentText_3" refType="h" fact="0.2457"/>
+              <dgm:constr type="w" for="ch" forName="parentText_3" refType="w" refFor="ch" refForName="accentShape_3" fact="0.26"/>
+              <dgm:constr type="h" for="ch" forName="parentText_3" refType="h" refFor="ch" refForName="accentShape_3" fact="0.9"/>
+              <dgm:constr type="l" for="ch" forName="parentText_4" refType="w" fact="0.7009"/>
+              <dgm:constr type="t" for="ch" forName="parentText_4" refType="h" fact="0.3739"/>
+              <dgm:constr type="w" for="ch" forName="parentText_4" refType="w" refFor="ch" refForName="accentShape_4" fact="0.26"/>
+              <dgm:constr type="h" for="ch" forName="parentText_4" refType="h" refFor="ch" refForName="accentShape_4" fact="0.9"/>
+              <dgm:constr type="l" for="ch" forName="parentText_5" refType="w" fact="0.8929"/>
+              <dgm:constr type="t" for="ch" forName="parentText_5" refType="h" fact="0.5"/>
+              <dgm:constr type="w" for="ch" forName="parentText_5" refType="w" refFor="ch" refForName="accentShape_5" fact="0.26"/>
+              <dgm:constr type="h" for="ch" forName="parentText_5" refType="h" refFor="ch" refForName="accentShape_5" fact="0.9"/>
+              <dgm:constr type="l" for="ch" forName="childText_1" refType="w" fact="0"/>
+              <dgm:constr type="t" for="ch" forName="childText_1" refType="h" fact="0"/>
+              <dgm:constr type="w" for="ch" forName="childText_1" refType="w" refFor="ch" refForName="accentShape_1" fact="0.71"/>
+              <dgm:constr type="h" for="ch" forName="childText_1" refType="h"/>
+              <dgm:constr type="l" for="ch" forName="childText_2" refType="w" fact="0.192"/>
+              <dgm:constr type="t" for="ch" forName="childText_2" refType="h" fact="0.1192"/>
+              <dgm:constr type="w" for="ch" forName="childText_2" refType="w" refFor="ch" refForName="accentShape_2" fact="0.71"/>
+              <dgm:constr type="h" for="ch" forName="childText_2" refType="h" fact="0.876"/>
+              <dgm:constr type="l" for="ch" forName="childText_3" refType="w" fact="0.384"/>
+              <dgm:constr type="t" for="ch" forName="childText_3" refType="h" fact="0.2457"/>
+              <dgm:constr type="w" for="ch" forName="childText_3" refType="w" refFor="ch" refForName="accentShape_3" fact="0.71"/>
+              <dgm:constr type="h" for="ch" forName="childText_3" refType="h" fact="0.7499"/>
+              <dgm:constr type="l" for="ch" forName="childText_4" refType="w" fact="0.5759"/>
+              <dgm:constr type="t" for="ch" forName="childText_4" refType="h" fact="0.3739"/>
+              <dgm:constr type="w" for="ch" forName="childText_4" refType="w" refFor="ch" refForName="accentShape_4" fact="0.71"/>
+              <dgm:constr type="h" for="ch" forName="childText_4" refType="h" fact="0.6217"/>
+              <dgm:constr type="l" for="ch" forName="childText_5" refType="w" fact="0.7679"/>
+              <dgm:constr type="t" for="ch" forName="childText_5" refType="h" fact="0.5001"/>
+              <dgm:constr type="w" for="ch" forName="childText_5" refType="w" refFor="ch" refForName="accentShape_5" fact="0.71"/>
+              <dgm:constr type="h" for="ch" forName="childText_5" refType="h" fact="0.4956"/>
+            </dgm:constrLst>
+          </dgm:if>
+          <dgm:else name="Name21">
+            <dgm:constrLst>
+              <dgm:constr type="primFontSz" for="des" forName="childText_1" val="65"/>
+              <dgm:constr type="primFontSz" for="des" forName="parentText_1" val="65"/>
+              <dgm:constr type="primFontSz" for="des" forName="childText_1" refType="primFontSz" refFor="des" refForName="parentText_1" op="lte"/>
+              <dgm:constr type="primFontSz" for="des" forName="childText_2" refType="primFontSz" refFor="des" refForName="parentText_1" op="lte"/>
+              <dgm:constr type="primFontSz" for="des" forName="childText_3" refType="primFontSz" refFor="des" refForName="parentText_1" op="lte"/>
+              <dgm:constr type="primFontSz" for="des" forName="childText_4" refType="primFontSz" refFor="des" refForName="parentText_1" op="lte"/>
+              <dgm:constr type="primFontSz" for="des" forName="childText_5" refType="primFontSz" refFor="des" refForName="parentText_1" op="lte"/>
+              <dgm:constr type="primFontSz" for="des" forName="childText_1" refType="primFontSz" refFor="des" refForName="parentText_2" op="lte"/>
+              <dgm:constr type="primFontSz" for="des" forName="childText_2" refType="primFontSz" refFor="des" refForName="parentText_2" op="lte"/>
+              <dgm:constr type="primFontSz" for="des" forName="childText_3" refType="primFontSz" refFor="des" refForName="parentText_2" op="lte"/>
+              <dgm:constr type="primFontSz" for="des" forName="childText_4" refType="primFontSz" refFor="des" refForName="parentText_2" op="lte"/>
+              <dgm:constr type="primFontSz" for="des" forName="childText_5" refType="primFontSz" refFor="des" refForName="parentText_2" op="lte"/>
+              <dgm:constr type="primFontSz" for="des" forName="childText_1" refType="primFontSz" refFor="des" refForName="parentText_3" op="lte"/>
+              <dgm:constr type="primFontSz" for="des" forName="childText_2" refType="primFontSz" refFor="des" refForName="parentText_3" op="lte"/>
+              <dgm:constr type="primFontSz" for="des" forName="childText_3" refType="primFontSz" refFor="des" refForName="parentText_3" op="lte"/>
+              <dgm:constr type="primFontSz" for="des" forName="childText_4" refType="primFontSz" refFor="des" refForName="parentText_3" op="lte"/>
+              <dgm:constr type="primFontSz" for="des" forName="childText_5" refType="primFontSz" refFor="des" refForName="parentText_3" op="lte"/>
+              <dgm:constr type="primFontSz" for="des" forName="childText_1" refType="primFontSz" refFor="des" refForName="parentText_4" op="lte"/>
+              <dgm:constr type="primFontSz" for="des" forName="childText_2" refType="primFontSz" refFor="des" refForName="parentText_4" op="lte"/>
+              <dgm:constr type="primFontSz" for="des" forName="childText_3" refType="primFontSz" refFor="des" refForName="parentText_4" op="lte"/>
+              <dgm:constr type="primFontSz" for="des" forName="childText_4" refType="primFontSz" refFor="des" refForName="parentText_4" op="lte"/>
+              <dgm:constr type="primFontSz" for="des" forName="childText_5" refType="primFontSz" refFor="des" refForName="parentText_4" op="lte"/>
+              <dgm:constr type="primFontSz" for="des" forName="childText_1" refType="primFontSz" refFor="des" refForName="parentText_5" op="lte"/>
+              <dgm:constr type="primFontSz" for="des" forName="childText_2" refType="primFontSz" refFor="des" refForName="parentText_5" op="lte"/>
+              <dgm:constr type="primFontSz" for="des" forName="childText_3" refType="primFontSz" refFor="des" refForName="parentText_5" op="lte"/>
+              <dgm:constr type="primFontSz" for="des" forName="childText_4" refType="primFontSz" refFor="des" refForName="parentText_5" op="lte"/>
+              <dgm:constr type="primFontSz" for="des" forName="childText_5" refType="primFontSz" refFor="des" refForName="parentText_5" op="lte"/>
+              <dgm:constr type="primFontSz" for="des" forName="parentText_2" refType="primFontSz" refFor="des" refForName="parentText_1" op="equ"/>
+              <dgm:constr type="primFontSz" for="des" forName="parentText_3" refType="primFontSz" refFor="des" refForName="parentText_1" op="equ"/>
+              <dgm:constr type="primFontSz" for="des" forName="parentText_4" refType="primFontSz" refFor="des" refForName="parentText_1" op="equ"/>
+              <dgm:constr type="primFontSz" for="des" forName="parentText_5" refType="primFontSz" refFor="des" refForName="parentText_1" op="equ"/>
+              <dgm:constr type="primFontSz" for="des" forName="childText_2" refType="primFontSz" refFor="des" refForName="childText_1" op="equ"/>
+              <dgm:constr type="primFontSz" for="des" forName="childText_3" refType="primFontSz" refFor="des" refForName="childText_1" op="equ"/>
+              <dgm:constr type="primFontSz" for="des" forName="childText_4" refType="primFontSz" refFor="des" refForName="childText_1" op="equ"/>
+              <dgm:constr type="primFontSz" for="des" forName="childText_5" refType="primFontSz" refFor="des" refForName="childText_1" op="equ"/>
+              <dgm:constr type="l" for="ch" forName="accentShape_5" refType="w" fact="0"/>
+              <dgm:constr type="t" for="ch" forName="accentShape_1" refType="h" fact="0"/>
+              <dgm:constr type="w" for="ch" forName="accentShape_1" refType="w" fact="0.1759"/>
+              <dgm:constr type="h" for="ch" forName="accentShape_1" refType="h" fact="0.9952"/>
+              <dgm:constr type="l" for="ch" forName="accentShape_4" refType="w" fact="0.192"/>
+              <dgm:constr type="t" for="ch" forName="accentShape_2" refType="h" fact="0.1196"/>
+              <dgm:constr type="w" for="ch" forName="accentShape_2" refType="w" fact="0.1759"/>
+              <dgm:constr type="h" for="ch" forName="accentShape_2" refType="h" fact="0.876"/>
+              <dgm:constr type="l" for="ch" forName="accentShape_3" refType="w" fact="0.384"/>
+              <dgm:constr type="t" for="ch" forName="accentShape_3" refType="h" fact="0.2457"/>
+              <dgm:constr type="w" for="ch" forName="accentShape_3" refType="w" fact="0.1759"/>
+              <dgm:constr type="h" for="ch" forName="accentShape_3" refType="h" fact="0.7499"/>
+              <dgm:constr type="l" for="ch" forName="accentShape_2" refType="w" fact="0.5759"/>
+              <dgm:constr type="t" for="ch" forName="accentShape_4" refType="h" fact="0.3739"/>
+              <dgm:constr type="w" for="ch" forName="accentShape_4" refType="w" fact="0.1759"/>
+              <dgm:constr type="h" for="ch" forName="accentShape_4" refType="h" fact="0.6217"/>
+              <dgm:constr type="l" for="ch" forName="accentShape_1" refType="w" fact="0.7679"/>
+              <dgm:constr type="t" for="ch" forName="accentShape_5" refType="h" fact="0.5"/>
+              <dgm:constr type="w" for="ch" forName="accentShape_5" refType="w" fact="0.1759"/>
+              <dgm:constr type="h" for="ch" forName="accentShape_5" refType="h" fact="0.4956"/>
+              <dgm:constr type="l" for="ch" forName="parentText_5" refType="w" fact="0.125"/>
+              <dgm:constr type="t" for="ch" forName="parentText_1" refType="h" fact="0"/>
+              <dgm:constr type="w" for="ch" forName="parentText_1" refType="w" refFor="ch" refForName="accentShape_1" fact="0.26"/>
+              <dgm:constr type="h" for="ch" forName="parentText_1" refType="h" refFor="ch" refForName="accentShape_1" fact="0.9"/>
+              <dgm:constr type="l" for="ch" forName="parentText_4" refType="w" fact="0.317"/>
+              <dgm:constr type="t" for="ch" forName="parentText_2" refType="h" fact="0.1196"/>
+              <dgm:constr type="w" for="ch" forName="parentText_2" refType="w" refFor="ch" refForName="accentShape_2" fact="0.26"/>
+              <dgm:constr type="h" for="ch" forName="parentText_2" refType="h" refFor="ch" refForName="accentShape_2" fact="0.9"/>
+              <dgm:constr type="l" for="ch" forName="parentText_3" refType="w" fact="0.509"/>
+              <dgm:constr type="t" for="ch" forName="parentText_3" refType="h" fact="0.2457"/>
+              <dgm:constr type="w" for="ch" forName="parentText_3" refType="w" refFor="ch" refForName="accentShape_3" fact="0.26"/>
+              <dgm:constr type="h" for="ch" forName="parentText_3" refType="h" refFor="ch" refForName="accentShape_3" fact="0.9"/>
+              <dgm:constr type="l" for="ch" forName="parentText_2" refType="w" fact="0.7009"/>
+              <dgm:constr type="t" for="ch" forName="parentText_4" refType="h" fact="0.3739"/>
+              <dgm:constr type="w" for="ch" forName="parentText_4" refType="w" refFor="ch" refForName="accentShape_4" fact="0.26"/>
+              <dgm:constr type="h" for="ch" forName="parentText_4" refType="h" refFor="ch" refForName="accentShape_4" fact="0.9"/>
+              <dgm:constr type="l" for="ch" forName="parentText_1" refType="w" fact="0.8929"/>
+              <dgm:constr type="t" for="ch" forName="parentText_5" refType="h" fact="0.5"/>
+              <dgm:constr type="w" for="ch" forName="parentText_5" refType="w" refFor="ch" refForName="accentShape_5" fact="0.26"/>
+              <dgm:constr type="h" for="ch" forName="parentText_5" refType="h" refFor="ch" refForName="accentShape_5" fact="0.9"/>
+              <dgm:constr type="l" for="ch" forName="childText_5" refType="w" fact="0"/>
+              <dgm:constr type="t" for="ch" forName="childText_1" refType="h" fact="0"/>
+              <dgm:constr type="w" for="ch" forName="childText_1" refType="w" refFor="ch" refForName="accentShape_1" fact="0.71"/>
+              <dgm:constr type="h" for="ch" forName="childText_1" refType="h"/>
+              <dgm:constr type="l" for="ch" forName="childText_4" refType="w" fact="0.192"/>
+              <dgm:constr type="t" for="ch" forName="childText_2" refType="h" fact="0.1192"/>
+              <dgm:constr type="w" for="ch" forName="childText_2" refType="w" refFor="ch" refForName="accentShape_2" fact="0.71"/>
+              <dgm:constr type="h" for="ch" forName="childText_2" refType="h" fact="0.876"/>
+              <dgm:constr type="l" for="ch" forName="childText_3" refType="w" fact="0.384"/>
+              <dgm:constr type="t" for="ch" forName="childText_3" refType="h" fact="0.2457"/>
+              <dgm:constr type="w" for="ch" forName="childText_3" refType="w" refFor="ch" refForName="accentShape_3" fact="0.71"/>
+              <dgm:constr type="h" for="ch" forName="childText_3" refType="h" fact="0.7499"/>
+              <dgm:constr type="l" for="ch" forName="childText_2" refType="w" fact="0.5759"/>
+              <dgm:constr type="t" for="ch" forName="childText_4" refType="h" fact="0.3739"/>
+              <dgm:constr type="w" for="ch" forName="childText_4" refType="w" refFor="ch" refForName="accentShape_4" fact="0.71"/>
+              <dgm:constr type="h" for="ch" forName="childText_4" refType="h" fact="0.6261"/>
+              <dgm:constr type="l" for="ch" forName="childText_1" refType="w" fact="0.7679"/>
+              <dgm:constr type="t" for="ch" forName="childText_5" refType="h" fact="0.5001"/>
+              <dgm:constr type="w" for="ch" forName="childText_5" refType="w" refFor="ch" refForName="accentShape_5" fact="0.71"/>
+              <dgm:constr type="h" for="ch" forName="childText_5" refType="h" fact="0.4999"/>
+            </dgm:constrLst>
+          </dgm:else>
+        </dgm:choose>
+      </dgm:if>
+      <dgm:if name="Name22" axis="ch" ptType="node" func="cnt" op="equ" val="6">
+        <dgm:alg type="composite">
+          <dgm:param type="ar" val="2.4006"/>
+        </dgm:alg>
+        <dgm:shape xmlns:r="http://schemas.openxmlformats.org/officeDocument/2006/relationships" r:blip="">
+          <dgm:adjLst/>
+        </dgm:shape>
+        <dgm:choose name="Name23">
+          <dgm:if name="Name24" func="var" arg="dir" op="equ" val="norm">
+            <dgm:constrLst>
+              <dgm:constr type="primFontSz" for="des" forName="childText_1" val="65"/>
+              <dgm:constr type="primFontSz" for="des" forName="parentText_1" val="65"/>
+              <dgm:constr type="primFontSz" for="des" forName="childText_1" refType="primFontSz" refFor="des" refForName="parentText_1" op="lte"/>
+              <dgm:constr type="primFontSz" for="des" forName="childText_2" refType="primFontSz" refFor="des" refForName="parentText_1" op="lte"/>
+              <dgm:constr type="primFontSz" for="des" forName="childText_3" refType="primFontSz" refFor="des" refForName="parentText_1" op="lte"/>
+              <dgm:constr type="primFontSz" for="des" forName="childText_4" refType="primFontSz" refFor="des" refForName="parentText_1" op="lte"/>
+              <dgm:constr type="primFontSz" for="des" forName="childText_5" refType="primFontSz" refFor="des" refForName="parentText_1" op="lte"/>
+              <dgm:constr type="primFontSz" for="des" forName="childText_6" refType="primFontSz" refFor="des" refForName="parentText_1" op="lte"/>
+              <dgm:constr type="primFontSz" for="des" forName="childText_1" refType="primFontSz" refFor="des" refForName="parentText_2" op="lte"/>
+              <dgm:constr type="primFontSz" for="des" forName="childText_2" refType="primFontSz" refFor="des" refForName="parentText_2" op="lte"/>
+              <dgm:constr type="primFontSz" for="des" forName="childText_3" refType="primFontSz" refFor="des" refForName="parentText_2" op="lte"/>
+              <dgm:constr type="primFontSz" for="des" forName="childText_4" refType="primFontSz" refFor="des" refForName="parentText_2" op="lte"/>
+              <dgm:constr type="primFontSz" for="des" forName="childText_5" refType="primFontSz" refFor="des" refForName="parentText_2" op="lte"/>
+              <dgm:constr type="primFontSz" for="des" forName="childText_6" refType="primFontSz" refFor="des" refForName="parentText_2" op="lte"/>
+              <dgm:constr type="primFontSz" for="des" forName="childText_1" refType="primFontSz" refFor="des" refForName="parentText_3" op="lte"/>
+              <dgm:constr type="primFontSz" for="des" forName="childText_2" refType="primFontSz" refFor="des" refForName="parentText_3" op="lte"/>
+              <dgm:constr type="primFontSz" for="des" forName="childText_3" refType="primFontSz" refFor="des" refForName="parentText_3" op="lte"/>
+              <dgm:constr type="primFontSz" for="des" forName="childText_4" refType="primFontSz" refFor="des" refForName="parentText_3" op="lte"/>
+              <dgm:constr type="primFontSz" for="des" forName="childText_5" refType="primFontSz" refFor="des" refForName="parentText_3" op="lte"/>
+              <dgm:constr type="primFontSz" for="des" forName="childText_6" refType="primFontSz" refFor="des" refForName="parentText_3" op="lte"/>
+              <dgm:constr type="primFontSz" for="des" forName="childText_1" refType="primFontSz" refFor="des" refForName="parentText_4" op="lte"/>
+              <dgm:constr type="primFontSz" for="des" forName="childText_2" refType="primFontSz" refFor="des" refForName="parentText_4" op="lte"/>
+              <dgm:constr type="primFontSz" for="des" forName="childText_3" refType="primFontSz" refFor="des" refForName="parentText_4" op="lte"/>
+              <dgm:constr type="primFontSz" for="des" forName="childText_4" refType="primFontSz" refFor="des" refForName="parentText_4" op="lte"/>
+              <dgm:constr type="primFontSz" for="des" forName="childText_5" refType="primFontSz" refFor="des" refForName="parentText_4" op="lte"/>
+              <dgm:constr type="primFontSz" for="des" forName="childText_6" refType="primFontSz" refFor="des" refForName="parentText_4" op="lte"/>
+              <dgm:constr type="primFontSz" for="des" forName="childText_1" refType="primFontSz" refFor="des" refForName="parentText_5" op="lte"/>
+              <dgm:constr type="primFontSz" for="des" forName="childText_2" refType="primFontSz" refFor="des" refForName="parentText_5" op="lte"/>
+              <dgm:constr type="primFontSz" for="des" forName="childText_3" refType="primFontSz" refFor="des" refForName="parentText_5" op="lte"/>
+              <dgm:constr type="primFontSz" for="des" forName="childText_4" refType="primFontSz" refFor="des" refForName="parentText_5" op="lte"/>
+              <dgm:constr type="primFontSz" for="des" forName="childText_5" refType="primFontSz" refFor="des" refForName="parentText_5" op="lte"/>
+              <dgm:constr type="primFontSz" for="des" forName="childText_6" refType="primFontSz" refFor="des" refForName="parentText_5" op="lte"/>
+              <dgm:constr type="primFontSz" for="des" forName="childText_1" refType="primFontSz" refFor="des" refForName="parentText_6" op="lte"/>
+              <dgm:constr type="primFontSz" for="des" forName="childText_2" refType="primFontSz" refFor="des" refForName="parentText_6" op="lte"/>
+              <dgm:constr type="primFontSz" for="des" forName="childText_3" refType="primFontSz" refFor="des" refForName="parentText_6" op="lte"/>
+              <dgm:constr type="primFontSz" for="des" forName="childText_4" refType="primFontSz" refFor="des" refForName="parentText_6" op="lte"/>
+              <dgm:constr type="primFontSz" for="des" forName="childText_5" refType="primFontSz" refFor="des" refForName="parentText_6" op="lte"/>
+              <dgm:constr type="primFontSz" for="des" forName="childText_6" refType="primFontSz" refFor="des" refForName="parentText_6" op="lte"/>
+              <dgm:constr type="primFontSz" for="des" forName="parentText_2" refType="primFontSz" refFor="des" refForName="parentText_1" op="equ"/>
+              <dgm:constr type="primFontSz" for="des" forName="parentText_3" refType="primFontSz" refFor="des" refForName="parentText_1" op="equ"/>
+              <dgm:constr type="primFontSz" for="des" forName="parentText_4" refType="primFontSz" refFor="des" refForName="parentText_1" op="equ"/>
+              <dgm:constr type="primFontSz" for="des" forName="parentText_5" refType="primFontSz" refFor="des" refForName="parentText_1" op="equ"/>
+              <dgm:constr type="primFontSz" for="des" forName="parentText_6" refType="primFontSz" refFor="des" refForName="parentText_1" op="equ"/>
+              <dgm:constr type="primFontSz" for="des" forName="childText_2" refType="primFontSz" refFor="des" refForName="childText_1" op="equ"/>
+              <dgm:constr type="primFontSz" for="des" forName="childText_3" refType="primFontSz" refFor="des" refForName="childText_1" op="equ"/>
+              <dgm:constr type="primFontSz" for="des" forName="childText_4" refType="primFontSz" refFor="des" refForName="childText_1" op="equ"/>
+              <dgm:constr type="primFontSz" for="des" forName="childText_5" refType="primFontSz" refFor="des" refForName="childText_1" op="equ"/>
+              <dgm:constr type="primFontSz" for="des" forName="childText_6" refType="primFontSz" refFor="des" refForName="childText_1" op="equ"/>
+              <dgm:constr type="l" for="ch" forName="accentShape_1" refType="w" fact="0"/>
+              <dgm:constr type="t" for="ch" forName="accentShape_1" refType="h" fact="0"/>
+              <dgm:constr type="w" for="ch" forName="accentShape_1" refType="w" fact="0.1473"/>
+              <dgm:constr type="h" for="ch" forName="accentShape_1" refType="h"/>
+              <dgm:constr type="l" for="ch" forName="accentShape_2" refType="w" fact="0.1608"/>
+              <dgm:constr type="t" for="ch" forName="accentShape_2" refType="h" fact="0.1"/>
+              <dgm:constr type="w" for="ch" forName="accentShape_2" refType="w" fact="0.1473"/>
+              <dgm:constr type="h" for="ch" forName="accentShape_2" refType="h" fact="0.9"/>
+              <dgm:constr type="l" for="ch" forName="accentShape_3" refType="w" fact="0.3216"/>
+              <dgm:constr type="t" for="ch" forName="accentShape_3" refType="h" fact="0.2"/>
+              <dgm:constr type="w" for="ch" forName="accentShape_3" refType="w" fact="0.1473"/>
+              <dgm:constr type="h" for="ch" forName="accentShape_3" refType="h" fact="0.8"/>
+              <dgm:constr type="l" for="ch" forName="accentShape_4" refType="w" fact="0.4824"/>
+              <dgm:constr type="t" for="ch" forName="accentShape_4" refType="h" fact="0.3"/>
+              <dgm:constr type="w" for="ch" forName="accentShape_4" refType="w" fact="0.1473"/>
+              <dgm:constr type="h" for="ch" forName="accentShape_4" refType="h" fact="0.7"/>
+              <dgm:constr type="l" for="ch" forName="accentShape_5" refType="w" fact="0.6432"/>
+              <dgm:constr type="t" for="ch" forName="accentShape_5" refType="h" fact="0.4"/>
+              <dgm:constr type="w" for="ch" forName="accentShape_5" refType="w" fact="0.1473"/>
+              <dgm:constr type="h" for="ch" forName="accentShape_5" refType="h" fact="0.6"/>
+              <dgm:constr type="l" for="ch" forName="accentShape_6" refType="w" fact="0.8056"/>
+              <dgm:constr type="t" for="ch" forName="accentShape_6" refType="h" fact="0.5"/>
+              <dgm:constr type="w" for="ch" forName="accentShape_6" refType="w" fact="0.1473"/>
+              <dgm:constr type="h" for="ch" forName="accentShape_6" refType="h" fact="0.5"/>
+              <dgm:constr type="l" for="ch" forName="childText_1" refType="w" fact="0"/>
+              <dgm:constr type="t" for="ch" forName="childText_1" refType="h" fact="0"/>
+              <dgm:constr type="w" for="ch" forName="childText_1" refType="w" refFor="ch" refForName="accentShape_1" fact="0.7"/>
+              <dgm:constr type="h" for="ch" forName="childText_1" refType="h" refFor="ch" refForName="accentShape_1"/>
+              <dgm:constr type="l" for="ch" forName="childText_2" refType="w" fact="0.1608"/>
+              <dgm:constr type="t" for="ch" forName="childText_2" refType="h" fact="0.1"/>
+              <dgm:constr type="w" for="ch" forName="childText_2" refType="w" refFor="ch" refForName="accentShape_2" fact="0.7"/>
+              <dgm:constr type="h" for="ch" forName="childText_2" refType="h" refFor="ch" refForName="accentShape_2"/>
+              <dgm:constr type="l" for="ch" forName="childText_3" refType="w" fact="0.3216"/>
+              <dgm:constr type="t" for="ch" forName="childText_3" refType="h" fact="0.2"/>
+              <dgm:constr type="w" for="ch" forName="childText_3" refType="w" refFor="ch" refForName="accentShape_3" fact="0.7"/>
+              <dgm:constr type="h" for="ch" forName="childText_3" refType="h" refFor="ch" refForName="accentShape_3"/>
+              <dgm:constr type="l" for="ch" forName="childText_4" refType="w" fact="0.4824"/>
+              <dgm:constr type="t" for="ch" forName="childText_4" refType="h" fact="0.3"/>
+              <dgm:constr type="w" for="ch" forName="childText_4" refType="w" refFor="ch" refForName="accentShape_4" fact="0.7"/>
+              <dgm:constr type="h" for="ch" forName="childText_4" refType="h" refFor="ch" refForName="accentShape_4"/>
+              <dgm:constr type="l" for="ch" forName="childText_5" refType="w" fact="0.6432"/>
+              <dgm:constr type="t" for="ch" forName="childText_5" refType="h" fact="0.4"/>
+              <dgm:constr type="w" for="ch" forName="childText_5" refType="w" refFor="ch" refForName="accentShape_5" fact="0.7"/>
+              <dgm:constr type="h" for="ch" forName="childText_5" refType="h" refFor="ch" refForName="accentShape_5"/>
+              <dgm:constr type="l" for="ch" forName="childText_6" refType="w" fact="0.8056"/>
+              <dgm:constr type="t" for="ch" forName="childText_6" refType="h" fact="0.5"/>
+              <dgm:constr type="w" for="ch" forName="childText_6" refType="w" refFor="ch" refForName="accentShape_6" fact="0.7"/>
+              <dgm:constr type="h" for="ch" forName="childText_6" refType="h" refFor="ch" refForName="accentShape_6"/>
+              <dgm:constr type="l" for="ch" forName="parentText_1" refType="w" fact="0.1045"/>
+              <dgm:constr type="t" for="ch" forName="parentText_1" refType="h" fact="0"/>
+              <dgm:constr type="w" for="ch" forName="parentText_1" refType="w" refFor="ch" refForName="accentShape_1" fact="0.26"/>
+              <dgm:constr type="h" for="ch" forName="parentText_1" refType="h" refFor="ch" refForName="accentShape_1" fact="0.9"/>
+              <dgm:constr type="l" for="ch" forName="parentText_2" refType="w" fact="0.2653"/>
+              <dgm:constr type="t" for="ch" forName="parentText_2" refType="h" fact="0.1"/>
+              <dgm:constr type="w" for="ch" forName="parentText_2" refType="w" refFor="ch" refForName="accentShape_2" fact="0.26"/>
+              <dgm:constr type="h" for="ch" forName="parentText_2" refType="h" refFor="ch" refForName="accentShape_2" fact="0.9"/>
+              <dgm:constr type="l" for="ch" forName="parentText_3" refType="w" fact="0.4261"/>
+              <dgm:constr type="t" for="ch" forName="parentText_3" refType="h" fact="0.2"/>
+              <dgm:constr type="w" for="ch" forName="parentText_3" refType="w" refFor="ch" refForName="accentShape_3" fact="0.26"/>
+              <dgm:constr type="h" for="ch" forName="parentText_3" refType="h" refFor="ch" refForName="accentShape_3" fact="0.9"/>
+              <dgm:constr type="l" for="ch" forName="parentText_4" refType="w" fact="0.5869"/>
+              <dgm:constr type="t" for="ch" forName="parentText_4" refType="h" fact="0.3"/>
+              <dgm:constr type="w" for="ch" forName="parentText_4" refType="w" refFor="ch" refForName="accentShape_4" fact="0.26"/>
+              <dgm:constr type="h" for="ch" forName="parentText_4" refType="h" refFor="ch" refForName="accentShape_4" fact="0.9"/>
+              <dgm:constr type="l" for="ch" forName="parentText_5" refType="w" fact="0.7477"/>
+              <dgm:constr type="t" for="ch" forName="parentText_5" refType="h" fact="0.4"/>
+              <dgm:constr type="w" for="ch" forName="parentText_5" refType="w" refFor="ch" refForName="accentShape_5" fact="0.26"/>
+              <dgm:constr type="h" for="ch" forName="parentText_5" refType="h" refFor="ch" refForName="accentShape_5" fact="0.9"/>
+              <dgm:constr type="l" for="ch" forName="parentText_6" refType="w" fact="0.9101"/>
+              <dgm:constr type="t" for="ch" forName="parentText_6" refType="h" fact="0.5"/>
+              <dgm:constr type="w" for="ch" forName="parentText_6" refType="w" refFor="ch" refForName="accentShape_6" fact="0.26"/>
+              <dgm:constr type="h" for="ch" forName="parentText_6" refType="h" refFor="ch" refForName="accentShape_6" fact="0.9"/>
+            </dgm:constrLst>
+          </dgm:if>
+          <dgm:else name="Name25">
+            <dgm:constrLst>
+              <dgm:constr type="primFontSz" for="des" forName="childText_1" val="65"/>
+              <dgm:constr type="primFontSz" for="des" forName="parentText_1" val="65"/>
+              <dgm:constr type="primFontSz" for="des" forName="childText_1" refType="primFontSz" refFor="des" refForName="parentText_1" op="lte"/>
+              <dgm:constr type="primFontSz" for="des" forName="childText_2" refType="primFontSz" refFor="des" refForName="parentText_1" op="lte"/>
+              <dgm:constr type="primFontSz" for="des" forName="childText_3" refType="primFontSz" refFor="des" refForName="parentText_1" op="lte"/>
+              <dgm:constr type="primFontSz" for="des" forName="childText_4" refType="primFontSz" refFor="des" refForName="parentText_1" op="lte"/>
+              <dgm:constr type="primFontSz" for="des" forName="childText_5" refType="primFontSz" refFor="des" refForName="parentText_1" op="lte"/>
+              <dgm:constr type="primFontSz" for="des" forName="childText_6" refType="primFontSz" refFor="des" refForName="parentText_1" op="lte"/>
+              <dgm:constr type="primFontSz" for="des" forName="childText_1" refType="primFontSz" refFor="des" refForName="parentText_2" op="lte"/>
+              <dgm:constr type="primFontSz" for="des" forName="childText_2" refType="primFontSz" refFor="des" refForName="parentText_2" op="lte"/>
+              <dgm:constr type="primFontSz" for="des" forName="childText_3" refType="primFontSz" refFor="des" refForName="parentText_2" op="lte"/>
+              <dgm:constr type="primFontSz" for="des" forName="childText_4" refType="primFontSz" refFor="des" refForName="parentText_2" op="lte"/>
+              <dgm:constr type="primFontSz" for="des" forName="childText_5" refType="primFontSz" refFor="des" refForName="parentText_2" op="lte"/>
+              <dgm:constr type="primFontSz" for="des" forName="childText_6" refType="primFontSz" refFor="des" refForName="parentText_2" op="lte"/>
+              <dgm:constr type="primFontSz" for="des" forName="childText_1" refType="primFontSz" refFor="des" refForName="parentText_3" op="lte"/>
+              <dgm:constr type="primFontSz" for="des" forName="childText_2" refType="primFontSz" refFor="des" refForName="parentText_3" op="lte"/>
+              <dgm:constr type="primFontSz" for="des" forName="childText_3" refType="primFontSz" refFor="des" refForName="parentText_3" op="lte"/>
+              <dgm:constr type="primFontSz" for="des" forName="childText_4" refType="primFontSz" refFor="des" refForName="parentText_3" op="lte"/>
+              <dgm:constr type="primFontSz" for="des" forName="childText_5" refType="primFontSz" refFor="des" refForName="parentText_3" op="lte"/>
+              <dgm:constr type="primFontSz" for="des" forName="childText_6" refType="primFontSz" refFor="des" refForName="parentText_3" op="lte"/>
+              <dgm:constr type="primFontSz" for="des" forName="childText_1" refType="primFontSz" refFor="des" refForName="parentText_4" op="lte"/>
+              <dgm:constr type="primFontSz" for="des" forName="childText_2" refType="primFontSz" refFor="des" refForName="parentText_4" op="lte"/>
+              <dgm:constr type="primFontSz" for="des" forName="childText_3" refType="primFontSz" refFor="des" refForName="parentText_4" op="lte"/>
+              <dgm:constr type="primFontSz" for="des" forName="childText_4" refType="primFontSz" refFor="des" refForName="parentText_4" op="lte"/>
+              <dgm:constr type="primFontSz" for="des" forName="childText_5" refType="primFontSz" refFor="des" refForName="parentText_4" op="lte"/>
+              <dgm:constr type="primFontSz" for="des" forName="childText_6" refType="primFontSz" refFor="des" refForName="parentText_4" op="lte"/>
+              <dgm:constr type="primFontSz" for="des" forName="childText_1" refType="primFontSz" refFor="des" refForName="parentText_5" op="lte"/>
+              <dgm:constr type="primFontSz" for="des" forName="childText_2" refType="primFontSz" refFor="des" refForName="parentText_5" op="lte"/>
+              <dgm:constr type="primFontSz" for="des" forName="childText_3" refType="primFontSz" refFor="des" refForName="parentText_5" op="lte"/>
+              <dgm:constr type="primFontSz" for="des" forName="childText_4" refType="primFontSz" refFor="des" refForName="parentText_5" op="lte"/>
+              <dgm:constr type="primFontSz" for="des" forName="childText_5" refType="primFontSz" refFor="des" refForName="parentText_5" op="lte"/>
+              <dgm:constr type="primFontSz" for="des" forName="childText_6" refType="primFontSz" refFor="des" refForName="parentText_5" op="lte"/>
+              <dgm:constr type="primFontSz" for="des" forName="childText_1" refType="primFontSz" refFor="des" refForName="parentText_6" op="lte"/>
+              <dgm:constr type="primFontSz" for="des" forName="childText_2" refType="primFontSz" refFor="des" refForName="parentText_6" op="lte"/>
+              <dgm:constr type="primFontSz" for="des" forName="childText_3" refType="primFontSz" refFor="des" refForName="parentText_6" op="lte"/>
+              <dgm:constr type="primFontSz" for="des" forName="childText_4" refType="primFontSz" refFor="des" refForName="parentText_6" op="lte"/>
+              <dgm:constr type="primFontSz" for="des" forName="childText_5" refType="primFontSz" refFor="des" refForName="parentText_6" op="lte"/>
+              <dgm:constr type="primFontSz" for="des" forName="childText_6" refType="primFontSz" refFor="des" refForName="parentText_6" op="lte"/>
+              <dgm:constr type="primFontSz" for="des" forName="parentText_2" refType="primFontSz" refFor="des" refForName="parentText_1" op="equ"/>
+              <dgm:constr type="primFontSz" for="des" forName="parentText_3" refType="primFontSz" refFor="des" refForName="parentText_1" op="equ"/>
+              <dgm:constr type="primFontSz" for="des" forName="parentText_4" refType="primFontSz" refFor="des" refForName="parentText_1" op="equ"/>
+              <dgm:constr type="primFontSz" for="des" forName="parentText_5" refType="primFontSz" refFor="des" refForName="parentText_1" op="equ"/>
+              <dgm:constr type="primFontSz" for="des" forName="parentText_6" refType="primFontSz" refFor="des" refForName="parentText_1" op="equ"/>
+              <dgm:constr type="primFontSz" for="des" forName="childText_2" refType="primFontSz" refFor="des" refForName="childText_1" op="equ"/>
+              <dgm:constr type="primFontSz" for="des" forName="childText_3" refType="primFontSz" refFor="des" refForName="childText_1" op="equ"/>
+              <dgm:constr type="primFontSz" for="des" forName="childText_4" refType="primFontSz" refFor="des" refForName="childText_1" op="equ"/>
+              <dgm:constr type="primFontSz" for="des" forName="childText_5" refType="primFontSz" refFor="des" refForName="childText_1" op="equ"/>
+              <dgm:constr type="primFontSz" for="des" forName="childText_6" refType="primFontSz" refFor="des" refForName="childText_1" op="equ"/>
+              <dgm:constr type="l" for="ch" forName="accentShape_6" refType="w" fact="0"/>
+              <dgm:constr type="t" for="ch" forName="accentShape_1" refType="h" fact="0"/>
+              <dgm:constr type="w" for="ch" forName="accentShape_1" refType="w" fact="0.1473"/>
+              <dgm:constr type="h" for="ch" forName="accentShape_1" refType="h"/>
+              <dgm:constr type="l" for="ch" forName="accentShape_5" refType="w" fact="0.1608"/>
+              <dgm:constr type="t" for="ch" forName="accentShape_2" refType="h" fact="0.1"/>
+              <dgm:constr type="w" for="ch" forName="accentShape_2" refType="w" fact="0.1473"/>
+              <dgm:constr type="h" for="ch" forName="accentShape_2" refType="h" fact="0.9"/>
+              <dgm:constr type="l" for="ch" forName="accentShape_4" refType="w" fact="0.3216"/>
+              <dgm:constr type="t" for="ch" forName="accentShape_3" refType="h" fact="0.2"/>
+              <dgm:constr type="w" for="ch" forName="accentShape_3" refType="w" fact="0.1473"/>
+              <dgm:constr type="h" for="ch" forName="accentShape_3" refType="h" fact="0.8"/>
+              <dgm:constr type="l" for="ch" forName="accentShape_3" refType="w" fact="0.4824"/>
+              <dgm:constr type="t" for="ch" forName="accentShape_4" refType="h" fact="0.3"/>
+              <dgm:constr type="w" for="ch" forName="accentShape_4" refType="w" fact="0.1473"/>
+              <dgm:constr type="h" for="ch" forName="accentShape_4" refType="h" fact="0.7"/>
+              <dgm:constr type="l" for="ch" forName="accentShape_2" refType="w" fact="0.6432"/>
+              <dgm:constr type="t" for="ch" forName="accentShape_5" refType="h" fact="0.4"/>
+              <dgm:constr type="w" for="ch" forName="accentShape_5" refType="w" fact="0.1473"/>
+              <dgm:constr type="h" for="ch" forName="accentShape_5" refType="h" fact="0.6"/>
+              <dgm:constr type="l" for="ch" forName="accentShape_1" refType="w" fact="0.8056"/>
+              <dgm:constr type="t" for="ch" forName="accentShape_6" refType="h" fact="0.5"/>
+              <dgm:constr type="w" for="ch" forName="accentShape_6" refType="w" fact="0.1473"/>
+              <dgm:constr type="h" for="ch" forName="accentShape_6" refType="h" fact="0.5"/>
+              <dgm:constr type="l" for="ch" forName="childText_6" refType="w" fact="0"/>
+              <dgm:constr type="t" for="ch" forName="childText_1" refType="h" fact="0"/>
+              <dgm:constr type="w" for="ch" forName="childText_1" refType="w" refFor="ch" refForName="accentShape_1" fact="0.7"/>
+              <dgm:constr type="h" for="ch" forName="childText_1" refType="h" refFor="ch" refForName="accentShape_1"/>
+              <dgm:constr type="l" for="ch" forName="childText_5" refType="w" fact="0.1608"/>
+              <dgm:constr type="t" for="ch" forName="childText_2" refType="h" fact="0.1"/>
+              <dgm:constr type="w" for="ch" forName="childText_2" refType="w" refFor="ch" refForName="accentShape_2" fact="0.7"/>
+              <dgm:constr type="h" for="ch" forName="childText_2" refType="h" refFor="ch" refForName="accentShape_2"/>
+              <dgm:constr type="l" for="ch" forName="childText_4" refType="w" fact="0.3216"/>
+              <dgm:constr type="t" for="ch" forName="childText_3" refType="h" fact="0.2"/>
+              <dgm:constr type="w" for="ch" forName="childText_3" refType="w" refFor="ch" refForName="accentShape_3" fact="0.7"/>
+              <dgm:constr type="h" for="ch" forName="childText_3" refType="h" refFor="ch" refForName="accentShape_3"/>
+              <dgm:constr type="l" for="ch" forName="childText_3" refType="w" fact="0.4824"/>
+              <dgm:constr type="t" for="ch" forName="childText_4" refType="h" fact="0.3"/>
+              <dgm:constr type="w" for="ch" forName="childText_4" refType="w" refFor="ch" refForName="accentShape_4" fact="0.7"/>
+              <dgm:constr type="h" for="ch" forName="childText_4" refType="h" refFor="ch" refForName="accentShape_4"/>
+              <dgm:constr type="l" for="ch" forName="childText_2" refType="w" fact="0.6432"/>
+              <dgm:constr type="t" for="ch" forName="childText_5" refType="h" fact="0.4"/>
+              <dgm:constr type="w" for="ch" forName="childText_5" refType="w" refFor="ch" refForName="accentShape_5" fact="0.7"/>
+              <dgm:constr type="h" for="ch" forName="childText_5" refType="h" refFor="ch" refForName="accentShape_5"/>
+              <dgm:constr type="l" for="ch" forName="childText_1" refType="w" fact="0.8056"/>
+              <dgm:constr type="t" for="ch" forName="childText_6" refType="h" fact="0.5"/>
+              <dgm:constr type="w" for="ch" forName="childText_6" refType="w" refFor="ch" refForName="accentShape_6" fact="0.7"/>
+              <dgm:constr type="h" for="ch" forName="childText_6" refType="h" refFor="ch" refForName="accentShape_6"/>
+              <dgm:constr type="l" for="ch" forName="parentText_6" refType="w" fact="0.1045"/>
+              <dgm:constr type="t" for="ch" forName="parentText_1" refType="h" fact="0"/>
+              <dgm:constr type="w" for="ch" forName="parentText_1" refType="w" refFor="ch" refForName="accentShape_1" fact="0.26"/>
+              <dgm:constr type="h" for="ch" forName="parentText_1" refType="h" refFor="ch" refForName="accentShape_1" fact="0.9"/>
+              <dgm:constr type="l" for="ch" forName="parentText_5" refType="w" fact="0.2653"/>
+              <dgm:constr type="t" for="ch" forName="parentText_2" refType="h" fact="0.1"/>
+              <dgm:constr type="w" for="ch" forName="parentText_2" refType="w" refFor="ch" refForName="accentShape_2" fact="0.26"/>
+              <dgm:constr type="h" for="ch" forName="parentText_2" refType="h" refFor="ch" refForName="accentShape_2" fact="0.9"/>
+              <dgm:constr type="l" for="ch" forName="parentText_4" refType="w" fact="0.4261"/>
+              <dgm:constr type="t" for="ch" forName="parentText_3" refType="h" fact="0.2"/>
+              <dgm:constr type="w" for="ch" forName="parentText_3" refType="w" refFor="ch" refForName="accentShape_3" fact="0.26"/>
+              <dgm:constr type="h" for="ch" forName="parentText_3" refType="h" refFor="ch" refForName="accentShape_3" fact="0.9"/>
+              <dgm:constr type="l" for="ch" forName="parentText_3" refType="w" fact="0.5869"/>
+              <dgm:constr type="t" for="ch" forName="parentText_4" refType="h" fact="0.3"/>
+              <dgm:constr type="w" for="ch" forName="parentText_4" refType="w" refFor="ch" refForName="accentShape_4" fact="0.26"/>
+              <dgm:constr type="h" for="ch" forName="parentText_4" refType="h" refFor="ch" refForName="accentShape_4" fact="0.9"/>
+              <dgm:constr type="l" for="ch" forName="parentText_2" refType="w" fact="0.7477"/>
+              <dgm:constr type="t" for="ch" forName="parentText_5" refType="h" fact="0.4"/>
+              <dgm:constr type="w" for="ch" forName="parentText_5" refType="w" refFor="ch" refForName="accentShape_5" fact="0.26"/>
+              <dgm:constr type="h" for="ch" forName="parentText_5" refType="h" refFor="ch" refForName="accentShape_5" fact="0.9"/>
+              <dgm:constr type="l" for="ch" forName="parentText_1" refType="w" fact="0.9101"/>
+              <dgm:constr type="t" for="ch" forName="parentText_6" refType="h" fact="0.5"/>
+              <dgm:constr type="w" for="ch" forName="parentText_6" refType="w" refFor="ch" refForName="accentShape_6" fact="0.26"/>
+              <dgm:constr type="h" for="ch" forName="parentText_6" refType="h" refFor="ch" refForName="accentShape_6" fact="0.9"/>
+            </dgm:constrLst>
+          </dgm:else>
+        </dgm:choose>
+      </dgm:if>
+      <dgm:else name="Name26">
+        <dgm:alg type="composite">
+          <dgm:param type="ar" val="2.7874"/>
+        </dgm:alg>
+        <dgm:shape xmlns:r="http://schemas.openxmlformats.org/officeDocument/2006/relationships" r:blip="">
+          <dgm:adjLst/>
+        </dgm:shape>
+        <dgm:choose name="Name27">
+          <dgm:if name="Name28" func="var" arg="dir" op="equ" val="norm">
+            <dgm:constrLst>
+              <dgm:constr type="primFontSz" for="des" forName="childText_1" val="65"/>
+              <dgm:constr type="primFontSz" for="des" forName="parentText_1" val="65"/>
+              <dgm:constr type="primFontSz" for="des" forName="childText_1" refType="primFontSz" refFor="des" refForName="parentText_1" op="lte"/>
+              <dgm:constr type="primFontSz" for="des" forName="childText_2" refType="primFontSz" refFor="des" refForName="parentText_1" op="lte"/>
+              <dgm:constr type="primFontSz" for="des" forName="childText_3" refType="primFontSz" refFor="des" refForName="parentText_1" op="lte"/>
+              <dgm:constr type="primFontSz" for="des" forName="childText_4" refType="primFontSz" refFor="des" refForName="parentText_1" op="lte"/>
+              <dgm:constr type="primFontSz" for="des" forName="childText_5" refType="primFontSz" refFor="des" refForName="parentText_1" op="lte"/>
+              <dgm:constr type="primFontSz" for="des" forName="childText_6" refType="primFontSz" refFor="des" refForName="parentText_1" op="lte"/>
+              <dgm:constr type="primFontSz" for="des" forName="childText_7" refType="primFontSz" refFor="des" refForName="parentText_1" op="lte"/>
+              <dgm:constr type="primFontSz" for="des" forName="childText_1" refType="primFontSz" refFor="des" refForName="parentText_2" op="lte"/>
+              <dgm:constr type="primFontSz" for="des" forName="childText_2" refType="primFontSz" refFor="des" refForName="parentText_2" op="lte"/>
+              <dgm:constr type="primFontSz" for="des" forName="childText_3" refType="primFontSz" refFor="des" refForName="parentText_2" op="lte"/>
+              <dgm:constr type="primFontSz" for="des" forName="childText_4" refType="primFontSz" refFor="des" refForName="parentText_2" op="lte"/>
+              <dgm:constr type="primFontSz" for="des" forName="childText_5" refType="primFontSz" refFor="des" refForName="parentText_2" op="lte"/>
+              <dgm:constr type="primFontSz" for="des" forName="childText_6" refType="primFontSz" refFor="des" refForName="parentText_2" op="lte"/>
+              <dgm:constr type="primFontSz" for="des" forName="childText_7" refType="primFontSz" refFor="des" refForName="parentText_2" op="lte"/>
+              <dgm:constr type="primFontSz" for="des" forName="childText_1" refType="primFontSz" refFor="des" refForName="parentText_3" op="lte"/>
+              <dgm:constr type="primFontSz" for="des" forName="childText_2" refType="primFontSz" refFor="des" refForName="parentText_3" op="lte"/>
+              <dgm:constr type="primFontSz" for="des" forName="childText_3" refType="primFontSz" refFor="des" refForName="parentText_3" op="lte"/>
+              <dgm:constr type="primFontSz" for="des" forName="childText_4" refType="primFontSz" refFor="des" refForName="parentText_3" op="lte"/>
+              <dgm:constr type="primFontSz" for="des" forName="childText_5" refType="primFontSz" refFor="des" refForName="parentText_3" op="lte"/>
+              <dgm:constr type="primFontSz" for="des" forName="childText_6" refType="primFontSz" refFor="des" refForName="parentText_3" op="lte"/>
+              <dgm:constr type="primFontSz" for="des" forName="childText_7" refType="primFontSz" refFor="des" refForName="parentText_3" op="lte"/>
+              <dgm:constr type="primFontSz" for="des" forName="childText_1" refType="primFontSz" refFor="des" refForName="parentText_4" op="lte"/>
+              <dgm:constr type="primFontSz" for="des" forName="childText_2" refType="primFontSz" refFor="des" refForName="parentText_4" op="lte"/>
+              <dgm:constr type="primFontSz" for="des" forName="childText_3" refType="primFontSz" refFor="des" refForName="parentText_4" op="lte"/>
+              <dgm:constr type="primFontSz" for="des" forName="childText_4" refType="primFontSz" refFor="des" refForName="parentText_4" op="lte"/>
+              <dgm:constr type="primFontSz" for="des" forName="childText_5" refType="primFontSz" refFor="des" refForName="parentText_4" op="lte"/>
+              <dgm:constr type="primFontSz" for="des" forName="childText_6" refType="primFontSz" refFor="des" refForName="parentText_4" op="lte"/>
+              <dgm:constr type="primFontSz" for="des" forName="childText_7" refType="primFontSz" refFor="des" refForName="parentText_4" op="lte"/>
+              <dgm:constr type="primFontSz" for="des" forName="childText_1" refType="primFontSz" refFor="des" refForName="parentText_5" op="lte"/>
+              <dgm:constr type="primFontSz" for="des" forName="childText_2" refType="primFontSz" refFor="des" refForName="parentText_5" op="lte"/>
+              <dgm:constr type="primFontSz" for="des" forName="childText_3" refType="primFontSz" refFor="des" refForName="parentText_5" op="lte"/>
+              <dgm:constr type="primFontSz" for="des" forName="childText_4" refType="primFontSz" refFor="des" refForName="parentText_5" op="lte"/>
+              <dgm:constr type="primFontSz" for="des" forName="childText_5" refType="primFontSz" refFor="des" refForName="parentText_5" op="lte"/>
+              <dgm:constr type="primFontSz" for="des" forName="childText_6" refType="primFontSz" refFor="des" refForName="parentText_5" op="lte"/>
+              <dgm:constr type="primFontSz" for="des" forName="childText_7" refType="primFontSz" refFor="des" refForName="parentText_5" op="lte"/>
+              <dgm:constr type="primFontSz" for="des" forName="childText_1" refType="primFontSz" refFor="des" refForName="parentText_6" op="lte"/>
+              <dgm:constr type="primFontSz" for="des" forName="childText_2" refType="primFontSz" refFor="des" refForName="parentText_6" op="lte"/>
+              <dgm:constr type="primFontSz" for="des" forName="childText_3" refType="primFontSz" refFor="des" refForName="parentText_6" op="lte"/>
+              <dgm:constr type="primFontSz" for="des" forName="childText_4" refType="primFontSz" refFor="des" refForName="parentText_6" op="lte"/>
+              <dgm:constr type="primFontSz" for="des" forName="childText_5" refType="primFontSz" refFor="des" refForName="parentText_6" op="lte"/>
+              <dgm:constr type="primFontSz" for="des" forName="childText_6" refType="primFontSz" refFor="des" refForName="parentText_6" op="lte"/>
+              <dgm:constr type="primFontSz" for="des" forName="childText_7" refType="primFontSz" refFor="des" refForName="parentText_6" op="lte"/>
+              <dgm:constr type="primFontSz" for="des" forName="childText_1" refType="primFontSz" refFor="des" refForName="parentText_7" op="lte"/>
+              <dgm:constr type="primFontSz" for="des" forName="childText_2" refType="primFontSz" refFor="des" refForName="parentText_7" op="lte"/>
+              <dgm:constr type="primFontSz" for="des" forName="childText_3" refType="primFontSz" refFor="des" refForName="parentText_7" op="lte"/>
+              <dgm:constr type="primFontSz" for="des" forName="childText_4" refType="primFontSz" refFor="des" refForName="parentText_7" op="lte"/>
+              <dgm:constr type="primFontSz" for="des" forName="childText_5" refType="primFontSz" refFor="des" refForName="parentText_7" op="lte"/>
+              <dgm:constr type="primFontSz" for="des" forName="childText_6" refType="primFontSz" refFor="des" refForName="parentText_7" op="lte"/>
+              <dgm:constr type="primFontSz" for="des" forName="childText_7" refType="primFontSz" refFor="des" refForName="parentText_7" op="lte"/>
+              <dgm:constr type="primFontSz" for="des" forName="parentText_2" refType="primFontSz" refFor="des" refForName="parentText_1" op="equ"/>
+              <dgm:constr type="primFontSz" for="des" forName="parentText_3" refType="primFontSz" refFor="des" refForName="parentText_1" op="equ"/>
+              <dgm:constr type="primFontSz" for="des" forName="parentText_4" refType="primFontSz" refFor="des" refForName="parentText_1" op="equ"/>
+              <dgm:constr type="primFontSz" for="des" forName="parentText_5" refType="primFontSz" refFor="des" refForName="parentText_1" op="equ"/>
+              <dgm:constr type="primFontSz" for="des" forName="parentText_6" refType="primFontSz" refFor="des" refForName="parentText_1" op="equ"/>
+              <dgm:constr type="primFontSz" for="des" forName="parentText_7" refType="primFontSz" refFor="des" refForName="parentText_1" op="equ"/>
+              <dgm:constr type="primFontSz" for="des" forName="childText_2" refType="primFontSz" refFor="des" refForName="childText_1" op="equ"/>
+              <dgm:constr type="primFontSz" for="des" forName="childText_3" refType="primFontSz" refFor="des" refForName="childText_1" op="equ"/>
+              <dgm:constr type="primFontSz" for="des" forName="childText_4" refType="primFontSz" refFor="des" refForName="childText_1" op="equ"/>
+              <dgm:constr type="primFontSz" for="des" forName="childText_5" refType="primFontSz" refFor="des" refForName="childText_1" op="equ"/>
+              <dgm:constr type="primFontSz" for="des" forName="childText_6" refType="primFontSz" refFor="des" refForName="childText_1" op="equ"/>
+              <dgm:constr type="primFontSz" for="des" forName="childText_7" refType="primFontSz" refFor="des" refForName="childText_1" op="equ"/>
+              <dgm:constr type="l" for="ch" forName="accentShape_1" refType="w" fact="0"/>
+              <dgm:constr type="t" for="ch" forName="accentShape_1" refType="h" fact="0"/>
+              <dgm:constr type="w" for="ch" forName="accentShape_1" refType="w" fact="0.1269"/>
+              <dgm:constr type="h" for="ch" forName="accentShape_1" refType="h"/>
+              <dgm:constr type="l" for="ch" forName="accentShape_2" refType="w" fact="0.1385"/>
+              <dgm:constr type="t" for="ch" forName="accentShape_2" refType="h" fact="0.0833"/>
+              <dgm:constr type="w" for="ch" forName="accentShape_2" refType="w" fact="0.1269"/>
+              <dgm:constr type="h" for="ch" forName="accentShape_2" refType="h" fact="0.9165"/>
+              <dgm:constr type="l" for="ch" forName="accentShape_3" refType="w" fact="0.277"/>
+              <dgm:constr type="t" for="ch" forName="accentShape_3" refType="h" fact="0.1666"/>
+              <dgm:constr type="w" for="ch" forName="accentShape_3" refType="w" fact="0.1269"/>
+              <dgm:constr type="h" for="ch" forName="accentShape_3" refType="h" fact="0.8332"/>
+              <dgm:constr type="l" for="ch" forName="accentShape_4" refType="w" fact="0.4155"/>
+              <dgm:constr type="t" for="ch" forName="accentShape_4" refType="h" fact="0.2499"/>
+              <dgm:constr type="w" for="ch" forName="accentShape_4" refType="w" fact="0.1269"/>
+              <dgm:constr type="h" for="ch" forName="accentShape_4" refType="h" fact="0.7499"/>
+              <dgm:constr type="l" for="ch" forName="accentShape_5" refType="w" fact="0.5539"/>
+              <dgm:constr type="t" for="ch" forName="accentShape_5" refType="h" fact="0.3332"/>
+              <dgm:constr type="w" for="ch" forName="accentShape_5" refType="w" fact="0.1269"/>
+              <dgm:constr type="h" for="ch" forName="accentShape_5" refType="h" fact="0.6666"/>
+              <dgm:constr type="l" for="ch" forName="accentShape_6" refType="w" fact="0.6938"/>
+              <dgm:constr type="t" for="ch" forName="accentShape_6" refType="h" fact="0.4165"/>
+              <dgm:constr type="w" for="ch" forName="accentShape_6" refType="w" fact="0.1269"/>
+              <dgm:constr type="h" for="ch" forName="accentShape_6" refType="h" fact="0.5833"/>
+              <dgm:constr type="l" for="ch" forName="accentShape_7" refType="w" fact="0.8326"/>
+              <dgm:constr type="t" for="ch" forName="accentShape_7" refType="h" fact="0.5"/>
+              <dgm:constr type="w" for="ch" forName="accentShape_7" refType="w" fact="0.1269"/>
+              <dgm:constr type="h" for="ch" forName="accentShape_7" refType="h" fact="0.5"/>
+              <dgm:constr type="l" for="ch" forName="parentText_1" refType="w" fact="0.0888"/>
+              <dgm:constr type="t" for="ch" forName="parentText_1" refType="h" fact="0"/>
+              <dgm:constr type="w" for="ch" forName="parentText_1" refType="w" refFor="ch" refForName="accentShape_1" fact="0.26"/>
+              <dgm:constr type="h" for="ch" forName="parentText_1" refType="h" refFor="ch" refForName="accentShape_1" fact="0.9"/>
+              <dgm:constr type="l" for="ch" forName="parentText_2" refType="w" fact="0.2273"/>
+              <dgm:constr type="t" for="ch" forName="parentText_2" refType="h" fact="0.0833"/>
+              <dgm:constr type="w" for="ch" forName="parentText_2" refType="w" refFor="ch" refForName="accentShape_2" fact="0.26"/>
+              <dgm:constr type="h" for="ch" forName="parentText_2" refType="h" refFor="ch" refForName="accentShape_2" fact="0.9"/>
+              <dgm:constr type="l" for="ch" forName="parentText_3" refType="w" fact="0.36583"/>
+              <dgm:constr type="t" for="ch" forName="parentText_3" refType="h" fact="0.1666"/>
+              <dgm:constr type="w" for="ch" forName="parentText_3" refType="w" refFor="ch" refForName="accentShape_3" fact="0.26"/>
+              <dgm:constr type="h" for="ch" forName="parentText_3" refType="h" refFor="ch" refForName="accentShape_3" fact="0.9"/>
+              <dgm:constr type="l" for="ch" forName="parentText_4" refType="w" fact="0.5043"/>
+              <dgm:constr type="t" for="ch" forName="parentText_4" refType="h" fact="0.2499"/>
+              <dgm:constr type="w" for="ch" forName="parentText_4" refType="w" refFor="ch" refForName="accentShape_4" fact="0.26"/>
+              <dgm:constr type="h" for="ch" forName="parentText_4" refType="h" refFor="ch" refForName="accentShape_4" fact="0.9"/>
+              <dgm:constr type="l" for="ch" forName="parentText_5" refType="w" fact="0.6427"/>
+              <dgm:constr type="t" for="ch" forName="parentText_5" refType="h" fact="0.3332"/>
+              <dgm:constr type="w" for="ch" forName="parentText_5" refType="w" refFor="ch" refForName="accentShape_5" fact="0.26"/>
+              <dgm:constr type="h" for="ch" forName="parentText_5" refType="h" refFor="ch" refForName="accentShape_5" fact="0.9"/>
+              <dgm:constr type="l" for="ch" forName="parentText_6" refType="w" fact="0.78263"/>
+              <dgm:constr type="t" for="ch" forName="parentText_6" refType="h" fact="0.4165"/>
+              <dgm:constr type="w" for="ch" forName="parentText_6" refType="w" refFor="ch" refForName="accentShape_6" fact="0.26"/>
+              <dgm:constr type="h" for="ch" forName="parentText_6" refType="h" refFor="ch" refForName="accentShape_6" fact="0.9"/>
+              <dgm:constr type="l" for="ch" forName="parentText_7" refType="w" fact="0.92143"/>
+              <dgm:constr type="t" for="ch" forName="parentText_7" refType="h" fact="0.5"/>
+              <dgm:constr type="w" for="ch" forName="parentText_7" refType="w" refFor="ch" refForName="accentShape_7" fact="0.26"/>
+              <dgm:constr type="h" for="ch" forName="parentText_7" refType="h" refFor="ch" refForName="accentShape_7" fact="0.9"/>
+              <dgm:constr type="l" for="ch" forName="childText_1" refType="w" fact="0"/>
+              <dgm:constr type="t" for="ch" forName="childText_1" refType="h" fact="0"/>
+              <dgm:constr type="w" for="ch" forName="childText_1" refType="w" refFor="ch" refForName="accentShape_1" fact="0.7"/>
+              <dgm:constr type="h" for="ch" forName="childText_1" refType="h" refFor="ch" refForName="accentShape_1"/>
+              <dgm:constr type="l" for="ch" forName="childText_2" refType="w" fact="0.1385"/>
+              <dgm:constr type="t" for="ch" forName="childText_2" refType="h" fact="0.0833"/>
+              <dgm:constr type="w" for="ch" forName="childText_2" refType="w" refFor="ch" refForName="accentShape_2" fact="0.7"/>
+              <dgm:constr type="h" for="ch" forName="childText_2" refType="h" refFor="ch" refForName="accentShape_2"/>
+              <dgm:constr type="l" for="ch" forName="childText_3" refType="w" fact="0.277"/>
+              <dgm:constr type="t" for="ch" forName="childText_3" refType="h" fact="0.1666"/>
+              <dgm:constr type="w" for="ch" forName="childText_3" refType="w" refFor="ch" refForName="accentShape_3" fact="0.7"/>
+              <dgm:constr type="h" for="ch" forName="childText_3" refType="h" refFor="ch" refForName="accentShape_3"/>
+              <dgm:constr type="l" for="ch" forName="childText_4" refType="w" fact="0.4155"/>
+              <dgm:constr type="t" for="ch" forName="childText_4" refType="h" fact="0.2499"/>
+              <dgm:constr type="w" for="ch" forName="childText_4" refType="w" refFor="ch" refForName="accentShape_4" fact="0.7"/>
+              <dgm:constr type="h" for="ch" forName="childText_4" refType="h" refFor="ch" refForName="accentShape_4"/>
+              <dgm:constr type="l" for="ch" forName="childText_5" refType="w" fact="0.5539"/>
+              <dgm:constr type="t" for="ch" forName="childText_5" refType="h" fact="0.3332"/>
+              <dgm:constr type="w" for="ch" forName="childText_5" refType="w" refFor="ch" refForName="accentShape_5" fact="0.7"/>
+              <dgm:constr type="h" for="ch" forName="childText_5" refType="h" refFor="ch" refForName="accentShape_5"/>
+              <dgm:constr type="l" for="ch" forName="childText_6" refType="w" fact="0.6938"/>
+              <dgm:constr type="t" for="ch" forName="childText_6" refType="h" fact="0.4165"/>
+              <dgm:constr type="w" for="ch" forName="childText_6" refType="w" refFor="ch" refForName="accentShape_6" fact="0.7"/>
+              <dgm:constr type="h" for="ch" forName="childText_6" refType="h" refFor="ch" refForName="accentShape_6"/>
+              <dgm:constr type="l" for="ch" forName="childText_7" refType="w" fact="0.8326"/>
+              <dgm:constr type="t" for="ch" forName="childText_7" refType="h" fact="0.5"/>
+              <dgm:constr type="w" for="ch" forName="childText_7" refType="w" refFor="ch" refForName="accentShape_7" fact="0.7"/>
+              <dgm:constr type="h" for="ch" forName="childText_7" refType="h" refFor="ch" refForName="accentShape_7"/>
+            </dgm:constrLst>
+          </dgm:if>
+          <dgm:else name="Name29">
+            <dgm:constrLst>
+              <dgm:constr type="primFontSz" for="des" forName="childText_1" val="65"/>
+              <dgm:constr type="primFontSz" for="des" forName="parentText_1" val="65"/>
+              <dgm:constr type="primFontSz" for="des" forName="childText_1" refType="primFontSz" refFor="des" refForName="parentText_1" op="lte"/>
+              <dgm:constr type="primFontSz" for="des" forName="childText_2" refType="primFontSz" refFor="des" refForName="parentText_1" op="lte"/>
+              <dgm:constr type="primFontSz" for="des" forName="childText_3" refType="primFontSz" refFor="des" refForName="parentText_1" op="lte"/>
+              <dgm:constr type="primFontSz" for="des" forName="childText_4" refType="primFontSz" refFor="des" refForName="parentText_1" op="lte"/>
+              <dgm:constr type="primFontSz" for="des" forName="childText_5" refType="primFontSz" refFor="des" refForName="parentText_1" op="lte"/>
+              <dgm:constr type="primFontSz" for="des" forName="childText_6" refType="primFontSz" refFor="des" refForName="parentText_1" op="lte"/>
+              <dgm:constr type="primFontSz" for="des" forName="childText_7" refType="primFontSz" refFor="des" refForName="parentText_1" op="lte"/>
+              <dgm:constr type="primFontSz" for="des" forName="childText_1" refType="primFontSz" refFor="des" refForName="parentText_2" op="lte"/>
+              <dgm:constr type="primFontSz" for="des" forName="childText_2" refType="primFontSz" refFor="des" refForName="parentText_2" op="lte"/>
+              <dgm:constr type="primFontSz" for="des" forName="childText_3" refType="primFontSz" refFor="des" refForName="parentText_2" op="lte"/>
+              <dgm:constr type="primFontSz" for="des" forName="childText_4" refType="primFontSz" refFor="des" refForName="parentText_2" op="lte"/>
+              <dgm:constr type="primFontSz" for="des" forName="childText_5" refType="primFontSz" refFor="des" refForName="parentText_2" op="lte"/>
+              <dgm:constr type="primFontSz" for="des" forName="childText_6" refType="primFontSz" refFor="des" refForName="parentText_2" op="lte"/>
+              <dgm:constr type="primFontSz" for="des" forName="childText_7" refType="primFontSz" refFor="des" refForName="parentText_2" op="lte"/>
+              <dgm:constr type="primFontSz" for="des" forName="childText_1" refType="primFontSz" refFor="des" refForName="parentText_3" op="lte"/>
+              <dgm:constr type="primFontSz" for="des" forName="childText_2" refType="primFontSz" refFor="des" refForName="parentText_3" op="lte"/>
+              <dgm:constr type="primFontSz" for="des" forName="childText_3" refType="primFontSz" refFor="des" refForName="parentText_3" op="lte"/>
+              <dgm:constr type="primFontSz" for="des" forName="childText_4" refType="primFontSz" refFor="des" refForName="parentText_3" op="lte"/>
+              <dgm:constr type="primFontSz" for="des" forName="childText_5" refType="primFontSz" refFor="des" refForName="parentText_3" op="lte"/>
+              <dgm:constr type="primFontSz" for="des" forName="childText_6" refType="primFontSz" refFor="des" refForName="parentText_3" op="lte"/>
+              <dgm:constr type="primFontSz" for="des" forName="childText_7" refType="primFontSz" refFor="des" refForName="parentText_3" op="lte"/>
+              <dgm:constr type="primFontSz" for="des" forName="childText_1" refType="primFontSz" refFor="des" refForName="parentText_4" op="lte"/>
+              <dgm:constr type="primFontSz" for="des" forName="childText_2" refType="primFontSz" refFor="des" refForName="parentText_4" op="lte"/>
+              <dgm:constr type="primFontSz" for="des" forName="childText_3" refType="primFontSz" refFor="des" refForName="parentText_4" op="lte"/>
+              <dgm:constr type="primFontSz" for="des" forName="childText_4" refType="primFontSz" refFor="des" refForName="parentText_4" op="lte"/>
+              <dgm:constr type="primFontSz" for="des" forName="childText_5" refType="primFontSz" refFor="des" refForName="parentText_4" op="lte"/>
+              <dgm:constr type="primFontSz" for="des" forName="childText_6" refType="primFontSz" refFor="des" refForName="parentText_4" op="lte"/>
+              <dgm:constr type="primFontSz" for="des" forName="childText_7" refType="primFontSz" refFor="des" refForName="parentText_4" op="lte"/>
+              <dgm:constr type="primFontSz" for="des" forName="childText_1" refType="primFontSz" refFor="des" refForName="parentText_5" op="lte"/>
+              <dgm:constr type="primFontSz" for="des" forName="childText_2" refType="primFontSz" refFor="des" refForName="parentText_5" op="lte"/>
+              <dgm:constr type="primFontSz" for="des" forName="childText_3" refType="primFontSz" refFor="des" refForName="parentText_5" op="lte"/>
+              <dgm:constr type="primFontSz" for="des" forName="childText_4" refType="primFontSz" refFor="des" refForName="parentText_5" op="lte"/>
+              <dgm:constr type="primFontSz" for="des" forName="childText_5" refType="primFontSz" refFor="des" refForName="parentText_5" op="lte"/>
+              <dgm:constr type="primFontSz" for="des" forName="childText_6" refType="primFontSz" refFor="des" refForName="parentText_5" op="lte"/>
+              <dgm:constr type="primFontSz" for="des" forName="childText_7" refType="primFontSz" refFor="des" refForName="parentText_5" op="lte"/>
+              <dgm:constr type="primFontSz" for="des" forName="childText_1" refType="primFontSz" refFor="des" refForName="parentText_6" op="lte"/>
+              <dgm:constr type="primFontSz" for="des" forName="childText_2" refType="primFontSz" refFor="des" refForName="parentText_6" op="lte"/>
+              <dgm:constr type="primFontSz" for="des" forName="childText_3" refType="primFontSz" refFor="des" refForName="parentText_6" op="lte"/>
+              <dgm:constr type="primFontSz" for="des" forName="childText_4" refType="primFontSz" refFor="des" refForName="parentText_6" op="lte"/>
+              <dgm:constr type="primFontSz" for="des" forName="childText_5" refType="primFontSz" refFor="des" refForName="parentText_6" op="lte"/>
+              <dgm:constr type="primFontSz" for="des" forName="childText_6" refType="primFontSz" refFor="des" refForName="parentText_6" op="lte"/>
+              <dgm:constr type="primFontSz" for="des" forName="childText_7" refType="primFontSz" refFor="des" refForName="parentText_6" op="lte"/>
+              <dgm:constr type="primFontSz" for="des" forName="childText_1" refType="primFontSz" refFor="des" refForName="parentText_7" op="lte"/>
+              <dgm:constr type="primFontSz" for="des" forName="childText_2" refType="primFontSz" refFor="des" refForName="parentText_7" op="lte"/>
+              <dgm:constr type="primFontSz" for="des" forName="childText_3" refType="primFontSz" refFor="des" refForName="parentText_7" op="lte"/>
+              <dgm:constr type="primFontSz" for="des" forName="childText_4" refType="primFontSz" refFor="des" refForName="parentText_7" op="lte"/>
+              <dgm:constr type="primFontSz" for="des" forName="childText_5" refType="primFontSz" refFor="des" refForName="parentText_7" op="lte"/>
+              <dgm:constr type="primFontSz" for="des" forName="childText_6" refType="primFontSz" refFor="des" refForName="parentText_7" op="lte"/>
+              <dgm:constr type="primFontSz" for="des" forName="childText_7" refType="primFontSz" refFor="des" refForName="parentText_7" op="lte"/>
+              <dgm:constr type="primFontSz" for="des" forName="parentText_2" refType="primFontSz" refFor="des" refForName="parentText_1" op="equ"/>
+              <dgm:constr type="primFontSz" for="des" forName="parentText_3" refType="primFontSz" refFor="des" refForName="parentText_1" op="equ"/>
+              <dgm:constr type="primFontSz" for="des" forName="parentText_4" refType="primFontSz" refFor="des" refForName="parentText_1" op="equ"/>
+              <dgm:constr type="primFontSz" for="des" forName="parentText_5" refType="primFontSz" refFor="des" refForName="parentText_1" op="equ"/>
+              <dgm:constr type="primFontSz" for="des" forName="parentText_6" refType="primFontSz" refFor="des" refForName="parentText_1" op="equ"/>
+              <dgm:constr type="primFontSz" for="des" forName="parentText_7" refType="primFontSz" refFor="des" refForName="parentText_1" op="equ"/>
+              <dgm:constr type="primFontSz" for="des" forName="childText_2" refType="primFontSz" refFor="des" refForName="childText_1" op="equ"/>
+              <dgm:constr type="primFontSz" for="des" forName="childText_3" refType="primFontSz" refFor="des" refForName="childText_1" op="equ"/>
+              <dgm:constr type="primFontSz" for="des" forName="childText_4" refType="primFontSz" refFor="des" refForName="childText_1" op="equ"/>
+              <dgm:constr type="primFontSz" for="des" forName="childText_5" refType="primFontSz" refFor="des" refForName="childText_1" op="equ"/>
+              <dgm:constr type="primFontSz" for="des" forName="childText_6" refType="primFontSz" refFor="des" refForName="childText_1" op="equ"/>
+              <dgm:constr type="primFontSz" for="des" forName="childText_7" refType="primFontSz" refFor="des" refForName="childText_1" op="equ"/>
+              <dgm:constr type="l" for="ch" forName="accentShape_7" refType="w" fact="0"/>
+              <dgm:constr type="t" for="ch" forName="accentShape_1" refType="h" fact="0"/>
+              <dgm:constr type="w" for="ch" forName="accentShape_1" refType="w" fact="0.1269"/>
+              <dgm:constr type="h" for="ch" forName="accentShape_1" refType="h"/>
+              <dgm:constr type="l" for="ch" forName="accentShape_6" refType="w" fact="0.1385"/>
+              <dgm:constr type="t" for="ch" forName="accentShape_2" refType="h" fact="0.0833"/>
+              <dgm:constr type="w" for="ch" forName="accentShape_2" refType="w" fact="0.1269"/>
+              <dgm:constr type="h" for="ch" forName="accentShape_2" refType="h" fact="0.9165"/>
+              <dgm:constr type="l" for="ch" forName="accentShape_5" refType="w" fact="0.277"/>
+              <dgm:constr type="t" for="ch" forName="accentShape_3" refType="h" fact="0.1666"/>
+              <dgm:constr type="w" for="ch" forName="accentShape_3" refType="w" fact="0.1269"/>
+              <dgm:constr type="h" for="ch" forName="accentShape_3" refType="h" fact="0.8332"/>
+              <dgm:constr type="l" for="ch" forName="accentShape_4" refType="w" fact="0.4155"/>
+              <dgm:constr type="t" for="ch" forName="accentShape_4" refType="h" fact="0.2499"/>
+              <dgm:constr type="w" for="ch" forName="accentShape_4" refType="w" fact="0.1269"/>
+              <dgm:constr type="h" for="ch" forName="accentShape_4" refType="h" fact="0.7499"/>
+              <dgm:constr type="l" for="ch" forName="accentShape_3" refType="w" fact="0.5539"/>
+              <dgm:constr type="t" for="ch" forName="accentShape_5" refType="h" fact="0.3332"/>
+              <dgm:constr type="w" for="ch" forName="accentShape_5" refType="w" fact="0.1269"/>
+              <dgm:constr type="h" for="ch" forName="accentShape_5" refType="h" fact="0.6666"/>
+              <dgm:constr type="l" for="ch" forName="accentShape_2" refType="w" fact="0.6938"/>
+              <dgm:constr type="t" for="ch" forName="accentShape_6" refType="h" fact="0.4165"/>
+              <dgm:constr type="w" for="ch" forName="accentShape_6" refType="w" fact="0.1269"/>
+              <dgm:constr type="h" for="ch" forName="accentShape_6" refType="h" fact="0.5833"/>
+              <dgm:constr type="l" for="ch" forName="accentShape_1" refType="w" fact="0.8326"/>
+              <dgm:constr type="t" for="ch" forName="accentShape_7" refType="h" fact="0.5"/>
+              <dgm:constr type="w" for="ch" forName="accentShape_7" refType="w" fact="0.1269"/>
+              <dgm:constr type="h" for="ch" forName="accentShape_7" refType="h" fact="0.5"/>
+              <dgm:constr type="l" for="ch" forName="parentText_7" refType="w" fact="0.0888"/>
+              <dgm:constr type="t" for="ch" forName="parentText_1" refType="h" fact="0"/>
+              <dgm:constr type="w" for="ch" forName="parentText_1" refType="w" refFor="ch" refForName="accentShape_1" fact="0.26"/>
+              <dgm:constr type="h" for="ch" forName="parentText_1" refType="h" refFor="ch" refForName="accentShape_1" fact="0.9"/>
+              <dgm:constr type="l" for="ch" forName="parentText_6" refType="w" fact="0.2273"/>
+              <dgm:constr type="t" for="ch" forName="parentText_2" refType="h" fact="0.0833"/>
+              <dgm:constr type="w" for="ch" forName="parentText_2" refType="w" refFor="ch" refForName="accentShape_2" fact="0.26"/>
+              <dgm:constr type="h" for="ch" forName="parentText_2" refType="h" refFor="ch" refForName="accentShape_2" fact="0.9"/>
+              <dgm:constr type="l" for="ch" forName="parentText_5" refType="w" fact="0.36583"/>
+              <dgm:constr type="t" for="ch" forName="parentText_3" refType="h" fact="0.1666"/>
+              <dgm:constr type="w" for="ch" forName="parentText_3" refType="w" refFor="ch" refForName="accentShape_3" fact="0.26"/>
+              <dgm:constr type="h" for="ch" forName="parentText_3" refType="h" refFor="ch" refForName="accentShape_3" fact="0.9"/>
+              <dgm:constr type="l" for="ch" forName="parentText_4" refType="w" fact="0.5043"/>
+              <dgm:constr type="t" for="ch" forName="parentText_4" refType="h" fact="0.2499"/>
+              <dgm:constr type="w" for="ch" forName="parentText_4" refType="w" refFor="ch" refForName="accentShape_4" fact="0.26"/>
+              <dgm:constr type="h" for="ch" forName="parentText_4" refType="h" refFor="ch" refForName="accentShape_4" fact="0.9"/>
+              <dgm:constr type="l" for="ch" forName="parentText_3" refType="w" fact="0.6427"/>
+              <dgm:constr type="t" for="ch" forName="parentText_5" refType="h" fact="0.3332"/>
+              <dgm:constr type="w" for="ch" forName="parentText_5" refType="w" refFor="ch" refForName="accentShape_5" fact="0.26"/>
+              <dgm:constr type="h" for="ch" forName="parentText_5" refType="h" refFor="ch" refForName="accentShape_5" fact="0.9"/>
+              <dgm:constr type="l" for="ch" forName="parentText_2" refType="w" fact="0.78263"/>
+              <dgm:constr type="t" for="ch" forName="parentText_6" refType="h" fact="0.4165"/>
+              <dgm:constr type="w" for="ch" forName="parentText_6" refType="w" refFor="ch" refForName="accentShape_6" fact="0.26"/>
+              <dgm:constr type="h" for="ch" forName="parentText_6" refType="h" refFor="ch" refForName="accentShape_6" fact="0.9"/>
+              <dgm:constr type="l" for="ch" forName="parentText_1" refType="w" fact="0.92143"/>
+              <dgm:constr type="t" for="ch" forName="parentText_7" refType="h" fact="0.5"/>
+              <dgm:constr type="w" for="ch" forName="parentText_7" refType="w" refFor="ch" refForName="accentShape_7" fact="0.26"/>
+              <dgm:constr type="h" for="ch" forName="parentText_7" refType="h" refFor="ch" refForName="accentShape_7" fact="0.9"/>
+              <dgm:constr type="l" for="ch" forName="childText_7" refType="w" fact="0"/>
+              <dgm:constr type="t" for="ch" forName="childText_1" refType="h" fact="0"/>
+              <dgm:constr type="w" for="ch" forName="childText_1" refType="w" refFor="ch" refForName="accentShape_1" fact="0.7"/>
+              <dgm:constr type="h" for="ch" forName="childText_1" refType="h" refFor="ch" refForName="accentShape_1"/>
+              <dgm:constr type="l" for="ch" forName="childText_6" refType="w" fact="0.1385"/>
+              <dgm:constr type="t" for="ch" forName="childText_2" refType="h" fact="0.0833"/>
+              <dgm:constr type="w" for="ch" forName="childText_2" refType="w" refFor="ch" refForName="accentShape_2" fact="0.7"/>
+              <dgm:constr type="h" for="ch" forName="childText_2" refType="h" refFor="ch" refForName="accentShape_2"/>
+              <dgm:constr type="l" for="ch" forName="childText_5" refType="w" fact="0.277"/>
+              <dgm:constr type="t" for="ch" forName="childText_3" refType="h" fact="0.1666"/>
+              <dgm:constr type="w" for="ch" forName="childText_3" refType="w" refFor="ch" refForName="accentShape_3" fact="0.7"/>
+              <dgm:constr type="h" for="ch" forName="childText_3" refType="h" refFor="ch" refForName="accentShape_3"/>
+              <dgm:constr type="l" for="ch" forName="childText_4" refType="w" fact="0.4155"/>
+              <dgm:constr type="t" for="ch" forName="childText_4" refType="h" fact="0.2499"/>
+              <dgm:constr type="w" for="ch" forName="childText_4" refType="w" refFor="ch" refForName="accentShape_4" fact="0.7"/>
+              <dgm:constr type="h" for="ch" forName="childText_4" refType="h" refFor="ch" refForName="accentShape_4"/>
+              <dgm:constr type="l" for="ch" forName="childText_3" refType="w" fact="0.5539"/>
+              <dgm:constr type="t" for="ch" forName="childText_5" refType="h" fact="0.3332"/>
+              <dgm:constr type="w" for="ch" forName="childText_5" refType="w" refFor="ch" refForName="accentShape_5" fact="0.7"/>
+              <dgm:constr type="h" for="ch" forName="childText_5" refType="h" refFor="ch" refForName="accentShape_5"/>
+              <dgm:constr type="l" for="ch" forName="childText_2" refType="w" fact="0.6938"/>
+              <dgm:constr type="t" for="ch" forName="childText_6" refType="h" fact="0.4165"/>
+              <dgm:constr type="w" for="ch" forName="childText_6" refType="w" refFor="ch" refForName="accentShape_6" fact="0.7"/>
+              <dgm:constr type="h" for="ch" forName="childText_6" refType="h" refFor="ch" refForName="accentShape_6"/>
+              <dgm:constr type="l" for="ch" forName="childText_1" refType="w" fact="0.8326"/>
+              <dgm:constr type="t" for="ch" forName="childText_7" refType="h" fact="0.5"/>
+              <dgm:constr type="w" for="ch" forName="childText_7" refType="w" refFor="ch" refForName="accentShape_7" fact="0.7"/>
+              <dgm:constr type="h" for="ch" forName="childText_7" refType="h" refFor="ch" refForName="accentShape_7"/>
+            </dgm:constrLst>
+          </dgm:else>
+        </dgm:choose>
+      </dgm:else>
+    </dgm:choose>
+    <dgm:forEach name="wrapper" axis="self" ptType="parTrans">
+      <dgm:forEach name="accentRepeat" axis="self">
+        <dgm:layoutNode name="imageRepeatNode" styleLbl="node1">
+          <dgm:alg type="sp"/>
+          <dgm:shape xmlns:r="http://schemas.openxmlformats.org/officeDocument/2006/relationships" type="rect" r:blip="" zOrderOff="-10">
+            <dgm:adjLst/>
+          </dgm:shape>
+          <dgm:presOf axis="self"/>
+        </dgm:layoutNode>
+      </dgm:forEach>
+    </dgm:forEach>
+    <dgm:forEach name="Name30" axis="ch" ptType="node" cnt="1">
+      <dgm:layoutNode name="parentText_1" styleLbl="node1">
+        <dgm:varLst>
+          <dgm:chMax val="1"/>
+          <dgm:chPref val="1"/>
+          <dgm:bulletEnabled val="1"/>
+        </dgm:varLst>
+        <dgm:alg type="tx">
+          <dgm:param type="parTxLTRAlign" val="r"/>
+          <dgm:param type="shpTxLTRAlignCh" val="r"/>
+          <dgm:param type="txAnchorVertCh" val="mid"/>
+          <dgm:param type="autoTxRot" val="grav"/>
+        </dgm:alg>
+        <dgm:shape xmlns:r="http://schemas.openxmlformats.org/officeDocument/2006/relationships" rot="-90" type="rect" r:blip="" hideGeom="1">
+          <dgm:adjLst/>
+        </dgm:shape>
+        <dgm:presOf axis="self" ptType="node"/>
+        <dgm:constrLst>
+          <dgm:constr type="lMarg" refType="primFontSz" fact="0.3"/>
+          <dgm:constr type="rMarg" refType="primFontSz" fact="0.45"/>
+          <dgm:constr type="tMarg" refType="primFontSz" fact="0"/>
+          <dgm:constr type="bMarg" refType="primFontSz" fact="0.1"/>
+        </dgm:constrLst>
+        <dgm:ruleLst>
+          <dgm:rule type="primFontSz" val="5" fact="NaN" max="NaN"/>
+        </dgm:ruleLst>
+      </dgm:layoutNode>
+      <dgm:layoutNode name="childText_1" styleLbl="node1">
+        <dgm:varLst>
+          <dgm:chMax val="0"/>
+          <dgm:chPref val="0"/>
+          <dgm:bulletEnabled val="1"/>
+        </dgm:varLst>
+        <dgm:alg type="tx">
+          <dgm:param type="txAnchorVert" val="t"/>
+          <dgm:param type="parTxLTRAlign" val="l"/>
+        </dgm:alg>
+        <dgm:shape xmlns:r="http://schemas.openxmlformats.org/officeDocument/2006/relationships" type="rect" r:blip="" hideGeom="1">
+          <dgm:adjLst/>
+        </dgm:shape>
+        <dgm:presOf axis="des" ptType="node"/>
+        <dgm:constrLst>
+          <dgm:constr type="lMarg" refType="primFontSz" fact="0.3"/>
+          <dgm:constr type="rMarg" refType="primFontSz" fact="0.3"/>
+          <dgm:constr type="tMarg" refType="primFontSz" fact="0.3"/>
+          <dgm:constr type="bMarg" refType="primFontSz" fact="0.3"/>
+        </dgm:constrLst>
+        <dgm:ruleLst>
+          <dgm:rule type="primFontSz" val="5" fact="NaN" max="NaN"/>
+        </dgm:ruleLst>
+      </dgm:layoutNode>
+      <dgm:layoutNode name="accentShape_1">
+        <dgm:alg type="sp"/>
+        <dgm:shape xmlns:r="http://schemas.openxmlformats.org/officeDocument/2006/relationships" r:blip="">
+          <dgm:adjLst/>
+        </dgm:shape>
+        <dgm:presOf/>
+        <dgm:constrLst/>
+        <dgm:forEach name="Name31" ref="accentRepeat"/>
+      </dgm:layoutNode>
+    </dgm:forEach>
+    <dgm:forEach name="Name32" axis="ch" ptType="node" st="2" cnt="1">
+      <dgm:layoutNode name="parentText_2">
+        <dgm:varLst>
+          <dgm:chMax val="1"/>
+          <dgm:chPref val="1"/>
+          <dgm:bulletEnabled val="1"/>
+        </dgm:varLst>
+        <dgm:alg type="tx">
+          <dgm:param type="parTxLTRAlign" val="r"/>
+          <dgm:param type="shpTxLTRAlignCh" val="r"/>
+          <dgm:param type="txAnchorVertCh" val="mid"/>
+          <dgm:param type="autoTxRot" val="grav"/>
+        </dgm:alg>
+        <dgm:shape xmlns:r="http://schemas.openxmlformats.org/officeDocument/2006/relationships" rot="-90" type="rect" r:blip="" hideGeom="1">
+          <dgm:adjLst/>
+        </dgm:shape>
+        <dgm:presOf axis="self" ptType="node"/>
+        <dgm:constrLst>
+          <dgm:constr type="lMarg" refType="primFontSz" fact="0.3"/>
+          <dgm:constr type="rMarg" refType="primFontSz" fact="0.45"/>
+          <dgm:constr type="tMarg" refType="primFontSz" fact="0"/>
+          <dgm:constr type="bMarg" refType="primFontSz" fact="0.1"/>
+        </dgm:constrLst>
+        <dgm:ruleLst>
+          <dgm:rule type="primFontSz" val="5" fact="NaN" max="NaN"/>
+        </dgm:ruleLst>
+      </dgm:layoutNode>
+      <dgm:layoutNode name="childText_2">
+        <dgm:varLst>
+          <dgm:chMax val="0"/>
+          <dgm:chPref val="0"/>
+          <dgm:bulletEnabled val="1"/>
+        </dgm:varLst>
+        <dgm:alg type="tx">
+          <dgm:param type="txAnchorVert" val="t"/>
+          <dgm:param type="parTxLTRAlign" val="l"/>
+        </dgm:alg>
+        <dgm:shape xmlns:r="http://schemas.openxmlformats.org/officeDocument/2006/relationships" type="rect" r:blip="" hideGeom="1">
+          <dgm:adjLst/>
+        </dgm:shape>
+        <dgm:presOf axis="des" ptType="node"/>
+        <dgm:constrLst>
+          <dgm:constr type="lMarg" refType="primFontSz" fact="0.3"/>
+          <dgm:constr type="rMarg" refType="primFontSz" fact="0.3"/>
+          <dgm:constr type="tMarg" refType="primFontSz" fact="0.3"/>
+          <dgm:constr type="bMarg" refType="primFontSz" fact="0.3"/>
+        </dgm:constrLst>
+        <dgm:ruleLst>
+          <dgm:rule type="primFontSz" val="5" fact="NaN" max="NaN"/>
+        </dgm:ruleLst>
+      </dgm:layoutNode>
+      <dgm:layoutNode name="accentShape_2">
+        <dgm:alg type="sp"/>
+        <dgm:shape xmlns:r="http://schemas.openxmlformats.org/officeDocument/2006/relationships" r:blip="">
+          <dgm:adjLst/>
+        </dgm:shape>
+        <dgm:presOf/>
+        <dgm:constrLst/>
+        <dgm:forEach name="Name33" ref="accentRepeat"/>
+      </dgm:layoutNode>
+    </dgm:forEach>
+    <dgm:forEach name="Name34" axis="ch" ptType="node" st="3" cnt="1">
+      <dgm:layoutNode name="parentText_3">
+        <dgm:varLst>
+          <dgm:chMax val="1"/>
+          <dgm:chPref val="1"/>
+          <dgm:bulletEnabled val="1"/>
+        </dgm:varLst>
+        <dgm:alg type="tx">
+          <dgm:param type="parTxLTRAlign" val="r"/>
+          <dgm:param type="shpTxLTRAlignCh" val="r"/>
+          <dgm:param type="txAnchorVertCh" val="mid"/>
+          <dgm:param type="autoTxRot" val="grav"/>
+        </dgm:alg>
+        <dgm:shape xmlns:r="http://schemas.openxmlformats.org/officeDocument/2006/relationships" rot="-90" type="rect" r:blip="" hideGeom="1">
+          <dgm:adjLst/>
+        </dgm:shape>
+        <dgm:presOf axis="self" ptType="node"/>
+        <dgm:constrLst>
+          <dgm:constr type="lMarg" refType="primFontSz" fact="0.3"/>
+          <dgm:constr type="rMarg" refType="primFontSz" fact="0.45"/>
+          <dgm:constr type="tMarg" refType="primFontSz" fact="0"/>
+          <dgm:constr type="bMarg" refType="primFontSz" fact="0.1"/>
+        </dgm:constrLst>
+        <dgm:ruleLst>
+          <dgm:rule type="primFontSz" val="5" fact="NaN" max="NaN"/>
+        </dgm:ruleLst>
+      </dgm:layoutNode>
+      <dgm:layoutNode name="childText_3">
+        <dgm:varLst>
+          <dgm:chMax val="0"/>
+          <dgm:chPref val="0"/>
+          <dgm:bulletEnabled val="1"/>
+        </dgm:varLst>
+        <dgm:alg type="tx">
+          <dgm:param type="txAnchorVert" val="t"/>
+          <dgm:param type="parTxLTRAlign" val="l"/>
+        </dgm:alg>
+        <dgm:shape xmlns:r="http://schemas.openxmlformats.org/officeDocument/2006/relationships" type="rect" r:blip="" hideGeom="1">
+          <dgm:adjLst/>
+        </dgm:shape>
+        <dgm:presOf axis="des" ptType="node"/>
+        <dgm:constrLst>
+          <dgm:constr type="lMarg" refType="primFontSz" fact="0.3"/>
+          <dgm:constr type="rMarg" refType="primFontSz" fact="0.3"/>
+          <dgm:constr type="tMarg" refType="primFontSz" fact="0.3"/>
+          <dgm:constr type="bMarg" refType="primFontSz" fact="0.3"/>
+        </dgm:constrLst>
+        <dgm:ruleLst>
+          <dgm:rule type="primFontSz" val="5" fact="NaN" max="NaN"/>
+        </dgm:ruleLst>
+      </dgm:layoutNode>
+      <dgm:layoutNode name="accentShape_3">
+        <dgm:alg type="sp"/>
+        <dgm:shape xmlns:r="http://schemas.openxmlformats.org/officeDocument/2006/relationships" r:blip="">
+          <dgm:adjLst/>
+        </dgm:shape>
+        <dgm:presOf/>
+        <dgm:constrLst/>
+        <dgm:forEach name="Name35" ref="accentRepeat"/>
+      </dgm:layoutNode>
+    </dgm:forEach>
+    <dgm:forEach name="Name36" axis="ch" ptType="node" st="4" cnt="1">
+      <dgm:layoutNode name="parentText_4">
+        <dgm:varLst>
+          <dgm:chMax val="1"/>
+          <dgm:chPref val="1"/>
+          <dgm:bulletEnabled val="1"/>
+        </dgm:varLst>
+        <dgm:alg type="tx">
+          <dgm:param type="parTxLTRAlign" val="r"/>
+          <dgm:param type="shpTxLTRAlignCh" val="r"/>
+          <dgm:param type="txAnchorVertCh" val="mid"/>
+          <dgm:param type="autoTxRot" val="grav"/>
+        </dgm:alg>
+        <dgm:shape xmlns:r="http://schemas.openxmlformats.org/officeDocument/2006/relationships" rot="-90" type="rect" r:blip="" hideGeom="1">
+          <dgm:adjLst/>
+        </dgm:shape>
+        <dgm:presOf axis="self" ptType="node"/>
+        <dgm:constrLst>
+          <dgm:constr type="lMarg" refType="primFontSz" fact="0.3"/>
+          <dgm:constr type="rMarg" refType="primFontSz" fact="0.45"/>
+          <dgm:constr type="tMarg" refType="primFontSz" fact="0"/>
+          <dgm:constr type="bMarg" refType="primFontSz" fact="0.1"/>
+        </dgm:constrLst>
+        <dgm:ruleLst>
+          <dgm:rule type="primFontSz" val="5" fact="NaN" max="NaN"/>
+        </dgm:ruleLst>
+      </dgm:layoutNode>
+      <dgm:layoutNode name="childText_4">
+        <dgm:varLst>
+          <dgm:chMax val="0"/>
+          <dgm:chPref val="0"/>
+          <dgm:bulletEnabled val="1"/>
+        </dgm:varLst>
+        <dgm:alg type="tx">
+          <dgm:param type="txAnchorVert" val="t"/>
+          <dgm:param type="parTxLTRAlign" val="l"/>
+        </dgm:alg>
+        <dgm:shape xmlns:r="http://schemas.openxmlformats.org/officeDocument/2006/relationships" type="rect" r:blip="" hideGeom="1">
+          <dgm:adjLst/>
+        </dgm:shape>
+        <dgm:presOf axis="des" ptType="node"/>
+        <dgm:constrLst>
+          <dgm:constr type="lMarg" refType="primFontSz" fact="0.3"/>
+          <dgm:constr type="rMarg" refType="primFontSz" fact="0.3"/>
+          <dgm:constr type="tMarg" refType="primFontSz" fact="0.3"/>
+          <dgm:constr type="bMarg" refType="primFontSz" fact="0.3"/>
+        </dgm:constrLst>
+        <dgm:ruleLst>
+          <dgm:rule type="primFontSz" val="5" fact="NaN" max="NaN"/>
+        </dgm:ruleLst>
+      </dgm:layoutNode>
+      <dgm:layoutNode name="accentShape_4">
+        <dgm:alg type="sp"/>
+        <dgm:shape xmlns:r="http://schemas.openxmlformats.org/officeDocument/2006/relationships" r:blip="">
+          <dgm:adjLst/>
+        </dgm:shape>
+        <dgm:presOf/>
+        <dgm:constrLst/>
+        <dgm:forEach name="Name37" ref="accentRepeat"/>
+      </dgm:layoutNode>
+    </dgm:forEach>
+    <dgm:forEach name="Name38" axis="ch" ptType="node" st="5" cnt="1">
+      <dgm:layoutNode name="parentText_5">
+        <dgm:varLst>
+          <dgm:chMax val="1"/>
+          <dgm:chPref val="1"/>
+          <dgm:bulletEnabled val="1"/>
+        </dgm:varLst>
+        <dgm:alg type="tx">
+          <dgm:param type="parTxLTRAlign" val="r"/>
+          <dgm:param type="shpTxLTRAlignCh" val="r"/>
+          <dgm:param type="txAnchorVertCh" val="mid"/>
+          <dgm:param type="autoTxRot" val="grav"/>
+        </dgm:alg>
+        <dgm:shape xmlns:r="http://schemas.openxmlformats.org/officeDocument/2006/relationships" rot="-90" type="rect" r:blip="" hideGeom="1">
+          <dgm:adjLst/>
+        </dgm:shape>
+        <dgm:presOf axis="self" ptType="node"/>
+        <dgm:constrLst>
+          <dgm:constr type="lMarg" refType="primFontSz" fact="0.3"/>
+          <dgm:constr type="rMarg" refType="primFontSz" fact="0.45"/>
+          <dgm:constr type="tMarg" refType="primFontSz" fact="0"/>
+          <dgm:constr type="bMarg" refType="primFontSz" fact="0.1"/>
+        </dgm:constrLst>
+        <dgm:ruleLst>
+          <dgm:rule type="primFontSz" val="5" fact="NaN" max="NaN"/>
+        </dgm:ruleLst>
+      </dgm:layoutNode>
+      <dgm:layoutNode name="childText_5">
+        <dgm:varLst>
+          <dgm:chMax val="0"/>
+          <dgm:chPref val="0"/>
+          <dgm:bulletEnabled val="1"/>
+        </dgm:varLst>
+        <dgm:alg type="tx">
+          <dgm:param type="txAnchorVert" val="t"/>
+          <dgm:param type="parTxLTRAlign" val="l"/>
+        </dgm:alg>
+        <dgm:shape xmlns:r="http://schemas.openxmlformats.org/officeDocument/2006/relationships" type="rect" r:blip="" hideGeom="1">
+          <dgm:adjLst/>
+        </dgm:shape>
+        <dgm:presOf axis="des" ptType="node"/>
+        <dgm:constrLst>
+          <dgm:constr type="lMarg" refType="primFontSz" fact="0.3"/>
+          <dgm:constr type="rMarg" refType="primFontSz" fact="0.3"/>
+          <dgm:constr type="tMarg" refType="primFontSz" fact="0.3"/>
+          <dgm:constr type="bMarg" refType="primFontSz" fact="0.3"/>
+        </dgm:constrLst>
+        <dgm:ruleLst>
+          <dgm:rule type="primFontSz" val="5" fact="NaN" max="NaN"/>
+        </dgm:ruleLst>
+      </dgm:layoutNode>
+      <dgm:layoutNode name="accentShape_5">
+        <dgm:alg type="sp"/>
+        <dgm:shape xmlns:r="http://schemas.openxmlformats.org/officeDocument/2006/relationships" r:blip="">
+          <dgm:adjLst/>
+        </dgm:shape>
+        <dgm:presOf/>
+        <dgm:constrLst/>
+        <dgm:forEach name="Name39" ref="accentRepeat"/>
+      </dgm:layoutNode>
+    </dgm:forEach>
+    <dgm:forEach name="Name40" axis="ch" ptType="node" st="6" cnt="1">
+      <dgm:layoutNode name="parentText_6">
+        <dgm:varLst>
+          <dgm:chMax val="1"/>
+          <dgm:chPref val="1"/>
+          <dgm:bulletEnabled val="1"/>
+        </dgm:varLst>
+        <dgm:alg type="tx">
+          <dgm:param type="parTxLTRAlign" val="r"/>
+          <dgm:param type="shpTxLTRAlignCh" val="r"/>
+          <dgm:param type="txAnchorVertCh" val="mid"/>
+          <dgm:param type="autoTxRot" val="grav"/>
+        </dgm:alg>
+        <dgm:shape xmlns:r="http://schemas.openxmlformats.org/officeDocument/2006/relationships" rot="-90" type="rect" r:blip="" hideGeom="1">
+          <dgm:adjLst/>
+        </dgm:shape>
+        <dgm:presOf axis="self" ptType="node"/>
+        <dgm:constrLst>
+          <dgm:constr type="lMarg" refType="primFontSz" fact="0.3"/>
+          <dgm:constr type="rMarg" refType="primFontSz" fact="0.3"/>
+          <dgm:constr type="tMarg" refType="primFontSz" fact="0"/>
+          <dgm:constr type="bMarg" refType="primFontSz" fact="0.1"/>
+        </dgm:constrLst>
+        <dgm:ruleLst>
+          <dgm:rule type="primFontSz" val="5" fact="NaN" max="NaN"/>
+        </dgm:ruleLst>
+      </dgm:layoutNode>
+      <dgm:layoutNode name="childText_6">
+        <dgm:varLst>
+          <dgm:chMax val="0"/>
+          <dgm:chPref val="0"/>
+          <dgm:bulletEnabled val="1"/>
+        </dgm:varLst>
+        <dgm:alg type="tx">
+          <dgm:param type="txAnchorVert" val="t"/>
+          <dgm:param type="parTxLTRAlign" val="l"/>
+        </dgm:alg>
+        <dgm:shape xmlns:r="http://schemas.openxmlformats.org/officeDocument/2006/relationships" type="rect" r:blip="" hideGeom="1">
+          <dgm:adjLst/>
+        </dgm:shape>
+        <dgm:presOf axis="des" ptType="node"/>
+        <dgm:constrLst>
+          <dgm:constr type="lMarg" refType="primFontSz" fact="0.3"/>
+          <dgm:constr type="rMarg" refType="primFontSz" fact="0.3"/>
+          <dgm:constr type="tMarg" refType="primFontSz" fact="0.3"/>
+          <dgm:constr type="bMarg" refType="primFontSz" fact="0.3"/>
+        </dgm:constrLst>
+        <dgm:ruleLst>
+          <dgm:rule type="primFontSz" val="5" fact="NaN" max="NaN"/>
+        </dgm:ruleLst>
+      </dgm:layoutNode>
+      <dgm:layoutNode name="accentShape_6">
+        <dgm:alg type="sp"/>
+        <dgm:shape xmlns:r="http://schemas.openxmlformats.org/officeDocument/2006/relationships" r:blip="">
+          <dgm:adjLst/>
+        </dgm:shape>
+        <dgm:presOf/>
+        <dgm:constrLst/>
+        <dgm:forEach name="Name41" ref="accentRepeat"/>
+      </dgm:layoutNode>
+    </dgm:forEach>
+    <dgm:forEach name="Name42" axis="ch" ptType="node" st="7" cnt="1">
+      <dgm:layoutNode name="parentText_7">
+        <dgm:varLst>
+          <dgm:chMax val="1"/>
+          <dgm:chPref val="1"/>
+          <dgm:bulletEnabled val="1"/>
+        </dgm:varLst>
+        <dgm:alg type="tx">
+          <dgm:param type="parTxLTRAlign" val="r"/>
+          <dgm:param type="shpTxLTRAlignCh" val="r"/>
+          <dgm:param type="txAnchorVertCh" val="mid"/>
+          <dgm:param type="autoTxRot" val="grav"/>
+        </dgm:alg>
+        <dgm:shape xmlns:r="http://schemas.openxmlformats.org/officeDocument/2006/relationships" rot="-90" type="rect" r:blip="" hideGeom="1">
+          <dgm:adjLst/>
+        </dgm:shape>
+        <dgm:presOf axis="self" ptType="node"/>
+        <dgm:constrLst>
+          <dgm:constr type="lMarg" refType="primFontSz" fact="0.3"/>
+          <dgm:constr type="rMarg" refType="primFontSz" fact="0.3"/>
+          <dgm:constr type="tMarg" refType="primFontSz" fact="0"/>
+          <dgm:constr type="bMarg" refType="primFontSz" fact="0.1"/>
+        </dgm:constrLst>
+        <dgm:ruleLst>
+          <dgm:rule type="primFontSz" val="5" fact="NaN" max="NaN"/>
+        </dgm:ruleLst>
+      </dgm:layoutNode>
+      <dgm:layoutNode name="childText_7">
+        <dgm:varLst>
+          <dgm:chMax val="0"/>
+          <dgm:chPref val="0"/>
+          <dgm:bulletEnabled val="1"/>
+        </dgm:varLst>
+        <dgm:alg type="tx">
+          <dgm:param type="txAnchorVert" val="t"/>
+          <dgm:param type="parTxLTRAlign" val="l"/>
+        </dgm:alg>
+        <dgm:shape xmlns:r="http://schemas.openxmlformats.org/officeDocument/2006/relationships" type="rect" r:blip="" hideGeom="1">
+          <dgm:adjLst/>
+        </dgm:shape>
+        <dgm:presOf axis="des" ptType="node"/>
+        <dgm:constrLst>
+          <dgm:constr type="lMarg" refType="primFontSz" fact="0.3"/>
+          <dgm:constr type="rMarg" refType="primFontSz" fact="0.3"/>
+          <dgm:constr type="tMarg" refType="primFontSz" fact="0.3"/>
+          <dgm:constr type="bMarg" refType="primFontSz" fact="0.3"/>
+        </dgm:constrLst>
+        <dgm:ruleLst>
+          <dgm:rule type="primFontSz" val="5" fact="NaN" max="NaN"/>
+        </dgm:ruleLst>
+      </dgm:layoutNode>
+      <dgm:layoutNode name="accentShape_7">
+        <dgm:alg type="sp"/>
+        <dgm:shape xmlns:r="http://schemas.openxmlformats.org/officeDocument/2006/relationships" r:blip="">
+          <dgm:adjLst/>
+        </dgm:shape>
+        <dgm:presOf/>
+        <dgm:constrLst/>
+        <dgm:forEach name="Name43" ref="accentRepeat"/>
+      </dgm:layoutNode>
+    </dgm:forEach>
+  </dgm:layoutNode>
+</dgm:layoutDef>
+</file>
+
+<file path=ppt/diagrams/layout4.xml><?xml version="1.0" encoding="utf-8"?>
 <dgm:layoutDef xmlns:dgm="http://schemas.openxmlformats.org/drawingml/2006/diagram" xmlns:a="http://schemas.openxmlformats.org/drawingml/2006/main" uniqueId="urn:microsoft.com/office/officeart/2005/8/layout/pyramid1">
   <dgm:title val=""/>
   <dgm:desc val=""/>
@@ -11080,6 +15982,1040 @@
 </file>
 
 <file path=ppt/diagrams/quickStyle3.xml><?xml version="1.0" encoding="utf-8"?>
+<dgm:styleDef xmlns:dgm="http://schemas.openxmlformats.org/drawingml/2006/diagram" xmlns:a="http://schemas.openxmlformats.org/drawingml/2006/main" uniqueId="urn:microsoft.com/office/officeart/2005/8/quickstyle/simple1">
+  <dgm:title val=""/>
+  <dgm:desc val=""/>
+  <dgm:catLst>
+    <dgm:cat type="simple" pri="10100"/>
+  </dgm:catLst>
+  <dgm:scene3d>
+    <a:camera prst="orthographicFront"/>
+    <a:lightRig rig="threePt" dir="t"/>
+  </dgm:scene3d>
+  <dgm:styleLbl name="node0">
+    <dgm:scene3d>
+      <a:camera prst="orthographicFront"/>
+      <a:lightRig rig="threePt" dir="t"/>
+    </dgm:scene3d>
+    <dgm:sp3d/>
+    <dgm:txPr/>
+    <dgm:style>
+      <a:lnRef idx="2">
+        <a:scrgbClr r="0" g="0" b="0"/>
+      </a:lnRef>
+      <a:fillRef idx="1">
+        <a:scrgbClr r="0" g="0" b="0"/>
+      </a:fillRef>
+      <a:effectRef idx="0">
+        <a:scrgbClr r="0" g="0" b="0"/>
+      </a:effectRef>
+      <a:fontRef idx="minor">
+        <a:schemeClr val="lt1"/>
+      </a:fontRef>
+    </dgm:style>
+  </dgm:styleLbl>
+  <dgm:styleLbl name="lnNode1">
+    <dgm:scene3d>
+      <a:camera prst="orthographicFront"/>
+      <a:lightRig rig="threePt" dir="t"/>
+    </dgm:scene3d>
+    <dgm:sp3d/>
+    <dgm:txPr/>
+    <dgm:style>
+      <a:lnRef idx="2">
+        <a:scrgbClr r="0" g="0" b="0"/>
+      </a:lnRef>
+      <a:fillRef idx="1">
+        <a:scrgbClr r="0" g="0" b="0"/>
+      </a:fillRef>
+      <a:effectRef idx="0">
+        <a:scrgbClr r="0" g="0" b="0"/>
+      </a:effectRef>
+      <a:fontRef idx="minor">
+        <a:schemeClr val="lt1"/>
+      </a:fontRef>
+    </dgm:style>
+  </dgm:styleLbl>
+  <dgm:styleLbl name="vennNode1">
+    <dgm:scene3d>
+      <a:camera prst="orthographicFront"/>
+      <a:lightRig rig="threePt" dir="t"/>
+    </dgm:scene3d>
+    <dgm:sp3d/>
+    <dgm:txPr/>
+    <dgm:style>
+      <a:lnRef idx="2">
+        <a:scrgbClr r="0" g="0" b="0"/>
+      </a:lnRef>
+      <a:fillRef idx="1">
+        <a:scrgbClr r="0" g="0" b="0"/>
+      </a:fillRef>
+      <a:effectRef idx="0">
+        <a:scrgbClr r="0" g="0" b="0"/>
+      </a:effectRef>
+      <a:fontRef idx="minor">
+        <a:schemeClr val="tx1"/>
+      </a:fontRef>
+    </dgm:style>
+  </dgm:styleLbl>
+  <dgm:styleLbl name="alignNode1">
+    <dgm:scene3d>
+      <a:camera prst="orthographicFront"/>
+      <a:lightRig rig="threePt" dir="t"/>
+    </dgm:scene3d>
+    <dgm:sp3d/>
+    <dgm:txPr/>
+    <dgm:style>
+      <a:lnRef idx="2">
+        <a:scrgbClr r="0" g="0" b="0"/>
+      </a:lnRef>
+      <a:fillRef idx="1">
+        <a:scrgbClr r="0" g="0" b="0"/>
+      </a:fillRef>
+      <a:effectRef idx="0">
+        <a:scrgbClr r="0" g="0" b="0"/>
+      </a:effectRef>
+      <a:fontRef idx="minor">
+        <a:schemeClr val="lt1"/>
+      </a:fontRef>
+    </dgm:style>
+  </dgm:styleLbl>
+  <dgm:styleLbl name="node1">
+    <dgm:scene3d>
+      <a:camera prst="orthographicFront"/>
+      <a:lightRig rig="threePt" dir="t"/>
+    </dgm:scene3d>
+    <dgm:sp3d/>
+    <dgm:txPr/>
+    <dgm:style>
+      <a:lnRef idx="2">
+        <a:scrgbClr r="0" g="0" b="0"/>
+      </a:lnRef>
+      <a:fillRef idx="1">
+        <a:scrgbClr r="0" g="0" b="0"/>
+      </a:fillRef>
+      <a:effectRef idx="0">
+        <a:scrgbClr r="0" g="0" b="0"/>
+      </a:effectRef>
+      <a:fontRef idx="minor">
+        <a:schemeClr val="lt1"/>
+      </a:fontRef>
+    </dgm:style>
+  </dgm:styleLbl>
+  <dgm:styleLbl name="node2">
+    <dgm:scene3d>
+      <a:camera prst="orthographicFront"/>
+      <a:lightRig rig="threePt" dir="t"/>
+    </dgm:scene3d>
+    <dgm:sp3d/>
+    <dgm:txPr/>
+    <dgm:style>
+      <a:lnRef idx="2">
+        <a:scrgbClr r="0" g="0" b="0"/>
+      </a:lnRef>
+      <a:fillRef idx="1">
+        <a:scrgbClr r="0" g="0" b="0"/>
+      </a:fillRef>
+      <a:effectRef idx="0">
+        <a:scrgbClr r="0" g="0" b="0"/>
+      </a:effectRef>
+      <a:fontRef idx="minor">
+        <a:schemeClr val="lt1"/>
+      </a:fontRef>
+    </dgm:style>
+  </dgm:styleLbl>
+  <dgm:styleLbl name="node3">
+    <dgm:scene3d>
+      <a:camera prst="orthographicFront"/>
+      <a:lightRig rig="threePt" dir="t"/>
+    </dgm:scene3d>
+    <dgm:sp3d/>
+    <dgm:txPr/>
+    <dgm:style>
+      <a:lnRef idx="2">
+        <a:scrgbClr r="0" g="0" b="0"/>
+      </a:lnRef>
+      <a:fillRef idx="1">
+        <a:scrgbClr r="0" g="0" b="0"/>
+      </a:fillRef>
+      <a:effectRef idx="0">
+        <a:scrgbClr r="0" g="0" b="0"/>
+      </a:effectRef>
+      <a:fontRef idx="minor">
+        <a:schemeClr val="lt1"/>
+      </a:fontRef>
+    </dgm:style>
+  </dgm:styleLbl>
+  <dgm:styleLbl name="node4">
+    <dgm:scene3d>
+      <a:camera prst="orthographicFront"/>
+      <a:lightRig rig="threePt" dir="t"/>
+    </dgm:scene3d>
+    <dgm:sp3d/>
+    <dgm:txPr/>
+    <dgm:style>
+      <a:lnRef idx="2">
+        <a:scrgbClr r="0" g="0" b="0"/>
+      </a:lnRef>
+      <a:fillRef idx="1">
+        <a:scrgbClr r="0" g="0" b="0"/>
+      </a:fillRef>
+      <a:effectRef idx="0">
+        <a:scrgbClr r="0" g="0" b="0"/>
+      </a:effectRef>
+      <a:fontRef idx="minor">
+        <a:schemeClr val="lt1"/>
+      </a:fontRef>
+    </dgm:style>
+  </dgm:styleLbl>
+  <dgm:styleLbl name="fgImgPlace1">
+    <dgm:scene3d>
+      <a:camera prst="orthographicFront"/>
+      <a:lightRig rig="threePt" dir="t"/>
+    </dgm:scene3d>
+    <dgm:sp3d/>
+    <dgm:txPr/>
+    <dgm:style>
+      <a:lnRef idx="2">
+        <a:scrgbClr r="0" g="0" b="0"/>
+      </a:lnRef>
+      <a:fillRef idx="1">
+        <a:scrgbClr r="0" g="0" b="0"/>
+      </a:fillRef>
+      <a:effectRef idx="0">
+        <a:scrgbClr r="0" g="0" b="0"/>
+      </a:effectRef>
+      <a:fontRef idx="minor"/>
+    </dgm:style>
+  </dgm:styleLbl>
+  <dgm:styleLbl name="alignImgPlace1">
+    <dgm:scene3d>
+      <a:camera prst="orthographicFront"/>
+      <a:lightRig rig="threePt" dir="t"/>
+    </dgm:scene3d>
+    <dgm:sp3d/>
+    <dgm:txPr/>
+    <dgm:style>
+      <a:lnRef idx="2">
+        <a:scrgbClr r="0" g="0" b="0"/>
+      </a:lnRef>
+      <a:fillRef idx="1">
+        <a:scrgbClr r="0" g="0" b="0"/>
+      </a:fillRef>
+      <a:effectRef idx="0">
+        <a:scrgbClr r="0" g="0" b="0"/>
+      </a:effectRef>
+      <a:fontRef idx="minor"/>
+    </dgm:style>
+  </dgm:styleLbl>
+  <dgm:styleLbl name="bgImgPlace1">
+    <dgm:scene3d>
+      <a:camera prst="orthographicFront"/>
+      <a:lightRig rig="threePt" dir="t"/>
+    </dgm:scene3d>
+    <dgm:sp3d/>
+    <dgm:txPr/>
+    <dgm:style>
+      <a:lnRef idx="2">
+        <a:scrgbClr r="0" g="0" b="0"/>
+      </a:lnRef>
+      <a:fillRef idx="1">
+        <a:scrgbClr r="0" g="0" b="0"/>
+      </a:fillRef>
+      <a:effectRef idx="0">
+        <a:scrgbClr r="0" g="0" b="0"/>
+      </a:effectRef>
+      <a:fontRef idx="minor"/>
+    </dgm:style>
+  </dgm:styleLbl>
+  <dgm:styleLbl name="sibTrans2D1">
+    <dgm:scene3d>
+      <a:camera prst="orthographicFront"/>
+      <a:lightRig rig="threePt" dir="t"/>
+    </dgm:scene3d>
+    <dgm:sp3d/>
+    <dgm:txPr/>
+    <dgm:style>
+      <a:lnRef idx="0">
+        <a:scrgbClr r="0" g="0" b="0"/>
+      </a:lnRef>
+      <a:fillRef idx="1">
+        <a:scrgbClr r="0" g="0" b="0"/>
+      </a:fillRef>
+      <a:effectRef idx="0">
+        <a:scrgbClr r="0" g="0" b="0"/>
+      </a:effectRef>
+      <a:fontRef idx="minor">
+        <a:schemeClr val="lt1"/>
+      </a:fontRef>
+    </dgm:style>
+  </dgm:styleLbl>
+  <dgm:styleLbl name="fgSibTrans2D1">
+    <dgm:scene3d>
+      <a:camera prst="orthographicFront"/>
+      <a:lightRig rig="threePt" dir="t"/>
+    </dgm:scene3d>
+    <dgm:sp3d/>
+    <dgm:txPr/>
+    <dgm:style>
+      <a:lnRef idx="0">
+        <a:scrgbClr r="0" g="0" b="0"/>
+      </a:lnRef>
+      <a:fillRef idx="1">
+        <a:scrgbClr r="0" g="0" b="0"/>
+      </a:fillRef>
+      <a:effectRef idx="0">
+        <a:scrgbClr r="0" g="0" b="0"/>
+      </a:effectRef>
+      <a:fontRef idx="minor">
+        <a:schemeClr val="lt1"/>
+      </a:fontRef>
+    </dgm:style>
+  </dgm:styleLbl>
+  <dgm:styleLbl name="bgSibTrans2D1">
+    <dgm:scene3d>
+      <a:camera prst="orthographicFront"/>
+      <a:lightRig rig="threePt" dir="t"/>
+    </dgm:scene3d>
+    <dgm:sp3d/>
+    <dgm:txPr/>
+    <dgm:style>
+      <a:lnRef idx="0">
+        <a:scrgbClr r="0" g="0" b="0"/>
+      </a:lnRef>
+      <a:fillRef idx="1">
+        <a:scrgbClr r="0" g="0" b="0"/>
+      </a:fillRef>
+      <a:effectRef idx="0">
+        <a:scrgbClr r="0" g="0" b="0"/>
+      </a:effectRef>
+      <a:fontRef idx="minor">
+        <a:schemeClr val="lt1"/>
+      </a:fontRef>
+    </dgm:style>
+  </dgm:styleLbl>
+  <dgm:styleLbl name="sibTrans1D1">
+    <dgm:scene3d>
+      <a:camera prst="orthographicFront"/>
+      <a:lightRig rig="threePt" dir="t"/>
+    </dgm:scene3d>
+    <dgm:sp3d/>
+    <dgm:txPr/>
+    <dgm:style>
+      <a:lnRef idx="1">
+        <a:scrgbClr r="0" g="0" b="0"/>
+      </a:lnRef>
+      <a:fillRef idx="0">
+        <a:scrgbClr r="0" g="0" b="0"/>
+      </a:fillRef>
+      <a:effectRef idx="0">
+        <a:scrgbClr r="0" g="0" b="0"/>
+      </a:effectRef>
+      <a:fontRef idx="minor"/>
+    </dgm:style>
+  </dgm:styleLbl>
+  <dgm:styleLbl name="callout">
+    <dgm:scene3d>
+      <a:camera prst="orthographicFront"/>
+      <a:lightRig rig="threePt" dir="t"/>
+    </dgm:scene3d>
+    <dgm:sp3d/>
+    <dgm:txPr/>
+    <dgm:style>
+      <a:lnRef idx="2">
+        <a:scrgbClr r="0" g="0" b="0"/>
+      </a:lnRef>
+      <a:fillRef idx="1">
+        <a:scrgbClr r="0" g="0" b="0"/>
+      </a:fillRef>
+      <a:effectRef idx="0">
+        <a:scrgbClr r="0" g="0" b="0"/>
+      </a:effectRef>
+      <a:fontRef idx="minor"/>
+    </dgm:style>
+  </dgm:styleLbl>
+  <dgm:styleLbl name="asst0">
+    <dgm:scene3d>
+      <a:camera prst="orthographicFront"/>
+      <a:lightRig rig="threePt" dir="t"/>
+    </dgm:scene3d>
+    <dgm:sp3d/>
+    <dgm:txPr/>
+    <dgm:style>
+      <a:lnRef idx="2">
+        <a:scrgbClr r="0" g="0" b="0"/>
+      </a:lnRef>
+      <a:fillRef idx="1">
+        <a:scrgbClr r="0" g="0" b="0"/>
+      </a:fillRef>
+      <a:effectRef idx="0">
+        <a:scrgbClr r="0" g="0" b="0"/>
+      </a:effectRef>
+      <a:fontRef idx="minor">
+        <a:schemeClr val="lt1"/>
+      </a:fontRef>
+    </dgm:style>
+  </dgm:styleLbl>
+  <dgm:styleLbl name="asst1">
+    <dgm:scene3d>
+      <a:camera prst="orthographicFront"/>
+      <a:lightRig rig="threePt" dir="t"/>
+    </dgm:scene3d>
+    <dgm:sp3d/>
+    <dgm:txPr/>
+    <dgm:style>
+      <a:lnRef idx="2">
+        <a:scrgbClr r="0" g="0" b="0"/>
+      </a:lnRef>
+      <a:fillRef idx="1">
+        <a:scrgbClr r="0" g="0" b="0"/>
+      </a:fillRef>
+      <a:effectRef idx="0">
+        <a:scrgbClr r="0" g="0" b="0"/>
+      </a:effectRef>
+      <a:fontRef idx="minor">
+        <a:schemeClr val="lt1"/>
+      </a:fontRef>
+    </dgm:style>
+  </dgm:styleLbl>
+  <dgm:styleLbl name="asst2">
+    <dgm:scene3d>
+      <a:camera prst="orthographicFront"/>
+      <a:lightRig rig="threePt" dir="t"/>
+    </dgm:scene3d>
+    <dgm:sp3d/>
+    <dgm:txPr/>
+    <dgm:style>
+      <a:lnRef idx="2">
+        <a:scrgbClr r="0" g="0" b="0"/>
+      </a:lnRef>
+      <a:fillRef idx="1">
+        <a:scrgbClr r="0" g="0" b="0"/>
+      </a:fillRef>
+      <a:effectRef idx="0">
+        <a:scrgbClr r="0" g="0" b="0"/>
+      </a:effectRef>
+      <a:fontRef idx="minor">
+        <a:schemeClr val="lt1"/>
+      </a:fontRef>
+    </dgm:style>
+  </dgm:styleLbl>
+  <dgm:styleLbl name="asst3">
+    <dgm:scene3d>
+      <a:camera prst="orthographicFront"/>
+      <a:lightRig rig="threePt" dir="t"/>
+    </dgm:scene3d>
+    <dgm:sp3d/>
+    <dgm:txPr/>
+    <dgm:style>
+      <a:lnRef idx="2">
+        <a:scrgbClr r="0" g="0" b="0"/>
+      </a:lnRef>
+      <a:fillRef idx="1">
+        <a:scrgbClr r="0" g="0" b="0"/>
+      </a:fillRef>
+      <a:effectRef idx="0">
+        <a:scrgbClr r="0" g="0" b="0"/>
+      </a:effectRef>
+      <a:fontRef idx="minor">
+        <a:schemeClr val="lt1"/>
+      </a:fontRef>
+    </dgm:style>
+  </dgm:styleLbl>
+  <dgm:styleLbl name="asst4">
+    <dgm:scene3d>
+      <a:camera prst="orthographicFront"/>
+      <a:lightRig rig="threePt" dir="t"/>
+    </dgm:scene3d>
+    <dgm:sp3d/>
+    <dgm:txPr/>
+    <dgm:style>
+      <a:lnRef idx="2">
+        <a:scrgbClr r="0" g="0" b="0"/>
+      </a:lnRef>
+      <a:fillRef idx="1">
+        <a:scrgbClr r="0" g="0" b="0"/>
+      </a:fillRef>
+      <a:effectRef idx="0">
+        <a:scrgbClr r="0" g="0" b="0"/>
+      </a:effectRef>
+      <a:fontRef idx="minor">
+        <a:schemeClr val="lt1"/>
+      </a:fontRef>
+    </dgm:style>
+  </dgm:styleLbl>
+  <dgm:styleLbl name="parChTrans2D1">
+    <dgm:scene3d>
+      <a:camera prst="orthographicFront"/>
+      <a:lightRig rig="threePt" dir="t"/>
+    </dgm:scene3d>
+    <dgm:sp3d/>
+    <dgm:txPr/>
+    <dgm:style>
+      <a:lnRef idx="2">
+        <a:scrgbClr r="0" g="0" b="0"/>
+      </a:lnRef>
+      <a:fillRef idx="1">
+        <a:scrgbClr r="0" g="0" b="0"/>
+      </a:fillRef>
+      <a:effectRef idx="0">
+        <a:scrgbClr r="0" g="0" b="0"/>
+      </a:effectRef>
+      <a:fontRef idx="minor">
+        <a:schemeClr val="lt1"/>
+      </a:fontRef>
+    </dgm:style>
+  </dgm:styleLbl>
+  <dgm:styleLbl name="parChTrans2D2">
+    <dgm:scene3d>
+      <a:camera prst="orthographicFront"/>
+      <a:lightRig rig="threePt" dir="t"/>
+    </dgm:scene3d>
+    <dgm:sp3d/>
+    <dgm:txPr/>
+    <dgm:style>
+      <a:lnRef idx="2">
+        <a:scrgbClr r="0" g="0" b="0"/>
+      </a:lnRef>
+      <a:fillRef idx="1">
+        <a:scrgbClr r="0" g="0" b="0"/>
+      </a:fillRef>
+      <a:effectRef idx="0">
+        <a:scrgbClr r="0" g="0" b="0"/>
+      </a:effectRef>
+      <a:fontRef idx="minor">
+        <a:schemeClr val="lt1"/>
+      </a:fontRef>
+    </dgm:style>
+  </dgm:styleLbl>
+  <dgm:styleLbl name="parChTrans2D3">
+    <dgm:scene3d>
+      <a:camera prst="orthographicFront"/>
+      <a:lightRig rig="threePt" dir="t"/>
+    </dgm:scene3d>
+    <dgm:sp3d/>
+    <dgm:txPr/>
+    <dgm:style>
+      <a:lnRef idx="2">
+        <a:scrgbClr r="0" g="0" b="0"/>
+      </a:lnRef>
+      <a:fillRef idx="1">
+        <a:scrgbClr r="0" g="0" b="0"/>
+      </a:fillRef>
+      <a:effectRef idx="0">
+        <a:scrgbClr r="0" g="0" b="0"/>
+      </a:effectRef>
+      <a:fontRef idx="minor">
+        <a:schemeClr val="lt1"/>
+      </a:fontRef>
+    </dgm:style>
+  </dgm:styleLbl>
+  <dgm:styleLbl name="parChTrans2D4">
+    <dgm:scene3d>
+      <a:camera prst="orthographicFront"/>
+      <a:lightRig rig="threePt" dir="t"/>
+    </dgm:scene3d>
+    <dgm:sp3d/>
+    <dgm:txPr/>
+    <dgm:style>
+      <a:lnRef idx="2">
+        <a:scrgbClr r="0" g="0" b="0"/>
+      </a:lnRef>
+      <a:fillRef idx="1">
+        <a:scrgbClr r="0" g="0" b="0"/>
+      </a:fillRef>
+      <a:effectRef idx="0">
+        <a:scrgbClr r="0" g="0" b="0"/>
+      </a:effectRef>
+      <a:fontRef idx="minor">
+        <a:schemeClr val="lt1"/>
+      </a:fontRef>
+    </dgm:style>
+  </dgm:styleLbl>
+  <dgm:styleLbl name="parChTrans1D1">
+    <dgm:scene3d>
+      <a:camera prst="orthographicFront"/>
+      <a:lightRig rig="threePt" dir="t"/>
+    </dgm:scene3d>
+    <dgm:sp3d/>
+    <dgm:txPr/>
+    <dgm:style>
+      <a:lnRef idx="2">
+        <a:scrgbClr r="0" g="0" b="0"/>
+      </a:lnRef>
+      <a:fillRef idx="0">
+        <a:scrgbClr r="0" g="0" b="0"/>
+      </a:fillRef>
+      <a:effectRef idx="0">
+        <a:scrgbClr r="0" g="0" b="0"/>
+      </a:effectRef>
+      <a:fontRef idx="minor"/>
+    </dgm:style>
+  </dgm:styleLbl>
+  <dgm:styleLbl name="parChTrans1D2">
+    <dgm:scene3d>
+      <a:camera prst="orthographicFront"/>
+      <a:lightRig rig="threePt" dir="t"/>
+    </dgm:scene3d>
+    <dgm:sp3d/>
+    <dgm:txPr/>
+    <dgm:style>
+      <a:lnRef idx="2">
+        <a:scrgbClr r="0" g="0" b="0"/>
+      </a:lnRef>
+      <a:fillRef idx="0">
+        <a:scrgbClr r="0" g="0" b="0"/>
+      </a:fillRef>
+      <a:effectRef idx="0">
+        <a:scrgbClr r="0" g="0" b="0"/>
+      </a:effectRef>
+      <a:fontRef idx="minor"/>
+    </dgm:style>
+  </dgm:styleLbl>
+  <dgm:styleLbl name="parChTrans1D3">
+    <dgm:scene3d>
+      <a:camera prst="orthographicFront"/>
+      <a:lightRig rig="threePt" dir="t"/>
+    </dgm:scene3d>
+    <dgm:sp3d/>
+    <dgm:txPr/>
+    <dgm:style>
+      <a:lnRef idx="2">
+        <a:scrgbClr r="0" g="0" b="0"/>
+      </a:lnRef>
+      <a:fillRef idx="0">
+        <a:scrgbClr r="0" g="0" b="0"/>
+      </a:fillRef>
+      <a:effectRef idx="0">
+        <a:scrgbClr r="0" g="0" b="0"/>
+      </a:effectRef>
+      <a:fontRef idx="minor"/>
+    </dgm:style>
+  </dgm:styleLbl>
+  <dgm:styleLbl name="parChTrans1D4">
+    <dgm:scene3d>
+      <a:camera prst="orthographicFront"/>
+      <a:lightRig rig="threePt" dir="t"/>
+    </dgm:scene3d>
+    <dgm:sp3d/>
+    <dgm:txPr/>
+    <dgm:style>
+      <a:lnRef idx="2">
+        <a:scrgbClr r="0" g="0" b="0"/>
+      </a:lnRef>
+      <a:fillRef idx="0">
+        <a:scrgbClr r="0" g="0" b="0"/>
+      </a:fillRef>
+      <a:effectRef idx="0">
+        <a:scrgbClr r="0" g="0" b="0"/>
+      </a:effectRef>
+      <a:fontRef idx="minor"/>
+    </dgm:style>
+  </dgm:styleLbl>
+  <dgm:styleLbl name="fgAcc1">
+    <dgm:scene3d>
+      <a:camera prst="orthographicFront"/>
+      <a:lightRig rig="threePt" dir="t"/>
+    </dgm:scene3d>
+    <dgm:sp3d/>
+    <dgm:txPr/>
+    <dgm:style>
+      <a:lnRef idx="2">
+        <a:scrgbClr r="0" g="0" b="0"/>
+      </a:lnRef>
+      <a:fillRef idx="1">
+        <a:scrgbClr r="0" g="0" b="0"/>
+      </a:fillRef>
+      <a:effectRef idx="0">
+        <a:scrgbClr r="0" g="0" b="0"/>
+      </a:effectRef>
+      <a:fontRef idx="minor"/>
+    </dgm:style>
+  </dgm:styleLbl>
+  <dgm:styleLbl name="conFgAcc1">
+    <dgm:scene3d>
+      <a:camera prst="orthographicFront"/>
+      <a:lightRig rig="threePt" dir="t"/>
+    </dgm:scene3d>
+    <dgm:sp3d/>
+    <dgm:txPr/>
+    <dgm:style>
+      <a:lnRef idx="2">
+        <a:scrgbClr r="0" g="0" b="0"/>
+      </a:lnRef>
+      <a:fillRef idx="1">
+        <a:scrgbClr r="0" g="0" b="0"/>
+      </a:fillRef>
+      <a:effectRef idx="0">
+        <a:scrgbClr r="0" g="0" b="0"/>
+      </a:effectRef>
+      <a:fontRef idx="minor"/>
+    </dgm:style>
+  </dgm:styleLbl>
+  <dgm:styleLbl name="alignAcc1">
+    <dgm:scene3d>
+      <a:camera prst="orthographicFront"/>
+      <a:lightRig rig="threePt" dir="t"/>
+    </dgm:scene3d>
+    <dgm:sp3d/>
+    <dgm:txPr/>
+    <dgm:style>
+      <a:lnRef idx="2">
+        <a:scrgbClr r="0" g="0" b="0"/>
+      </a:lnRef>
+      <a:fillRef idx="1">
+        <a:scrgbClr r="0" g="0" b="0"/>
+      </a:fillRef>
+      <a:effectRef idx="0">
+        <a:scrgbClr r="0" g="0" b="0"/>
+      </a:effectRef>
+      <a:fontRef idx="minor"/>
+    </dgm:style>
+  </dgm:styleLbl>
+  <dgm:styleLbl name="trAlignAcc1">
+    <dgm:scene3d>
+      <a:camera prst="orthographicFront"/>
+      <a:lightRig rig="threePt" dir="t"/>
+    </dgm:scene3d>
+    <dgm:sp3d/>
+    <dgm:txPr/>
+    <dgm:style>
+      <a:lnRef idx="1">
+        <a:scrgbClr r="0" g="0" b="0"/>
+      </a:lnRef>
+      <a:fillRef idx="1">
+        <a:scrgbClr r="0" g="0" b="0"/>
+      </a:fillRef>
+      <a:effectRef idx="0">
+        <a:scrgbClr r="0" g="0" b="0"/>
+      </a:effectRef>
+      <a:fontRef idx="minor"/>
+    </dgm:style>
+  </dgm:styleLbl>
+  <dgm:styleLbl name="bgAcc1">
+    <dgm:scene3d>
+      <a:camera prst="orthographicFront"/>
+      <a:lightRig rig="threePt" dir="t"/>
+    </dgm:scene3d>
+    <dgm:sp3d/>
+    <dgm:txPr/>
+    <dgm:style>
+      <a:lnRef idx="2">
+        <a:scrgbClr r="0" g="0" b="0"/>
+      </a:lnRef>
+      <a:fillRef idx="1">
+        <a:scrgbClr r="0" g="0" b="0"/>
+      </a:fillRef>
+      <a:effectRef idx="0">
+        <a:scrgbClr r="0" g="0" b="0"/>
+      </a:effectRef>
+      <a:fontRef idx="minor"/>
+    </dgm:style>
+  </dgm:styleLbl>
+  <dgm:styleLbl name="solidFgAcc1">
+    <dgm:scene3d>
+      <a:camera prst="orthographicFront"/>
+      <a:lightRig rig="threePt" dir="t"/>
+    </dgm:scene3d>
+    <dgm:sp3d/>
+    <dgm:txPr/>
+    <dgm:style>
+      <a:lnRef idx="2">
+        <a:scrgbClr r="0" g="0" b="0"/>
+      </a:lnRef>
+      <a:fillRef idx="1">
+        <a:scrgbClr r="0" g="0" b="0"/>
+      </a:fillRef>
+      <a:effectRef idx="0">
+        <a:scrgbClr r="0" g="0" b="0"/>
+      </a:effectRef>
+      <a:fontRef idx="minor"/>
+    </dgm:style>
+  </dgm:styleLbl>
+  <dgm:styleLbl name="solidAlignAcc1">
+    <dgm:scene3d>
+      <a:camera prst="orthographicFront"/>
+      <a:lightRig rig="threePt" dir="t"/>
+    </dgm:scene3d>
+    <dgm:sp3d/>
+    <dgm:txPr/>
+    <dgm:style>
+      <a:lnRef idx="2">
+        <a:scrgbClr r="0" g="0" b="0"/>
+      </a:lnRef>
+      <a:fillRef idx="1">
+        <a:scrgbClr r="0" g="0" b="0"/>
+      </a:fillRef>
+      <a:effectRef idx="0">
+        <a:scrgbClr r="0" g="0" b="0"/>
+      </a:effectRef>
+      <a:fontRef idx="minor"/>
+    </dgm:style>
+  </dgm:styleLbl>
+  <dgm:styleLbl name="solidBgAcc1">
+    <dgm:scene3d>
+      <a:camera prst="orthographicFront"/>
+      <a:lightRig rig="threePt" dir="t"/>
+    </dgm:scene3d>
+    <dgm:sp3d/>
+    <dgm:txPr/>
+    <dgm:style>
+      <a:lnRef idx="2">
+        <a:scrgbClr r="0" g="0" b="0"/>
+      </a:lnRef>
+      <a:fillRef idx="1">
+        <a:scrgbClr r="0" g="0" b="0"/>
+      </a:fillRef>
+      <a:effectRef idx="0">
+        <a:scrgbClr r="0" g="0" b="0"/>
+      </a:effectRef>
+      <a:fontRef idx="minor"/>
+    </dgm:style>
+  </dgm:styleLbl>
+  <dgm:styleLbl name="fgAccFollowNode1">
+    <dgm:scene3d>
+      <a:camera prst="orthographicFront"/>
+      <a:lightRig rig="threePt" dir="t"/>
+    </dgm:scene3d>
+    <dgm:sp3d/>
+    <dgm:txPr/>
+    <dgm:style>
+      <a:lnRef idx="2">
+        <a:scrgbClr r="0" g="0" b="0"/>
+      </a:lnRef>
+      <a:fillRef idx="1">
+        <a:scrgbClr r="0" g="0" b="0"/>
+      </a:fillRef>
+      <a:effectRef idx="0">
+        <a:scrgbClr r="0" g="0" b="0"/>
+      </a:effectRef>
+      <a:fontRef idx="minor"/>
+    </dgm:style>
+  </dgm:styleLbl>
+  <dgm:styleLbl name="alignAccFollowNode1">
+    <dgm:scene3d>
+      <a:camera prst="orthographicFront"/>
+      <a:lightRig rig="threePt" dir="t"/>
+    </dgm:scene3d>
+    <dgm:sp3d/>
+    <dgm:txPr/>
+    <dgm:style>
+      <a:lnRef idx="2">
+        <a:scrgbClr r="0" g="0" b="0"/>
+      </a:lnRef>
+      <a:fillRef idx="1">
+        <a:scrgbClr r="0" g="0" b="0"/>
+      </a:fillRef>
+      <a:effectRef idx="0">
+        <a:scrgbClr r="0" g="0" b="0"/>
+      </a:effectRef>
+      <a:fontRef idx="minor"/>
+    </dgm:style>
+  </dgm:styleLbl>
+  <dgm:styleLbl name="bgAccFollowNode1">
+    <dgm:scene3d>
+      <a:camera prst="orthographicFront"/>
+      <a:lightRig rig="threePt" dir="t"/>
+    </dgm:scene3d>
+    <dgm:sp3d/>
+    <dgm:txPr/>
+    <dgm:style>
+      <a:lnRef idx="2">
+        <a:scrgbClr r="0" g="0" b="0"/>
+      </a:lnRef>
+      <a:fillRef idx="1">
+        <a:scrgbClr r="0" g="0" b="0"/>
+      </a:fillRef>
+      <a:effectRef idx="0">
+        <a:scrgbClr r="0" g="0" b="0"/>
+      </a:effectRef>
+      <a:fontRef idx="minor"/>
+    </dgm:style>
+  </dgm:styleLbl>
+  <dgm:styleLbl name="fgAcc0">
+    <dgm:scene3d>
+      <a:camera prst="orthographicFront"/>
+      <a:lightRig rig="threePt" dir="t"/>
+    </dgm:scene3d>
+    <dgm:sp3d/>
+    <dgm:txPr/>
+    <dgm:style>
+      <a:lnRef idx="2">
+        <a:scrgbClr r="0" g="0" b="0"/>
+      </a:lnRef>
+      <a:fillRef idx="1">
+        <a:scrgbClr r="0" g="0" b="0"/>
+      </a:fillRef>
+      <a:effectRef idx="0">
+        <a:scrgbClr r="0" g="0" b="0"/>
+      </a:effectRef>
+      <a:fontRef idx="minor"/>
+    </dgm:style>
+  </dgm:styleLbl>
+  <dgm:styleLbl name="fgAcc2">
+    <dgm:scene3d>
+      <a:camera prst="orthographicFront"/>
+      <a:lightRig rig="threePt" dir="t"/>
+    </dgm:scene3d>
+    <dgm:sp3d/>
+    <dgm:txPr/>
+    <dgm:style>
+      <a:lnRef idx="2">
+        <a:scrgbClr r="0" g="0" b="0"/>
+      </a:lnRef>
+      <a:fillRef idx="1">
+        <a:scrgbClr r="0" g="0" b="0"/>
+      </a:fillRef>
+      <a:effectRef idx="0">
+        <a:scrgbClr r="0" g="0" b="0"/>
+      </a:effectRef>
+      <a:fontRef idx="minor"/>
+    </dgm:style>
+  </dgm:styleLbl>
+  <dgm:styleLbl name="fgAcc3">
+    <dgm:scene3d>
+      <a:camera prst="orthographicFront"/>
+      <a:lightRig rig="threePt" dir="t"/>
+    </dgm:scene3d>
+    <dgm:sp3d/>
+    <dgm:txPr/>
+    <dgm:style>
+      <a:lnRef idx="2">
+        <a:scrgbClr r="0" g="0" b="0"/>
+      </a:lnRef>
+      <a:fillRef idx="1">
+        <a:scrgbClr r="0" g="0" b="0"/>
+      </a:fillRef>
+      <a:effectRef idx="0">
+        <a:scrgbClr r="0" g="0" b="0"/>
+      </a:effectRef>
+      <a:fontRef idx="minor"/>
+    </dgm:style>
+  </dgm:styleLbl>
+  <dgm:styleLbl name="fgAcc4">
+    <dgm:scene3d>
+      <a:camera prst="orthographicFront"/>
+      <a:lightRig rig="threePt" dir="t"/>
+    </dgm:scene3d>
+    <dgm:sp3d/>
+    <dgm:txPr/>
+    <dgm:style>
+      <a:lnRef idx="2">
+        <a:scrgbClr r="0" g="0" b="0"/>
+      </a:lnRef>
+      <a:fillRef idx="1">
+        <a:scrgbClr r="0" g="0" b="0"/>
+      </a:fillRef>
+      <a:effectRef idx="0">
+        <a:scrgbClr r="0" g="0" b="0"/>
+      </a:effectRef>
+      <a:fontRef idx="minor"/>
+    </dgm:style>
+  </dgm:styleLbl>
+  <dgm:styleLbl name="bgShp">
+    <dgm:scene3d>
+      <a:camera prst="orthographicFront"/>
+      <a:lightRig rig="threePt" dir="t"/>
+    </dgm:scene3d>
+    <dgm:sp3d/>
+    <dgm:txPr/>
+    <dgm:style>
+      <a:lnRef idx="0">
+        <a:scrgbClr r="0" g="0" b="0"/>
+      </a:lnRef>
+      <a:fillRef idx="1">
+        <a:scrgbClr r="0" g="0" b="0"/>
+      </a:fillRef>
+      <a:effectRef idx="0">
+        <a:scrgbClr r="0" g="0" b="0"/>
+      </a:effectRef>
+      <a:fontRef idx="minor"/>
+    </dgm:style>
+  </dgm:styleLbl>
+  <dgm:styleLbl name="dkBgShp">
+    <dgm:scene3d>
+      <a:camera prst="orthographicFront"/>
+      <a:lightRig rig="threePt" dir="t"/>
+    </dgm:scene3d>
+    <dgm:sp3d/>
+    <dgm:txPr/>
+    <dgm:style>
+      <a:lnRef idx="0">
+        <a:scrgbClr r="0" g="0" b="0"/>
+      </a:lnRef>
+      <a:fillRef idx="1">
+        <a:scrgbClr r="0" g="0" b="0"/>
+      </a:fillRef>
+      <a:effectRef idx="0">
+        <a:scrgbClr r="0" g="0" b="0"/>
+      </a:effectRef>
+      <a:fontRef idx="minor"/>
+    </dgm:style>
+  </dgm:styleLbl>
+  <dgm:styleLbl name="trBgShp">
+    <dgm:scene3d>
+      <a:camera prst="orthographicFront"/>
+      <a:lightRig rig="threePt" dir="t"/>
+    </dgm:scene3d>
+    <dgm:sp3d/>
+    <dgm:txPr/>
+    <dgm:style>
+      <a:lnRef idx="0">
+        <a:scrgbClr r="0" g="0" b="0"/>
+      </a:lnRef>
+      <a:fillRef idx="1">
+        <a:scrgbClr r="0" g="0" b="0"/>
+      </a:fillRef>
+      <a:effectRef idx="0">
+        <a:scrgbClr r="0" g="0" b="0"/>
+      </a:effectRef>
+      <a:fontRef idx="minor"/>
+    </dgm:style>
+  </dgm:styleLbl>
+  <dgm:styleLbl name="fgShp">
+    <dgm:scene3d>
+      <a:camera prst="orthographicFront"/>
+      <a:lightRig rig="threePt" dir="t"/>
+    </dgm:scene3d>
+    <dgm:sp3d/>
+    <dgm:txPr/>
+    <dgm:style>
+      <a:lnRef idx="2">
+        <a:scrgbClr r="0" g="0" b="0"/>
+      </a:lnRef>
+      <a:fillRef idx="1">
+        <a:scrgbClr r="0" g="0" b="0"/>
+      </a:fillRef>
+      <a:effectRef idx="0">
+        <a:scrgbClr r="0" g="0" b="0"/>
+      </a:effectRef>
+      <a:fontRef idx="minor"/>
+    </dgm:style>
+  </dgm:styleLbl>
+  <dgm:styleLbl name="revTx">
+    <dgm:scene3d>
+      <a:camera prst="orthographicFront"/>
+      <a:lightRig rig="threePt" dir="t"/>
+    </dgm:scene3d>
+    <dgm:sp3d/>
+    <dgm:txPr/>
+    <dgm:style>
+      <a:lnRef idx="0">
+        <a:scrgbClr r="0" g="0" b="0"/>
+      </a:lnRef>
+      <a:fillRef idx="0">
+        <a:scrgbClr r="0" g="0" b="0"/>
+      </a:fillRef>
+      <a:effectRef idx="0">
+        <a:scrgbClr r="0" g="0" b="0"/>
+      </a:effectRef>
+      <a:fontRef idx="minor"/>
+    </dgm:style>
+  </dgm:styleLbl>
+</dgm:styleDef>
+</file>
+
+<file path=ppt/diagrams/quickStyle4.xml><?xml version="1.0" encoding="utf-8"?>
 <dgm:styleDef xmlns:dgm="http://schemas.openxmlformats.org/drawingml/2006/diagram" xmlns:a="http://schemas.openxmlformats.org/drawingml/2006/main" uniqueId="urn:microsoft.com/office/officeart/2005/8/quickstyle/simple1">
   <dgm:title val=""/>
   <dgm:desc val=""/>
@@ -12634,6 +18570,101 @@
             <a:fld id="{B68D2766-C49B-4C1A-9FEE-6F146754B02B}" type="slidenum">
               <a:rPr lang="en-US" smtClean="0"/>
               <a:t>6</a:t>
+            </a:fld>
+            <a:endParaRPr lang="en-US"/>
+          </a:p>
+        </p:txBody>
+      </p:sp>
+    </p:spTree>
+    <p:extLst>
+      <p:ext uri="{BB962C8B-B14F-4D97-AF65-F5344CB8AC3E}">
+        <p14:creationId xmlns:p14="http://schemas.microsoft.com/office/powerpoint/2010/main" val="2745221231"/>
+      </p:ext>
+    </p:extLst>
+  </p:cSld>
+  <p:clrMapOvr>
+    <a:masterClrMapping/>
+  </p:clrMapOvr>
+</p:notes>
+</file>
+
+<file path=ppt/notesSlides/notesSlide3.xml><?xml version="1.0" encoding="utf-8"?>
+<p:notes xmlns:a="http://schemas.openxmlformats.org/drawingml/2006/main" xmlns:r="http://schemas.openxmlformats.org/officeDocument/2006/relationships" xmlns:p="http://schemas.openxmlformats.org/presentationml/2006/main">
+  <p:cSld>
+    <p:spTree>
+      <p:nvGrpSpPr>
+        <p:cNvPr id="1" name=""/>
+        <p:cNvGrpSpPr/>
+        <p:nvPr/>
+      </p:nvGrpSpPr>
+      <p:grpSpPr>
+        <a:xfrm>
+          <a:off x="0" y="0"/>
+          <a:ext cx="0" cy="0"/>
+          <a:chOff x="0" y="0"/>
+          <a:chExt cx="0" cy="0"/>
+        </a:xfrm>
+      </p:grpSpPr>
+      <p:sp>
+        <p:nvSpPr>
+          <p:cNvPr id="2" name="Slide Image Placeholder 1"/>
+          <p:cNvSpPr>
+            <a:spLocks noGrp="1" noRot="1" noChangeAspect="1"/>
+          </p:cNvSpPr>
+          <p:nvPr>
+            <p:ph type="sldImg"/>
+          </p:nvPr>
+        </p:nvSpPr>
+        <p:spPr/>
+      </p:sp>
+      <p:sp>
+        <p:nvSpPr>
+          <p:cNvPr id="3" name="Notes Placeholder 2"/>
+          <p:cNvSpPr>
+            <a:spLocks noGrp="1"/>
+          </p:cNvSpPr>
+          <p:nvPr>
+            <p:ph type="body" idx="1"/>
+          </p:nvPr>
+        </p:nvSpPr>
+        <p:spPr/>
+        <p:txBody>
+          <a:bodyPr/>
+          <a:lstStyle/>
+          <a:p>
+            <a:r>
+              <a:rPr lang="en-US" dirty="0"/>
+              <a:t>© Copyright </a:t>
+            </a:r>
+            <a:r>
+              <a:rPr lang="en-US" b="1" dirty="0"/>
+              <a:t>PresentationGO.com</a:t>
+            </a:r>
+            <a:r>
+              <a:rPr lang="en-US" dirty="0"/>
+              <a:t> – The free PowerPoint and Google Slides template library</a:t>
+            </a:r>
+          </a:p>
+        </p:txBody>
+      </p:sp>
+      <p:sp>
+        <p:nvSpPr>
+          <p:cNvPr id="4" name="Slide Number Placeholder 3"/>
+          <p:cNvSpPr>
+            <a:spLocks noGrp="1"/>
+          </p:cNvSpPr>
+          <p:nvPr>
+            <p:ph type="sldNum" sz="quarter" idx="10"/>
+          </p:nvPr>
+        </p:nvSpPr>
+        <p:spPr/>
+        <p:txBody>
+          <a:bodyPr/>
+          <a:lstStyle/>
+          <a:p>
+            <a:fld id="{B68D2766-C49B-4C1A-9FEE-6F146754B02B}" type="slidenum">
+              <a:rPr lang="en-US" smtClean="0"/>
+              <a:t>7</a:t>
             </a:fld>
             <a:endParaRPr lang="en-US"/>
           </a:p>
@@ -16178,6 +22209,207 @@
         <p:spPr>
           <a:xfrm>
             <a:off x="146756" y="0"/>
+            <a:ext cx="11898488" cy="892552"/>
+          </a:xfrm>
+          <a:prstGeom prst="rect">
+            <a:avLst/>
+          </a:prstGeom>
+        </p:spPr>
+        <p:txBody>
+          <a:bodyPr wrap="square">
+            <a:spAutoFit/>
+          </a:bodyPr>
+          <a:lstStyle/>
+          <a:p>
+            <a:pPr algn="ctr"/>
+            <a:r>
+              <a:rPr lang="en-IN" sz="3200" b="1" dirty="0">
+                <a:latin typeface="Agency FB" panose="020B0503020202020204" pitchFamily="34" charset="0"/>
+              </a:rPr>
+              <a:t>Where</a:t>
+            </a:r>
+            <a:r>
+              <a:rPr lang="en-IN" sz="3200" dirty="0">
+                <a:latin typeface="Agency FB" panose="020B0503020202020204" pitchFamily="34" charset="0"/>
+              </a:rPr>
+              <a:t> </a:t>
+            </a:r>
+            <a:r>
+              <a:rPr lang="en-IN" sz="3200" b="1" dirty="0">
+                <a:latin typeface="Agency FB" panose="020B0503020202020204" pitchFamily="34" charset="0"/>
+              </a:rPr>
+              <a:t>is</a:t>
+            </a:r>
+            <a:r>
+              <a:rPr lang="en-IN" sz="3200" dirty="0">
+                <a:latin typeface="Agency FB" panose="020B0503020202020204" pitchFamily="34" charset="0"/>
+              </a:rPr>
+              <a:t>: </a:t>
+            </a:r>
+            <a:r>
+              <a:rPr lang="en-IN" sz="5200" dirty="0">
+                <a:solidFill>
+                  <a:schemeClr val="accent6">
+                    <a:lumMod val="75000"/>
+                  </a:schemeClr>
+                </a:solidFill>
+                <a:latin typeface="Agency FB" panose="020B0503020202020204" pitchFamily="34" charset="0"/>
+              </a:rPr>
+              <a:t>H</a:t>
+            </a:r>
+            <a:r>
+              <a:rPr lang="en-IN" sz="5200" baseline="-25000" dirty="0">
+                <a:solidFill>
+                  <a:schemeClr val="accent6">
+                    <a:lumMod val="75000"/>
+                  </a:schemeClr>
+                </a:solidFill>
+                <a:latin typeface="Agency FB" panose="020B0503020202020204" pitchFamily="34" charset="0"/>
+              </a:rPr>
+              <a:t>2</a:t>
+            </a:r>
+            <a:r>
+              <a:rPr lang="en-IN" sz="5200" dirty="0">
+                <a:solidFill>
+                  <a:schemeClr val="accent6">
+                    <a:lumMod val="75000"/>
+                  </a:schemeClr>
+                </a:solidFill>
+                <a:latin typeface="Agency FB" panose="020B0503020202020204" pitchFamily="34" charset="0"/>
+              </a:rPr>
+              <a:t>O </a:t>
+            </a:r>
+            <a:r>
+              <a:rPr lang="en-IN" sz="5200" b="1" dirty="0">
+                <a:solidFill>
+                  <a:schemeClr val="accent6">
+                    <a:lumMod val="75000"/>
+                  </a:schemeClr>
+                </a:solidFill>
+                <a:latin typeface="Agency FB" panose="020B0503020202020204" pitchFamily="34" charset="0"/>
+              </a:rPr>
+              <a:t>Traffic</a:t>
+            </a:r>
+            <a:r>
+              <a:rPr lang="en-IN" sz="5200" dirty="0">
+                <a:solidFill>
+                  <a:schemeClr val="accent6">
+                    <a:lumMod val="75000"/>
+                  </a:schemeClr>
+                </a:solidFill>
+                <a:latin typeface="Agency FB" panose="020B0503020202020204" pitchFamily="34" charset="0"/>
+              </a:rPr>
+              <a:t> More </a:t>
+            </a:r>
+            <a:r>
+              <a:rPr lang="en-IN" sz="5200" b="1" dirty="0">
+                <a:solidFill>
+                  <a:schemeClr val="accent6">
+                    <a:lumMod val="75000"/>
+                  </a:schemeClr>
+                </a:solidFill>
+                <a:latin typeface="Agency FB" panose="020B0503020202020204" pitchFamily="34" charset="0"/>
+              </a:rPr>
+              <a:t>Spatial</a:t>
+            </a:r>
+            <a:r>
+              <a:rPr lang="en-IN" sz="5200" dirty="0">
+                <a:solidFill>
+                  <a:schemeClr val="accent6">
+                    <a:lumMod val="75000"/>
+                  </a:schemeClr>
+                </a:solidFill>
+                <a:latin typeface="Agency FB" panose="020B0503020202020204" pitchFamily="34" charset="0"/>
+              </a:rPr>
+              <a:t> Less </a:t>
+            </a:r>
+            <a:r>
+              <a:rPr lang="en-IN" sz="5200" b="1" dirty="0">
+                <a:solidFill>
+                  <a:srgbClr val="002060"/>
+                </a:solidFill>
+                <a:latin typeface="Agency FB" panose="020B0503020202020204" pitchFamily="34" charset="0"/>
+              </a:rPr>
+              <a:t>Temporal</a:t>
+            </a:r>
+          </a:p>
+        </p:txBody>
+      </p:sp>
+      <p:pic>
+        <p:nvPicPr>
+          <p:cNvPr id="5" name="Picture 4">
+            <a:extLst>
+              <a:ext uri="{FF2B5EF4-FFF2-40B4-BE49-F238E27FC236}">
+                <a16:creationId xmlns:a16="http://schemas.microsoft.com/office/drawing/2014/main" id="{CFDB5CFF-BD0A-07E8-F188-72AF4C22CDED}"/>
+              </a:ext>
+            </a:extLst>
+          </p:cNvPr>
+          <p:cNvPicPr>
+            <a:picLocks noChangeAspect="1"/>
+          </p:cNvPicPr>
+          <p:nvPr/>
+        </p:nvPicPr>
+        <p:blipFill>
+          <a:blip r:embed="rId2"/>
+          <a:stretch>
+            <a:fillRect/>
+          </a:stretch>
+        </p:blipFill>
+        <p:spPr>
+          <a:xfrm>
+            <a:off x="0" y="892552"/>
+            <a:ext cx="12045244" cy="5950191"/>
+          </a:xfrm>
+          <a:prstGeom prst="rect">
+            <a:avLst/>
+          </a:prstGeom>
+        </p:spPr>
+      </p:pic>
+    </p:spTree>
+    <p:extLst>
+      <p:ext uri="{BB962C8B-B14F-4D97-AF65-F5344CB8AC3E}">
+        <p14:creationId xmlns:p14="http://schemas.microsoft.com/office/powerpoint/2010/main" val="1189916357"/>
+      </p:ext>
+    </p:extLst>
+  </p:cSld>
+  <p:clrMapOvr>
+    <a:masterClrMapping/>
+  </p:clrMapOvr>
+</p:sld>
+</file>
+
+<file path=ppt/slides/slide11.xml><?xml version="1.0" encoding="utf-8"?>
+<p:sld xmlns:a="http://schemas.openxmlformats.org/drawingml/2006/main" xmlns:r="http://schemas.openxmlformats.org/officeDocument/2006/relationships" xmlns:p="http://schemas.openxmlformats.org/presentationml/2006/main">
+  <p:cSld>
+    <p:spTree>
+      <p:nvGrpSpPr>
+        <p:cNvPr id="1" name=""/>
+        <p:cNvGrpSpPr/>
+        <p:nvPr/>
+      </p:nvGrpSpPr>
+      <p:grpSpPr>
+        <a:xfrm>
+          <a:off x="0" y="0"/>
+          <a:ext cx="0" cy="0"/>
+          <a:chOff x="0" y="0"/>
+          <a:chExt cx="0" cy="0"/>
+        </a:xfrm>
+      </p:grpSpPr>
+      <p:sp>
+        <p:nvSpPr>
+          <p:cNvPr id="3" name="Rectangle 2">
+            <a:extLst>
+              <a:ext uri="{FF2B5EF4-FFF2-40B4-BE49-F238E27FC236}">
+                <a16:creationId xmlns:a16="http://schemas.microsoft.com/office/drawing/2014/main" id="{F14B05A7-BB9F-BE8B-2644-529ADA28BF37}"/>
+              </a:ext>
+            </a:extLst>
+          </p:cNvPr>
+          <p:cNvSpPr/>
+          <p:nvPr/>
+        </p:nvSpPr>
+        <p:spPr>
+          <a:xfrm>
+            <a:off x="146756" y="0"/>
             <a:ext cx="12045244" cy="892552"/>
           </a:xfrm>
           <a:prstGeom prst="rect">
@@ -16328,7 +22560,7 @@
 </p:sld>
 </file>
 
-<file path=ppt/slides/slide11.xml><?xml version="1.0" encoding="utf-8"?>
+<file path=ppt/slides/slide12.xml><?xml version="1.0" encoding="utf-8"?>
 <p:sld xmlns:a="http://schemas.openxmlformats.org/drawingml/2006/main" xmlns:r="http://schemas.openxmlformats.org/officeDocument/2006/relationships" xmlns:p="http://schemas.openxmlformats.org/presentationml/2006/main">
   <p:cSld>
     <p:spTree>
@@ -16529,7 +22761,7 @@
 </p:sld>
 </file>
 
-<file path=ppt/slides/slide12.xml><?xml version="1.0" encoding="utf-8"?>
+<file path=ppt/slides/slide13.xml><?xml version="1.0" encoding="utf-8"?>
 <p:sld xmlns:a="http://schemas.openxmlformats.org/drawingml/2006/main" xmlns:r="http://schemas.openxmlformats.org/officeDocument/2006/relationships" xmlns:p="http://schemas.openxmlformats.org/presentationml/2006/main">
   <p:cSld>
     <p:spTree>
@@ -24999,6 +31231,112 @@
           <p:cNvPr id="6" name="Rectangle 5">
             <a:extLst>
               <a:ext uri="{FF2B5EF4-FFF2-40B4-BE49-F238E27FC236}">
+                <a16:creationId xmlns:a16="http://schemas.microsoft.com/office/drawing/2014/main" id="{457A1A23-FE70-5482-4081-66F80ECCBD14}"/>
+              </a:ext>
+            </a:extLst>
+          </p:cNvPr>
+          <p:cNvSpPr/>
+          <p:nvPr/>
+        </p:nvSpPr>
+        <p:spPr>
+          <a:xfrm>
+            <a:off x="-191381" y="98333"/>
+            <a:ext cx="11898488" cy="923330"/>
+          </a:xfrm>
+          <a:prstGeom prst="rect">
+            <a:avLst/>
+          </a:prstGeom>
+        </p:spPr>
+        <p:txBody>
+          <a:bodyPr wrap="square">
+            <a:spAutoFit/>
+          </a:bodyPr>
+          <a:lstStyle/>
+          <a:p>
+            <a:pPr algn="ctr"/>
+            <a:r>
+              <a:rPr lang="en-IN" sz="3200" dirty="0">
+                <a:latin typeface="Agency FB" panose="020B0503020202020204" pitchFamily="34" charset="0"/>
+              </a:rPr>
+              <a:t>Air and Traffic Data ETL Design </a:t>
+            </a:r>
+            <a:r>
+              <a:rPr lang="en-IN" sz="5200" dirty="0">
+                <a:solidFill>
+                  <a:schemeClr val="accent6">
+                    <a:lumMod val="75000"/>
+                  </a:schemeClr>
+                </a:solidFill>
+                <a:latin typeface="Agency FB" panose="020B0503020202020204" pitchFamily="34" charset="0"/>
+              </a:rPr>
+              <a:t>Execution Phases</a:t>
+            </a:r>
+          </a:p>
+        </p:txBody>
+      </p:sp>
+      <p:graphicFrame>
+        <p:nvGraphicFramePr>
+          <p:cNvPr id="2" name="Diagram 1">
+            <a:extLst>
+              <a:ext uri="{FF2B5EF4-FFF2-40B4-BE49-F238E27FC236}">
+                <a16:creationId xmlns:a16="http://schemas.microsoft.com/office/drawing/2014/main" id="{5D6D62BB-79E9-AB60-9756-16E752C9E3B3}"/>
+              </a:ext>
+            </a:extLst>
+          </p:cNvPr>
+          <p:cNvGraphicFramePr/>
+          <p:nvPr>
+            <p:extLst>
+              <p:ext uri="{D42A27DB-BD31-4B8C-83A1-F6EECF244321}">
+                <p14:modId xmlns:p14="http://schemas.microsoft.com/office/powerpoint/2010/main" val="504092844"/>
+              </p:ext>
+            </p:extLst>
+          </p:nvPr>
+        </p:nvGraphicFramePr>
+        <p:xfrm>
+          <a:off x="0" y="902524"/>
+          <a:ext cx="12192000" cy="5955475"/>
+        </p:xfrm>
+        <a:graphic>
+          <a:graphicData uri="http://schemas.openxmlformats.org/drawingml/2006/diagram">
+            <dgm:relIds xmlns:dgm="http://schemas.openxmlformats.org/drawingml/2006/diagram" xmlns:r="http://schemas.openxmlformats.org/officeDocument/2006/relationships" r:dm="rId3" r:lo="rId4" r:qs="rId5" r:cs="rId6"/>
+          </a:graphicData>
+        </a:graphic>
+      </p:graphicFrame>
+    </p:spTree>
+    <p:extLst>
+      <p:ext uri="{BB962C8B-B14F-4D97-AF65-F5344CB8AC3E}">
+        <p14:creationId xmlns:p14="http://schemas.microsoft.com/office/powerpoint/2010/main" val="266984586"/>
+      </p:ext>
+    </p:extLst>
+  </p:cSld>
+  <p:clrMapOvr>
+    <a:masterClrMapping/>
+  </p:clrMapOvr>
+</p:sld>
+</file>
+
+<file path=ppt/slides/slide7.xml><?xml version="1.0" encoding="utf-8"?>
+<p:sld xmlns:a="http://schemas.openxmlformats.org/drawingml/2006/main" xmlns:r="http://schemas.openxmlformats.org/officeDocument/2006/relationships" xmlns:p="http://schemas.openxmlformats.org/presentationml/2006/main">
+  <p:cSld>
+    <p:spTree>
+      <p:nvGrpSpPr>
+        <p:cNvPr id="1" name=""/>
+        <p:cNvGrpSpPr/>
+        <p:nvPr/>
+      </p:nvGrpSpPr>
+      <p:grpSpPr>
+        <a:xfrm>
+          <a:off x="0" y="0"/>
+          <a:ext cx="0" cy="0"/>
+          <a:chOff x="0" y="0"/>
+          <a:chExt cx="0" cy="0"/>
+        </a:xfrm>
+      </p:grpSpPr>
+      <p:sp>
+        <p:nvSpPr>
+          <p:cNvPr id="6" name="Rectangle 5">
+            <a:extLst>
+              <a:ext uri="{FF2B5EF4-FFF2-40B4-BE49-F238E27FC236}">
                 <a16:creationId xmlns:a16="http://schemas.microsoft.com/office/drawing/2014/main" id="{B713DDAB-DD84-466B-8C58-14383A7FC319}"/>
               </a:ext>
             </a:extLst>
@@ -26825,8 +33163,8 @@
           </a:extLst>
         </p:spPr>
       </p:pic>
-      <mc:AlternateContent xmlns:mc="http://schemas.openxmlformats.org/markup-compatibility/2006" xmlns:a14="http://schemas.microsoft.com/office/drawing/2010/main">
-        <mc:Choice Requires="a14">
+      <mc:AlternateContent xmlns:mc="http://schemas.openxmlformats.org/markup-compatibility/2006">
+        <mc:Choice xmlns:a14="http://schemas.microsoft.com/office/drawing/2010/main" Requires="a14">
           <p:sp>
             <p:nvSpPr>
               <p:cNvPr id="8" name="Rectangle 7">
@@ -26841,7 +33179,7 @@
             </p:nvSpPr>
             <p:spPr>
               <a:xfrm>
-                <a:off x="10364404" y="2034529"/>
+                <a:off x="10261018" y="1872590"/>
                 <a:ext cx="1955718" cy="2684261"/>
               </a:xfrm>
               <a:prstGeom prst="rect">
@@ -26998,7 +33336,7 @@
             </p:txBody>
           </p:sp>
         </mc:Choice>
-        <mc:Fallback xmlns="">
+        <mc:Fallback>
           <p:sp>
             <p:nvSpPr>
               <p:cNvPr id="8" name="Rectangle 7">
@@ -27015,7 +33353,7 @@
             </p:nvSpPr>
             <p:spPr>
               <a:xfrm>
-                <a:off x="10364404" y="2034529"/>
+                <a:off x="10261018" y="1872590"/>
                 <a:ext cx="1955718" cy="2684261"/>
               </a:xfrm>
               <a:prstGeom prst="rect">
@@ -27024,7 +33362,7 @@
               <a:blipFill>
                 <a:blip r:embed="rId9"/>
                 <a:stretch>
-                  <a:fillRect l="-27097" t="-28302" b="-3302"/>
+                  <a:fillRect l="-24516" t="-28169" r="-1290" b="-2817"/>
                 </a:stretch>
               </a:blipFill>
             </p:spPr>
@@ -27862,7 +34200,7 @@
 </p:sld>
 </file>
 
-<file path=ppt/slides/slide7.xml><?xml version="1.0" encoding="utf-8"?>
+<file path=ppt/slides/slide8.xml><?xml version="1.0" encoding="utf-8"?>
 <p:sld xmlns:a="http://schemas.openxmlformats.org/drawingml/2006/main" xmlns:r="http://schemas.openxmlformats.org/officeDocument/2006/relationships" xmlns:p="http://schemas.openxmlformats.org/presentationml/2006/main">
   <p:cSld>
     <p:spTree>
@@ -28172,7 +34510,7 @@
 </p:sld>
 </file>
 
-<file path=ppt/slides/slide8.xml><?xml version="1.0" encoding="utf-8"?>
+<file path=ppt/slides/slide9.xml><?xml version="1.0" encoding="utf-8"?>
 <p:sld xmlns:a="http://schemas.openxmlformats.org/drawingml/2006/main" xmlns:r="http://schemas.openxmlformats.org/officeDocument/2006/relationships" xmlns:p="http://schemas.openxmlformats.org/presentationml/2006/main">
   <p:cSld>
     <p:spTree>
@@ -28324,207 +34662,6 @@
     <p:extLst>
       <p:ext uri="{BB962C8B-B14F-4D97-AF65-F5344CB8AC3E}">
         <p14:creationId xmlns:p14="http://schemas.microsoft.com/office/powerpoint/2010/main" val="1673821164"/>
-      </p:ext>
-    </p:extLst>
-  </p:cSld>
-  <p:clrMapOvr>
-    <a:masterClrMapping/>
-  </p:clrMapOvr>
-</p:sld>
-</file>
-
-<file path=ppt/slides/slide9.xml><?xml version="1.0" encoding="utf-8"?>
-<p:sld xmlns:a="http://schemas.openxmlformats.org/drawingml/2006/main" xmlns:r="http://schemas.openxmlformats.org/officeDocument/2006/relationships" xmlns:p="http://schemas.openxmlformats.org/presentationml/2006/main">
-  <p:cSld>
-    <p:spTree>
-      <p:nvGrpSpPr>
-        <p:cNvPr id="1" name=""/>
-        <p:cNvGrpSpPr/>
-        <p:nvPr/>
-      </p:nvGrpSpPr>
-      <p:grpSpPr>
-        <a:xfrm>
-          <a:off x="0" y="0"/>
-          <a:ext cx="0" cy="0"/>
-          <a:chOff x="0" y="0"/>
-          <a:chExt cx="0" cy="0"/>
-        </a:xfrm>
-      </p:grpSpPr>
-      <p:sp>
-        <p:nvSpPr>
-          <p:cNvPr id="3" name="Rectangle 2">
-            <a:extLst>
-              <a:ext uri="{FF2B5EF4-FFF2-40B4-BE49-F238E27FC236}">
-                <a16:creationId xmlns:a16="http://schemas.microsoft.com/office/drawing/2014/main" id="{F14B05A7-BB9F-BE8B-2644-529ADA28BF37}"/>
-              </a:ext>
-            </a:extLst>
-          </p:cNvPr>
-          <p:cNvSpPr/>
-          <p:nvPr/>
-        </p:nvSpPr>
-        <p:spPr>
-          <a:xfrm>
-            <a:off x="146756" y="0"/>
-            <a:ext cx="11898488" cy="892552"/>
-          </a:xfrm>
-          <a:prstGeom prst="rect">
-            <a:avLst/>
-          </a:prstGeom>
-        </p:spPr>
-        <p:txBody>
-          <a:bodyPr wrap="square">
-            <a:spAutoFit/>
-          </a:bodyPr>
-          <a:lstStyle/>
-          <a:p>
-            <a:pPr algn="ctr"/>
-            <a:r>
-              <a:rPr lang="en-IN" sz="3200" b="1" dirty="0">
-                <a:latin typeface="Agency FB" panose="020B0503020202020204" pitchFamily="34" charset="0"/>
-              </a:rPr>
-              <a:t>Where</a:t>
-            </a:r>
-            <a:r>
-              <a:rPr lang="en-IN" sz="3200" dirty="0">
-                <a:latin typeface="Agency FB" panose="020B0503020202020204" pitchFamily="34" charset="0"/>
-              </a:rPr>
-              <a:t> </a:t>
-            </a:r>
-            <a:r>
-              <a:rPr lang="en-IN" sz="3200" b="1" dirty="0">
-                <a:latin typeface="Agency FB" panose="020B0503020202020204" pitchFamily="34" charset="0"/>
-              </a:rPr>
-              <a:t>is</a:t>
-            </a:r>
-            <a:r>
-              <a:rPr lang="en-IN" sz="3200" dirty="0">
-                <a:latin typeface="Agency FB" panose="020B0503020202020204" pitchFamily="34" charset="0"/>
-              </a:rPr>
-              <a:t>: </a:t>
-            </a:r>
-            <a:r>
-              <a:rPr lang="en-IN" sz="5200" dirty="0">
-                <a:solidFill>
-                  <a:schemeClr val="accent6">
-                    <a:lumMod val="75000"/>
-                  </a:schemeClr>
-                </a:solidFill>
-                <a:latin typeface="Agency FB" panose="020B0503020202020204" pitchFamily="34" charset="0"/>
-              </a:rPr>
-              <a:t>H</a:t>
-            </a:r>
-            <a:r>
-              <a:rPr lang="en-IN" sz="5200" baseline="-25000" dirty="0">
-                <a:solidFill>
-                  <a:schemeClr val="accent6">
-                    <a:lumMod val="75000"/>
-                  </a:schemeClr>
-                </a:solidFill>
-                <a:latin typeface="Agency FB" panose="020B0503020202020204" pitchFamily="34" charset="0"/>
-              </a:rPr>
-              <a:t>2</a:t>
-            </a:r>
-            <a:r>
-              <a:rPr lang="en-IN" sz="5200" dirty="0">
-                <a:solidFill>
-                  <a:schemeClr val="accent6">
-                    <a:lumMod val="75000"/>
-                  </a:schemeClr>
-                </a:solidFill>
-                <a:latin typeface="Agency FB" panose="020B0503020202020204" pitchFamily="34" charset="0"/>
-              </a:rPr>
-              <a:t>O </a:t>
-            </a:r>
-            <a:r>
-              <a:rPr lang="en-IN" sz="5200" b="1" dirty="0">
-                <a:solidFill>
-                  <a:schemeClr val="accent6">
-                    <a:lumMod val="75000"/>
-                  </a:schemeClr>
-                </a:solidFill>
-                <a:latin typeface="Agency FB" panose="020B0503020202020204" pitchFamily="34" charset="0"/>
-              </a:rPr>
-              <a:t>Traffic</a:t>
-            </a:r>
-            <a:r>
-              <a:rPr lang="en-IN" sz="5200" dirty="0">
-                <a:solidFill>
-                  <a:schemeClr val="accent6">
-                    <a:lumMod val="75000"/>
-                  </a:schemeClr>
-                </a:solidFill>
-                <a:latin typeface="Agency FB" panose="020B0503020202020204" pitchFamily="34" charset="0"/>
-              </a:rPr>
-              <a:t> More </a:t>
-            </a:r>
-            <a:r>
-              <a:rPr lang="en-IN" sz="5200" b="1" dirty="0">
-                <a:solidFill>
-                  <a:schemeClr val="accent6">
-                    <a:lumMod val="75000"/>
-                  </a:schemeClr>
-                </a:solidFill>
-                <a:latin typeface="Agency FB" panose="020B0503020202020204" pitchFamily="34" charset="0"/>
-              </a:rPr>
-              <a:t>Spatial</a:t>
-            </a:r>
-            <a:r>
-              <a:rPr lang="en-IN" sz="5200" dirty="0">
-                <a:solidFill>
-                  <a:schemeClr val="accent6">
-                    <a:lumMod val="75000"/>
-                  </a:schemeClr>
-                </a:solidFill>
-                <a:latin typeface="Agency FB" panose="020B0503020202020204" pitchFamily="34" charset="0"/>
-              </a:rPr>
-              <a:t> Less </a:t>
-            </a:r>
-            <a:r>
-              <a:rPr lang="en-IN" sz="5200" b="1" dirty="0">
-                <a:solidFill>
-                  <a:srgbClr val="002060"/>
-                </a:solidFill>
-                <a:latin typeface="Agency FB" panose="020B0503020202020204" pitchFamily="34" charset="0"/>
-              </a:rPr>
-              <a:t>Temporal</a:t>
-            </a:r>
-          </a:p>
-        </p:txBody>
-      </p:sp>
-      <p:pic>
-        <p:nvPicPr>
-          <p:cNvPr id="5" name="Picture 4">
-            <a:extLst>
-              <a:ext uri="{FF2B5EF4-FFF2-40B4-BE49-F238E27FC236}">
-                <a16:creationId xmlns:a16="http://schemas.microsoft.com/office/drawing/2014/main" id="{CFDB5CFF-BD0A-07E8-F188-72AF4C22CDED}"/>
-              </a:ext>
-            </a:extLst>
-          </p:cNvPr>
-          <p:cNvPicPr>
-            <a:picLocks noChangeAspect="1"/>
-          </p:cNvPicPr>
-          <p:nvPr/>
-        </p:nvPicPr>
-        <p:blipFill>
-          <a:blip r:embed="rId2"/>
-          <a:stretch>
-            <a:fillRect/>
-          </a:stretch>
-        </p:blipFill>
-        <p:spPr>
-          <a:xfrm>
-            <a:off x="0" y="892552"/>
-            <a:ext cx="12045244" cy="5950191"/>
-          </a:xfrm>
-          <a:prstGeom prst="rect">
-            <a:avLst/>
-          </a:prstGeom>
-        </p:spPr>
-      </p:pic>
-    </p:spTree>
-    <p:extLst>
-      <p:ext uri="{BB962C8B-B14F-4D97-AF65-F5344CB8AC3E}">
-        <p14:creationId xmlns:p14="http://schemas.microsoft.com/office/powerpoint/2010/main" val="1189916357"/>
       </p:ext>
     </p:extLst>
   </p:cSld>

--- a/Report/Pipeline_Process.pptx
+++ b/Report/Pipeline_Process.pptx
@@ -5611,7 +5611,7 @@
         <a:p>
           <a:pPr rtl="0"/>
           <a:r>
-            <a:rPr lang="en-US" dirty="0"/>
+            <a:rPr lang="en-US" b="1" dirty="0"/>
             <a:t>Maps Creator</a:t>
           </a:r>
         </a:p>
@@ -9953,7 +9953,7 @@
             <a:buNone/>
           </a:pPr>
           <a:r>
-            <a:rPr lang="en-US" sz="2600" kern="1200" dirty="0"/>
+            <a:rPr lang="en-US" sz="2600" b="1" kern="1200" dirty="0"/>
             <a:t>Maps Creator</a:t>
           </a:r>
         </a:p>
@@ -31240,7 +31240,7 @@
         </p:nvSpPr>
         <p:spPr>
           <a:xfrm>
-            <a:off x="-191381" y="98333"/>
+            <a:off x="-199143" y="-20806"/>
             <a:ext cx="11898488" cy="923330"/>
           </a:xfrm>
           <a:prstGeom prst="rect">
@@ -31287,7 +31287,7 @@
           <p:nvPr>
             <p:extLst>
               <p:ext uri="{D42A27DB-BD31-4B8C-83A1-F6EECF244321}">
-                <p14:modId xmlns:p14="http://schemas.microsoft.com/office/powerpoint/2010/main" val="504092844"/>
+                <p14:modId xmlns:p14="http://schemas.microsoft.com/office/powerpoint/2010/main" val="2430830461"/>
               </p:ext>
             </p:extLst>
           </p:nvPr>
@@ -31302,6 +31302,108 @@
           </a:graphicData>
         </a:graphic>
       </p:graphicFrame>
+      <p:sp>
+        <p:nvSpPr>
+          <p:cNvPr id="3" name="Right Arrow 2">
+            <a:extLst>
+              <a:ext uri="{FF2B5EF4-FFF2-40B4-BE49-F238E27FC236}">
+                <a16:creationId xmlns:a16="http://schemas.microsoft.com/office/drawing/2014/main" id="{4971E1CC-FBF4-64C3-575A-7A96A7D29E97}"/>
+              </a:ext>
+            </a:extLst>
+          </p:cNvPr>
+          <p:cNvSpPr/>
+          <p:nvPr/>
+        </p:nvSpPr>
+        <p:spPr>
+          <a:xfrm>
+            <a:off x="285750" y="773936"/>
+            <a:ext cx="11421357" cy="1169164"/>
+          </a:xfrm>
+          <a:prstGeom prst="rightArrow">
+            <a:avLst/>
+          </a:prstGeom>
+        </p:spPr>
+        <p:style>
+          <a:lnRef idx="2">
+            <a:schemeClr val="accent1">
+              <a:shade val="15000"/>
+            </a:schemeClr>
+          </a:lnRef>
+          <a:fillRef idx="1">
+            <a:schemeClr val="accent1"/>
+          </a:fillRef>
+          <a:effectRef idx="0">
+            <a:schemeClr val="accent1"/>
+          </a:effectRef>
+          <a:fontRef idx="minor">
+            <a:schemeClr val="lt1"/>
+          </a:fontRef>
+        </p:style>
+        <p:txBody>
+          <a:bodyPr rtlCol="0" anchor="ctr"/>
+          <a:lstStyle/>
+          <a:p>
+            <a:pPr algn="ctr"/>
+            <a:r>
+              <a:rPr lang="en-US" sz="2800" b="1" dirty="0" err="1"/>
+              <a:t>Main.py</a:t>
+            </a:r>
+            <a:r>
+              <a:rPr lang="en-US" sz="2800" b="1" dirty="0"/>
+              <a:t> Executes All Steps</a:t>
+            </a:r>
+          </a:p>
+        </p:txBody>
+      </p:sp>
+      <p:sp>
+        <p:nvSpPr>
+          <p:cNvPr id="4" name="Right Arrow 3">
+            <a:extLst>
+              <a:ext uri="{FF2B5EF4-FFF2-40B4-BE49-F238E27FC236}">
+                <a16:creationId xmlns:a16="http://schemas.microsoft.com/office/drawing/2014/main" id="{D4244471-0DFA-43C9-01A0-B3E612099F66}"/>
+              </a:ext>
+            </a:extLst>
+          </p:cNvPr>
+          <p:cNvSpPr/>
+          <p:nvPr/>
+        </p:nvSpPr>
+        <p:spPr>
+          <a:xfrm>
+            <a:off x="285749" y="5955476"/>
+            <a:ext cx="11421357" cy="902524"/>
+          </a:xfrm>
+          <a:prstGeom prst="rightArrow">
+            <a:avLst/>
+          </a:prstGeom>
+        </p:spPr>
+        <p:style>
+          <a:lnRef idx="2">
+            <a:schemeClr val="accent1">
+              <a:shade val="15000"/>
+            </a:schemeClr>
+          </a:lnRef>
+          <a:fillRef idx="1">
+            <a:schemeClr val="accent1"/>
+          </a:fillRef>
+          <a:effectRef idx="0">
+            <a:schemeClr val="accent1"/>
+          </a:effectRef>
+          <a:fontRef idx="minor">
+            <a:schemeClr val="lt1"/>
+          </a:fontRef>
+        </p:style>
+        <p:txBody>
+          <a:bodyPr rtlCol="0" anchor="ctr"/>
+          <a:lstStyle/>
+          <a:p>
+            <a:pPr algn="ctr"/>
+            <a:r>
+              <a:rPr lang="en-US" sz="2800" b="1" dirty="0"/>
+              <a:t>Configs Object &amp; Data Frames Object</a:t>
+            </a:r>
+          </a:p>
+        </p:txBody>
+      </p:sp>
     </p:spTree>
     <p:extLst>
       <p:ext uri="{BB962C8B-B14F-4D97-AF65-F5344CB8AC3E}">

--- a/Report/Pipeline_Process.pptx
+++ b/Report/Pipeline_Process.pptx
@@ -5,7 +5,7 @@
     <p:sldMasterId id="2147483648" r:id="rId1"/>
   </p:sldMasterIdLst>
   <p:notesMasterIdLst>
-    <p:notesMasterId r:id="rId15"/>
+    <p:notesMasterId r:id="rId17"/>
   </p:notesMasterIdLst>
   <p:sldIdLst>
     <p:sldId id="356" r:id="rId2"/>
@@ -20,7 +20,9 @@
     <p:sldId id="359" r:id="rId11"/>
     <p:sldId id="360" r:id="rId12"/>
     <p:sldId id="361" r:id="rId13"/>
-    <p:sldId id="362" r:id="rId14"/>
+    <p:sldId id="364" r:id="rId14"/>
+    <p:sldId id="365" r:id="rId15"/>
+    <p:sldId id="362" r:id="rId16"/>
   </p:sldIdLst>
   <p:sldSz cx="12192000" cy="6858000"/>
   <p:notesSz cx="6858000" cy="9144000"/>
@@ -6453,8 +6455,8 @@
       </dsp:nvSpPr>
       <dsp:spPr>
         <a:xfrm>
-          <a:off x="38085" y="2837703"/>
-          <a:ext cx="2633589" cy="713846"/>
+          <a:off x="36799" y="2780067"/>
+          <a:ext cx="2436438" cy="660407"/>
         </a:xfrm>
         <a:prstGeom prst="rect">
           <a:avLst/>
@@ -6503,8 +6505,8 @@
         </a:p>
       </dsp:txBody>
       <dsp:txXfrm>
-        <a:off x="38085" y="2837703"/>
-        <a:ext cx="2633589" cy="713846"/>
+        <a:off x="36799" y="2780067"/>
+        <a:ext cx="2436438" cy="660407"/>
       </dsp:txXfrm>
     </dsp:sp>
     <dsp:sp modelId="{1E4A346B-A298-F443-9E51-6923E4EEEC29}">
@@ -6514,8 +6516,8 @@
       </dsp:nvSpPr>
       <dsp:spPr>
         <a:xfrm>
-          <a:off x="232321" y="900061"/>
-          <a:ext cx="172307" cy="172307"/>
+          <a:off x="216494" y="987478"/>
+          <a:ext cx="159408" cy="159408"/>
         </a:xfrm>
         <a:prstGeom prst="ellipse">
           <a:avLst/>
@@ -6564,8 +6566,8 @@
       </dsp:nvSpPr>
       <dsp:spPr>
         <a:xfrm>
-          <a:off x="352936" y="658831"/>
-          <a:ext cx="172307" cy="172307"/>
+          <a:off x="328080" y="764306"/>
+          <a:ext cx="159408" cy="159408"/>
         </a:xfrm>
         <a:prstGeom prst="ellipse">
           <a:avLst/>
@@ -6614,8 +6616,8 @@
       </dsp:nvSpPr>
       <dsp:spPr>
         <a:xfrm>
-          <a:off x="642414" y="707077"/>
-          <a:ext cx="270769" cy="270769"/>
+          <a:off x="595887" y="808940"/>
+          <a:ext cx="250499" cy="250499"/>
         </a:xfrm>
         <a:prstGeom prst="ellipse">
           <a:avLst/>
@@ -6664,8 +6666,8 @@
       </dsp:nvSpPr>
       <dsp:spPr>
         <a:xfrm>
-          <a:off x="883644" y="441723"/>
-          <a:ext cx="172307" cy="172307"/>
+          <a:off x="819059" y="563451"/>
+          <a:ext cx="159408" cy="159408"/>
         </a:xfrm>
         <a:prstGeom prst="ellipse">
           <a:avLst/>
@@ -6714,8 +6716,8 @@
       </dsp:nvSpPr>
       <dsp:spPr>
         <a:xfrm>
-          <a:off x="1197245" y="345230"/>
-          <a:ext cx="172307" cy="172307"/>
+          <a:off x="1109183" y="474182"/>
+          <a:ext cx="159408" cy="159408"/>
         </a:xfrm>
         <a:prstGeom prst="ellipse">
           <a:avLst/>
@@ -6764,8 +6766,8 @@
       </dsp:nvSpPr>
       <dsp:spPr>
         <a:xfrm>
-          <a:off x="1583214" y="514092"/>
-          <a:ext cx="172307" cy="172307"/>
+          <a:off x="1466259" y="630402"/>
+          <a:ext cx="159408" cy="159408"/>
         </a:xfrm>
         <a:prstGeom prst="ellipse">
           <a:avLst/>
@@ -6814,8 +6816,8 @@
       </dsp:nvSpPr>
       <dsp:spPr>
         <a:xfrm>
-          <a:off x="1824445" y="634707"/>
-          <a:ext cx="270769" cy="270769"/>
+          <a:off x="1689431" y="741989"/>
+          <a:ext cx="250499" cy="250499"/>
         </a:xfrm>
         <a:prstGeom prst="ellipse">
           <a:avLst/>
@@ -6864,8 +6866,8 @@
       </dsp:nvSpPr>
       <dsp:spPr>
         <a:xfrm>
-          <a:off x="2162168" y="900061"/>
-          <a:ext cx="172307" cy="172307"/>
+          <a:off x="2001872" y="987478"/>
+          <a:ext cx="159408" cy="159408"/>
         </a:xfrm>
         <a:prstGeom prst="ellipse">
           <a:avLst/>
@@ -6914,8 +6916,8 @@
       </dsp:nvSpPr>
       <dsp:spPr>
         <a:xfrm>
-          <a:off x="2306907" y="1165415"/>
-          <a:ext cx="172307" cy="172307"/>
+          <a:off x="2135775" y="1232967"/>
+          <a:ext cx="159408" cy="159408"/>
         </a:xfrm>
         <a:prstGeom prst="ellipse">
           <a:avLst/>
@@ -6964,8 +6966,8 @@
       </dsp:nvSpPr>
       <dsp:spPr>
         <a:xfrm>
-          <a:off x="1052506" y="658831"/>
-          <a:ext cx="443077" cy="443077"/>
+          <a:off x="975280" y="764306"/>
+          <a:ext cx="409908" cy="409908"/>
         </a:xfrm>
         <a:prstGeom prst="ellipse">
           <a:avLst/>
@@ -7014,8 +7016,8 @@
       </dsp:nvSpPr>
       <dsp:spPr>
         <a:xfrm>
-          <a:off x="111706" y="1575508"/>
-          <a:ext cx="172307" cy="172307"/>
+          <a:off x="104908" y="1612360"/>
+          <a:ext cx="159408" cy="159408"/>
         </a:xfrm>
         <a:prstGeom prst="ellipse">
           <a:avLst/>
@@ -7064,8 +7066,8 @@
       </dsp:nvSpPr>
       <dsp:spPr>
         <a:xfrm>
-          <a:off x="256444" y="1792616"/>
-          <a:ext cx="270769" cy="270769"/>
+          <a:off x="238811" y="1813215"/>
+          <a:ext cx="250499" cy="250499"/>
         </a:xfrm>
         <a:prstGeom prst="ellipse">
           <a:avLst/>
@@ -7114,8 +7116,8 @@
       </dsp:nvSpPr>
       <dsp:spPr>
         <a:xfrm>
-          <a:off x="618290" y="1985600"/>
-          <a:ext cx="393846" cy="393846"/>
+          <a:off x="573570" y="1991753"/>
+          <a:ext cx="364362" cy="364362"/>
         </a:xfrm>
         <a:prstGeom prst="ellipse">
           <a:avLst/>
@@ -7164,8 +7166,8 @@
       </dsp:nvSpPr>
       <dsp:spPr>
         <a:xfrm>
-          <a:off x="1124875" y="2299201"/>
-          <a:ext cx="172307" cy="172307"/>
+          <a:off x="1042231" y="2281877"/>
+          <a:ext cx="159408" cy="159408"/>
         </a:xfrm>
         <a:prstGeom prst="ellipse">
           <a:avLst/>
@@ -7214,8 +7216,8 @@
       </dsp:nvSpPr>
       <dsp:spPr>
         <a:xfrm>
-          <a:off x="1221368" y="1985600"/>
-          <a:ext cx="270769" cy="270769"/>
+          <a:off x="1131500" y="1991753"/>
+          <a:ext cx="250499" cy="250499"/>
         </a:xfrm>
         <a:prstGeom prst="ellipse">
           <a:avLst/>
@@ -7264,8 +7266,8 @@
       </dsp:nvSpPr>
       <dsp:spPr>
         <a:xfrm>
-          <a:off x="1462599" y="2323324"/>
-          <a:ext cx="172307" cy="172307"/>
+          <a:off x="1354673" y="2304194"/>
+          <a:ext cx="159408" cy="159408"/>
         </a:xfrm>
         <a:prstGeom prst="ellipse">
           <a:avLst/>
@@ -7314,8 +7316,8 @@
       </dsp:nvSpPr>
       <dsp:spPr>
         <a:xfrm>
-          <a:off x="1679706" y="1937354"/>
-          <a:ext cx="393846" cy="393846"/>
+          <a:off x="1555528" y="1947119"/>
+          <a:ext cx="364362" cy="364362"/>
         </a:xfrm>
         <a:prstGeom prst="ellipse">
           <a:avLst/>
@@ -7364,8 +7366,8 @@
       </dsp:nvSpPr>
       <dsp:spPr>
         <a:xfrm>
-          <a:off x="2210414" y="1840862"/>
-          <a:ext cx="270769" cy="270769"/>
+          <a:off x="2046507" y="1857850"/>
+          <a:ext cx="250499" cy="250499"/>
         </a:xfrm>
         <a:prstGeom prst="ellipse">
           <a:avLst/>
@@ -7414,8 +7416,8 @@
       </dsp:nvSpPr>
       <dsp:spPr>
         <a:xfrm>
-          <a:off x="2634655" y="706675"/>
-          <a:ext cx="795211" cy="1518144"/>
+          <a:off x="2438988" y="808569"/>
+          <a:ext cx="735681" cy="1404495"/>
         </a:xfrm>
         <a:prstGeom prst="chevron">
           <a:avLst>
@@ -7458,8 +7460,8 @@
       </dsp:nvSpPr>
       <dsp:spPr>
         <a:xfrm>
-          <a:off x="3429866" y="707413"/>
-          <a:ext cx="2168757" cy="1518130"/>
+          <a:off x="3174670" y="809251"/>
+          <a:ext cx="2006403" cy="1404482"/>
         </a:xfrm>
         <a:prstGeom prst="rect">
           <a:avLst/>
@@ -7483,12 +7485,12 @@
         <a:fontRef idx="minor"/>
       </dsp:style>
       <dsp:txBody>
-        <a:bodyPr spcFirstLastPara="0" vert="horz" wrap="square" lIns="22860" tIns="22860" rIns="22860" bIns="22860" numCol="1" spcCol="1270" anchor="ctr" anchorCtr="0">
+        <a:bodyPr spcFirstLastPara="0" vert="horz" wrap="square" lIns="20320" tIns="20320" rIns="20320" bIns="20320" numCol="1" spcCol="1270" anchor="ctr" anchorCtr="0">
           <a:noAutofit/>
         </a:bodyPr>
         <a:lstStyle/>
         <a:p>
-          <a:pPr marL="0" lvl="0" indent="0" algn="ctr" defTabSz="800100" rtl="0">
+          <a:pPr marL="0" lvl="0" indent="0" algn="ctr" defTabSz="711200" rtl="0">
             <a:lnSpc>
               <a:spcPct val="90000"/>
             </a:lnSpc>
@@ -7500,12 +7502,12 @@
             </a:spcAft>
             <a:buNone/>
           </a:pPr>
-          <a:endParaRPr lang="en-US" sz="1800" kern="1200" dirty="0"/>
+          <a:endParaRPr lang="en-US" sz="1600" kern="1200" dirty="0"/>
         </a:p>
       </dsp:txBody>
       <dsp:txXfrm>
-        <a:off x="3429866" y="707413"/>
-        <a:ext cx="2168757" cy="1518130"/>
+        <a:off x="3174670" y="809251"/>
+        <a:ext cx="2006403" cy="1404482"/>
       </dsp:txXfrm>
     </dsp:sp>
     <dsp:sp modelId="{F19D29D3-25F1-0040-A3A3-C5BE9DFAC16E}">
@@ -7515,8 +7517,8 @@
       </dsp:nvSpPr>
       <dsp:spPr>
         <a:xfrm>
-          <a:off x="5598623" y="706675"/>
-          <a:ext cx="795211" cy="1518144"/>
+          <a:off x="5181073" y="808569"/>
+          <a:ext cx="735681" cy="1404495"/>
         </a:xfrm>
         <a:prstGeom prst="chevron">
           <a:avLst>
@@ -7559,8 +7561,8 @@
       </dsp:nvSpPr>
       <dsp:spPr>
         <a:xfrm>
-          <a:off x="6395851" y="2954314"/>
-          <a:ext cx="3038971" cy="1143349"/>
+          <a:off x="5918620" y="2887948"/>
+          <a:ext cx="2811472" cy="1057757"/>
         </a:xfrm>
         <a:prstGeom prst="rect">
           <a:avLst/>
@@ -7608,8 +7610,8 @@
         </a:p>
       </dsp:txBody>
       <dsp:txXfrm>
-        <a:off x="6395851" y="2954314"/>
-        <a:ext cx="3038971" cy="1143349"/>
+        <a:off x="5918620" y="2887948"/>
+        <a:ext cx="2811472" cy="1057757"/>
       </dsp:txXfrm>
     </dsp:sp>
     <dsp:sp modelId="{8CAE7509-DB33-BF48-BBCC-A563AF1A7913}">
@@ -7619,8 +7621,8 @@
       </dsp:nvSpPr>
       <dsp:spPr>
         <a:xfrm>
-          <a:off x="9432805" y="706675"/>
-          <a:ext cx="795211" cy="1518144"/>
+          <a:off x="8728227" y="808569"/>
+          <a:ext cx="735681" cy="1404495"/>
         </a:xfrm>
         <a:prstGeom prst="chevron">
           <a:avLst>
@@ -7663,8 +7665,8 @@
       </dsp:nvSpPr>
       <dsp:spPr>
         <a:xfrm>
-          <a:off x="3519919" y="573388"/>
-          <a:ext cx="1843443" cy="1843443"/>
+          <a:off x="3257981" y="685259"/>
+          <a:ext cx="1705442" cy="1705442"/>
         </a:xfrm>
         <a:prstGeom prst="ellipse">
           <a:avLst/>
@@ -7711,7 +7713,7 @@
         </a:bodyPr>
         <a:lstStyle/>
         <a:p>
-          <a:pPr marL="0" lvl="0" indent="0" algn="ctr" defTabSz="800100" rtl="0">
+          <a:pPr marL="0" lvl="0" indent="0" algn="ctr" defTabSz="711200" rtl="0">
             <a:lnSpc>
               <a:spcPct val="90000"/>
             </a:lnSpc>
@@ -7724,14 +7726,14 @@
             <a:buNone/>
           </a:pPr>
           <a:r>
-            <a:rPr lang="en-US" sz="1800" b="1" kern="1200" dirty="0"/>
+            <a:rPr lang="en-US" sz="1600" b="1" kern="1200" dirty="0"/>
             <a:t>Configuration Object</a:t>
           </a:r>
         </a:p>
       </dsp:txBody>
       <dsp:txXfrm>
-        <a:off x="3789885" y="843354"/>
-        <a:ext cx="1303511" cy="1303511"/>
+        <a:off x="3507737" y="935015"/>
+        <a:ext cx="1205930" cy="1205930"/>
       </dsp:txXfrm>
     </dsp:sp>
     <dsp:sp modelId="{589B1635-A6D1-464B-95D1-5F912182D18B}">
@@ -7741,8 +7743,8 @@
       </dsp:nvSpPr>
       <dsp:spPr>
         <a:xfrm>
-          <a:off x="10228016" y="2791901"/>
-          <a:ext cx="2168757" cy="998449"/>
+          <a:off x="9463908" y="2737694"/>
+          <a:ext cx="2006403" cy="923705"/>
         </a:xfrm>
         <a:prstGeom prst="rect">
           <a:avLst/>
@@ -7766,12 +7768,12 @@
         <a:fontRef idx="minor"/>
       </dsp:style>
       <dsp:txBody>
-        <a:bodyPr spcFirstLastPara="0" vert="horz" wrap="square" lIns="76200" tIns="76200" rIns="76200" bIns="76200" numCol="1" spcCol="1270" anchor="ctr" anchorCtr="0">
+        <a:bodyPr spcFirstLastPara="0" vert="horz" wrap="square" lIns="71120" tIns="71120" rIns="71120" bIns="71120" numCol="1" spcCol="1270" anchor="ctr" anchorCtr="0">
           <a:noAutofit/>
         </a:bodyPr>
         <a:lstStyle/>
         <a:p>
-          <a:pPr marL="0" lvl="0" indent="0" algn="ctr" defTabSz="2667000" rtl="0">
+          <a:pPr marL="0" lvl="0" indent="0" algn="ctr" defTabSz="2489200" rtl="0">
             <a:lnSpc>
               <a:spcPct val="90000"/>
             </a:lnSpc>
@@ -7783,12 +7785,12 @@
             </a:spcAft>
             <a:buNone/>
           </a:pPr>
-          <a:endParaRPr lang="en-US" sz="6000" kern="1200" dirty="0"/>
+          <a:endParaRPr lang="en-US" sz="5600" kern="1200" dirty="0"/>
         </a:p>
       </dsp:txBody>
       <dsp:txXfrm>
-        <a:off x="10228016" y="2791901"/>
-        <a:ext cx="2168757" cy="998449"/>
+        <a:off x="9463908" y="2737694"/>
+        <a:ext cx="2006403" cy="923705"/>
       </dsp:txXfrm>
     </dsp:sp>
   </dsp:spTree>
@@ -18131,7 +18133,7 @@
           <a:p>
             <a:fld id="{D2F9E994-851E-CA40-9256-D22CD526733A}" type="datetimeFigureOut">
               <a:rPr lang="en-US" smtClean="0"/>
-              <a:t>3/24/24</a:t>
+              <a:t>3/25/24</a:t>
             </a:fld>
             <a:endParaRPr lang="en-US"/>
           </a:p>
@@ -18832,7 +18834,7 @@
           <a:p>
             <a:fld id="{3C05FE8D-AD9E-4E47-8136-F4677FFC079C}" type="datetimeFigureOut">
               <a:rPr lang="en-IN" smtClean="0"/>
-              <a:t>24/03/24</a:t>
+              <a:t>25/03/24</a:t>
             </a:fld>
             <a:endParaRPr lang="en-IN"/>
           </a:p>
@@ -19032,7 +19034,7 @@
           <a:p>
             <a:fld id="{3C05FE8D-AD9E-4E47-8136-F4677FFC079C}" type="datetimeFigureOut">
               <a:rPr lang="en-IN" smtClean="0"/>
-              <a:t>24/03/24</a:t>
+              <a:t>25/03/24</a:t>
             </a:fld>
             <a:endParaRPr lang="en-IN"/>
           </a:p>
@@ -19242,7 +19244,7 @@
           <a:p>
             <a:fld id="{3C05FE8D-AD9E-4E47-8136-F4677FFC079C}" type="datetimeFigureOut">
               <a:rPr lang="en-IN" smtClean="0"/>
-              <a:t>24/03/24</a:t>
+              <a:t>25/03/24</a:t>
             </a:fld>
             <a:endParaRPr lang="en-IN"/>
           </a:p>
@@ -19442,7 +19444,7 @@
           <a:p>
             <a:fld id="{3C05FE8D-AD9E-4E47-8136-F4677FFC079C}" type="datetimeFigureOut">
               <a:rPr lang="en-IN" smtClean="0"/>
-              <a:t>24/03/24</a:t>
+              <a:t>25/03/24</a:t>
             </a:fld>
             <a:endParaRPr lang="en-IN"/>
           </a:p>
@@ -19718,7 +19720,7 @@
           <a:p>
             <a:fld id="{3C05FE8D-AD9E-4E47-8136-F4677FFC079C}" type="datetimeFigureOut">
               <a:rPr lang="en-IN" smtClean="0"/>
-              <a:t>24/03/24</a:t>
+              <a:t>25/03/24</a:t>
             </a:fld>
             <a:endParaRPr lang="en-IN"/>
           </a:p>
@@ -19986,7 +19988,7 @@
           <a:p>
             <a:fld id="{3C05FE8D-AD9E-4E47-8136-F4677FFC079C}" type="datetimeFigureOut">
               <a:rPr lang="en-IN" smtClean="0"/>
-              <a:t>24/03/24</a:t>
+              <a:t>25/03/24</a:t>
             </a:fld>
             <a:endParaRPr lang="en-IN"/>
           </a:p>
@@ -20401,7 +20403,7 @@
           <a:p>
             <a:fld id="{3C05FE8D-AD9E-4E47-8136-F4677FFC079C}" type="datetimeFigureOut">
               <a:rPr lang="en-IN" smtClean="0"/>
-              <a:t>24/03/24</a:t>
+              <a:t>25/03/24</a:t>
             </a:fld>
             <a:endParaRPr lang="en-IN"/>
           </a:p>
@@ -20543,7 +20545,7 @@
           <a:p>
             <a:fld id="{3C05FE8D-AD9E-4E47-8136-F4677FFC079C}" type="datetimeFigureOut">
               <a:rPr lang="en-IN" smtClean="0"/>
-              <a:t>24/03/24</a:t>
+              <a:t>25/03/24</a:t>
             </a:fld>
             <a:endParaRPr lang="en-IN"/>
           </a:p>
@@ -20656,7 +20658,7 @@
           <a:p>
             <a:fld id="{3C05FE8D-AD9E-4E47-8136-F4677FFC079C}" type="datetimeFigureOut">
               <a:rPr lang="en-IN" smtClean="0"/>
-              <a:t>24/03/24</a:t>
+              <a:t>25/03/24</a:t>
             </a:fld>
             <a:endParaRPr lang="en-IN"/>
           </a:p>
@@ -20969,7 +20971,7 @@
           <a:p>
             <a:fld id="{3C05FE8D-AD9E-4E47-8136-F4677FFC079C}" type="datetimeFigureOut">
               <a:rPr lang="en-IN" smtClean="0"/>
-              <a:t>24/03/24</a:t>
+              <a:t>25/03/24</a:t>
             </a:fld>
             <a:endParaRPr lang="en-IN"/>
           </a:p>
@@ -21258,7 +21260,7 @@
           <a:p>
             <a:fld id="{3C05FE8D-AD9E-4E47-8136-F4677FFC079C}" type="datetimeFigureOut">
               <a:rPr lang="en-IN" smtClean="0"/>
-              <a:t>24/03/24</a:t>
+              <a:t>25/03/24</a:t>
             </a:fld>
             <a:endParaRPr lang="en-IN"/>
           </a:p>
@@ -21501,7 +21503,7 @@
           <a:p>
             <a:fld id="{3C05FE8D-AD9E-4E47-8136-F4677FFC079C}" type="datetimeFigureOut">
               <a:rPr lang="en-IN" smtClean="0"/>
-              <a:t>24/03/24</a:t>
+              <a:t>25/03/24</a:t>
             </a:fld>
             <a:endParaRPr lang="en-IN"/>
           </a:p>
@@ -22807,6 +22809,321 @@
           <a:p>
             <a:pPr algn="ctr"/>
             <a:r>
+              <a:rPr lang="en-IN" sz="3200" b="1" dirty="0">
+                <a:latin typeface="Agency FB" panose="020B0503020202020204" pitchFamily="34" charset="0"/>
+              </a:rPr>
+              <a:t>Where</a:t>
+            </a:r>
+            <a:r>
+              <a:rPr lang="en-IN" sz="3200" dirty="0">
+                <a:latin typeface="Agency FB" panose="020B0503020202020204" pitchFamily="34" charset="0"/>
+              </a:rPr>
+              <a:t> </a:t>
+            </a:r>
+            <a:r>
+              <a:rPr lang="en-IN" sz="3200" b="1" dirty="0">
+                <a:latin typeface="Agency FB" panose="020B0503020202020204" pitchFamily="34" charset="0"/>
+              </a:rPr>
+              <a:t>is</a:t>
+            </a:r>
+            <a:r>
+              <a:rPr lang="en-IN" sz="3200" dirty="0">
+                <a:latin typeface="Agency FB" panose="020B0503020202020204" pitchFamily="34" charset="0"/>
+              </a:rPr>
+              <a:t>: </a:t>
+            </a:r>
+            <a:r>
+              <a:rPr lang="en-IN" sz="5200" dirty="0">
+                <a:solidFill>
+                  <a:schemeClr val="accent6">
+                    <a:lumMod val="75000"/>
+                  </a:schemeClr>
+                </a:solidFill>
+                <a:latin typeface="Agency FB" panose="020B0503020202020204" pitchFamily="34" charset="0"/>
+              </a:rPr>
+              <a:t>H</a:t>
+            </a:r>
+            <a:r>
+              <a:rPr lang="en-IN" sz="5200" baseline="-25000" dirty="0">
+                <a:solidFill>
+                  <a:schemeClr val="accent6">
+                    <a:lumMod val="75000"/>
+                  </a:schemeClr>
+                </a:solidFill>
+                <a:latin typeface="Agency FB" panose="020B0503020202020204" pitchFamily="34" charset="0"/>
+              </a:rPr>
+              <a:t>2</a:t>
+            </a:r>
+            <a:r>
+              <a:rPr lang="en-IN" sz="5200" dirty="0">
+                <a:solidFill>
+                  <a:schemeClr val="accent6">
+                    <a:lumMod val="75000"/>
+                  </a:schemeClr>
+                </a:solidFill>
+                <a:latin typeface="Agency FB" panose="020B0503020202020204" pitchFamily="34" charset="0"/>
+              </a:rPr>
+              <a:t>O </a:t>
+            </a:r>
+            <a:r>
+              <a:rPr lang="en-IN" sz="5200" b="1" dirty="0" err="1">
+                <a:solidFill>
+                  <a:schemeClr val="accent6">
+                    <a:lumMod val="75000"/>
+                  </a:schemeClr>
+                </a:solidFill>
+                <a:latin typeface="Agency FB" panose="020B0503020202020204" pitchFamily="34" charset="0"/>
+              </a:rPr>
+              <a:t>Pedestrains</a:t>
+            </a:r>
+            <a:r>
+              <a:rPr lang="en-IN" sz="5200" dirty="0">
+                <a:solidFill>
+                  <a:schemeClr val="accent6">
+                    <a:lumMod val="75000"/>
+                  </a:schemeClr>
+                </a:solidFill>
+                <a:latin typeface="Agency FB" panose="020B0503020202020204" pitchFamily="34" charset="0"/>
+              </a:rPr>
+              <a:t> More </a:t>
+            </a:r>
+            <a:r>
+              <a:rPr lang="en-IN" sz="5200" b="1" dirty="0">
+                <a:solidFill>
+                  <a:schemeClr val="accent6">
+                    <a:lumMod val="75000"/>
+                  </a:schemeClr>
+                </a:solidFill>
+                <a:latin typeface="Agency FB" panose="020B0503020202020204" pitchFamily="34" charset="0"/>
+              </a:rPr>
+              <a:t>Spatial</a:t>
+            </a:r>
+            <a:r>
+              <a:rPr lang="en-IN" sz="5200" dirty="0">
+                <a:solidFill>
+                  <a:schemeClr val="accent6">
+                    <a:lumMod val="75000"/>
+                  </a:schemeClr>
+                </a:solidFill>
+                <a:latin typeface="Agency FB" panose="020B0503020202020204" pitchFamily="34" charset="0"/>
+              </a:rPr>
+              <a:t> Less </a:t>
+            </a:r>
+            <a:r>
+              <a:rPr lang="en-IN" sz="5200" b="1" dirty="0">
+                <a:solidFill>
+                  <a:srgbClr val="002060"/>
+                </a:solidFill>
+                <a:latin typeface="Agency FB" panose="020B0503020202020204" pitchFamily="34" charset="0"/>
+              </a:rPr>
+              <a:t>Temporal</a:t>
+            </a:r>
+          </a:p>
+        </p:txBody>
+      </p:sp>
+      <p:pic>
+        <p:nvPicPr>
+          <p:cNvPr id="2" name="Picture 1">
+            <a:extLst>
+              <a:ext uri="{FF2B5EF4-FFF2-40B4-BE49-F238E27FC236}">
+                <a16:creationId xmlns:a16="http://schemas.microsoft.com/office/drawing/2014/main" id="{18BA2162-5A46-1B88-B71B-D56312F39C47}"/>
+              </a:ext>
+            </a:extLst>
+          </p:cNvPr>
+          <p:cNvPicPr>
+            <a:picLocks noChangeAspect="1"/>
+          </p:cNvPicPr>
+          <p:nvPr/>
+        </p:nvPicPr>
+        <p:blipFill>
+          <a:blip r:embed="rId2"/>
+          <a:stretch>
+            <a:fillRect/>
+          </a:stretch>
+        </p:blipFill>
+        <p:spPr>
+          <a:xfrm>
+            <a:off x="1" y="892552"/>
+            <a:ext cx="12045244" cy="5954531"/>
+          </a:xfrm>
+          <a:prstGeom prst="rect">
+            <a:avLst/>
+          </a:prstGeom>
+        </p:spPr>
+      </p:pic>
+    </p:spTree>
+    <p:extLst>
+      <p:ext uri="{BB962C8B-B14F-4D97-AF65-F5344CB8AC3E}">
+        <p14:creationId xmlns:p14="http://schemas.microsoft.com/office/powerpoint/2010/main" val="3090352448"/>
+      </p:ext>
+    </p:extLst>
+  </p:cSld>
+  <p:clrMapOvr>
+    <a:masterClrMapping/>
+  </p:clrMapOvr>
+</p:sld>
+</file>
+
+<file path=ppt/slides/slide14.xml><?xml version="1.0" encoding="utf-8"?>
+<p:sld xmlns:a="http://schemas.openxmlformats.org/drawingml/2006/main" xmlns:r="http://schemas.openxmlformats.org/officeDocument/2006/relationships" xmlns:p="http://schemas.openxmlformats.org/presentationml/2006/main">
+  <p:cSld>
+    <p:spTree>
+      <p:nvGrpSpPr>
+        <p:cNvPr id="1" name=""/>
+        <p:cNvGrpSpPr/>
+        <p:nvPr/>
+      </p:nvGrpSpPr>
+      <p:grpSpPr>
+        <a:xfrm>
+          <a:off x="0" y="0"/>
+          <a:ext cx="0" cy="0"/>
+          <a:chOff x="0" y="0"/>
+          <a:chExt cx="0" cy="0"/>
+        </a:xfrm>
+      </p:grpSpPr>
+      <p:sp>
+        <p:nvSpPr>
+          <p:cNvPr id="3" name="Rectangle 2">
+            <a:extLst>
+              <a:ext uri="{FF2B5EF4-FFF2-40B4-BE49-F238E27FC236}">
+                <a16:creationId xmlns:a16="http://schemas.microsoft.com/office/drawing/2014/main" id="{F14B05A7-BB9F-BE8B-2644-529ADA28BF37}"/>
+              </a:ext>
+            </a:extLst>
+          </p:cNvPr>
+          <p:cNvSpPr/>
+          <p:nvPr/>
+        </p:nvSpPr>
+        <p:spPr>
+          <a:xfrm>
+            <a:off x="146756" y="0"/>
+            <a:ext cx="11898488" cy="892552"/>
+          </a:xfrm>
+          <a:prstGeom prst="rect">
+            <a:avLst/>
+          </a:prstGeom>
+        </p:spPr>
+        <p:txBody>
+          <a:bodyPr wrap="square">
+            <a:spAutoFit/>
+          </a:bodyPr>
+          <a:lstStyle/>
+          <a:p>
+            <a:pPr algn="ctr"/>
+            <a:r>
+              <a:rPr lang="en-IN" sz="3200" dirty="0">
+                <a:latin typeface="Agency FB" panose="020B0503020202020204" pitchFamily="34" charset="0"/>
+              </a:rPr>
+              <a:t>Air and Traffic: </a:t>
+            </a:r>
+            <a:r>
+              <a:rPr lang="en-IN" sz="5200" dirty="0">
+                <a:solidFill>
+                  <a:schemeClr val="accent6">
+                    <a:lumMod val="75000"/>
+                  </a:schemeClr>
+                </a:solidFill>
+                <a:latin typeface="Agency FB" panose="020B0503020202020204" pitchFamily="34" charset="0"/>
+              </a:rPr>
+              <a:t>Optimal Maps (Loading Time)</a:t>
+            </a:r>
+            <a:endParaRPr lang="en-IN" sz="5200" b="1" dirty="0">
+              <a:solidFill>
+                <a:srgbClr val="002060"/>
+              </a:solidFill>
+              <a:latin typeface="Agency FB" panose="020B0503020202020204" pitchFamily="34" charset="0"/>
+            </a:endParaRPr>
+          </a:p>
+        </p:txBody>
+      </p:sp>
+      <p:pic>
+        <p:nvPicPr>
+          <p:cNvPr id="5" name="Picture 4">
+            <a:extLst>
+              <a:ext uri="{FF2B5EF4-FFF2-40B4-BE49-F238E27FC236}">
+                <a16:creationId xmlns:a16="http://schemas.microsoft.com/office/drawing/2014/main" id="{E63A6700-3168-2B21-3A83-CCBDDD6CCF86}"/>
+              </a:ext>
+            </a:extLst>
+          </p:cNvPr>
+          <p:cNvPicPr>
+            <a:picLocks noChangeAspect="1"/>
+          </p:cNvPicPr>
+          <p:nvPr/>
+        </p:nvPicPr>
+        <p:blipFill>
+          <a:blip r:embed="rId2"/>
+          <a:stretch>
+            <a:fillRect/>
+          </a:stretch>
+        </p:blipFill>
+        <p:spPr>
+          <a:xfrm>
+            <a:off x="0" y="892552"/>
+            <a:ext cx="12045244" cy="5965447"/>
+          </a:xfrm>
+          <a:prstGeom prst="rect">
+            <a:avLst/>
+          </a:prstGeom>
+        </p:spPr>
+      </p:pic>
+    </p:spTree>
+    <p:extLst>
+      <p:ext uri="{BB962C8B-B14F-4D97-AF65-F5344CB8AC3E}">
+        <p14:creationId xmlns:p14="http://schemas.microsoft.com/office/powerpoint/2010/main" val="227414101"/>
+      </p:ext>
+    </p:extLst>
+  </p:cSld>
+  <p:clrMapOvr>
+    <a:masterClrMapping/>
+  </p:clrMapOvr>
+</p:sld>
+</file>
+
+<file path=ppt/slides/slide15.xml><?xml version="1.0" encoding="utf-8"?>
+<p:sld xmlns:a="http://schemas.openxmlformats.org/drawingml/2006/main" xmlns:r="http://schemas.openxmlformats.org/officeDocument/2006/relationships" xmlns:p="http://schemas.openxmlformats.org/presentationml/2006/main">
+  <p:cSld>
+    <p:spTree>
+      <p:nvGrpSpPr>
+        <p:cNvPr id="1" name=""/>
+        <p:cNvGrpSpPr/>
+        <p:nvPr/>
+      </p:nvGrpSpPr>
+      <p:grpSpPr>
+        <a:xfrm>
+          <a:off x="0" y="0"/>
+          <a:ext cx="0" cy="0"/>
+          <a:chOff x="0" y="0"/>
+          <a:chExt cx="0" cy="0"/>
+        </a:xfrm>
+      </p:grpSpPr>
+      <p:sp>
+        <p:nvSpPr>
+          <p:cNvPr id="3" name="Rectangle 2">
+            <a:extLst>
+              <a:ext uri="{FF2B5EF4-FFF2-40B4-BE49-F238E27FC236}">
+                <a16:creationId xmlns:a16="http://schemas.microsoft.com/office/drawing/2014/main" id="{F14B05A7-BB9F-BE8B-2644-529ADA28BF37}"/>
+              </a:ext>
+            </a:extLst>
+          </p:cNvPr>
+          <p:cNvSpPr/>
+          <p:nvPr/>
+        </p:nvSpPr>
+        <p:spPr>
+          <a:xfrm>
+            <a:off x="146756" y="0"/>
+            <a:ext cx="11898488" cy="892552"/>
+          </a:xfrm>
+          <a:prstGeom prst="rect">
+            <a:avLst/>
+          </a:prstGeom>
+        </p:spPr>
+        <p:txBody>
+          <a:bodyPr wrap="square">
+            <a:spAutoFit/>
+          </a:bodyPr>
+          <a:lstStyle/>
+          <a:p>
+            <a:pPr algn="ctr"/>
+            <a:r>
               <a:rPr lang="en-IN" sz="3200" dirty="0">
                 <a:latin typeface="Agency FB" panose="020B0503020202020204" pitchFamily="34" charset="0"/>
               </a:rPr>
@@ -24031,14 +24348,14 @@
           <p:nvPr>
             <p:extLst>
               <p:ext uri="{D42A27DB-BD31-4B8C-83A1-F6EECF244321}">
-                <p14:modId xmlns:p14="http://schemas.microsoft.com/office/powerpoint/2010/main" val="417360310"/>
+                <p14:modId xmlns:p14="http://schemas.microsoft.com/office/powerpoint/2010/main" val="2620345834"/>
               </p:ext>
             </p:extLst>
           </p:nvPr>
         </p:nvGraphicFramePr>
         <p:xfrm>
           <a:off x="0" y="1540823"/>
-          <a:ext cx="12397840" cy="4135582"/>
+          <a:ext cx="11472863" cy="4135582"/>
         </p:xfrm>
         <a:graphic>
           <a:graphicData uri="http://schemas.openxmlformats.org/drawingml/2006/diagram">
@@ -24107,7 +24424,7 @@
         </p:nvSpPr>
         <p:spPr>
           <a:xfrm>
-            <a:off x="10272154" y="2017786"/>
+            <a:off x="9701137" y="2311292"/>
             <a:ext cx="1955471" cy="1885045"/>
           </a:xfrm>
           <a:prstGeom prst="ellipse">
@@ -24237,8 +24554,8 @@
           <p:nvPr/>
         </p:nvSpPr>
         <p:spPr>
-          <a:xfrm rot="939392">
-            <a:off x="9481276" y="4352575"/>
+          <a:xfrm>
+            <a:off x="9380840" y="4495139"/>
             <a:ext cx="2596064" cy="1885045"/>
           </a:xfrm>
           <a:prstGeom prst="upArrowCallout">
@@ -31196,6 +31513,70 @@
           </a:p>
         </p:txBody>
       </p:sp>
+      <p:sp>
+        <p:nvSpPr>
+          <p:cNvPr id="2" name="Up Arrow Callout 1">
+            <a:extLst>
+              <a:ext uri="{FF2B5EF4-FFF2-40B4-BE49-F238E27FC236}">
+                <a16:creationId xmlns:a16="http://schemas.microsoft.com/office/drawing/2014/main" id="{A0D3BBD3-8BC0-122A-0AD7-FB33BEFCC2B6}"/>
+              </a:ext>
+            </a:extLst>
+          </p:cNvPr>
+          <p:cNvSpPr/>
+          <p:nvPr/>
+        </p:nvSpPr>
+        <p:spPr>
+          <a:xfrm>
+            <a:off x="9227210" y="5026457"/>
+            <a:ext cx="1788453" cy="1365230"/>
+          </a:xfrm>
+          <a:prstGeom prst="upArrowCallout">
+            <a:avLst>
+              <a:gd name="adj1" fmla="val 21682"/>
+              <a:gd name="adj2" fmla="val 25000"/>
+              <a:gd name="adj3" fmla="val 34124"/>
+              <a:gd name="adj4" fmla="val 42581"/>
+            </a:avLst>
+          </a:prstGeom>
+        </p:spPr>
+        <p:style>
+          <a:lnRef idx="2">
+            <a:schemeClr val="dk1">
+              <a:shade val="15000"/>
+            </a:schemeClr>
+          </a:lnRef>
+          <a:fillRef idx="1">
+            <a:schemeClr val="dk1"/>
+          </a:fillRef>
+          <a:effectRef idx="0">
+            <a:schemeClr val="dk1"/>
+          </a:effectRef>
+          <a:fontRef idx="minor">
+            <a:schemeClr val="lt1"/>
+          </a:fontRef>
+        </p:style>
+        <p:txBody>
+          <a:bodyPr wrap="square" rtlCol="0" anchor="ctr">
+            <a:spAutoFit/>
+          </a:bodyPr>
+          <a:lstStyle/>
+          <a:p>
+            <a:pPr algn="ctr"/>
+            <a:r>
+              <a:rPr lang="en-CA" sz="3200" dirty="0">
+                <a:solidFill>
+                  <a:schemeClr val="bg1"/>
+                </a:solidFill>
+                <a:effectLst/>
+                <a:highlight>
+                  <a:srgbClr val="1E1F22"/>
+                </a:highlight>
+              </a:rPr>
+              <a:t>selenium</a:t>
+            </a:r>
+          </a:p>
+        </p:txBody>
+      </p:sp>
     </p:spTree>
     <p:extLst>
       <p:ext uri="{BB962C8B-B14F-4D97-AF65-F5344CB8AC3E}">
@@ -32719,7 +33100,11 @@
           <a:p>
             <a:pPr algn="ctr"/>
             <a:r>
-              <a:rPr lang="en-US" sz="2000" b="1" noProof="1"/>
+              <a:rPr lang="en-US" sz="2000" b="1" noProof="1">
+                <a:solidFill>
+                  <a:srgbClr val="FF0000"/>
+                </a:solidFill>
+              </a:rPr>
               <a:t>68% </a:t>
             </a:r>
           </a:p>
@@ -32775,7 +33160,7 @@
             <a:r>
               <a:rPr lang="en-US" sz="2000" b="1" noProof="1">
                 <a:solidFill>
-                  <a:srgbClr val="002060"/>
+                  <a:srgbClr val="FF0000"/>
                 </a:solidFill>
               </a:rPr>
               <a:t>16%</a:t>
@@ -33265,8 +33650,8 @@
           </a:extLst>
         </p:spPr>
       </p:pic>
-      <mc:AlternateContent xmlns:mc="http://schemas.openxmlformats.org/markup-compatibility/2006">
-        <mc:Choice xmlns:a14="http://schemas.microsoft.com/office/drawing/2010/main" Requires="a14">
+      <mc:AlternateContent xmlns:mc="http://schemas.openxmlformats.org/markup-compatibility/2006" xmlns:a14="http://schemas.microsoft.com/office/drawing/2010/main">
+        <mc:Choice Requires="a14">
           <p:sp>
             <p:nvSpPr>
               <p:cNvPr id="8" name="Rectangle 7">
@@ -33438,7 +33823,7 @@
             </p:txBody>
           </p:sp>
         </mc:Choice>
-        <mc:Fallback>
+        <mc:Fallback xmlns="">
           <p:sp>
             <p:nvSpPr>
               <p:cNvPr id="8" name="Rectangle 7">
@@ -34752,8 +35137,8 @@
         </p:blipFill>
         <p:spPr>
           <a:xfrm>
-            <a:off x="146756" y="721450"/>
-            <a:ext cx="12045244" cy="5824158"/>
+            <a:off x="146756" y="892552"/>
+            <a:ext cx="12045244" cy="5653056"/>
           </a:xfrm>
           <a:prstGeom prst="rect">
             <a:avLst/>

--- a/Report/Pipeline_Process.pptx
+++ b/Report/Pipeline_Process.pptx
@@ -22981,6 +22981,36 @@
           <a:chExt cx="0" cy="0"/>
         </a:xfrm>
       </p:grpSpPr>
+      <p:pic>
+        <p:nvPicPr>
+          <p:cNvPr id="6" name="Picture 5">
+            <a:extLst>
+              <a:ext uri="{FF2B5EF4-FFF2-40B4-BE49-F238E27FC236}">
+                <a16:creationId xmlns:a16="http://schemas.microsoft.com/office/drawing/2014/main" id="{B1F3DECC-C5DF-8A22-1671-CFF92F3B0E5C}"/>
+              </a:ext>
+            </a:extLst>
+          </p:cNvPr>
+          <p:cNvPicPr>
+            <a:picLocks noChangeAspect="1"/>
+          </p:cNvPicPr>
+          <p:nvPr/>
+        </p:nvPicPr>
+        <p:blipFill>
+          <a:blip r:embed="rId2"/>
+          <a:stretch>
+            <a:fillRect/>
+          </a:stretch>
+        </p:blipFill>
+        <p:spPr>
+          <a:xfrm>
+            <a:off x="0" y="892552"/>
+            <a:ext cx="12192000" cy="5965447"/>
+          </a:xfrm>
+          <a:prstGeom prst="rect">
+            <a:avLst/>
+          </a:prstGeom>
+        </p:spPr>
+      </p:pic>
       <p:sp>
         <p:nvSpPr>
           <p:cNvPr id="3" name="Rectangle 2">
@@ -23010,13 +23040,13 @@
           <a:p>
             <a:pPr algn="ctr"/>
             <a:r>
-              <a:rPr lang="en-IN" sz="3200" dirty="0">
+              <a:rPr lang="en-IN" sz="3200">
                 <a:latin typeface="Agency FB" panose="020B0503020202020204" pitchFamily="34" charset="0"/>
               </a:rPr>
               <a:t>Air and Traffic: </a:t>
             </a:r>
             <a:r>
-              <a:rPr lang="en-IN" sz="5200" dirty="0">
+              <a:rPr lang="en-IN" sz="5200">
                 <a:solidFill>
                   <a:schemeClr val="accent6">
                     <a:lumMod val="75000"/>
@@ -23035,36 +23065,6 @@
           </a:p>
         </p:txBody>
       </p:sp>
-      <p:pic>
-        <p:nvPicPr>
-          <p:cNvPr id="5" name="Picture 4">
-            <a:extLst>
-              <a:ext uri="{FF2B5EF4-FFF2-40B4-BE49-F238E27FC236}">
-                <a16:creationId xmlns:a16="http://schemas.microsoft.com/office/drawing/2014/main" id="{E63A6700-3168-2B21-3A83-CCBDDD6CCF86}"/>
-              </a:ext>
-            </a:extLst>
-          </p:cNvPr>
-          <p:cNvPicPr>
-            <a:picLocks noChangeAspect="1"/>
-          </p:cNvPicPr>
-          <p:nvPr/>
-        </p:nvPicPr>
-        <p:blipFill>
-          <a:blip r:embed="rId2"/>
-          <a:stretch>
-            <a:fillRect/>
-          </a:stretch>
-        </p:blipFill>
-        <p:spPr>
-          <a:xfrm>
-            <a:off x="0" y="892552"/>
-            <a:ext cx="12045244" cy="5965447"/>
-          </a:xfrm>
-          <a:prstGeom prst="rect">
-            <a:avLst/>
-          </a:prstGeom>
-        </p:spPr>
-      </p:pic>
     </p:spTree>
     <p:extLst>
       <p:ext uri="{BB962C8B-B14F-4D97-AF65-F5344CB8AC3E}">

--- a/Report/Pipeline_Process.pptx
+++ b/Report/Pipeline_Process.pptx
@@ -1670,42 +1670,45 @@
 </file>
 
 <file path=ppt/diagrams/colors3.xml><?xml version="1.0" encoding="utf-8"?>
-<dgm:colorsDef xmlns:dgm="http://schemas.openxmlformats.org/drawingml/2006/diagram" xmlns:a="http://schemas.openxmlformats.org/drawingml/2006/main" uniqueId="urn:microsoft.com/office/officeart/2005/8/colors/accent0_3">
+<dgm:colorsDef xmlns:dgm="http://schemas.openxmlformats.org/drawingml/2006/diagram" xmlns:a="http://schemas.openxmlformats.org/drawingml/2006/main" uniqueId="urn:microsoft.com/office/officeart/2005/8/colors/colorful5">
   <dgm:title val=""/>
   <dgm:desc val=""/>
   <dgm:catLst>
-    <dgm:cat type="mainScheme" pri="10300"/>
+    <dgm:cat type="colorful" pri="10500"/>
   </dgm:catLst>
   <dgm:styleLbl name="node0">
     <dgm:fillClrLst meth="repeat">
-      <a:schemeClr val="dk2"/>
+      <a:schemeClr val="accent4"/>
     </dgm:fillClrLst>
     <dgm:linClrLst meth="repeat">
-      <a:schemeClr val="lt2"/>
+      <a:schemeClr val="lt1"/>
     </dgm:linClrLst>
     <dgm:effectClrLst/>
     <dgm:txLinClrLst/>
     <dgm:txFillClrLst/>
     <dgm:txEffectClrLst/>
   </dgm:styleLbl>
-  <dgm:styleLbl name="alignNode1">
-    <dgm:fillClrLst meth="repeat">
-      <a:schemeClr val="dk2"/>
+  <dgm:styleLbl name="node1">
+    <dgm:fillClrLst>
+      <a:schemeClr val="accent5"/>
+      <a:schemeClr val="accent6"/>
     </dgm:fillClrLst>
     <dgm:linClrLst meth="repeat">
-      <a:schemeClr val="dk2"/>
+      <a:schemeClr val="lt1"/>
     </dgm:linClrLst>
     <dgm:effectClrLst/>
     <dgm:txLinClrLst/>
     <dgm:txFillClrLst/>
     <dgm:txEffectClrLst/>
   </dgm:styleLbl>
-  <dgm:styleLbl name="node1">
-    <dgm:fillClrLst meth="repeat">
-      <a:schemeClr val="dk2"/>
+  <dgm:styleLbl name="alignNode1">
+    <dgm:fillClrLst>
+      <a:schemeClr val="accent5"/>
+      <a:schemeClr val="accent6"/>
     </dgm:fillClrLst>
-    <dgm:linClrLst meth="repeat">
-      <a:schemeClr val="lt2"/>
+    <dgm:linClrLst>
+      <a:schemeClr val="accent5"/>
+      <a:schemeClr val="accent6"/>
     </dgm:linClrLst>
     <dgm:effectClrLst/>
     <dgm:txLinClrLst/>
@@ -1713,11 +1716,12 @@
     <dgm:txEffectClrLst/>
   </dgm:styleLbl>
   <dgm:styleLbl name="lnNode1">
-    <dgm:fillClrLst meth="repeat">
-      <a:schemeClr val="dk2"/>
+    <dgm:fillClrLst>
+      <a:schemeClr val="accent5"/>
+      <a:schemeClr val="accent6"/>
     </dgm:fillClrLst>
     <dgm:linClrLst meth="repeat">
-      <a:schemeClr val="lt2"/>
+      <a:schemeClr val="lt1"/>
     </dgm:linClrLst>
     <dgm:effectClrLst/>
     <dgm:txLinClrLst/>
@@ -1725,13 +1729,16 @@
     <dgm:txEffectClrLst/>
   </dgm:styleLbl>
   <dgm:styleLbl name="vennNode1">
-    <dgm:fillClrLst meth="repeat">
-      <a:schemeClr val="dk2">
+    <dgm:fillClrLst>
+      <a:schemeClr val="accent5">
+        <a:alpha val="50000"/>
+      </a:schemeClr>
+      <a:schemeClr val="accent6">
         <a:alpha val="50000"/>
       </a:schemeClr>
     </dgm:fillClrLst>
     <dgm:linClrLst meth="repeat">
-      <a:schemeClr val="lt2"/>
+      <a:schemeClr val="lt1"/>
     </dgm:linClrLst>
     <dgm:effectClrLst/>
     <dgm:txLinClrLst/>
@@ -1739,11 +1746,11 @@
     <dgm:txEffectClrLst/>
   </dgm:styleLbl>
   <dgm:styleLbl name="node2">
-    <dgm:fillClrLst meth="repeat">
-      <a:schemeClr val="dk2"/>
+    <dgm:fillClrLst>
+      <a:schemeClr val="accent6"/>
     </dgm:fillClrLst>
     <dgm:linClrLst meth="repeat">
-      <a:schemeClr val="lt2"/>
+      <a:schemeClr val="lt1"/>
     </dgm:linClrLst>
     <dgm:effectClrLst/>
     <dgm:txLinClrLst/>
@@ -1751,11 +1758,11 @@
     <dgm:txEffectClrLst/>
   </dgm:styleLbl>
   <dgm:styleLbl name="node3">
-    <dgm:fillClrLst meth="repeat">
-      <a:schemeClr val="dk2"/>
+    <dgm:fillClrLst>
+      <a:schemeClr val="accent1"/>
     </dgm:fillClrLst>
     <dgm:linClrLst meth="repeat">
-      <a:schemeClr val="lt2"/>
+      <a:schemeClr val="lt1"/>
     </dgm:linClrLst>
     <dgm:effectClrLst/>
     <dgm:txLinClrLst/>
@@ -1763,11 +1770,11 @@
     <dgm:txEffectClrLst/>
   </dgm:styleLbl>
   <dgm:styleLbl name="node4">
-    <dgm:fillClrLst meth="repeat">
-      <a:schemeClr val="dk2"/>
+    <dgm:fillClrLst>
+      <a:schemeClr val="accent2"/>
     </dgm:fillClrLst>
     <dgm:linClrLst meth="repeat">
-      <a:schemeClr val="lt2"/>
+      <a:schemeClr val="lt1"/>
     </dgm:linClrLst>
     <dgm:effectClrLst/>
     <dgm:txLinClrLst/>
@@ -1775,67 +1782,69 @@
     <dgm:txEffectClrLst/>
   </dgm:styleLbl>
   <dgm:styleLbl name="fgImgPlace1">
-    <dgm:fillClrLst meth="repeat">
-      <a:schemeClr val="dk2">
+    <dgm:fillClrLst>
+      <a:schemeClr val="accent5">
+        <a:tint val="50000"/>
+      </a:schemeClr>
+      <a:schemeClr val="accent6">
         <a:tint val="50000"/>
       </a:schemeClr>
     </dgm:fillClrLst>
     <dgm:linClrLst meth="repeat">
-      <a:schemeClr val="lt2"/>
+      <a:schemeClr val="lt1"/>
     </dgm:linClrLst>
     <dgm:effectClrLst/>
     <dgm:txLinClrLst/>
     <dgm:txFillClrLst meth="repeat">
-      <a:schemeClr val="lt2"/>
+      <a:schemeClr val="lt1"/>
     </dgm:txFillClrLst>
     <dgm:txEffectClrLst/>
   </dgm:styleLbl>
   <dgm:styleLbl name="alignImgPlace1">
-    <dgm:fillClrLst meth="repeat">
-      <a:schemeClr val="dk2">
+    <dgm:fillClrLst>
+      <a:schemeClr val="accent5">
         <a:tint val="50000"/>
+      </a:schemeClr>
+      <a:schemeClr val="accent6">
+        <a:tint val="20000"/>
       </a:schemeClr>
     </dgm:fillClrLst>
     <dgm:linClrLst meth="repeat">
-      <a:schemeClr val="dk2">
-        <a:shade val="80000"/>
-      </a:schemeClr>
+      <a:schemeClr val="lt1"/>
     </dgm:linClrLst>
     <dgm:effectClrLst/>
     <dgm:txLinClrLst/>
     <dgm:txFillClrLst meth="repeat">
-      <a:schemeClr val="lt2"/>
+      <a:schemeClr val="lt1"/>
     </dgm:txFillClrLst>
     <dgm:txEffectClrLst/>
   </dgm:styleLbl>
   <dgm:styleLbl name="bgImgPlace1">
-    <dgm:fillClrLst meth="repeat">
-      <a:schemeClr val="dk2">
+    <dgm:fillClrLst>
+      <a:schemeClr val="accent5">
         <a:tint val="50000"/>
+      </a:schemeClr>
+      <a:schemeClr val="accent6">
+        <a:tint val="20000"/>
       </a:schemeClr>
     </dgm:fillClrLst>
     <dgm:linClrLst meth="repeat">
-      <a:schemeClr val="dk2">
-        <a:shade val="80000"/>
-      </a:schemeClr>
+      <a:schemeClr val="lt1"/>
     </dgm:linClrLst>
     <dgm:effectClrLst/>
     <dgm:txLinClrLst/>
     <dgm:txFillClrLst meth="repeat">
-      <a:schemeClr val="lt2"/>
+      <a:schemeClr val="lt1"/>
     </dgm:txFillClrLst>
     <dgm:txEffectClrLst/>
   </dgm:styleLbl>
   <dgm:styleLbl name="sibTrans2D1">
-    <dgm:fillClrLst meth="repeat">
-      <a:schemeClr val="dk2">
-        <a:tint val="60000"/>
-      </a:schemeClr>
+    <dgm:fillClrLst>
+      <a:schemeClr val="accent5"/>
+      <a:schemeClr val="accent6"/>
     </dgm:fillClrLst>
     <dgm:linClrLst meth="repeat">
-      <a:schemeClr val="dk2">
-        <a:tint val="60000"/>
-      </a:schemeClr>
+      <a:schemeClr val="lt1"/>
     </dgm:linClrLst>
     <dgm:effectClrLst/>
     <dgm:txLinClrLst/>
@@ -1843,194 +1852,55 @@
     <dgm:txEffectClrLst/>
   </dgm:styleLbl>
   <dgm:styleLbl name="fgSibTrans2D1">
-    <dgm:fillClrLst meth="repeat">
-      <a:schemeClr val="dk2">
-        <a:tint val="60000"/>
-      </a:schemeClr>
+    <dgm:fillClrLst>
+      <a:schemeClr val="accent5"/>
+      <a:schemeClr val="accent6"/>
     </dgm:fillClrLst>
     <dgm:linClrLst meth="repeat">
-      <a:schemeClr val="dk2">
-        <a:tint val="60000"/>
-      </a:schemeClr>
-    </dgm:linClrLst>
-    <dgm:effectClrLst/>
-    <dgm:txLinClrLst/>
-    <dgm:txFillClrLst/>
-    <dgm:txEffectClrLst/>
-  </dgm:styleLbl>
-  <dgm:styleLbl name="bgSibTrans2D1">
-    <dgm:fillClrLst meth="repeat">
-      <a:schemeClr val="dk2">
-        <a:tint val="60000"/>
-      </a:schemeClr>
-    </dgm:fillClrLst>
-    <dgm:linClrLst meth="repeat">
-      <a:schemeClr val="dk2">
-        <a:tint val="60000"/>
-      </a:schemeClr>
-    </dgm:linClrLst>
-    <dgm:effectClrLst/>
-    <dgm:txLinClrLst/>
-    <dgm:txFillClrLst/>
-    <dgm:txEffectClrLst/>
-  </dgm:styleLbl>
-  <dgm:styleLbl name="sibTrans1D1">
-    <dgm:fillClrLst meth="repeat">
-      <a:schemeClr val="dk2"/>
-    </dgm:fillClrLst>
-    <dgm:linClrLst meth="repeat">
-      <a:schemeClr val="dk2"/>
+      <a:schemeClr val="lt1"/>
     </dgm:linClrLst>
     <dgm:effectClrLst/>
     <dgm:txLinClrLst/>
     <dgm:txFillClrLst meth="repeat">
-      <a:schemeClr val="lt2"/>
+      <a:schemeClr val="lt1"/>
     </dgm:txFillClrLst>
     <dgm:txEffectClrLst/>
   </dgm:styleLbl>
-  <dgm:styleLbl name="callout">
-    <dgm:fillClrLst meth="repeat">
-      <a:schemeClr val="dk2"/>
+  <dgm:styleLbl name="bgSibTrans2D1">
+    <dgm:fillClrLst>
+      <a:schemeClr val="accent5"/>
+      <a:schemeClr val="accent6"/>
     </dgm:fillClrLst>
     <dgm:linClrLst meth="repeat">
-      <a:schemeClr val="dk2">
-        <a:tint val="50000"/>
-      </a:schemeClr>
+      <a:schemeClr val="lt1"/>
     </dgm:linClrLst>
     <dgm:effectClrLst/>
     <dgm:txLinClrLst/>
     <dgm:txFillClrLst meth="repeat">
-      <a:schemeClr val="lt2"/>
+      <a:schemeClr val="lt1"/>
     </dgm:txFillClrLst>
     <dgm:txEffectClrLst/>
   </dgm:styleLbl>
-  <dgm:styleLbl name="asst0">
-    <dgm:fillClrLst meth="repeat">
-      <a:schemeClr val="dk2"/>
-    </dgm:fillClrLst>
-    <dgm:linClrLst meth="repeat">
-      <a:schemeClr val="lt2"/>
-    </dgm:linClrLst>
-    <dgm:effectClrLst/>
-    <dgm:txLinClrLst/>
-    <dgm:txFillClrLst/>
-    <dgm:txEffectClrLst/>
-  </dgm:styleLbl>
-  <dgm:styleLbl name="asst1">
-    <dgm:fillClrLst meth="repeat">
-      <a:schemeClr val="dk2"/>
-    </dgm:fillClrLst>
-    <dgm:linClrLst meth="repeat">
-      <a:schemeClr val="lt2"/>
-    </dgm:linClrLst>
-    <dgm:effectClrLst/>
-    <dgm:txLinClrLst/>
-    <dgm:txFillClrLst/>
-    <dgm:txEffectClrLst/>
-  </dgm:styleLbl>
-  <dgm:styleLbl name="asst2">
-    <dgm:fillClrLst meth="repeat">
-      <a:schemeClr val="dk2"/>
-    </dgm:fillClrLst>
-    <dgm:linClrLst meth="repeat">
-      <a:schemeClr val="lt2"/>
-    </dgm:linClrLst>
-    <dgm:effectClrLst/>
-    <dgm:txLinClrLst/>
-    <dgm:txFillClrLst/>
-    <dgm:txEffectClrLst/>
-  </dgm:styleLbl>
-  <dgm:styleLbl name="asst3">
-    <dgm:fillClrLst meth="repeat">
-      <a:schemeClr val="dk2"/>
-    </dgm:fillClrLst>
-    <dgm:linClrLst meth="repeat">
-      <a:schemeClr val="lt2"/>
-    </dgm:linClrLst>
-    <dgm:effectClrLst/>
-    <dgm:txLinClrLst/>
-    <dgm:txFillClrLst/>
-    <dgm:txEffectClrLst/>
-  </dgm:styleLbl>
-  <dgm:styleLbl name="asst4">
-    <dgm:fillClrLst meth="repeat">
-      <a:schemeClr val="dk2"/>
-    </dgm:fillClrLst>
-    <dgm:linClrLst meth="repeat">
-      <a:schemeClr val="lt2"/>
-    </dgm:linClrLst>
-    <dgm:effectClrLst/>
-    <dgm:txLinClrLst/>
-    <dgm:txFillClrLst/>
-    <dgm:txEffectClrLst/>
-  </dgm:styleLbl>
-  <dgm:styleLbl name="parChTrans2D1">
-    <dgm:fillClrLst meth="repeat">
-      <a:schemeClr val="dk2">
-        <a:tint val="60000"/>
-      </a:schemeClr>
-    </dgm:fillClrLst>
-    <dgm:linClrLst meth="repeat">
-      <a:schemeClr val="dk2">
-        <a:tint val="60000"/>
-      </a:schemeClr>
+  <dgm:styleLbl name="sibTrans1D1">
+    <dgm:fillClrLst/>
+    <dgm:linClrLst>
+      <a:schemeClr val="accent5"/>
+      <a:schemeClr val="accent6"/>
     </dgm:linClrLst>
     <dgm:effectClrLst/>
     <dgm:txLinClrLst/>
     <dgm:txFillClrLst meth="repeat">
-      <a:schemeClr val="lt2"/>
+      <a:schemeClr val="tx1"/>
     </dgm:txFillClrLst>
     <dgm:txEffectClrLst/>
   </dgm:styleLbl>
-  <dgm:styleLbl name="parChTrans2D2">
+  <dgm:styleLbl name="callout">
     <dgm:fillClrLst meth="repeat">
-      <a:schemeClr val="dk2"/>
+      <a:schemeClr val="accent5"/>
     </dgm:fillClrLst>
     <dgm:linClrLst meth="repeat">
-      <a:schemeClr val="dk2"/>
-    </dgm:linClrLst>
-    <dgm:effectClrLst/>
-    <dgm:txLinClrLst/>
-    <dgm:txFillClrLst meth="repeat">
-      <a:schemeClr val="lt2"/>
-    </dgm:txFillClrLst>
-    <dgm:txEffectClrLst/>
-  </dgm:styleLbl>
-  <dgm:styleLbl name="parChTrans2D3">
-    <dgm:fillClrLst meth="repeat">
-      <a:schemeClr val="dk2"/>
-    </dgm:fillClrLst>
-    <dgm:linClrLst meth="repeat">
-      <a:schemeClr val="dk2"/>
-    </dgm:linClrLst>
-    <dgm:effectClrLst/>
-    <dgm:txLinClrLst/>
-    <dgm:txFillClrLst meth="repeat">
-      <a:schemeClr val="lt2"/>
-    </dgm:txFillClrLst>
-    <dgm:txEffectClrLst/>
-  </dgm:styleLbl>
-  <dgm:styleLbl name="parChTrans2D4">
-    <dgm:fillClrLst meth="repeat">
-      <a:schemeClr val="dk2"/>
-    </dgm:fillClrLst>
-    <dgm:linClrLst meth="repeat">
-      <a:schemeClr val="dk2"/>
-    </dgm:linClrLst>
-    <dgm:effectClrLst/>
-    <dgm:txLinClrLst/>
-    <dgm:txFillClrLst meth="repeat">
-      <a:schemeClr val="lt2"/>
-    </dgm:txFillClrLst>
-    <dgm:txEffectClrLst/>
-  </dgm:styleLbl>
-  <dgm:styleLbl name="parChTrans1D1">
-    <dgm:fillClrLst meth="repeat">
-      <a:schemeClr val="dk2"/>
-    </dgm:fillClrLst>
-    <dgm:linClrLst meth="repeat">
-      <a:schemeClr val="dk2">
-        <a:shade val="60000"/>
+      <a:schemeClr val="accent5">
+        <a:tint val="50000"/>
       </a:schemeClr>
     </dgm:linClrLst>
     <dgm:effectClrLst/>
@@ -2040,14 +1910,128 @@
     </dgm:txFillClrLst>
     <dgm:txEffectClrLst/>
   </dgm:styleLbl>
-  <dgm:styleLbl name="parChTrans1D2">
+  <dgm:styleLbl name="asst0">
     <dgm:fillClrLst meth="repeat">
-      <a:schemeClr val="dk2"/>
+      <a:schemeClr val="accent5"/>
     </dgm:fillClrLst>
     <dgm:linClrLst meth="repeat">
-      <a:schemeClr val="dk2">
-        <a:shade val="60000"/>
+      <a:schemeClr val="lt1">
+        <a:shade val="80000"/>
       </a:schemeClr>
+    </dgm:linClrLst>
+    <dgm:effectClrLst/>
+    <dgm:txLinClrLst/>
+    <dgm:txFillClrLst/>
+    <dgm:txEffectClrLst/>
+  </dgm:styleLbl>
+  <dgm:styleLbl name="asst1">
+    <dgm:fillClrLst meth="repeat">
+      <a:schemeClr val="accent6"/>
+    </dgm:fillClrLst>
+    <dgm:linClrLst meth="repeat">
+      <a:schemeClr val="lt1">
+        <a:shade val="80000"/>
+      </a:schemeClr>
+    </dgm:linClrLst>
+    <dgm:effectClrLst/>
+    <dgm:txLinClrLst/>
+    <dgm:txFillClrLst/>
+    <dgm:txEffectClrLst/>
+  </dgm:styleLbl>
+  <dgm:styleLbl name="asst2">
+    <dgm:fillClrLst>
+      <a:schemeClr val="accent1"/>
+    </dgm:fillClrLst>
+    <dgm:linClrLst meth="repeat">
+      <a:schemeClr val="lt1"/>
+    </dgm:linClrLst>
+    <dgm:effectClrLst/>
+    <dgm:txLinClrLst/>
+    <dgm:txFillClrLst/>
+    <dgm:txEffectClrLst/>
+  </dgm:styleLbl>
+  <dgm:styleLbl name="asst3">
+    <dgm:fillClrLst>
+      <a:schemeClr val="accent2"/>
+    </dgm:fillClrLst>
+    <dgm:linClrLst meth="repeat">
+      <a:schemeClr val="lt1"/>
+    </dgm:linClrLst>
+    <dgm:effectClrLst/>
+    <dgm:txLinClrLst/>
+    <dgm:txFillClrLst/>
+    <dgm:txEffectClrLst/>
+  </dgm:styleLbl>
+  <dgm:styleLbl name="asst4">
+    <dgm:fillClrLst>
+      <a:schemeClr val="accent3"/>
+    </dgm:fillClrLst>
+    <dgm:linClrLst meth="repeat">
+      <a:schemeClr val="lt1"/>
+    </dgm:linClrLst>
+    <dgm:effectClrLst/>
+    <dgm:txLinClrLst/>
+    <dgm:txFillClrLst/>
+    <dgm:txEffectClrLst/>
+  </dgm:styleLbl>
+  <dgm:styleLbl name="parChTrans2D1">
+    <dgm:fillClrLst meth="repeat">
+      <a:schemeClr val="accent5"/>
+    </dgm:fillClrLst>
+    <dgm:linClrLst meth="repeat">
+      <a:schemeClr val="lt1"/>
+    </dgm:linClrLst>
+    <dgm:effectClrLst/>
+    <dgm:txLinClrLst/>
+    <dgm:txFillClrLst meth="repeat">
+      <a:schemeClr val="lt1"/>
+    </dgm:txFillClrLst>
+    <dgm:txEffectClrLst/>
+  </dgm:styleLbl>
+  <dgm:styleLbl name="parChTrans2D2">
+    <dgm:fillClrLst meth="repeat">
+      <a:schemeClr val="accent6"/>
+    </dgm:fillClrLst>
+    <dgm:linClrLst meth="repeat">
+      <a:schemeClr val="lt1"/>
+    </dgm:linClrLst>
+    <dgm:effectClrLst/>
+    <dgm:txLinClrLst/>
+    <dgm:txFillClrLst/>
+    <dgm:txEffectClrLst/>
+  </dgm:styleLbl>
+  <dgm:styleLbl name="parChTrans2D3">
+    <dgm:fillClrLst meth="repeat">
+      <a:schemeClr val="accent6"/>
+    </dgm:fillClrLst>
+    <dgm:linClrLst meth="repeat">
+      <a:schemeClr val="lt1"/>
+    </dgm:linClrLst>
+    <dgm:effectClrLst/>
+    <dgm:txLinClrLst/>
+    <dgm:txFillClrLst/>
+    <dgm:txEffectClrLst/>
+  </dgm:styleLbl>
+  <dgm:styleLbl name="parChTrans2D4">
+    <dgm:fillClrLst meth="repeat">
+      <a:schemeClr val="accent1"/>
+    </dgm:fillClrLst>
+    <dgm:linClrLst meth="repeat">
+      <a:schemeClr val="lt1"/>
+    </dgm:linClrLst>
+    <dgm:effectClrLst/>
+    <dgm:txLinClrLst/>
+    <dgm:txFillClrLst meth="repeat">
+      <a:schemeClr val="lt1"/>
+    </dgm:txFillClrLst>
+    <dgm:txEffectClrLst/>
+  </dgm:styleLbl>
+  <dgm:styleLbl name="parChTrans1D1">
+    <dgm:fillClrLst meth="repeat">
+      <a:schemeClr val="accent5"/>
+    </dgm:fillClrLst>
+    <dgm:linClrLst meth="repeat">
+      <a:schemeClr val="accent5"/>
     </dgm:linClrLst>
     <dgm:effectClrLst/>
     <dgm:txLinClrLst/>
@@ -2056,14 +2040,14 @@
     </dgm:txFillClrLst>
     <dgm:txEffectClrLst/>
   </dgm:styleLbl>
-  <dgm:styleLbl name="parChTrans1D3">
+  <dgm:styleLbl name="parChTrans1D2">
     <dgm:fillClrLst meth="repeat">
-      <a:schemeClr val="dk2"/>
+      <a:schemeClr val="accent6">
+        <a:tint val="90000"/>
+      </a:schemeClr>
     </dgm:fillClrLst>
     <dgm:linClrLst meth="repeat">
-      <a:schemeClr val="dk2">
-        <a:shade val="80000"/>
-      </a:schemeClr>
+      <a:schemeClr val="accent6"/>
     </dgm:linClrLst>
     <dgm:effectClrLst/>
     <dgm:txLinClrLst/>
@@ -2072,14 +2056,14 @@
     </dgm:txFillClrLst>
     <dgm:txEffectClrLst/>
   </dgm:styleLbl>
-  <dgm:styleLbl name="parChTrans1D4">
+  <dgm:styleLbl name="parChTrans1D3">
     <dgm:fillClrLst meth="repeat">
-      <a:schemeClr val="dk2"/>
+      <a:schemeClr val="accent6">
+        <a:tint val="70000"/>
+      </a:schemeClr>
     </dgm:fillClrLst>
     <dgm:linClrLst meth="repeat">
-      <a:schemeClr val="dk2">
-        <a:shade val="80000"/>
-      </a:schemeClr>
+      <a:schemeClr val="accent1"/>
     </dgm:linClrLst>
     <dgm:effectClrLst/>
     <dgm:txLinClrLst/>
@@ -2088,14 +2072,31 @@
     </dgm:txFillClrLst>
     <dgm:txEffectClrLst/>
   </dgm:styleLbl>
+  <dgm:styleLbl name="parChTrans1D4">
+    <dgm:fillClrLst meth="repeat">
+      <a:schemeClr val="accent6">
+        <a:tint val="50000"/>
+      </a:schemeClr>
+    </dgm:fillClrLst>
+    <dgm:linClrLst meth="repeat">
+      <a:schemeClr val="accent2"/>
+    </dgm:linClrLst>
+    <dgm:effectClrLst/>
+    <dgm:txLinClrLst/>
+    <dgm:txFillClrLst meth="repeat">
+      <a:schemeClr val="tx1"/>
+    </dgm:txFillClrLst>
+    <dgm:txEffectClrLst/>
+  </dgm:styleLbl>
   <dgm:styleLbl name="fgAcc1">
     <dgm:fillClrLst meth="repeat">
-      <a:schemeClr val="lt2">
+      <a:schemeClr val="lt1">
         <a:alpha val="90000"/>
       </a:schemeClr>
     </dgm:fillClrLst>
-    <dgm:linClrLst meth="repeat">
-      <a:schemeClr val="dk2"/>
+    <dgm:linClrLst>
+      <a:schemeClr val="accent5"/>
+      <a:schemeClr val="accent6"/>
     </dgm:linClrLst>
     <dgm:effectClrLst/>
     <dgm:txLinClrLst/>
@@ -2106,12 +2107,13 @@
   </dgm:styleLbl>
   <dgm:styleLbl name="conFgAcc1">
     <dgm:fillClrLst meth="repeat">
-      <a:schemeClr val="lt2">
+      <a:schemeClr val="lt1">
         <a:alpha val="90000"/>
       </a:schemeClr>
     </dgm:fillClrLst>
-    <dgm:linClrLst meth="repeat">
-      <a:schemeClr val="dk2"/>
+    <dgm:linClrLst>
+      <a:schemeClr val="accent5"/>
+      <a:schemeClr val="accent6"/>
     </dgm:linClrLst>
     <dgm:effectClrLst/>
     <dgm:txLinClrLst/>
@@ -2122,12 +2124,13 @@
   </dgm:styleLbl>
   <dgm:styleLbl name="alignAcc1">
     <dgm:fillClrLst meth="repeat">
-      <a:schemeClr val="lt2">
+      <a:schemeClr val="lt1">
         <a:alpha val="90000"/>
       </a:schemeClr>
     </dgm:fillClrLst>
-    <dgm:linClrLst meth="repeat">
-      <a:schemeClr val="dk2"/>
+    <dgm:linClrLst>
+      <a:schemeClr val="accent5"/>
+      <a:schemeClr val="accent6"/>
     </dgm:linClrLst>
     <dgm:effectClrLst/>
     <dgm:txLinClrLst/>
@@ -2138,12 +2141,12 @@
   </dgm:styleLbl>
   <dgm:styleLbl name="trAlignAcc1">
     <dgm:fillClrLst meth="repeat">
-      <a:schemeClr val="lt2">
+      <a:schemeClr val="lt1">
         <a:alpha val="40000"/>
       </a:schemeClr>
     </dgm:fillClrLst>
     <dgm:linClrLst meth="repeat">
-      <a:schemeClr val="dk2"/>
+      <a:schemeClr val="accent5"/>
     </dgm:linClrLst>
     <dgm:effectClrLst/>
     <dgm:txLinClrLst/>
@@ -2154,12 +2157,13 @@
   </dgm:styleLbl>
   <dgm:styleLbl name="bgAcc1">
     <dgm:fillClrLst meth="repeat">
-      <a:schemeClr val="lt2">
+      <a:schemeClr val="lt1">
         <a:alpha val="90000"/>
       </a:schemeClr>
     </dgm:fillClrLst>
-    <dgm:linClrLst meth="repeat">
-      <a:schemeClr val="dk2"/>
+    <dgm:linClrLst>
+      <a:schemeClr val="accent5"/>
+      <a:schemeClr val="accent6"/>
     </dgm:linClrLst>
     <dgm:effectClrLst/>
     <dgm:txLinClrLst/>
@@ -2170,10 +2174,11 @@
   </dgm:styleLbl>
   <dgm:styleLbl name="solidFgAcc1">
     <dgm:fillClrLst meth="repeat">
-      <a:schemeClr val="lt2"/>
+      <a:schemeClr val="lt1"/>
     </dgm:fillClrLst>
-    <dgm:linClrLst meth="repeat">
-      <a:schemeClr val="dk2"/>
+    <dgm:linClrLst>
+      <a:schemeClr val="accent5"/>
+      <a:schemeClr val="accent6"/>
     </dgm:linClrLst>
     <dgm:effectClrLst/>
     <dgm:txLinClrLst/>
@@ -2184,10 +2189,11 @@
   </dgm:styleLbl>
   <dgm:styleLbl name="solidAlignAcc1">
     <dgm:fillClrLst meth="repeat">
-      <a:schemeClr val="lt2"/>
+      <a:schemeClr val="lt1"/>
     </dgm:fillClrLst>
-    <dgm:linClrLst meth="repeat">
-      <a:schemeClr val="dk2"/>
+    <dgm:linClrLst>
+      <a:schemeClr val="accent5"/>
+      <a:schemeClr val="accent6"/>
     </dgm:linClrLst>
     <dgm:effectClrLst/>
     <dgm:txLinClrLst/>
@@ -2198,10 +2204,11 @@
   </dgm:styleLbl>
   <dgm:styleLbl name="solidBgAcc1">
     <dgm:fillClrLst meth="repeat">
-      <a:schemeClr val="lt2"/>
+      <a:schemeClr val="lt1"/>
     </dgm:fillClrLst>
-    <dgm:linClrLst meth="repeat">
-      <a:schemeClr val="dk2"/>
+    <dgm:linClrLst>
+      <a:schemeClr val="accent5"/>
+      <a:schemeClr val="accent6"/>
     </dgm:linClrLst>
     <dgm:effectClrLst/>
     <dgm:txLinClrLst/>
@@ -2211,16 +2218,24 @@
     <dgm:txEffectClrLst/>
   </dgm:styleLbl>
   <dgm:styleLbl name="fgAccFollowNode1">
-    <dgm:fillClrLst meth="repeat">
-      <a:schemeClr val="dk2">
+    <dgm:fillClrLst>
+      <a:schemeClr val="accent5">
+        <a:tint val="40000"/>
         <a:alpha val="90000"/>
+      </a:schemeClr>
+      <a:schemeClr val="accent6">
         <a:tint val="40000"/>
+        <a:alpha val="90000"/>
       </a:schemeClr>
     </dgm:fillClrLst>
-    <dgm:linClrLst meth="repeat">
-      <a:schemeClr val="dk2">
+    <dgm:linClrLst>
+      <a:schemeClr val="accent5">
+        <a:tint val="40000"/>
         <a:alpha val="90000"/>
+      </a:schemeClr>
+      <a:schemeClr val="accent5">
         <a:tint val="40000"/>
+        <a:alpha val="90000"/>
       </a:schemeClr>
     </dgm:linClrLst>
     <dgm:effectClrLst/>
@@ -2231,16 +2246,24 @@
     <dgm:txEffectClrLst/>
   </dgm:styleLbl>
   <dgm:styleLbl name="alignAccFollowNode1">
-    <dgm:fillClrLst meth="repeat">
-      <a:schemeClr val="dk2">
+    <dgm:fillClrLst>
+      <a:schemeClr val="accent5">
+        <a:tint val="40000"/>
         <a:alpha val="90000"/>
+      </a:schemeClr>
+      <a:schemeClr val="accent6">
         <a:tint val="40000"/>
+        <a:alpha val="90000"/>
       </a:schemeClr>
     </dgm:fillClrLst>
-    <dgm:linClrLst meth="repeat">
-      <a:schemeClr val="dk2">
+    <dgm:linClrLst>
+      <a:schemeClr val="accent5">
+        <a:tint val="40000"/>
         <a:alpha val="90000"/>
+      </a:schemeClr>
+      <a:schemeClr val="accent6">
         <a:tint val="40000"/>
+        <a:alpha val="90000"/>
       </a:schemeClr>
     </dgm:linClrLst>
     <dgm:effectClrLst/>
@@ -2251,16 +2274,24 @@
     <dgm:txEffectClrLst/>
   </dgm:styleLbl>
   <dgm:styleLbl name="bgAccFollowNode1">
-    <dgm:fillClrLst meth="repeat">
-      <a:schemeClr val="dk2">
+    <dgm:fillClrLst>
+      <a:schemeClr val="accent5">
+        <a:tint val="40000"/>
         <a:alpha val="90000"/>
+      </a:schemeClr>
+      <a:schemeClr val="accent6">
         <a:tint val="40000"/>
+        <a:alpha val="90000"/>
       </a:schemeClr>
     </dgm:fillClrLst>
-    <dgm:linClrLst meth="repeat">
-      <a:schemeClr val="dk2">
+    <dgm:linClrLst>
+      <a:schemeClr val="accent5">
+        <a:tint val="40000"/>
         <a:alpha val="90000"/>
+      </a:schemeClr>
+      <a:schemeClr val="accent6">
         <a:tint val="40000"/>
+        <a:alpha val="90000"/>
       </a:schemeClr>
     </dgm:linClrLst>
     <dgm:effectClrLst/>
@@ -2272,12 +2303,12 @@
   </dgm:styleLbl>
   <dgm:styleLbl name="fgAcc0">
     <dgm:fillClrLst meth="repeat">
-      <a:schemeClr val="lt2">
+      <a:schemeClr val="lt1">
         <a:alpha val="90000"/>
       </a:schemeClr>
     </dgm:fillClrLst>
-    <dgm:linClrLst meth="repeat">
-      <a:schemeClr val="dk2"/>
+    <dgm:linClrLst>
+      <a:schemeClr val="accent4"/>
     </dgm:linClrLst>
     <dgm:effectClrLst/>
     <dgm:txLinClrLst/>
@@ -2288,12 +2319,12 @@
   </dgm:styleLbl>
   <dgm:styleLbl name="fgAcc2">
     <dgm:fillClrLst meth="repeat">
-      <a:schemeClr val="lt2">
+      <a:schemeClr val="lt1">
         <a:alpha val="90000"/>
       </a:schemeClr>
     </dgm:fillClrLst>
-    <dgm:linClrLst meth="repeat">
-      <a:schemeClr val="dk2"/>
+    <dgm:linClrLst>
+      <a:schemeClr val="accent6"/>
     </dgm:linClrLst>
     <dgm:effectClrLst/>
     <dgm:txLinClrLst/>
@@ -2304,12 +2335,12 @@
   </dgm:styleLbl>
   <dgm:styleLbl name="fgAcc3">
     <dgm:fillClrLst meth="repeat">
-      <a:schemeClr val="lt2">
+      <a:schemeClr val="lt1">
         <a:alpha val="90000"/>
       </a:schemeClr>
     </dgm:fillClrLst>
-    <dgm:linClrLst meth="repeat">
-      <a:schemeClr val="dk2"/>
+    <dgm:linClrLst>
+      <a:schemeClr val="accent1"/>
     </dgm:linClrLst>
     <dgm:effectClrLst/>
     <dgm:txLinClrLst/>
@@ -2320,12 +2351,12 @@
   </dgm:styleLbl>
   <dgm:styleLbl name="fgAcc4">
     <dgm:fillClrLst meth="repeat">
-      <a:schemeClr val="lt2">
+      <a:schemeClr val="lt1">
         <a:alpha val="90000"/>
       </a:schemeClr>
     </dgm:fillClrLst>
-    <dgm:linClrLst meth="repeat">
-      <a:schemeClr val="dk2"/>
+    <dgm:linClrLst>
+      <a:schemeClr val="accent2"/>
     </dgm:linClrLst>
     <dgm:effectClrLst/>
     <dgm:txLinClrLst/>
@@ -2336,12 +2367,12 @@
   </dgm:styleLbl>
   <dgm:styleLbl name="bgShp">
     <dgm:fillClrLst meth="repeat">
-      <a:schemeClr val="dk2">
+      <a:schemeClr val="accent5">
         <a:tint val="40000"/>
       </a:schemeClr>
     </dgm:fillClrLst>
     <dgm:linClrLst meth="repeat">
-      <a:schemeClr val="dk2"/>
+      <a:schemeClr val="dk1"/>
     </dgm:linClrLst>
     <dgm:effectClrLst/>
     <dgm:txLinClrLst/>
@@ -2352,12 +2383,12 @@
   </dgm:styleLbl>
   <dgm:styleLbl name="dkBgShp">
     <dgm:fillClrLst meth="repeat">
-      <a:schemeClr val="dk2">
-        <a:shade val="80000"/>
+      <a:schemeClr val="accent5">
+        <a:shade val="90000"/>
       </a:schemeClr>
     </dgm:fillClrLst>
     <dgm:linClrLst meth="repeat">
-      <a:schemeClr val="dk2"/>
+      <a:schemeClr val="dk1"/>
     </dgm:linClrLst>
     <dgm:effectClrLst/>
     <dgm:txLinClrLst/>
@@ -2368,13 +2399,13 @@
   </dgm:styleLbl>
   <dgm:styleLbl name="trBgShp">
     <dgm:fillClrLst meth="repeat">
-      <a:schemeClr val="dk2">
+      <a:schemeClr val="accent5">
         <a:tint val="50000"/>
         <a:alpha val="40000"/>
       </a:schemeClr>
     </dgm:fillClrLst>
     <dgm:linClrLst meth="repeat">
-      <a:schemeClr val="dk2"/>
+      <a:schemeClr val="accent5"/>
     </dgm:linClrLst>
     <dgm:effectClrLst/>
     <dgm:txLinClrLst/>
@@ -2385,12 +2416,12 @@
   </dgm:styleLbl>
   <dgm:styleLbl name="fgShp">
     <dgm:fillClrLst meth="repeat">
-      <a:schemeClr val="dk2">
-        <a:tint val="60000"/>
+      <a:schemeClr val="accent5">
+        <a:tint val="40000"/>
       </a:schemeClr>
     </dgm:fillClrLst>
     <dgm:linClrLst meth="repeat">
-      <a:schemeClr val="lt2"/>
+      <a:schemeClr val="lt1"/>
     </dgm:linClrLst>
     <dgm:effectClrLst/>
     <dgm:txLinClrLst/>
@@ -2401,7 +2432,7 @@
   </dgm:styleLbl>
   <dgm:styleLbl name="revTx">
     <dgm:fillClrLst meth="repeat">
-      <a:schemeClr val="lt2">
+      <a:schemeClr val="lt1">
         <a:alpha val="0"/>
       </a:schemeClr>
     </dgm:fillClrLst>
@@ -4871,7 +4902,7 @@
 <dgm:dataModel xmlns:dgm="http://schemas.openxmlformats.org/drawingml/2006/diagram" xmlns:a="http://schemas.openxmlformats.org/drawingml/2006/main">
   <dgm:ptLst>
     <dgm:pt modelId="{22159356-D84D-5948-AC5E-9DB6B492B253}" type="doc">
-      <dgm:prSet loTypeId="urn:microsoft.com/office/officeart/2009/3/layout/BlockDescendingList" loCatId="" qsTypeId="urn:microsoft.com/office/officeart/2005/8/quickstyle/simple1" qsCatId="simple" csTypeId="urn:microsoft.com/office/officeart/2005/8/colors/accent0_3" csCatId="mainScheme" phldr="1"/>
+      <dgm:prSet loTypeId="urn:microsoft.com/office/officeart/2009/3/layout/BlockDescendingList" loCatId="" qsTypeId="urn:microsoft.com/office/officeart/2005/8/quickstyle/simple3" qsCatId="simple" csTypeId="urn:microsoft.com/office/officeart/2005/8/colors/colorful5" csCatId="colorful" phldr="1"/>
       <dgm:spPr/>
       <dgm:t>
         <a:bodyPr/>
@@ -9371,40 +9402,68 @@
         <a:prstGeom prst="rect">
           <a:avLst/>
         </a:prstGeom>
-        <a:solidFill>
-          <a:schemeClr val="dk2">
-            <a:hueOff val="0"/>
-            <a:satOff val="0"/>
-            <a:lumOff val="0"/>
-            <a:alphaOff val="0"/>
-          </a:schemeClr>
-        </a:solidFill>
-        <a:ln w="12700" cap="flat" cmpd="sng" algn="ctr">
-          <a:solidFill>
-            <a:schemeClr val="lt2">
-              <a:hueOff val="0"/>
-              <a:satOff val="0"/>
-              <a:lumOff val="0"/>
-              <a:alphaOff val="0"/>
-            </a:schemeClr>
-          </a:solidFill>
-          <a:prstDash val="solid"/>
-          <a:miter lim="800000"/>
+        <a:gradFill rotWithShape="0">
+          <a:gsLst>
+            <a:gs pos="0">
+              <a:schemeClr val="accent5">
+                <a:hueOff val="-343741"/>
+                <a:satOff val="-4006"/>
+                <a:lumOff val="-719"/>
+                <a:alphaOff val="0"/>
+                <a:lumMod val="110000"/>
+                <a:satMod val="105000"/>
+                <a:tint val="67000"/>
+              </a:schemeClr>
+            </a:gs>
+            <a:gs pos="50000">
+              <a:schemeClr val="accent5">
+                <a:hueOff val="-343741"/>
+                <a:satOff val="-4006"/>
+                <a:lumOff val="-719"/>
+                <a:alphaOff val="0"/>
+                <a:lumMod val="105000"/>
+                <a:satMod val="103000"/>
+                <a:tint val="73000"/>
+              </a:schemeClr>
+            </a:gs>
+            <a:gs pos="100000">
+              <a:schemeClr val="accent5">
+                <a:hueOff val="-343741"/>
+                <a:satOff val="-4006"/>
+                <a:lumOff val="-719"/>
+                <a:alphaOff val="0"/>
+                <a:lumMod val="105000"/>
+                <a:satMod val="109000"/>
+                <a:tint val="81000"/>
+              </a:schemeClr>
+            </a:gs>
+          </a:gsLst>
+          <a:lin ang="5400000" scaled="0"/>
+        </a:gradFill>
+        <a:ln>
+          <a:noFill/>
         </a:ln>
         <a:effectLst/>
+        <a:scene3d>
+          <a:camera prst="orthographicFront"/>
+          <a:lightRig rig="flat" dir="t"/>
+        </a:scene3d>
+        <a:sp3d prstMaterial="dkEdge">
+          <a:bevelT w="8200" h="38100"/>
+        </a:sp3d>
       </dsp:spPr>
       <dsp:style>
-        <a:lnRef idx="2">
+        <a:lnRef idx="0">
           <a:scrgbClr r="0" g="0" b="0"/>
         </a:lnRef>
-        <a:fillRef idx="1">
+        <a:fillRef idx="2">
           <a:scrgbClr r="0" g="0" b="0"/>
         </a:fillRef>
-        <a:effectRef idx="0">
+        <a:effectRef idx="1">
           <a:scrgbClr r="0" g="0" b="0"/>
         </a:effectRef>
         <a:fontRef idx="minor">
-          <a:schemeClr val="lt1"/>
+          <a:schemeClr val="dk1"/>
         </a:fontRef>
       </dsp:style>
       <dsp:txBody>
@@ -9449,40 +9508,68 @@
         <a:prstGeom prst="rect">
           <a:avLst/>
         </a:prstGeom>
-        <a:solidFill>
-          <a:schemeClr val="dk2">
-            <a:hueOff val="0"/>
-            <a:satOff val="0"/>
-            <a:lumOff val="0"/>
-            <a:alphaOff val="0"/>
-          </a:schemeClr>
-        </a:solidFill>
-        <a:ln w="12700" cap="flat" cmpd="sng" algn="ctr">
-          <a:solidFill>
-            <a:schemeClr val="lt2">
-              <a:hueOff val="0"/>
-              <a:satOff val="0"/>
-              <a:lumOff val="0"/>
-              <a:alphaOff val="0"/>
-            </a:schemeClr>
-          </a:solidFill>
-          <a:prstDash val="solid"/>
-          <a:miter lim="800000"/>
+        <a:gradFill rotWithShape="0">
+          <a:gsLst>
+            <a:gs pos="0">
+              <a:schemeClr val="accent5">
+                <a:hueOff val="-171871"/>
+                <a:satOff val="-2003"/>
+                <a:lumOff val="-360"/>
+                <a:alphaOff val="0"/>
+                <a:lumMod val="110000"/>
+                <a:satMod val="105000"/>
+                <a:tint val="67000"/>
+              </a:schemeClr>
+            </a:gs>
+            <a:gs pos="50000">
+              <a:schemeClr val="accent5">
+                <a:hueOff val="-171871"/>
+                <a:satOff val="-2003"/>
+                <a:lumOff val="-360"/>
+                <a:alphaOff val="0"/>
+                <a:lumMod val="105000"/>
+                <a:satMod val="103000"/>
+                <a:tint val="73000"/>
+              </a:schemeClr>
+            </a:gs>
+            <a:gs pos="100000">
+              <a:schemeClr val="accent5">
+                <a:hueOff val="-171871"/>
+                <a:satOff val="-2003"/>
+                <a:lumOff val="-360"/>
+                <a:alphaOff val="0"/>
+                <a:lumMod val="105000"/>
+                <a:satMod val="109000"/>
+                <a:tint val="81000"/>
+              </a:schemeClr>
+            </a:gs>
+          </a:gsLst>
+          <a:lin ang="5400000" scaled="0"/>
+        </a:gradFill>
+        <a:ln>
+          <a:noFill/>
         </a:ln>
         <a:effectLst/>
+        <a:scene3d>
+          <a:camera prst="orthographicFront"/>
+          <a:lightRig rig="flat" dir="t"/>
+        </a:scene3d>
+        <a:sp3d prstMaterial="dkEdge">
+          <a:bevelT w="8200" h="38100"/>
+        </a:sp3d>
       </dsp:spPr>
       <dsp:style>
-        <a:lnRef idx="2">
+        <a:lnRef idx="0">
           <a:scrgbClr r="0" g="0" b="0"/>
         </a:lnRef>
-        <a:fillRef idx="1">
+        <a:fillRef idx="2">
           <a:scrgbClr r="0" g="0" b="0"/>
         </a:fillRef>
-        <a:effectRef idx="0">
+        <a:effectRef idx="1">
           <a:scrgbClr r="0" g="0" b="0"/>
         </a:effectRef>
         <a:fontRef idx="minor">
-          <a:schemeClr val="lt1"/>
+          <a:schemeClr val="dk1"/>
         </a:fontRef>
       </dsp:style>
       <dsp:txBody>
@@ -9527,40 +9614,68 @@
         <a:prstGeom prst="rect">
           <a:avLst/>
         </a:prstGeom>
-        <a:solidFill>
-          <a:schemeClr val="dk2">
-            <a:hueOff val="0"/>
-            <a:satOff val="0"/>
-            <a:lumOff val="0"/>
-            <a:alphaOff val="0"/>
-          </a:schemeClr>
-        </a:solidFill>
-        <a:ln w="12700" cap="flat" cmpd="sng" algn="ctr">
-          <a:solidFill>
-            <a:schemeClr val="lt2">
-              <a:hueOff val="0"/>
-              <a:satOff val="0"/>
-              <a:lumOff val="0"/>
-              <a:alphaOff val="0"/>
-            </a:schemeClr>
-          </a:solidFill>
-          <a:prstDash val="solid"/>
-          <a:miter lim="800000"/>
+        <a:gradFill rotWithShape="0">
+          <a:gsLst>
+            <a:gs pos="0">
+              <a:schemeClr val="accent5">
+                <a:hueOff val="-515611"/>
+                <a:satOff val="-6008"/>
+                <a:lumOff val="-1079"/>
+                <a:alphaOff val="0"/>
+                <a:lumMod val="110000"/>
+                <a:satMod val="105000"/>
+                <a:tint val="67000"/>
+              </a:schemeClr>
+            </a:gs>
+            <a:gs pos="50000">
+              <a:schemeClr val="accent5">
+                <a:hueOff val="-515611"/>
+                <a:satOff val="-6008"/>
+                <a:lumOff val="-1079"/>
+                <a:alphaOff val="0"/>
+                <a:lumMod val="105000"/>
+                <a:satMod val="103000"/>
+                <a:tint val="73000"/>
+              </a:schemeClr>
+            </a:gs>
+            <a:gs pos="100000">
+              <a:schemeClr val="accent5">
+                <a:hueOff val="-515611"/>
+                <a:satOff val="-6008"/>
+                <a:lumOff val="-1079"/>
+                <a:alphaOff val="0"/>
+                <a:lumMod val="105000"/>
+                <a:satMod val="109000"/>
+                <a:tint val="81000"/>
+              </a:schemeClr>
+            </a:gs>
+          </a:gsLst>
+          <a:lin ang="5400000" scaled="0"/>
+        </a:gradFill>
+        <a:ln>
+          <a:noFill/>
         </a:ln>
         <a:effectLst/>
+        <a:scene3d>
+          <a:camera prst="orthographicFront"/>
+          <a:lightRig rig="flat" dir="t"/>
+        </a:scene3d>
+        <a:sp3d prstMaterial="dkEdge">
+          <a:bevelT w="8200" h="38100"/>
+        </a:sp3d>
       </dsp:spPr>
       <dsp:style>
-        <a:lnRef idx="2">
+        <a:lnRef idx="0">
           <a:scrgbClr r="0" g="0" b="0"/>
         </a:lnRef>
-        <a:fillRef idx="1">
+        <a:fillRef idx="2">
           <a:scrgbClr r="0" g="0" b="0"/>
         </a:fillRef>
-        <a:effectRef idx="0">
+        <a:effectRef idx="1">
           <a:scrgbClr r="0" g="0" b="0"/>
         </a:effectRef>
         <a:fontRef idx="minor">
-          <a:schemeClr val="lt1"/>
+          <a:schemeClr val="dk1"/>
         </a:fontRef>
       </dsp:style>
       <dsp:txBody>
@@ -9606,40 +9721,68 @@
         <a:prstGeom prst="rect">
           <a:avLst/>
         </a:prstGeom>
-        <a:solidFill>
-          <a:schemeClr val="dk2">
-            <a:hueOff val="0"/>
-            <a:satOff val="0"/>
-            <a:lumOff val="0"/>
-            <a:alphaOff val="0"/>
-          </a:schemeClr>
-        </a:solidFill>
-        <a:ln w="12700" cap="flat" cmpd="sng" algn="ctr">
-          <a:solidFill>
-            <a:schemeClr val="lt2">
-              <a:hueOff val="0"/>
-              <a:satOff val="0"/>
-              <a:lumOff val="0"/>
-              <a:alphaOff val="0"/>
-            </a:schemeClr>
-          </a:solidFill>
-          <a:prstDash val="solid"/>
-          <a:miter lim="800000"/>
+        <a:gradFill rotWithShape="0">
+          <a:gsLst>
+            <a:gs pos="0">
+              <a:schemeClr val="accent5">
+                <a:hueOff val="0"/>
+                <a:satOff val="0"/>
+                <a:lumOff val="0"/>
+                <a:alphaOff val="0"/>
+                <a:lumMod val="110000"/>
+                <a:satMod val="105000"/>
+                <a:tint val="67000"/>
+              </a:schemeClr>
+            </a:gs>
+            <a:gs pos="50000">
+              <a:schemeClr val="accent5">
+                <a:hueOff val="0"/>
+                <a:satOff val="0"/>
+                <a:lumOff val="0"/>
+                <a:alphaOff val="0"/>
+                <a:lumMod val="105000"/>
+                <a:satMod val="103000"/>
+                <a:tint val="73000"/>
+              </a:schemeClr>
+            </a:gs>
+            <a:gs pos="100000">
+              <a:schemeClr val="accent5">
+                <a:hueOff val="0"/>
+                <a:satOff val="0"/>
+                <a:lumOff val="0"/>
+                <a:alphaOff val="0"/>
+                <a:lumMod val="105000"/>
+                <a:satMod val="109000"/>
+                <a:tint val="81000"/>
+              </a:schemeClr>
+            </a:gs>
+          </a:gsLst>
+          <a:lin ang="5400000" scaled="0"/>
+        </a:gradFill>
+        <a:ln>
+          <a:noFill/>
         </a:ln>
         <a:effectLst/>
+        <a:scene3d>
+          <a:camera prst="orthographicFront"/>
+          <a:lightRig rig="flat" dir="t"/>
+        </a:scene3d>
+        <a:sp3d prstMaterial="dkEdge">
+          <a:bevelT w="8200" h="38100"/>
+        </a:sp3d>
       </dsp:spPr>
       <dsp:style>
-        <a:lnRef idx="2">
+        <a:lnRef idx="0">
           <a:scrgbClr r="0" g="0" b="0"/>
         </a:lnRef>
-        <a:fillRef idx="1">
+        <a:fillRef idx="2">
           <a:scrgbClr r="0" g="0" b="0"/>
         </a:fillRef>
-        <a:effectRef idx="0">
+        <a:effectRef idx="1">
           <a:scrgbClr r="0" g="0" b="0"/>
         </a:effectRef>
         <a:fontRef idx="minor">
-          <a:schemeClr val="lt1"/>
+          <a:schemeClr val="dk1"/>
         </a:fontRef>
       </dsp:style>
       <dsp:txBody>
@@ -9685,40 +9828,68 @@
         <a:prstGeom prst="rect">
           <a:avLst/>
         </a:prstGeom>
-        <a:solidFill>
-          <a:schemeClr val="dk2">
-            <a:hueOff val="0"/>
-            <a:satOff val="0"/>
-            <a:lumOff val="0"/>
-            <a:alphaOff val="0"/>
-          </a:schemeClr>
-        </a:solidFill>
-        <a:ln w="12700" cap="flat" cmpd="sng" algn="ctr">
-          <a:solidFill>
-            <a:schemeClr val="lt2">
-              <a:hueOff val="0"/>
-              <a:satOff val="0"/>
-              <a:lumOff val="0"/>
-              <a:alphaOff val="0"/>
-            </a:schemeClr>
-          </a:solidFill>
-          <a:prstDash val="solid"/>
-          <a:miter lim="800000"/>
+        <a:gradFill rotWithShape="0">
+          <a:gsLst>
+            <a:gs pos="0">
+              <a:schemeClr val="accent5">
+                <a:hueOff val="-687482"/>
+                <a:satOff val="-8011"/>
+                <a:lumOff val="-1439"/>
+                <a:alphaOff val="0"/>
+                <a:lumMod val="110000"/>
+                <a:satMod val="105000"/>
+                <a:tint val="67000"/>
+              </a:schemeClr>
+            </a:gs>
+            <a:gs pos="50000">
+              <a:schemeClr val="accent5">
+                <a:hueOff val="-687482"/>
+                <a:satOff val="-8011"/>
+                <a:lumOff val="-1439"/>
+                <a:alphaOff val="0"/>
+                <a:lumMod val="105000"/>
+                <a:satMod val="103000"/>
+                <a:tint val="73000"/>
+              </a:schemeClr>
+            </a:gs>
+            <a:gs pos="100000">
+              <a:schemeClr val="accent5">
+                <a:hueOff val="-687482"/>
+                <a:satOff val="-8011"/>
+                <a:lumOff val="-1439"/>
+                <a:alphaOff val="0"/>
+                <a:lumMod val="105000"/>
+                <a:satMod val="109000"/>
+                <a:tint val="81000"/>
+              </a:schemeClr>
+            </a:gs>
+          </a:gsLst>
+          <a:lin ang="5400000" scaled="0"/>
+        </a:gradFill>
+        <a:ln>
+          <a:noFill/>
         </a:ln>
         <a:effectLst/>
+        <a:scene3d>
+          <a:camera prst="orthographicFront"/>
+          <a:lightRig rig="flat" dir="t"/>
+        </a:scene3d>
+        <a:sp3d prstMaterial="dkEdge">
+          <a:bevelT w="8200" h="38100"/>
+        </a:sp3d>
       </dsp:spPr>
       <dsp:style>
-        <a:lnRef idx="2">
+        <a:lnRef idx="0">
           <a:scrgbClr r="0" g="0" b="0"/>
         </a:lnRef>
-        <a:fillRef idx="1">
+        <a:fillRef idx="2">
           <a:scrgbClr r="0" g="0" b="0"/>
         </a:fillRef>
-        <a:effectRef idx="0">
+        <a:effectRef idx="1">
           <a:scrgbClr r="0" g="0" b="0"/>
         </a:effectRef>
         <a:fontRef idx="minor">
-          <a:schemeClr val="lt1"/>
+          <a:schemeClr val="dk1"/>
         </a:fontRef>
       </dsp:style>
       <dsp:txBody>
@@ -9764,26 +9935,28 @@
           <a:avLst/>
         </a:prstGeom>
         <a:noFill/>
-        <a:ln w="12700" cap="flat" cmpd="sng" algn="ctr">
+        <a:ln>
           <a:noFill/>
-          <a:prstDash val="solid"/>
-          <a:miter lim="800000"/>
         </a:ln>
         <a:effectLst/>
+        <a:scene3d>
+          <a:camera prst="orthographicFront"/>
+          <a:lightRig rig="flat" dir="t"/>
+        </a:scene3d>
         <a:sp3d/>
       </dsp:spPr>
       <dsp:style>
-        <a:lnRef idx="2">
+        <a:lnRef idx="0">
           <a:scrgbClr r="0" g="0" b="0"/>
         </a:lnRef>
-        <a:fillRef idx="1">
+        <a:fillRef idx="2">
           <a:scrgbClr r="0" g="0" b="0"/>
         </a:fillRef>
-        <a:effectRef idx="0">
+        <a:effectRef idx="1">
           <a:scrgbClr r="0" g="0" b="0"/>
         </a:effectRef>
         <a:fontRef idx="minor">
-          <a:schemeClr val="lt1"/>
+          <a:schemeClr val="dk1"/>
         </a:fontRef>
       </dsp:style>
       <dsp:txBody>
@@ -9900,40 +10073,68 @@
         <a:prstGeom prst="rect">
           <a:avLst/>
         </a:prstGeom>
-        <a:solidFill>
-          <a:schemeClr val="dk2">
-            <a:hueOff val="0"/>
-            <a:satOff val="0"/>
-            <a:lumOff val="0"/>
-            <a:alphaOff val="0"/>
-          </a:schemeClr>
-        </a:solidFill>
-        <a:ln w="12700" cap="flat" cmpd="sng" algn="ctr">
-          <a:solidFill>
-            <a:schemeClr val="lt2">
-              <a:hueOff val="0"/>
-              <a:satOff val="0"/>
-              <a:lumOff val="0"/>
-              <a:alphaOff val="0"/>
-            </a:schemeClr>
-          </a:solidFill>
-          <a:prstDash val="solid"/>
-          <a:miter lim="800000"/>
+        <a:gradFill rotWithShape="0">
+          <a:gsLst>
+            <a:gs pos="0">
+              <a:schemeClr val="accent5">
+                <a:hueOff val="-859352"/>
+                <a:satOff val="-10014"/>
+                <a:lumOff val="-1798"/>
+                <a:alphaOff val="0"/>
+                <a:lumMod val="110000"/>
+                <a:satMod val="105000"/>
+                <a:tint val="67000"/>
+              </a:schemeClr>
+            </a:gs>
+            <a:gs pos="50000">
+              <a:schemeClr val="accent5">
+                <a:hueOff val="-859352"/>
+                <a:satOff val="-10014"/>
+                <a:lumOff val="-1798"/>
+                <a:alphaOff val="0"/>
+                <a:lumMod val="105000"/>
+                <a:satMod val="103000"/>
+                <a:tint val="73000"/>
+              </a:schemeClr>
+            </a:gs>
+            <a:gs pos="100000">
+              <a:schemeClr val="accent5">
+                <a:hueOff val="-859352"/>
+                <a:satOff val="-10014"/>
+                <a:lumOff val="-1798"/>
+                <a:alphaOff val="0"/>
+                <a:lumMod val="105000"/>
+                <a:satMod val="109000"/>
+                <a:tint val="81000"/>
+              </a:schemeClr>
+            </a:gs>
+          </a:gsLst>
+          <a:lin ang="5400000" scaled="0"/>
+        </a:gradFill>
+        <a:ln>
+          <a:noFill/>
         </a:ln>
         <a:effectLst/>
+        <a:scene3d>
+          <a:camera prst="orthographicFront"/>
+          <a:lightRig rig="flat" dir="t"/>
+        </a:scene3d>
+        <a:sp3d prstMaterial="dkEdge">
+          <a:bevelT w="8200" h="38100"/>
+        </a:sp3d>
       </dsp:spPr>
       <dsp:style>
-        <a:lnRef idx="2">
+        <a:lnRef idx="0">
           <a:scrgbClr r="0" g="0" b="0"/>
         </a:lnRef>
-        <a:fillRef idx="1">
+        <a:fillRef idx="2">
           <a:scrgbClr r="0" g="0" b="0"/>
         </a:fillRef>
-        <a:effectRef idx="0">
+        <a:effectRef idx="1">
           <a:scrgbClr r="0" g="0" b="0"/>
         </a:effectRef>
         <a:fontRef idx="minor">
-          <a:schemeClr val="lt1"/>
+          <a:schemeClr val="dk1"/>
         </a:fontRef>
       </dsp:style>
       <dsp:txBody>
@@ -9979,26 +10180,28 @@
           <a:avLst/>
         </a:prstGeom>
         <a:noFill/>
-        <a:ln w="12700" cap="flat" cmpd="sng" algn="ctr">
+        <a:ln>
           <a:noFill/>
-          <a:prstDash val="solid"/>
-          <a:miter lim="800000"/>
         </a:ln>
         <a:effectLst/>
+        <a:scene3d>
+          <a:camera prst="orthographicFront"/>
+          <a:lightRig rig="flat" dir="t"/>
+        </a:scene3d>
         <a:sp3d/>
       </dsp:spPr>
       <dsp:style>
-        <a:lnRef idx="2">
+        <a:lnRef idx="0">
           <a:scrgbClr r="0" g="0" b="0"/>
         </a:lnRef>
-        <a:fillRef idx="1">
+        <a:fillRef idx="2">
           <a:scrgbClr r="0" g="0" b="0"/>
         </a:fillRef>
-        <a:effectRef idx="0">
+        <a:effectRef idx="1">
           <a:scrgbClr r="0" g="0" b="0"/>
         </a:effectRef>
         <a:fontRef idx="minor">
-          <a:schemeClr val="lt1"/>
+          <a:schemeClr val="dk1"/>
         </a:fontRef>
       </dsp:style>
       <dsp:txBody>
@@ -10061,40 +10264,68 @@
         <a:prstGeom prst="rect">
           <a:avLst/>
         </a:prstGeom>
-        <a:solidFill>
-          <a:schemeClr val="dk2">
-            <a:hueOff val="0"/>
-            <a:satOff val="0"/>
-            <a:lumOff val="0"/>
-            <a:alphaOff val="0"/>
-          </a:schemeClr>
-        </a:solidFill>
-        <a:ln w="12700" cap="flat" cmpd="sng" algn="ctr">
-          <a:solidFill>
-            <a:schemeClr val="lt2">
-              <a:hueOff val="0"/>
-              <a:satOff val="0"/>
-              <a:lumOff val="0"/>
-              <a:alphaOff val="0"/>
-            </a:schemeClr>
-          </a:solidFill>
-          <a:prstDash val="solid"/>
-          <a:miter lim="800000"/>
+        <a:gradFill rotWithShape="0">
+          <a:gsLst>
+            <a:gs pos="0">
+              <a:schemeClr val="accent5">
+                <a:hueOff val="-1031223"/>
+                <a:satOff val="-12017"/>
+                <a:lumOff val="-2158"/>
+                <a:alphaOff val="0"/>
+                <a:lumMod val="110000"/>
+                <a:satMod val="105000"/>
+                <a:tint val="67000"/>
+              </a:schemeClr>
+            </a:gs>
+            <a:gs pos="50000">
+              <a:schemeClr val="accent5">
+                <a:hueOff val="-1031223"/>
+                <a:satOff val="-12017"/>
+                <a:lumOff val="-2158"/>
+                <a:alphaOff val="0"/>
+                <a:lumMod val="105000"/>
+                <a:satMod val="103000"/>
+                <a:tint val="73000"/>
+              </a:schemeClr>
+            </a:gs>
+            <a:gs pos="100000">
+              <a:schemeClr val="accent5">
+                <a:hueOff val="-1031223"/>
+                <a:satOff val="-12017"/>
+                <a:lumOff val="-2158"/>
+                <a:alphaOff val="0"/>
+                <a:lumMod val="105000"/>
+                <a:satMod val="109000"/>
+                <a:tint val="81000"/>
+              </a:schemeClr>
+            </a:gs>
+          </a:gsLst>
+          <a:lin ang="5400000" scaled="0"/>
+        </a:gradFill>
+        <a:ln>
+          <a:noFill/>
         </a:ln>
         <a:effectLst/>
+        <a:scene3d>
+          <a:camera prst="orthographicFront"/>
+          <a:lightRig rig="flat" dir="t"/>
+        </a:scene3d>
+        <a:sp3d prstMaterial="dkEdge">
+          <a:bevelT w="8200" h="38100"/>
+        </a:sp3d>
       </dsp:spPr>
       <dsp:style>
-        <a:lnRef idx="2">
+        <a:lnRef idx="0">
           <a:scrgbClr r="0" g="0" b="0"/>
         </a:lnRef>
-        <a:fillRef idx="1">
+        <a:fillRef idx="2">
           <a:scrgbClr r="0" g="0" b="0"/>
         </a:fillRef>
-        <a:effectRef idx="0">
+        <a:effectRef idx="1">
           <a:scrgbClr r="0" g="0" b="0"/>
         </a:effectRef>
         <a:fontRef idx="minor">
-          <a:schemeClr val="lt1"/>
+          <a:schemeClr val="dk1"/>
         </a:fontRef>
       </dsp:style>
       <dsp:txBody>
@@ -10140,26 +10371,28 @@
           <a:avLst/>
         </a:prstGeom>
         <a:noFill/>
-        <a:ln w="12700" cap="flat" cmpd="sng" algn="ctr">
+        <a:ln>
           <a:noFill/>
-          <a:prstDash val="solid"/>
-          <a:miter lim="800000"/>
         </a:ln>
         <a:effectLst/>
+        <a:scene3d>
+          <a:camera prst="orthographicFront"/>
+          <a:lightRig rig="flat" dir="t"/>
+        </a:scene3d>
         <a:sp3d/>
       </dsp:spPr>
       <dsp:style>
-        <a:lnRef idx="2">
+        <a:lnRef idx="0">
           <a:scrgbClr r="0" g="0" b="0"/>
         </a:lnRef>
-        <a:fillRef idx="1">
+        <a:fillRef idx="2">
           <a:scrgbClr r="0" g="0" b="0"/>
         </a:fillRef>
-        <a:effectRef idx="0">
+        <a:effectRef idx="1">
           <a:scrgbClr r="0" g="0" b="0"/>
         </a:effectRef>
         <a:fontRef idx="minor">
-          <a:schemeClr val="lt1"/>
+          <a:schemeClr val="dk1"/>
         </a:fontRef>
       </dsp:style>
       <dsp:txBody>
@@ -10246,26 +10479,28 @@
           <a:avLst/>
         </a:prstGeom>
         <a:noFill/>
-        <a:ln w="12700" cap="flat" cmpd="sng" algn="ctr">
+        <a:ln>
           <a:noFill/>
-          <a:prstDash val="solid"/>
-          <a:miter lim="800000"/>
         </a:ln>
         <a:effectLst/>
+        <a:scene3d>
+          <a:camera prst="orthographicFront"/>
+          <a:lightRig rig="flat" dir="t"/>
+        </a:scene3d>
         <a:sp3d/>
       </dsp:spPr>
       <dsp:style>
-        <a:lnRef idx="2">
+        <a:lnRef idx="0">
           <a:scrgbClr r="0" g="0" b="0"/>
         </a:lnRef>
-        <a:fillRef idx="1">
+        <a:fillRef idx="2">
           <a:scrgbClr r="0" g="0" b="0"/>
         </a:fillRef>
-        <a:effectRef idx="0">
+        <a:effectRef idx="1">
           <a:scrgbClr r="0" g="0" b="0"/>
         </a:effectRef>
         <a:fontRef idx="minor">
-          <a:schemeClr val="lt1"/>
+          <a:schemeClr val="dk1"/>
         </a:fontRef>
       </dsp:style>
       <dsp:txBody>
@@ -10344,26 +10579,28 @@
           <a:avLst/>
         </a:prstGeom>
         <a:noFill/>
-        <a:ln w="12700" cap="flat" cmpd="sng" algn="ctr">
+        <a:ln>
           <a:noFill/>
-          <a:prstDash val="solid"/>
-          <a:miter lim="800000"/>
         </a:ln>
         <a:effectLst/>
+        <a:scene3d>
+          <a:camera prst="orthographicFront"/>
+          <a:lightRig rig="flat" dir="t"/>
+        </a:scene3d>
         <a:sp3d/>
       </dsp:spPr>
       <dsp:style>
-        <a:lnRef idx="2">
+        <a:lnRef idx="0">
           <a:scrgbClr r="0" g="0" b="0"/>
         </a:lnRef>
-        <a:fillRef idx="1">
+        <a:fillRef idx="2">
           <a:scrgbClr r="0" g="0" b="0"/>
         </a:fillRef>
-        <a:effectRef idx="0">
+        <a:effectRef idx="1">
           <a:scrgbClr r="0" g="0" b="0"/>
         </a:effectRef>
         <a:fontRef idx="minor">
-          <a:schemeClr val="lt1"/>
+          <a:schemeClr val="dk1"/>
         </a:fontRef>
       </dsp:style>
       <dsp:txBody>
@@ -10464,26 +10701,28 @@
           <a:avLst/>
         </a:prstGeom>
         <a:noFill/>
-        <a:ln w="12700" cap="flat" cmpd="sng" algn="ctr">
+        <a:ln>
           <a:noFill/>
-          <a:prstDash val="solid"/>
-          <a:miter lim="800000"/>
         </a:ln>
         <a:effectLst/>
+        <a:scene3d>
+          <a:camera prst="orthographicFront"/>
+          <a:lightRig rig="flat" dir="t"/>
+        </a:scene3d>
         <a:sp3d/>
       </dsp:spPr>
       <dsp:style>
-        <a:lnRef idx="2">
+        <a:lnRef idx="0">
           <a:scrgbClr r="0" g="0" b="0"/>
         </a:lnRef>
-        <a:fillRef idx="1">
+        <a:fillRef idx="2">
           <a:scrgbClr r="0" g="0" b="0"/>
         </a:fillRef>
-        <a:effectRef idx="0">
+        <a:effectRef idx="1">
           <a:scrgbClr r="0" g="0" b="0"/>
         </a:effectRef>
         <a:fontRef idx="minor">
-          <a:schemeClr val="lt1"/>
+          <a:schemeClr val="dk1"/>
         </a:fontRef>
       </dsp:style>
       <dsp:txBody>
@@ -10529,26 +10768,28 @@
           <a:avLst/>
         </a:prstGeom>
         <a:noFill/>
-        <a:ln w="12700" cap="flat" cmpd="sng" algn="ctr">
+        <a:ln>
           <a:noFill/>
-          <a:prstDash val="solid"/>
-          <a:miter lim="800000"/>
         </a:ln>
         <a:effectLst/>
+        <a:scene3d>
+          <a:camera prst="orthographicFront"/>
+          <a:lightRig rig="flat" dir="t"/>
+        </a:scene3d>
         <a:sp3d/>
       </dsp:spPr>
       <dsp:style>
-        <a:lnRef idx="2">
+        <a:lnRef idx="0">
           <a:scrgbClr r="0" g="0" b="0"/>
         </a:lnRef>
-        <a:fillRef idx="1">
+        <a:fillRef idx="2">
           <a:scrgbClr r="0" g="0" b="0"/>
         </a:fillRef>
-        <a:effectRef idx="0">
+        <a:effectRef idx="1">
           <a:scrgbClr r="0" g="0" b="0"/>
         </a:effectRef>
         <a:fontRef idx="minor">
-          <a:schemeClr val="lt1"/>
+          <a:schemeClr val="dk1"/>
         </a:fontRef>
       </dsp:style>
       <dsp:txBody>
@@ -15984,11 +16225,11 @@
 </file>
 
 <file path=ppt/diagrams/quickStyle3.xml><?xml version="1.0" encoding="utf-8"?>
-<dgm:styleDef xmlns:dgm="http://schemas.openxmlformats.org/drawingml/2006/diagram" xmlns:a="http://schemas.openxmlformats.org/drawingml/2006/main" uniqueId="urn:microsoft.com/office/officeart/2005/8/quickstyle/simple1">
+<dgm:styleDef xmlns:dgm="http://schemas.openxmlformats.org/drawingml/2006/diagram" xmlns:a="http://schemas.openxmlformats.org/drawingml/2006/main" uniqueId="urn:microsoft.com/office/officeart/2005/8/quickstyle/simple3">
   <dgm:title val=""/>
   <dgm:desc val=""/>
   <dgm:catLst>
-    <dgm:cat type="simple" pri="10100"/>
+    <dgm:cat type="simple" pri="10300"/>
   </dgm:catLst>
   <dgm:scene3d>
     <a:camera prst="orthographicFront"/>
@@ -15997,59 +16238,65 @@
   <dgm:styleLbl name="node0">
     <dgm:scene3d>
       <a:camera prst="orthographicFront"/>
-      <a:lightRig rig="threePt" dir="t"/>
+      <a:lightRig rig="flat" dir="t"/>
     </dgm:scene3d>
-    <dgm:sp3d/>
+    <dgm:sp3d prstMaterial="dkEdge">
+      <a:bevelT w="8200" h="38100"/>
+    </dgm:sp3d>
     <dgm:txPr/>
     <dgm:style>
-      <a:lnRef idx="2">
+      <a:lnRef idx="0">
         <a:scrgbClr r="0" g="0" b="0"/>
       </a:lnRef>
-      <a:fillRef idx="1">
+      <a:fillRef idx="2">
         <a:scrgbClr r="0" g="0" b="0"/>
       </a:fillRef>
-      <a:effectRef idx="0">
+      <a:effectRef idx="1">
         <a:scrgbClr r="0" g="0" b="0"/>
       </a:effectRef>
       <a:fontRef idx="minor">
-        <a:schemeClr val="lt1"/>
+        <a:schemeClr val="dk1"/>
       </a:fontRef>
     </dgm:style>
   </dgm:styleLbl>
   <dgm:styleLbl name="lnNode1">
     <dgm:scene3d>
       <a:camera prst="orthographicFront"/>
-      <a:lightRig rig="threePt" dir="t"/>
+      <a:lightRig rig="flat" dir="t"/>
     </dgm:scene3d>
-    <dgm:sp3d/>
+    <dgm:sp3d prstMaterial="dkEdge">
+      <a:bevelT w="8200" h="38100"/>
+    </dgm:sp3d>
     <dgm:txPr/>
     <dgm:style>
-      <a:lnRef idx="2">
+      <a:lnRef idx="1">
         <a:scrgbClr r="0" g="0" b="0"/>
       </a:lnRef>
-      <a:fillRef idx="1">
+      <a:fillRef idx="2">
         <a:scrgbClr r="0" g="0" b="0"/>
       </a:fillRef>
       <a:effectRef idx="0">
         <a:scrgbClr r="0" g="0" b="0"/>
       </a:effectRef>
       <a:fontRef idx="minor">
-        <a:schemeClr val="lt1"/>
+        <a:schemeClr val="dk1"/>
       </a:fontRef>
     </dgm:style>
   </dgm:styleLbl>
   <dgm:styleLbl name="vennNode1">
     <dgm:scene3d>
       <a:camera prst="orthographicFront"/>
-      <a:lightRig rig="threePt" dir="t"/>
+      <a:lightRig rig="flat" dir="t"/>
     </dgm:scene3d>
-    <dgm:sp3d/>
+    <dgm:sp3d prstMaterial="dkEdge">
+      <a:bevelT w="8200" h="38100"/>
+    </dgm:sp3d>
     <dgm:txPr/>
     <dgm:style>
-      <a:lnRef idx="2">
+      <a:lnRef idx="0">
         <a:scrgbClr r="0" g="0" b="0"/>
       </a:lnRef>
-      <a:fillRef idx="1">
+      <a:fillRef idx="2">
         <a:scrgbClr r="0" g="0" b="0"/>
       </a:fillRef>
       <a:effectRef idx="0">
@@ -16068,105 +16315,113 @@
     <dgm:sp3d/>
     <dgm:txPr/>
     <dgm:style>
-      <a:lnRef idx="2">
+      <a:lnRef idx="1">
         <a:scrgbClr r="0" g="0" b="0"/>
       </a:lnRef>
-      <a:fillRef idx="1">
+      <a:fillRef idx="2">
         <a:scrgbClr r="0" g="0" b="0"/>
       </a:fillRef>
-      <a:effectRef idx="0">
+      <a:effectRef idx="1">
         <a:scrgbClr r="0" g="0" b="0"/>
       </a:effectRef>
       <a:fontRef idx="minor">
-        <a:schemeClr val="lt1"/>
+        <a:schemeClr val="dk1"/>
       </a:fontRef>
     </dgm:style>
   </dgm:styleLbl>
   <dgm:styleLbl name="node1">
     <dgm:scene3d>
       <a:camera prst="orthographicFront"/>
-      <a:lightRig rig="threePt" dir="t"/>
+      <a:lightRig rig="flat" dir="t"/>
     </dgm:scene3d>
-    <dgm:sp3d/>
+    <dgm:sp3d prstMaterial="dkEdge">
+      <a:bevelT w="8200" h="38100"/>
+    </dgm:sp3d>
     <dgm:txPr/>
     <dgm:style>
-      <a:lnRef idx="2">
+      <a:lnRef idx="0">
         <a:scrgbClr r="0" g="0" b="0"/>
       </a:lnRef>
-      <a:fillRef idx="1">
+      <a:fillRef idx="2">
         <a:scrgbClr r="0" g="0" b="0"/>
       </a:fillRef>
-      <a:effectRef idx="0">
+      <a:effectRef idx="1">
         <a:scrgbClr r="0" g="0" b="0"/>
       </a:effectRef>
       <a:fontRef idx="minor">
-        <a:schemeClr val="lt1"/>
+        <a:schemeClr val="dk1"/>
       </a:fontRef>
     </dgm:style>
   </dgm:styleLbl>
   <dgm:styleLbl name="node2">
     <dgm:scene3d>
       <a:camera prst="orthographicFront"/>
-      <a:lightRig rig="threePt" dir="t"/>
+      <a:lightRig rig="flat" dir="t"/>
     </dgm:scene3d>
-    <dgm:sp3d/>
+    <dgm:sp3d prstMaterial="dkEdge">
+      <a:bevelT w="8200" h="38100"/>
+    </dgm:sp3d>
     <dgm:txPr/>
     <dgm:style>
-      <a:lnRef idx="2">
+      <a:lnRef idx="0">
         <a:scrgbClr r="0" g="0" b="0"/>
       </a:lnRef>
-      <a:fillRef idx="1">
+      <a:fillRef idx="2">
         <a:scrgbClr r="0" g="0" b="0"/>
       </a:fillRef>
-      <a:effectRef idx="0">
+      <a:effectRef idx="1">
         <a:scrgbClr r="0" g="0" b="0"/>
       </a:effectRef>
       <a:fontRef idx="minor">
-        <a:schemeClr val="lt1"/>
+        <a:schemeClr val="dk1"/>
       </a:fontRef>
     </dgm:style>
   </dgm:styleLbl>
   <dgm:styleLbl name="node3">
     <dgm:scene3d>
       <a:camera prst="orthographicFront"/>
-      <a:lightRig rig="threePt" dir="t"/>
+      <a:lightRig rig="flat" dir="t"/>
     </dgm:scene3d>
-    <dgm:sp3d/>
+    <dgm:sp3d prstMaterial="dkEdge">
+      <a:bevelT w="8200" h="38100"/>
+    </dgm:sp3d>
     <dgm:txPr/>
     <dgm:style>
-      <a:lnRef idx="2">
+      <a:lnRef idx="0">
         <a:scrgbClr r="0" g="0" b="0"/>
       </a:lnRef>
-      <a:fillRef idx="1">
+      <a:fillRef idx="2">
         <a:scrgbClr r="0" g="0" b="0"/>
       </a:fillRef>
-      <a:effectRef idx="0">
+      <a:effectRef idx="1">
         <a:scrgbClr r="0" g="0" b="0"/>
       </a:effectRef>
       <a:fontRef idx="minor">
-        <a:schemeClr val="lt1"/>
+        <a:schemeClr val="dk1"/>
       </a:fontRef>
     </dgm:style>
   </dgm:styleLbl>
   <dgm:styleLbl name="node4">
     <dgm:scene3d>
       <a:camera prst="orthographicFront"/>
-      <a:lightRig rig="threePt" dir="t"/>
+      <a:lightRig rig="flat" dir="t"/>
     </dgm:scene3d>
-    <dgm:sp3d/>
+    <dgm:sp3d prstMaterial="dkEdge">
+      <a:bevelT w="8200" h="38100"/>
+    </dgm:sp3d>
     <dgm:txPr/>
     <dgm:style>
-      <a:lnRef idx="2">
+      <a:lnRef idx="0">
         <a:scrgbClr r="0" g="0" b="0"/>
       </a:lnRef>
-      <a:fillRef idx="1">
+      <a:fillRef idx="2">
         <a:scrgbClr r="0" g="0" b="0"/>
       </a:fillRef>
-      <a:effectRef idx="0">
+      <a:effectRef idx="1">
         <a:scrgbClr r="0" g="0" b="0"/>
       </a:effectRef>
       <a:fontRef idx="minor">
-        <a:schemeClr val="lt1"/>
+        <a:schemeClr val="dk1"/>
       </a:fontRef>
     </dgm:style>
   </dgm:styleLbl>
@@ -16178,13 +16433,13 @@
     <dgm:sp3d/>
     <dgm:txPr/>
     <dgm:style>
-      <a:lnRef idx="2">
+      <a:lnRef idx="1">
         <a:scrgbClr r="0" g="0" b="0"/>
       </a:lnRef>
       <a:fillRef idx="1">
         <a:scrgbClr r="0" g="0" b="0"/>
       </a:fillRef>
-      <a:effectRef idx="0">
+      <a:effectRef idx="1">
         <a:scrgbClr r="0" g="0" b="0"/>
       </a:effectRef>
       <a:fontRef idx="minor"/>
@@ -16198,13 +16453,13 @@
     <dgm:sp3d/>
     <dgm:txPr/>
     <dgm:style>
-      <a:lnRef idx="2">
+      <a:lnRef idx="1">
         <a:scrgbClr r="0" g="0" b="0"/>
       </a:lnRef>
       <a:fillRef idx="1">
         <a:scrgbClr r="0" g="0" b="0"/>
       </a:fillRef>
-      <a:effectRef idx="0">
+      <a:effectRef idx="1">
         <a:scrgbClr r="0" g="0" b="0"/>
       </a:effectRef>
       <a:fontRef idx="minor"/>
@@ -16218,13 +16473,13 @@
     <dgm:sp3d/>
     <dgm:txPr/>
     <dgm:style>
-      <a:lnRef idx="2">
+      <a:lnRef idx="1">
         <a:scrgbClr r="0" g="0" b="0"/>
       </a:lnRef>
       <a:fillRef idx="1">
         <a:scrgbClr r="0" g="0" b="0"/>
       </a:fillRef>
-      <a:effectRef idx="0">
+      <a:effectRef idx="1">
         <a:scrgbClr r="0" g="0" b="0"/>
       </a:effectRef>
       <a:fontRef idx="minor"/>
@@ -16241,14 +16496,14 @@
       <a:lnRef idx="0">
         <a:scrgbClr r="0" g="0" b="0"/>
       </a:lnRef>
-      <a:fillRef idx="1">
+      <a:fillRef idx="2">
         <a:scrgbClr r="0" g="0" b="0"/>
       </a:fillRef>
-      <a:effectRef idx="0">
+      <a:effectRef idx="1">
         <a:scrgbClr r="0" g="0" b="0"/>
       </a:effectRef>
       <a:fontRef idx="minor">
-        <a:schemeClr val="lt1"/>
+        <a:schemeClr val="dk1"/>
       </a:fontRef>
     </dgm:style>
   </dgm:styleLbl>
@@ -16263,14 +16518,14 @@
       <a:lnRef idx="0">
         <a:scrgbClr r="0" g="0" b="0"/>
       </a:lnRef>
-      <a:fillRef idx="1">
+      <a:fillRef idx="2">
         <a:scrgbClr r="0" g="0" b="0"/>
       </a:fillRef>
-      <a:effectRef idx="0">
+      <a:effectRef idx="1">
         <a:scrgbClr r="0" g="0" b="0"/>
       </a:effectRef>
       <a:fontRef idx="minor">
-        <a:schemeClr val="lt1"/>
+        <a:schemeClr val="dk1"/>
       </a:fontRef>
     </dgm:style>
   </dgm:styleLbl>
@@ -16285,14 +16540,14 @@
       <a:lnRef idx="0">
         <a:scrgbClr r="0" g="0" b="0"/>
       </a:lnRef>
-      <a:fillRef idx="1">
+      <a:fillRef idx="2">
         <a:scrgbClr r="0" g="0" b="0"/>
       </a:fillRef>
-      <a:effectRef idx="0">
+      <a:effectRef idx="1">
         <a:scrgbClr r="0" g="0" b="0"/>
       </a:effectRef>
       <a:fontRef idx="minor">
-        <a:schemeClr val="lt1"/>
+        <a:schemeClr val="dk1"/>
       </a:fontRef>
     </dgm:style>
   </dgm:styleLbl>
@@ -16324,13 +16579,13 @@
     <dgm:sp3d/>
     <dgm:txPr/>
     <dgm:style>
-      <a:lnRef idx="2">
+      <a:lnRef idx="1">
         <a:scrgbClr r="0" g="0" b="0"/>
       </a:lnRef>
-      <a:fillRef idx="1">
+      <a:fillRef idx="2">
         <a:scrgbClr r="0" g="0" b="0"/>
       </a:fillRef>
-      <a:effectRef idx="0">
+      <a:effectRef idx="1">
         <a:scrgbClr r="0" g="0" b="0"/>
       </a:effectRef>
       <a:fontRef idx="minor"/>
@@ -16339,110 +16594,120 @@
   <dgm:styleLbl name="asst0">
     <dgm:scene3d>
       <a:camera prst="orthographicFront"/>
-      <a:lightRig rig="threePt" dir="t"/>
+      <a:lightRig rig="flat" dir="t"/>
     </dgm:scene3d>
-    <dgm:sp3d/>
+    <dgm:sp3d prstMaterial="dkEdge">
+      <a:bevelT w="8200" h="38100"/>
+    </dgm:sp3d>
     <dgm:txPr/>
     <dgm:style>
-      <a:lnRef idx="2">
+      <a:lnRef idx="0">
         <a:scrgbClr r="0" g="0" b="0"/>
       </a:lnRef>
-      <a:fillRef idx="1">
+      <a:fillRef idx="2">
         <a:scrgbClr r="0" g="0" b="0"/>
       </a:fillRef>
-      <a:effectRef idx="0">
+      <a:effectRef idx="1">
         <a:scrgbClr r="0" g="0" b="0"/>
       </a:effectRef>
       <a:fontRef idx="minor">
-        <a:schemeClr val="lt1"/>
+        <a:schemeClr val="dk1"/>
       </a:fontRef>
     </dgm:style>
   </dgm:styleLbl>
   <dgm:styleLbl name="asst1">
     <dgm:scene3d>
       <a:camera prst="orthographicFront"/>
-      <a:lightRig rig="threePt" dir="t"/>
+      <a:lightRig rig="flat" dir="t"/>
     </dgm:scene3d>
-    <dgm:sp3d/>
+    <dgm:sp3d prstMaterial="dkEdge">
+      <a:bevelT w="8200" h="38100"/>
+    </dgm:sp3d>
     <dgm:txPr/>
     <dgm:style>
-      <a:lnRef idx="2">
+      <a:lnRef idx="0">
         <a:scrgbClr r="0" g="0" b="0"/>
       </a:lnRef>
-      <a:fillRef idx="1">
+      <a:fillRef idx="2">
         <a:scrgbClr r="0" g="0" b="0"/>
       </a:fillRef>
-      <a:effectRef idx="0">
+      <a:effectRef idx="1">
         <a:scrgbClr r="0" g="0" b="0"/>
       </a:effectRef>
       <a:fontRef idx="minor">
-        <a:schemeClr val="lt1"/>
+        <a:schemeClr val="dk1"/>
       </a:fontRef>
     </dgm:style>
   </dgm:styleLbl>
   <dgm:styleLbl name="asst2">
     <dgm:scene3d>
       <a:camera prst="orthographicFront"/>
-      <a:lightRig rig="threePt" dir="t"/>
+      <a:lightRig rig="flat" dir="t"/>
     </dgm:scene3d>
-    <dgm:sp3d/>
+    <dgm:sp3d prstMaterial="dkEdge">
+      <a:bevelT w="8200" h="38100"/>
+    </dgm:sp3d>
     <dgm:txPr/>
     <dgm:style>
-      <a:lnRef idx="2">
+      <a:lnRef idx="0">
         <a:scrgbClr r="0" g="0" b="0"/>
       </a:lnRef>
-      <a:fillRef idx="1">
+      <a:fillRef idx="2">
         <a:scrgbClr r="0" g="0" b="0"/>
       </a:fillRef>
-      <a:effectRef idx="0">
+      <a:effectRef idx="1">
         <a:scrgbClr r="0" g="0" b="0"/>
       </a:effectRef>
       <a:fontRef idx="minor">
-        <a:schemeClr val="lt1"/>
+        <a:schemeClr val="dk1"/>
       </a:fontRef>
     </dgm:style>
   </dgm:styleLbl>
   <dgm:styleLbl name="asst3">
     <dgm:scene3d>
       <a:camera prst="orthographicFront"/>
-      <a:lightRig rig="threePt" dir="t"/>
+      <a:lightRig rig="flat" dir="t"/>
     </dgm:scene3d>
-    <dgm:sp3d/>
+    <dgm:sp3d prstMaterial="dkEdge">
+      <a:bevelT w="8200" h="38100"/>
+    </dgm:sp3d>
     <dgm:txPr/>
     <dgm:style>
-      <a:lnRef idx="2">
+      <a:lnRef idx="0">
         <a:scrgbClr r="0" g="0" b="0"/>
       </a:lnRef>
-      <a:fillRef idx="1">
+      <a:fillRef idx="2">
         <a:scrgbClr r="0" g="0" b="0"/>
       </a:fillRef>
-      <a:effectRef idx="0">
+      <a:effectRef idx="1">
         <a:scrgbClr r="0" g="0" b="0"/>
       </a:effectRef>
       <a:fontRef idx="minor">
-        <a:schemeClr val="lt1"/>
+        <a:schemeClr val="dk1"/>
       </a:fontRef>
     </dgm:style>
   </dgm:styleLbl>
   <dgm:styleLbl name="asst4">
     <dgm:scene3d>
       <a:camera prst="orthographicFront"/>
-      <a:lightRig rig="threePt" dir="t"/>
+      <a:lightRig rig="flat" dir="t"/>
     </dgm:scene3d>
-    <dgm:sp3d/>
+    <dgm:sp3d prstMaterial="dkEdge">
+      <a:bevelT w="8200" h="38100"/>
+    </dgm:sp3d>
     <dgm:txPr/>
     <dgm:style>
-      <a:lnRef idx="2">
+      <a:lnRef idx="0">
         <a:scrgbClr r="0" g="0" b="0"/>
       </a:lnRef>
-      <a:fillRef idx="1">
+      <a:fillRef idx="2">
         <a:scrgbClr r="0" g="0" b="0"/>
       </a:fillRef>
-      <a:effectRef idx="0">
+      <a:effectRef idx="1">
         <a:scrgbClr r="0" g="0" b="0"/>
       </a:effectRef>
       <a:fontRef idx="minor">
-        <a:schemeClr val="lt1"/>
+        <a:schemeClr val="dk1"/>
       </a:fontRef>
     </dgm:style>
   </dgm:styleLbl>
@@ -16454,17 +16719,17 @@
     <dgm:sp3d/>
     <dgm:txPr/>
     <dgm:style>
-      <a:lnRef idx="2">
+      <a:lnRef idx="1">
         <a:scrgbClr r="0" g="0" b="0"/>
       </a:lnRef>
-      <a:fillRef idx="1">
+      <a:fillRef idx="2">
         <a:scrgbClr r="0" g="0" b="0"/>
       </a:fillRef>
-      <a:effectRef idx="0">
+      <a:effectRef idx="1">
         <a:scrgbClr r="0" g="0" b="0"/>
       </a:effectRef>
       <a:fontRef idx="minor">
-        <a:schemeClr val="lt1"/>
+        <a:schemeClr val="dk1"/>
       </a:fontRef>
     </dgm:style>
   </dgm:styleLbl>
@@ -16476,17 +16741,17 @@
     <dgm:sp3d/>
     <dgm:txPr/>
     <dgm:style>
-      <a:lnRef idx="2">
+      <a:lnRef idx="1">
         <a:scrgbClr r="0" g="0" b="0"/>
       </a:lnRef>
-      <a:fillRef idx="1">
+      <a:fillRef idx="2">
         <a:scrgbClr r="0" g="0" b="0"/>
       </a:fillRef>
-      <a:effectRef idx="0">
+      <a:effectRef idx="1">
         <a:scrgbClr r="0" g="0" b="0"/>
       </a:effectRef>
       <a:fontRef idx="minor">
-        <a:schemeClr val="lt1"/>
+        <a:schemeClr val="dk1"/>
       </a:fontRef>
     </dgm:style>
   </dgm:styleLbl>
@@ -16498,17 +16763,17 @@
     <dgm:sp3d/>
     <dgm:txPr/>
     <dgm:style>
-      <a:lnRef idx="2">
+      <a:lnRef idx="1">
         <a:scrgbClr r="0" g="0" b="0"/>
       </a:lnRef>
-      <a:fillRef idx="1">
+      <a:fillRef idx="2">
         <a:scrgbClr r="0" g="0" b="0"/>
       </a:fillRef>
-      <a:effectRef idx="0">
+      <a:effectRef idx="1">
         <a:scrgbClr r="0" g="0" b="0"/>
       </a:effectRef>
       <a:fontRef idx="minor">
-        <a:schemeClr val="lt1"/>
+        <a:schemeClr val="dk1"/>
       </a:fontRef>
     </dgm:style>
   </dgm:styleLbl>
@@ -16520,17 +16785,17 @@
     <dgm:sp3d/>
     <dgm:txPr/>
     <dgm:style>
-      <a:lnRef idx="2">
+      <a:lnRef idx="1">
         <a:scrgbClr r="0" g="0" b="0"/>
       </a:lnRef>
-      <a:fillRef idx="1">
+      <a:fillRef idx="2">
         <a:scrgbClr r="0" g="0" b="0"/>
       </a:fillRef>
-      <a:effectRef idx="0">
+      <a:effectRef idx="1">
         <a:scrgbClr r="0" g="0" b="0"/>
       </a:effectRef>
       <a:fontRef idx="minor">
-        <a:schemeClr val="lt1"/>
+        <a:schemeClr val="dk1"/>
       </a:fontRef>
     </dgm:style>
   </dgm:styleLbl>
@@ -16622,7 +16887,7 @@
     <dgm:sp3d/>
     <dgm:txPr/>
     <dgm:style>
-      <a:lnRef idx="2">
+      <a:lnRef idx="1">
         <a:scrgbClr r="0" g="0" b="0"/>
       </a:lnRef>
       <a:fillRef idx="1">
@@ -16642,7 +16907,7 @@
     <dgm:sp3d/>
     <dgm:txPr/>
     <dgm:style>
-      <a:lnRef idx="2">
+      <a:lnRef idx="1">
         <a:scrgbClr r="0" g="0" b="0"/>
       </a:lnRef>
       <a:fillRef idx="1">
@@ -16662,7 +16927,7 @@
     <dgm:sp3d/>
     <dgm:txPr/>
     <dgm:style>
-      <a:lnRef idx="2">
+      <a:lnRef idx="1">
         <a:scrgbClr r="0" g="0" b="0"/>
       </a:lnRef>
       <a:fillRef idx="1">
@@ -16702,7 +16967,7 @@
     <dgm:sp3d/>
     <dgm:txPr/>
     <dgm:style>
-      <a:lnRef idx="2">
+      <a:lnRef idx="1">
         <a:scrgbClr r="0" g="0" b="0"/>
       </a:lnRef>
       <a:fillRef idx="1">
@@ -16722,10 +16987,10 @@
     <dgm:sp3d/>
     <dgm:txPr/>
     <dgm:style>
-      <a:lnRef idx="2">
+      <a:lnRef idx="1">
         <a:scrgbClr r="0" g="0" b="0"/>
       </a:lnRef>
-      <a:fillRef idx="1">
+      <a:fillRef idx="2">
         <a:scrgbClr r="0" g="0" b="0"/>
       </a:fillRef>
       <a:effectRef idx="0">
@@ -16742,7 +17007,7 @@
     <dgm:sp3d/>
     <dgm:txPr/>
     <dgm:style>
-      <a:lnRef idx="2">
+      <a:lnRef idx="1">
         <a:scrgbClr r="0" g="0" b="0"/>
       </a:lnRef>
       <a:fillRef idx="1">
@@ -16762,7 +17027,7 @@
     <dgm:sp3d/>
     <dgm:txPr/>
     <dgm:style>
-      <a:lnRef idx="2">
+      <a:lnRef idx="1">
         <a:scrgbClr r="0" g="0" b="0"/>
       </a:lnRef>
       <a:fillRef idx="1">
@@ -16782,7 +17047,7 @@
     <dgm:sp3d/>
     <dgm:txPr/>
     <dgm:style>
-      <a:lnRef idx="2">
+      <a:lnRef idx="1">
         <a:scrgbClr r="0" g="0" b="0"/>
       </a:lnRef>
       <a:fillRef idx="1">
@@ -16802,7 +17067,7 @@
     <dgm:sp3d/>
     <dgm:txPr/>
     <dgm:style>
-      <a:lnRef idx="2">
+      <a:lnRef idx="1">
         <a:scrgbClr r="0" g="0" b="0"/>
       </a:lnRef>
       <a:fillRef idx="1">
@@ -16822,7 +17087,7 @@
     <dgm:sp3d/>
     <dgm:txPr/>
     <dgm:style>
-      <a:lnRef idx="2">
+      <a:lnRef idx="1">
         <a:scrgbClr r="0" g="0" b="0"/>
       </a:lnRef>
       <a:fillRef idx="1">
@@ -16842,7 +17107,7 @@
     <dgm:sp3d/>
     <dgm:txPr/>
     <dgm:style>
-      <a:lnRef idx="2">
+      <a:lnRef idx="1">
         <a:scrgbClr r="0" g="0" b="0"/>
       </a:lnRef>
       <a:fillRef idx="1">
@@ -16862,7 +17127,7 @@
     <dgm:sp3d/>
     <dgm:txPr/>
     <dgm:style>
-      <a:lnRef idx="2">
+      <a:lnRef idx="1">
         <a:scrgbClr r="0" g="0" b="0"/>
       </a:lnRef>
       <a:fillRef idx="1">
@@ -16882,7 +17147,7 @@
     <dgm:sp3d/>
     <dgm:txPr/>
     <dgm:style>
-      <a:lnRef idx="2">
+      <a:lnRef idx="1">
         <a:scrgbClr r="0" g="0" b="0"/>
       </a:lnRef>
       <a:fillRef idx="1">
@@ -16902,7 +17167,7 @@
     <dgm:sp3d/>
     <dgm:txPr/>
     <dgm:style>
-      <a:lnRef idx="2">
+      <a:lnRef idx="1">
         <a:scrgbClr r="0" g="0" b="0"/>
       </a:lnRef>
       <a:fillRef idx="1">
@@ -16928,7 +17193,7 @@
       <a:fillRef idx="1">
         <a:scrgbClr r="0" g="0" b="0"/>
       </a:fillRef>
-      <a:effectRef idx="0">
+      <a:effectRef idx="1">
         <a:scrgbClr r="0" g="0" b="0"/>
       </a:effectRef>
       <a:fontRef idx="minor"/>
@@ -16948,7 +17213,7 @@
       <a:fillRef idx="1">
         <a:scrgbClr r="0" g="0" b="0"/>
       </a:fillRef>
-      <a:effectRef idx="0">
+      <a:effectRef idx="1">
         <a:scrgbClr r="0" g="0" b="0"/>
       </a:effectRef>
       <a:fontRef idx="minor"/>
@@ -16977,18 +17242,20 @@
   <dgm:styleLbl name="fgShp">
     <dgm:scene3d>
       <a:camera prst="orthographicFront"/>
-      <a:lightRig rig="threePt" dir="t"/>
+      <a:lightRig rig="flat" dir="t"/>
     </dgm:scene3d>
-    <dgm:sp3d/>
+    <dgm:sp3d prstMaterial="dkEdge">
+      <a:bevelT w="8200" h="38100"/>
+    </dgm:sp3d>
     <dgm:txPr/>
     <dgm:style>
-      <a:lnRef idx="2">
+      <a:lnRef idx="1">
         <a:scrgbClr r="0" g="0" b="0"/>
       </a:lnRef>
-      <a:fillRef idx="1">
+      <a:fillRef idx="2">
         <a:scrgbClr r="0" g="0" b="0"/>
       </a:fillRef>
-      <a:effectRef idx="0">
+      <a:effectRef idx="1">
         <a:scrgbClr r="0" g="0" b="0"/>
       </a:effectRef>
       <a:fontRef idx="minor"/>
@@ -18133,7 +18400,7 @@
           <a:p>
             <a:fld id="{D2F9E994-851E-CA40-9256-D22CD526733A}" type="datetimeFigureOut">
               <a:rPr lang="en-US" smtClean="0"/>
-              <a:t>3/25/24</a:t>
+              <a:t>3/26/24</a:t>
             </a:fld>
             <a:endParaRPr lang="en-US"/>
           </a:p>
@@ -18834,7 +19101,7 @@
           <a:p>
             <a:fld id="{3C05FE8D-AD9E-4E47-8136-F4677FFC079C}" type="datetimeFigureOut">
               <a:rPr lang="en-IN" smtClean="0"/>
-              <a:t>25/03/24</a:t>
+              <a:t>26/03/24</a:t>
             </a:fld>
             <a:endParaRPr lang="en-IN"/>
           </a:p>
@@ -19034,7 +19301,7 @@
           <a:p>
             <a:fld id="{3C05FE8D-AD9E-4E47-8136-F4677FFC079C}" type="datetimeFigureOut">
               <a:rPr lang="en-IN" smtClean="0"/>
-              <a:t>25/03/24</a:t>
+              <a:t>26/03/24</a:t>
             </a:fld>
             <a:endParaRPr lang="en-IN"/>
           </a:p>
@@ -19244,7 +19511,7 @@
           <a:p>
             <a:fld id="{3C05FE8D-AD9E-4E47-8136-F4677FFC079C}" type="datetimeFigureOut">
               <a:rPr lang="en-IN" smtClean="0"/>
-              <a:t>25/03/24</a:t>
+              <a:t>26/03/24</a:t>
             </a:fld>
             <a:endParaRPr lang="en-IN"/>
           </a:p>
@@ -19444,7 +19711,7 @@
           <a:p>
             <a:fld id="{3C05FE8D-AD9E-4E47-8136-F4677FFC079C}" type="datetimeFigureOut">
               <a:rPr lang="en-IN" smtClean="0"/>
-              <a:t>25/03/24</a:t>
+              <a:t>26/03/24</a:t>
             </a:fld>
             <a:endParaRPr lang="en-IN"/>
           </a:p>
@@ -19720,7 +19987,7 @@
           <a:p>
             <a:fld id="{3C05FE8D-AD9E-4E47-8136-F4677FFC079C}" type="datetimeFigureOut">
               <a:rPr lang="en-IN" smtClean="0"/>
-              <a:t>25/03/24</a:t>
+              <a:t>26/03/24</a:t>
             </a:fld>
             <a:endParaRPr lang="en-IN"/>
           </a:p>
@@ -19988,7 +20255,7 @@
           <a:p>
             <a:fld id="{3C05FE8D-AD9E-4E47-8136-F4677FFC079C}" type="datetimeFigureOut">
               <a:rPr lang="en-IN" smtClean="0"/>
-              <a:t>25/03/24</a:t>
+              <a:t>26/03/24</a:t>
             </a:fld>
             <a:endParaRPr lang="en-IN"/>
           </a:p>
@@ -20403,7 +20670,7 @@
           <a:p>
             <a:fld id="{3C05FE8D-AD9E-4E47-8136-F4677FFC079C}" type="datetimeFigureOut">
               <a:rPr lang="en-IN" smtClean="0"/>
-              <a:t>25/03/24</a:t>
+              <a:t>26/03/24</a:t>
             </a:fld>
             <a:endParaRPr lang="en-IN"/>
           </a:p>
@@ -20545,7 +20812,7 @@
           <a:p>
             <a:fld id="{3C05FE8D-AD9E-4E47-8136-F4677FFC079C}" type="datetimeFigureOut">
               <a:rPr lang="en-IN" smtClean="0"/>
-              <a:t>25/03/24</a:t>
+              <a:t>26/03/24</a:t>
             </a:fld>
             <a:endParaRPr lang="en-IN"/>
           </a:p>
@@ -20658,7 +20925,7 @@
           <a:p>
             <a:fld id="{3C05FE8D-AD9E-4E47-8136-F4677FFC079C}" type="datetimeFigureOut">
               <a:rPr lang="en-IN" smtClean="0"/>
-              <a:t>25/03/24</a:t>
+              <a:t>26/03/24</a:t>
             </a:fld>
             <a:endParaRPr lang="en-IN"/>
           </a:p>
@@ -20971,7 +21238,7 @@
           <a:p>
             <a:fld id="{3C05FE8D-AD9E-4E47-8136-F4677FFC079C}" type="datetimeFigureOut">
               <a:rPr lang="en-IN" smtClean="0"/>
-              <a:t>25/03/24</a:t>
+              <a:t>26/03/24</a:t>
             </a:fld>
             <a:endParaRPr lang="en-IN"/>
           </a:p>
@@ -21260,7 +21527,7 @@
           <a:p>
             <a:fld id="{3C05FE8D-AD9E-4E47-8136-F4677FFC079C}" type="datetimeFigureOut">
               <a:rPr lang="en-IN" smtClean="0"/>
-              <a:t>25/03/24</a:t>
+              <a:t>26/03/24</a:t>
             </a:fld>
             <a:endParaRPr lang="en-IN"/>
           </a:p>
@@ -21503,7 +21770,7 @@
           <a:p>
             <a:fld id="{3C05FE8D-AD9E-4E47-8136-F4677FFC079C}" type="datetimeFigureOut">
               <a:rPr lang="en-IN" smtClean="0"/>
-              <a:t>25/03/24</a:t>
+              <a:t>26/03/24</a:t>
             </a:fld>
             <a:endParaRPr lang="en-IN"/>
           </a:p>
@@ -22022,7 +22289,7 @@
                   <a:prstDash val="solid"/>
                 </a:ln>
                 <a:solidFill>
-                  <a:schemeClr val="accent5"/>
+                  <a:schemeClr val="bg1"/>
                 </a:solidFill>
                 <a:effectLst>
                   <a:glow rad="139700">
@@ -22053,7 +22320,7 @@
                   <a:prstDash val="solid"/>
                 </a:ln>
                 <a:solidFill>
-                  <a:schemeClr val="accent5"/>
+                  <a:schemeClr val="bg1"/>
                 </a:solidFill>
                 <a:effectLst>
                   <a:glow rad="139700">
@@ -22084,7 +22351,7 @@
                   <a:prstDash val="solid"/>
                 </a:ln>
                 <a:solidFill>
-                  <a:schemeClr val="accent5"/>
+                  <a:schemeClr val="bg1"/>
                 </a:solidFill>
                 <a:effectLst>
                   <a:glow rad="139700">
@@ -22144,7 +22411,7 @@
                   <a:prstDash val="solid"/>
                 </a:ln>
                 <a:solidFill>
-                  <a:schemeClr val="accent5"/>
+                  <a:schemeClr val="bg1"/>
                 </a:solidFill>
                 <a:effectLst>
                   <a:glow rad="139700">
@@ -31668,7 +31935,7 @@
           <p:nvPr>
             <p:extLst>
               <p:ext uri="{D42A27DB-BD31-4B8C-83A1-F6EECF244321}">
-                <p14:modId xmlns:p14="http://schemas.microsoft.com/office/powerpoint/2010/main" val="2430830461"/>
+                <p14:modId xmlns:p14="http://schemas.microsoft.com/office/powerpoint/2010/main" val="3421158180"/>
               </p:ext>
             </p:extLst>
           </p:nvPr>

--- a/Report/Pipeline_Process.pptx
+++ b/Report/Pipeline_Process.pptx
@@ -22337,7 +22337,7 @@
                   </a:outerShdw>
                 </a:effectLst>
               </a:rPr>
-              <a:t>Vehicles, and Ai Quality </a:t>
+              <a:t>Vehicles, and Air Quality </a:t>
             </a:r>
           </a:p>
           <a:p>
